--- a/_umkc-teaching/slides/Lecture1 - Introduction.pptx
+++ b/_umkc-teaching/slides/Lecture1 - Introduction.pptx
@@ -5,33 +5,28 @@
     <p:sldMasterId id="2147483648" r:id="rId1"/>
   </p:sldMasterIdLst>
   <p:notesMasterIdLst>
-    <p:notesMasterId r:id="rId26"/>
+    <p:notesMasterId r:id="rId21"/>
   </p:notesMasterIdLst>
   <p:sldIdLst>
     <p:sldId id="257" r:id="rId2"/>
-    <p:sldId id="281" r:id="rId3"/>
-    <p:sldId id="258" r:id="rId4"/>
-    <p:sldId id="259" r:id="rId5"/>
-    <p:sldId id="260" r:id="rId6"/>
-    <p:sldId id="261" r:id="rId7"/>
-    <p:sldId id="262" r:id="rId8"/>
-    <p:sldId id="263" r:id="rId9"/>
-    <p:sldId id="264" r:id="rId10"/>
-    <p:sldId id="265" r:id="rId11"/>
-    <p:sldId id="271" r:id="rId12"/>
-    <p:sldId id="266" r:id="rId13"/>
-    <p:sldId id="267" r:id="rId14"/>
-    <p:sldId id="280" r:id="rId15"/>
-    <p:sldId id="268" r:id="rId16"/>
-    <p:sldId id="270" r:id="rId17"/>
-    <p:sldId id="272" r:id="rId18"/>
-    <p:sldId id="273" r:id="rId19"/>
-    <p:sldId id="277" r:id="rId20"/>
-    <p:sldId id="274" r:id="rId21"/>
-    <p:sldId id="276" r:id="rId22"/>
-    <p:sldId id="275" r:id="rId23"/>
-    <p:sldId id="278" r:id="rId24"/>
-    <p:sldId id="279" r:id="rId25"/>
+    <p:sldId id="282" r:id="rId3"/>
+    <p:sldId id="284" r:id="rId4"/>
+    <p:sldId id="258" r:id="rId5"/>
+    <p:sldId id="283" r:id="rId6"/>
+    <p:sldId id="263" r:id="rId7"/>
+    <p:sldId id="264" r:id="rId8"/>
+    <p:sldId id="265" r:id="rId9"/>
+    <p:sldId id="280" r:id="rId10"/>
+    <p:sldId id="268" r:id="rId11"/>
+    <p:sldId id="270" r:id="rId12"/>
+    <p:sldId id="272" r:id="rId13"/>
+    <p:sldId id="273" r:id="rId14"/>
+    <p:sldId id="277" r:id="rId15"/>
+    <p:sldId id="274" r:id="rId16"/>
+    <p:sldId id="276" r:id="rId17"/>
+    <p:sldId id="275" r:id="rId18"/>
+    <p:sldId id="278" r:id="rId19"/>
+    <p:sldId id="279" r:id="rId20"/>
   </p:sldIdLst>
   <p:sldSz cx="12192000" cy="6858000"/>
   <p:notesSz cx="6858000" cy="9144000"/>
@@ -1350,7 +1345,7 @@
           <a:p>
             <a:fld id="{3F8BDF20-BE86-4883-8A23-4CE3D0058BEA}" type="slidenum">
               <a:rPr lang="en-US" smtClean="0"/>
-              <a:t>22</a:t>
+              <a:t>17</a:t>
             </a:fld>
             <a:endParaRPr lang="en-US"/>
           </a:p>
@@ -4217,7 +4212,7 @@
         </p:nvSpPr>
         <p:spPr>
           <a:xfrm>
-            <a:off x="1408591" y="506026"/>
+            <a:off x="1444103" y="1359466"/>
             <a:ext cx="9144000" cy="1468099"/>
           </a:xfrm>
         </p:spPr>
@@ -4228,34 +4223,14 @@
           <a:lstStyle/>
           <a:p>
             <a:br>
-              <a:rPr lang="en-US" sz="4800" b="1" dirty="0">
-                <a:solidFill>
-                  <a:srgbClr val="0E6AAA"/>
-                </a:solidFill>
-              </a:rPr>
+              <a:rPr lang="en-US" sz="4800" b="1" dirty="0"/>
             </a:br>
-            <a:r>
-              <a:rPr lang="en-US" sz="4800" b="1" dirty="0">
-                <a:solidFill>
-                  <a:srgbClr val="0E6AAA"/>
-                </a:solidFill>
-              </a:rPr>
-              <a:t> COMP-SCI 5565-0002</a:t>
-            </a:r>
             <a:br>
-              <a:rPr lang="en-US" sz="4800" b="1" dirty="0">
-                <a:solidFill>
-                  <a:srgbClr val="0E6AAA"/>
-                </a:solidFill>
-              </a:rPr>
+              <a:rPr lang="en-US" sz="4800" b="1" dirty="0"/>
             </a:br>
             <a:r>
-              <a:rPr lang="en-US" sz="4800" b="1" dirty="0">
-                <a:solidFill>
-                  <a:srgbClr val="0E6AAA"/>
-                </a:solidFill>
-              </a:rPr>
-              <a:t> Introduction to Statistical Learning</a:t>
+              <a:rPr lang="en-US" sz="4800" dirty="0"/>
+              <a:t>Introduction to Statistical Learning</a:t>
             </a:r>
           </a:p>
         </p:txBody>
@@ -4270,8 +4245,8 @@
         </p:nvSpPr>
         <p:spPr>
           <a:xfrm>
-            <a:off x="1444103" y="3735204"/>
-            <a:ext cx="9144000" cy="676999"/>
+            <a:off x="1444103" y="3841884"/>
+            <a:ext cx="9144000" cy="1354956"/>
           </a:xfrm>
           <a:prstGeom prst="rect">
             <a:avLst/>
@@ -4447,299 +4422,19 @@
           </a:lstStyle>
           <a:p>
             <a:r>
-              <a:rPr lang="en-GB" b="1" dirty="0" err="1"/>
+              <a:rPr lang="en-GB" dirty="0" err="1"/>
               <a:t>Tianhang</a:t>
             </a:r>
             <a:r>
-              <a:rPr lang="en-GB" b="1" dirty="0"/>
+              <a:rPr lang="en-GB" dirty="0"/>
               <a:t> Zheng</a:t>
             </a:r>
-            <a:endParaRPr lang="en-US" b="1" dirty="0"/>
-          </a:p>
-        </p:txBody>
-      </p:sp>
-      <p:sp>
-        <p:nvSpPr>
-          <p:cNvPr id="5" name="Subtitle 2"/>
-          <p:cNvSpPr txBox="1">
-            <a:spLocks/>
-          </p:cNvSpPr>
-          <p:nvPr/>
-        </p:nvSpPr>
-        <p:spPr>
-          <a:xfrm>
-            <a:off x="1532879" y="4658482"/>
-            <a:ext cx="9144000" cy="1644664"/>
-          </a:xfrm>
-          <a:prstGeom prst="rect">
-            <a:avLst/>
-          </a:prstGeom>
-        </p:spPr>
-        <p:txBody>
-          <a:bodyPr vert="horz" lIns="91440" tIns="45720" rIns="91440" bIns="45720" rtlCol="0">
-            <a:noAutofit/>
-          </a:bodyPr>
-          <a:lstStyle>
-            <a:lvl1pPr marL="0" indent="0" algn="ctr" defTabSz="914400" rtl="0" eaLnBrk="1" latinLnBrk="0" hangingPunct="1">
-              <a:lnSpc>
-                <a:spcPct val="90000"/>
-              </a:lnSpc>
-              <a:spcBef>
-                <a:spcPts val="1000"/>
-              </a:spcBef>
-              <a:buFont typeface="Arial" panose="020B0604020202020204" pitchFamily="34" charset="0"/>
-              <a:buNone/>
-              <a:defRPr sz="2400" kern="1200">
-                <a:solidFill>
-                  <a:schemeClr val="tx1"/>
-                </a:solidFill>
-                <a:latin typeface="+mn-lt"/>
-                <a:ea typeface="+mn-ea"/>
-                <a:cs typeface="+mn-cs"/>
-              </a:defRPr>
-            </a:lvl1pPr>
-            <a:lvl2pPr marL="457200" indent="0" algn="ctr" defTabSz="914400" rtl="0" eaLnBrk="1" latinLnBrk="0" hangingPunct="1">
-              <a:lnSpc>
-                <a:spcPct val="90000"/>
-              </a:lnSpc>
-              <a:spcBef>
-                <a:spcPts val="500"/>
-              </a:spcBef>
-              <a:buFont typeface="Arial" panose="020B0604020202020204" pitchFamily="34" charset="0"/>
-              <a:buNone/>
-              <a:defRPr sz="2000" kern="1200">
-                <a:solidFill>
-                  <a:schemeClr val="tx1"/>
-                </a:solidFill>
-                <a:latin typeface="+mn-lt"/>
-                <a:ea typeface="+mn-ea"/>
-                <a:cs typeface="+mn-cs"/>
-              </a:defRPr>
-            </a:lvl2pPr>
-            <a:lvl3pPr marL="914400" indent="0" algn="ctr" defTabSz="914400" rtl="0" eaLnBrk="1" latinLnBrk="0" hangingPunct="1">
-              <a:lnSpc>
-                <a:spcPct val="90000"/>
-              </a:lnSpc>
-              <a:spcBef>
-                <a:spcPts val="500"/>
-              </a:spcBef>
-              <a:buFont typeface="Arial" panose="020B0604020202020204" pitchFamily="34" charset="0"/>
-              <a:buNone/>
-              <a:defRPr sz="1800" kern="1200">
-                <a:solidFill>
-                  <a:schemeClr val="tx1"/>
-                </a:solidFill>
-                <a:latin typeface="+mn-lt"/>
-                <a:ea typeface="+mn-ea"/>
-                <a:cs typeface="+mn-cs"/>
-              </a:defRPr>
-            </a:lvl3pPr>
-            <a:lvl4pPr marL="1371600" indent="0" algn="ctr" defTabSz="914400" rtl="0" eaLnBrk="1" latinLnBrk="0" hangingPunct="1">
-              <a:lnSpc>
-                <a:spcPct val="90000"/>
-              </a:lnSpc>
-              <a:spcBef>
-                <a:spcPts val="500"/>
-              </a:spcBef>
-              <a:buFont typeface="Arial" panose="020B0604020202020204" pitchFamily="34" charset="0"/>
-              <a:buNone/>
-              <a:defRPr sz="1600" kern="1200">
-                <a:solidFill>
-                  <a:schemeClr val="tx1"/>
-                </a:solidFill>
-                <a:latin typeface="+mn-lt"/>
-                <a:ea typeface="+mn-ea"/>
-                <a:cs typeface="+mn-cs"/>
-              </a:defRPr>
-            </a:lvl4pPr>
-            <a:lvl5pPr marL="1828800" indent="0" algn="ctr" defTabSz="914400" rtl="0" eaLnBrk="1" latinLnBrk="0" hangingPunct="1">
-              <a:lnSpc>
-                <a:spcPct val="90000"/>
-              </a:lnSpc>
-              <a:spcBef>
-                <a:spcPts val="500"/>
-              </a:spcBef>
-              <a:buFont typeface="Arial" panose="020B0604020202020204" pitchFamily="34" charset="0"/>
-              <a:buNone/>
-              <a:defRPr sz="1600" kern="1200">
-                <a:solidFill>
-                  <a:schemeClr val="tx1"/>
-                </a:solidFill>
-                <a:latin typeface="+mn-lt"/>
-                <a:ea typeface="+mn-ea"/>
-                <a:cs typeface="+mn-cs"/>
-              </a:defRPr>
-            </a:lvl5pPr>
-            <a:lvl6pPr marL="2286000" indent="0" algn="ctr" defTabSz="914400" rtl="0" eaLnBrk="1" latinLnBrk="0" hangingPunct="1">
-              <a:lnSpc>
-                <a:spcPct val="90000"/>
-              </a:lnSpc>
-              <a:spcBef>
-                <a:spcPts val="500"/>
-              </a:spcBef>
-              <a:buFont typeface="Arial" panose="020B0604020202020204" pitchFamily="34" charset="0"/>
-              <a:buNone/>
-              <a:defRPr sz="1600" kern="1200">
-                <a:solidFill>
-                  <a:schemeClr val="tx1"/>
-                </a:solidFill>
-                <a:latin typeface="+mn-lt"/>
-                <a:ea typeface="+mn-ea"/>
-                <a:cs typeface="+mn-cs"/>
-              </a:defRPr>
-            </a:lvl6pPr>
-            <a:lvl7pPr marL="2743200" indent="0" algn="ctr" defTabSz="914400" rtl="0" eaLnBrk="1" latinLnBrk="0" hangingPunct="1">
-              <a:lnSpc>
-                <a:spcPct val="90000"/>
-              </a:lnSpc>
-              <a:spcBef>
-                <a:spcPts val="500"/>
-              </a:spcBef>
-              <a:buFont typeface="Arial" panose="020B0604020202020204" pitchFamily="34" charset="0"/>
-              <a:buNone/>
-              <a:defRPr sz="1600" kern="1200">
-                <a:solidFill>
-                  <a:schemeClr val="tx1"/>
-                </a:solidFill>
-                <a:latin typeface="+mn-lt"/>
-                <a:ea typeface="+mn-ea"/>
-                <a:cs typeface="+mn-cs"/>
-              </a:defRPr>
-            </a:lvl7pPr>
-            <a:lvl8pPr marL="3200400" indent="0" algn="ctr" defTabSz="914400" rtl="0" eaLnBrk="1" latinLnBrk="0" hangingPunct="1">
-              <a:lnSpc>
-                <a:spcPct val="90000"/>
-              </a:lnSpc>
-              <a:spcBef>
-                <a:spcPts val="500"/>
-              </a:spcBef>
-              <a:buFont typeface="Arial" panose="020B0604020202020204" pitchFamily="34" charset="0"/>
-              <a:buNone/>
-              <a:defRPr sz="1600" kern="1200">
-                <a:solidFill>
-                  <a:schemeClr val="tx1"/>
-                </a:solidFill>
-                <a:latin typeface="+mn-lt"/>
-                <a:ea typeface="+mn-ea"/>
-                <a:cs typeface="+mn-cs"/>
-              </a:defRPr>
-            </a:lvl8pPr>
-            <a:lvl9pPr marL="3657600" indent="0" algn="ctr" defTabSz="914400" rtl="0" eaLnBrk="1" latinLnBrk="0" hangingPunct="1">
-              <a:lnSpc>
-                <a:spcPct val="90000"/>
-              </a:lnSpc>
-              <a:spcBef>
-                <a:spcPts val="500"/>
-              </a:spcBef>
-              <a:buFont typeface="Arial" panose="020B0604020202020204" pitchFamily="34" charset="0"/>
-              <a:buNone/>
-              <a:defRPr sz="1600" kern="1200">
-                <a:solidFill>
-                  <a:schemeClr val="tx1"/>
-                </a:solidFill>
-                <a:latin typeface="+mn-lt"/>
-                <a:ea typeface="+mn-ea"/>
-                <a:cs typeface="+mn-cs"/>
-              </a:defRPr>
-            </a:lvl9pPr>
-          </a:lstStyle>
-          <a:p>
-            <a:r>
-              <a:rPr lang="en-GB" sz="1800" dirty="0"/>
-              <a:t>University of Missouri-Kansas City</a:t>
-            </a:r>
-          </a:p>
-          <a:p>
-            <a:r>
-              <a:rPr lang="en-US" sz="1800" dirty="0"/>
-              <a:t>Division of Computing, Analytics, and Mathematics</a:t>
-            </a:r>
-          </a:p>
-          <a:p>
-            <a:r>
-              <a:rPr lang="en-US" sz="1800" dirty="0"/>
-              <a:t>School of Science and Engineering</a:t>
-            </a:r>
-          </a:p>
-        </p:txBody>
-      </p:sp>
-      <p:pic>
-        <p:nvPicPr>
-          <p:cNvPr id="1028" name="Picture 4" descr="File:UMKC logo.png - Wikipedia"/>
-          <p:cNvPicPr>
-            <a:picLocks noChangeAspect="1" noChangeArrowheads="1"/>
-          </p:cNvPicPr>
-          <p:nvPr/>
-        </p:nvPicPr>
-        <p:blipFill>
-          <a:blip r:embed="rId2" cstate="print">
-            <a:extLst>
-              <a:ext uri="{28A0092B-C50C-407E-A947-70E740481C1C}">
-                <a14:useLocalDpi xmlns:a14="http://schemas.microsoft.com/office/drawing/2010/main" val="0"/>
-              </a:ext>
-            </a:extLst>
-          </a:blip>
-          <a:srcRect/>
-          <a:stretch>
-            <a:fillRect/>
-          </a:stretch>
-        </p:blipFill>
-        <p:spPr bwMode="auto">
-          <a:xfrm>
-            <a:off x="10741981" y="6132824"/>
-            <a:ext cx="1293518" cy="571124"/>
-          </a:xfrm>
-          <a:prstGeom prst="rect">
-            <a:avLst/>
-          </a:prstGeom>
-          <a:noFill/>
-          <a:extLst>
-            <a:ext uri="{909E8E84-426E-40DD-AFC4-6F175D3DCCD1}">
-              <a14:hiddenFill xmlns:a14="http://schemas.microsoft.com/office/drawing/2010/main">
-                <a:solidFill>
-                  <a:srgbClr val="FFFFFF"/>
-                </a:solidFill>
-              </a14:hiddenFill>
-            </a:ext>
-          </a:extLst>
-        </p:spPr>
-      </p:pic>
-      <p:sp>
-        <p:nvSpPr>
-          <p:cNvPr id="8" name="TextBox 7"/>
-          <p:cNvSpPr txBox="1"/>
-          <p:nvPr/>
-        </p:nvSpPr>
-        <p:spPr>
-          <a:xfrm>
-            <a:off x="2959510" y="2615381"/>
-            <a:ext cx="6381135" cy="584775"/>
-          </a:xfrm>
-          <a:prstGeom prst="rect">
-            <a:avLst/>
-          </a:prstGeom>
-          <a:solidFill>
-            <a:schemeClr val="accent1">
-              <a:lumMod val="75000"/>
-            </a:schemeClr>
-          </a:solidFill>
-        </p:spPr>
-        <p:txBody>
-          <a:bodyPr wrap="square" rtlCol="0">
-            <a:spAutoFit/>
-          </a:bodyPr>
-          <a:lstStyle/>
-          <a:p>
-            <a:pPr algn="ctr"/>
-            <a:r>
-              <a:rPr lang="en-GB" sz="3200" dirty="0">
-                <a:solidFill>
-                  <a:schemeClr val="bg1"/>
-                </a:solidFill>
-              </a:rPr>
-              <a:t>Lecture 1 - Introduction</a:t>
-            </a:r>
-            <a:endParaRPr lang="en-US" sz="3200" dirty="0"/>
+          </a:p>
+          <a:p>
+            <a:r>
+              <a:rPr lang="en-US" dirty="0"/>
+              <a:t>https://tianzheng4.github.io</a:t>
+            </a:r>
           </a:p>
         </p:txBody>
       </p:sp>
@@ -4757,2274 +4452,6 @@
 </file>
 
 <file path=ppt/slides/slide10.xml><?xml version="1.0" encoding="utf-8"?>
-<p:sld xmlns:a="http://schemas.openxmlformats.org/drawingml/2006/main" xmlns:r="http://schemas.openxmlformats.org/officeDocument/2006/relationships" xmlns:p="http://schemas.openxmlformats.org/presentationml/2006/main">
-  <p:cSld>
-    <p:spTree>
-      <p:nvGrpSpPr>
-        <p:cNvPr id="1" name=""/>
-        <p:cNvGrpSpPr/>
-        <p:nvPr/>
-      </p:nvGrpSpPr>
-      <p:grpSpPr>
-        <a:xfrm>
-          <a:off x="0" y="0"/>
-          <a:ext cx="0" cy="0"/>
-          <a:chOff x="0" y="0"/>
-          <a:chExt cx="0" cy="0"/>
-        </a:xfrm>
-      </p:grpSpPr>
-      <p:sp>
-        <p:nvSpPr>
-          <p:cNvPr id="2" name="Title 1"/>
-          <p:cNvSpPr>
-            <a:spLocks noGrp="1"/>
-          </p:cNvSpPr>
-          <p:nvPr>
-            <p:ph type="title"/>
-          </p:nvPr>
-        </p:nvSpPr>
-        <p:spPr/>
-        <p:txBody>
-          <a:bodyPr/>
-          <a:lstStyle/>
-          <a:p>
-            <a:r>
-              <a:rPr lang="en-US" dirty="0">
-                <a:solidFill>
-                  <a:srgbClr val="0070C0"/>
-                </a:solidFill>
-              </a:rPr>
-              <a:t>Other applications of Machine Learning</a:t>
-            </a:r>
-          </a:p>
-        </p:txBody>
-      </p:sp>
-      <p:sp>
-        <p:nvSpPr>
-          <p:cNvPr id="3" name="Content Placeholder 2"/>
-          <p:cNvSpPr>
-            <a:spLocks noGrp="1"/>
-          </p:cNvSpPr>
-          <p:nvPr>
-            <p:ph idx="1"/>
-          </p:nvPr>
-        </p:nvSpPr>
-        <p:spPr>
-          <a:xfrm>
-            <a:off x="759542" y="1412670"/>
-            <a:ext cx="10341077" cy="3906582"/>
-          </a:xfrm>
-        </p:spPr>
-        <p:txBody>
-          <a:bodyPr>
-            <a:noAutofit/>
-          </a:bodyPr>
-          <a:lstStyle/>
-          <a:p>
-            <a:pPr marL="12700" marR="5080">
-              <a:lnSpc>
-                <a:spcPct val="150000"/>
-              </a:lnSpc>
-              <a:spcBef>
-                <a:spcPts val="95"/>
-              </a:spcBef>
-            </a:pPr>
-            <a:r>
-              <a:rPr lang="en-US" sz="2400" spc="-5" dirty="0">
-                <a:latin typeface="Microsoft Sans Serif"/>
-                <a:cs typeface="Microsoft Sans Serif"/>
-              </a:rPr>
-              <a:t>autonomous robotics</a:t>
-            </a:r>
-          </a:p>
-          <a:p>
-            <a:pPr marL="12700" marR="5080">
-              <a:lnSpc>
-                <a:spcPct val="150000"/>
-              </a:lnSpc>
-              <a:spcBef>
-                <a:spcPts val="95"/>
-              </a:spcBef>
-            </a:pPr>
-            <a:r>
-              <a:rPr lang="en-US" sz="2400" spc="-5" dirty="0">
-                <a:latin typeface="Microsoft Sans Serif"/>
-                <a:cs typeface="Microsoft Sans Serif"/>
-              </a:rPr>
-              <a:t>bioinformatics</a:t>
-            </a:r>
-          </a:p>
-          <a:p>
-            <a:pPr marL="12700" marR="5080">
-              <a:lnSpc>
-                <a:spcPct val="150000"/>
-              </a:lnSpc>
-              <a:spcBef>
-                <a:spcPts val="95"/>
-              </a:spcBef>
-            </a:pPr>
-            <a:r>
-              <a:rPr lang="en-US" sz="2400" spc="-5" dirty="0">
-                <a:latin typeface="Microsoft Sans Serif"/>
-                <a:cs typeface="Microsoft Sans Serif"/>
-              </a:rPr>
-              <a:t>detecting network intrusion</a:t>
-            </a:r>
-          </a:p>
-          <a:p>
-            <a:pPr marL="12700" marR="5080">
-              <a:lnSpc>
-                <a:spcPct val="150000"/>
-              </a:lnSpc>
-              <a:spcBef>
-                <a:spcPts val="95"/>
-              </a:spcBef>
-            </a:pPr>
-            <a:r>
-              <a:rPr lang="en-US" sz="2400" spc="-5" dirty="0">
-                <a:latin typeface="Microsoft Sans Serif"/>
-                <a:cs typeface="Microsoft Sans Serif"/>
-              </a:rPr>
-              <a:t>neuroscience</a:t>
-            </a:r>
-          </a:p>
-          <a:p>
-            <a:pPr marL="12700" marR="5080">
-              <a:lnSpc>
-                <a:spcPct val="150000"/>
-              </a:lnSpc>
-              <a:spcBef>
-                <a:spcPts val="95"/>
-              </a:spcBef>
-            </a:pPr>
-            <a:r>
-              <a:rPr lang="en-US" sz="2400" spc="-5" dirty="0">
-                <a:latin typeface="Microsoft Sans Serif"/>
-                <a:cs typeface="Microsoft Sans Serif"/>
-              </a:rPr>
-              <a:t>medical diagnosis</a:t>
-            </a:r>
-          </a:p>
-          <a:p>
-            <a:pPr marL="12700" marR="5080">
-              <a:lnSpc>
-                <a:spcPct val="150000"/>
-              </a:lnSpc>
-              <a:spcBef>
-                <a:spcPts val="95"/>
-              </a:spcBef>
-            </a:pPr>
-            <a:r>
-              <a:rPr lang="en-US" sz="2400" spc="-5" dirty="0">
-                <a:latin typeface="Microsoft Sans Serif"/>
-                <a:cs typeface="Microsoft Sans Serif"/>
-              </a:rPr>
-              <a:t>stock market analysis</a:t>
-            </a:r>
-          </a:p>
-          <a:p>
-            <a:pPr marL="12700" marR="5080">
-              <a:lnSpc>
-                <a:spcPct val="150000"/>
-              </a:lnSpc>
-              <a:spcBef>
-                <a:spcPts val="95"/>
-              </a:spcBef>
-            </a:pPr>
-            <a:r>
-              <a:rPr lang="en-US" sz="2400" spc="-5" dirty="0">
-                <a:latin typeface="Microsoft Sans Serif"/>
-                <a:cs typeface="Microsoft Sans Serif"/>
-              </a:rPr>
-              <a:t>social network analysis</a:t>
-            </a:r>
-          </a:p>
-          <a:p>
-            <a:pPr marL="12700" marR="5080">
-              <a:lnSpc>
-                <a:spcPct val="150000"/>
-              </a:lnSpc>
-              <a:spcBef>
-                <a:spcPts val="95"/>
-              </a:spcBef>
-            </a:pPr>
-            <a:r>
-              <a:rPr lang="en-US" sz="2400" spc="-5" dirty="0">
-                <a:latin typeface="Microsoft Sans Serif"/>
-                <a:cs typeface="Microsoft Sans Serif"/>
-              </a:rPr>
-              <a:t>traffic and infrastructure planning</a:t>
-            </a:r>
-          </a:p>
-          <a:p>
-            <a:pPr marL="0" marR="5080" indent="0">
-              <a:lnSpc>
-                <a:spcPct val="150000"/>
-              </a:lnSpc>
-              <a:spcBef>
-                <a:spcPts val="95"/>
-              </a:spcBef>
-              <a:buNone/>
-            </a:pPr>
-            <a:r>
-              <a:rPr lang="en-GB" sz="2400" spc="-5" dirty="0">
-                <a:latin typeface="Microsoft Sans Serif"/>
-                <a:cs typeface="Microsoft Sans Serif"/>
-              </a:rPr>
-              <a:t>…</a:t>
-            </a:r>
-          </a:p>
-        </p:txBody>
-      </p:sp>
-      <p:pic>
-        <p:nvPicPr>
-          <p:cNvPr id="14" name="Picture 4" descr="File:UMKC logo.png - Wikipedia"/>
-          <p:cNvPicPr>
-            <a:picLocks noChangeAspect="1" noChangeArrowheads="1"/>
-          </p:cNvPicPr>
-          <p:nvPr/>
-        </p:nvPicPr>
-        <p:blipFill>
-          <a:blip r:embed="rId2" cstate="print">
-            <a:extLst>
-              <a:ext uri="{28A0092B-C50C-407E-A947-70E740481C1C}">
-                <a14:useLocalDpi xmlns:a14="http://schemas.microsoft.com/office/drawing/2010/main" val="0"/>
-              </a:ext>
-            </a:extLst>
-          </a:blip>
-          <a:srcRect/>
-          <a:stretch>
-            <a:fillRect/>
-          </a:stretch>
-        </p:blipFill>
-        <p:spPr bwMode="auto">
-          <a:xfrm>
-            <a:off x="10741981" y="6132824"/>
-            <a:ext cx="1293518" cy="571124"/>
-          </a:xfrm>
-          <a:prstGeom prst="rect">
-            <a:avLst/>
-          </a:prstGeom>
-          <a:noFill/>
-          <a:extLst>
-            <a:ext uri="{909E8E84-426E-40DD-AFC4-6F175D3DCCD1}">
-              <a14:hiddenFill xmlns:a14="http://schemas.microsoft.com/office/drawing/2010/main">
-                <a:solidFill>
-                  <a:srgbClr val="FFFFFF"/>
-                </a:solidFill>
-              </a14:hiddenFill>
-            </a:ext>
-          </a:extLst>
-        </p:spPr>
-      </p:pic>
-    </p:spTree>
-    <p:extLst>
-      <p:ext uri="{BB962C8B-B14F-4D97-AF65-F5344CB8AC3E}">
-        <p14:creationId xmlns:p14="http://schemas.microsoft.com/office/powerpoint/2010/main" val="1423582021"/>
-      </p:ext>
-    </p:extLst>
-  </p:cSld>
-  <p:clrMapOvr>
-    <a:masterClrMapping/>
-  </p:clrMapOvr>
-</p:sld>
-</file>
-
-<file path=ppt/slides/slide11.xml><?xml version="1.0" encoding="utf-8"?>
-<p:sld xmlns:a="http://schemas.openxmlformats.org/drawingml/2006/main" xmlns:r="http://schemas.openxmlformats.org/officeDocument/2006/relationships" xmlns:p="http://schemas.openxmlformats.org/presentationml/2006/main">
-  <p:cSld>
-    <p:spTree>
-      <p:nvGrpSpPr>
-        <p:cNvPr id="1" name=""/>
-        <p:cNvGrpSpPr/>
-        <p:nvPr/>
-      </p:nvGrpSpPr>
-      <p:grpSpPr>
-        <a:xfrm>
-          <a:off x="0" y="0"/>
-          <a:ext cx="0" cy="0"/>
-          <a:chOff x="0" y="0"/>
-          <a:chExt cx="0" cy="0"/>
-        </a:xfrm>
-      </p:grpSpPr>
-      <p:sp>
-        <p:nvSpPr>
-          <p:cNvPr id="2" name="Title 1"/>
-          <p:cNvSpPr>
-            <a:spLocks noGrp="1"/>
-          </p:cNvSpPr>
-          <p:nvPr>
-            <p:ph type="title"/>
-          </p:nvPr>
-        </p:nvSpPr>
-        <p:spPr>
-          <a:xfrm>
-            <a:off x="838200" y="-126491"/>
-            <a:ext cx="10515600" cy="1325563"/>
-          </a:xfrm>
-        </p:spPr>
-        <p:txBody>
-          <a:bodyPr/>
-          <a:lstStyle/>
-          <a:p>
-            <a:r>
-              <a:rPr lang="en-US" dirty="0">
-                <a:solidFill>
-                  <a:srgbClr val="0070C0"/>
-                </a:solidFill>
-              </a:rPr>
-              <a:t>Machine learning vs. “classic” programming.</a:t>
-            </a:r>
-          </a:p>
-        </p:txBody>
-      </p:sp>
-      <p:pic>
-        <p:nvPicPr>
-          <p:cNvPr id="14" name="Picture 4" descr="File:UMKC logo.png - Wikipedia"/>
-          <p:cNvPicPr>
-            <a:picLocks noChangeAspect="1" noChangeArrowheads="1"/>
-          </p:cNvPicPr>
-          <p:nvPr/>
-        </p:nvPicPr>
-        <p:blipFill>
-          <a:blip r:embed="rId2" cstate="print">
-            <a:extLst>
-              <a:ext uri="{28A0092B-C50C-407E-A947-70E740481C1C}">
-                <a14:useLocalDpi xmlns:a14="http://schemas.microsoft.com/office/drawing/2010/main" val="0"/>
-              </a:ext>
-            </a:extLst>
-          </a:blip>
-          <a:srcRect/>
-          <a:stretch>
-            <a:fillRect/>
-          </a:stretch>
-        </p:blipFill>
-        <p:spPr bwMode="auto">
-          <a:xfrm>
-            <a:off x="10741981" y="6132824"/>
-            <a:ext cx="1293518" cy="571124"/>
-          </a:xfrm>
-          <a:prstGeom prst="rect">
-            <a:avLst/>
-          </a:prstGeom>
-          <a:noFill/>
-          <a:extLst>
-            <a:ext uri="{909E8E84-426E-40DD-AFC4-6F175D3DCCD1}">
-              <a14:hiddenFill xmlns:a14="http://schemas.microsoft.com/office/drawing/2010/main">
-                <a:solidFill>
-                  <a:srgbClr val="FFFFFF"/>
-                </a:solidFill>
-              </a14:hiddenFill>
-            </a:ext>
-          </a:extLst>
-        </p:spPr>
-      </p:pic>
-      <p:sp>
-        <p:nvSpPr>
-          <p:cNvPr id="5" name="Content Placeholder 4"/>
-          <p:cNvSpPr>
-            <a:spLocks noGrp="1"/>
-          </p:cNvSpPr>
-          <p:nvPr>
-            <p:ph idx="1"/>
-          </p:nvPr>
-        </p:nvSpPr>
-        <p:spPr>
-          <a:xfrm>
-            <a:off x="838200" y="1216022"/>
-            <a:ext cx="10515600" cy="583278"/>
-          </a:xfrm>
-        </p:spPr>
-        <p:txBody>
-          <a:bodyPr/>
-          <a:lstStyle/>
-          <a:p>
-            <a:pPr marL="0" indent="0">
-              <a:buNone/>
-            </a:pPr>
-            <a:r>
-              <a:rPr lang="en-GB" dirty="0">
-                <a:solidFill>
-                  <a:srgbClr val="0070C0"/>
-                </a:solidFill>
-              </a:rPr>
-              <a:t>Traditional programming paradigm</a:t>
-            </a:r>
-            <a:endParaRPr lang="en-US" dirty="0">
-              <a:solidFill>
-                <a:srgbClr val="0070C0"/>
-              </a:solidFill>
-            </a:endParaRPr>
-          </a:p>
-        </p:txBody>
-      </p:sp>
-      <p:pic>
-        <p:nvPicPr>
-          <p:cNvPr id="6" name="Picture 5"/>
-          <p:cNvPicPr>
-            <a:picLocks noChangeAspect="1"/>
-          </p:cNvPicPr>
-          <p:nvPr/>
-        </p:nvPicPr>
-        <p:blipFill>
-          <a:blip r:embed="rId3"/>
-          <a:stretch>
-            <a:fillRect/>
-          </a:stretch>
-        </p:blipFill>
-        <p:spPr>
-          <a:xfrm>
-            <a:off x="1085389" y="1843698"/>
-            <a:ext cx="7248525" cy="1990725"/>
-          </a:xfrm>
-          <a:prstGeom prst="rect">
-            <a:avLst/>
-          </a:prstGeom>
-        </p:spPr>
-      </p:pic>
-      <p:sp>
-        <p:nvSpPr>
-          <p:cNvPr id="8" name="Content Placeholder 4"/>
-          <p:cNvSpPr txBox="1">
-            <a:spLocks/>
-          </p:cNvSpPr>
-          <p:nvPr/>
-        </p:nvSpPr>
-        <p:spPr>
-          <a:xfrm>
-            <a:off x="867697" y="3939557"/>
-            <a:ext cx="10515600" cy="583278"/>
-          </a:xfrm>
-          <a:prstGeom prst="rect">
-            <a:avLst/>
-          </a:prstGeom>
-        </p:spPr>
-        <p:txBody>
-          <a:bodyPr vert="horz" lIns="91440" tIns="45720" rIns="91440" bIns="45720" rtlCol="0">
-            <a:normAutofit/>
-          </a:bodyPr>
-          <a:lstStyle>
-            <a:lvl1pPr marL="228600" indent="-228600" algn="l" defTabSz="914400" rtl="0" eaLnBrk="1" latinLnBrk="0" hangingPunct="1">
-              <a:lnSpc>
-                <a:spcPct val="90000"/>
-              </a:lnSpc>
-              <a:spcBef>
-                <a:spcPts val="1000"/>
-              </a:spcBef>
-              <a:buFont typeface="Arial" panose="020B0604020202020204" pitchFamily="34" charset="0"/>
-              <a:buChar char="•"/>
-              <a:defRPr sz="2800" kern="1200">
-                <a:solidFill>
-                  <a:schemeClr val="tx1"/>
-                </a:solidFill>
-                <a:latin typeface="+mn-lt"/>
-                <a:ea typeface="+mn-ea"/>
-                <a:cs typeface="+mn-cs"/>
-              </a:defRPr>
-            </a:lvl1pPr>
-            <a:lvl2pPr marL="685800" indent="-228600" algn="l" defTabSz="914400" rtl="0" eaLnBrk="1" latinLnBrk="0" hangingPunct="1">
-              <a:lnSpc>
-                <a:spcPct val="90000"/>
-              </a:lnSpc>
-              <a:spcBef>
-                <a:spcPts val="500"/>
-              </a:spcBef>
-              <a:buFont typeface="Arial" panose="020B0604020202020204" pitchFamily="34" charset="0"/>
-              <a:buChar char="•"/>
-              <a:defRPr sz="2400" kern="1200">
-                <a:solidFill>
-                  <a:schemeClr val="tx1"/>
-                </a:solidFill>
-                <a:latin typeface="+mn-lt"/>
-                <a:ea typeface="+mn-ea"/>
-                <a:cs typeface="+mn-cs"/>
-              </a:defRPr>
-            </a:lvl2pPr>
-            <a:lvl3pPr marL="1143000" indent="-228600" algn="l" defTabSz="914400" rtl="0" eaLnBrk="1" latinLnBrk="0" hangingPunct="1">
-              <a:lnSpc>
-                <a:spcPct val="90000"/>
-              </a:lnSpc>
-              <a:spcBef>
-                <a:spcPts val="500"/>
-              </a:spcBef>
-              <a:buFont typeface="Arial" panose="020B0604020202020204" pitchFamily="34" charset="0"/>
-              <a:buChar char="•"/>
-              <a:defRPr sz="2000" kern="1200">
-                <a:solidFill>
-                  <a:schemeClr val="tx1"/>
-                </a:solidFill>
-                <a:latin typeface="+mn-lt"/>
-                <a:ea typeface="+mn-ea"/>
-                <a:cs typeface="+mn-cs"/>
-              </a:defRPr>
-            </a:lvl3pPr>
-            <a:lvl4pPr marL="1600200" indent="-228600" algn="l" defTabSz="914400" rtl="0" eaLnBrk="1" latinLnBrk="0" hangingPunct="1">
-              <a:lnSpc>
-                <a:spcPct val="90000"/>
-              </a:lnSpc>
-              <a:spcBef>
-                <a:spcPts val="500"/>
-              </a:spcBef>
-              <a:buFont typeface="Arial" panose="020B0604020202020204" pitchFamily="34" charset="0"/>
-              <a:buChar char="•"/>
-              <a:defRPr sz="1800" kern="1200">
-                <a:solidFill>
-                  <a:schemeClr val="tx1"/>
-                </a:solidFill>
-                <a:latin typeface="+mn-lt"/>
-                <a:ea typeface="+mn-ea"/>
-                <a:cs typeface="+mn-cs"/>
-              </a:defRPr>
-            </a:lvl4pPr>
-            <a:lvl5pPr marL="2057400" indent="-228600" algn="l" defTabSz="914400" rtl="0" eaLnBrk="1" latinLnBrk="0" hangingPunct="1">
-              <a:lnSpc>
-                <a:spcPct val="90000"/>
-              </a:lnSpc>
-              <a:spcBef>
-                <a:spcPts val="500"/>
-              </a:spcBef>
-              <a:buFont typeface="Arial" panose="020B0604020202020204" pitchFamily="34" charset="0"/>
-              <a:buChar char="•"/>
-              <a:defRPr sz="1800" kern="1200">
-                <a:solidFill>
-                  <a:schemeClr val="tx1"/>
-                </a:solidFill>
-                <a:latin typeface="+mn-lt"/>
-                <a:ea typeface="+mn-ea"/>
-                <a:cs typeface="+mn-cs"/>
-              </a:defRPr>
-            </a:lvl5pPr>
-            <a:lvl6pPr marL="2514600" indent="-228600" algn="l" defTabSz="914400" rtl="0" eaLnBrk="1" latinLnBrk="0" hangingPunct="1">
-              <a:lnSpc>
-                <a:spcPct val="90000"/>
-              </a:lnSpc>
-              <a:spcBef>
-                <a:spcPts val="500"/>
-              </a:spcBef>
-              <a:buFont typeface="Arial" panose="020B0604020202020204" pitchFamily="34" charset="0"/>
-              <a:buChar char="•"/>
-              <a:defRPr sz="1800" kern="1200">
-                <a:solidFill>
-                  <a:schemeClr val="tx1"/>
-                </a:solidFill>
-                <a:latin typeface="+mn-lt"/>
-                <a:ea typeface="+mn-ea"/>
-                <a:cs typeface="+mn-cs"/>
-              </a:defRPr>
-            </a:lvl6pPr>
-            <a:lvl7pPr marL="2971800" indent="-228600" algn="l" defTabSz="914400" rtl="0" eaLnBrk="1" latinLnBrk="0" hangingPunct="1">
-              <a:lnSpc>
-                <a:spcPct val="90000"/>
-              </a:lnSpc>
-              <a:spcBef>
-                <a:spcPts val="500"/>
-              </a:spcBef>
-              <a:buFont typeface="Arial" panose="020B0604020202020204" pitchFamily="34" charset="0"/>
-              <a:buChar char="•"/>
-              <a:defRPr sz="1800" kern="1200">
-                <a:solidFill>
-                  <a:schemeClr val="tx1"/>
-                </a:solidFill>
-                <a:latin typeface="+mn-lt"/>
-                <a:ea typeface="+mn-ea"/>
-                <a:cs typeface="+mn-cs"/>
-              </a:defRPr>
-            </a:lvl7pPr>
-            <a:lvl8pPr marL="3429000" indent="-228600" algn="l" defTabSz="914400" rtl="0" eaLnBrk="1" latinLnBrk="0" hangingPunct="1">
-              <a:lnSpc>
-                <a:spcPct val="90000"/>
-              </a:lnSpc>
-              <a:spcBef>
-                <a:spcPts val="500"/>
-              </a:spcBef>
-              <a:buFont typeface="Arial" panose="020B0604020202020204" pitchFamily="34" charset="0"/>
-              <a:buChar char="•"/>
-              <a:defRPr sz="1800" kern="1200">
-                <a:solidFill>
-                  <a:schemeClr val="tx1"/>
-                </a:solidFill>
-                <a:latin typeface="+mn-lt"/>
-                <a:ea typeface="+mn-ea"/>
-                <a:cs typeface="+mn-cs"/>
-              </a:defRPr>
-            </a:lvl8pPr>
-            <a:lvl9pPr marL="3886200" indent="-228600" algn="l" defTabSz="914400" rtl="0" eaLnBrk="1" latinLnBrk="0" hangingPunct="1">
-              <a:lnSpc>
-                <a:spcPct val="90000"/>
-              </a:lnSpc>
-              <a:spcBef>
-                <a:spcPts val="500"/>
-              </a:spcBef>
-              <a:buFont typeface="Arial" panose="020B0604020202020204" pitchFamily="34" charset="0"/>
-              <a:buChar char="•"/>
-              <a:defRPr sz="1800" kern="1200">
-                <a:solidFill>
-                  <a:schemeClr val="tx1"/>
-                </a:solidFill>
-                <a:latin typeface="+mn-lt"/>
-                <a:ea typeface="+mn-ea"/>
-                <a:cs typeface="+mn-cs"/>
-              </a:defRPr>
-            </a:lvl9pPr>
-          </a:lstStyle>
-          <a:p>
-            <a:pPr marL="0" indent="0">
-              <a:buFont typeface="Arial" panose="020B0604020202020204" pitchFamily="34" charset="0"/>
-              <a:buNone/>
-            </a:pPr>
-            <a:r>
-              <a:rPr lang="en-GB" dirty="0">
-                <a:solidFill>
-                  <a:srgbClr val="0070C0"/>
-                </a:solidFill>
-              </a:rPr>
-              <a:t>Machine learning paradigm</a:t>
-            </a:r>
-            <a:endParaRPr lang="en-US" dirty="0">
-              <a:solidFill>
-                <a:srgbClr val="0070C0"/>
-              </a:solidFill>
-            </a:endParaRPr>
-          </a:p>
-        </p:txBody>
-      </p:sp>
-      <p:pic>
-        <p:nvPicPr>
-          <p:cNvPr id="7" name="Picture 6"/>
-          <p:cNvPicPr>
-            <a:picLocks noChangeAspect="1"/>
-          </p:cNvPicPr>
-          <p:nvPr/>
-        </p:nvPicPr>
-        <p:blipFill>
-          <a:blip r:embed="rId4"/>
-          <a:stretch>
-            <a:fillRect/>
-          </a:stretch>
-        </p:blipFill>
-        <p:spPr>
-          <a:xfrm>
-            <a:off x="987835" y="4635141"/>
-            <a:ext cx="6041346" cy="1549349"/>
-          </a:xfrm>
-          <a:prstGeom prst="rect">
-            <a:avLst/>
-          </a:prstGeom>
-        </p:spPr>
-      </p:pic>
-    </p:spTree>
-    <p:extLst>
-      <p:ext uri="{BB962C8B-B14F-4D97-AF65-F5344CB8AC3E}">
-        <p14:creationId xmlns:p14="http://schemas.microsoft.com/office/powerpoint/2010/main" val="1275804425"/>
-      </p:ext>
-    </p:extLst>
-  </p:cSld>
-  <p:clrMapOvr>
-    <a:masterClrMapping/>
-  </p:clrMapOvr>
-  <p:timing>
-    <p:tnLst>
-      <p:par>
-        <p:cTn id="1" dur="indefinite" restart="never" nodeType="tmRoot">
-          <p:childTnLst>
-            <p:seq concurrent="1" nextAc="seek">
-              <p:cTn id="2" dur="indefinite" nodeType="mainSeq">
-                <p:childTnLst>
-                  <p:par>
-                    <p:cTn id="3" fill="hold">
-                      <p:stCondLst>
-                        <p:cond delay="indefinite"/>
-                      </p:stCondLst>
-                      <p:childTnLst>
-                        <p:par>
-                          <p:cTn id="4" fill="hold">
-                            <p:stCondLst>
-                              <p:cond delay="0"/>
-                            </p:stCondLst>
-                            <p:childTnLst>
-                              <p:par>
-                                <p:cTn id="5" presetID="10" presetClass="entr" presetSubtype="0" fill="hold" grpId="0" nodeType="clickEffect">
-                                  <p:stCondLst>
-                                    <p:cond delay="0"/>
-                                  </p:stCondLst>
-                                  <p:childTnLst>
-                                    <p:set>
-                                      <p:cBhvr>
-                                        <p:cTn id="6" dur="1" fill="hold">
-                                          <p:stCondLst>
-                                            <p:cond delay="0"/>
-                                          </p:stCondLst>
-                                        </p:cTn>
-                                        <p:tgtEl>
-                                          <p:spTgt spid="5">
-                                            <p:txEl>
-                                              <p:pRg st="0" end="0"/>
-                                            </p:txEl>
-                                          </p:spTgt>
-                                        </p:tgtEl>
-                                        <p:attrNameLst>
-                                          <p:attrName>style.visibility</p:attrName>
-                                        </p:attrNameLst>
-                                      </p:cBhvr>
-                                      <p:to>
-                                        <p:strVal val="visible"/>
-                                      </p:to>
-                                    </p:set>
-                                    <p:animEffect transition="in" filter="fade">
-                                      <p:cBhvr>
-                                        <p:cTn id="7" dur="500"/>
-                                        <p:tgtEl>
-                                          <p:spTgt spid="5">
-                                            <p:txEl>
-                                              <p:pRg st="0" end="0"/>
-                                            </p:txEl>
-                                          </p:spTgt>
-                                        </p:tgtEl>
-                                      </p:cBhvr>
-                                    </p:animEffect>
-                                  </p:childTnLst>
-                                </p:cTn>
-                              </p:par>
-                              <p:par>
-                                <p:cTn id="8" presetID="10" presetClass="entr" presetSubtype="0" fill="hold" nodeType="withEffect">
-                                  <p:stCondLst>
-                                    <p:cond delay="0"/>
-                                  </p:stCondLst>
-                                  <p:childTnLst>
-                                    <p:set>
-                                      <p:cBhvr>
-                                        <p:cTn id="9" dur="1" fill="hold">
-                                          <p:stCondLst>
-                                            <p:cond delay="0"/>
-                                          </p:stCondLst>
-                                        </p:cTn>
-                                        <p:tgtEl>
-                                          <p:spTgt spid="6"/>
-                                        </p:tgtEl>
-                                        <p:attrNameLst>
-                                          <p:attrName>style.visibility</p:attrName>
-                                        </p:attrNameLst>
-                                      </p:cBhvr>
-                                      <p:to>
-                                        <p:strVal val="visible"/>
-                                      </p:to>
-                                    </p:set>
-                                    <p:animEffect transition="in" filter="fade">
-                                      <p:cBhvr>
-                                        <p:cTn id="10" dur="500"/>
-                                        <p:tgtEl>
-                                          <p:spTgt spid="6"/>
-                                        </p:tgtEl>
-                                      </p:cBhvr>
-                                    </p:animEffect>
-                                  </p:childTnLst>
-                                </p:cTn>
-                              </p:par>
-                            </p:childTnLst>
-                          </p:cTn>
-                        </p:par>
-                      </p:childTnLst>
-                    </p:cTn>
-                  </p:par>
-                  <p:par>
-                    <p:cTn id="11" fill="hold">
-                      <p:stCondLst>
-                        <p:cond delay="indefinite"/>
-                      </p:stCondLst>
-                      <p:childTnLst>
-                        <p:par>
-                          <p:cTn id="12" fill="hold">
-                            <p:stCondLst>
-                              <p:cond delay="0"/>
-                            </p:stCondLst>
-                            <p:childTnLst>
-                              <p:par>
-                                <p:cTn id="13" presetID="10" presetClass="entr" presetSubtype="0" fill="hold" grpId="0" nodeType="clickEffect">
-                                  <p:stCondLst>
-                                    <p:cond delay="0"/>
-                                  </p:stCondLst>
-                                  <p:childTnLst>
-                                    <p:set>
-                                      <p:cBhvr>
-                                        <p:cTn id="14" dur="1" fill="hold">
-                                          <p:stCondLst>
-                                            <p:cond delay="0"/>
-                                          </p:stCondLst>
-                                        </p:cTn>
-                                        <p:tgtEl>
-                                          <p:spTgt spid="8"/>
-                                        </p:tgtEl>
-                                        <p:attrNameLst>
-                                          <p:attrName>style.visibility</p:attrName>
-                                        </p:attrNameLst>
-                                      </p:cBhvr>
-                                      <p:to>
-                                        <p:strVal val="visible"/>
-                                      </p:to>
-                                    </p:set>
-                                    <p:animEffect transition="in" filter="fade">
-                                      <p:cBhvr>
-                                        <p:cTn id="15" dur="500"/>
-                                        <p:tgtEl>
-                                          <p:spTgt spid="8"/>
-                                        </p:tgtEl>
-                                      </p:cBhvr>
-                                    </p:animEffect>
-                                  </p:childTnLst>
-                                </p:cTn>
-                              </p:par>
-                              <p:par>
-                                <p:cTn id="16" presetID="10" presetClass="entr" presetSubtype="0" fill="hold" nodeType="withEffect">
-                                  <p:stCondLst>
-                                    <p:cond delay="0"/>
-                                  </p:stCondLst>
-                                  <p:childTnLst>
-                                    <p:set>
-                                      <p:cBhvr>
-                                        <p:cTn id="17" dur="1" fill="hold">
-                                          <p:stCondLst>
-                                            <p:cond delay="0"/>
-                                          </p:stCondLst>
-                                        </p:cTn>
-                                        <p:tgtEl>
-                                          <p:spTgt spid="7"/>
-                                        </p:tgtEl>
-                                        <p:attrNameLst>
-                                          <p:attrName>style.visibility</p:attrName>
-                                        </p:attrNameLst>
-                                      </p:cBhvr>
-                                      <p:to>
-                                        <p:strVal val="visible"/>
-                                      </p:to>
-                                    </p:set>
-                                    <p:animEffect transition="in" filter="fade">
-                                      <p:cBhvr>
-                                        <p:cTn id="18" dur="500"/>
-                                        <p:tgtEl>
-                                          <p:spTgt spid="7"/>
-                                        </p:tgtEl>
-                                      </p:cBhvr>
-                                    </p:animEffect>
-                                  </p:childTnLst>
-                                </p:cTn>
-                              </p:par>
-                            </p:childTnLst>
-                          </p:cTn>
-                        </p:par>
-                      </p:childTnLst>
-                    </p:cTn>
-                  </p:par>
-                </p:childTnLst>
-              </p:cTn>
-              <p:prevCondLst>
-                <p:cond evt="onPrev" delay="0">
-                  <p:tgtEl>
-                    <p:sldTgt/>
-                  </p:tgtEl>
-                </p:cond>
-              </p:prevCondLst>
-              <p:nextCondLst>
-                <p:cond evt="onNext" delay="0">
-                  <p:tgtEl>
-                    <p:sldTgt/>
-                  </p:tgtEl>
-                </p:cond>
-              </p:nextCondLst>
-            </p:seq>
-          </p:childTnLst>
-        </p:cTn>
-      </p:par>
-    </p:tnLst>
-    <p:bldLst>
-      <p:bldP spid="5" grpId="0" build="p"/>
-      <p:bldP spid="8" grpId="0"/>
-    </p:bldLst>
-  </p:timing>
-</p:sld>
-</file>
-
-<file path=ppt/slides/slide12.xml><?xml version="1.0" encoding="utf-8"?>
-<p:sld xmlns:a="http://schemas.openxmlformats.org/drawingml/2006/main" xmlns:r="http://schemas.openxmlformats.org/officeDocument/2006/relationships" xmlns:p="http://schemas.openxmlformats.org/presentationml/2006/main">
-  <p:cSld>
-    <p:spTree>
-      <p:nvGrpSpPr>
-        <p:cNvPr id="1" name=""/>
-        <p:cNvGrpSpPr/>
-        <p:nvPr/>
-      </p:nvGrpSpPr>
-      <p:grpSpPr>
-        <a:xfrm>
-          <a:off x="0" y="0"/>
-          <a:ext cx="0" cy="0"/>
-          <a:chOff x="0" y="0"/>
-          <a:chExt cx="0" cy="0"/>
-        </a:xfrm>
-      </p:grpSpPr>
-      <p:sp>
-        <p:nvSpPr>
-          <p:cNvPr id="2" name="Title 1"/>
-          <p:cNvSpPr>
-            <a:spLocks noGrp="1"/>
-          </p:cNvSpPr>
-          <p:nvPr>
-            <p:ph type="title"/>
-          </p:nvPr>
-        </p:nvSpPr>
-        <p:spPr>
-          <a:xfrm>
-            <a:off x="838200" y="365126"/>
-            <a:ext cx="10515600" cy="962230"/>
-          </a:xfrm>
-        </p:spPr>
-        <p:txBody>
-          <a:bodyPr/>
-          <a:lstStyle/>
-          <a:p>
-            <a:r>
-              <a:rPr lang="en-US" dirty="0">
-                <a:solidFill>
-                  <a:srgbClr val="0070C0"/>
-                </a:solidFill>
-              </a:rPr>
-              <a:t>What is common to these examples?</a:t>
-            </a:r>
-          </a:p>
-        </p:txBody>
-      </p:sp>
-      <p:sp>
-        <p:nvSpPr>
-          <p:cNvPr id="3" name="Content Placeholder 2"/>
-          <p:cNvSpPr>
-            <a:spLocks noGrp="1"/>
-          </p:cNvSpPr>
-          <p:nvPr>
-            <p:ph idx="1"/>
-          </p:nvPr>
-        </p:nvSpPr>
-        <p:spPr>
-          <a:xfrm>
-            <a:off x="798871" y="1697805"/>
-            <a:ext cx="10341077" cy="4585007"/>
-          </a:xfrm>
-        </p:spPr>
-        <p:txBody>
-          <a:bodyPr>
-            <a:noAutofit/>
-          </a:bodyPr>
-          <a:lstStyle/>
-          <a:p>
-            <a:pPr marL="12700" marR="5080">
-              <a:lnSpc>
-                <a:spcPct val="100000"/>
-              </a:lnSpc>
-              <a:spcBef>
-                <a:spcPts val="95"/>
-              </a:spcBef>
-            </a:pPr>
-            <a:r>
-              <a:rPr lang="en-US" spc="-5" dirty="0">
-                <a:latin typeface="Microsoft Sans Serif"/>
-                <a:cs typeface="Microsoft Sans Serif"/>
-              </a:rPr>
-              <a:t>Given some data (e.g. handwritten digits).</a:t>
-            </a:r>
-          </a:p>
-          <a:p>
-            <a:pPr marL="12700" marR="5080">
-              <a:lnSpc>
-                <a:spcPct val="100000"/>
-              </a:lnSpc>
-              <a:spcBef>
-                <a:spcPts val="95"/>
-              </a:spcBef>
-            </a:pPr>
-            <a:endParaRPr lang="en-US" spc="-5" dirty="0">
-              <a:latin typeface="Microsoft Sans Serif"/>
-              <a:cs typeface="Microsoft Sans Serif"/>
-            </a:endParaRPr>
-          </a:p>
-          <a:p>
-            <a:pPr marL="12700" marR="5080">
-              <a:lnSpc>
-                <a:spcPct val="100000"/>
-              </a:lnSpc>
-              <a:spcBef>
-                <a:spcPts val="95"/>
-              </a:spcBef>
-            </a:pPr>
-            <a:r>
-              <a:rPr lang="en-US" spc="-5" dirty="0">
-                <a:latin typeface="Microsoft Sans Serif"/>
-                <a:cs typeface="Microsoft Sans Serif"/>
-              </a:rPr>
-              <a:t>Possibly some extra information (e.g. which digit does this  number represent)</a:t>
-            </a:r>
-          </a:p>
-          <a:p>
-            <a:pPr marL="12700" marR="5080">
-              <a:lnSpc>
-                <a:spcPct val="100000"/>
-              </a:lnSpc>
-              <a:spcBef>
-                <a:spcPts val="95"/>
-              </a:spcBef>
-            </a:pPr>
-            <a:endParaRPr lang="en-US" spc="-5" dirty="0">
-              <a:latin typeface="Microsoft Sans Serif"/>
-              <a:cs typeface="Microsoft Sans Serif"/>
-            </a:endParaRPr>
-          </a:p>
-          <a:p>
-            <a:pPr marL="12700" marR="5080">
-              <a:lnSpc>
-                <a:spcPct val="100000"/>
-              </a:lnSpc>
-              <a:spcBef>
-                <a:spcPts val="95"/>
-              </a:spcBef>
-            </a:pPr>
-            <a:r>
-              <a:rPr lang="en-US" spc="-5" dirty="0">
-                <a:latin typeface="Microsoft Sans Serif"/>
-                <a:cs typeface="Microsoft Sans Serif"/>
-              </a:rPr>
-              <a:t>Goal: Built a machine that can learn from the given data utilizing the extra information (if available).</a:t>
-            </a:r>
-          </a:p>
-        </p:txBody>
-      </p:sp>
-      <p:pic>
-        <p:nvPicPr>
-          <p:cNvPr id="14" name="Picture 4" descr="File:UMKC logo.png - Wikipedia"/>
-          <p:cNvPicPr>
-            <a:picLocks noChangeAspect="1" noChangeArrowheads="1"/>
-          </p:cNvPicPr>
-          <p:nvPr/>
-        </p:nvPicPr>
-        <p:blipFill>
-          <a:blip r:embed="rId2" cstate="print">
-            <a:extLst>
-              <a:ext uri="{28A0092B-C50C-407E-A947-70E740481C1C}">
-                <a14:useLocalDpi xmlns:a14="http://schemas.microsoft.com/office/drawing/2010/main" val="0"/>
-              </a:ext>
-            </a:extLst>
-          </a:blip>
-          <a:srcRect/>
-          <a:stretch>
-            <a:fillRect/>
-          </a:stretch>
-        </p:blipFill>
-        <p:spPr bwMode="auto">
-          <a:xfrm>
-            <a:off x="10741981" y="6132824"/>
-            <a:ext cx="1293518" cy="571124"/>
-          </a:xfrm>
-          <a:prstGeom prst="rect">
-            <a:avLst/>
-          </a:prstGeom>
-          <a:noFill/>
-          <a:extLst>
-            <a:ext uri="{909E8E84-426E-40DD-AFC4-6F175D3DCCD1}">
-              <a14:hiddenFill xmlns:a14="http://schemas.microsoft.com/office/drawing/2010/main">
-                <a:solidFill>
-                  <a:srgbClr val="FFFFFF"/>
-                </a:solidFill>
-              </a14:hiddenFill>
-            </a:ext>
-          </a:extLst>
-        </p:spPr>
-      </p:pic>
-    </p:spTree>
-    <p:extLst>
-      <p:ext uri="{BB962C8B-B14F-4D97-AF65-F5344CB8AC3E}">
-        <p14:creationId xmlns:p14="http://schemas.microsoft.com/office/powerpoint/2010/main" val="3694131391"/>
-      </p:ext>
-    </p:extLst>
-  </p:cSld>
-  <p:clrMapOvr>
-    <a:masterClrMapping/>
-  </p:clrMapOvr>
-  <p:timing>
-    <p:tnLst>
-      <p:par>
-        <p:cTn id="1" dur="indefinite" restart="never" nodeType="tmRoot">
-          <p:childTnLst>
-            <p:seq concurrent="1" nextAc="seek">
-              <p:cTn id="2" dur="indefinite" nodeType="mainSeq">
-                <p:childTnLst>
-                  <p:par>
-                    <p:cTn id="3" fill="hold">
-                      <p:stCondLst>
-                        <p:cond delay="indefinite"/>
-                      </p:stCondLst>
-                      <p:childTnLst>
-                        <p:par>
-                          <p:cTn id="4" fill="hold">
-                            <p:stCondLst>
-                              <p:cond delay="0"/>
-                            </p:stCondLst>
-                            <p:childTnLst>
-                              <p:par>
-                                <p:cTn id="5" presetID="10" presetClass="entr" presetSubtype="0" fill="hold" grpId="0" nodeType="clickEffect">
-                                  <p:stCondLst>
-                                    <p:cond delay="0"/>
-                                  </p:stCondLst>
-                                  <p:childTnLst>
-                                    <p:set>
-                                      <p:cBhvr>
-                                        <p:cTn id="6" dur="1" fill="hold">
-                                          <p:stCondLst>
-                                            <p:cond delay="0"/>
-                                          </p:stCondLst>
-                                        </p:cTn>
-                                        <p:tgtEl>
-                                          <p:spTgt spid="3">
-                                            <p:txEl>
-                                              <p:pRg st="0" end="0"/>
-                                            </p:txEl>
-                                          </p:spTgt>
-                                        </p:tgtEl>
-                                        <p:attrNameLst>
-                                          <p:attrName>style.visibility</p:attrName>
-                                        </p:attrNameLst>
-                                      </p:cBhvr>
-                                      <p:to>
-                                        <p:strVal val="visible"/>
-                                      </p:to>
-                                    </p:set>
-                                    <p:animEffect transition="in" filter="fade">
-                                      <p:cBhvr>
-                                        <p:cTn id="7" dur="500"/>
-                                        <p:tgtEl>
-                                          <p:spTgt spid="3">
-                                            <p:txEl>
-                                              <p:pRg st="0" end="0"/>
-                                            </p:txEl>
-                                          </p:spTgt>
-                                        </p:tgtEl>
-                                      </p:cBhvr>
-                                    </p:animEffect>
-                                  </p:childTnLst>
-                                </p:cTn>
-                              </p:par>
-                            </p:childTnLst>
-                          </p:cTn>
-                        </p:par>
-                      </p:childTnLst>
-                    </p:cTn>
-                  </p:par>
-                  <p:par>
-                    <p:cTn id="8" fill="hold">
-                      <p:stCondLst>
-                        <p:cond delay="indefinite"/>
-                      </p:stCondLst>
-                      <p:childTnLst>
-                        <p:par>
-                          <p:cTn id="9" fill="hold">
-                            <p:stCondLst>
-                              <p:cond delay="0"/>
-                            </p:stCondLst>
-                            <p:childTnLst>
-                              <p:par>
-                                <p:cTn id="10" presetID="10" presetClass="entr" presetSubtype="0" fill="hold" grpId="0" nodeType="clickEffect">
-                                  <p:stCondLst>
-                                    <p:cond delay="0"/>
-                                  </p:stCondLst>
-                                  <p:childTnLst>
-                                    <p:set>
-                                      <p:cBhvr>
-                                        <p:cTn id="11" dur="1" fill="hold">
-                                          <p:stCondLst>
-                                            <p:cond delay="0"/>
-                                          </p:stCondLst>
-                                        </p:cTn>
-                                        <p:tgtEl>
-                                          <p:spTgt spid="3">
-                                            <p:txEl>
-                                              <p:pRg st="2" end="2"/>
-                                            </p:txEl>
-                                          </p:spTgt>
-                                        </p:tgtEl>
-                                        <p:attrNameLst>
-                                          <p:attrName>style.visibility</p:attrName>
-                                        </p:attrNameLst>
-                                      </p:cBhvr>
-                                      <p:to>
-                                        <p:strVal val="visible"/>
-                                      </p:to>
-                                    </p:set>
-                                    <p:animEffect transition="in" filter="fade">
-                                      <p:cBhvr>
-                                        <p:cTn id="12" dur="500"/>
-                                        <p:tgtEl>
-                                          <p:spTgt spid="3">
-                                            <p:txEl>
-                                              <p:pRg st="2" end="2"/>
-                                            </p:txEl>
-                                          </p:spTgt>
-                                        </p:tgtEl>
-                                      </p:cBhvr>
-                                    </p:animEffect>
-                                  </p:childTnLst>
-                                </p:cTn>
-                              </p:par>
-                            </p:childTnLst>
-                          </p:cTn>
-                        </p:par>
-                      </p:childTnLst>
-                    </p:cTn>
-                  </p:par>
-                  <p:par>
-                    <p:cTn id="13" fill="hold">
-                      <p:stCondLst>
-                        <p:cond delay="indefinite"/>
-                      </p:stCondLst>
-                      <p:childTnLst>
-                        <p:par>
-                          <p:cTn id="14" fill="hold">
-                            <p:stCondLst>
-                              <p:cond delay="0"/>
-                            </p:stCondLst>
-                            <p:childTnLst>
-                              <p:par>
-                                <p:cTn id="15" presetID="10" presetClass="entr" presetSubtype="0" fill="hold" grpId="0" nodeType="clickEffect">
-                                  <p:stCondLst>
-                                    <p:cond delay="0"/>
-                                  </p:stCondLst>
-                                  <p:childTnLst>
-                                    <p:set>
-                                      <p:cBhvr>
-                                        <p:cTn id="16" dur="1" fill="hold">
-                                          <p:stCondLst>
-                                            <p:cond delay="0"/>
-                                          </p:stCondLst>
-                                        </p:cTn>
-                                        <p:tgtEl>
-                                          <p:spTgt spid="3">
-                                            <p:txEl>
-                                              <p:pRg st="4" end="4"/>
-                                            </p:txEl>
-                                          </p:spTgt>
-                                        </p:tgtEl>
-                                        <p:attrNameLst>
-                                          <p:attrName>style.visibility</p:attrName>
-                                        </p:attrNameLst>
-                                      </p:cBhvr>
-                                      <p:to>
-                                        <p:strVal val="visible"/>
-                                      </p:to>
-                                    </p:set>
-                                    <p:animEffect transition="in" filter="fade">
-                                      <p:cBhvr>
-                                        <p:cTn id="17" dur="500"/>
-                                        <p:tgtEl>
-                                          <p:spTgt spid="3">
-                                            <p:txEl>
-                                              <p:pRg st="4" end="4"/>
-                                            </p:txEl>
-                                          </p:spTgt>
-                                        </p:tgtEl>
-                                      </p:cBhvr>
-                                    </p:animEffect>
-                                  </p:childTnLst>
-                                </p:cTn>
-                              </p:par>
-                            </p:childTnLst>
-                          </p:cTn>
-                        </p:par>
-                      </p:childTnLst>
-                    </p:cTn>
-                  </p:par>
-                </p:childTnLst>
-              </p:cTn>
-              <p:prevCondLst>
-                <p:cond evt="onPrev" delay="0">
-                  <p:tgtEl>
-                    <p:sldTgt/>
-                  </p:tgtEl>
-                </p:cond>
-              </p:prevCondLst>
-              <p:nextCondLst>
-                <p:cond evt="onNext" delay="0">
-                  <p:tgtEl>
-                    <p:sldTgt/>
-                  </p:tgtEl>
-                </p:cond>
-              </p:nextCondLst>
-            </p:seq>
-          </p:childTnLst>
-        </p:cTn>
-      </p:par>
-    </p:tnLst>
-    <p:bldLst>
-      <p:bldP spid="3" grpId="0" build="p"/>
-    </p:bldLst>
-  </p:timing>
-</p:sld>
-</file>
-
-<file path=ppt/slides/slide13.xml><?xml version="1.0" encoding="utf-8"?>
-<p:sld xmlns:a="http://schemas.openxmlformats.org/drawingml/2006/main" xmlns:r="http://schemas.openxmlformats.org/officeDocument/2006/relationships" xmlns:p="http://schemas.openxmlformats.org/presentationml/2006/main">
-  <p:cSld>
-    <p:spTree>
-      <p:nvGrpSpPr>
-        <p:cNvPr id="1" name=""/>
-        <p:cNvGrpSpPr/>
-        <p:nvPr/>
-      </p:nvGrpSpPr>
-      <p:grpSpPr>
-        <a:xfrm>
-          <a:off x="0" y="0"/>
-          <a:ext cx="0" cy="0"/>
-          <a:chOff x="0" y="0"/>
-          <a:chExt cx="0" cy="0"/>
-        </a:xfrm>
-      </p:grpSpPr>
-      <p:sp>
-        <p:nvSpPr>
-          <p:cNvPr id="2" name="Title 1"/>
-          <p:cNvSpPr>
-            <a:spLocks noGrp="1"/>
-          </p:cNvSpPr>
-          <p:nvPr>
-            <p:ph type="title"/>
-          </p:nvPr>
-        </p:nvSpPr>
-        <p:spPr>
-          <a:xfrm>
-            <a:off x="838200" y="365125"/>
-            <a:ext cx="10515600" cy="913069"/>
-          </a:xfrm>
-        </p:spPr>
-        <p:txBody>
-          <a:bodyPr/>
-          <a:lstStyle/>
-          <a:p>
-            <a:r>
-              <a:rPr lang="en-US" dirty="0">
-                <a:solidFill>
-                  <a:srgbClr val="0070C0"/>
-                </a:solidFill>
-              </a:rPr>
-              <a:t>Flavor of this course</a:t>
-            </a:r>
-          </a:p>
-        </p:txBody>
-      </p:sp>
-      <p:sp>
-        <p:nvSpPr>
-          <p:cNvPr id="3" name="Content Placeholder 2"/>
-          <p:cNvSpPr>
-            <a:spLocks noGrp="1"/>
-          </p:cNvSpPr>
-          <p:nvPr>
-            <p:ph idx="1"/>
-          </p:nvPr>
-        </p:nvSpPr>
-        <p:spPr>
-          <a:xfrm>
-            <a:off x="759542" y="1412670"/>
-            <a:ext cx="10341077" cy="4526014"/>
-          </a:xfrm>
-        </p:spPr>
-        <p:txBody>
-          <a:bodyPr>
-            <a:noAutofit/>
-          </a:bodyPr>
-          <a:lstStyle/>
-          <a:p>
-            <a:pPr marL="12700" marR="5080">
-              <a:lnSpc>
-                <a:spcPct val="150000"/>
-              </a:lnSpc>
-              <a:spcBef>
-                <a:spcPts val="95"/>
-              </a:spcBef>
-            </a:pPr>
-            <a:r>
-              <a:rPr lang="en-US" sz="2400" spc="-5" dirty="0">
-                <a:latin typeface="Microsoft Sans Serif"/>
-                <a:cs typeface="Microsoft Sans Serif"/>
-              </a:rPr>
-              <a:t>Formalize intuitions about problems</a:t>
-            </a:r>
-          </a:p>
-          <a:p>
-            <a:pPr marL="12700" marR="5080">
-              <a:lnSpc>
-                <a:spcPct val="150000"/>
-              </a:lnSpc>
-              <a:spcBef>
-                <a:spcPts val="95"/>
-              </a:spcBef>
-            </a:pPr>
-            <a:r>
-              <a:rPr lang="en-US" sz="2400" spc="-5" dirty="0">
-                <a:latin typeface="Microsoft Sans Serif"/>
-                <a:cs typeface="Microsoft Sans Serif"/>
-              </a:rPr>
-              <a:t>Use the language of mathematics to express models</a:t>
-            </a:r>
-          </a:p>
-          <a:p>
-            <a:pPr marL="12700" marR="5080">
-              <a:lnSpc>
-                <a:spcPct val="150000"/>
-              </a:lnSpc>
-              <a:spcBef>
-                <a:spcPts val="95"/>
-              </a:spcBef>
-            </a:pPr>
-            <a:r>
-              <a:rPr lang="en-US" sz="2400" spc="-5" dirty="0">
-                <a:latin typeface="Microsoft Sans Serif"/>
-                <a:cs typeface="Microsoft Sans Serif"/>
-              </a:rPr>
-              <a:t>Geometry, vectors, and linear algebra for reasoning</a:t>
-            </a:r>
-          </a:p>
-          <a:p>
-            <a:pPr marL="12700" marR="5080">
-              <a:lnSpc>
-                <a:spcPct val="150000"/>
-              </a:lnSpc>
-              <a:spcBef>
-                <a:spcPts val="95"/>
-              </a:spcBef>
-            </a:pPr>
-            <a:r>
-              <a:rPr lang="en-US" sz="2400" spc="-5" dirty="0">
-                <a:latin typeface="Microsoft Sans Serif"/>
-                <a:cs typeface="Microsoft Sans Serif"/>
-              </a:rPr>
-              <a:t>Probabilistic models to capture uncertainty</a:t>
-            </a:r>
-          </a:p>
-          <a:p>
-            <a:pPr marL="12700" marR="5080">
-              <a:lnSpc>
-                <a:spcPct val="150000"/>
-              </a:lnSpc>
-              <a:spcBef>
-                <a:spcPts val="95"/>
-              </a:spcBef>
-            </a:pPr>
-            <a:r>
-              <a:rPr lang="en-US" sz="2400" spc="-5" dirty="0">
-                <a:latin typeface="Microsoft Sans Serif"/>
-                <a:cs typeface="Microsoft Sans Serif"/>
-              </a:rPr>
-              <a:t>Calculus to identify good parameters</a:t>
-            </a:r>
-          </a:p>
-          <a:p>
-            <a:pPr marL="12700" marR="5080">
-              <a:lnSpc>
-                <a:spcPct val="150000"/>
-              </a:lnSpc>
-              <a:spcBef>
-                <a:spcPts val="95"/>
-              </a:spcBef>
-            </a:pPr>
-            <a:r>
-              <a:rPr lang="en-US" sz="2400" spc="-5" dirty="0">
-                <a:latin typeface="Microsoft Sans Serif"/>
-                <a:cs typeface="Microsoft Sans Serif"/>
-              </a:rPr>
-              <a:t>Design and analysis of algorithms</a:t>
-            </a:r>
-          </a:p>
-          <a:p>
-            <a:pPr marL="12700" marR="5080">
-              <a:lnSpc>
-                <a:spcPct val="150000"/>
-              </a:lnSpc>
-              <a:spcBef>
-                <a:spcPts val="95"/>
-              </a:spcBef>
-            </a:pPr>
-            <a:r>
-              <a:rPr lang="en-US" sz="2400" spc="-5" dirty="0">
-                <a:latin typeface="Microsoft Sans Serif"/>
-                <a:cs typeface="Microsoft Sans Serif"/>
-              </a:rPr>
-              <a:t>Numerical algorithms in python</a:t>
-            </a:r>
-          </a:p>
-          <a:p>
-            <a:pPr marL="12700" marR="5080">
-              <a:lnSpc>
-                <a:spcPct val="150000"/>
-              </a:lnSpc>
-              <a:spcBef>
-                <a:spcPts val="95"/>
-              </a:spcBef>
-            </a:pPr>
-            <a:r>
-              <a:rPr lang="en-US" sz="2400" spc="-5" dirty="0">
-                <a:latin typeface="Microsoft Sans Serif"/>
-                <a:cs typeface="Microsoft Sans Serif"/>
-              </a:rPr>
-              <a:t>Understand the choices when designing machine learning  methods</a:t>
-            </a:r>
-          </a:p>
-        </p:txBody>
-      </p:sp>
-      <p:pic>
-        <p:nvPicPr>
-          <p:cNvPr id="14" name="Picture 4" descr="File:UMKC logo.png - Wikipedia"/>
-          <p:cNvPicPr>
-            <a:picLocks noChangeAspect="1" noChangeArrowheads="1"/>
-          </p:cNvPicPr>
-          <p:nvPr/>
-        </p:nvPicPr>
-        <p:blipFill>
-          <a:blip r:embed="rId2" cstate="print">
-            <a:extLst>
-              <a:ext uri="{28A0092B-C50C-407E-A947-70E740481C1C}">
-                <a14:useLocalDpi xmlns:a14="http://schemas.microsoft.com/office/drawing/2010/main" val="0"/>
-              </a:ext>
-            </a:extLst>
-          </a:blip>
-          <a:srcRect/>
-          <a:stretch>
-            <a:fillRect/>
-          </a:stretch>
-        </p:blipFill>
-        <p:spPr bwMode="auto">
-          <a:xfrm>
-            <a:off x="10741981" y="6132824"/>
-            <a:ext cx="1293518" cy="571124"/>
-          </a:xfrm>
-          <a:prstGeom prst="rect">
-            <a:avLst/>
-          </a:prstGeom>
-          <a:noFill/>
-          <a:extLst>
-            <a:ext uri="{909E8E84-426E-40DD-AFC4-6F175D3DCCD1}">
-              <a14:hiddenFill xmlns:a14="http://schemas.microsoft.com/office/drawing/2010/main">
-                <a:solidFill>
-                  <a:srgbClr val="FFFFFF"/>
-                </a:solidFill>
-              </a14:hiddenFill>
-            </a:ext>
-          </a:extLst>
-        </p:spPr>
-      </p:pic>
-    </p:spTree>
-    <p:extLst>
-      <p:ext uri="{BB962C8B-B14F-4D97-AF65-F5344CB8AC3E}">
-        <p14:creationId xmlns:p14="http://schemas.microsoft.com/office/powerpoint/2010/main" val="3548244452"/>
-      </p:ext>
-    </p:extLst>
-  </p:cSld>
-  <p:clrMapOvr>
-    <a:masterClrMapping/>
-  </p:clrMapOvr>
-  <p:timing>
-    <p:tnLst>
-      <p:par>
-        <p:cTn id="1" dur="indefinite" restart="never" nodeType="tmRoot">
-          <p:childTnLst>
-            <p:seq concurrent="1" nextAc="seek">
-              <p:cTn id="2" dur="indefinite" nodeType="mainSeq">
-                <p:childTnLst>
-                  <p:par>
-                    <p:cTn id="3" fill="hold">
-                      <p:stCondLst>
-                        <p:cond delay="indefinite"/>
-                      </p:stCondLst>
-                      <p:childTnLst>
-                        <p:par>
-                          <p:cTn id="4" fill="hold">
-                            <p:stCondLst>
-                              <p:cond delay="0"/>
-                            </p:stCondLst>
-                            <p:childTnLst>
-                              <p:par>
-                                <p:cTn id="5" presetID="10" presetClass="entr" presetSubtype="0" fill="hold" grpId="0" nodeType="clickEffect">
-                                  <p:stCondLst>
-                                    <p:cond delay="0"/>
-                                  </p:stCondLst>
-                                  <p:childTnLst>
-                                    <p:set>
-                                      <p:cBhvr>
-                                        <p:cTn id="6" dur="1" fill="hold">
-                                          <p:stCondLst>
-                                            <p:cond delay="0"/>
-                                          </p:stCondLst>
-                                        </p:cTn>
-                                        <p:tgtEl>
-                                          <p:spTgt spid="3">
-                                            <p:txEl>
-                                              <p:pRg st="0" end="0"/>
-                                            </p:txEl>
-                                          </p:spTgt>
-                                        </p:tgtEl>
-                                        <p:attrNameLst>
-                                          <p:attrName>style.visibility</p:attrName>
-                                        </p:attrNameLst>
-                                      </p:cBhvr>
-                                      <p:to>
-                                        <p:strVal val="visible"/>
-                                      </p:to>
-                                    </p:set>
-                                    <p:animEffect transition="in" filter="fade">
-                                      <p:cBhvr>
-                                        <p:cTn id="7" dur="500"/>
-                                        <p:tgtEl>
-                                          <p:spTgt spid="3">
-                                            <p:txEl>
-                                              <p:pRg st="0" end="0"/>
-                                            </p:txEl>
-                                          </p:spTgt>
-                                        </p:tgtEl>
-                                      </p:cBhvr>
-                                    </p:animEffect>
-                                  </p:childTnLst>
-                                </p:cTn>
-                              </p:par>
-                            </p:childTnLst>
-                          </p:cTn>
-                        </p:par>
-                      </p:childTnLst>
-                    </p:cTn>
-                  </p:par>
-                  <p:par>
-                    <p:cTn id="8" fill="hold">
-                      <p:stCondLst>
-                        <p:cond delay="indefinite"/>
-                      </p:stCondLst>
-                      <p:childTnLst>
-                        <p:par>
-                          <p:cTn id="9" fill="hold">
-                            <p:stCondLst>
-                              <p:cond delay="0"/>
-                            </p:stCondLst>
-                            <p:childTnLst>
-                              <p:par>
-                                <p:cTn id="10" presetID="10" presetClass="entr" presetSubtype="0" fill="hold" grpId="0" nodeType="clickEffect">
-                                  <p:stCondLst>
-                                    <p:cond delay="0"/>
-                                  </p:stCondLst>
-                                  <p:childTnLst>
-                                    <p:set>
-                                      <p:cBhvr>
-                                        <p:cTn id="11" dur="1" fill="hold">
-                                          <p:stCondLst>
-                                            <p:cond delay="0"/>
-                                          </p:stCondLst>
-                                        </p:cTn>
-                                        <p:tgtEl>
-                                          <p:spTgt spid="3">
-                                            <p:txEl>
-                                              <p:pRg st="1" end="1"/>
-                                            </p:txEl>
-                                          </p:spTgt>
-                                        </p:tgtEl>
-                                        <p:attrNameLst>
-                                          <p:attrName>style.visibility</p:attrName>
-                                        </p:attrNameLst>
-                                      </p:cBhvr>
-                                      <p:to>
-                                        <p:strVal val="visible"/>
-                                      </p:to>
-                                    </p:set>
-                                    <p:animEffect transition="in" filter="fade">
-                                      <p:cBhvr>
-                                        <p:cTn id="12" dur="500"/>
-                                        <p:tgtEl>
-                                          <p:spTgt spid="3">
-                                            <p:txEl>
-                                              <p:pRg st="1" end="1"/>
-                                            </p:txEl>
-                                          </p:spTgt>
-                                        </p:tgtEl>
-                                      </p:cBhvr>
-                                    </p:animEffect>
-                                  </p:childTnLst>
-                                </p:cTn>
-                              </p:par>
-                            </p:childTnLst>
-                          </p:cTn>
-                        </p:par>
-                      </p:childTnLst>
-                    </p:cTn>
-                  </p:par>
-                  <p:par>
-                    <p:cTn id="13" fill="hold">
-                      <p:stCondLst>
-                        <p:cond delay="indefinite"/>
-                      </p:stCondLst>
-                      <p:childTnLst>
-                        <p:par>
-                          <p:cTn id="14" fill="hold">
-                            <p:stCondLst>
-                              <p:cond delay="0"/>
-                            </p:stCondLst>
-                            <p:childTnLst>
-                              <p:par>
-                                <p:cTn id="15" presetID="10" presetClass="entr" presetSubtype="0" fill="hold" grpId="0" nodeType="clickEffect">
-                                  <p:stCondLst>
-                                    <p:cond delay="0"/>
-                                  </p:stCondLst>
-                                  <p:childTnLst>
-                                    <p:set>
-                                      <p:cBhvr>
-                                        <p:cTn id="16" dur="1" fill="hold">
-                                          <p:stCondLst>
-                                            <p:cond delay="0"/>
-                                          </p:stCondLst>
-                                        </p:cTn>
-                                        <p:tgtEl>
-                                          <p:spTgt spid="3">
-                                            <p:txEl>
-                                              <p:pRg st="2" end="2"/>
-                                            </p:txEl>
-                                          </p:spTgt>
-                                        </p:tgtEl>
-                                        <p:attrNameLst>
-                                          <p:attrName>style.visibility</p:attrName>
-                                        </p:attrNameLst>
-                                      </p:cBhvr>
-                                      <p:to>
-                                        <p:strVal val="visible"/>
-                                      </p:to>
-                                    </p:set>
-                                    <p:animEffect transition="in" filter="fade">
-                                      <p:cBhvr>
-                                        <p:cTn id="17" dur="500"/>
-                                        <p:tgtEl>
-                                          <p:spTgt spid="3">
-                                            <p:txEl>
-                                              <p:pRg st="2" end="2"/>
-                                            </p:txEl>
-                                          </p:spTgt>
-                                        </p:tgtEl>
-                                      </p:cBhvr>
-                                    </p:animEffect>
-                                  </p:childTnLst>
-                                </p:cTn>
-                              </p:par>
-                            </p:childTnLst>
-                          </p:cTn>
-                        </p:par>
-                      </p:childTnLst>
-                    </p:cTn>
-                  </p:par>
-                  <p:par>
-                    <p:cTn id="18" fill="hold">
-                      <p:stCondLst>
-                        <p:cond delay="indefinite"/>
-                      </p:stCondLst>
-                      <p:childTnLst>
-                        <p:par>
-                          <p:cTn id="19" fill="hold">
-                            <p:stCondLst>
-                              <p:cond delay="0"/>
-                            </p:stCondLst>
-                            <p:childTnLst>
-                              <p:par>
-                                <p:cTn id="20" presetID="10" presetClass="entr" presetSubtype="0" fill="hold" grpId="0" nodeType="clickEffect">
-                                  <p:stCondLst>
-                                    <p:cond delay="0"/>
-                                  </p:stCondLst>
-                                  <p:childTnLst>
-                                    <p:set>
-                                      <p:cBhvr>
-                                        <p:cTn id="21" dur="1" fill="hold">
-                                          <p:stCondLst>
-                                            <p:cond delay="0"/>
-                                          </p:stCondLst>
-                                        </p:cTn>
-                                        <p:tgtEl>
-                                          <p:spTgt spid="3">
-                                            <p:txEl>
-                                              <p:pRg st="3" end="3"/>
-                                            </p:txEl>
-                                          </p:spTgt>
-                                        </p:tgtEl>
-                                        <p:attrNameLst>
-                                          <p:attrName>style.visibility</p:attrName>
-                                        </p:attrNameLst>
-                                      </p:cBhvr>
-                                      <p:to>
-                                        <p:strVal val="visible"/>
-                                      </p:to>
-                                    </p:set>
-                                    <p:animEffect transition="in" filter="fade">
-                                      <p:cBhvr>
-                                        <p:cTn id="22" dur="500"/>
-                                        <p:tgtEl>
-                                          <p:spTgt spid="3">
-                                            <p:txEl>
-                                              <p:pRg st="3" end="3"/>
-                                            </p:txEl>
-                                          </p:spTgt>
-                                        </p:tgtEl>
-                                      </p:cBhvr>
-                                    </p:animEffect>
-                                  </p:childTnLst>
-                                </p:cTn>
-                              </p:par>
-                            </p:childTnLst>
-                          </p:cTn>
-                        </p:par>
-                      </p:childTnLst>
-                    </p:cTn>
-                  </p:par>
-                  <p:par>
-                    <p:cTn id="23" fill="hold">
-                      <p:stCondLst>
-                        <p:cond delay="indefinite"/>
-                      </p:stCondLst>
-                      <p:childTnLst>
-                        <p:par>
-                          <p:cTn id="24" fill="hold">
-                            <p:stCondLst>
-                              <p:cond delay="0"/>
-                            </p:stCondLst>
-                            <p:childTnLst>
-                              <p:par>
-                                <p:cTn id="25" presetID="10" presetClass="entr" presetSubtype="0" fill="hold" grpId="0" nodeType="clickEffect">
-                                  <p:stCondLst>
-                                    <p:cond delay="0"/>
-                                  </p:stCondLst>
-                                  <p:childTnLst>
-                                    <p:set>
-                                      <p:cBhvr>
-                                        <p:cTn id="26" dur="1" fill="hold">
-                                          <p:stCondLst>
-                                            <p:cond delay="0"/>
-                                          </p:stCondLst>
-                                        </p:cTn>
-                                        <p:tgtEl>
-                                          <p:spTgt spid="3">
-                                            <p:txEl>
-                                              <p:pRg st="4" end="4"/>
-                                            </p:txEl>
-                                          </p:spTgt>
-                                        </p:tgtEl>
-                                        <p:attrNameLst>
-                                          <p:attrName>style.visibility</p:attrName>
-                                        </p:attrNameLst>
-                                      </p:cBhvr>
-                                      <p:to>
-                                        <p:strVal val="visible"/>
-                                      </p:to>
-                                    </p:set>
-                                    <p:animEffect transition="in" filter="fade">
-                                      <p:cBhvr>
-                                        <p:cTn id="27" dur="500"/>
-                                        <p:tgtEl>
-                                          <p:spTgt spid="3">
-                                            <p:txEl>
-                                              <p:pRg st="4" end="4"/>
-                                            </p:txEl>
-                                          </p:spTgt>
-                                        </p:tgtEl>
-                                      </p:cBhvr>
-                                    </p:animEffect>
-                                  </p:childTnLst>
-                                </p:cTn>
-                              </p:par>
-                            </p:childTnLst>
-                          </p:cTn>
-                        </p:par>
-                      </p:childTnLst>
-                    </p:cTn>
-                  </p:par>
-                  <p:par>
-                    <p:cTn id="28" fill="hold">
-                      <p:stCondLst>
-                        <p:cond delay="indefinite"/>
-                      </p:stCondLst>
-                      <p:childTnLst>
-                        <p:par>
-                          <p:cTn id="29" fill="hold">
-                            <p:stCondLst>
-                              <p:cond delay="0"/>
-                            </p:stCondLst>
-                            <p:childTnLst>
-                              <p:par>
-                                <p:cTn id="30" presetID="10" presetClass="entr" presetSubtype="0" fill="hold" grpId="0" nodeType="clickEffect">
-                                  <p:stCondLst>
-                                    <p:cond delay="0"/>
-                                  </p:stCondLst>
-                                  <p:childTnLst>
-                                    <p:set>
-                                      <p:cBhvr>
-                                        <p:cTn id="31" dur="1" fill="hold">
-                                          <p:stCondLst>
-                                            <p:cond delay="0"/>
-                                          </p:stCondLst>
-                                        </p:cTn>
-                                        <p:tgtEl>
-                                          <p:spTgt spid="3">
-                                            <p:txEl>
-                                              <p:pRg st="5" end="5"/>
-                                            </p:txEl>
-                                          </p:spTgt>
-                                        </p:tgtEl>
-                                        <p:attrNameLst>
-                                          <p:attrName>style.visibility</p:attrName>
-                                        </p:attrNameLst>
-                                      </p:cBhvr>
-                                      <p:to>
-                                        <p:strVal val="visible"/>
-                                      </p:to>
-                                    </p:set>
-                                    <p:animEffect transition="in" filter="fade">
-                                      <p:cBhvr>
-                                        <p:cTn id="32" dur="500"/>
-                                        <p:tgtEl>
-                                          <p:spTgt spid="3">
-                                            <p:txEl>
-                                              <p:pRg st="5" end="5"/>
-                                            </p:txEl>
-                                          </p:spTgt>
-                                        </p:tgtEl>
-                                      </p:cBhvr>
-                                    </p:animEffect>
-                                  </p:childTnLst>
-                                </p:cTn>
-                              </p:par>
-                            </p:childTnLst>
-                          </p:cTn>
-                        </p:par>
-                      </p:childTnLst>
-                    </p:cTn>
-                  </p:par>
-                  <p:par>
-                    <p:cTn id="33" fill="hold">
-                      <p:stCondLst>
-                        <p:cond delay="indefinite"/>
-                      </p:stCondLst>
-                      <p:childTnLst>
-                        <p:par>
-                          <p:cTn id="34" fill="hold">
-                            <p:stCondLst>
-                              <p:cond delay="0"/>
-                            </p:stCondLst>
-                            <p:childTnLst>
-                              <p:par>
-                                <p:cTn id="35" presetID="10" presetClass="entr" presetSubtype="0" fill="hold" grpId="0" nodeType="clickEffect">
-                                  <p:stCondLst>
-                                    <p:cond delay="0"/>
-                                  </p:stCondLst>
-                                  <p:childTnLst>
-                                    <p:set>
-                                      <p:cBhvr>
-                                        <p:cTn id="36" dur="1" fill="hold">
-                                          <p:stCondLst>
-                                            <p:cond delay="0"/>
-                                          </p:stCondLst>
-                                        </p:cTn>
-                                        <p:tgtEl>
-                                          <p:spTgt spid="3">
-                                            <p:txEl>
-                                              <p:pRg st="6" end="6"/>
-                                            </p:txEl>
-                                          </p:spTgt>
-                                        </p:tgtEl>
-                                        <p:attrNameLst>
-                                          <p:attrName>style.visibility</p:attrName>
-                                        </p:attrNameLst>
-                                      </p:cBhvr>
-                                      <p:to>
-                                        <p:strVal val="visible"/>
-                                      </p:to>
-                                    </p:set>
-                                    <p:animEffect transition="in" filter="fade">
-                                      <p:cBhvr>
-                                        <p:cTn id="37" dur="500"/>
-                                        <p:tgtEl>
-                                          <p:spTgt spid="3">
-                                            <p:txEl>
-                                              <p:pRg st="6" end="6"/>
-                                            </p:txEl>
-                                          </p:spTgt>
-                                        </p:tgtEl>
-                                      </p:cBhvr>
-                                    </p:animEffect>
-                                  </p:childTnLst>
-                                </p:cTn>
-                              </p:par>
-                            </p:childTnLst>
-                          </p:cTn>
-                        </p:par>
-                      </p:childTnLst>
-                    </p:cTn>
-                  </p:par>
-                  <p:par>
-                    <p:cTn id="38" fill="hold">
-                      <p:stCondLst>
-                        <p:cond delay="indefinite"/>
-                      </p:stCondLst>
-                      <p:childTnLst>
-                        <p:par>
-                          <p:cTn id="39" fill="hold">
-                            <p:stCondLst>
-                              <p:cond delay="0"/>
-                            </p:stCondLst>
-                            <p:childTnLst>
-                              <p:par>
-                                <p:cTn id="40" presetID="10" presetClass="entr" presetSubtype="0" fill="hold" grpId="0" nodeType="clickEffect">
-                                  <p:stCondLst>
-                                    <p:cond delay="0"/>
-                                  </p:stCondLst>
-                                  <p:childTnLst>
-                                    <p:set>
-                                      <p:cBhvr>
-                                        <p:cTn id="41" dur="1" fill="hold">
-                                          <p:stCondLst>
-                                            <p:cond delay="0"/>
-                                          </p:stCondLst>
-                                        </p:cTn>
-                                        <p:tgtEl>
-                                          <p:spTgt spid="3">
-                                            <p:txEl>
-                                              <p:pRg st="7" end="7"/>
-                                            </p:txEl>
-                                          </p:spTgt>
-                                        </p:tgtEl>
-                                        <p:attrNameLst>
-                                          <p:attrName>style.visibility</p:attrName>
-                                        </p:attrNameLst>
-                                      </p:cBhvr>
-                                      <p:to>
-                                        <p:strVal val="visible"/>
-                                      </p:to>
-                                    </p:set>
-                                    <p:animEffect transition="in" filter="fade">
-                                      <p:cBhvr>
-                                        <p:cTn id="42" dur="500"/>
-                                        <p:tgtEl>
-                                          <p:spTgt spid="3">
-                                            <p:txEl>
-                                              <p:pRg st="7" end="7"/>
-                                            </p:txEl>
-                                          </p:spTgt>
-                                        </p:tgtEl>
-                                      </p:cBhvr>
-                                    </p:animEffect>
-                                  </p:childTnLst>
-                                </p:cTn>
-                              </p:par>
-                            </p:childTnLst>
-                          </p:cTn>
-                        </p:par>
-                      </p:childTnLst>
-                    </p:cTn>
-                  </p:par>
-                </p:childTnLst>
-              </p:cTn>
-              <p:prevCondLst>
-                <p:cond evt="onPrev" delay="0">
-                  <p:tgtEl>
-                    <p:sldTgt/>
-                  </p:tgtEl>
-                </p:cond>
-              </p:prevCondLst>
-              <p:nextCondLst>
-                <p:cond evt="onNext" delay="0">
-                  <p:tgtEl>
-                    <p:sldTgt/>
-                  </p:tgtEl>
-                </p:cond>
-              </p:nextCondLst>
-            </p:seq>
-          </p:childTnLst>
-        </p:cTn>
-      </p:par>
-    </p:tnLst>
-    <p:bldLst>
-      <p:bldP spid="3" grpId="0" build="p"/>
-    </p:bldLst>
-  </p:timing>
-</p:sld>
-</file>
-
-<file path=ppt/slides/slide14.xml><?xml version="1.0" encoding="utf-8"?>
-<p:sld xmlns:a="http://schemas.openxmlformats.org/drawingml/2006/main" xmlns:r="http://schemas.openxmlformats.org/officeDocument/2006/relationships" xmlns:p="http://schemas.openxmlformats.org/presentationml/2006/main">
-  <p:cSld>
-    <p:spTree>
-      <p:nvGrpSpPr>
-        <p:cNvPr id="1" name=""/>
-        <p:cNvGrpSpPr/>
-        <p:nvPr/>
-      </p:nvGrpSpPr>
-      <p:grpSpPr>
-        <a:xfrm>
-          <a:off x="0" y="0"/>
-          <a:ext cx="0" cy="0"/>
-          <a:chOff x="0" y="0"/>
-          <a:chExt cx="0" cy="0"/>
-        </a:xfrm>
-      </p:grpSpPr>
-      <p:sp>
-        <p:nvSpPr>
-          <p:cNvPr id="2" name="Title 1"/>
-          <p:cNvSpPr>
-            <a:spLocks noGrp="1"/>
-          </p:cNvSpPr>
-          <p:nvPr>
-            <p:ph type="title"/>
-          </p:nvPr>
-        </p:nvSpPr>
-        <p:spPr/>
-        <p:txBody>
-          <a:bodyPr/>
-          <a:lstStyle/>
-          <a:p>
-            <a:r>
-              <a:rPr lang="en-US" dirty="0">
-                <a:solidFill>
-                  <a:srgbClr val="0070C0"/>
-                </a:solidFill>
-              </a:rPr>
-              <a:t>Textbooks</a:t>
-            </a:r>
-          </a:p>
-        </p:txBody>
-      </p:sp>
-      <p:pic>
-        <p:nvPicPr>
-          <p:cNvPr id="14" name="Picture 4" descr="File:UMKC logo.png - Wikipedia"/>
-          <p:cNvPicPr>
-            <a:picLocks noChangeAspect="1" noChangeArrowheads="1"/>
-          </p:cNvPicPr>
-          <p:nvPr/>
-        </p:nvPicPr>
-        <p:blipFill>
-          <a:blip r:embed="rId2" cstate="print">
-            <a:extLst>
-              <a:ext uri="{28A0092B-C50C-407E-A947-70E740481C1C}">
-                <a14:useLocalDpi xmlns:a14="http://schemas.microsoft.com/office/drawing/2010/main" val="0"/>
-              </a:ext>
-            </a:extLst>
-          </a:blip>
-          <a:srcRect/>
-          <a:stretch>
-            <a:fillRect/>
-          </a:stretch>
-        </p:blipFill>
-        <p:spPr bwMode="auto">
-          <a:xfrm>
-            <a:off x="10741981" y="6132824"/>
-            <a:ext cx="1293518" cy="571124"/>
-          </a:xfrm>
-          <a:prstGeom prst="rect">
-            <a:avLst/>
-          </a:prstGeom>
-          <a:noFill/>
-          <a:extLst>
-            <a:ext uri="{909E8E84-426E-40DD-AFC4-6F175D3DCCD1}">
-              <a14:hiddenFill xmlns:a14="http://schemas.microsoft.com/office/drawing/2010/main">
-                <a:solidFill>
-                  <a:srgbClr val="FFFFFF"/>
-                </a:solidFill>
-              </a14:hiddenFill>
-            </a:ext>
-          </a:extLst>
-        </p:spPr>
-      </p:pic>
-      <p:pic>
-        <p:nvPicPr>
-          <p:cNvPr id="2050" name="Picture 2" descr="https://m.media-amazon.com/images/I/41pP5+SAv-L._SX330_BO1,204,203,200_.jpg"/>
-          <p:cNvPicPr>
-            <a:picLocks noChangeAspect="1" noChangeArrowheads="1"/>
-          </p:cNvPicPr>
-          <p:nvPr/>
-        </p:nvPicPr>
-        <p:blipFill>
-          <a:blip r:embed="rId3">
-            <a:extLst>
-              <a:ext uri="{28A0092B-C50C-407E-A947-70E740481C1C}">
-                <a14:useLocalDpi xmlns:a14="http://schemas.microsoft.com/office/drawing/2010/main" val="0"/>
-              </a:ext>
-            </a:extLst>
-          </a:blip>
-          <a:srcRect/>
-          <a:stretch>
-            <a:fillRect/>
-          </a:stretch>
-        </p:blipFill>
-        <p:spPr bwMode="auto">
-          <a:xfrm>
-            <a:off x="1846589" y="1605005"/>
-            <a:ext cx="3162300" cy="4752976"/>
-          </a:xfrm>
-          <a:prstGeom prst="rect">
-            <a:avLst/>
-          </a:prstGeom>
-          <a:noFill/>
-          <a:extLst>
-            <a:ext uri="{909E8E84-426E-40DD-AFC4-6F175D3DCCD1}">
-              <a14:hiddenFill xmlns:a14="http://schemas.microsoft.com/office/drawing/2010/main">
-                <a:solidFill>
-                  <a:srgbClr val="FFFFFF"/>
-                </a:solidFill>
-              </a14:hiddenFill>
-            </a:ext>
-          </a:extLst>
-        </p:spPr>
-      </p:pic>
-      <p:pic>
-        <p:nvPicPr>
-          <p:cNvPr id="2052" name="Picture 4" descr="https://m.media-amazon.com/images/I/416FCCO5tqL._SX331_BO1,204,203,200_.jpg"/>
-          <p:cNvPicPr>
-            <a:picLocks noChangeAspect="1" noChangeArrowheads="1"/>
-          </p:cNvPicPr>
-          <p:nvPr/>
-        </p:nvPicPr>
-        <p:blipFill>
-          <a:blip r:embed="rId4">
-            <a:extLst>
-              <a:ext uri="{28A0092B-C50C-407E-A947-70E740481C1C}">
-                <a14:useLocalDpi xmlns:a14="http://schemas.microsoft.com/office/drawing/2010/main" val="0"/>
-              </a:ext>
-            </a:extLst>
-          </a:blip>
-          <a:srcRect/>
-          <a:stretch>
-            <a:fillRect/>
-          </a:stretch>
-        </p:blipFill>
-        <p:spPr bwMode="auto">
-          <a:xfrm>
-            <a:off x="5829865" y="1592479"/>
-            <a:ext cx="3171825" cy="4752976"/>
-          </a:xfrm>
-          <a:prstGeom prst="rect">
-            <a:avLst/>
-          </a:prstGeom>
-          <a:noFill/>
-          <a:extLst>
-            <a:ext uri="{909E8E84-426E-40DD-AFC4-6F175D3DCCD1}">
-              <a14:hiddenFill xmlns:a14="http://schemas.microsoft.com/office/drawing/2010/main">
-                <a:solidFill>
-                  <a:srgbClr val="FFFFFF"/>
-                </a:solidFill>
-              </a14:hiddenFill>
-            </a:ext>
-          </a:extLst>
-        </p:spPr>
-      </p:pic>
-    </p:spTree>
-    <p:extLst>
-      <p:ext uri="{BB962C8B-B14F-4D97-AF65-F5344CB8AC3E}">
-        <p14:creationId xmlns:p14="http://schemas.microsoft.com/office/powerpoint/2010/main" val="1327267736"/>
-      </p:ext>
-    </p:extLst>
-  </p:cSld>
-  <p:clrMapOvr>
-    <a:masterClrMapping/>
-  </p:clrMapOvr>
-</p:sld>
-</file>
-
-<file path=ppt/slides/slide15.xml><?xml version="1.0" encoding="utf-8"?>
 <p:sld xmlns:a="http://schemas.openxmlformats.org/drawingml/2006/main" xmlns:r="http://schemas.openxmlformats.org/officeDocument/2006/relationships" xmlns:p="http://schemas.openxmlformats.org/presentationml/2006/main">
   <p:cSld>
     <p:spTree>
@@ -8812,7 +6239,7 @@
 </p:sld>
 </file>
 
-<file path=ppt/slides/slide16.xml><?xml version="1.0" encoding="utf-8"?>
+<file path=ppt/slides/slide11.xml><?xml version="1.0" encoding="utf-8"?>
 <p:sld xmlns:a="http://schemas.openxmlformats.org/drawingml/2006/main" xmlns:r="http://schemas.openxmlformats.org/officeDocument/2006/relationships" xmlns:p="http://schemas.openxmlformats.org/presentationml/2006/main">
   <p:cSld>
     <p:spTree>
@@ -10555,7 +7982,7 @@
 </p:sld>
 </file>
 
-<file path=ppt/slides/slide17.xml><?xml version="1.0" encoding="utf-8"?>
+<file path=ppt/slides/slide12.xml><?xml version="1.0" encoding="utf-8"?>
 <p:sld xmlns:a="http://schemas.openxmlformats.org/drawingml/2006/main" xmlns:r="http://schemas.openxmlformats.org/officeDocument/2006/relationships" xmlns:p="http://schemas.openxmlformats.org/presentationml/2006/main">
   <p:cSld>
     <p:spTree>
@@ -10681,7 +8108,7 @@
 </p:sld>
 </file>
 
-<file path=ppt/slides/slide18.xml><?xml version="1.0" encoding="utf-8"?>
+<file path=ppt/slides/slide13.xml><?xml version="1.0" encoding="utf-8"?>
 <p:sld xmlns:a="http://schemas.openxmlformats.org/drawingml/2006/main" xmlns:r="http://schemas.openxmlformats.org/officeDocument/2006/relationships" xmlns:p="http://schemas.openxmlformats.org/presentationml/2006/main">
   <p:cSld>
     <p:spTree>
@@ -10993,7 +8420,7 @@
 </p:sld>
 </file>
 
-<file path=ppt/slides/slide19.xml><?xml version="1.0" encoding="utf-8"?>
+<file path=ppt/slides/slide14.xml><?xml version="1.0" encoding="utf-8"?>
 <p:sld xmlns:a="http://schemas.openxmlformats.org/drawingml/2006/main" xmlns:r="http://schemas.openxmlformats.org/officeDocument/2006/relationships" xmlns:p="http://schemas.openxmlformats.org/presentationml/2006/main">
   <p:cSld>
     <p:spTree>
@@ -11163,141 +8590,7 @@
 </p:sld>
 </file>
 
-<file path=ppt/slides/slide2.xml><?xml version="1.0" encoding="utf-8"?>
-<p:sld xmlns:a="http://schemas.openxmlformats.org/drawingml/2006/main" xmlns:r="http://schemas.openxmlformats.org/officeDocument/2006/relationships" xmlns:p="http://schemas.openxmlformats.org/presentationml/2006/main">
-  <p:cSld>
-    <p:spTree>
-      <p:nvGrpSpPr>
-        <p:cNvPr id="1" name=""/>
-        <p:cNvGrpSpPr/>
-        <p:nvPr/>
-      </p:nvGrpSpPr>
-      <p:grpSpPr>
-        <a:xfrm>
-          <a:off x="0" y="0"/>
-          <a:ext cx="0" cy="0"/>
-          <a:chOff x="0" y="0"/>
-          <a:chExt cx="0" cy="0"/>
-        </a:xfrm>
-      </p:grpSpPr>
-      <p:pic>
-        <p:nvPicPr>
-          <p:cNvPr id="1028" name="Picture 4" descr="File:UMKC logo.png - Wikipedia"/>
-          <p:cNvPicPr>
-            <a:picLocks noChangeAspect="1" noChangeArrowheads="1"/>
-          </p:cNvPicPr>
-          <p:nvPr/>
-        </p:nvPicPr>
-        <p:blipFill>
-          <a:blip r:embed="rId2" cstate="print">
-            <a:extLst>
-              <a:ext uri="{28A0092B-C50C-407E-A947-70E740481C1C}">
-                <a14:useLocalDpi xmlns:a14="http://schemas.microsoft.com/office/drawing/2010/main" val="0"/>
-              </a:ext>
-            </a:extLst>
-          </a:blip>
-          <a:srcRect/>
-          <a:stretch>
-            <a:fillRect/>
-          </a:stretch>
-        </p:blipFill>
-        <p:spPr bwMode="auto">
-          <a:xfrm>
-            <a:off x="10741981" y="6132824"/>
-            <a:ext cx="1293518" cy="571124"/>
-          </a:xfrm>
-          <a:prstGeom prst="rect">
-            <a:avLst/>
-          </a:prstGeom>
-          <a:noFill/>
-          <a:extLst>
-            <a:ext uri="{909E8E84-426E-40DD-AFC4-6F175D3DCCD1}">
-              <a14:hiddenFill xmlns:a14="http://schemas.microsoft.com/office/drawing/2010/main">
-                <a:solidFill>
-                  <a:srgbClr val="FFFFFF"/>
-                </a:solidFill>
-              </a14:hiddenFill>
-            </a:ext>
-          </a:extLst>
-        </p:spPr>
-      </p:pic>
-      <p:sp>
-        <p:nvSpPr>
-          <p:cNvPr id="9" name="Title 1">
-            <a:extLst>
-              <a:ext uri="{FF2B5EF4-FFF2-40B4-BE49-F238E27FC236}">
-                <a16:creationId xmlns:a16="http://schemas.microsoft.com/office/drawing/2014/main" id="{183BE260-ECE4-3C46-9FC2-BBAFA53B53F5}"/>
-              </a:ext>
-            </a:extLst>
-          </p:cNvPr>
-          <p:cNvSpPr txBox="1">
-            <a:spLocks/>
-          </p:cNvSpPr>
-          <p:nvPr/>
-        </p:nvSpPr>
-        <p:spPr>
-          <a:xfrm>
-            <a:off x="838200" y="365125"/>
-            <a:ext cx="10515600" cy="1325563"/>
-          </a:xfrm>
-          <a:prstGeom prst="rect">
-            <a:avLst/>
-          </a:prstGeom>
-        </p:spPr>
-        <p:txBody>
-          <a:bodyPr vert="horz" lIns="91440" tIns="45720" rIns="91440" bIns="45720" rtlCol="0" anchor="b">
-            <a:normAutofit/>
-          </a:bodyPr>
-          <a:lstStyle>
-            <a:lvl1pPr algn="ctr" defTabSz="914400" rtl="0" eaLnBrk="1" latinLnBrk="0" hangingPunct="1">
-              <a:lnSpc>
-                <a:spcPct val="90000"/>
-              </a:lnSpc>
-              <a:spcBef>
-                <a:spcPct val="0"/>
-              </a:spcBef>
-              <a:buNone/>
-              <a:defRPr sz="6000" kern="1200">
-                <a:solidFill>
-                  <a:schemeClr val="tx1"/>
-                </a:solidFill>
-                <a:latin typeface="+mj-lt"/>
-                <a:ea typeface="+mj-ea"/>
-                <a:cs typeface="+mj-cs"/>
-              </a:defRPr>
-            </a:lvl1pPr>
-          </a:lstStyle>
-          <a:p>
-            <a:r>
-              <a:rPr lang="en-US">
-                <a:solidFill>
-                  <a:srgbClr val="0070C0"/>
-                </a:solidFill>
-              </a:rPr>
-              <a:t>Course Website</a:t>
-            </a:r>
-            <a:endParaRPr lang="en-US" dirty="0">
-              <a:solidFill>
-                <a:srgbClr val="0070C0"/>
-              </a:solidFill>
-            </a:endParaRPr>
-          </a:p>
-        </p:txBody>
-      </p:sp>
-    </p:spTree>
-    <p:extLst>
-      <p:ext uri="{BB962C8B-B14F-4D97-AF65-F5344CB8AC3E}">
-        <p14:creationId xmlns:p14="http://schemas.microsoft.com/office/powerpoint/2010/main" val="3816450371"/>
-      </p:ext>
-    </p:extLst>
-  </p:cSld>
-  <p:clrMapOvr>
-    <a:masterClrMapping/>
-  </p:clrMapOvr>
-</p:sld>
-</file>
-
-<file path=ppt/slides/slide20.xml><?xml version="1.0" encoding="utf-8"?>
+<file path=ppt/slides/slide15.xml><?xml version="1.0" encoding="utf-8"?>
 <p:sld xmlns:a="http://schemas.openxmlformats.org/drawingml/2006/main" xmlns:r="http://schemas.openxmlformats.org/officeDocument/2006/relationships" xmlns:p="http://schemas.openxmlformats.org/presentationml/2006/main">
   <p:cSld>
     <p:spTree>
@@ -11562,7 +8855,7 @@
 </p:sld>
 </file>
 
-<file path=ppt/slides/slide21.xml><?xml version="1.0" encoding="utf-8"?>
+<file path=ppt/slides/slide16.xml><?xml version="1.0" encoding="utf-8"?>
 <p:sld xmlns:a="http://schemas.openxmlformats.org/drawingml/2006/main" xmlns:r="http://schemas.openxmlformats.org/officeDocument/2006/relationships" xmlns:p="http://schemas.openxmlformats.org/presentationml/2006/main">
   <p:cSld>
     <p:spTree>
@@ -11719,7 +9012,7 @@
 </p:sld>
 </file>
 
-<file path=ppt/slides/slide22.xml><?xml version="1.0" encoding="utf-8"?>
+<file path=ppt/slides/slide17.xml><?xml version="1.0" encoding="utf-8"?>
 <p:sld xmlns:a="http://schemas.openxmlformats.org/drawingml/2006/main" xmlns:r="http://schemas.openxmlformats.org/officeDocument/2006/relationships" xmlns:p="http://schemas.openxmlformats.org/presentationml/2006/main">
   <p:cSld>
     <p:spTree>
@@ -11984,7 +9277,7 @@
 </p:sld>
 </file>
 
-<file path=ppt/slides/slide23.xml><?xml version="1.0" encoding="utf-8"?>
+<file path=ppt/slides/slide18.xml><?xml version="1.0" encoding="utf-8"?>
 <p:sld xmlns:a="http://schemas.openxmlformats.org/drawingml/2006/main" xmlns:r="http://schemas.openxmlformats.org/officeDocument/2006/relationships" xmlns:p="http://schemas.openxmlformats.org/presentationml/2006/main">
   <p:cSld>
     <p:spTree>
@@ -12332,7 +9625,7 @@
 </p:sld>
 </file>
 
-<file path=ppt/slides/slide24.xml><?xml version="1.0" encoding="utf-8"?>
+<file path=ppt/slides/slide19.xml><?xml version="1.0" encoding="utf-8"?>
 <p:sld xmlns:a="http://schemas.openxmlformats.org/drawingml/2006/main" xmlns:r="http://schemas.openxmlformats.org/officeDocument/2006/relationships" xmlns:p="http://schemas.openxmlformats.org/presentationml/2006/main">
   <p:cSld>
     <p:spTree>
@@ -12528,6 +9821,375 @@
 </p:sld>
 </file>
 
+<file path=ppt/slides/slide2.xml><?xml version="1.0" encoding="utf-8"?>
+<p:sld xmlns:a="http://schemas.openxmlformats.org/drawingml/2006/main" xmlns:r="http://schemas.openxmlformats.org/officeDocument/2006/relationships" xmlns:p="http://schemas.openxmlformats.org/presentationml/2006/main">
+  <p:cSld>
+    <p:spTree>
+      <p:nvGrpSpPr>
+        <p:cNvPr id="1" name=""/>
+        <p:cNvGrpSpPr/>
+        <p:nvPr/>
+      </p:nvGrpSpPr>
+      <p:grpSpPr>
+        <a:xfrm>
+          <a:off x="0" y="0"/>
+          <a:ext cx="0" cy="0"/>
+          <a:chOff x="0" y="0"/>
+          <a:chExt cx="0" cy="0"/>
+        </a:xfrm>
+      </p:grpSpPr>
+      <p:sp>
+        <p:nvSpPr>
+          <p:cNvPr id="2" name="Title 1">
+            <a:extLst>
+              <a:ext uri="{FF2B5EF4-FFF2-40B4-BE49-F238E27FC236}">
+                <a16:creationId xmlns:a16="http://schemas.microsoft.com/office/drawing/2014/main" id="{87BF30BF-7806-D247-A2AF-B1239989AB83}"/>
+              </a:ext>
+            </a:extLst>
+          </p:cNvPr>
+          <p:cNvSpPr>
+            <a:spLocks noGrp="1"/>
+          </p:cNvSpPr>
+          <p:nvPr>
+            <p:ph type="title"/>
+          </p:nvPr>
+        </p:nvSpPr>
+        <p:spPr/>
+        <p:txBody>
+          <a:bodyPr/>
+          <a:lstStyle/>
+          <a:p>
+            <a:r>
+              <a:rPr lang="en-US" dirty="0"/>
+              <a:t>Course Website</a:t>
+            </a:r>
+          </a:p>
+        </p:txBody>
+      </p:sp>
+      <p:sp>
+        <p:nvSpPr>
+          <p:cNvPr id="7" name="TextBox 6">
+            <a:extLst>
+              <a:ext uri="{FF2B5EF4-FFF2-40B4-BE49-F238E27FC236}">
+                <a16:creationId xmlns:a16="http://schemas.microsoft.com/office/drawing/2014/main" id="{BC953F59-DB65-0241-829C-F5150AEE3958}"/>
+              </a:ext>
+            </a:extLst>
+          </p:cNvPr>
+          <p:cNvSpPr txBox="1"/>
+          <p:nvPr/>
+        </p:nvSpPr>
+        <p:spPr>
+          <a:xfrm>
+            <a:off x="838200" y="1825675"/>
+            <a:ext cx="9159240" cy="461665"/>
+          </a:xfrm>
+          <a:prstGeom prst="rect">
+            <a:avLst/>
+          </a:prstGeom>
+          <a:noFill/>
+        </p:spPr>
+        <p:txBody>
+          <a:bodyPr wrap="square">
+            <a:spAutoFit/>
+          </a:bodyPr>
+          <a:lstStyle/>
+          <a:p>
+            <a:r>
+              <a:rPr lang="en-US" sz="2400" dirty="0"/>
+              <a:t>https://tianzheng4.github.io/</a:t>
+            </a:r>
+            <a:r>
+              <a:rPr lang="en-US" sz="2400" dirty="0" err="1"/>
+              <a:t>umkc</a:t>
+            </a:r>
+            <a:r>
+              <a:rPr lang="en-US" sz="2400" dirty="0"/>
+              <a:t>-teaching/2023-fall-teaching-1/</a:t>
+            </a:r>
+          </a:p>
+        </p:txBody>
+      </p:sp>
+      <p:sp>
+        <p:nvSpPr>
+          <p:cNvPr id="8" name="Content Placeholder 2">
+            <a:extLst>
+              <a:ext uri="{FF2B5EF4-FFF2-40B4-BE49-F238E27FC236}">
+                <a16:creationId xmlns:a16="http://schemas.microsoft.com/office/drawing/2014/main" id="{A699D753-1647-664C-A454-6CD0016A3B91}"/>
+              </a:ext>
+            </a:extLst>
+          </p:cNvPr>
+          <p:cNvSpPr>
+            <a:spLocks noGrp="1"/>
+          </p:cNvSpPr>
+          <p:nvPr>
+            <p:ph idx="1"/>
+          </p:nvPr>
+        </p:nvSpPr>
+        <p:spPr>
+          <a:xfrm>
+            <a:off x="838200" y="2919949"/>
+            <a:ext cx="9616440" cy="2078771"/>
+          </a:xfrm>
+        </p:spPr>
+        <p:txBody>
+          <a:bodyPr>
+            <a:normAutofit/>
+          </a:bodyPr>
+          <a:lstStyle/>
+          <a:p>
+            <a:pPr marL="0" indent="0">
+              <a:buNone/>
+            </a:pPr>
+            <a:r>
+              <a:rPr lang="en-US" sz="2400" dirty="0"/>
+              <a:t>What are on the course website:</a:t>
+            </a:r>
+          </a:p>
+          <a:p>
+            <a:pPr marL="0" indent="0">
+              <a:buNone/>
+            </a:pPr>
+            <a:r>
+              <a:rPr lang="en-US" sz="2400" dirty="0"/>
+              <a:t>	Lecture slides</a:t>
+            </a:r>
+          </a:p>
+          <a:p>
+            <a:pPr marL="0" indent="0">
+              <a:buNone/>
+            </a:pPr>
+            <a:r>
+              <a:rPr lang="en-US" sz="2400" dirty="0"/>
+              <a:t>	Lab material</a:t>
+            </a:r>
+          </a:p>
+          <a:p>
+            <a:pPr marL="0" indent="0">
+              <a:buNone/>
+            </a:pPr>
+            <a:r>
+              <a:rPr lang="en-US" sz="2400" dirty="0"/>
+              <a:t>	Contact Information</a:t>
+            </a:r>
+          </a:p>
+        </p:txBody>
+      </p:sp>
+      <p:sp>
+        <p:nvSpPr>
+          <p:cNvPr id="9" name="Content Placeholder 2">
+            <a:extLst>
+              <a:ext uri="{FF2B5EF4-FFF2-40B4-BE49-F238E27FC236}">
+                <a16:creationId xmlns:a16="http://schemas.microsoft.com/office/drawing/2014/main" id="{8E7D57D7-F9C0-5840-941E-E7D4557F09BF}"/>
+              </a:ext>
+            </a:extLst>
+          </p:cNvPr>
+          <p:cNvSpPr txBox="1">
+            <a:spLocks/>
+          </p:cNvSpPr>
+          <p:nvPr/>
+        </p:nvSpPr>
+        <p:spPr>
+          <a:xfrm>
+            <a:off x="838200" y="5375881"/>
+            <a:ext cx="9616440" cy="852100"/>
+          </a:xfrm>
+          <a:prstGeom prst="rect">
+            <a:avLst/>
+          </a:prstGeom>
+        </p:spPr>
+        <p:txBody>
+          <a:bodyPr vert="horz" lIns="91440" tIns="45720" rIns="91440" bIns="45720" rtlCol="0">
+            <a:normAutofit/>
+          </a:bodyPr>
+          <a:lstStyle>
+            <a:lvl1pPr marL="228600" indent="-228600" algn="l" defTabSz="914400" rtl="0" eaLnBrk="1" latinLnBrk="0" hangingPunct="1">
+              <a:lnSpc>
+                <a:spcPct val="90000"/>
+              </a:lnSpc>
+              <a:spcBef>
+                <a:spcPts val="1000"/>
+              </a:spcBef>
+              <a:buFont typeface="Arial" panose="020B0604020202020204" pitchFamily="34" charset="0"/>
+              <a:buChar char="•"/>
+              <a:defRPr sz="2800" kern="1200">
+                <a:solidFill>
+                  <a:schemeClr val="tx1"/>
+                </a:solidFill>
+                <a:latin typeface="+mn-lt"/>
+                <a:ea typeface="+mn-ea"/>
+                <a:cs typeface="+mn-cs"/>
+              </a:defRPr>
+            </a:lvl1pPr>
+            <a:lvl2pPr marL="685800" indent="-228600" algn="l" defTabSz="914400" rtl="0" eaLnBrk="1" latinLnBrk="0" hangingPunct="1">
+              <a:lnSpc>
+                <a:spcPct val="90000"/>
+              </a:lnSpc>
+              <a:spcBef>
+                <a:spcPts val="500"/>
+              </a:spcBef>
+              <a:buFont typeface="Arial" panose="020B0604020202020204" pitchFamily="34" charset="0"/>
+              <a:buChar char="•"/>
+              <a:defRPr sz="2400" kern="1200">
+                <a:solidFill>
+                  <a:schemeClr val="tx1"/>
+                </a:solidFill>
+                <a:latin typeface="+mn-lt"/>
+                <a:ea typeface="+mn-ea"/>
+                <a:cs typeface="+mn-cs"/>
+              </a:defRPr>
+            </a:lvl2pPr>
+            <a:lvl3pPr marL="1143000" indent="-228600" algn="l" defTabSz="914400" rtl="0" eaLnBrk="1" latinLnBrk="0" hangingPunct="1">
+              <a:lnSpc>
+                <a:spcPct val="90000"/>
+              </a:lnSpc>
+              <a:spcBef>
+                <a:spcPts val="500"/>
+              </a:spcBef>
+              <a:buFont typeface="Arial" panose="020B0604020202020204" pitchFamily="34" charset="0"/>
+              <a:buChar char="•"/>
+              <a:defRPr sz="2000" kern="1200">
+                <a:solidFill>
+                  <a:schemeClr val="tx1"/>
+                </a:solidFill>
+                <a:latin typeface="+mn-lt"/>
+                <a:ea typeface="+mn-ea"/>
+                <a:cs typeface="+mn-cs"/>
+              </a:defRPr>
+            </a:lvl3pPr>
+            <a:lvl4pPr marL="1600200" indent="-228600" algn="l" defTabSz="914400" rtl="0" eaLnBrk="1" latinLnBrk="0" hangingPunct="1">
+              <a:lnSpc>
+                <a:spcPct val="90000"/>
+              </a:lnSpc>
+              <a:spcBef>
+                <a:spcPts val="500"/>
+              </a:spcBef>
+              <a:buFont typeface="Arial" panose="020B0604020202020204" pitchFamily="34" charset="0"/>
+              <a:buChar char="•"/>
+              <a:defRPr sz="1800" kern="1200">
+                <a:solidFill>
+                  <a:schemeClr val="tx1"/>
+                </a:solidFill>
+                <a:latin typeface="+mn-lt"/>
+                <a:ea typeface="+mn-ea"/>
+                <a:cs typeface="+mn-cs"/>
+              </a:defRPr>
+            </a:lvl4pPr>
+            <a:lvl5pPr marL="2057400" indent="-228600" algn="l" defTabSz="914400" rtl="0" eaLnBrk="1" latinLnBrk="0" hangingPunct="1">
+              <a:lnSpc>
+                <a:spcPct val="90000"/>
+              </a:lnSpc>
+              <a:spcBef>
+                <a:spcPts val="500"/>
+              </a:spcBef>
+              <a:buFont typeface="Arial" panose="020B0604020202020204" pitchFamily="34" charset="0"/>
+              <a:buChar char="•"/>
+              <a:defRPr sz="1800" kern="1200">
+                <a:solidFill>
+                  <a:schemeClr val="tx1"/>
+                </a:solidFill>
+                <a:latin typeface="+mn-lt"/>
+                <a:ea typeface="+mn-ea"/>
+                <a:cs typeface="+mn-cs"/>
+              </a:defRPr>
+            </a:lvl5pPr>
+            <a:lvl6pPr marL="2514600" indent="-228600" algn="l" defTabSz="914400" rtl="0" eaLnBrk="1" latinLnBrk="0" hangingPunct="1">
+              <a:lnSpc>
+                <a:spcPct val="90000"/>
+              </a:lnSpc>
+              <a:spcBef>
+                <a:spcPts val="500"/>
+              </a:spcBef>
+              <a:buFont typeface="Arial" panose="020B0604020202020204" pitchFamily="34" charset="0"/>
+              <a:buChar char="•"/>
+              <a:defRPr sz="1800" kern="1200">
+                <a:solidFill>
+                  <a:schemeClr val="tx1"/>
+                </a:solidFill>
+                <a:latin typeface="+mn-lt"/>
+                <a:ea typeface="+mn-ea"/>
+                <a:cs typeface="+mn-cs"/>
+              </a:defRPr>
+            </a:lvl6pPr>
+            <a:lvl7pPr marL="2971800" indent="-228600" algn="l" defTabSz="914400" rtl="0" eaLnBrk="1" latinLnBrk="0" hangingPunct="1">
+              <a:lnSpc>
+                <a:spcPct val="90000"/>
+              </a:lnSpc>
+              <a:spcBef>
+                <a:spcPts val="500"/>
+              </a:spcBef>
+              <a:buFont typeface="Arial" panose="020B0604020202020204" pitchFamily="34" charset="0"/>
+              <a:buChar char="•"/>
+              <a:defRPr sz="1800" kern="1200">
+                <a:solidFill>
+                  <a:schemeClr val="tx1"/>
+                </a:solidFill>
+                <a:latin typeface="+mn-lt"/>
+                <a:ea typeface="+mn-ea"/>
+                <a:cs typeface="+mn-cs"/>
+              </a:defRPr>
+            </a:lvl7pPr>
+            <a:lvl8pPr marL="3429000" indent="-228600" algn="l" defTabSz="914400" rtl="0" eaLnBrk="1" latinLnBrk="0" hangingPunct="1">
+              <a:lnSpc>
+                <a:spcPct val="90000"/>
+              </a:lnSpc>
+              <a:spcBef>
+                <a:spcPts val="500"/>
+              </a:spcBef>
+              <a:buFont typeface="Arial" panose="020B0604020202020204" pitchFamily="34" charset="0"/>
+              <a:buChar char="•"/>
+              <a:defRPr sz="1800" kern="1200">
+                <a:solidFill>
+                  <a:schemeClr val="tx1"/>
+                </a:solidFill>
+                <a:latin typeface="+mn-lt"/>
+                <a:ea typeface="+mn-ea"/>
+                <a:cs typeface="+mn-cs"/>
+              </a:defRPr>
+            </a:lvl8pPr>
+            <a:lvl9pPr marL="3886200" indent="-228600" algn="l" defTabSz="914400" rtl="0" eaLnBrk="1" latinLnBrk="0" hangingPunct="1">
+              <a:lnSpc>
+                <a:spcPct val="90000"/>
+              </a:lnSpc>
+              <a:spcBef>
+                <a:spcPts val="500"/>
+              </a:spcBef>
+              <a:buFont typeface="Arial" panose="020B0604020202020204" pitchFamily="34" charset="0"/>
+              <a:buChar char="•"/>
+              <a:defRPr sz="1800" kern="1200">
+                <a:solidFill>
+                  <a:schemeClr val="tx1"/>
+                </a:solidFill>
+                <a:latin typeface="+mn-lt"/>
+                <a:ea typeface="+mn-ea"/>
+                <a:cs typeface="+mn-cs"/>
+              </a:defRPr>
+            </a:lvl9pPr>
+          </a:lstStyle>
+          <a:p>
+            <a:pPr marL="0" indent="0">
+              <a:buFont typeface="Arial" panose="020B0604020202020204" pitchFamily="34" charset="0"/>
+              <a:buNone/>
+            </a:pPr>
+            <a:r>
+              <a:rPr lang="en-US" sz="2400" dirty="0"/>
+              <a:t>If you are interested in my research, feel free to contact me.</a:t>
+            </a:r>
+          </a:p>
+        </p:txBody>
+      </p:sp>
+    </p:spTree>
+    <p:extLst>
+      <p:ext uri="{BB962C8B-B14F-4D97-AF65-F5344CB8AC3E}">
+        <p14:creationId xmlns:p14="http://schemas.microsoft.com/office/powerpoint/2010/main" val="1524471069"/>
+      </p:ext>
+    </p:extLst>
+  </p:cSld>
+  <p:clrMapOvr>
+    <a:masterClrMapping/>
+  </p:clrMapOvr>
+</p:sld>
+</file>
+
 <file path=ppt/slides/slide3.xml><?xml version="1.0" encoding="utf-8"?>
 <p:sld xmlns:a="http://schemas.openxmlformats.org/drawingml/2006/main" xmlns:r="http://schemas.openxmlformats.org/officeDocument/2006/relationships" xmlns:p="http://schemas.openxmlformats.org/presentationml/2006/main">
   <p:cSld>
@@ -12547,7 +10209,13 @@
       </p:grpSpPr>
       <p:sp>
         <p:nvSpPr>
-          <p:cNvPr id="2" name="Title 1"/>
+          <p:cNvPr id="2" name="Title 1">
+            <a:extLst>
+              <a:ext uri="{FF2B5EF4-FFF2-40B4-BE49-F238E27FC236}">
+                <a16:creationId xmlns:a16="http://schemas.microsoft.com/office/drawing/2014/main" id="{87BF30BF-7806-D247-A2AF-B1239989AB83}"/>
+              </a:ext>
+            </a:extLst>
+          </p:cNvPr>
           <p:cNvSpPr>
             <a:spLocks noGrp="1"/>
           </p:cNvSpPr>
@@ -12561,56 +10229,21 @@
           <a:lstStyle/>
           <a:p>
             <a:r>
-              <a:rPr lang="en-US" dirty="0">
-                <a:solidFill>
-                  <a:srgbClr val="0070C0"/>
-                </a:solidFill>
-              </a:rPr>
-              <a:t>Junk</a:t>
-            </a:r>
-            <a:r>
-              <a:rPr lang="en-US" spc="-25" dirty="0">
-                <a:solidFill>
-                  <a:srgbClr val="0070C0"/>
-                </a:solidFill>
-              </a:rPr>
-              <a:t> </a:t>
-            </a:r>
-            <a:r>
-              <a:rPr lang="en-US" spc="15" dirty="0">
-                <a:solidFill>
-                  <a:srgbClr val="0070C0"/>
-                </a:solidFill>
-              </a:rPr>
-              <a:t>Mail</a:t>
-            </a:r>
-            <a:r>
-              <a:rPr lang="en-US" spc="-25" dirty="0">
-                <a:solidFill>
-                  <a:srgbClr val="0070C0"/>
-                </a:solidFill>
-              </a:rPr>
-              <a:t> </a:t>
-            </a:r>
-            <a:r>
-              <a:rPr lang="en-US" spc="5" dirty="0">
-                <a:solidFill>
-                  <a:srgbClr val="0070C0"/>
-                </a:solidFill>
-              </a:rPr>
-              <a:t>Filtering</a:t>
-            </a:r>
-            <a:endParaRPr lang="en-US" dirty="0">
-              <a:solidFill>
-                <a:srgbClr val="0070C0"/>
-              </a:solidFill>
-            </a:endParaRPr>
+              <a:rPr lang="en-US" dirty="0"/>
+              <a:t>Assignments and Requirements</a:t>
+            </a:r>
           </a:p>
         </p:txBody>
       </p:sp>
       <p:sp>
         <p:nvSpPr>
-          <p:cNvPr id="3" name="Content Placeholder 2"/>
+          <p:cNvPr id="4" name="Content Placeholder 3">
+            <a:extLst>
+              <a:ext uri="{FF2B5EF4-FFF2-40B4-BE49-F238E27FC236}">
+                <a16:creationId xmlns:a16="http://schemas.microsoft.com/office/drawing/2014/main" id="{526CEF02-794D-2C43-9606-8FA21EED0878}"/>
+              </a:ext>
+            </a:extLst>
+          </p:cNvPr>
           <p:cNvSpPr>
             <a:spLocks noGrp="1"/>
           </p:cNvSpPr>
@@ -12620,367 +10253,43 @@
         </p:nvSpPr>
         <p:spPr>
           <a:xfrm>
-            <a:off x="798871" y="1599483"/>
-            <a:ext cx="3556819" cy="4351338"/>
+            <a:off x="838200" y="1825625"/>
+            <a:ext cx="10515600" cy="3020695"/>
           </a:xfrm>
         </p:spPr>
         <p:txBody>
-          <a:bodyPr>
-            <a:normAutofit/>
-          </a:bodyPr>
+          <a:bodyPr/>
           <a:lstStyle/>
           <a:p>
-            <a:pPr marL="12700">
-              <a:lnSpc>
-                <a:spcPct val="100000"/>
-              </a:lnSpc>
-              <a:spcBef>
-                <a:spcPts val="395"/>
-              </a:spcBef>
-            </a:pPr>
-            <a:r>
-              <a:rPr lang="en-US" sz="2000" spc="-10" dirty="0">
-                <a:latin typeface="Microsoft Sans Serif"/>
-                <a:cs typeface="Microsoft Sans Serif"/>
-              </a:rPr>
-              <a:t>Given</a:t>
-            </a:r>
-            <a:r>
-              <a:rPr lang="en-US" sz="2000" spc="10" dirty="0">
-                <a:latin typeface="Microsoft Sans Serif"/>
-                <a:cs typeface="Microsoft Sans Serif"/>
-              </a:rPr>
-              <a:t> </a:t>
-            </a:r>
-            <a:r>
-              <a:rPr lang="en-US" sz="2000" spc="-5" dirty="0">
-                <a:latin typeface="Microsoft Sans Serif"/>
-                <a:cs typeface="Microsoft Sans Serif"/>
-              </a:rPr>
-              <a:t>some</a:t>
-            </a:r>
-            <a:r>
-              <a:rPr lang="en-US" sz="2000" spc="10" dirty="0">
-                <a:latin typeface="Microsoft Sans Serif"/>
-                <a:cs typeface="Microsoft Sans Serif"/>
-              </a:rPr>
-              <a:t> </a:t>
-            </a:r>
-            <a:r>
-              <a:rPr lang="en-US" sz="2000" spc="-10" dirty="0">
-                <a:latin typeface="Microsoft Sans Serif"/>
-                <a:cs typeface="Microsoft Sans Serif"/>
-              </a:rPr>
-              <a:t>examples</a:t>
-            </a:r>
-            <a:r>
-              <a:rPr lang="en-US" sz="2000" spc="10" dirty="0">
-                <a:latin typeface="Microsoft Sans Serif"/>
-                <a:cs typeface="Microsoft Sans Serif"/>
-              </a:rPr>
-              <a:t> of </a:t>
-            </a:r>
-            <a:r>
-              <a:rPr lang="en-US" sz="2000" spc="-5" dirty="0">
-                <a:latin typeface="Microsoft Sans Serif"/>
-                <a:cs typeface="Microsoft Sans Serif"/>
-              </a:rPr>
-              <a:t>what</a:t>
-            </a:r>
-            <a:r>
-              <a:rPr lang="en-US" sz="2000" spc="15" dirty="0">
-                <a:latin typeface="Microsoft Sans Serif"/>
-                <a:cs typeface="Microsoft Sans Serif"/>
-              </a:rPr>
-              <a:t> </a:t>
-            </a:r>
-            <a:r>
-              <a:rPr lang="en-US" sz="2000" spc="-5" dirty="0">
-                <a:latin typeface="Microsoft Sans Serif"/>
-                <a:cs typeface="Microsoft Sans Serif"/>
-              </a:rPr>
-              <a:t>the</a:t>
-            </a:r>
-            <a:r>
-              <a:rPr lang="en-US" sz="2000" spc="10" dirty="0">
-                <a:latin typeface="Microsoft Sans Serif"/>
-                <a:cs typeface="Microsoft Sans Serif"/>
-              </a:rPr>
-              <a:t> </a:t>
-            </a:r>
-            <a:r>
-              <a:rPr lang="en-US" sz="2000" spc="-5" dirty="0">
-                <a:latin typeface="Microsoft Sans Serif"/>
-                <a:cs typeface="Microsoft Sans Serif"/>
-              </a:rPr>
-              <a:t>user</a:t>
-            </a:r>
-            <a:r>
-              <a:rPr lang="en-US" sz="2000" spc="10" dirty="0">
-                <a:latin typeface="Microsoft Sans Serif"/>
-                <a:cs typeface="Microsoft Sans Serif"/>
-              </a:rPr>
-              <a:t> </a:t>
-            </a:r>
-            <a:r>
-              <a:rPr lang="en-US" sz="2000" spc="-5" dirty="0">
-                <a:latin typeface="Microsoft Sans Serif"/>
-                <a:cs typeface="Microsoft Sans Serif"/>
-              </a:rPr>
-              <a:t>defined</a:t>
-            </a:r>
-            <a:r>
-              <a:rPr lang="en-US" sz="2000" spc="15" dirty="0">
-                <a:latin typeface="Microsoft Sans Serif"/>
-                <a:cs typeface="Microsoft Sans Serif"/>
-              </a:rPr>
-              <a:t> </a:t>
-            </a:r>
-            <a:r>
-              <a:rPr lang="en-US" sz="2000" spc="-5" dirty="0">
-                <a:latin typeface="Microsoft Sans Serif"/>
-                <a:cs typeface="Microsoft Sans Serif"/>
-              </a:rPr>
-              <a:t>as</a:t>
-            </a:r>
-            <a:r>
-              <a:rPr lang="en-US" sz="2000" spc="10" dirty="0">
-                <a:latin typeface="Microsoft Sans Serif"/>
-                <a:cs typeface="Microsoft Sans Serif"/>
-              </a:rPr>
-              <a:t> </a:t>
-            </a:r>
-            <a:r>
-              <a:rPr lang="en-US" sz="2000" spc="-5" dirty="0">
-                <a:latin typeface="Microsoft Sans Serif"/>
-                <a:cs typeface="Microsoft Sans Serif"/>
-              </a:rPr>
-              <a:t>junk</a:t>
-            </a:r>
-            <a:r>
-              <a:rPr lang="en-US" sz="2000" spc="10" dirty="0">
-                <a:latin typeface="Microsoft Sans Serif"/>
-                <a:cs typeface="Microsoft Sans Serif"/>
-              </a:rPr>
-              <a:t> </a:t>
-            </a:r>
-            <a:r>
-              <a:rPr lang="en-US" sz="2000" spc="-5" dirty="0">
-                <a:latin typeface="Microsoft Sans Serif"/>
-                <a:cs typeface="Microsoft Sans Serif"/>
-              </a:rPr>
-              <a:t>mail.</a:t>
-            </a:r>
-            <a:endParaRPr lang="en-US" sz="2000" dirty="0">
-              <a:latin typeface="Microsoft Sans Serif"/>
-              <a:cs typeface="Microsoft Sans Serif"/>
-            </a:endParaRPr>
-          </a:p>
-          <a:p>
-            <a:pPr marL="12700" marR="22860">
-              <a:lnSpc>
-                <a:spcPct val="100000"/>
-              </a:lnSpc>
-              <a:spcBef>
-                <a:spcPts val="295"/>
-              </a:spcBef>
-            </a:pPr>
-            <a:r>
-              <a:rPr lang="en-US" sz="2000" spc="-15" dirty="0">
-                <a:latin typeface="Microsoft Sans Serif"/>
-                <a:cs typeface="Microsoft Sans Serif"/>
-              </a:rPr>
-              <a:t>From</a:t>
-            </a:r>
-            <a:r>
-              <a:rPr lang="en-US" sz="2000" spc="5" dirty="0">
-                <a:latin typeface="Microsoft Sans Serif"/>
-                <a:cs typeface="Microsoft Sans Serif"/>
-              </a:rPr>
-              <a:t> </a:t>
-            </a:r>
-            <a:r>
-              <a:rPr lang="en-US" sz="2000" spc="-5" dirty="0">
-                <a:latin typeface="Microsoft Sans Serif"/>
-                <a:cs typeface="Microsoft Sans Serif"/>
-              </a:rPr>
-              <a:t>these</a:t>
-            </a:r>
-            <a:r>
-              <a:rPr lang="en-US" sz="2000" spc="10" dirty="0">
-                <a:latin typeface="Microsoft Sans Serif"/>
-                <a:cs typeface="Microsoft Sans Serif"/>
-              </a:rPr>
-              <a:t> </a:t>
-            </a:r>
-            <a:r>
-              <a:rPr lang="en-US" sz="2000" spc="-10" dirty="0">
-                <a:latin typeface="Microsoft Sans Serif"/>
-                <a:cs typeface="Microsoft Sans Serif"/>
-              </a:rPr>
-              <a:t>examples,</a:t>
-            </a:r>
-            <a:r>
-              <a:rPr lang="en-US" sz="2000" spc="10" dirty="0">
-                <a:latin typeface="Microsoft Sans Serif"/>
-                <a:cs typeface="Microsoft Sans Serif"/>
-              </a:rPr>
-              <a:t> </a:t>
-            </a:r>
-            <a:r>
-              <a:rPr lang="en-US" sz="2000" dirty="0">
-                <a:latin typeface="Microsoft Sans Serif"/>
-                <a:cs typeface="Microsoft Sans Serif"/>
-              </a:rPr>
-              <a:t>learn</a:t>
-            </a:r>
-            <a:r>
-              <a:rPr lang="en-US" sz="2000" spc="10" dirty="0">
-                <a:latin typeface="Microsoft Sans Serif"/>
-                <a:cs typeface="Microsoft Sans Serif"/>
-              </a:rPr>
-              <a:t> </a:t>
-            </a:r>
-            <a:r>
-              <a:rPr lang="en-US" sz="2000" spc="-5" dirty="0">
-                <a:latin typeface="Microsoft Sans Serif"/>
-                <a:cs typeface="Microsoft Sans Serif"/>
-              </a:rPr>
-              <a:t>to</a:t>
-            </a:r>
-            <a:r>
-              <a:rPr lang="en-US" sz="2000" spc="10" dirty="0">
-                <a:latin typeface="Microsoft Sans Serif"/>
-                <a:cs typeface="Microsoft Sans Serif"/>
-              </a:rPr>
-              <a:t> </a:t>
-            </a:r>
-            <a:r>
-              <a:rPr lang="en-US" sz="2000" spc="-5" dirty="0">
-                <a:latin typeface="Microsoft Sans Serif"/>
-                <a:cs typeface="Microsoft Sans Serif"/>
-              </a:rPr>
-              <a:t>identify</a:t>
-            </a:r>
-            <a:r>
-              <a:rPr lang="en-US" sz="2000" spc="10" dirty="0">
-                <a:latin typeface="Microsoft Sans Serif"/>
-                <a:cs typeface="Microsoft Sans Serif"/>
-              </a:rPr>
-              <a:t> </a:t>
-            </a:r>
-            <a:r>
-              <a:rPr lang="en-US" sz="2000" spc="-10" dirty="0">
-                <a:latin typeface="Microsoft Sans Serif"/>
-                <a:cs typeface="Microsoft Sans Serif"/>
-              </a:rPr>
-              <a:t>new</a:t>
-            </a:r>
-            <a:r>
-              <a:rPr lang="en-US" sz="2000" spc="5" dirty="0">
-                <a:latin typeface="Microsoft Sans Serif"/>
-                <a:cs typeface="Microsoft Sans Serif"/>
-              </a:rPr>
-              <a:t> </a:t>
-            </a:r>
-            <a:r>
-              <a:rPr lang="en-US" sz="2000" spc="-5" dirty="0">
-                <a:latin typeface="Microsoft Sans Serif"/>
-                <a:cs typeface="Microsoft Sans Serif"/>
-              </a:rPr>
-              <a:t>incoming</a:t>
-            </a:r>
-            <a:r>
-              <a:rPr lang="en-US" sz="2000" spc="10" dirty="0">
-                <a:latin typeface="Microsoft Sans Serif"/>
-                <a:cs typeface="Microsoft Sans Serif"/>
-              </a:rPr>
-              <a:t> </a:t>
-            </a:r>
-            <a:r>
-              <a:rPr lang="en-US" sz="2000" spc="-5" dirty="0">
-                <a:latin typeface="Microsoft Sans Serif"/>
-                <a:cs typeface="Microsoft Sans Serif"/>
-              </a:rPr>
-              <a:t>junk mail.</a:t>
-            </a:r>
-            <a:endParaRPr lang="en-US" sz="2000" dirty="0">
-              <a:latin typeface="Microsoft Sans Serif"/>
-              <a:cs typeface="Microsoft Sans Serif"/>
-            </a:endParaRPr>
-          </a:p>
-          <a:p>
-            <a:endParaRPr lang="en-US" sz="2000" dirty="0"/>
+            <a:r>
+              <a:rPr lang="en-US" dirty="0"/>
+              <a:t>Course + Lab: Theory and Implementation 30%</a:t>
+            </a:r>
+          </a:p>
+          <a:p>
+            <a:endParaRPr lang="en-US" dirty="0"/>
+          </a:p>
+          <a:p>
+            <a:r>
+              <a:rPr lang="en-US" dirty="0"/>
+              <a:t>Course Project: Maximum four people in one group 20%</a:t>
+            </a:r>
+          </a:p>
+          <a:p>
+            <a:endParaRPr lang="en-US" dirty="0"/>
+          </a:p>
+          <a:p>
+            <a:r>
+              <a:rPr lang="en-US" dirty="0"/>
+              <a:t>Mid-term and Final Exams 20% + 30%</a:t>
+            </a:r>
           </a:p>
         </p:txBody>
       </p:sp>
-      <p:pic>
-        <p:nvPicPr>
-          <p:cNvPr id="5" name="object 8"/>
-          <p:cNvPicPr/>
-          <p:nvPr/>
-        </p:nvPicPr>
-        <p:blipFill>
-          <a:blip r:embed="rId2" cstate="print"/>
-          <a:stretch>
-            <a:fillRect/>
-          </a:stretch>
-        </p:blipFill>
-        <p:spPr>
-          <a:xfrm>
-            <a:off x="5014450" y="1533832"/>
-            <a:ext cx="5751872" cy="5076956"/>
-          </a:xfrm>
-          <a:prstGeom prst="rect">
-            <a:avLst/>
-          </a:prstGeom>
-        </p:spPr>
-      </p:pic>
-      <p:pic>
-        <p:nvPicPr>
-          <p:cNvPr id="6" name="Picture 4" descr="File:UMKC logo.png - Wikipedia"/>
-          <p:cNvPicPr>
-            <a:picLocks noChangeAspect="1" noChangeArrowheads="1"/>
-          </p:cNvPicPr>
-          <p:nvPr/>
-        </p:nvPicPr>
-        <p:blipFill>
-          <a:blip r:embed="rId3" cstate="print">
-            <a:extLst>
-              <a:ext uri="{28A0092B-C50C-407E-A947-70E740481C1C}">
-                <a14:useLocalDpi xmlns:a14="http://schemas.microsoft.com/office/drawing/2010/main" val="0"/>
-              </a:ext>
-            </a:extLst>
-          </a:blip>
-          <a:srcRect/>
-          <a:stretch>
-            <a:fillRect/>
-          </a:stretch>
-        </p:blipFill>
-        <p:spPr bwMode="auto">
-          <a:xfrm>
-            <a:off x="10741981" y="6132824"/>
-            <a:ext cx="1293518" cy="571124"/>
-          </a:xfrm>
-          <a:prstGeom prst="rect">
-            <a:avLst/>
-          </a:prstGeom>
-          <a:noFill/>
-          <a:extLst>
-            <a:ext uri="{909E8E84-426E-40DD-AFC4-6F175D3DCCD1}">
-              <a14:hiddenFill xmlns:a14="http://schemas.microsoft.com/office/drawing/2010/main">
-                <a:solidFill>
-                  <a:srgbClr val="FFFFFF"/>
-                </a:solidFill>
-              </a14:hiddenFill>
-            </a:ext>
-          </a:extLst>
-        </p:spPr>
-      </p:pic>
     </p:spTree>
     <p:extLst>
       <p:ext uri="{BB962C8B-B14F-4D97-AF65-F5344CB8AC3E}">
-        <p14:creationId xmlns:p14="http://schemas.microsoft.com/office/powerpoint/2010/main" val="1051732196"/>
+        <p14:creationId xmlns:p14="http://schemas.microsoft.com/office/powerpoint/2010/main" val="732862507"/>
       </p:ext>
     </p:extLst>
   </p:cSld>
@@ -13023,19 +10332,21 @@
           <a:lstStyle/>
           <a:p>
             <a:r>
-              <a:rPr lang="en-US" dirty="0">
-                <a:solidFill>
-                  <a:srgbClr val="0070C0"/>
-                </a:solidFill>
-              </a:rPr>
-              <a:t>Gmail - Priority inbox</a:t>
+              <a:rPr lang="en-US" dirty="0"/>
+              <a:t>Learning Problems: Spam Detection</a:t>
             </a:r>
           </a:p>
         </p:txBody>
       </p:sp>
       <p:sp>
         <p:nvSpPr>
-          <p:cNvPr id="3" name="Content Placeholder 2"/>
+          <p:cNvPr id="7" name="Content Placeholder 6">
+            <a:extLst>
+              <a:ext uri="{FF2B5EF4-FFF2-40B4-BE49-F238E27FC236}">
+                <a16:creationId xmlns:a16="http://schemas.microsoft.com/office/drawing/2014/main" id="{522DA25B-8392-B844-B759-FF60EF1C8D34}"/>
+              </a:ext>
+            </a:extLst>
+          </p:cNvPr>
           <p:cNvSpPr>
             <a:spLocks noGrp="1"/>
           </p:cNvSpPr>
@@ -13043,94 +10354,42 @@
             <p:ph idx="1"/>
           </p:nvPr>
         </p:nvSpPr>
-        <p:spPr>
-          <a:xfrm>
-            <a:off x="798871" y="1599483"/>
-            <a:ext cx="10341077" cy="888078"/>
-          </a:xfrm>
-        </p:spPr>
+        <p:spPr/>
         <p:txBody>
-          <a:bodyPr>
-            <a:normAutofit/>
-          </a:bodyPr>
+          <a:bodyPr/>
           <a:lstStyle/>
           <a:p>
-            <a:pPr marL="0" indent="0">
-              <a:lnSpc>
-                <a:spcPct val="100000"/>
-              </a:lnSpc>
-              <a:spcBef>
-                <a:spcPts val="395"/>
-              </a:spcBef>
-              <a:buNone/>
-            </a:pPr>
-            <a:r>
-              <a:rPr lang="en-US" sz="2000" spc="-10" dirty="0">
-                <a:latin typeface="Microsoft Sans Serif"/>
-                <a:cs typeface="Microsoft Sans Serif"/>
-              </a:rPr>
-              <a:t>Given examples of what the user defined as important mail.  From these examples, learn to identify new important mail.</a:t>
+            <a:r>
+              <a:rPr lang="en-US" dirty="0"/>
+              <a:t>Given features of emails, build a spam filter</a:t>
             </a:r>
           </a:p>
         </p:txBody>
       </p:sp>
       <p:pic>
         <p:nvPicPr>
-          <p:cNvPr id="6" name="Picture 4" descr="File:UMKC logo.png - Wikipedia"/>
+          <p:cNvPr id="8" name="Picture 7">
+            <a:extLst>
+              <a:ext uri="{FF2B5EF4-FFF2-40B4-BE49-F238E27FC236}">
+                <a16:creationId xmlns:a16="http://schemas.microsoft.com/office/drawing/2014/main" id="{4D747914-1124-174B-92B1-C047839F36EE}"/>
+              </a:ext>
+            </a:extLst>
+          </p:cNvPr>
           <p:cNvPicPr>
-            <a:picLocks noChangeAspect="1" noChangeArrowheads="1"/>
+            <a:picLocks noChangeAspect="1"/>
           </p:cNvPicPr>
           <p:nvPr/>
         </p:nvPicPr>
         <p:blipFill>
-          <a:blip r:embed="rId2" cstate="print">
-            <a:extLst>
-              <a:ext uri="{28A0092B-C50C-407E-A947-70E740481C1C}">
-                <a14:useLocalDpi xmlns:a14="http://schemas.microsoft.com/office/drawing/2010/main" val="0"/>
-              </a:ext>
-            </a:extLst>
-          </a:blip>
-          <a:srcRect/>
-          <a:stretch>
-            <a:fillRect/>
-          </a:stretch>
-        </p:blipFill>
-        <p:spPr bwMode="auto">
-          <a:xfrm>
-            <a:off x="10741981" y="6132824"/>
-            <a:ext cx="1293518" cy="571124"/>
-          </a:xfrm>
-          <a:prstGeom prst="rect">
-            <a:avLst/>
-          </a:prstGeom>
-          <a:noFill/>
-          <a:extLst>
-            <a:ext uri="{909E8E84-426E-40DD-AFC4-6F175D3DCCD1}">
-              <a14:hiddenFill xmlns:a14="http://schemas.microsoft.com/office/drawing/2010/main">
-                <a:solidFill>
-                  <a:srgbClr val="FFFFFF"/>
-                </a:solidFill>
-              </a14:hiddenFill>
-            </a:ext>
-          </a:extLst>
-        </p:spPr>
-      </p:pic>
-      <p:pic>
-        <p:nvPicPr>
-          <p:cNvPr id="7" name="object 8"/>
-          <p:cNvPicPr/>
-          <p:nvPr/>
-        </p:nvPicPr>
-        <p:blipFill>
-          <a:blip r:embed="rId3" cstate="print"/>
+          <a:blip r:embed="rId2"/>
           <a:stretch>
             <a:fillRect/>
           </a:stretch>
         </p:blipFill>
         <p:spPr>
           <a:xfrm>
-            <a:off x="1337187" y="2334834"/>
-            <a:ext cx="8082116" cy="4110275"/>
+            <a:off x="1157131" y="2738816"/>
+            <a:ext cx="9919999" cy="2960944"/>
           </a:xfrm>
           <a:prstGeom prst="rect">
             <a:avLst/>
@@ -13140,7 +10399,7 @@
     </p:spTree>
     <p:extLst>
       <p:ext uri="{BB962C8B-B14F-4D97-AF65-F5344CB8AC3E}">
-        <p14:creationId xmlns:p14="http://schemas.microsoft.com/office/powerpoint/2010/main" val="2432057089"/>
+        <p14:creationId xmlns:p14="http://schemas.microsoft.com/office/powerpoint/2010/main" val="1051732196"/>
       </p:ext>
     </p:extLst>
   </p:cSld>
@@ -13183,11 +10442,7 @@
           <a:lstStyle/>
           <a:p>
             <a:r>
-              <a:rPr lang="en-US" dirty="0">
-                <a:solidFill>
-                  <a:srgbClr val="0070C0"/>
-                </a:solidFill>
-              </a:rPr>
+              <a:rPr lang="en-US" dirty="0"/>
               <a:t>Handwritten Digit Recognition</a:t>
             </a:r>
           </a:p>
@@ -13195,7 +10450,13 @@
       </p:sp>
       <p:sp>
         <p:nvSpPr>
-          <p:cNvPr id="3" name="Content Placeholder 2"/>
+          <p:cNvPr id="7" name="Content Placeholder 6">
+            <a:extLst>
+              <a:ext uri="{FF2B5EF4-FFF2-40B4-BE49-F238E27FC236}">
+                <a16:creationId xmlns:a16="http://schemas.microsoft.com/office/drawing/2014/main" id="{522DA25B-8392-B844-B759-FF60EF1C8D34}"/>
+              </a:ext>
+            </a:extLst>
+          </p:cNvPr>
           <p:cNvSpPr>
             <a:spLocks noGrp="1"/>
           </p:cNvSpPr>
@@ -13203,362 +10464,39 @@
             <p:ph idx="1"/>
           </p:nvPr>
         </p:nvSpPr>
-        <p:spPr>
-          <a:xfrm>
-            <a:off x="798871" y="1599483"/>
-            <a:ext cx="10341077" cy="888078"/>
-          </a:xfrm>
-        </p:spPr>
+        <p:spPr/>
         <p:txBody>
-          <a:bodyPr>
-            <a:normAutofit/>
-          </a:bodyPr>
+          <a:bodyPr/>
           <a:lstStyle/>
           <a:p>
-            <a:pPr marL="12700" marR="5080">
-              <a:lnSpc>
-                <a:spcPct val="100000"/>
-              </a:lnSpc>
-              <a:spcBef>
-                <a:spcPts val="95"/>
-              </a:spcBef>
-            </a:pPr>
-            <a:r>
-              <a:rPr lang="en-US" sz="2000" spc="-10" dirty="0">
-                <a:latin typeface="Microsoft Sans Serif"/>
-                <a:cs typeface="Microsoft Sans Serif"/>
-              </a:rPr>
-              <a:t>Given</a:t>
-            </a:r>
-            <a:r>
-              <a:rPr lang="en-US" sz="2000" spc="10" dirty="0">
-                <a:latin typeface="Microsoft Sans Serif"/>
-                <a:cs typeface="Microsoft Sans Serif"/>
-              </a:rPr>
-              <a:t> </a:t>
-            </a:r>
-            <a:r>
-              <a:rPr lang="en-US" sz="2000" spc="-5" dirty="0">
-                <a:latin typeface="Microsoft Sans Serif"/>
-                <a:cs typeface="Microsoft Sans Serif"/>
-              </a:rPr>
-              <a:t>handwritten</a:t>
-            </a:r>
-            <a:r>
-              <a:rPr lang="en-US" sz="2000" spc="15" dirty="0">
-                <a:latin typeface="Microsoft Sans Serif"/>
-                <a:cs typeface="Microsoft Sans Serif"/>
-              </a:rPr>
-              <a:t> </a:t>
-            </a:r>
-            <a:r>
-              <a:rPr lang="en-US" sz="2000" spc="-5" dirty="0">
-                <a:latin typeface="Microsoft Sans Serif"/>
-                <a:cs typeface="Microsoft Sans Serif"/>
-              </a:rPr>
-              <a:t>ZIP</a:t>
-            </a:r>
-            <a:r>
-              <a:rPr lang="en-US" sz="2000" spc="15" dirty="0">
-                <a:latin typeface="Microsoft Sans Serif"/>
-                <a:cs typeface="Microsoft Sans Serif"/>
-              </a:rPr>
-              <a:t> </a:t>
-            </a:r>
-            <a:r>
-              <a:rPr lang="en-US" sz="2000" spc="-5" dirty="0">
-                <a:latin typeface="Microsoft Sans Serif"/>
-                <a:cs typeface="Microsoft Sans Serif"/>
-              </a:rPr>
-              <a:t>codes</a:t>
-            </a:r>
-            <a:r>
-              <a:rPr lang="en-US" sz="2000" spc="10" dirty="0">
-                <a:latin typeface="Microsoft Sans Serif"/>
-                <a:cs typeface="Microsoft Sans Serif"/>
-              </a:rPr>
-              <a:t> </a:t>
-            </a:r>
-            <a:r>
-              <a:rPr lang="en-US" sz="2000" spc="-5" dirty="0">
-                <a:latin typeface="Microsoft Sans Serif"/>
-                <a:cs typeface="Microsoft Sans Serif"/>
-              </a:rPr>
-              <a:t>on</a:t>
-            </a:r>
-            <a:r>
-              <a:rPr lang="en-US" sz="2000" spc="15" dirty="0">
-                <a:latin typeface="Microsoft Sans Serif"/>
-                <a:cs typeface="Microsoft Sans Serif"/>
-              </a:rPr>
-              <a:t> </a:t>
-            </a:r>
-            <a:r>
-              <a:rPr lang="en-US" sz="2000" spc="-5" dirty="0">
-                <a:latin typeface="Microsoft Sans Serif"/>
-                <a:cs typeface="Microsoft Sans Serif"/>
-              </a:rPr>
-              <a:t>letters,</a:t>
-            </a:r>
-            <a:r>
-              <a:rPr lang="en-US" sz="2000" spc="15" dirty="0">
-                <a:latin typeface="Microsoft Sans Serif"/>
-                <a:cs typeface="Microsoft Sans Serif"/>
-              </a:rPr>
-              <a:t> </a:t>
-            </a:r>
-            <a:r>
-              <a:rPr lang="en-US" sz="2000" spc="-10" dirty="0">
-                <a:latin typeface="Microsoft Sans Serif"/>
-                <a:cs typeface="Microsoft Sans Serif"/>
-              </a:rPr>
-              <a:t>money</a:t>
-            </a:r>
-            <a:r>
-              <a:rPr lang="en-US" sz="2000" spc="10" dirty="0">
-                <a:latin typeface="Microsoft Sans Serif"/>
-                <a:cs typeface="Microsoft Sans Serif"/>
-              </a:rPr>
-              <a:t> </a:t>
-            </a:r>
-            <a:r>
-              <a:rPr lang="en-US" sz="2000" spc="-5" dirty="0">
-                <a:latin typeface="Microsoft Sans Serif"/>
-                <a:cs typeface="Microsoft Sans Serif"/>
-              </a:rPr>
-              <a:t>amounts on</a:t>
-            </a:r>
-            <a:r>
-              <a:rPr lang="en-US" sz="2000" spc="5" dirty="0">
-                <a:latin typeface="Microsoft Sans Serif"/>
-                <a:cs typeface="Microsoft Sans Serif"/>
-              </a:rPr>
-              <a:t> </a:t>
-            </a:r>
-            <a:r>
-              <a:rPr lang="en-US" sz="2000" spc="-5" dirty="0" err="1">
-                <a:latin typeface="Microsoft Sans Serif"/>
-                <a:cs typeface="Microsoft Sans Serif"/>
-              </a:rPr>
-              <a:t>cheques</a:t>
-            </a:r>
-            <a:r>
-              <a:rPr lang="en-US" sz="2000" spc="-5" dirty="0">
-                <a:latin typeface="Microsoft Sans Serif"/>
-                <a:cs typeface="Microsoft Sans Serif"/>
-              </a:rPr>
-              <a:t>,</a:t>
-            </a:r>
-            <a:r>
-              <a:rPr lang="en-US" sz="2000" spc="10" dirty="0">
-                <a:latin typeface="Microsoft Sans Serif"/>
-                <a:cs typeface="Microsoft Sans Serif"/>
-              </a:rPr>
-              <a:t> </a:t>
-            </a:r>
-            <a:r>
-              <a:rPr lang="en-US" sz="2000" spc="-5" dirty="0">
-                <a:latin typeface="Microsoft Sans Serif"/>
-                <a:cs typeface="Microsoft Sans Serif"/>
-              </a:rPr>
-              <a:t>etc.</a:t>
-            </a:r>
-            <a:endParaRPr lang="en-US" sz="2000" dirty="0">
-              <a:latin typeface="Microsoft Sans Serif"/>
-              <a:cs typeface="Microsoft Sans Serif"/>
-            </a:endParaRPr>
-          </a:p>
-          <a:p>
-            <a:pPr marL="12700">
-              <a:lnSpc>
-                <a:spcPct val="100000"/>
-              </a:lnSpc>
-              <a:spcBef>
-                <a:spcPts val="290"/>
-              </a:spcBef>
-            </a:pPr>
-            <a:r>
-              <a:rPr lang="en-US" sz="2000" dirty="0">
-                <a:latin typeface="Microsoft Sans Serif"/>
-                <a:cs typeface="Microsoft Sans Serif"/>
-              </a:rPr>
-              <a:t>Learn</a:t>
-            </a:r>
-            <a:r>
-              <a:rPr lang="en-US" sz="2000" spc="10" dirty="0">
-                <a:latin typeface="Microsoft Sans Serif"/>
-                <a:cs typeface="Microsoft Sans Serif"/>
-              </a:rPr>
-              <a:t> </a:t>
-            </a:r>
-            <a:r>
-              <a:rPr lang="en-US" sz="2000" spc="-5" dirty="0">
-                <a:latin typeface="Microsoft Sans Serif"/>
-                <a:cs typeface="Microsoft Sans Serif"/>
-              </a:rPr>
-              <a:t>to</a:t>
-            </a:r>
-            <a:r>
-              <a:rPr lang="en-US" sz="2000" spc="15" dirty="0">
-                <a:latin typeface="Microsoft Sans Serif"/>
-                <a:cs typeface="Microsoft Sans Serif"/>
-              </a:rPr>
-              <a:t> </a:t>
-            </a:r>
-            <a:r>
-              <a:rPr lang="en-US" sz="2000" spc="-5" dirty="0">
-                <a:latin typeface="Microsoft Sans Serif"/>
-                <a:cs typeface="Microsoft Sans Serif"/>
-              </a:rPr>
-              <a:t>recognize</a:t>
-            </a:r>
-            <a:r>
-              <a:rPr lang="en-US" sz="2000" spc="10" dirty="0">
-                <a:latin typeface="Microsoft Sans Serif"/>
-                <a:cs typeface="Microsoft Sans Serif"/>
-              </a:rPr>
-              <a:t> </a:t>
-            </a:r>
-            <a:r>
-              <a:rPr lang="en-US" sz="2000" spc="-5" dirty="0">
-                <a:latin typeface="Microsoft Sans Serif"/>
-                <a:cs typeface="Microsoft Sans Serif"/>
-              </a:rPr>
-              <a:t>the</a:t>
-            </a:r>
-            <a:r>
-              <a:rPr lang="en-US" sz="2000" spc="15" dirty="0">
-                <a:latin typeface="Microsoft Sans Serif"/>
-                <a:cs typeface="Microsoft Sans Serif"/>
-              </a:rPr>
-              <a:t> </a:t>
-            </a:r>
-            <a:r>
-              <a:rPr lang="en-US" sz="2000" spc="-5" dirty="0">
-                <a:latin typeface="Microsoft Sans Serif"/>
-                <a:cs typeface="Microsoft Sans Serif"/>
-              </a:rPr>
-              <a:t>correct</a:t>
-            </a:r>
-            <a:r>
-              <a:rPr lang="en-US" sz="2000" spc="10" dirty="0">
-                <a:latin typeface="Microsoft Sans Serif"/>
-                <a:cs typeface="Microsoft Sans Serif"/>
-              </a:rPr>
-              <a:t> </a:t>
-            </a:r>
-            <a:r>
-              <a:rPr lang="en-US" sz="2000" spc="-5" dirty="0">
-                <a:latin typeface="Microsoft Sans Serif"/>
-                <a:cs typeface="Microsoft Sans Serif"/>
-              </a:rPr>
-              <a:t>digit</a:t>
-            </a:r>
-            <a:r>
-              <a:rPr lang="en-US" sz="2000" spc="15" dirty="0">
-                <a:latin typeface="Microsoft Sans Serif"/>
-                <a:cs typeface="Microsoft Sans Serif"/>
-              </a:rPr>
-              <a:t> </a:t>
-            </a:r>
-            <a:r>
-              <a:rPr lang="en-US" sz="2000" spc="-5" dirty="0">
-                <a:latin typeface="Microsoft Sans Serif"/>
-                <a:cs typeface="Microsoft Sans Serif"/>
-              </a:rPr>
-              <a:t>written</a:t>
-            </a:r>
-            <a:r>
-              <a:rPr lang="en-US" sz="2000" spc="15" dirty="0">
-                <a:latin typeface="Microsoft Sans Serif"/>
-                <a:cs typeface="Microsoft Sans Serif"/>
-              </a:rPr>
-              <a:t> </a:t>
-            </a:r>
-            <a:r>
-              <a:rPr lang="en-US" sz="2000" spc="-15" dirty="0">
-                <a:latin typeface="Microsoft Sans Serif"/>
-                <a:cs typeface="Microsoft Sans Serif"/>
-              </a:rPr>
-              <a:t>by</a:t>
-            </a:r>
-            <a:r>
-              <a:rPr lang="en-US" sz="2000" spc="10" dirty="0">
-                <a:latin typeface="Microsoft Sans Serif"/>
-                <a:cs typeface="Microsoft Sans Serif"/>
-              </a:rPr>
-              <a:t> </a:t>
-            </a:r>
-            <a:r>
-              <a:rPr lang="en-US" sz="2000" spc="-5" dirty="0">
-                <a:latin typeface="Microsoft Sans Serif"/>
-                <a:cs typeface="Microsoft Sans Serif"/>
-              </a:rPr>
-              <a:t>hand.</a:t>
-            </a:r>
-            <a:endParaRPr lang="en-US" sz="2000" dirty="0">
-              <a:latin typeface="Microsoft Sans Serif"/>
-              <a:cs typeface="Microsoft Sans Serif"/>
-            </a:endParaRPr>
+            <a:r>
+              <a:rPr lang="en-US" dirty="0"/>
+              <a:t>Given the images of handwritten digits, recognize the digits</a:t>
+            </a:r>
           </a:p>
         </p:txBody>
       </p:sp>
       <p:pic>
         <p:nvPicPr>
-          <p:cNvPr id="6" name="Picture 4" descr="File:UMKC logo.png - Wikipedia"/>
-          <p:cNvPicPr>
-            <a:picLocks noChangeAspect="1" noChangeArrowheads="1"/>
-          </p:cNvPicPr>
-          <p:nvPr/>
-        </p:nvPicPr>
-        <p:blipFill>
-          <a:blip r:embed="rId2" cstate="print">
+          <p:cNvPr id="5" name="object 8">
             <a:extLst>
-              <a:ext uri="{28A0092B-C50C-407E-A947-70E740481C1C}">
-                <a14:useLocalDpi xmlns:a14="http://schemas.microsoft.com/office/drawing/2010/main" val="0"/>
+              <a:ext uri="{FF2B5EF4-FFF2-40B4-BE49-F238E27FC236}">
+                <a16:creationId xmlns:a16="http://schemas.microsoft.com/office/drawing/2014/main" id="{4D6CCEE2-406E-324C-B1D0-E4248A935092}"/>
               </a:ext>
             </a:extLst>
-          </a:blip>
-          <a:srcRect/>
-          <a:stretch>
-            <a:fillRect/>
-          </a:stretch>
-        </p:blipFill>
-        <p:spPr bwMode="auto">
-          <a:xfrm>
-            <a:off x="10741981" y="6132824"/>
-            <a:ext cx="1293518" cy="571124"/>
-          </a:xfrm>
-          <a:prstGeom prst="rect">
-            <a:avLst/>
-          </a:prstGeom>
-          <a:noFill/>
-          <a:extLst>
-            <a:ext uri="{909E8E84-426E-40DD-AFC4-6F175D3DCCD1}">
-              <a14:hiddenFill xmlns:a14="http://schemas.microsoft.com/office/drawing/2010/main">
-                <a:solidFill>
-                  <a:srgbClr val="FFFFFF"/>
-                </a:solidFill>
-              </a14:hiddenFill>
-            </a:ext>
-          </a:extLst>
-        </p:spPr>
-      </p:pic>
-      <p:pic>
-        <p:nvPicPr>
-          <p:cNvPr id="8" name="object 8"/>
+          </p:cNvPr>
           <p:cNvPicPr/>
           <p:nvPr/>
         </p:nvPicPr>
         <p:blipFill>
-          <a:blip r:embed="rId3" cstate="print"/>
+          <a:blip r:embed="rId2" cstate="print"/>
           <a:stretch>
             <a:fillRect/>
           </a:stretch>
         </p:blipFill>
         <p:spPr>
           <a:xfrm>
-            <a:off x="1746946" y="2663897"/>
+            <a:off x="1609786" y="2660937"/>
             <a:ext cx="3650963" cy="3650963"/>
           </a:xfrm>
           <a:prstGeom prst="rect">
@@ -13566,789 +10504,253 @@
           </a:prstGeom>
         </p:spPr>
       </p:pic>
-      <p:grpSp>
-        <p:nvGrpSpPr>
-          <p:cNvPr id="9" name="object 9"/>
-          <p:cNvGrpSpPr/>
+      <p:sp>
+        <p:nvSpPr>
+          <p:cNvPr id="6" name="Content Placeholder 2">
+            <a:extLst>
+              <a:ext uri="{FF2B5EF4-FFF2-40B4-BE49-F238E27FC236}">
+                <a16:creationId xmlns:a16="http://schemas.microsoft.com/office/drawing/2014/main" id="{8B888C28-36E3-C949-BBA1-1B90CAE86082}"/>
+              </a:ext>
+            </a:extLst>
+          </p:cNvPr>
+          <p:cNvSpPr txBox="1">
+            <a:spLocks/>
+          </p:cNvSpPr>
           <p:nvPr/>
-        </p:nvGrpSpPr>
-        <p:grpSpPr>
-          <a:xfrm rot="13474155">
-            <a:off x="6726222" y="3727012"/>
-            <a:ext cx="925706" cy="925706"/>
-            <a:chOff x="2842478" y="1377469"/>
-            <a:chExt cx="453390" cy="453390"/>
+        </p:nvSpPr>
+        <p:spPr>
+          <a:xfrm>
+            <a:off x="5876134" y="3429000"/>
+            <a:ext cx="5899354" cy="2042160"/>
           </a:xfrm>
-        </p:grpSpPr>
-        <p:pic>
-          <p:nvPicPr>
-            <p:cNvPr id="10" name="object 10"/>
-            <p:cNvPicPr/>
-            <p:nvPr/>
-          </p:nvPicPr>
-          <p:blipFill>
-            <a:blip r:embed="rId4" cstate="print"/>
-            <a:stretch>
-              <a:fillRect/>
-            </a:stretch>
-          </p:blipFill>
-          <p:spPr>
-            <a:xfrm>
-              <a:off x="2941358" y="1428611"/>
-              <a:ext cx="287110" cy="319766"/>
-            </a:xfrm>
-            <a:prstGeom prst="rect">
-              <a:avLst/>
-            </a:prstGeom>
-            <a:ln>
-              <a:solidFill>
-                <a:schemeClr val="bg1"/>
-              </a:solidFill>
-            </a:ln>
-          </p:spPr>
-        </p:pic>
-        <p:sp>
-          <p:nvSpPr>
-            <p:cNvPr id="11" name="object 11"/>
-            <p:cNvSpPr/>
-            <p:nvPr/>
-          </p:nvSpPr>
-          <p:spPr>
-            <a:xfrm>
-              <a:off x="2845653" y="1380644"/>
-              <a:ext cx="447040" cy="447040"/>
-            </a:xfrm>
-            <a:custGeom>
-              <a:avLst/>
-              <a:gdLst/>
-              <a:ahLst/>
-              <a:cxnLst/>
-              <a:rect l="l" t="t" r="r" b="b"/>
-              <a:pathLst>
-                <a:path w="447039" h="447039">
-                  <a:moveTo>
-                    <a:pt x="0" y="446618"/>
-                  </a:moveTo>
-                  <a:lnTo>
-                    <a:pt x="446618" y="446618"/>
-                  </a:lnTo>
-                </a:path>
-                <a:path w="447039" h="447039">
-                  <a:moveTo>
-                    <a:pt x="0" y="0"/>
-                  </a:moveTo>
-                  <a:lnTo>
-                    <a:pt x="446618" y="0"/>
-                  </a:lnTo>
-                </a:path>
-                <a:path w="447039" h="447039">
-                  <a:moveTo>
-                    <a:pt x="446618" y="0"/>
-                  </a:moveTo>
-                  <a:lnTo>
-                    <a:pt x="446618" y="446618"/>
-                  </a:lnTo>
-                </a:path>
-                <a:path w="447039" h="447039">
-                  <a:moveTo>
-                    <a:pt x="0" y="0"/>
-                  </a:moveTo>
-                  <a:lnTo>
-                    <a:pt x="0" y="446618"/>
-                  </a:lnTo>
-                </a:path>
-                <a:path w="447039" h="447039">
-                  <a:moveTo>
-                    <a:pt x="0" y="446618"/>
-                  </a:moveTo>
-                  <a:lnTo>
-                    <a:pt x="446618" y="446618"/>
-                  </a:lnTo>
-                </a:path>
-                <a:path w="447039" h="447039">
-                  <a:moveTo>
-                    <a:pt x="0" y="0"/>
-                  </a:moveTo>
-                  <a:lnTo>
-                    <a:pt x="0" y="446618"/>
-                  </a:lnTo>
-                </a:path>
-              </a:pathLst>
-            </a:custGeom>
-            <a:ln w="6350">
-              <a:solidFill>
-                <a:schemeClr val="bg1"/>
-              </a:solidFill>
-            </a:ln>
-          </p:spPr>
-          <p:txBody>
-            <a:bodyPr wrap="square" lIns="0" tIns="0" rIns="0" bIns="0" rtlCol="0"/>
-            <a:lstStyle/>
-            <a:p>
-              <a:endParaRPr/>
-            </a:p>
-          </p:txBody>
-        </p:sp>
-        <p:sp>
-          <p:nvSpPr>
-            <p:cNvPr id="12" name="object 12"/>
-            <p:cNvSpPr/>
-            <p:nvPr/>
-          </p:nvSpPr>
-          <p:spPr>
-            <a:xfrm>
-              <a:off x="2916565" y="1823031"/>
-              <a:ext cx="0" cy="4445"/>
-            </a:xfrm>
-            <a:custGeom>
-              <a:avLst/>
-              <a:gdLst/>
-              <a:ahLst/>
-              <a:cxnLst/>
-              <a:rect l="l" t="t" r="r" b="b"/>
-              <a:pathLst>
-                <a:path h="4444">
-                  <a:moveTo>
-                    <a:pt x="-3175" y="2115"/>
-                  </a:moveTo>
-                  <a:lnTo>
-                    <a:pt x="3175" y="2115"/>
-                  </a:lnTo>
-                </a:path>
-              </a:pathLst>
-            </a:custGeom>
-            <a:ln w="4231">
-              <a:solidFill>
-                <a:schemeClr val="bg1"/>
-              </a:solidFill>
-            </a:ln>
-          </p:spPr>
-          <p:txBody>
-            <a:bodyPr wrap="square" lIns="0" tIns="0" rIns="0" bIns="0" rtlCol="0"/>
-            <a:lstStyle/>
-            <a:p>
-              <a:endParaRPr/>
-            </a:p>
-          </p:txBody>
-        </p:sp>
-        <p:sp>
-          <p:nvSpPr>
-            <p:cNvPr id="13" name="object 13"/>
-            <p:cNvSpPr/>
-            <p:nvPr/>
-          </p:nvSpPr>
-          <p:spPr>
-            <a:xfrm>
-              <a:off x="2916565" y="1380644"/>
-              <a:ext cx="0" cy="4445"/>
-            </a:xfrm>
-            <a:custGeom>
-              <a:avLst/>
-              <a:gdLst/>
-              <a:ahLst/>
-              <a:cxnLst/>
-              <a:rect l="l" t="t" r="r" b="b"/>
-              <a:pathLst>
-                <a:path h="4444">
-                  <a:moveTo>
-                    <a:pt x="-3175" y="2118"/>
-                  </a:moveTo>
-                  <a:lnTo>
-                    <a:pt x="3175" y="2118"/>
-                  </a:lnTo>
-                </a:path>
-              </a:pathLst>
-            </a:custGeom>
-            <a:ln w="4236">
-              <a:solidFill>
-                <a:schemeClr val="bg1"/>
-              </a:solidFill>
-            </a:ln>
-          </p:spPr>
-          <p:txBody>
-            <a:bodyPr wrap="square" lIns="0" tIns="0" rIns="0" bIns="0" rtlCol="0"/>
-            <a:lstStyle/>
-            <a:p>
-              <a:endParaRPr/>
-            </a:p>
-          </p:txBody>
-        </p:sp>
-        <p:sp>
-          <p:nvSpPr>
-            <p:cNvPr id="14" name="object 14"/>
-            <p:cNvSpPr/>
-            <p:nvPr/>
-          </p:nvSpPr>
-          <p:spPr>
-            <a:xfrm>
-              <a:off x="2996996" y="1823031"/>
-              <a:ext cx="0" cy="4445"/>
-            </a:xfrm>
-            <a:custGeom>
-              <a:avLst/>
-              <a:gdLst/>
-              <a:ahLst/>
-              <a:cxnLst/>
-              <a:rect l="l" t="t" r="r" b="b"/>
-              <a:pathLst>
-                <a:path h="4444">
-                  <a:moveTo>
-                    <a:pt x="-3175" y="2115"/>
-                  </a:moveTo>
-                  <a:lnTo>
-                    <a:pt x="3175" y="2115"/>
-                  </a:lnTo>
-                </a:path>
-              </a:pathLst>
-            </a:custGeom>
-            <a:ln w="4231">
-              <a:solidFill>
-                <a:schemeClr val="bg1"/>
-              </a:solidFill>
-            </a:ln>
-          </p:spPr>
-          <p:txBody>
-            <a:bodyPr wrap="square" lIns="0" tIns="0" rIns="0" bIns="0" rtlCol="0"/>
-            <a:lstStyle/>
-            <a:p>
-              <a:endParaRPr/>
-            </a:p>
-          </p:txBody>
-        </p:sp>
-        <p:sp>
-          <p:nvSpPr>
-            <p:cNvPr id="15" name="object 15"/>
-            <p:cNvSpPr/>
-            <p:nvPr/>
-          </p:nvSpPr>
-          <p:spPr>
-            <a:xfrm>
-              <a:off x="2996996" y="1380644"/>
-              <a:ext cx="0" cy="4445"/>
-            </a:xfrm>
-            <a:custGeom>
-              <a:avLst/>
-              <a:gdLst/>
-              <a:ahLst/>
-              <a:cxnLst/>
-              <a:rect l="l" t="t" r="r" b="b"/>
-              <a:pathLst>
-                <a:path h="4444">
-                  <a:moveTo>
-                    <a:pt x="-3175" y="2118"/>
-                  </a:moveTo>
-                  <a:lnTo>
-                    <a:pt x="3175" y="2118"/>
-                  </a:lnTo>
-                </a:path>
-              </a:pathLst>
-            </a:custGeom>
-            <a:ln w="4236">
-              <a:solidFill>
-                <a:schemeClr val="bg1"/>
-              </a:solidFill>
-            </a:ln>
-          </p:spPr>
-          <p:txBody>
-            <a:bodyPr wrap="square" lIns="0" tIns="0" rIns="0" bIns="0" rtlCol="0"/>
-            <a:lstStyle/>
-            <a:p>
-              <a:endParaRPr/>
-            </a:p>
-          </p:txBody>
-        </p:sp>
-        <p:sp>
-          <p:nvSpPr>
-            <p:cNvPr id="16" name="object 16"/>
-            <p:cNvSpPr/>
-            <p:nvPr/>
-          </p:nvSpPr>
-          <p:spPr>
-            <a:xfrm>
-              <a:off x="3076371" y="1823031"/>
-              <a:ext cx="0" cy="4445"/>
-            </a:xfrm>
-            <a:custGeom>
-              <a:avLst/>
-              <a:gdLst/>
-              <a:ahLst/>
-              <a:cxnLst/>
-              <a:rect l="l" t="t" r="r" b="b"/>
-              <a:pathLst>
-                <a:path h="4444">
-                  <a:moveTo>
-                    <a:pt x="-3175" y="2115"/>
-                  </a:moveTo>
-                  <a:lnTo>
-                    <a:pt x="3175" y="2115"/>
-                  </a:lnTo>
-                </a:path>
-              </a:pathLst>
-            </a:custGeom>
-            <a:ln w="4231">
-              <a:solidFill>
-                <a:schemeClr val="bg1"/>
-              </a:solidFill>
-            </a:ln>
-          </p:spPr>
-          <p:txBody>
-            <a:bodyPr wrap="square" lIns="0" tIns="0" rIns="0" bIns="0" rtlCol="0"/>
-            <a:lstStyle/>
-            <a:p>
-              <a:endParaRPr/>
-            </a:p>
-          </p:txBody>
-        </p:sp>
-        <p:sp>
-          <p:nvSpPr>
-            <p:cNvPr id="17" name="object 17"/>
-            <p:cNvSpPr/>
-            <p:nvPr/>
-          </p:nvSpPr>
-          <p:spPr>
-            <a:xfrm>
-              <a:off x="3076371" y="1380644"/>
-              <a:ext cx="0" cy="4445"/>
-            </a:xfrm>
-            <a:custGeom>
-              <a:avLst/>
-              <a:gdLst/>
-              <a:ahLst/>
-              <a:cxnLst/>
-              <a:rect l="l" t="t" r="r" b="b"/>
-              <a:pathLst>
-                <a:path h="4444">
-                  <a:moveTo>
-                    <a:pt x="-3175" y="2118"/>
-                  </a:moveTo>
-                  <a:lnTo>
-                    <a:pt x="3175" y="2118"/>
-                  </a:lnTo>
-                </a:path>
-              </a:pathLst>
-            </a:custGeom>
-            <a:ln w="4236">
-              <a:solidFill>
-                <a:schemeClr val="bg1"/>
-              </a:solidFill>
-            </a:ln>
-          </p:spPr>
-          <p:txBody>
-            <a:bodyPr wrap="square" lIns="0" tIns="0" rIns="0" bIns="0" rtlCol="0"/>
-            <a:lstStyle/>
-            <a:p>
-              <a:endParaRPr/>
-            </a:p>
-          </p:txBody>
-        </p:sp>
-        <p:sp>
-          <p:nvSpPr>
-            <p:cNvPr id="18" name="object 18"/>
-            <p:cNvSpPr/>
-            <p:nvPr/>
-          </p:nvSpPr>
-          <p:spPr>
-            <a:xfrm>
-              <a:off x="3155746" y="1823031"/>
-              <a:ext cx="0" cy="4445"/>
-            </a:xfrm>
-            <a:custGeom>
-              <a:avLst/>
-              <a:gdLst/>
-              <a:ahLst/>
-              <a:cxnLst/>
-              <a:rect l="l" t="t" r="r" b="b"/>
-              <a:pathLst>
-                <a:path h="4444">
-                  <a:moveTo>
-                    <a:pt x="-3175" y="2115"/>
-                  </a:moveTo>
-                  <a:lnTo>
-                    <a:pt x="3175" y="2115"/>
-                  </a:lnTo>
-                </a:path>
-              </a:pathLst>
-            </a:custGeom>
-            <a:ln w="4231">
-              <a:solidFill>
-                <a:schemeClr val="bg1"/>
-              </a:solidFill>
-            </a:ln>
-          </p:spPr>
-          <p:txBody>
-            <a:bodyPr wrap="square" lIns="0" tIns="0" rIns="0" bIns="0" rtlCol="0"/>
-            <a:lstStyle/>
-            <a:p>
-              <a:endParaRPr/>
-            </a:p>
-          </p:txBody>
-        </p:sp>
-        <p:sp>
-          <p:nvSpPr>
-            <p:cNvPr id="19" name="object 19"/>
-            <p:cNvSpPr/>
-            <p:nvPr/>
-          </p:nvSpPr>
-          <p:spPr>
-            <a:xfrm>
-              <a:off x="3155746" y="1380644"/>
-              <a:ext cx="0" cy="4445"/>
-            </a:xfrm>
-            <a:custGeom>
-              <a:avLst/>
-              <a:gdLst/>
-              <a:ahLst/>
-              <a:cxnLst/>
-              <a:rect l="l" t="t" r="r" b="b"/>
-              <a:pathLst>
-                <a:path h="4444">
-                  <a:moveTo>
-                    <a:pt x="-3175" y="2118"/>
-                  </a:moveTo>
-                  <a:lnTo>
-                    <a:pt x="3175" y="2118"/>
-                  </a:lnTo>
-                </a:path>
-              </a:pathLst>
-            </a:custGeom>
-            <a:ln w="4236">
-              <a:solidFill>
-                <a:schemeClr val="bg1"/>
-              </a:solidFill>
-            </a:ln>
-          </p:spPr>
-          <p:txBody>
-            <a:bodyPr wrap="square" lIns="0" tIns="0" rIns="0" bIns="0" rtlCol="0"/>
-            <a:lstStyle/>
-            <a:p>
-              <a:endParaRPr/>
-            </a:p>
-          </p:txBody>
-        </p:sp>
-        <p:sp>
-          <p:nvSpPr>
-            <p:cNvPr id="20" name="object 20"/>
-            <p:cNvSpPr/>
-            <p:nvPr/>
-          </p:nvSpPr>
-          <p:spPr>
-            <a:xfrm>
-              <a:off x="3236175" y="1823031"/>
-              <a:ext cx="0" cy="4445"/>
-            </a:xfrm>
-            <a:custGeom>
-              <a:avLst/>
-              <a:gdLst/>
-              <a:ahLst/>
-              <a:cxnLst/>
-              <a:rect l="l" t="t" r="r" b="b"/>
-              <a:pathLst>
-                <a:path h="4444">
-                  <a:moveTo>
-                    <a:pt x="-3175" y="2115"/>
-                  </a:moveTo>
-                  <a:lnTo>
-                    <a:pt x="3175" y="2115"/>
-                  </a:lnTo>
-                </a:path>
-              </a:pathLst>
-            </a:custGeom>
-            <a:ln w="4231">
-              <a:solidFill>
-                <a:schemeClr val="bg1"/>
-              </a:solidFill>
-            </a:ln>
-          </p:spPr>
-          <p:txBody>
-            <a:bodyPr wrap="square" lIns="0" tIns="0" rIns="0" bIns="0" rtlCol="0"/>
-            <a:lstStyle/>
-            <a:p>
-              <a:endParaRPr/>
-            </a:p>
-          </p:txBody>
-        </p:sp>
-        <p:sp>
-          <p:nvSpPr>
-            <p:cNvPr id="21" name="object 21"/>
-            <p:cNvSpPr/>
-            <p:nvPr/>
-          </p:nvSpPr>
-          <p:spPr>
-            <a:xfrm>
-              <a:off x="3236175" y="1380644"/>
-              <a:ext cx="0" cy="4445"/>
-            </a:xfrm>
-            <a:custGeom>
-              <a:avLst/>
-              <a:gdLst/>
-              <a:ahLst/>
-              <a:cxnLst/>
-              <a:rect l="l" t="t" r="r" b="b"/>
-              <a:pathLst>
-                <a:path h="4444">
-                  <a:moveTo>
-                    <a:pt x="-3175" y="2118"/>
-                  </a:moveTo>
-                  <a:lnTo>
-                    <a:pt x="3175" y="2118"/>
-                  </a:lnTo>
-                </a:path>
-              </a:pathLst>
-            </a:custGeom>
-            <a:ln w="4236">
-              <a:solidFill>
-                <a:schemeClr val="bg1"/>
-              </a:solidFill>
-            </a:ln>
-          </p:spPr>
-          <p:txBody>
-            <a:bodyPr wrap="square" lIns="0" tIns="0" rIns="0" bIns="0" rtlCol="0"/>
-            <a:lstStyle/>
-            <a:p>
-              <a:endParaRPr/>
-            </a:p>
-          </p:txBody>
-        </p:sp>
-        <p:sp>
-          <p:nvSpPr>
-            <p:cNvPr id="22" name="object 22"/>
-            <p:cNvSpPr/>
-            <p:nvPr/>
-          </p:nvSpPr>
-          <p:spPr>
-            <a:xfrm>
-              <a:off x="2845653" y="1380644"/>
-              <a:ext cx="447040" cy="447040"/>
-            </a:xfrm>
-            <a:custGeom>
-              <a:avLst/>
-              <a:gdLst/>
-              <a:ahLst/>
-              <a:cxnLst/>
-              <a:rect l="l" t="t" r="r" b="b"/>
-              <a:pathLst>
-                <a:path w="447039" h="447039">
-                  <a:moveTo>
-                    <a:pt x="0" y="71968"/>
-                  </a:moveTo>
-                  <a:lnTo>
-                    <a:pt x="4236" y="71968"/>
-                  </a:lnTo>
-                </a:path>
-                <a:path w="447039" h="447039">
-                  <a:moveTo>
-                    <a:pt x="446618" y="71968"/>
-                  </a:moveTo>
-                  <a:lnTo>
-                    <a:pt x="441322" y="71968"/>
-                  </a:lnTo>
-                </a:path>
-                <a:path w="447039" h="447039">
-                  <a:moveTo>
-                    <a:pt x="0" y="151343"/>
-                  </a:moveTo>
-                  <a:lnTo>
-                    <a:pt x="4236" y="151343"/>
-                  </a:lnTo>
-                </a:path>
-                <a:path w="447039" h="447039">
-                  <a:moveTo>
-                    <a:pt x="446618" y="151343"/>
-                  </a:moveTo>
-                  <a:lnTo>
-                    <a:pt x="441322" y="151343"/>
-                  </a:lnTo>
-                </a:path>
-                <a:path w="447039" h="447039">
-                  <a:moveTo>
-                    <a:pt x="0" y="231775"/>
-                  </a:moveTo>
-                  <a:lnTo>
-                    <a:pt x="4236" y="231775"/>
-                  </a:lnTo>
-                </a:path>
-                <a:path w="447039" h="447039">
-                  <a:moveTo>
-                    <a:pt x="446618" y="231775"/>
-                  </a:moveTo>
-                  <a:lnTo>
-                    <a:pt x="441322" y="231775"/>
-                  </a:lnTo>
-                </a:path>
-                <a:path w="447039" h="447039">
-                  <a:moveTo>
-                    <a:pt x="0" y="311150"/>
-                  </a:moveTo>
-                  <a:lnTo>
-                    <a:pt x="4236" y="311150"/>
-                  </a:lnTo>
-                </a:path>
-                <a:path w="447039" h="447039">
-                  <a:moveTo>
-                    <a:pt x="446618" y="311150"/>
-                  </a:moveTo>
-                  <a:lnTo>
-                    <a:pt x="441322" y="311150"/>
-                  </a:lnTo>
-                </a:path>
-                <a:path w="447039" h="447039">
-                  <a:moveTo>
-                    <a:pt x="0" y="390525"/>
-                  </a:moveTo>
-                  <a:lnTo>
-                    <a:pt x="4236" y="390525"/>
-                  </a:lnTo>
-                </a:path>
-                <a:path w="447039" h="447039">
-                  <a:moveTo>
-                    <a:pt x="446618" y="390525"/>
-                  </a:moveTo>
-                  <a:lnTo>
-                    <a:pt x="441322" y="390525"/>
-                  </a:lnTo>
-                </a:path>
-                <a:path w="447039" h="447039">
-                  <a:moveTo>
-                    <a:pt x="0" y="446618"/>
-                  </a:moveTo>
-                  <a:lnTo>
-                    <a:pt x="446618" y="446618"/>
-                  </a:lnTo>
-                </a:path>
-                <a:path w="447039" h="447039">
-                  <a:moveTo>
-                    <a:pt x="0" y="0"/>
-                  </a:moveTo>
-                  <a:lnTo>
-                    <a:pt x="446618" y="0"/>
-                  </a:lnTo>
-                </a:path>
-                <a:path w="447039" h="447039">
-                  <a:moveTo>
-                    <a:pt x="446618" y="0"/>
-                  </a:moveTo>
-                  <a:lnTo>
-                    <a:pt x="446618" y="446618"/>
-                  </a:lnTo>
-                </a:path>
-                <a:path w="447039" h="447039">
-                  <a:moveTo>
-                    <a:pt x="0" y="0"/>
-                  </a:moveTo>
-                  <a:lnTo>
-                    <a:pt x="0" y="446618"/>
-                  </a:lnTo>
-                </a:path>
-              </a:pathLst>
-            </a:custGeom>
-            <a:ln w="6350">
-              <a:solidFill>
-                <a:schemeClr val="bg1"/>
-              </a:solidFill>
-            </a:ln>
-          </p:spPr>
-          <p:txBody>
-            <a:bodyPr wrap="square" lIns="0" tIns="0" rIns="0" bIns="0" rtlCol="0"/>
-            <a:lstStyle/>
-            <a:p>
-              <a:endParaRPr/>
-            </a:p>
-          </p:txBody>
-        </p:sp>
-      </p:grpSp>
+          <a:prstGeom prst="rect">
+            <a:avLst/>
+          </a:prstGeom>
+        </p:spPr>
+        <p:txBody>
+          <a:bodyPr vert="horz" lIns="91440" tIns="45720" rIns="91440" bIns="45720" rtlCol="0">
+            <a:normAutofit/>
+          </a:bodyPr>
+          <a:lstStyle>
+            <a:lvl1pPr marL="228600" indent="-228600" algn="l" defTabSz="914400" rtl="0" eaLnBrk="1" latinLnBrk="0" hangingPunct="1">
+              <a:lnSpc>
+                <a:spcPct val="90000"/>
+              </a:lnSpc>
+              <a:spcBef>
+                <a:spcPts val="1000"/>
+              </a:spcBef>
+              <a:buFont typeface="Arial" panose="020B0604020202020204" pitchFamily="34" charset="0"/>
+              <a:buChar char="•"/>
+              <a:defRPr sz="2800" kern="1200">
+                <a:solidFill>
+                  <a:schemeClr val="tx1"/>
+                </a:solidFill>
+                <a:latin typeface="+mn-lt"/>
+                <a:ea typeface="+mn-ea"/>
+                <a:cs typeface="+mn-cs"/>
+              </a:defRPr>
+            </a:lvl1pPr>
+            <a:lvl2pPr marL="685800" indent="-228600" algn="l" defTabSz="914400" rtl="0" eaLnBrk="1" latinLnBrk="0" hangingPunct="1">
+              <a:lnSpc>
+                <a:spcPct val="90000"/>
+              </a:lnSpc>
+              <a:spcBef>
+                <a:spcPts val="500"/>
+              </a:spcBef>
+              <a:buFont typeface="Arial" panose="020B0604020202020204" pitchFamily="34" charset="0"/>
+              <a:buChar char="•"/>
+              <a:defRPr sz="2400" kern="1200">
+                <a:solidFill>
+                  <a:schemeClr val="tx1"/>
+                </a:solidFill>
+                <a:latin typeface="+mn-lt"/>
+                <a:ea typeface="+mn-ea"/>
+                <a:cs typeface="+mn-cs"/>
+              </a:defRPr>
+            </a:lvl2pPr>
+            <a:lvl3pPr marL="1143000" indent="-228600" algn="l" defTabSz="914400" rtl="0" eaLnBrk="1" latinLnBrk="0" hangingPunct="1">
+              <a:lnSpc>
+                <a:spcPct val="90000"/>
+              </a:lnSpc>
+              <a:spcBef>
+                <a:spcPts val="500"/>
+              </a:spcBef>
+              <a:buFont typeface="Arial" panose="020B0604020202020204" pitchFamily="34" charset="0"/>
+              <a:buChar char="•"/>
+              <a:defRPr sz="2000" kern="1200">
+                <a:solidFill>
+                  <a:schemeClr val="tx1"/>
+                </a:solidFill>
+                <a:latin typeface="+mn-lt"/>
+                <a:ea typeface="+mn-ea"/>
+                <a:cs typeface="+mn-cs"/>
+              </a:defRPr>
+            </a:lvl3pPr>
+            <a:lvl4pPr marL="1600200" indent="-228600" algn="l" defTabSz="914400" rtl="0" eaLnBrk="1" latinLnBrk="0" hangingPunct="1">
+              <a:lnSpc>
+                <a:spcPct val="90000"/>
+              </a:lnSpc>
+              <a:spcBef>
+                <a:spcPts val="500"/>
+              </a:spcBef>
+              <a:buFont typeface="Arial" panose="020B0604020202020204" pitchFamily="34" charset="0"/>
+              <a:buChar char="•"/>
+              <a:defRPr sz="1800" kern="1200">
+                <a:solidFill>
+                  <a:schemeClr val="tx1"/>
+                </a:solidFill>
+                <a:latin typeface="+mn-lt"/>
+                <a:ea typeface="+mn-ea"/>
+                <a:cs typeface="+mn-cs"/>
+              </a:defRPr>
+            </a:lvl4pPr>
+            <a:lvl5pPr marL="2057400" indent="-228600" algn="l" defTabSz="914400" rtl="0" eaLnBrk="1" latinLnBrk="0" hangingPunct="1">
+              <a:lnSpc>
+                <a:spcPct val="90000"/>
+              </a:lnSpc>
+              <a:spcBef>
+                <a:spcPts val="500"/>
+              </a:spcBef>
+              <a:buFont typeface="Arial" panose="020B0604020202020204" pitchFamily="34" charset="0"/>
+              <a:buChar char="•"/>
+              <a:defRPr sz="1800" kern="1200">
+                <a:solidFill>
+                  <a:schemeClr val="tx1"/>
+                </a:solidFill>
+                <a:latin typeface="+mn-lt"/>
+                <a:ea typeface="+mn-ea"/>
+                <a:cs typeface="+mn-cs"/>
+              </a:defRPr>
+            </a:lvl5pPr>
+            <a:lvl6pPr marL="2514600" indent="-228600" algn="l" defTabSz="914400" rtl="0" eaLnBrk="1" latinLnBrk="0" hangingPunct="1">
+              <a:lnSpc>
+                <a:spcPct val="90000"/>
+              </a:lnSpc>
+              <a:spcBef>
+                <a:spcPts val="500"/>
+              </a:spcBef>
+              <a:buFont typeface="Arial" panose="020B0604020202020204" pitchFamily="34" charset="0"/>
+              <a:buChar char="•"/>
+              <a:defRPr sz="1800" kern="1200">
+                <a:solidFill>
+                  <a:schemeClr val="tx1"/>
+                </a:solidFill>
+                <a:latin typeface="+mn-lt"/>
+                <a:ea typeface="+mn-ea"/>
+                <a:cs typeface="+mn-cs"/>
+              </a:defRPr>
+            </a:lvl6pPr>
+            <a:lvl7pPr marL="2971800" indent="-228600" algn="l" defTabSz="914400" rtl="0" eaLnBrk="1" latinLnBrk="0" hangingPunct="1">
+              <a:lnSpc>
+                <a:spcPct val="90000"/>
+              </a:lnSpc>
+              <a:spcBef>
+                <a:spcPts val="500"/>
+              </a:spcBef>
+              <a:buFont typeface="Arial" panose="020B0604020202020204" pitchFamily="34" charset="0"/>
+              <a:buChar char="•"/>
+              <a:defRPr sz="1800" kern="1200">
+                <a:solidFill>
+                  <a:schemeClr val="tx1"/>
+                </a:solidFill>
+                <a:latin typeface="+mn-lt"/>
+                <a:ea typeface="+mn-ea"/>
+                <a:cs typeface="+mn-cs"/>
+              </a:defRPr>
+            </a:lvl7pPr>
+            <a:lvl8pPr marL="3429000" indent="-228600" algn="l" defTabSz="914400" rtl="0" eaLnBrk="1" latinLnBrk="0" hangingPunct="1">
+              <a:lnSpc>
+                <a:spcPct val="90000"/>
+              </a:lnSpc>
+              <a:spcBef>
+                <a:spcPts val="500"/>
+              </a:spcBef>
+              <a:buFont typeface="Arial" panose="020B0604020202020204" pitchFamily="34" charset="0"/>
+              <a:buChar char="•"/>
+              <a:defRPr sz="1800" kern="1200">
+                <a:solidFill>
+                  <a:schemeClr val="tx1"/>
+                </a:solidFill>
+                <a:latin typeface="+mn-lt"/>
+                <a:ea typeface="+mn-ea"/>
+                <a:cs typeface="+mn-cs"/>
+              </a:defRPr>
+            </a:lvl8pPr>
+            <a:lvl9pPr marL="3886200" indent="-228600" algn="l" defTabSz="914400" rtl="0" eaLnBrk="1" latinLnBrk="0" hangingPunct="1">
+              <a:lnSpc>
+                <a:spcPct val="90000"/>
+              </a:lnSpc>
+              <a:spcBef>
+                <a:spcPts val="500"/>
+              </a:spcBef>
+              <a:buFont typeface="Arial" panose="020B0604020202020204" pitchFamily="34" charset="0"/>
+              <a:buChar char="•"/>
+              <a:defRPr sz="1800" kern="1200">
+                <a:solidFill>
+                  <a:schemeClr val="tx1"/>
+                </a:solidFill>
+                <a:latin typeface="+mn-lt"/>
+                <a:ea typeface="+mn-ea"/>
+                <a:cs typeface="+mn-cs"/>
+              </a:defRPr>
+            </a:lvl9pPr>
+          </a:lstStyle>
+          <a:p>
+            <a:pPr marL="0" indent="0">
+              <a:buFont typeface="Arial" panose="020B0604020202020204" pitchFamily="34" charset="0"/>
+              <a:buNone/>
+            </a:pPr>
+            <a:r>
+              <a:rPr lang="en-US" sz="2400" dirty="0"/>
+              <a:t>MNIST dataset</a:t>
+            </a:r>
+          </a:p>
+          <a:p>
+            <a:pPr marL="0" indent="0">
+              <a:buFont typeface="Arial" panose="020B0604020202020204" pitchFamily="34" charset="0"/>
+              <a:buNone/>
+            </a:pPr>
+            <a:r>
+              <a:rPr lang="en-US" sz="2400" dirty="0"/>
+              <a:t>https://</a:t>
+            </a:r>
+            <a:r>
+              <a:rPr lang="en-US" sz="2400" dirty="0" err="1"/>
+              <a:t>www.kaggle.com</a:t>
+            </a:r>
+            <a:r>
+              <a:rPr lang="en-US" sz="2400" dirty="0"/>
+              <a:t>/datasets/</a:t>
+            </a:r>
+            <a:r>
+              <a:rPr lang="en-US" sz="2400" dirty="0" err="1"/>
+              <a:t>hojjatk</a:t>
+            </a:r>
+            <a:r>
+              <a:rPr lang="en-US" sz="2400" dirty="0"/>
+              <a:t>/</a:t>
+            </a:r>
+            <a:r>
+              <a:rPr lang="en-US" sz="2400" dirty="0" err="1"/>
+              <a:t>mnist</a:t>
+            </a:r>
+            <a:r>
+              <a:rPr lang="en-US" sz="2400" dirty="0"/>
+              <a:t>-dataset</a:t>
+            </a:r>
+          </a:p>
+        </p:txBody>
+      </p:sp>
     </p:spTree>
     <p:extLst>
       <p:ext uri="{BB962C8B-B14F-4D97-AF65-F5344CB8AC3E}">
-        <p14:creationId xmlns:p14="http://schemas.microsoft.com/office/powerpoint/2010/main" val="2666279184"/>
+        <p14:creationId xmlns:p14="http://schemas.microsoft.com/office/powerpoint/2010/main" val="3711548938"/>
       </p:ext>
     </p:extLst>
   </p:cSld>
   <p:clrMapOvr>
     <a:masterClrMapping/>
   </p:clrMapOvr>
-  <p:timing>
-    <p:tnLst>
-      <p:par>
-        <p:cTn id="1" dur="indefinite" restart="never" nodeType="tmRoot">
-          <p:childTnLst>
-            <p:seq concurrent="1" nextAc="seek">
-              <p:cTn id="2" dur="indefinite" nodeType="mainSeq">
-                <p:childTnLst>
-                  <p:par>
-                    <p:cTn id="3" fill="hold">
-                      <p:stCondLst>
-                        <p:cond delay="indefinite"/>
-                      </p:stCondLst>
-                      <p:childTnLst>
-                        <p:par>
-                          <p:cTn id="4" fill="hold">
-                            <p:stCondLst>
-                              <p:cond delay="0"/>
-                            </p:stCondLst>
-                            <p:childTnLst>
-                              <p:par>
-                                <p:cTn id="5" presetID="10" presetClass="entr" presetSubtype="0" fill="hold" nodeType="clickEffect">
-                                  <p:stCondLst>
-                                    <p:cond delay="0"/>
-                                  </p:stCondLst>
-                                  <p:childTnLst>
-                                    <p:set>
-                                      <p:cBhvr>
-                                        <p:cTn id="6" dur="1" fill="hold">
-                                          <p:stCondLst>
-                                            <p:cond delay="0"/>
-                                          </p:stCondLst>
-                                        </p:cTn>
-                                        <p:tgtEl>
-                                          <p:spTgt spid="9"/>
-                                        </p:tgtEl>
-                                        <p:attrNameLst>
-                                          <p:attrName>style.visibility</p:attrName>
-                                        </p:attrNameLst>
-                                      </p:cBhvr>
-                                      <p:to>
-                                        <p:strVal val="visible"/>
-                                      </p:to>
-                                    </p:set>
-                                    <p:animEffect transition="in" filter="fade">
-                                      <p:cBhvr>
-                                        <p:cTn id="7" dur="500"/>
-                                        <p:tgtEl>
-                                          <p:spTgt spid="9"/>
-                                        </p:tgtEl>
-                                      </p:cBhvr>
-                                    </p:animEffect>
-                                  </p:childTnLst>
-                                </p:cTn>
-                              </p:par>
-                            </p:childTnLst>
-                          </p:cTn>
-                        </p:par>
-                      </p:childTnLst>
-                    </p:cTn>
-                  </p:par>
-                </p:childTnLst>
-              </p:cTn>
-              <p:prevCondLst>
-                <p:cond evt="onPrev" delay="0">
-                  <p:tgtEl>
-                    <p:sldTgt/>
-                  </p:tgtEl>
-                </p:cond>
-              </p:prevCondLst>
-              <p:nextCondLst>
-                <p:cond evt="onNext" delay="0">
-                  <p:tgtEl>
-                    <p:sldTgt/>
-                  </p:tgtEl>
-                </p:cond>
-              </p:nextCondLst>
-            </p:seq>
-          </p:childTnLst>
-        </p:cTn>
-      </p:par>
-    </p:tnLst>
-  </p:timing>
 </p:sld>
 </file>
 
@@ -14385,358 +10787,28 @@
           <a:lstStyle/>
           <a:p>
             <a:r>
-              <a:rPr lang="en-US" dirty="0">
-                <a:solidFill>
-                  <a:srgbClr val="0070C0"/>
-                </a:solidFill>
-              </a:rPr>
-              <a:t>Galaxy classification</a:t>
-            </a:r>
-          </a:p>
-        </p:txBody>
-      </p:sp>
-      <p:sp>
-        <p:nvSpPr>
-          <p:cNvPr id="3" name="Content Placeholder 2"/>
-          <p:cNvSpPr>
-            <a:spLocks noGrp="1"/>
-          </p:cNvSpPr>
-          <p:nvPr>
-            <p:ph idx="1"/>
-          </p:nvPr>
-        </p:nvSpPr>
-        <p:spPr>
-          <a:xfrm>
-            <a:off x="798871" y="1599483"/>
-            <a:ext cx="10341077" cy="888078"/>
-          </a:xfrm>
-        </p:spPr>
-        <p:txBody>
-          <a:bodyPr>
-            <a:noAutofit/>
-          </a:bodyPr>
-          <a:lstStyle/>
-          <a:p>
-            <a:pPr marL="12700" marR="5080">
-              <a:lnSpc>
-                <a:spcPct val="100000"/>
-              </a:lnSpc>
-            </a:pPr>
-            <a:r>
-              <a:rPr lang="en-US" sz="1600" spc="-10" dirty="0">
-                <a:latin typeface="Microsoft Sans Serif"/>
-                <a:cs typeface="Microsoft Sans Serif"/>
-              </a:rPr>
-              <a:t>Given</a:t>
-            </a:r>
-            <a:r>
-              <a:rPr lang="en-US" sz="1600" spc="5" dirty="0">
-                <a:latin typeface="Microsoft Sans Serif"/>
-                <a:cs typeface="Microsoft Sans Serif"/>
-              </a:rPr>
-              <a:t> </a:t>
-            </a:r>
-            <a:r>
-              <a:rPr lang="en-US" sz="1600" spc="-5" dirty="0">
-                <a:latin typeface="Microsoft Sans Serif"/>
-                <a:cs typeface="Microsoft Sans Serif"/>
-              </a:rPr>
-              <a:t>images</a:t>
-            </a:r>
-            <a:r>
-              <a:rPr lang="en-US" sz="1600" spc="10" dirty="0">
-                <a:latin typeface="Microsoft Sans Serif"/>
-                <a:cs typeface="Microsoft Sans Serif"/>
-              </a:rPr>
-              <a:t> </a:t>
-            </a:r>
-            <a:r>
-              <a:rPr lang="en-US" sz="1600" spc="-5" dirty="0">
-                <a:latin typeface="Microsoft Sans Serif"/>
-                <a:cs typeface="Microsoft Sans Serif"/>
-              </a:rPr>
-              <a:t>of</a:t>
-            </a:r>
-            <a:r>
-              <a:rPr lang="en-US" sz="1600" spc="10" dirty="0">
-                <a:latin typeface="Microsoft Sans Serif"/>
-                <a:cs typeface="Microsoft Sans Serif"/>
-              </a:rPr>
-              <a:t> </a:t>
-            </a:r>
-            <a:r>
-              <a:rPr lang="en-US" sz="1600" spc="-5" dirty="0">
-                <a:latin typeface="Microsoft Sans Serif"/>
-                <a:cs typeface="Microsoft Sans Serif"/>
-              </a:rPr>
-              <a:t>the</a:t>
-            </a:r>
-            <a:r>
-              <a:rPr lang="en-US" sz="1600" spc="5" dirty="0">
-                <a:latin typeface="Microsoft Sans Serif"/>
-                <a:cs typeface="Microsoft Sans Serif"/>
-              </a:rPr>
-              <a:t> </a:t>
-            </a:r>
-            <a:r>
-              <a:rPr lang="en-US" sz="1600" spc="-5" dirty="0">
-                <a:latin typeface="Microsoft Sans Serif"/>
-                <a:cs typeface="Microsoft Sans Serif"/>
-              </a:rPr>
-              <a:t>sky</a:t>
-            </a:r>
-            <a:r>
-              <a:rPr lang="en-US" sz="1600" spc="10" dirty="0">
-                <a:latin typeface="Microsoft Sans Serif"/>
-                <a:cs typeface="Microsoft Sans Serif"/>
-              </a:rPr>
-              <a:t> </a:t>
-            </a:r>
-            <a:r>
-              <a:rPr lang="en-US" sz="1600" spc="-5" dirty="0">
-                <a:latin typeface="Microsoft Sans Serif"/>
-                <a:cs typeface="Microsoft Sans Serif"/>
-              </a:rPr>
-              <a:t>from</a:t>
-            </a:r>
-            <a:r>
-              <a:rPr lang="en-US" sz="1600" spc="10" dirty="0">
-                <a:latin typeface="Microsoft Sans Serif"/>
-                <a:cs typeface="Microsoft Sans Serif"/>
-              </a:rPr>
-              <a:t> </a:t>
-            </a:r>
-            <a:r>
-              <a:rPr lang="en-US" sz="1600" spc="-5" dirty="0">
-                <a:latin typeface="Microsoft Sans Serif"/>
-                <a:cs typeface="Microsoft Sans Serif"/>
-              </a:rPr>
-              <a:t>SDSS</a:t>
-            </a:r>
-            <a:r>
-              <a:rPr lang="en-US" sz="1600" spc="5" dirty="0">
-                <a:latin typeface="Microsoft Sans Serif"/>
-                <a:cs typeface="Microsoft Sans Serif"/>
-              </a:rPr>
-              <a:t> </a:t>
-            </a:r>
-            <a:r>
-              <a:rPr lang="en-US" sz="1600" spc="-5" dirty="0">
-                <a:latin typeface="Microsoft Sans Serif"/>
-                <a:cs typeface="Microsoft Sans Serif"/>
-              </a:rPr>
-              <a:t>and</a:t>
-            </a:r>
-            <a:r>
-              <a:rPr lang="en-US" sz="1600" spc="10" dirty="0">
-                <a:latin typeface="Microsoft Sans Serif"/>
-                <a:cs typeface="Microsoft Sans Serif"/>
-              </a:rPr>
-              <a:t> </a:t>
-            </a:r>
-            <a:r>
-              <a:rPr lang="en-US" sz="1600" spc="-10" dirty="0">
-                <a:latin typeface="Microsoft Sans Serif"/>
-                <a:cs typeface="Microsoft Sans Serif"/>
-              </a:rPr>
-              <a:t>CTIO,</a:t>
-            </a:r>
-            <a:r>
-              <a:rPr lang="en-US" sz="1600" spc="10" dirty="0">
-                <a:latin typeface="Microsoft Sans Serif"/>
-                <a:cs typeface="Microsoft Sans Serif"/>
-              </a:rPr>
-              <a:t> </a:t>
-            </a:r>
-            <a:r>
-              <a:rPr lang="en-US" sz="1600" spc="-5" dirty="0">
-                <a:latin typeface="Microsoft Sans Serif"/>
-                <a:cs typeface="Microsoft Sans Serif"/>
-              </a:rPr>
-              <a:t>and </a:t>
-            </a:r>
-            <a:r>
-              <a:rPr lang="en-US" sz="1600" spc="-250" dirty="0">
-                <a:latin typeface="Microsoft Sans Serif"/>
-                <a:cs typeface="Microsoft Sans Serif"/>
-              </a:rPr>
-              <a:t> </a:t>
-            </a:r>
-            <a:r>
-              <a:rPr lang="en-US" sz="1600" spc="-5" dirty="0">
-                <a:latin typeface="Microsoft Sans Serif"/>
-                <a:cs typeface="Microsoft Sans Serif"/>
-              </a:rPr>
-              <a:t>crowdsourced</a:t>
-            </a:r>
-            <a:r>
-              <a:rPr lang="en-US" sz="1600" spc="5" dirty="0">
-                <a:latin typeface="Microsoft Sans Serif"/>
-                <a:cs typeface="Microsoft Sans Serif"/>
-              </a:rPr>
-              <a:t> </a:t>
-            </a:r>
-            <a:r>
-              <a:rPr lang="en-US" sz="1600" spc="-5" dirty="0">
-                <a:latin typeface="Microsoft Sans Serif"/>
-                <a:cs typeface="Microsoft Sans Serif"/>
-              </a:rPr>
-              <a:t>labels</a:t>
-            </a:r>
-            <a:endParaRPr lang="en-US" sz="1600" dirty="0">
-              <a:latin typeface="Microsoft Sans Serif"/>
-              <a:cs typeface="Microsoft Sans Serif"/>
-            </a:endParaRPr>
-          </a:p>
-          <a:p>
-            <a:pPr marL="12700">
-              <a:lnSpc>
-                <a:spcPct val="100000"/>
-              </a:lnSpc>
-              <a:spcBef>
-                <a:spcPts val="290"/>
-              </a:spcBef>
-            </a:pPr>
-            <a:r>
-              <a:rPr lang="en-US" sz="1600" spc="-15" dirty="0">
-                <a:latin typeface="Microsoft Sans Serif"/>
-                <a:cs typeface="Microsoft Sans Serif"/>
-              </a:rPr>
-              <a:t>From</a:t>
-            </a:r>
-            <a:r>
-              <a:rPr lang="en-US" sz="1600" spc="5" dirty="0">
-                <a:latin typeface="Microsoft Sans Serif"/>
-                <a:cs typeface="Microsoft Sans Serif"/>
-              </a:rPr>
-              <a:t> </a:t>
-            </a:r>
-            <a:r>
-              <a:rPr lang="en-US" sz="1600" spc="-5" dirty="0">
-                <a:latin typeface="Microsoft Sans Serif"/>
-                <a:cs typeface="Microsoft Sans Serif"/>
-              </a:rPr>
-              <a:t>these</a:t>
-            </a:r>
-            <a:r>
-              <a:rPr lang="en-US" sz="1600" spc="5" dirty="0">
-                <a:latin typeface="Microsoft Sans Serif"/>
-                <a:cs typeface="Microsoft Sans Serif"/>
-              </a:rPr>
-              <a:t> </a:t>
-            </a:r>
-            <a:r>
-              <a:rPr lang="en-US" sz="1600" spc="-10" dirty="0">
-                <a:latin typeface="Microsoft Sans Serif"/>
-                <a:cs typeface="Microsoft Sans Serif"/>
-              </a:rPr>
-              <a:t>examples,</a:t>
-            </a:r>
-            <a:r>
-              <a:rPr lang="en-US" sz="1600" spc="5" dirty="0">
-                <a:latin typeface="Microsoft Sans Serif"/>
-                <a:cs typeface="Microsoft Sans Serif"/>
-              </a:rPr>
-              <a:t> </a:t>
-            </a:r>
-            <a:r>
-              <a:rPr lang="en-US" sz="1600" dirty="0">
-                <a:latin typeface="Microsoft Sans Serif"/>
-                <a:cs typeface="Microsoft Sans Serif"/>
-              </a:rPr>
-              <a:t>learn</a:t>
-            </a:r>
-            <a:r>
-              <a:rPr lang="en-US" sz="1600" spc="10" dirty="0">
-                <a:latin typeface="Microsoft Sans Serif"/>
-                <a:cs typeface="Microsoft Sans Serif"/>
-              </a:rPr>
-              <a:t> </a:t>
-            </a:r>
-            <a:r>
-              <a:rPr lang="en-US" sz="1600" spc="-5" dirty="0">
-                <a:latin typeface="Microsoft Sans Serif"/>
-                <a:cs typeface="Microsoft Sans Serif"/>
-              </a:rPr>
-              <a:t>to</a:t>
-            </a:r>
-            <a:r>
-              <a:rPr lang="en-US" sz="1600" spc="5" dirty="0">
-                <a:latin typeface="Microsoft Sans Serif"/>
-                <a:cs typeface="Microsoft Sans Serif"/>
-              </a:rPr>
-              <a:t> </a:t>
-            </a:r>
-            <a:r>
-              <a:rPr lang="en-US" sz="1600" spc="-5" dirty="0">
-                <a:latin typeface="Microsoft Sans Serif"/>
-                <a:cs typeface="Microsoft Sans Serif"/>
-              </a:rPr>
-              <a:t>identify</a:t>
-            </a:r>
-            <a:r>
-              <a:rPr lang="en-US" sz="1600" spc="5" dirty="0">
-                <a:latin typeface="Microsoft Sans Serif"/>
-                <a:cs typeface="Microsoft Sans Serif"/>
-              </a:rPr>
-              <a:t> </a:t>
-            </a:r>
-            <a:r>
-              <a:rPr lang="en-US" sz="1600" spc="-5" dirty="0">
-                <a:latin typeface="Microsoft Sans Serif"/>
-                <a:cs typeface="Microsoft Sans Serif"/>
-              </a:rPr>
-              <a:t>galaxies.</a:t>
-            </a:r>
-          </a:p>
-          <a:p>
-            <a:pPr marL="12700">
-              <a:lnSpc>
-                <a:spcPct val="100000"/>
-              </a:lnSpc>
-              <a:spcBef>
-                <a:spcPts val="290"/>
-              </a:spcBef>
-            </a:pPr>
-            <a:r>
-              <a:rPr lang="en-US" sz="1600" spc="-5" dirty="0">
-                <a:latin typeface="Courier New"/>
-                <a:cs typeface="Courier New"/>
-                <a:hlinkClick r:id="rId2"/>
-              </a:rPr>
-              <a:t>http://www.galaxyzoo.org/#/classify</a:t>
-            </a:r>
-            <a:endParaRPr lang="en-US" sz="1600" dirty="0">
-              <a:latin typeface="Courier New"/>
-              <a:cs typeface="Courier New"/>
-            </a:endParaRPr>
-          </a:p>
-          <a:p>
-            <a:pPr marL="12700">
-              <a:lnSpc>
-                <a:spcPct val="100000"/>
-              </a:lnSpc>
-              <a:spcBef>
-                <a:spcPts val="290"/>
-              </a:spcBef>
-            </a:pPr>
-            <a:endParaRPr lang="en-US" sz="1600" dirty="0">
-              <a:latin typeface="Microsoft Sans Serif"/>
-              <a:cs typeface="Microsoft Sans Serif"/>
-            </a:endParaRPr>
+              <a:rPr lang="en-US" dirty="0"/>
+              <a:t>Text Classification</a:t>
+            </a:r>
           </a:p>
         </p:txBody>
       </p:sp>
       <p:pic>
         <p:nvPicPr>
-          <p:cNvPr id="6" name="Picture 4" descr="File:UMKC logo.png - Wikipedia"/>
+          <p:cNvPr id="7" name="Picture 2" descr="A diagram of machine learning for automatic text classification.">
+            <a:extLst>
+              <a:ext uri="{FF2B5EF4-FFF2-40B4-BE49-F238E27FC236}">
+                <a16:creationId xmlns:a16="http://schemas.microsoft.com/office/drawing/2014/main" id="{859C905F-790F-AE4D-817A-918886CEE828}"/>
+              </a:ext>
+            </a:extLst>
+          </p:cNvPr>
           <p:cNvPicPr>
             <a:picLocks noChangeAspect="1" noChangeArrowheads="1"/>
           </p:cNvPicPr>
           <p:nvPr/>
         </p:nvPicPr>
         <p:blipFill>
-          <a:blip r:embed="rId3" cstate="print">
+          <a:blip r:embed="rId2">
             <a:extLst>
               <a:ext uri="{28A0092B-C50C-407E-A947-70E740481C1C}">
                 <a14:useLocalDpi xmlns:a14="http://schemas.microsoft.com/office/drawing/2010/main" val="0"/>
@@ -14750,8 +10822,8 @@
         </p:blipFill>
         <p:spPr bwMode="auto">
           <a:xfrm>
-            <a:off x="10741981" y="6132824"/>
-            <a:ext cx="1293518" cy="571124"/>
+            <a:off x="1536700" y="1802130"/>
+            <a:ext cx="8887460" cy="4485553"/>
           </a:xfrm>
           <a:prstGeom prst="rect">
             <a:avLst/>
@@ -14768,32 +10840,10 @@
           </a:extLst>
         </p:spPr>
       </p:pic>
-      <p:pic>
-        <p:nvPicPr>
-          <p:cNvPr id="23" name="object 8"/>
-          <p:cNvPicPr/>
-          <p:nvPr/>
-        </p:nvPicPr>
-        <p:blipFill>
-          <a:blip r:embed="rId4" cstate="print"/>
-          <a:stretch>
-            <a:fillRect/>
-          </a:stretch>
-        </p:blipFill>
-        <p:spPr>
-          <a:xfrm>
-            <a:off x="936244" y="2635045"/>
-            <a:ext cx="8558535" cy="3765755"/>
-          </a:xfrm>
-          <a:prstGeom prst="rect">
-            <a:avLst/>
-          </a:prstGeom>
-        </p:spPr>
-      </p:pic>
     </p:spTree>
     <p:extLst>
       <p:ext uri="{BB962C8B-B14F-4D97-AF65-F5344CB8AC3E}">
-        <p14:creationId xmlns:p14="http://schemas.microsoft.com/office/powerpoint/2010/main" val="657017248"/>
+        <p14:creationId xmlns:p14="http://schemas.microsoft.com/office/powerpoint/2010/main" val="3309917283"/>
       </p:ext>
     </p:extLst>
   </p:cSld>
@@ -14836,287 +10886,28 @@
           <a:lstStyle/>
           <a:p>
             <a:r>
-              <a:rPr lang="en-US" dirty="0">
-                <a:solidFill>
-                  <a:srgbClr val="0070C0"/>
-                </a:solidFill>
-              </a:rPr>
-              <a:t>Go</a:t>
-            </a:r>
-          </a:p>
-        </p:txBody>
-      </p:sp>
-      <p:sp>
-        <p:nvSpPr>
-          <p:cNvPr id="3" name="Content Placeholder 2"/>
-          <p:cNvSpPr>
-            <a:spLocks noGrp="1"/>
-          </p:cNvSpPr>
-          <p:nvPr>
-            <p:ph idx="1"/>
-          </p:nvPr>
-        </p:nvSpPr>
-        <p:spPr>
-          <a:xfrm>
-            <a:off x="759542" y="1412670"/>
-            <a:ext cx="10341077" cy="888078"/>
-          </a:xfrm>
-        </p:spPr>
-        <p:txBody>
-          <a:bodyPr>
-            <a:noAutofit/>
-          </a:bodyPr>
-          <a:lstStyle/>
-          <a:p>
-            <a:pPr marL="12700" marR="5080">
-              <a:lnSpc>
-                <a:spcPct val="100000"/>
-              </a:lnSpc>
-              <a:spcBef>
-                <a:spcPts val="95"/>
-              </a:spcBef>
-            </a:pPr>
-            <a:r>
-              <a:rPr lang="en-US" sz="2000" spc="-5" dirty="0">
-                <a:latin typeface="Microsoft Sans Serif"/>
-                <a:cs typeface="Microsoft Sans Serif"/>
-              </a:rPr>
-              <a:t>Uses</a:t>
-            </a:r>
-            <a:r>
-              <a:rPr lang="en-US" sz="2000" spc="10" dirty="0">
-                <a:latin typeface="Microsoft Sans Serif"/>
-                <a:cs typeface="Microsoft Sans Serif"/>
-              </a:rPr>
-              <a:t> </a:t>
-            </a:r>
-            <a:r>
-              <a:rPr lang="en-US" sz="2000" spc="-5" dirty="0">
-                <a:latin typeface="Microsoft Sans Serif"/>
-                <a:cs typeface="Microsoft Sans Serif"/>
-              </a:rPr>
-              <a:t>a</a:t>
-            </a:r>
-            <a:r>
-              <a:rPr lang="en-US" sz="2000" spc="10" dirty="0">
-                <a:latin typeface="Microsoft Sans Serif"/>
-                <a:cs typeface="Microsoft Sans Serif"/>
-              </a:rPr>
-              <a:t> </a:t>
-            </a:r>
-            <a:r>
-              <a:rPr lang="en-US" sz="2000" spc="-5" dirty="0">
-                <a:latin typeface="Microsoft Sans Serif"/>
-                <a:cs typeface="Microsoft Sans Serif"/>
-              </a:rPr>
-              <a:t>combination</a:t>
-            </a:r>
-            <a:r>
-              <a:rPr lang="en-US" sz="2000" spc="10" dirty="0">
-                <a:latin typeface="Microsoft Sans Serif"/>
-                <a:cs typeface="Microsoft Sans Serif"/>
-              </a:rPr>
-              <a:t> </a:t>
-            </a:r>
-            <a:r>
-              <a:rPr lang="en-US" sz="2000" spc="-5" dirty="0">
-                <a:latin typeface="Microsoft Sans Serif"/>
-                <a:cs typeface="Microsoft Sans Serif"/>
-              </a:rPr>
-              <a:t>of</a:t>
-            </a:r>
-            <a:r>
-              <a:rPr lang="en-US" sz="2000" spc="10" dirty="0">
-                <a:latin typeface="Microsoft Sans Serif"/>
-                <a:cs typeface="Microsoft Sans Serif"/>
-              </a:rPr>
-              <a:t> </a:t>
-            </a:r>
-            <a:r>
-              <a:rPr lang="en-US" sz="2000" spc="-5" dirty="0">
-                <a:latin typeface="Microsoft Sans Serif"/>
-                <a:cs typeface="Microsoft Sans Serif"/>
-              </a:rPr>
-              <a:t>deep</a:t>
-            </a:r>
-            <a:r>
-              <a:rPr lang="en-US" sz="2000" spc="10" dirty="0">
-                <a:latin typeface="Microsoft Sans Serif"/>
-                <a:cs typeface="Microsoft Sans Serif"/>
-              </a:rPr>
-              <a:t> </a:t>
-            </a:r>
-            <a:r>
-              <a:rPr lang="en-US" sz="2000" spc="-5" dirty="0">
-                <a:latin typeface="Microsoft Sans Serif"/>
-                <a:cs typeface="Microsoft Sans Serif"/>
-              </a:rPr>
-              <a:t>neural</a:t>
-            </a:r>
-            <a:r>
-              <a:rPr lang="en-US" sz="2000" spc="10" dirty="0">
-                <a:latin typeface="Microsoft Sans Serif"/>
-                <a:cs typeface="Microsoft Sans Serif"/>
-              </a:rPr>
-              <a:t> </a:t>
-            </a:r>
-            <a:r>
-              <a:rPr lang="en-US" sz="2000" spc="-5" dirty="0">
-                <a:latin typeface="Microsoft Sans Serif"/>
-                <a:cs typeface="Microsoft Sans Serif"/>
-              </a:rPr>
-              <a:t>networks</a:t>
-            </a:r>
-            <a:r>
-              <a:rPr lang="en-US" sz="2000" spc="10" dirty="0">
-                <a:latin typeface="Microsoft Sans Serif"/>
-                <a:cs typeface="Microsoft Sans Serif"/>
-              </a:rPr>
-              <a:t> </a:t>
-            </a:r>
-            <a:r>
-              <a:rPr lang="en-US" sz="2000" spc="-5" dirty="0">
-                <a:latin typeface="Microsoft Sans Serif"/>
-                <a:cs typeface="Microsoft Sans Serif"/>
-              </a:rPr>
-              <a:t>and</a:t>
-            </a:r>
-            <a:r>
-              <a:rPr lang="en-US" sz="2000" spc="10" dirty="0">
-                <a:latin typeface="Microsoft Sans Serif"/>
-                <a:cs typeface="Microsoft Sans Serif"/>
-              </a:rPr>
-              <a:t> </a:t>
-            </a:r>
-            <a:r>
-              <a:rPr lang="en-US" sz="2000" spc="-5" dirty="0">
-                <a:latin typeface="Microsoft Sans Serif"/>
-                <a:cs typeface="Microsoft Sans Serif"/>
-              </a:rPr>
-              <a:t>tree search.</a:t>
-            </a:r>
-            <a:endParaRPr lang="en-US" sz="2000" dirty="0">
-              <a:latin typeface="Microsoft Sans Serif"/>
-              <a:cs typeface="Microsoft Sans Serif"/>
-            </a:endParaRPr>
-          </a:p>
-          <a:p>
-            <a:pPr marL="12700">
-              <a:lnSpc>
-                <a:spcPct val="100000"/>
-              </a:lnSpc>
-              <a:spcBef>
-                <a:spcPts val="290"/>
-              </a:spcBef>
-            </a:pPr>
-            <a:r>
-              <a:rPr lang="en-US" sz="2000" spc="-5" dirty="0">
-                <a:latin typeface="Microsoft Sans Serif"/>
-                <a:cs typeface="Microsoft Sans Serif"/>
-              </a:rPr>
-              <a:t>Beat</a:t>
-            </a:r>
-            <a:r>
-              <a:rPr lang="en-US" sz="2000" spc="5" dirty="0">
-                <a:latin typeface="Microsoft Sans Serif"/>
-                <a:cs typeface="Microsoft Sans Serif"/>
-              </a:rPr>
-              <a:t> </a:t>
-            </a:r>
-            <a:r>
-              <a:rPr lang="en-US" sz="2000" spc="-5" dirty="0">
-                <a:latin typeface="Microsoft Sans Serif"/>
-                <a:cs typeface="Microsoft Sans Serif"/>
-              </a:rPr>
-              <a:t>world</a:t>
-            </a:r>
-            <a:r>
-              <a:rPr lang="en-US" sz="2000" spc="5" dirty="0">
-                <a:latin typeface="Microsoft Sans Serif"/>
-                <a:cs typeface="Microsoft Sans Serif"/>
-              </a:rPr>
-              <a:t> </a:t>
-            </a:r>
-            <a:r>
-              <a:rPr lang="en-US" sz="2000" spc="-5" dirty="0">
-                <a:latin typeface="Microsoft Sans Serif"/>
-                <a:cs typeface="Microsoft Sans Serif"/>
-              </a:rPr>
-              <a:t>champion</a:t>
-            </a:r>
-            <a:r>
-              <a:rPr lang="en-US" sz="2000" spc="5" dirty="0">
-                <a:latin typeface="Microsoft Sans Serif"/>
-                <a:cs typeface="Microsoft Sans Serif"/>
-              </a:rPr>
-              <a:t> </a:t>
-            </a:r>
-            <a:r>
-              <a:rPr lang="en-US" sz="2000" spc="-5" dirty="0">
-                <a:latin typeface="Microsoft Sans Serif"/>
-                <a:cs typeface="Microsoft Sans Serif"/>
-              </a:rPr>
-              <a:t>Lee</a:t>
-            </a:r>
-            <a:r>
-              <a:rPr lang="en-US" sz="2000" spc="5" dirty="0">
-                <a:latin typeface="Microsoft Sans Serif"/>
-                <a:cs typeface="Microsoft Sans Serif"/>
-              </a:rPr>
-              <a:t> </a:t>
-            </a:r>
-            <a:r>
-              <a:rPr lang="en-US" sz="2000" spc="-5" dirty="0" err="1">
-                <a:latin typeface="Microsoft Sans Serif"/>
-                <a:cs typeface="Microsoft Sans Serif"/>
-              </a:rPr>
-              <a:t>Sedol</a:t>
-            </a:r>
-            <a:r>
-              <a:rPr lang="en-US" sz="2000" spc="10" dirty="0">
-                <a:latin typeface="Microsoft Sans Serif"/>
-                <a:cs typeface="Microsoft Sans Serif"/>
-              </a:rPr>
-              <a:t> </a:t>
-            </a:r>
-            <a:r>
-              <a:rPr lang="en-US" sz="2000" spc="-5" dirty="0">
-                <a:latin typeface="Microsoft Sans Serif"/>
-                <a:cs typeface="Microsoft Sans Serif"/>
-              </a:rPr>
-              <a:t>in</a:t>
-            </a:r>
-            <a:r>
-              <a:rPr lang="en-US" sz="2000" spc="5" dirty="0">
-                <a:latin typeface="Microsoft Sans Serif"/>
-                <a:cs typeface="Microsoft Sans Serif"/>
-              </a:rPr>
-              <a:t> </a:t>
-            </a:r>
-            <a:r>
-              <a:rPr lang="en-US" sz="2000" spc="-5" dirty="0">
-                <a:latin typeface="Microsoft Sans Serif"/>
-                <a:cs typeface="Microsoft Sans Serif"/>
-              </a:rPr>
-              <a:t>2016.</a:t>
-            </a:r>
-            <a:endParaRPr lang="en-US" sz="2000" dirty="0">
-              <a:latin typeface="Microsoft Sans Serif"/>
-              <a:cs typeface="Microsoft Sans Serif"/>
-            </a:endParaRPr>
+              <a:rPr lang="en-US" dirty="0"/>
+              <a:t>Text-to-Image Generation</a:t>
+            </a:r>
           </a:p>
         </p:txBody>
       </p:sp>
       <p:pic>
         <p:nvPicPr>
-          <p:cNvPr id="6" name="Picture 4" descr="File:UMKC logo.png - Wikipedia"/>
+          <p:cNvPr id="3074" name="Picture 2" descr="From DALL·E to Stable Diffusion: How Do Text-to-Image Generation Models  Work? - Edge AI and Vision Alliance">
+            <a:extLst>
+              <a:ext uri="{FF2B5EF4-FFF2-40B4-BE49-F238E27FC236}">
+                <a16:creationId xmlns:a16="http://schemas.microsoft.com/office/drawing/2014/main" id="{9DF9DE53-041E-6B4B-B6AA-AA298D2E3C17}"/>
+              </a:ext>
+            </a:extLst>
+          </p:cNvPr>
           <p:cNvPicPr>
             <a:picLocks noChangeAspect="1" noChangeArrowheads="1"/>
           </p:cNvPicPr>
           <p:nvPr/>
         </p:nvPicPr>
         <p:blipFill>
-          <a:blip r:embed="rId2" cstate="print">
+          <a:blip r:embed="rId2">
             <a:extLst>
               <a:ext uri="{28A0092B-C50C-407E-A947-70E740481C1C}">
                 <a14:useLocalDpi xmlns:a14="http://schemas.microsoft.com/office/drawing/2010/main" val="0"/>
@@ -15130,8 +10921,8 @@
         </p:blipFill>
         <p:spPr bwMode="auto">
           <a:xfrm>
-            <a:off x="10741981" y="6132824"/>
-            <a:ext cx="1293518" cy="571124"/>
+            <a:off x="1188720" y="1690688"/>
+            <a:ext cx="9540240" cy="5012353"/>
           </a:xfrm>
           <a:prstGeom prst="rect">
             <a:avLst/>
@@ -15148,32 +10939,10 @@
           </a:extLst>
         </p:spPr>
       </p:pic>
-      <p:pic>
-        <p:nvPicPr>
-          <p:cNvPr id="7" name="object 8"/>
-          <p:cNvPicPr/>
-          <p:nvPr/>
-        </p:nvPicPr>
-        <p:blipFill>
-          <a:blip r:embed="rId3" cstate="print"/>
-          <a:stretch>
-            <a:fillRect/>
-          </a:stretch>
-        </p:blipFill>
-        <p:spPr>
-          <a:xfrm>
-            <a:off x="3854245" y="2268545"/>
-            <a:ext cx="3254478" cy="4312184"/>
-          </a:xfrm>
-          <a:prstGeom prst="rect">
-            <a:avLst/>
-          </a:prstGeom>
-        </p:spPr>
-      </p:pic>
     </p:spTree>
     <p:extLst>
       <p:ext uri="{BB962C8B-B14F-4D97-AF65-F5344CB8AC3E}">
-        <p14:creationId xmlns:p14="http://schemas.microsoft.com/office/powerpoint/2010/main" val="1971215636"/>
+        <p14:creationId xmlns:p14="http://schemas.microsoft.com/office/powerpoint/2010/main" val="2722821320"/>
       </p:ext>
     </p:extLst>
   </p:cSld>
@@ -15216,12 +10985,8 @@
           <a:lstStyle/>
           <a:p>
             <a:r>
-              <a:rPr lang="en-US" dirty="0">
-                <a:solidFill>
-                  <a:srgbClr val="0070C0"/>
-                </a:solidFill>
-              </a:rPr>
-              <a:t>Image Classification</a:t>
+              <a:rPr lang="en-US" dirty="0"/>
+              <a:t>Applications of Machine Learning</a:t>
             </a:r>
           </a:p>
         </p:txBody>
@@ -15238,8 +11003,8 @@
         </p:nvSpPr>
         <p:spPr>
           <a:xfrm>
-            <a:off x="759542" y="1412670"/>
-            <a:ext cx="10341077" cy="888078"/>
+            <a:off x="838200" y="1690688"/>
+            <a:ext cx="10341077" cy="3906582"/>
           </a:xfrm>
         </p:spPr>
         <p:txBody>
@@ -15250,237 +11015,146 @@
           <a:p>
             <a:pPr marL="12700" marR="5080">
               <a:lnSpc>
-                <a:spcPct val="100000"/>
+                <a:spcPct val="150000"/>
               </a:lnSpc>
               <a:spcBef>
                 <a:spcPts val="95"/>
               </a:spcBef>
             </a:pPr>
             <a:r>
-              <a:rPr lang="en-US" sz="2000" spc="-5" dirty="0">
-                <a:latin typeface="Microsoft Sans Serif"/>
-                <a:cs typeface="Microsoft Sans Serif"/>
-              </a:rPr>
-              <a:t>Uses convolutional neural networks to extract image features</a:t>
+              <a:rPr lang="en-US" sz="2400" spc="-5" dirty="0">
+                <a:latin typeface="Microsoft Sans Serif"/>
+                <a:cs typeface="Microsoft Sans Serif"/>
+              </a:rPr>
+              <a:t>bioinformatics</a:t>
             </a:r>
           </a:p>
           <a:p>
             <a:pPr marL="12700" marR="5080">
               <a:lnSpc>
-                <a:spcPct val="100000"/>
+                <a:spcPct val="150000"/>
               </a:lnSpc>
               <a:spcBef>
                 <a:spcPts val="95"/>
               </a:spcBef>
             </a:pPr>
             <a:r>
-              <a:rPr lang="en-GB" sz="2000" spc="-5" dirty="0">
-                <a:latin typeface="Microsoft Sans Serif"/>
-                <a:cs typeface="Microsoft Sans Serif"/>
-              </a:rPr>
-              <a:t>Then uses the extracted features to identify unseen images</a:t>
-            </a:r>
-            <a:endParaRPr lang="en-US" sz="2000" dirty="0">
-              <a:latin typeface="Microsoft Sans Serif"/>
-              <a:cs typeface="Microsoft Sans Serif"/>
-            </a:endParaRPr>
-          </a:p>
-        </p:txBody>
-      </p:sp>
-      <p:pic>
-        <p:nvPicPr>
-          <p:cNvPr id="6" name="Picture 4" descr="File:UMKC logo.png - Wikipedia"/>
-          <p:cNvPicPr>
-            <a:picLocks noChangeAspect="1" noChangeArrowheads="1"/>
-          </p:cNvPicPr>
-          <p:nvPr/>
-        </p:nvPicPr>
-        <p:blipFill>
-          <a:blip r:embed="rId2" cstate="print">
-            <a:extLst>
-              <a:ext uri="{28A0092B-C50C-407E-A947-70E740481C1C}">
-                <a14:useLocalDpi xmlns:a14="http://schemas.microsoft.com/office/drawing/2010/main" val="0"/>
-              </a:ext>
-            </a:extLst>
-          </a:blip>
-          <a:srcRect/>
-          <a:stretch>
-            <a:fillRect/>
-          </a:stretch>
-        </p:blipFill>
-        <p:spPr bwMode="auto">
-          <a:xfrm>
-            <a:off x="10741981" y="6132824"/>
-            <a:ext cx="1293518" cy="571124"/>
-          </a:xfrm>
-          <a:prstGeom prst="rect">
-            <a:avLst/>
-          </a:prstGeom>
-          <a:noFill/>
-          <a:extLst>
-            <a:ext uri="{909E8E84-426E-40DD-AFC4-6F175D3DCCD1}">
-              <a14:hiddenFill xmlns:a14="http://schemas.microsoft.com/office/drawing/2010/main">
-                <a:solidFill>
-                  <a:srgbClr val="FFFFFF"/>
-                </a:solidFill>
-              </a14:hiddenFill>
-            </a:ext>
-          </a:extLst>
-        </p:spPr>
-      </p:pic>
-      <p:pic>
-        <p:nvPicPr>
-          <p:cNvPr id="1026" name="Picture 2" descr="No alternative text description for this image"/>
-          <p:cNvPicPr>
-            <a:picLocks noChangeAspect="1" noChangeArrowheads="1"/>
-          </p:cNvPicPr>
-          <p:nvPr/>
-        </p:nvPicPr>
-        <p:blipFill>
-          <a:blip r:embed="rId3">
-            <a:extLst>
-              <a:ext uri="{28A0092B-C50C-407E-A947-70E740481C1C}">
-                <a14:useLocalDpi xmlns:a14="http://schemas.microsoft.com/office/drawing/2010/main" val="0"/>
-              </a:ext>
-            </a:extLst>
-          </a:blip>
-          <a:srcRect/>
-          <a:stretch>
-            <a:fillRect/>
-          </a:stretch>
-        </p:blipFill>
-        <p:spPr bwMode="auto">
-          <a:xfrm>
-            <a:off x="1089639" y="2816840"/>
-            <a:ext cx="9810750" cy="2428875"/>
-          </a:xfrm>
-          <a:prstGeom prst="rect">
-            <a:avLst/>
-          </a:prstGeom>
-          <a:noFill/>
-          <a:extLst>
-            <a:ext uri="{909E8E84-426E-40DD-AFC4-6F175D3DCCD1}">
-              <a14:hiddenFill xmlns:a14="http://schemas.microsoft.com/office/drawing/2010/main">
-                <a:solidFill>
-                  <a:srgbClr val="FFFFFF"/>
-                </a:solidFill>
-              </a14:hiddenFill>
-            </a:ext>
-          </a:extLst>
-        </p:spPr>
-      </p:pic>
-      <p:sp>
-        <p:nvSpPr>
-          <p:cNvPr id="8" name="object 14"/>
-          <p:cNvSpPr txBox="1"/>
-          <p:nvPr/>
-        </p:nvSpPr>
-        <p:spPr>
-          <a:xfrm>
-            <a:off x="1209368" y="5634648"/>
-            <a:ext cx="8632722" cy="227626"/>
-          </a:xfrm>
-          <a:prstGeom prst="rect">
-            <a:avLst/>
-          </a:prstGeom>
-        </p:spPr>
-        <p:txBody>
-          <a:bodyPr vert="horz" wrap="square" lIns="0" tIns="12065" rIns="0" bIns="0" rtlCol="0">
-            <a:spAutoFit/>
-          </a:bodyPr>
-          <a:lstStyle/>
-          <a:p>
-            <a:pPr marL="12700">
+              <a:rPr lang="en-US" sz="2400" spc="-5" dirty="0">
+                <a:latin typeface="Microsoft Sans Serif"/>
+                <a:cs typeface="Microsoft Sans Serif"/>
+              </a:rPr>
+              <a:t>detecting network intrusion</a:t>
+            </a:r>
+          </a:p>
+          <a:p>
+            <a:pPr marL="12700" marR="5080">
               <a:lnSpc>
-                <a:spcPct val="100000"/>
+                <a:spcPct val="150000"/>
               </a:lnSpc>
               <a:spcBef>
                 <a:spcPts val="95"/>
               </a:spcBef>
             </a:pPr>
             <a:r>
-              <a:rPr lang="en-GB" sz="1400" spc="-5" dirty="0">
-                <a:latin typeface="Microsoft Sans Serif"/>
-                <a:cs typeface="Microsoft Sans Serif"/>
-                <a:hlinkClick r:id="rId4"/>
-              </a:rPr>
-              <a:t>Baffour</a:t>
-            </a:r>
-            <a:r>
-              <a:rPr sz="1400" spc="15" dirty="0">
-                <a:latin typeface="Microsoft Sans Serif"/>
-                <a:cs typeface="Microsoft Sans Serif"/>
-                <a:hlinkClick r:id="rId4"/>
-              </a:rPr>
-              <a:t> </a:t>
-            </a:r>
-            <a:r>
-              <a:rPr sz="1400" spc="-5" dirty="0">
-                <a:latin typeface="Microsoft Sans Serif"/>
-                <a:cs typeface="Microsoft Sans Serif"/>
-                <a:hlinkClick r:id="rId4"/>
-              </a:rPr>
-              <a:t>et.</a:t>
-            </a:r>
-            <a:r>
-              <a:rPr sz="1400" spc="50" dirty="0">
-                <a:latin typeface="Microsoft Sans Serif"/>
-                <a:cs typeface="Microsoft Sans Serif"/>
-                <a:hlinkClick r:id="rId4"/>
-              </a:rPr>
-              <a:t> </a:t>
-            </a:r>
-            <a:r>
-              <a:rPr sz="1400" spc="-5" dirty="0">
-                <a:latin typeface="Microsoft Sans Serif"/>
-                <a:cs typeface="Microsoft Sans Serif"/>
-                <a:hlinkClick r:id="rId4"/>
-              </a:rPr>
-              <a:t>al.,</a:t>
-            </a:r>
-            <a:r>
-              <a:rPr sz="1400" spc="15" dirty="0">
-                <a:latin typeface="Microsoft Sans Serif"/>
-                <a:cs typeface="Microsoft Sans Serif"/>
-                <a:hlinkClick r:id="rId4"/>
-              </a:rPr>
-              <a:t> </a:t>
-            </a:r>
-            <a:r>
-              <a:rPr sz="1400" spc="-5" dirty="0">
-                <a:latin typeface="Microsoft Sans Serif"/>
-                <a:cs typeface="Microsoft Sans Serif"/>
-                <a:hlinkClick r:id="rId4"/>
-              </a:rPr>
-              <a:t>"</a:t>
-            </a:r>
-            <a:r>
-              <a:rPr lang="en-US" sz="1400" spc="-5" dirty="0">
-                <a:latin typeface="Microsoft Sans Serif"/>
-                <a:cs typeface="Microsoft Sans Serif"/>
-                <a:hlinkClick r:id="rId4"/>
-              </a:rPr>
-              <a:t>Facial expression recognition via coarse-grained and fine-grained feature representation</a:t>
-            </a:r>
-            <a:r>
-              <a:rPr sz="1400" spc="-5" dirty="0">
-                <a:latin typeface="Microsoft Sans Serif"/>
-                <a:cs typeface="Microsoft Sans Serif"/>
-                <a:hlinkClick r:id="rId4"/>
-              </a:rPr>
-              <a:t>"</a:t>
-            </a:r>
-            <a:endParaRPr sz="1400" dirty="0">
-              <a:latin typeface="Microsoft Sans Serif"/>
-              <a:cs typeface="Microsoft Sans Serif"/>
-            </a:endParaRPr>
+              <a:rPr lang="en-US" sz="2400" spc="-5" dirty="0">
+                <a:latin typeface="Microsoft Sans Serif"/>
+                <a:cs typeface="Microsoft Sans Serif"/>
+              </a:rPr>
+              <a:t>neuroscience</a:t>
+            </a:r>
+          </a:p>
+          <a:p>
+            <a:pPr marL="12700" marR="5080">
+              <a:lnSpc>
+                <a:spcPct val="150000"/>
+              </a:lnSpc>
+              <a:spcBef>
+                <a:spcPts val="95"/>
+              </a:spcBef>
+            </a:pPr>
+            <a:r>
+              <a:rPr lang="en-US" sz="2400" spc="-5" dirty="0">
+                <a:latin typeface="Microsoft Sans Serif"/>
+                <a:cs typeface="Microsoft Sans Serif"/>
+              </a:rPr>
+              <a:t>medical diagnosis</a:t>
+            </a:r>
+          </a:p>
+          <a:p>
+            <a:pPr marL="12700" marR="5080">
+              <a:lnSpc>
+                <a:spcPct val="150000"/>
+              </a:lnSpc>
+              <a:spcBef>
+                <a:spcPts val="95"/>
+              </a:spcBef>
+            </a:pPr>
+            <a:r>
+              <a:rPr lang="en-US" sz="2400" spc="-5" dirty="0">
+                <a:latin typeface="Microsoft Sans Serif"/>
+                <a:cs typeface="Microsoft Sans Serif"/>
+              </a:rPr>
+              <a:t>stock market analysis</a:t>
+            </a:r>
+          </a:p>
+          <a:p>
+            <a:pPr marL="12700" marR="5080">
+              <a:lnSpc>
+                <a:spcPct val="150000"/>
+              </a:lnSpc>
+              <a:spcBef>
+                <a:spcPts val="95"/>
+              </a:spcBef>
+            </a:pPr>
+            <a:r>
+              <a:rPr lang="en-US" sz="2400" spc="-5" dirty="0">
+                <a:latin typeface="Microsoft Sans Serif"/>
+                <a:cs typeface="Microsoft Sans Serif"/>
+              </a:rPr>
+              <a:t>social network analysis</a:t>
+            </a:r>
+          </a:p>
+          <a:p>
+            <a:pPr marL="12700" marR="5080">
+              <a:lnSpc>
+                <a:spcPct val="150000"/>
+              </a:lnSpc>
+              <a:spcBef>
+                <a:spcPts val="95"/>
+              </a:spcBef>
+            </a:pPr>
+            <a:r>
+              <a:rPr lang="en-US" sz="2400" spc="-5" dirty="0">
+                <a:latin typeface="Microsoft Sans Serif"/>
+                <a:cs typeface="Microsoft Sans Serif"/>
+              </a:rPr>
+              <a:t>traffic and infrastructure planning</a:t>
+            </a:r>
+          </a:p>
+          <a:p>
+            <a:pPr marL="0" marR="5080" indent="0">
+              <a:lnSpc>
+                <a:spcPct val="150000"/>
+              </a:lnSpc>
+              <a:spcBef>
+                <a:spcPts val="95"/>
+              </a:spcBef>
+              <a:buNone/>
+            </a:pPr>
+            <a:r>
+              <a:rPr lang="en-GB" sz="2400" spc="-5" dirty="0">
+                <a:latin typeface="Microsoft Sans Serif"/>
+                <a:cs typeface="Microsoft Sans Serif"/>
+              </a:rPr>
+              <a:t>…</a:t>
+            </a:r>
           </a:p>
         </p:txBody>
       </p:sp>
     </p:spTree>
     <p:extLst>
       <p:ext uri="{BB962C8B-B14F-4D97-AF65-F5344CB8AC3E}">
-        <p14:creationId xmlns:p14="http://schemas.microsoft.com/office/powerpoint/2010/main" val="3309917283"/>
+        <p14:creationId xmlns:p14="http://schemas.microsoft.com/office/powerpoint/2010/main" val="1423582021"/>
       </p:ext>
     </p:extLst>
   </p:cSld>
@@ -15523,19 +11197,21 @@
           <a:lstStyle/>
           <a:p>
             <a:r>
-              <a:rPr lang="en-US" dirty="0">
-                <a:solidFill>
-                  <a:srgbClr val="0070C0"/>
-                </a:solidFill>
-              </a:rPr>
-              <a:t>Image Generators</a:t>
+              <a:rPr lang="en-US" dirty="0"/>
+              <a:t>Textbooks</a:t>
             </a:r>
           </a:p>
         </p:txBody>
       </p:sp>
       <p:sp>
         <p:nvSpPr>
-          <p:cNvPr id="3" name="Content Placeholder 2"/>
+          <p:cNvPr id="7" name="Content Placeholder 3">
+            <a:extLst>
+              <a:ext uri="{FF2B5EF4-FFF2-40B4-BE49-F238E27FC236}">
+                <a16:creationId xmlns:a16="http://schemas.microsoft.com/office/drawing/2014/main" id="{C4C2037F-909E-E840-8A09-C2EF77C2CBAC}"/>
+              </a:ext>
+            </a:extLst>
+          </p:cNvPr>
           <p:cNvSpPr>
             <a:spLocks noGrp="1"/>
           </p:cNvSpPr>
@@ -15545,149 +11221,79 @@
         </p:nvSpPr>
         <p:spPr>
           <a:xfrm>
-            <a:off x="759542" y="1412670"/>
-            <a:ext cx="10341077" cy="888078"/>
+            <a:off x="838200" y="1918652"/>
+            <a:ext cx="10515600" cy="3020695"/>
           </a:xfrm>
         </p:spPr>
         <p:txBody>
           <a:bodyPr>
-            <a:noAutofit/>
+            <a:normAutofit/>
           </a:bodyPr>
           <a:lstStyle/>
           <a:p>
-            <a:pPr marL="12700" marR="5080">
-              <a:lnSpc>
-                <a:spcPct val="100000"/>
-              </a:lnSpc>
-              <a:spcBef>
-                <a:spcPts val="95"/>
-              </a:spcBef>
-            </a:pPr>
-            <a:r>
-              <a:rPr lang="en-US" sz="2000" spc="-5" dirty="0">
-                <a:latin typeface="Microsoft Sans Serif"/>
-                <a:cs typeface="Microsoft Sans Serif"/>
-              </a:rPr>
-              <a:t>AI system that creates photorealistic images from input text</a:t>
-            </a:r>
-          </a:p>
-          <a:p>
-            <a:pPr marL="12700" marR="5080">
-              <a:lnSpc>
-                <a:spcPct val="100000"/>
-              </a:lnSpc>
-              <a:spcBef>
-                <a:spcPts val="95"/>
-              </a:spcBef>
-            </a:pPr>
-            <a:r>
-              <a:rPr lang="en-GB" sz="2000" spc="-5" dirty="0">
-                <a:latin typeface="Microsoft Sans Serif"/>
-                <a:cs typeface="Microsoft Sans Serif"/>
-                <a:hlinkClick r:id="rId2"/>
-              </a:rPr>
-              <a:t>https://imagen.research.google/</a:t>
-            </a:r>
-            <a:endParaRPr lang="en-GB" sz="2000" spc="-5" dirty="0">
-              <a:latin typeface="Microsoft Sans Serif"/>
-              <a:cs typeface="Microsoft Sans Serif"/>
-            </a:endParaRPr>
+            <a:r>
+              <a:rPr lang="en-US" dirty="0"/>
+              <a:t>An Introduction to Statistical Learning</a:t>
+            </a:r>
+          </a:p>
+          <a:p>
+            <a:endParaRPr lang="en-US" dirty="0"/>
+          </a:p>
+          <a:p>
+            <a:r>
+              <a:rPr lang="en-US" dirty="0"/>
+              <a:t>Machine Learning with Python Tutorial (Optional)</a:t>
+            </a:r>
           </a:p>
         </p:txBody>
       </p:sp>
-      <p:pic>
-        <p:nvPicPr>
-          <p:cNvPr id="14" name="Picture 4" descr="File:UMKC logo.png - Wikipedia"/>
-          <p:cNvPicPr>
-            <a:picLocks noChangeAspect="1" noChangeArrowheads="1"/>
-          </p:cNvPicPr>
-          <p:nvPr/>
-        </p:nvPicPr>
-        <p:blipFill>
-          <a:blip r:embed="rId3" cstate="print">
+      <p:sp>
+        <p:nvSpPr>
+          <p:cNvPr id="8" name="TextBox 7">
             <a:extLst>
-              <a:ext uri="{28A0092B-C50C-407E-A947-70E740481C1C}">
-                <a14:useLocalDpi xmlns:a14="http://schemas.microsoft.com/office/drawing/2010/main" val="0"/>
+              <a:ext uri="{FF2B5EF4-FFF2-40B4-BE49-F238E27FC236}">
+                <a16:creationId xmlns:a16="http://schemas.microsoft.com/office/drawing/2014/main" id="{C7F910D6-5D5C-424B-BE21-E59B9B3E45A4}"/>
               </a:ext>
             </a:extLst>
-          </a:blip>
-          <a:srcRect/>
-          <a:stretch>
-            <a:fillRect/>
-          </a:stretch>
-        </p:blipFill>
-        <p:spPr bwMode="auto">
+          </p:cNvPr>
+          <p:cNvSpPr txBox="1"/>
+          <p:nvPr/>
+        </p:nvSpPr>
+        <p:spPr>
           <a:xfrm>
-            <a:off x="10741981" y="6132824"/>
-            <a:ext cx="1293518" cy="571124"/>
+            <a:off x="838200" y="4188122"/>
+            <a:ext cx="9159240" cy="461665"/>
           </a:xfrm>
           <a:prstGeom prst="rect">
             <a:avLst/>
           </a:prstGeom>
           <a:noFill/>
-          <a:extLst>
-            <a:ext uri="{909E8E84-426E-40DD-AFC4-6F175D3DCCD1}">
-              <a14:hiddenFill xmlns:a14="http://schemas.microsoft.com/office/drawing/2010/main">
-                <a:solidFill>
-                  <a:srgbClr val="FFFFFF"/>
-                </a:solidFill>
-              </a14:hiddenFill>
-            </a:ext>
-          </a:extLst>
         </p:spPr>
-      </p:pic>
-      <p:pic>
-        <p:nvPicPr>
-          <p:cNvPr id="4" name="Picture 3"/>
-          <p:cNvPicPr>
-            <a:picLocks noChangeAspect="1"/>
-          </p:cNvPicPr>
-          <p:nvPr/>
-        </p:nvPicPr>
-        <p:blipFill>
-          <a:blip r:embed="rId4"/>
-          <a:stretch>
-            <a:fillRect/>
-          </a:stretch>
-        </p:blipFill>
-        <p:spPr>
-          <a:xfrm>
-            <a:off x="1848312" y="2227314"/>
-            <a:ext cx="3854398" cy="4522279"/>
-          </a:xfrm>
-          <a:prstGeom prst="rect">
-            <a:avLst/>
-          </a:prstGeom>
-        </p:spPr>
-      </p:pic>
-      <p:pic>
-        <p:nvPicPr>
-          <p:cNvPr id="5" name="Picture 4"/>
-          <p:cNvPicPr>
-            <a:picLocks noChangeAspect="1"/>
-          </p:cNvPicPr>
-          <p:nvPr/>
-        </p:nvPicPr>
-        <p:blipFill>
-          <a:blip r:embed="rId5"/>
-          <a:stretch>
-            <a:fillRect/>
-          </a:stretch>
-        </p:blipFill>
-        <p:spPr>
-          <a:xfrm>
-            <a:off x="6227814" y="2241755"/>
-            <a:ext cx="3774165" cy="4458929"/>
-          </a:xfrm>
-          <a:prstGeom prst="rect">
-            <a:avLst/>
-          </a:prstGeom>
-        </p:spPr>
-      </p:pic>
+        <p:txBody>
+          <a:bodyPr wrap="square">
+            <a:spAutoFit/>
+          </a:bodyPr>
+          <a:lstStyle/>
+          <a:p>
+            <a:r>
+              <a:rPr lang="en-US" sz="2400" dirty="0"/>
+              <a:t>https://tianzheng4.github.io/</a:t>
+            </a:r>
+            <a:r>
+              <a:rPr lang="en-US" sz="2400" dirty="0" err="1"/>
+              <a:t>umkc</a:t>
+            </a:r>
+            <a:r>
+              <a:rPr lang="en-US" sz="2400" dirty="0"/>
+              <a:t>-teaching/2023-fall-teaching-1/</a:t>
+            </a:r>
+          </a:p>
+        </p:txBody>
+      </p:sp>
     </p:spTree>
     <p:extLst>
       <p:ext uri="{BB962C8B-B14F-4D97-AF65-F5344CB8AC3E}">
-        <p14:creationId xmlns:p14="http://schemas.microsoft.com/office/powerpoint/2010/main" val="2722821320"/>
+        <p14:creationId xmlns:p14="http://schemas.microsoft.com/office/powerpoint/2010/main" val="1327267736"/>
       </p:ext>
     </p:extLst>
   </p:cSld>

--- a/_umkc-teaching/slides/Lecture1 - Introduction.pptx
+++ b/_umkc-teaching/slides/Lecture1 - Introduction.pptx
@@ -5,7 +5,7 @@
     <p:sldMasterId id="2147483648" r:id="rId1"/>
   </p:sldMasterIdLst>
   <p:notesMasterIdLst>
-    <p:notesMasterId r:id="rId21"/>
+    <p:notesMasterId r:id="rId17"/>
   </p:notesMasterIdLst>
   <p:sldIdLst>
     <p:sldId id="257" r:id="rId2"/>
@@ -17,16 +17,12 @@
     <p:sldId id="264" r:id="rId8"/>
     <p:sldId id="265" r:id="rId9"/>
     <p:sldId id="280" r:id="rId10"/>
-    <p:sldId id="268" r:id="rId11"/>
-    <p:sldId id="270" r:id="rId12"/>
-    <p:sldId id="272" r:id="rId13"/>
-    <p:sldId id="273" r:id="rId14"/>
-    <p:sldId id="277" r:id="rId15"/>
-    <p:sldId id="274" r:id="rId16"/>
-    <p:sldId id="276" r:id="rId17"/>
-    <p:sldId id="275" r:id="rId18"/>
-    <p:sldId id="278" r:id="rId19"/>
-    <p:sldId id="279" r:id="rId20"/>
+    <p:sldId id="285" r:id="rId11"/>
+    <p:sldId id="287" r:id="rId12"/>
+    <p:sldId id="286" r:id="rId13"/>
+    <p:sldId id="268" r:id="rId14"/>
+    <p:sldId id="278" r:id="rId15"/>
+    <p:sldId id="279" r:id="rId16"/>
   </p:sldIdLst>
   <p:sldSz cx="12192000" cy="6858000"/>
   <p:notesSz cx="6858000" cy="9144000"/>
@@ -526,804 +522,6 @@
           <a:bodyPr/>
           <a:lstStyle/>
           <a:p>
-            <a:pPr marL="12700" marR="5080">
-              <a:lnSpc>
-                <a:spcPct val="100000"/>
-              </a:lnSpc>
-              <a:spcBef>
-                <a:spcPts val="95"/>
-              </a:spcBef>
-            </a:pPr>
-            <a:r>
-              <a:rPr lang="en-US" sz="1200" spc="-5" dirty="0">
-                <a:latin typeface="Microsoft Sans Serif"/>
-                <a:cs typeface="Microsoft Sans Serif"/>
-              </a:rPr>
-              <a:t>Example:</a:t>
-            </a:r>
-            <a:r>
-              <a:rPr lang="en-US" sz="1200" spc="70" dirty="0">
-                <a:latin typeface="Microsoft Sans Serif"/>
-                <a:cs typeface="Microsoft Sans Serif"/>
-              </a:rPr>
-              <a:t> </a:t>
-            </a:r>
-            <a:r>
-              <a:rPr lang="en-US" sz="1200" spc="-5" dirty="0">
-                <a:latin typeface="Microsoft Sans Serif"/>
-                <a:cs typeface="Microsoft Sans Serif"/>
-              </a:rPr>
-              <a:t>Game</a:t>
-            </a:r>
-            <a:r>
-              <a:rPr lang="en-US" sz="1200" dirty="0">
-                <a:latin typeface="Microsoft Sans Serif"/>
-                <a:cs typeface="Microsoft Sans Serif"/>
-              </a:rPr>
-              <a:t> </a:t>
-            </a:r>
-            <a:r>
-              <a:rPr lang="en-US" sz="1200" spc="-10" dirty="0">
-                <a:latin typeface="Microsoft Sans Serif"/>
-                <a:cs typeface="Microsoft Sans Serif"/>
-              </a:rPr>
-              <a:t>playing.</a:t>
-            </a:r>
-            <a:r>
-              <a:rPr lang="en-US" sz="1200" spc="75" dirty="0">
-                <a:latin typeface="Microsoft Sans Serif"/>
-                <a:cs typeface="Microsoft Sans Serif"/>
-              </a:rPr>
-              <a:t> </a:t>
-            </a:r>
-            <a:r>
-              <a:rPr lang="en-US" sz="1200" spc="-5" dirty="0">
-                <a:latin typeface="Microsoft Sans Serif"/>
-                <a:cs typeface="Microsoft Sans Serif"/>
-              </a:rPr>
-              <a:t>There</a:t>
-            </a:r>
-            <a:r>
-              <a:rPr lang="en-US" sz="1200" dirty="0">
-                <a:latin typeface="Microsoft Sans Serif"/>
-                <a:cs typeface="Microsoft Sans Serif"/>
-              </a:rPr>
-              <a:t> </a:t>
-            </a:r>
-            <a:r>
-              <a:rPr lang="en-US" sz="1200" spc="-5" dirty="0">
-                <a:latin typeface="Microsoft Sans Serif"/>
-                <a:cs typeface="Microsoft Sans Serif"/>
-              </a:rPr>
-              <a:t>is</a:t>
-            </a:r>
-            <a:r>
-              <a:rPr lang="en-US" sz="1200" spc="5" dirty="0">
-                <a:latin typeface="Microsoft Sans Serif"/>
-                <a:cs typeface="Microsoft Sans Serif"/>
-              </a:rPr>
-              <a:t> </a:t>
-            </a:r>
-            <a:r>
-              <a:rPr lang="en-US" sz="1200" spc="-5" dirty="0">
-                <a:latin typeface="Microsoft Sans Serif"/>
-                <a:cs typeface="Microsoft Sans Serif"/>
-              </a:rPr>
-              <a:t>one</a:t>
-            </a:r>
-            <a:r>
-              <a:rPr lang="en-US" sz="1200" dirty="0">
-                <a:latin typeface="Microsoft Sans Serif"/>
-                <a:cs typeface="Microsoft Sans Serif"/>
-              </a:rPr>
-              <a:t> </a:t>
-            </a:r>
-            <a:r>
-              <a:rPr lang="en-US" sz="1200" spc="-10" dirty="0">
-                <a:latin typeface="Microsoft Sans Serif"/>
-                <a:cs typeface="Microsoft Sans Serif"/>
-              </a:rPr>
-              <a:t>reward</a:t>
-            </a:r>
-            <a:r>
-              <a:rPr lang="en-US" sz="1200" spc="5" dirty="0">
-                <a:latin typeface="Microsoft Sans Serif"/>
-                <a:cs typeface="Microsoft Sans Serif"/>
-              </a:rPr>
-              <a:t> </a:t>
-            </a:r>
-            <a:r>
-              <a:rPr lang="en-US" sz="1200" spc="-5" dirty="0">
-                <a:latin typeface="Microsoft Sans Serif"/>
-                <a:cs typeface="Microsoft Sans Serif"/>
-              </a:rPr>
-              <a:t>at</a:t>
-            </a:r>
-            <a:r>
-              <a:rPr lang="en-US" sz="1200" dirty="0">
-                <a:latin typeface="Microsoft Sans Serif"/>
-                <a:cs typeface="Microsoft Sans Serif"/>
-              </a:rPr>
-              <a:t> </a:t>
-            </a:r>
-            <a:r>
-              <a:rPr lang="en-US" sz="1200" spc="-5" dirty="0">
-                <a:latin typeface="Microsoft Sans Serif"/>
-                <a:cs typeface="Microsoft Sans Serif"/>
-              </a:rPr>
-              <a:t>the</a:t>
-            </a:r>
-            <a:r>
-              <a:rPr lang="en-US" sz="1200" dirty="0">
-                <a:latin typeface="Microsoft Sans Serif"/>
-                <a:cs typeface="Microsoft Sans Serif"/>
-              </a:rPr>
-              <a:t> </a:t>
-            </a:r>
-            <a:r>
-              <a:rPr lang="en-US" sz="1200" spc="-5" dirty="0">
-                <a:latin typeface="Microsoft Sans Serif"/>
-                <a:cs typeface="Microsoft Sans Serif"/>
-              </a:rPr>
-              <a:t>end</a:t>
-            </a:r>
-            <a:r>
-              <a:rPr lang="en-US" sz="1200" spc="5" dirty="0">
-                <a:latin typeface="Microsoft Sans Serif"/>
-                <a:cs typeface="Microsoft Sans Serif"/>
-              </a:rPr>
-              <a:t> </a:t>
-            </a:r>
-            <a:r>
-              <a:rPr lang="en-US" sz="1200" spc="-5" dirty="0">
-                <a:latin typeface="Microsoft Sans Serif"/>
-                <a:cs typeface="Microsoft Sans Serif"/>
-              </a:rPr>
-              <a:t>of </a:t>
-            </a:r>
-            <a:r>
-              <a:rPr lang="en-US" sz="1200" spc="-250" dirty="0">
-                <a:latin typeface="Microsoft Sans Serif"/>
-                <a:cs typeface="Microsoft Sans Serif"/>
-              </a:rPr>
-              <a:t> </a:t>
-            </a:r>
-            <a:r>
-              <a:rPr lang="en-US" sz="1200" spc="-5" dirty="0">
-                <a:latin typeface="Microsoft Sans Serif"/>
-                <a:cs typeface="Microsoft Sans Serif"/>
-              </a:rPr>
-              <a:t>the</a:t>
-            </a:r>
-            <a:r>
-              <a:rPr lang="en-US" sz="1200" spc="10" dirty="0">
-                <a:latin typeface="Microsoft Sans Serif"/>
-                <a:cs typeface="Microsoft Sans Serif"/>
-              </a:rPr>
-              <a:t> </a:t>
-            </a:r>
-            <a:r>
-              <a:rPr lang="en-US" sz="1200" spc="-5" dirty="0">
-                <a:latin typeface="Microsoft Sans Serif"/>
-                <a:cs typeface="Microsoft Sans Serif"/>
-              </a:rPr>
-              <a:t>game</a:t>
-            </a:r>
-            <a:r>
-              <a:rPr lang="en-US" sz="1200" spc="10" dirty="0">
-                <a:latin typeface="Microsoft Sans Serif"/>
-                <a:cs typeface="Microsoft Sans Serif"/>
-              </a:rPr>
-              <a:t> </a:t>
-            </a:r>
-            <a:r>
-              <a:rPr lang="en-US" sz="1200" spc="-10" dirty="0">
-                <a:latin typeface="Microsoft Sans Serif"/>
-                <a:cs typeface="Microsoft Sans Serif"/>
-              </a:rPr>
-              <a:t>(negative</a:t>
-            </a:r>
-            <a:r>
-              <a:rPr lang="en-US" sz="1200" spc="10" dirty="0">
-                <a:latin typeface="Microsoft Sans Serif"/>
-                <a:cs typeface="Microsoft Sans Serif"/>
-              </a:rPr>
-              <a:t> </a:t>
-            </a:r>
-            <a:r>
-              <a:rPr lang="en-US" sz="1200" spc="-5" dirty="0">
-                <a:latin typeface="Microsoft Sans Serif"/>
-                <a:cs typeface="Microsoft Sans Serif"/>
-              </a:rPr>
-              <a:t>or</a:t>
-            </a:r>
-            <a:r>
-              <a:rPr lang="en-US" sz="1200" spc="10" dirty="0">
-                <a:latin typeface="Microsoft Sans Serif"/>
-                <a:cs typeface="Microsoft Sans Serif"/>
-              </a:rPr>
-              <a:t> </a:t>
-            </a:r>
-            <a:r>
-              <a:rPr lang="en-US" sz="1200" spc="-10" dirty="0">
-                <a:latin typeface="Microsoft Sans Serif"/>
-                <a:cs typeface="Microsoft Sans Serif"/>
-              </a:rPr>
-              <a:t>positive).</a:t>
-            </a:r>
-            <a:endParaRPr lang="en-US" sz="1200" dirty="0">
-              <a:latin typeface="Microsoft Sans Serif"/>
-              <a:cs typeface="Microsoft Sans Serif"/>
-            </a:endParaRPr>
-          </a:p>
-          <a:p>
-            <a:pPr marL="12700" marR="81280">
-              <a:lnSpc>
-                <a:spcPct val="100000"/>
-              </a:lnSpc>
-              <a:spcBef>
-                <a:spcPts val="290"/>
-              </a:spcBef>
-            </a:pPr>
-            <a:r>
-              <a:rPr lang="en-US" sz="1200" spc="-5" dirty="0">
-                <a:latin typeface="Microsoft Sans Serif"/>
-                <a:cs typeface="Microsoft Sans Serif"/>
-              </a:rPr>
-              <a:t>Find</a:t>
-            </a:r>
-            <a:r>
-              <a:rPr lang="en-US" sz="1200" spc="10" dirty="0">
-                <a:latin typeface="Microsoft Sans Serif"/>
-                <a:cs typeface="Microsoft Sans Serif"/>
-              </a:rPr>
-              <a:t> </a:t>
-            </a:r>
-            <a:r>
-              <a:rPr lang="en-US" sz="1200" spc="-10" dirty="0">
-                <a:latin typeface="Microsoft Sans Serif"/>
-                <a:cs typeface="Microsoft Sans Serif"/>
-              </a:rPr>
-              <a:t>suitable</a:t>
-            </a:r>
-            <a:r>
-              <a:rPr lang="en-US" sz="1200" spc="10" dirty="0">
-                <a:latin typeface="Microsoft Sans Serif"/>
-                <a:cs typeface="Microsoft Sans Serif"/>
-              </a:rPr>
-              <a:t> </a:t>
-            </a:r>
-            <a:r>
-              <a:rPr lang="en-US" sz="1200" spc="-5" dirty="0">
-                <a:latin typeface="Microsoft Sans Serif"/>
-                <a:cs typeface="Microsoft Sans Serif"/>
-              </a:rPr>
-              <a:t>actions</a:t>
-            </a:r>
-            <a:r>
-              <a:rPr lang="en-US" sz="1200" spc="10" dirty="0">
-                <a:latin typeface="Microsoft Sans Serif"/>
-                <a:cs typeface="Microsoft Sans Serif"/>
-              </a:rPr>
-              <a:t> </a:t>
-            </a:r>
-            <a:r>
-              <a:rPr lang="en-US" sz="1200" spc="-5" dirty="0">
-                <a:latin typeface="Microsoft Sans Serif"/>
-                <a:cs typeface="Microsoft Sans Serif"/>
-              </a:rPr>
-              <a:t>in</a:t>
-            </a:r>
-            <a:r>
-              <a:rPr lang="en-US" sz="1200" spc="10" dirty="0">
-                <a:latin typeface="Microsoft Sans Serif"/>
-                <a:cs typeface="Microsoft Sans Serif"/>
-              </a:rPr>
-              <a:t> </a:t>
-            </a:r>
-            <a:r>
-              <a:rPr lang="en-US" sz="1200" spc="-5" dirty="0">
-                <a:latin typeface="Microsoft Sans Serif"/>
-                <a:cs typeface="Microsoft Sans Serif"/>
-              </a:rPr>
-              <a:t>a</a:t>
-            </a:r>
-            <a:r>
-              <a:rPr lang="en-US" sz="1200" spc="10" dirty="0">
-                <a:latin typeface="Microsoft Sans Serif"/>
-                <a:cs typeface="Microsoft Sans Serif"/>
-              </a:rPr>
-              <a:t> </a:t>
-            </a:r>
-            <a:r>
-              <a:rPr lang="en-US" sz="1200" spc="-10" dirty="0">
-                <a:latin typeface="Microsoft Sans Serif"/>
-                <a:cs typeface="Microsoft Sans Serif"/>
-              </a:rPr>
-              <a:t>given</a:t>
-            </a:r>
-            <a:r>
-              <a:rPr lang="en-US" sz="1200" spc="10" dirty="0">
-                <a:latin typeface="Microsoft Sans Serif"/>
-                <a:cs typeface="Microsoft Sans Serif"/>
-              </a:rPr>
-              <a:t> </a:t>
-            </a:r>
-            <a:r>
-              <a:rPr lang="en-US" sz="1200" spc="-5" dirty="0">
-                <a:latin typeface="Microsoft Sans Serif"/>
-                <a:cs typeface="Microsoft Sans Serif"/>
-              </a:rPr>
-              <a:t>environment</a:t>
-            </a:r>
-            <a:r>
-              <a:rPr lang="en-US" sz="1200" spc="10" dirty="0">
-                <a:latin typeface="Microsoft Sans Serif"/>
-                <a:cs typeface="Microsoft Sans Serif"/>
-              </a:rPr>
-              <a:t> </a:t>
-            </a:r>
-            <a:r>
-              <a:rPr lang="en-US" sz="1200" spc="-5" dirty="0">
-                <a:latin typeface="Microsoft Sans Serif"/>
-                <a:cs typeface="Microsoft Sans Serif"/>
-              </a:rPr>
-              <a:t>with</a:t>
-            </a:r>
-            <a:r>
-              <a:rPr lang="en-US" sz="1200" spc="10" dirty="0">
-                <a:latin typeface="Microsoft Sans Serif"/>
-                <a:cs typeface="Microsoft Sans Serif"/>
-              </a:rPr>
-              <a:t> </a:t>
-            </a:r>
-            <a:r>
-              <a:rPr lang="en-US" sz="1200" spc="-5" dirty="0">
-                <a:latin typeface="Microsoft Sans Serif"/>
-                <a:cs typeface="Microsoft Sans Serif"/>
-              </a:rPr>
-              <a:t>the</a:t>
-            </a:r>
-            <a:r>
-              <a:rPr lang="en-US" sz="1200" spc="10" dirty="0">
-                <a:latin typeface="Microsoft Sans Serif"/>
-                <a:cs typeface="Microsoft Sans Serif"/>
-              </a:rPr>
-              <a:t> </a:t>
-            </a:r>
-            <a:r>
-              <a:rPr lang="en-US" sz="1200" spc="-5" dirty="0">
-                <a:latin typeface="Microsoft Sans Serif"/>
-                <a:cs typeface="Microsoft Sans Serif"/>
-              </a:rPr>
-              <a:t>goal </a:t>
-            </a:r>
-            <a:r>
-              <a:rPr lang="en-US" sz="1200" spc="-250" dirty="0">
-                <a:latin typeface="Microsoft Sans Serif"/>
-                <a:cs typeface="Microsoft Sans Serif"/>
-              </a:rPr>
-              <a:t> </a:t>
-            </a:r>
-            <a:r>
-              <a:rPr lang="en-US" sz="1200" spc="-5" dirty="0">
-                <a:latin typeface="Microsoft Sans Serif"/>
-                <a:cs typeface="Microsoft Sans Serif"/>
-              </a:rPr>
-              <a:t>of</a:t>
-            </a:r>
-            <a:r>
-              <a:rPr lang="en-US" sz="1200" spc="5" dirty="0">
-                <a:latin typeface="Microsoft Sans Serif"/>
-                <a:cs typeface="Microsoft Sans Serif"/>
-              </a:rPr>
-              <a:t> </a:t>
-            </a:r>
-            <a:r>
-              <a:rPr lang="en-US" sz="1200" spc="-5" dirty="0">
-                <a:latin typeface="Microsoft Sans Serif"/>
-                <a:cs typeface="Microsoft Sans Serif"/>
-              </a:rPr>
-              <a:t>maximizing</a:t>
-            </a:r>
-            <a:r>
-              <a:rPr lang="en-US" sz="1200" spc="10" dirty="0">
-                <a:latin typeface="Microsoft Sans Serif"/>
-                <a:cs typeface="Microsoft Sans Serif"/>
-              </a:rPr>
-              <a:t> </a:t>
-            </a:r>
-            <a:r>
-              <a:rPr lang="en-US" sz="1200" spc="-5" dirty="0">
-                <a:latin typeface="Microsoft Sans Serif"/>
-                <a:cs typeface="Microsoft Sans Serif"/>
-              </a:rPr>
-              <a:t>some</a:t>
-            </a:r>
-            <a:r>
-              <a:rPr lang="en-US" sz="1200" spc="10" dirty="0">
-                <a:latin typeface="Microsoft Sans Serif"/>
-                <a:cs typeface="Microsoft Sans Serif"/>
-              </a:rPr>
-              <a:t> </a:t>
-            </a:r>
-            <a:r>
-              <a:rPr lang="en-US" sz="1200" spc="-10" dirty="0">
-                <a:latin typeface="Microsoft Sans Serif"/>
-                <a:cs typeface="Microsoft Sans Serif"/>
-              </a:rPr>
-              <a:t>reward.</a:t>
-            </a:r>
-            <a:endParaRPr lang="en-US" sz="1200" dirty="0">
-              <a:latin typeface="Microsoft Sans Serif"/>
-              <a:cs typeface="Microsoft Sans Serif"/>
-            </a:endParaRPr>
-          </a:p>
-          <a:p>
-            <a:pPr marL="12700" marR="791845">
-              <a:lnSpc>
-                <a:spcPts val="1490"/>
-              </a:lnSpc>
-              <a:spcBef>
-                <a:spcPts val="100"/>
-              </a:spcBef>
-            </a:pPr>
-            <a:r>
-              <a:rPr lang="en-US" sz="1200" spc="-5" dirty="0">
-                <a:latin typeface="Microsoft Sans Serif"/>
-                <a:cs typeface="Microsoft Sans Serif"/>
-              </a:rPr>
-              <a:t>correct</a:t>
-            </a:r>
-            <a:r>
-              <a:rPr lang="en-US" sz="1200" spc="10" dirty="0">
-                <a:latin typeface="Microsoft Sans Serif"/>
-                <a:cs typeface="Microsoft Sans Serif"/>
-              </a:rPr>
-              <a:t> </a:t>
-            </a:r>
-            <a:r>
-              <a:rPr lang="en-US" sz="1200" spc="-5" dirty="0">
-                <a:latin typeface="Microsoft Sans Serif"/>
-                <a:cs typeface="Microsoft Sans Serif"/>
-              </a:rPr>
-              <a:t>input/output</a:t>
-            </a:r>
-            <a:r>
-              <a:rPr lang="en-US" sz="1200" spc="10" dirty="0">
-                <a:latin typeface="Microsoft Sans Serif"/>
-                <a:cs typeface="Microsoft Sans Serif"/>
-              </a:rPr>
-              <a:t> </a:t>
-            </a:r>
-            <a:r>
-              <a:rPr lang="en-US" sz="1200" spc="-5" dirty="0">
-                <a:latin typeface="Microsoft Sans Serif"/>
-                <a:cs typeface="Microsoft Sans Serif"/>
-              </a:rPr>
-              <a:t>pairs</a:t>
-            </a:r>
-            <a:r>
-              <a:rPr lang="en-US" sz="1200" spc="10" dirty="0">
-                <a:latin typeface="Microsoft Sans Serif"/>
-                <a:cs typeface="Microsoft Sans Serif"/>
-              </a:rPr>
-              <a:t> </a:t>
-            </a:r>
-            <a:r>
-              <a:rPr lang="en-US" sz="1200" spc="-15" dirty="0">
-                <a:latin typeface="Microsoft Sans Serif"/>
-                <a:cs typeface="Microsoft Sans Serif"/>
-              </a:rPr>
-              <a:t>never</a:t>
-            </a:r>
-            <a:r>
-              <a:rPr lang="en-US" sz="1200" spc="10" dirty="0">
-                <a:latin typeface="Microsoft Sans Serif"/>
-                <a:cs typeface="Microsoft Sans Serif"/>
-              </a:rPr>
-              <a:t> </a:t>
-            </a:r>
-            <a:r>
-              <a:rPr lang="en-US" sz="1200" spc="-5" dirty="0">
-                <a:latin typeface="Microsoft Sans Serif"/>
-                <a:cs typeface="Microsoft Sans Serif"/>
-              </a:rPr>
-              <a:t>presented </a:t>
-            </a:r>
-            <a:r>
-              <a:rPr lang="en-US" sz="1200" dirty="0">
-                <a:latin typeface="Microsoft Sans Serif"/>
-                <a:cs typeface="Microsoft Sans Serif"/>
-              </a:rPr>
-              <a:t> </a:t>
-            </a:r>
-            <a:r>
-              <a:rPr lang="en-US" sz="1200" spc="-10" dirty="0">
-                <a:latin typeface="Microsoft Sans Serif"/>
-                <a:cs typeface="Microsoft Sans Serif"/>
-              </a:rPr>
-              <a:t>Reward</a:t>
-            </a:r>
-            <a:r>
-              <a:rPr lang="en-US" sz="1200" spc="5" dirty="0">
-                <a:latin typeface="Microsoft Sans Serif"/>
-                <a:cs typeface="Microsoft Sans Serif"/>
-              </a:rPr>
-              <a:t> </a:t>
-            </a:r>
-            <a:r>
-              <a:rPr lang="en-US" sz="1200" spc="-5" dirty="0">
-                <a:latin typeface="Microsoft Sans Serif"/>
-                <a:cs typeface="Microsoft Sans Serif"/>
-              </a:rPr>
-              <a:t>might</a:t>
-            </a:r>
-            <a:r>
-              <a:rPr lang="en-US" sz="1200" spc="5" dirty="0">
-                <a:latin typeface="Microsoft Sans Serif"/>
-                <a:cs typeface="Microsoft Sans Serif"/>
-              </a:rPr>
-              <a:t> </a:t>
-            </a:r>
-            <a:r>
-              <a:rPr lang="en-US" sz="1200" spc="-5" dirty="0">
-                <a:latin typeface="Microsoft Sans Serif"/>
-                <a:cs typeface="Microsoft Sans Serif"/>
-              </a:rPr>
-              <a:t>only</a:t>
-            </a:r>
-            <a:r>
-              <a:rPr lang="en-US" sz="1200" spc="5" dirty="0">
-                <a:latin typeface="Microsoft Sans Serif"/>
-                <a:cs typeface="Microsoft Sans Serif"/>
-              </a:rPr>
-              <a:t> </a:t>
-            </a:r>
-            <a:r>
-              <a:rPr lang="en-US" sz="1200" spc="-5" dirty="0">
-                <a:latin typeface="Microsoft Sans Serif"/>
-                <a:cs typeface="Microsoft Sans Serif"/>
-              </a:rPr>
-              <a:t>come</a:t>
-            </a:r>
-            <a:r>
-              <a:rPr lang="en-US" sz="1200" spc="10" dirty="0">
-                <a:latin typeface="Microsoft Sans Serif"/>
-                <a:cs typeface="Microsoft Sans Serif"/>
-              </a:rPr>
-              <a:t> </a:t>
-            </a:r>
-            <a:r>
-              <a:rPr lang="en-US" sz="1200" spc="-5" dirty="0">
-                <a:latin typeface="Microsoft Sans Serif"/>
-                <a:cs typeface="Microsoft Sans Serif"/>
-              </a:rPr>
-              <a:t>after</a:t>
-            </a:r>
-            <a:r>
-              <a:rPr lang="en-US" sz="1200" spc="5" dirty="0">
-                <a:latin typeface="Microsoft Sans Serif"/>
-                <a:cs typeface="Microsoft Sans Serif"/>
-              </a:rPr>
-              <a:t> </a:t>
-            </a:r>
-            <a:r>
-              <a:rPr lang="en-US" sz="1200" spc="-10" dirty="0">
-                <a:latin typeface="Microsoft Sans Serif"/>
-                <a:cs typeface="Microsoft Sans Serif"/>
-              </a:rPr>
-              <a:t>many</a:t>
-            </a:r>
-            <a:r>
-              <a:rPr lang="en-US" sz="1200" spc="5" dirty="0">
-                <a:latin typeface="Microsoft Sans Serif"/>
-                <a:cs typeface="Microsoft Sans Serif"/>
-              </a:rPr>
-              <a:t> </a:t>
-            </a:r>
-            <a:r>
-              <a:rPr lang="en-US" sz="1200" spc="-5" dirty="0">
-                <a:latin typeface="Microsoft Sans Serif"/>
-                <a:cs typeface="Microsoft Sans Serif"/>
-              </a:rPr>
-              <a:t>actions.</a:t>
-            </a:r>
-            <a:endParaRPr lang="en-US" sz="1200" dirty="0">
-              <a:latin typeface="Microsoft Sans Serif"/>
-              <a:cs typeface="Microsoft Sans Serif"/>
-            </a:endParaRPr>
-          </a:p>
-          <a:p>
-            <a:pPr marL="12700" marR="102235">
-              <a:lnSpc>
-                <a:spcPct val="100000"/>
-              </a:lnSpc>
-              <a:spcBef>
-                <a:spcPts val="200"/>
-              </a:spcBef>
-            </a:pPr>
-            <a:r>
-              <a:rPr lang="en-US" sz="1200" spc="-5" dirty="0">
-                <a:latin typeface="Microsoft Sans Serif"/>
-                <a:cs typeface="Microsoft Sans Serif"/>
-              </a:rPr>
-              <a:t>Current</a:t>
-            </a:r>
-            <a:r>
-              <a:rPr lang="en-US" sz="1200" spc="10" dirty="0">
-                <a:latin typeface="Microsoft Sans Serif"/>
-                <a:cs typeface="Microsoft Sans Serif"/>
-              </a:rPr>
-              <a:t> </a:t>
-            </a:r>
-            <a:r>
-              <a:rPr lang="en-US" sz="1200" spc="-5" dirty="0">
-                <a:latin typeface="Microsoft Sans Serif"/>
-                <a:cs typeface="Microsoft Sans Serif"/>
-              </a:rPr>
-              <a:t>action</a:t>
-            </a:r>
-            <a:r>
-              <a:rPr lang="en-US" sz="1200" spc="15" dirty="0">
-                <a:latin typeface="Microsoft Sans Serif"/>
-                <a:cs typeface="Microsoft Sans Serif"/>
-              </a:rPr>
-              <a:t> </a:t>
-            </a:r>
-            <a:r>
-              <a:rPr lang="en-US" sz="1200" spc="-15" dirty="0">
-                <a:latin typeface="Microsoft Sans Serif"/>
-                <a:cs typeface="Microsoft Sans Serif"/>
-              </a:rPr>
-              <a:t>may</a:t>
-            </a:r>
-            <a:r>
-              <a:rPr lang="en-US" sz="1200" spc="15" dirty="0">
-                <a:latin typeface="Microsoft Sans Serif"/>
-                <a:cs typeface="Microsoft Sans Serif"/>
-              </a:rPr>
-              <a:t> </a:t>
-            </a:r>
-            <a:r>
-              <a:rPr lang="en-US" sz="1200" spc="-5" dirty="0">
-                <a:latin typeface="Microsoft Sans Serif"/>
-                <a:cs typeface="Microsoft Sans Serif"/>
-              </a:rPr>
-              <a:t>not</a:t>
-            </a:r>
-            <a:r>
-              <a:rPr lang="en-US" sz="1200" spc="15" dirty="0">
-                <a:latin typeface="Microsoft Sans Serif"/>
-                <a:cs typeface="Microsoft Sans Serif"/>
-              </a:rPr>
-              <a:t> </a:t>
-            </a:r>
-            <a:r>
-              <a:rPr lang="en-US" sz="1200" spc="-5" dirty="0">
-                <a:latin typeface="Microsoft Sans Serif"/>
-                <a:cs typeface="Microsoft Sans Serif"/>
-              </a:rPr>
-              <a:t>only</a:t>
-            </a:r>
-            <a:r>
-              <a:rPr lang="en-US" sz="1200" spc="10" dirty="0">
-                <a:latin typeface="Microsoft Sans Serif"/>
-                <a:cs typeface="Microsoft Sans Serif"/>
-              </a:rPr>
-              <a:t> </a:t>
-            </a:r>
-            <a:r>
-              <a:rPr lang="en-US" sz="1200" spc="-5" dirty="0">
-                <a:latin typeface="Microsoft Sans Serif"/>
-                <a:cs typeface="Microsoft Sans Serif"/>
-              </a:rPr>
-              <a:t>influence</a:t>
-            </a:r>
-            <a:r>
-              <a:rPr lang="en-US" sz="1200" spc="15" dirty="0">
-                <a:latin typeface="Microsoft Sans Serif"/>
-                <a:cs typeface="Microsoft Sans Serif"/>
-              </a:rPr>
-              <a:t> </a:t>
-            </a:r>
-            <a:r>
-              <a:rPr lang="en-US" sz="1200" spc="-5" dirty="0">
-                <a:latin typeface="Microsoft Sans Serif"/>
-                <a:cs typeface="Microsoft Sans Serif"/>
-              </a:rPr>
-              <a:t>the</a:t>
-            </a:r>
-            <a:r>
-              <a:rPr lang="en-US" sz="1200" spc="15" dirty="0">
-                <a:latin typeface="Microsoft Sans Serif"/>
-                <a:cs typeface="Microsoft Sans Serif"/>
-              </a:rPr>
-              <a:t> </a:t>
-            </a:r>
-            <a:r>
-              <a:rPr lang="en-US" sz="1200" spc="-5" dirty="0">
-                <a:latin typeface="Microsoft Sans Serif"/>
-                <a:cs typeface="Microsoft Sans Serif"/>
-              </a:rPr>
-              <a:t>current</a:t>
-            </a:r>
-            <a:r>
-              <a:rPr lang="en-US" sz="1200" spc="15" dirty="0">
-                <a:latin typeface="Microsoft Sans Serif"/>
-                <a:cs typeface="Microsoft Sans Serif"/>
-              </a:rPr>
-              <a:t> </a:t>
-            </a:r>
-            <a:r>
-              <a:rPr lang="en-US" sz="1200" spc="-10" dirty="0">
-                <a:latin typeface="Microsoft Sans Serif"/>
-                <a:cs typeface="Microsoft Sans Serif"/>
-              </a:rPr>
-              <a:t>reward, </a:t>
-            </a:r>
-            <a:r>
-              <a:rPr lang="en-US" sz="1200" spc="-250" dirty="0">
-                <a:latin typeface="Microsoft Sans Serif"/>
-                <a:cs typeface="Microsoft Sans Serif"/>
-              </a:rPr>
-              <a:t> </a:t>
-            </a:r>
-            <a:r>
-              <a:rPr lang="en-US" sz="1200" spc="-10" dirty="0">
-                <a:latin typeface="Microsoft Sans Serif"/>
-                <a:cs typeface="Microsoft Sans Serif"/>
-              </a:rPr>
-              <a:t>but</a:t>
-            </a:r>
-            <a:r>
-              <a:rPr lang="en-US" sz="1200" spc="5" dirty="0">
-                <a:latin typeface="Microsoft Sans Serif"/>
-                <a:cs typeface="Microsoft Sans Serif"/>
-              </a:rPr>
-              <a:t> </a:t>
-            </a:r>
-            <a:r>
-              <a:rPr lang="en-US" sz="1200" spc="-5" dirty="0">
-                <a:latin typeface="Microsoft Sans Serif"/>
-                <a:cs typeface="Microsoft Sans Serif"/>
-              </a:rPr>
-              <a:t>future</a:t>
-            </a:r>
-            <a:r>
-              <a:rPr lang="en-US" sz="1200" spc="10" dirty="0">
-                <a:latin typeface="Microsoft Sans Serif"/>
-                <a:cs typeface="Microsoft Sans Serif"/>
-              </a:rPr>
-              <a:t> </a:t>
-            </a:r>
-            <a:r>
-              <a:rPr lang="en-US" sz="1200" spc="-10" dirty="0">
-                <a:latin typeface="Microsoft Sans Serif"/>
-                <a:cs typeface="Microsoft Sans Serif"/>
-              </a:rPr>
-              <a:t>rewards</a:t>
-            </a:r>
-            <a:r>
-              <a:rPr lang="en-US" sz="1200" spc="10" dirty="0">
-                <a:latin typeface="Microsoft Sans Serif"/>
-                <a:cs typeface="Microsoft Sans Serif"/>
-              </a:rPr>
-              <a:t> </a:t>
-            </a:r>
-            <a:r>
-              <a:rPr lang="en-US" sz="1200" spc="-15" dirty="0">
-                <a:latin typeface="Microsoft Sans Serif"/>
-                <a:cs typeface="Microsoft Sans Serif"/>
-              </a:rPr>
-              <a:t>too.</a:t>
-            </a:r>
-            <a:endParaRPr lang="en-US" sz="1200" dirty="0">
-              <a:latin typeface="Microsoft Sans Serif"/>
-              <a:cs typeface="Microsoft Sans Serif"/>
-            </a:endParaRPr>
-          </a:p>
-          <a:p>
             <a:endParaRPr lang="en-US" dirty="0"/>
           </a:p>
         </p:txBody>
@@ -1335,7 +533,7 @@
             <a:spLocks noGrp="1"/>
           </p:cNvSpPr>
           <p:nvPr>
-            <p:ph type="sldNum" sz="quarter" idx="10"/>
+            <p:ph type="sldNum" sz="quarter" idx="5"/>
           </p:nvPr>
         </p:nvSpPr>
         <p:spPr/>
@@ -1345,7 +543,7 @@
           <a:p>
             <a:fld id="{3F8BDF20-BE86-4883-8A23-4CE3D0058BEA}" type="slidenum">
               <a:rPr lang="en-US" smtClean="0"/>
-              <a:t>17</a:t>
+              <a:t>10</a:t>
             </a:fld>
             <a:endParaRPr lang="en-US"/>
           </a:p>
@@ -1354,7 +552,91 @@
     </p:spTree>
     <p:extLst>
       <p:ext uri="{BB962C8B-B14F-4D97-AF65-F5344CB8AC3E}">
-        <p14:creationId xmlns:p14="http://schemas.microsoft.com/office/powerpoint/2010/main" val="369176128"/>
+        <p14:creationId xmlns:p14="http://schemas.microsoft.com/office/powerpoint/2010/main" val="3729883742"/>
+      </p:ext>
+    </p:extLst>
+  </p:cSld>
+  <p:clrMapOvr>
+    <a:masterClrMapping/>
+  </p:clrMapOvr>
+</p:notes>
+</file>
+
+<file path=ppt/notesSlides/notesSlide2.xml><?xml version="1.0" encoding="utf-8"?>
+<p:notes xmlns:a="http://schemas.openxmlformats.org/drawingml/2006/main" xmlns:r="http://schemas.openxmlformats.org/officeDocument/2006/relationships" xmlns:p="http://schemas.openxmlformats.org/presentationml/2006/main">
+  <p:cSld>
+    <p:spTree>
+      <p:nvGrpSpPr>
+        <p:cNvPr id="1" name=""/>
+        <p:cNvGrpSpPr/>
+        <p:nvPr/>
+      </p:nvGrpSpPr>
+      <p:grpSpPr>
+        <a:xfrm>
+          <a:off x="0" y="0"/>
+          <a:ext cx="0" cy="0"/>
+          <a:chOff x="0" y="0"/>
+          <a:chExt cx="0" cy="0"/>
+        </a:xfrm>
+      </p:grpSpPr>
+      <p:sp>
+        <p:nvSpPr>
+          <p:cNvPr id="2" name="Slide Image Placeholder 1"/>
+          <p:cNvSpPr>
+            <a:spLocks noGrp="1" noRot="1" noChangeAspect="1"/>
+          </p:cNvSpPr>
+          <p:nvPr>
+            <p:ph type="sldImg"/>
+          </p:nvPr>
+        </p:nvSpPr>
+        <p:spPr/>
+      </p:sp>
+      <p:sp>
+        <p:nvSpPr>
+          <p:cNvPr id="3" name="Notes Placeholder 2"/>
+          <p:cNvSpPr>
+            <a:spLocks noGrp="1"/>
+          </p:cNvSpPr>
+          <p:nvPr>
+            <p:ph type="body" idx="1"/>
+          </p:nvPr>
+        </p:nvSpPr>
+        <p:spPr/>
+        <p:txBody>
+          <a:bodyPr/>
+          <a:lstStyle/>
+          <a:p>
+            <a:endParaRPr lang="en-US" dirty="0"/>
+          </a:p>
+        </p:txBody>
+      </p:sp>
+      <p:sp>
+        <p:nvSpPr>
+          <p:cNvPr id="4" name="Slide Number Placeholder 3"/>
+          <p:cNvSpPr>
+            <a:spLocks noGrp="1"/>
+          </p:cNvSpPr>
+          <p:nvPr>
+            <p:ph type="sldNum" sz="quarter" idx="5"/>
+          </p:nvPr>
+        </p:nvSpPr>
+        <p:spPr/>
+        <p:txBody>
+          <a:bodyPr/>
+          <a:lstStyle/>
+          <a:p>
+            <a:fld id="{3F8BDF20-BE86-4883-8A23-4CE3D0058BEA}" type="slidenum">
+              <a:rPr lang="en-US" smtClean="0"/>
+              <a:t>12</a:t>
+            </a:fld>
+            <a:endParaRPr lang="en-US"/>
+          </a:p>
+        </p:txBody>
+      </p:sp>
+    </p:spTree>
+    <p:extLst>
+      <p:ext uri="{BB962C8B-B14F-4D97-AF65-F5344CB8AC3E}">
+        <p14:creationId xmlns:p14="http://schemas.microsoft.com/office/powerpoint/2010/main" val="27400421"/>
       </p:ext>
     </p:extLst>
   </p:cSld>
@@ -4485,283 +3767,975 @@
           </a:xfrm>
         </p:spPr>
         <p:txBody>
-          <a:bodyPr/>
-          <a:lstStyle/>
-          <a:p>
-            <a:r>
-              <a:rPr lang="en-US" dirty="0">
-                <a:solidFill>
-                  <a:srgbClr val="0070C0"/>
-                </a:solidFill>
-              </a:rPr>
-              <a:t>What is Machine Learning?</a:t>
-            </a:r>
-          </a:p>
-        </p:txBody>
-      </p:sp>
-      <p:sp>
-        <p:nvSpPr>
-          <p:cNvPr id="3" name="Content Placeholder 2"/>
-          <p:cNvSpPr>
-            <a:spLocks noGrp="1"/>
-          </p:cNvSpPr>
-          <p:nvPr>
-            <p:ph idx="1"/>
-          </p:nvPr>
+          <a:bodyPr>
+            <a:normAutofit/>
+          </a:bodyPr>
+          <a:lstStyle/>
+          <a:p>
+            <a:r>
+              <a:rPr lang="en-US" dirty="0"/>
+              <a:t>Learning Problems: Supervised Learning</a:t>
+            </a:r>
+          </a:p>
+        </p:txBody>
+      </p:sp>
+      <p:sp>
+        <p:nvSpPr>
+          <p:cNvPr id="8" name="TextBox 7">
+            <a:extLst>
+              <a:ext uri="{FF2B5EF4-FFF2-40B4-BE49-F238E27FC236}">
+                <a16:creationId xmlns:a16="http://schemas.microsoft.com/office/drawing/2014/main" id="{A1B4D002-D63C-9949-B0E6-8A0A671C881A}"/>
+              </a:ext>
+            </a:extLst>
+          </p:cNvPr>
+          <p:cNvSpPr txBox="1"/>
+          <p:nvPr/>
         </p:nvSpPr>
         <p:spPr>
           <a:xfrm>
-            <a:off x="759542" y="1412670"/>
-            <a:ext cx="10341077" cy="1350195"/>
+            <a:off x="838200" y="3198167"/>
+            <a:ext cx="9951720" cy="461665"/>
+          </a:xfrm>
+          <a:prstGeom prst="rect">
+            <a:avLst/>
+          </a:prstGeom>
+          <a:noFill/>
+        </p:spPr>
+        <p:txBody>
+          <a:bodyPr wrap="square">
+            <a:spAutoFit/>
+          </a:bodyPr>
+          <a:lstStyle/>
+          <a:p>
+            <a:r>
+              <a:rPr lang="en-US" sz="2400" dirty="0"/>
+              <a:t>Outcome Y (also called dependent variable, response, target) </a:t>
+            </a:r>
+          </a:p>
+        </p:txBody>
+      </p:sp>
+      <p:sp>
+        <p:nvSpPr>
+          <p:cNvPr id="10" name="TextBox 9">
+            <a:extLst>
+              <a:ext uri="{FF2B5EF4-FFF2-40B4-BE49-F238E27FC236}">
+                <a16:creationId xmlns:a16="http://schemas.microsoft.com/office/drawing/2014/main" id="{0693251F-9CFC-EA46-80ED-165FF38A5AE2}"/>
+              </a:ext>
+            </a:extLst>
+          </p:cNvPr>
+          <p:cNvSpPr txBox="1"/>
+          <p:nvPr/>
+        </p:nvSpPr>
+        <p:spPr>
+          <a:xfrm>
+            <a:off x="838200" y="1784338"/>
+            <a:ext cx="10515600" cy="830997"/>
+          </a:xfrm>
+          <a:prstGeom prst="rect">
+            <a:avLst/>
+          </a:prstGeom>
+          <a:noFill/>
+        </p:spPr>
+        <p:txBody>
+          <a:bodyPr wrap="square">
+            <a:spAutoFit/>
+          </a:bodyPr>
+          <a:lstStyle/>
+          <a:p>
+            <a:r>
+              <a:rPr lang="en-US" sz="2400" dirty="0"/>
+              <a:t>Vector/Matrix/Tensor predictor X (also called inputs, regressors, covariates, features, independent variables) </a:t>
+            </a:r>
+          </a:p>
+        </p:txBody>
+      </p:sp>
+      <p:sp>
+        <p:nvSpPr>
+          <p:cNvPr id="9" name="TextBox 8">
+            <a:extLst>
+              <a:ext uri="{FF2B5EF4-FFF2-40B4-BE49-F238E27FC236}">
+                <a16:creationId xmlns:a16="http://schemas.microsoft.com/office/drawing/2014/main" id="{504E3964-2BBE-AF4A-8AEA-2CE44838628F}"/>
+              </a:ext>
+            </a:extLst>
+          </p:cNvPr>
+          <p:cNvSpPr txBox="1"/>
+          <p:nvPr/>
+        </p:nvSpPr>
+        <p:spPr>
+          <a:xfrm>
+            <a:off x="838200" y="4242664"/>
+            <a:ext cx="8534400" cy="1569660"/>
+          </a:xfrm>
+          <a:prstGeom prst="rect">
+            <a:avLst/>
+          </a:prstGeom>
+          <a:noFill/>
+        </p:spPr>
+        <p:txBody>
+          <a:bodyPr wrap="square">
+            <a:spAutoFit/>
+          </a:bodyPr>
+          <a:lstStyle/>
+          <a:p>
+            <a:r>
+              <a:rPr lang="en-CA" sz="2400" b="1" i="1" u="sng" dirty="0">
+                <a:effectLst/>
+                <a:latin typeface="CMR10"/>
+              </a:rPr>
+              <a:t>Objectives</a:t>
+            </a:r>
+            <a:r>
+              <a:rPr lang="en-CA" sz="2400" dirty="0">
+                <a:effectLst/>
+                <a:latin typeface="CMR10"/>
+              </a:rPr>
+              <a:t>: </a:t>
+            </a:r>
+          </a:p>
+          <a:p>
+            <a:pPr marL="457200" indent="-457200">
+              <a:buAutoNum type="arabicPeriod"/>
+            </a:pPr>
+            <a:r>
+              <a:rPr lang="en-CA" sz="2400" dirty="0">
+                <a:effectLst/>
+                <a:latin typeface="CMR10"/>
+              </a:rPr>
+              <a:t>Accurately predict the outcomes of unseen test </a:t>
+            </a:r>
+            <a:r>
+              <a:rPr lang="en-CA" sz="2400" dirty="0">
+                <a:latin typeface="CMR10"/>
+              </a:rPr>
+              <a:t>cases</a:t>
+            </a:r>
+          </a:p>
+          <a:p>
+            <a:pPr marL="457200" indent="-457200">
+              <a:buAutoNum type="arabicPeriod"/>
+            </a:pPr>
+            <a:r>
+              <a:rPr lang="en-CA" sz="2400" dirty="0">
+                <a:effectLst/>
+              </a:rPr>
+              <a:t>Understand which inputs affect the outcome, and how</a:t>
+            </a:r>
+          </a:p>
+          <a:p>
+            <a:pPr marL="457200" indent="-457200">
+              <a:buAutoNum type="arabicPeriod"/>
+            </a:pPr>
+            <a:r>
+              <a:rPr lang="en-CA" sz="2400" dirty="0">
+                <a:effectLst/>
+              </a:rPr>
+              <a:t>Assess the quality of our predictions and inferences </a:t>
+            </a:r>
+            <a:endParaRPr lang="en-CA" sz="3200" dirty="0">
+              <a:effectLst/>
+            </a:endParaRPr>
+          </a:p>
+        </p:txBody>
+      </p:sp>
+    </p:spTree>
+    <p:extLst>
+      <p:ext uri="{BB962C8B-B14F-4D97-AF65-F5344CB8AC3E}">
+        <p14:creationId xmlns:p14="http://schemas.microsoft.com/office/powerpoint/2010/main" val="4179436100"/>
+      </p:ext>
+    </p:extLst>
+  </p:cSld>
+  <p:clrMapOvr>
+    <a:masterClrMapping/>
+  </p:clrMapOvr>
+</p:sld>
+</file>
+
+<file path=ppt/slides/slide11.xml><?xml version="1.0" encoding="utf-8"?>
+<p:sld xmlns:a="http://schemas.openxmlformats.org/drawingml/2006/main" xmlns:r="http://schemas.openxmlformats.org/officeDocument/2006/relationships" xmlns:p="http://schemas.openxmlformats.org/presentationml/2006/main">
+  <p:cSld>
+    <p:spTree>
+      <p:nvGrpSpPr>
+        <p:cNvPr id="1" name=""/>
+        <p:cNvGrpSpPr/>
+        <p:nvPr/>
+      </p:nvGrpSpPr>
+      <p:grpSpPr>
+        <a:xfrm>
+          <a:off x="0" y="0"/>
+          <a:ext cx="0" cy="0"/>
+          <a:chOff x="0" y="0"/>
+          <a:chExt cx="0" cy="0"/>
+        </a:xfrm>
+      </p:grpSpPr>
+      <p:sp>
+        <p:nvSpPr>
+          <p:cNvPr id="2" name="Title 1">
+            <a:extLst>
+              <a:ext uri="{FF2B5EF4-FFF2-40B4-BE49-F238E27FC236}">
+                <a16:creationId xmlns:a16="http://schemas.microsoft.com/office/drawing/2014/main" id="{72F36024-5FDD-7E40-BF36-AD808A69D0D9}"/>
+              </a:ext>
+            </a:extLst>
+          </p:cNvPr>
+          <p:cNvSpPr>
+            <a:spLocks noGrp="1"/>
+          </p:cNvSpPr>
+          <p:nvPr>
+            <p:ph type="title"/>
+          </p:nvPr>
+        </p:nvSpPr>
+        <p:spPr/>
+        <p:txBody>
+          <a:bodyPr/>
+          <a:lstStyle/>
+          <a:p>
+            <a:r>
+              <a:rPr lang="en-US" dirty="0"/>
+              <a:t>Supervised Learning</a:t>
+            </a:r>
+          </a:p>
+        </p:txBody>
+      </p:sp>
+      <p:sp>
+        <p:nvSpPr>
+          <p:cNvPr id="4" name="TextBox 3">
+            <a:extLst>
+              <a:ext uri="{FF2B5EF4-FFF2-40B4-BE49-F238E27FC236}">
+                <a16:creationId xmlns:a16="http://schemas.microsoft.com/office/drawing/2014/main" id="{1E340231-AD5D-064B-BFFF-67AFECE39E50}"/>
+              </a:ext>
+            </a:extLst>
+          </p:cNvPr>
+          <p:cNvSpPr txBox="1"/>
+          <p:nvPr/>
+        </p:nvSpPr>
+        <p:spPr>
+          <a:xfrm>
+            <a:off x="1356360" y="3105932"/>
+            <a:ext cx="1645920" cy="461665"/>
+          </a:xfrm>
+          <a:prstGeom prst="rect">
+            <a:avLst/>
+          </a:prstGeom>
+          <a:noFill/>
+        </p:spPr>
+        <p:txBody>
+          <a:bodyPr wrap="square">
+            <a:spAutoFit/>
+          </a:bodyPr>
+          <a:lstStyle/>
+          <a:p>
+            <a:pPr algn="ctr"/>
+            <a:r>
+              <a:rPr lang="en-US" sz="2400" dirty="0"/>
+              <a:t>X: Inputs</a:t>
+            </a:r>
+          </a:p>
+        </p:txBody>
+      </p:sp>
+      <p:sp>
+        <p:nvSpPr>
+          <p:cNvPr id="5" name="TextBox 4">
+            <a:extLst>
+              <a:ext uri="{FF2B5EF4-FFF2-40B4-BE49-F238E27FC236}">
+                <a16:creationId xmlns:a16="http://schemas.microsoft.com/office/drawing/2014/main" id="{574FBD56-9CC7-8844-9AFE-70C0775FEB11}"/>
+              </a:ext>
+            </a:extLst>
+          </p:cNvPr>
+          <p:cNvSpPr txBox="1"/>
+          <p:nvPr/>
+        </p:nvSpPr>
+        <p:spPr>
+          <a:xfrm>
+            <a:off x="1051560" y="4093504"/>
+            <a:ext cx="2255520" cy="461665"/>
+          </a:xfrm>
+          <a:prstGeom prst="rect">
+            <a:avLst/>
+          </a:prstGeom>
+          <a:noFill/>
+        </p:spPr>
+        <p:txBody>
+          <a:bodyPr wrap="square">
+            <a:spAutoFit/>
+          </a:bodyPr>
+          <a:lstStyle/>
+          <a:p>
+            <a:pPr algn="ctr"/>
+            <a:r>
+              <a:rPr lang="en-US" sz="2400" dirty="0"/>
+              <a:t>Y: Outcomes</a:t>
+            </a:r>
+          </a:p>
+        </p:txBody>
+      </p:sp>
+      <p:sp>
+        <p:nvSpPr>
+          <p:cNvPr id="6" name="Right Arrow 5">
+            <a:extLst>
+              <a:ext uri="{FF2B5EF4-FFF2-40B4-BE49-F238E27FC236}">
+                <a16:creationId xmlns:a16="http://schemas.microsoft.com/office/drawing/2014/main" id="{31A49BDE-291F-7447-88BB-C682126CB92A}"/>
+              </a:ext>
+            </a:extLst>
+          </p:cNvPr>
+          <p:cNvSpPr/>
+          <p:nvPr/>
+        </p:nvSpPr>
+        <p:spPr>
+          <a:xfrm>
+            <a:off x="3276600" y="3730937"/>
+            <a:ext cx="548640" cy="353383"/>
+          </a:xfrm>
+          <a:prstGeom prst="rightArrow">
+            <a:avLst/>
+          </a:prstGeom>
+        </p:spPr>
+        <p:style>
+          <a:lnRef idx="2">
+            <a:schemeClr val="dk1">
+              <a:shade val="50000"/>
+            </a:schemeClr>
+          </a:lnRef>
+          <a:fillRef idx="1">
+            <a:schemeClr val="dk1"/>
+          </a:fillRef>
+          <a:effectRef idx="0">
+            <a:schemeClr val="dk1"/>
+          </a:effectRef>
+          <a:fontRef idx="minor">
+            <a:schemeClr val="lt1"/>
+          </a:fontRef>
+        </p:style>
+        <p:txBody>
+          <a:bodyPr rtlCol="0" anchor="ctr"/>
+          <a:lstStyle/>
+          <a:p>
+            <a:pPr algn="ctr"/>
+            <a:endParaRPr lang="en-US"/>
+          </a:p>
+        </p:txBody>
+      </p:sp>
+      <p:sp>
+        <p:nvSpPr>
+          <p:cNvPr id="7" name="Rounded Rectangle 6">
+            <a:extLst>
+              <a:ext uri="{FF2B5EF4-FFF2-40B4-BE49-F238E27FC236}">
+                <a16:creationId xmlns:a16="http://schemas.microsoft.com/office/drawing/2014/main" id="{96224E3A-69F6-D442-9FE2-BA38630F0F8E}"/>
+              </a:ext>
+            </a:extLst>
+          </p:cNvPr>
+          <p:cNvSpPr/>
+          <p:nvPr/>
+        </p:nvSpPr>
+        <p:spPr>
+          <a:xfrm>
+            <a:off x="4373880" y="3229607"/>
+            <a:ext cx="2667000" cy="1325562"/>
+          </a:xfrm>
+          <a:prstGeom prst="roundRect">
+            <a:avLst/>
+          </a:prstGeom>
+          <a:noFill/>
+          <a:ln w="38100">
+            <a:solidFill>
+              <a:schemeClr val="tx1"/>
+            </a:solidFill>
+          </a:ln>
+        </p:spPr>
+        <p:style>
+          <a:lnRef idx="2">
+            <a:schemeClr val="accent1">
+              <a:shade val="50000"/>
+            </a:schemeClr>
+          </a:lnRef>
+          <a:fillRef idx="1">
+            <a:schemeClr val="accent1"/>
+          </a:fillRef>
+          <a:effectRef idx="0">
+            <a:schemeClr val="accent1"/>
+          </a:effectRef>
+          <a:fontRef idx="minor">
+            <a:schemeClr val="lt1"/>
+          </a:fontRef>
+        </p:style>
+        <p:txBody>
+          <a:bodyPr rtlCol="0" anchor="ctr"/>
+          <a:lstStyle/>
+          <a:p>
+            <a:pPr algn="ctr"/>
+            <a:r>
+              <a:rPr lang="en-US" sz="2400" dirty="0">
+                <a:solidFill>
+                  <a:schemeClr val="tx1"/>
+                </a:solidFill>
+              </a:rPr>
+              <a:t>Machine Learning Algorithm</a:t>
+            </a:r>
+          </a:p>
+        </p:txBody>
+      </p:sp>
+      <p:sp>
+        <p:nvSpPr>
+          <p:cNvPr id="8" name="Right Arrow 7">
+            <a:extLst>
+              <a:ext uri="{FF2B5EF4-FFF2-40B4-BE49-F238E27FC236}">
+                <a16:creationId xmlns:a16="http://schemas.microsoft.com/office/drawing/2014/main" id="{D26A56D6-E082-7346-801E-B7745E4B615E}"/>
+              </a:ext>
+            </a:extLst>
+          </p:cNvPr>
+          <p:cNvSpPr/>
+          <p:nvPr/>
+        </p:nvSpPr>
+        <p:spPr>
+          <a:xfrm>
+            <a:off x="7482840" y="3715696"/>
+            <a:ext cx="548640" cy="353383"/>
+          </a:xfrm>
+          <a:prstGeom prst="rightArrow">
+            <a:avLst/>
+          </a:prstGeom>
+        </p:spPr>
+        <p:style>
+          <a:lnRef idx="2">
+            <a:schemeClr val="dk1">
+              <a:shade val="50000"/>
+            </a:schemeClr>
+          </a:lnRef>
+          <a:fillRef idx="1">
+            <a:schemeClr val="dk1"/>
+          </a:fillRef>
+          <a:effectRef idx="0">
+            <a:schemeClr val="dk1"/>
+          </a:effectRef>
+          <a:fontRef idx="minor">
+            <a:schemeClr val="lt1"/>
+          </a:fontRef>
+        </p:style>
+        <p:txBody>
+          <a:bodyPr rtlCol="0" anchor="ctr"/>
+          <a:lstStyle/>
+          <a:p>
+            <a:pPr algn="ctr"/>
+            <a:endParaRPr lang="en-US"/>
+          </a:p>
+        </p:txBody>
+      </p:sp>
+      <p:sp>
+        <p:nvSpPr>
+          <p:cNvPr id="9" name="Rounded Rectangle 8">
+            <a:extLst>
+              <a:ext uri="{FF2B5EF4-FFF2-40B4-BE49-F238E27FC236}">
+                <a16:creationId xmlns:a16="http://schemas.microsoft.com/office/drawing/2014/main" id="{F76AD9A9-F9DB-F94A-91AC-99C5BCEDB06A}"/>
+              </a:ext>
+            </a:extLst>
+          </p:cNvPr>
+          <p:cNvSpPr/>
+          <p:nvPr/>
+        </p:nvSpPr>
+        <p:spPr>
+          <a:xfrm>
+            <a:off x="8580120" y="3429000"/>
+            <a:ext cx="1844040" cy="1048368"/>
+          </a:xfrm>
+          <a:prstGeom prst="roundRect">
+            <a:avLst/>
+          </a:prstGeom>
+          <a:noFill/>
+          <a:ln w="38100">
+            <a:solidFill>
+              <a:schemeClr val="tx1"/>
+            </a:solidFill>
+          </a:ln>
+        </p:spPr>
+        <p:style>
+          <a:lnRef idx="2">
+            <a:schemeClr val="accent1">
+              <a:shade val="50000"/>
+            </a:schemeClr>
+          </a:lnRef>
+          <a:fillRef idx="1">
+            <a:schemeClr val="accent1"/>
+          </a:fillRef>
+          <a:effectRef idx="0">
+            <a:schemeClr val="accent1"/>
+          </a:effectRef>
+          <a:fontRef idx="minor">
+            <a:schemeClr val="lt1"/>
+          </a:fontRef>
+        </p:style>
+        <p:txBody>
+          <a:bodyPr rtlCol="0" anchor="ctr"/>
+          <a:lstStyle/>
+          <a:p>
+            <a:pPr algn="ctr"/>
+            <a:r>
+              <a:rPr lang="en-US" sz="2400" dirty="0">
+                <a:solidFill>
+                  <a:schemeClr val="tx1"/>
+                </a:solidFill>
+              </a:rPr>
+              <a:t>Model</a:t>
+            </a:r>
+          </a:p>
+        </p:txBody>
+      </p:sp>
+      <p:sp>
+        <p:nvSpPr>
+          <p:cNvPr id="10" name="Rounded Rectangle 9">
+            <a:extLst>
+              <a:ext uri="{FF2B5EF4-FFF2-40B4-BE49-F238E27FC236}">
+                <a16:creationId xmlns:a16="http://schemas.microsoft.com/office/drawing/2014/main" id="{C323B5B2-3490-2D49-AB07-AA78222FF20E}"/>
+              </a:ext>
+            </a:extLst>
+          </p:cNvPr>
+          <p:cNvSpPr/>
+          <p:nvPr/>
+        </p:nvSpPr>
+        <p:spPr>
+          <a:xfrm>
+            <a:off x="8580120" y="1482883"/>
+            <a:ext cx="1844040" cy="1048368"/>
+          </a:xfrm>
+          <a:prstGeom prst="roundRect">
+            <a:avLst/>
+          </a:prstGeom>
+          <a:noFill/>
+          <a:ln w="38100">
+            <a:solidFill>
+              <a:schemeClr val="tx1"/>
+            </a:solidFill>
+          </a:ln>
+        </p:spPr>
+        <p:style>
+          <a:lnRef idx="2">
+            <a:schemeClr val="accent1">
+              <a:shade val="50000"/>
+            </a:schemeClr>
+          </a:lnRef>
+          <a:fillRef idx="1">
+            <a:schemeClr val="accent1"/>
+          </a:fillRef>
+          <a:effectRef idx="0">
+            <a:schemeClr val="accent1"/>
+          </a:effectRef>
+          <a:fontRef idx="minor">
+            <a:schemeClr val="lt1"/>
+          </a:fontRef>
+        </p:style>
+        <p:txBody>
+          <a:bodyPr rtlCol="0" anchor="ctr"/>
+          <a:lstStyle/>
+          <a:p>
+            <a:pPr algn="ctr"/>
+            <a:r>
+              <a:rPr lang="en-US" sz="2400" dirty="0">
+                <a:solidFill>
+                  <a:schemeClr val="tx1"/>
+                </a:solidFill>
+              </a:rPr>
+              <a:t>New Input</a:t>
+            </a:r>
+          </a:p>
+        </p:txBody>
+      </p:sp>
+      <p:sp>
+        <p:nvSpPr>
+          <p:cNvPr id="11" name="Right Arrow 10">
+            <a:extLst>
+              <a:ext uri="{FF2B5EF4-FFF2-40B4-BE49-F238E27FC236}">
+                <a16:creationId xmlns:a16="http://schemas.microsoft.com/office/drawing/2014/main" id="{709E0D8A-A544-7544-8CDB-CEA37FE26531}"/>
+              </a:ext>
+            </a:extLst>
+          </p:cNvPr>
+          <p:cNvSpPr/>
+          <p:nvPr/>
+        </p:nvSpPr>
+        <p:spPr>
+          <a:xfrm rot="5400000">
+            <a:off x="9227819" y="2790644"/>
+            <a:ext cx="548640" cy="353383"/>
+          </a:xfrm>
+          <a:prstGeom prst="rightArrow">
+            <a:avLst/>
+          </a:prstGeom>
+        </p:spPr>
+        <p:style>
+          <a:lnRef idx="2">
+            <a:schemeClr val="dk1">
+              <a:shade val="50000"/>
+            </a:schemeClr>
+          </a:lnRef>
+          <a:fillRef idx="1">
+            <a:schemeClr val="dk1"/>
+          </a:fillRef>
+          <a:effectRef idx="0">
+            <a:schemeClr val="dk1"/>
+          </a:effectRef>
+          <a:fontRef idx="minor">
+            <a:schemeClr val="lt1"/>
+          </a:fontRef>
+        </p:style>
+        <p:txBody>
+          <a:bodyPr rtlCol="0" anchor="ctr"/>
+          <a:lstStyle/>
+          <a:p>
+            <a:pPr algn="ctr"/>
+            <a:endParaRPr lang="en-US"/>
+          </a:p>
+        </p:txBody>
+      </p:sp>
+      <p:sp>
+        <p:nvSpPr>
+          <p:cNvPr id="12" name="Right Arrow 11">
+            <a:extLst>
+              <a:ext uri="{FF2B5EF4-FFF2-40B4-BE49-F238E27FC236}">
+                <a16:creationId xmlns:a16="http://schemas.microsoft.com/office/drawing/2014/main" id="{968BED9E-149A-0D41-9163-013339569B53}"/>
+              </a:ext>
+            </a:extLst>
+          </p:cNvPr>
+          <p:cNvSpPr/>
+          <p:nvPr/>
+        </p:nvSpPr>
+        <p:spPr>
+          <a:xfrm rot="5400000">
+            <a:off x="9227818" y="4833780"/>
+            <a:ext cx="548640" cy="353383"/>
+          </a:xfrm>
+          <a:prstGeom prst="rightArrow">
+            <a:avLst/>
+          </a:prstGeom>
+        </p:spPr>
+        <p:style>
+          <a:lnRef idx="2">
+            <a:schemeClr val="dk1">
+              <a:shade val="50000"/>
+            </a:schemeClr>
+          </a:lnRef>
+          <a:fillRef idx="1">
+            <a:schemeClr val="dk1"/>
+          </a:fillRef>
+          <a:effectRef idx="0">
+            <a:schemeClr val="dk1"/>
+          </a:effectRef>
+          <a:fontRef idx="minor">
+            <a:schemeClr val="lt1"/>
+          </a:fontRef>
+        </p:style>
+        <p:txBody>
+          <a:bodyPr rtlCol="0" anchor="ctr"/>
+          <a:lstStyle/>
+          <a:p>
+            <a:pPr algn="ctr"/>
+            <a:endParaRPr lang="en-US"/>
+          </a:p>
+        </p:txBody>
+      </p:sp>
+      <p:sp>
+        <p:nvSpPr>
+          <p:cNvPr id="13" name="Rounded Rectangle 12">
+            <a:extLst>
+              <a:ext uri="{FF2B5EF4-FFF2-40B4-BE49-F238E27FC236}">
+                <a16:creationId xmlns:a16="http://schemas.microsoft.com/office/drawing/2014/main" id="{7AB1DE3F-36F4-7E44-9789-B59D20B313C4}"/>
+              </a:ext>
+            </a:extLst>
+          </p:cNvPr>
+          <p:cNvSpPr/>
+          <p:nvPr/>
+        </p:nvSpPr>
+        <p:spPr>
+          <a:xfrm>
+            <a:off x="8580120" y="5444507"/>
+            <a:ext cx="1844040" cy="1048368"/>
+          </a:xfrm>
+          <a:prstGeom prst="roundRect">
+            <a:avLst/>
+          </a:prstGeom>
+          <a:noFill/>
+          <a:ln w="38100">
+            <a:solidFill>
+              <a:schemeClr val="tx1"/>
+            </a:solidFill>
+          </a:ln>
+        </p:spPr>
+        <p:style>
+          <a:lnRef idx="2">
+            <a:schemeClr val="accent1">
+              <a:shade val="50000"/>
+            </a:schemeClr>
+          </a:lnRef>
+          <a:fillRef idx="1">
+            <a:schemeClr val="accent1"/>
+          </a:fillRef>
+          <a:effectRef idx="0">
+            <a:schemeClr val="accent1"/>
+          </a:effectRef>
+          <a:fontRef idx="minor">
+            <a:schemeClr val="lt1"/>
+          </a:fontRef>
+        </p:style>
+        <p:txBody>
+          <a:bodyPr rtlCol="0" anchor="ctr"/>
+          <a:lstStyle/>
+          <a:p>
+            <a:pPr algn="ctr"/>
+            <a:r>
+              <a:rPr lang="en-US" sz="2400" dirty="0">
+                <a:solidFill>
+                  <a:schemeClr val="tx1"/>
+                </a:solidFill>
+              </a:rPr>
+              <a:t>Outcome</a:t>
+            </a:r>
+          </a:p>
+        </p:txBody>
+      </p:sp>
+      <p:sp>
+        <p:nvSpPr>
+          <p:cNvPr id="14" name="TextBox 13">
+            <a:extLst>
+              <a:ext uri="{FF2B5EF4-FFF2-40B4-BE49-F238E27FC236}">
+                <a16:creationId xmlns:a16="http://schemas.microsoft.com/office/drawing/2014/main" id="{9C957F2D-C57F-1E47-B67E-463938C219D7}"/>
+              </a:ext>
+            </a:extLst>
+          </p:cNvPr>
+          <p:cNvSpPr txBox="1"/>
+          <p:nvPr/>
+        </p:nvSpPr>
+        <p:spPr>
+          <a:xfrm>
+            <a:off x="4579620" y="4823127"/>
+            <a:ext cx="2255520" cy="830997"/>
+          </a:xfrm>
+          <a:prstGeom prst="rect">
+            <a:avLst/>
+          </a:prstGeom>
+          <a:noFill/>
+        </p:spPr>
+        <p:txBody>
+          <a:bodyPr wrap="square">
+            <a:spAutoFit/>
+          </a:bodyPr>
+          <a:lstStyle/>
+          <a:p>
+            <a:pPr algn="ctr"/>
+            <a:r>
+              <a:rPr lang="en-US" sz="2400" dirty="0"/>
+              <a:t>Logistic Regression</a:t>
+            </a:r>
+          </a:p>
+        </p:txBody>
+      </p:sp>
+      <p:sp>
+        <p:nvSpPr>
+          <p:cNvPr id="15" name="TextBox 14">
+            <a:extLst>
+              <a:ext uri="{FF2B5EF4-FFF2-40B4-BE49-F238E27FC236}">
+                <a16:creationId xmlns:a16="http://schemas.microsoft.com/office/drawing/2014/main" id="{33FCA0CE-5719-B24D-B282-14F0ED1AE959}"/>
+              </a:ext>
+            </a:extLst>
+          </p:cNvPr>
+          <p:cNvSpPr txBox="1"/>
+          <p:nvPr/>
+        </p:nvSpPr>
+        <p:spPr>
+          <a:xfrm>
+            <a:off x="4579620" y="2007067"/>
+            <a:ext cx="2255520" cy="830997"/>
+          </a:xfrm>
+          <a:prstGeom prst="rect">
+            <a:avLst/>
+          </a:prstGeom>
+          <a:noFill/>
+        </p:spPr>
+        <p:txBody>
+          <a:bodyPr wrap="square">
+            <a:spAutoFit/>
+          </a:bodyPr>
+          <a:lstStyle/>
+          <a:p>
+            <a:pPr algn="ctr"/>
+            <a:r>
+              <a:rPr lang="en-US" sz="2400" dirty="0"/>
+              <a:t>Linear Regression</a:t>
+            </a:r>
+          </a:p>
+        </p:txBody>
+      </p:sp>
+    </p:spTree>
+    <p:extLst>
+      <p:ext uri="{BB962C8B-B14F-4D97-AF65-F5344CB8AC3E}">
+        <p14:creationId xmlns:p14="http://schemas.microsoft.com/office/powerpoint/2010/main" val="1799307813"/>
+      </p:ext>
+    </p:extLst>
+  </p:cSld>
+  <p:clrMapOvr>
+    <a:masterClrMapping/>
+  </p:clrMapOvr>
+</p:sld>
+</file>
+
+<file path=ppt/slides/slide12.xml><?xml version="1.0" encoding="utf-8"?>
+<p:sld xmlns:a="http://schemas.openxmlformats.org/drawingml/2006/main" xmlns:r="http://schemas.openxmlformats.org/officeDocument/2006/relationships" xmlns:p="http://schemas.openxmlformats.org/presentationml/2006/main">
+  <p:cSld>
+    <p:spTree>
+      <p:nvGrpSpPr>
+        <p:cNvPr id="1" name=""/>
+        <p:cNvGrpSpPr/>
+        <p:nvPr/>
+      </p:nvGrpSpPr>
+      <p:grpSpPr>
+        <a:xfrm>
+          <a:off x="0" y="0"/>
+          <a:ext cx="0" cy="0"/>
+          <a:chOff x="0" y="0"/>
+          <a:chExt cx="0" cy="0"/>
+        </a:xfrm>
+      </p:grpSpPr>
+      <p:sp>
+        <p:nvSpPr>
+          <p:cNvPr id="2" name="Title 1"/>
+          <p:cNvSpPr>
+            <a:spLocks noGrp="1"/>
+          </p:cNvSpPr>
+          <p:nvPr>
+            <p:ph type="title"/>
+          </p:nvPr>
+        </p:nvSpPr>
+        <p:spPr>
+          <a:xfrm>
+            <a:off x="838200" y="365126"/>
+            <a:ext cx="10515600" cy="981894"/>
           </a:xfrm>
         </p:spPr>
         <p:txBody>
           <a:bodyPr>
-            <a:noAutofit/>
+            <a:normAutofit/>
           </a:bodyPr>
           <a:lstStyle/>
           <a:p>
-            <a:pPr marL="0" indent="0">
-              <a:lnSpc>
-                <a:spcPct val="100000"/>
-              </a:lnSpc>
-              <a:spcBef>
-                <a:spcPts val="459"/>
-              </a:spcBef>
-              <a:buNone/>
+            <a:r>
+              <a:rPr lang="en-US" dirty="0"/>
+              <a:t>Learning Problems: Unsupervised Learning</a:t>
+            </a:r>
+          </a:p>
+        </p:txBody>
+      </p:sp>
+      <p:sp>
+        <p:nvSpPr>
+          <p:cNvPr id="7" name="TextBox 6">
+            <a:extLst>
+              <a:ext uri="{FF2B5EF4-FFF2-40B4-BE49-F238E27FC236}">
+                <a16:creationId xmlns:a16="http://schemas.microsoft.com/office/drawing/2014/main" id="{E490FBAB-5EC2-3E4A-B30B-0BFB398EA141}"/>
+              </a:ext>
+            </a:extLst>
+          </p:cNvPr>
+          <p:cNvSpPr txBox="1"/>
+          <p:nvPr/>
+        </p:nvSpPr>
+        <p:spPr>
+          <a:xfrm>
+            <a:off x="838200" y="1396409"/>
+            <a:ext cx="10835640" cy="461665"/>
+          </a:xfrm>
+          <a:prstGeom prst="rect">
+            <a:avLst/>
+          </a:prstGeom>
+          <a:noFill/>
+        </p:spPr>
+        <p:txBody>
+          <a:bodyPr wrap="square">
+            <a:spAutoFit/>
+          </a:bodyPr>
+          <a:lstStyle/>
+          <a:p>
+            <a:r>
+              <a:rPr lang="en-US" sz="2400" dirty="0"/>
+              <a:t>No outcome variable, just a set of predictors (features) measured on a set of samples. </a:t>
+            </a:r>
+          </a:p>
+        </p:txBody>
+      </p:sp>
+      <p:sp>
+        <p:nvSpPr>
+          <p:cNvPr id="11" name="TextBox 10">
+            <a:extLst>
+              <a:ext uri="{FF2B5EF4-FFF2-40B4-BE49-F238E27FC236}">
+                <a16:creationId xmlns:a16="http://schemas.microsoft.com/office/drawing/2014/main" id="{4823088D-0648-2043-BF99-10EC61BC5AC0}"/>
+              </a:ext>
+            </a:extLst>
+          </p:cNvPr>
+          <p:cNvSpPr txBox="1"/>
+          <p:nvPr/>
+        </p:nvSpPr>
+        <p:spPr>
+          <a:xfrm>
+            <a:off x="838200" y="2070677"/>
+            <a:ext cx="8534400" cy="1200329"/>
+          </a:xfrm>
+          <a:prstGeom prst="rect">
+            <a:avLst/>
+          </a:prstGeom>
+          <a:noFill/>
+        </p:spPr>
+        <p:txBody>
+          <a:bodyPr wrap="square">
+            <a:spAutoFit/>
+          </a:bodyPr>
+          <a:lstStyle/>
+          <a:p>
+            <a:r>
+              <a:rPr lang="en-CA" sz="2400" b="1" i="1" u="sng" dirty="0">
+                <a:effectLst/>
+                <a:latin typeface="CMR10"/>
+              </a:rPr>
+              <a:t>Objectives</a:t>
+            </a:r>
+            <a:r>
+              <a:rPr lang="en-CA" sz="2400" dirty="0">
+                <a:effectLst/>
+                <a:latin typeface="CMR10"/>
+              </a:rPr>
+              <a:t>: </a:t>
+            </a:r>
+          </a:p>
+          <a:p>
+            <a:pPr marL="457200" indent="-457200">
+              <a:buAutoNum type="arabicPeriod"/>
             </a:pPr>
             <a:r>
-              <a:rPr lang="en-US" sz="2400" i="1" spc="-10" dirty="0">
-                <a:solidFill>
-                  <a:srgbClr val="0070C0"/>
-                </a:solidFill>
-                <a:latin typeface="Times New Roman"/>
-                <a:cs typeface="Times New Roman"/>
-              </a:rPr>
-              <a:t>Definition</a:t>
-            </a:r>
-            <a:r>
-              <a:rPr lang="en-US" sz="2400" i="1" spc="-15" dirty="0">
-                <a:solidFill>
-                  <a:srgbClr val="0070C0"/>
-                </a:solidFill>
-                <a:latin typeface="Times New Roman"/>
-                <a:cs typeface="Times New Roman"/>
-              </a:rPr>
-              <a:t> (First</a:t>
-            </a:r>
-            <a:r>
-              <a:rPr lang="en-US" sz="2400" i="1" spc="-10" dirty="0">
-                <a:solidFill>
-                  <a:srgbClr val="0070C0"/>
-                </a:solidFill>
-                <a:latin typeface="Times New Roman"/>
-                <a:cs typeface="Times New Roman"/>
-              </a:rPr>
-              <a:t> </a:t>
-            </a:r>
-            <a:r>
-              <a:rPr lang="en-US" sz="2400" i="1" spc="-20" dirty="0">
-                <a:solidFill>
-                  <a:srgbClr val="0070C0"/>
-                </a:solidFill>
-                <a:latin typeface="Times New Roman"/>
-                <a:cs typeface="Times New Roman"/>
-              </a:rPr>
-              <a:t>Try)</a:t>
-            </a:r>
-            <a:endParaRPr lang="en-US" sz="2400" dirty="0">
-              <a:solidFill>
-                <a:srgbClr val="0070C0"/>
-              </a:solidFill>
-              <a:latin typeface="Times New Roman"/>
-              <a:cs typeface="Times New Roman"/>
-            </a:endParaRPr>
-          </a:p>
-          <a:p>
-            <a:pPr marL="0" marR="5080" indent="0">
-              <a:lnSpc>
-                <a:spcPct val="100000"/>
-              </a:lnSpc>
-              <a:spcBef>
-                <a:spcPts val="360"/>
-              </a:spcBef>
-              <a:buNone/>
+              <a:rPr lang="en-CA" sz="2400" dirty="0">
+                <a:latin typeface="CMR10"/>
+              </a:rPr>
+              <a:t>Find groups of samples that behave similarly</a:t>
+            </a:r>
+          </a:p>
+          <a:p>
+            <a:pPr marL="457200" indent="-457200">
+              <a:buAutoNum type="arabicPeriod"/>
             </a:pPr>
             <a:r>
-              <a:rPr lang="en-US" sz="2400" spc="-5" dirty="0">
-                <a:latin typeface="Microsoft Sans Serif"/>
-                <a:cs typeface="Microsoft Sans Serif"/>
-              </a:rPr>
-              <a:t>Machine</a:t>
-            </a:r>
-            <a:r>
-              <a:rPr lang="en-US" sz="2400" spc="5" dirty="0">
-                <a:latin typeface="Microsoft Sans Serif"/>
-                <a:cs typeface="Microsoft Sans Serif"/>
-              </a:rPr>
-              <a:t> </a:t>
-            </a:r>
-            <a:r>
-              <a:rPr lang="en-US" sz="2400" spc="-5" dirty="0">
-                <a:latin typeface="Microsoft Sans Serif"/>
-                <a:cs typeface="Microsoft Sans Serif"/>
-              </a:rPr>
-              <a:t>learning</a:t>
-            </a:r>
-            <a:r>
-              <a:rPr lang="en-US" sz="2400" spc="10" dirty="0">
-                <a:latin typeface="Microsoft Sans Serif"/>
-                <a:cs typeface="Microsoft Sans Serif"/>
-              </a:rPr>
-              <a:t> </a:t>
-            </a:r>
-            <a:r>
-              <a:rPr lang="en-US" sz="2400" spc="-5" dirty="0">
-                <a:latin typeface="Microsoft Sans Serif"/>
-                <a:cs typeface="Microsoft Sans Serif"/>
-              </a:rPr>
-              <a:t>is</a:t>
-            </a:r>
-            <a:r>
-              <a:rPr lang="en-US" sz="2400" spc="10" dirty="0">
-                <a:latin typeface="Microsoft Sans Serif"/>
-                <a:cs typeface="Microsoft Sans Serif"/>
-              </a:rPr>
-              <a:t> </a:t>
-            </a:r>
-            <a:r>
-              <a:rPr lang="en-US" sz="2400" dirty="0">
-                <a:latin typeface="Microsoft Sans Serif"/>
-                <a:cs typeface="Microsoft Sans Serif"/>
-              </a:rPr>
-              <a:t>concerned</a:t>
-            </a:r>
-            <a:r>
-              <a:rPr lang="en-US" sz="2400" spc="10" dirty="0">
-                <a:latin typeface="Microsoft Sans Serif"/>
-                <a:cs typeface="Microsoft Sans Serif"/>
-              </a:rPr>
-              <a:t> </a:t>
-            </a:r>
-            <a:r>
-              <a:rPr lang="en-US" sz="2400" spc="-5" dirty="0">
-                <a:latin typeface="Microsoft Sans Serif"/>
-                <a:cs typeface="Microsoft Sans Serif"/>
-              </a:rPr>
-              <a:t>with</a:t>
-            </a:r>
-            <a:r>
-              <a:rPr lang="en-US" sz="2400" spc="10" dirty="0">
-                <a:latin typeface="Microsoft Sans Serif"/>
-                <a:cs typeface="Microsoft Sans Serif"/>
-              </a:rPr>
-              <a:t> </a:t>
-            </a:r>
-            <a:r>
-              <a:rPr lang="en-US" sz="2400" spc="-5" dirty="0">
-                <a:latin typeface="Microsoft Sans Serif"/>
-                <a:cs typeface="Microsoft Sans Serif"/>
-              </a:rPr>
-              <a:t>designing and developing</a:t>
-            </a:r>
-            <a:r>
-              <a:rPr lang="en-US" sz="2400" spc="15" dirty="0">
-                <a:latin typeface="Microsoft Sans Serif"/>
-                <a:cs typeface="Microsoft Sans Serif"/>
-              </a:rPr>
-              <a:t> </a:t>
-            </a:r>
-            <a:r>
-              <a:rPr lang="en-US" sz="2400" spc="-5" dirty="0">
-                <a:latin typeface="Microsoft Sans Serif"/>
-                <a:cs typeface="Microsoft Sans Serif"/>
-              </a:rPr>
-              <a:t>algorithms</a:t>
-            </a:r>
-            <a:r>
-              <a:rPr lang="en-US" sz="2400" spc="10" dirty="0">
-                <a:latin typeface="Microsoft Sans Serif"/>
-                <a:cs typeface="Microsoft Sans Serif"/>
-              </a:rPr>
-              <a:t> </a:t>
-            </a:r>
-            <a:r>
-              <a:rPr lang="en-US" sz="2400" spc="-5" dirty="0">
-                <a:latin typeface="Microsoft Sans Serif"/>
-                <a:cs typeface="Microsoft Sans Serif"/>
-              </a:rPr>
-              <a:t>that</a:t>
-            </a:r>
-            <a:r>
-              <a:rPr lang="en-US" sz="2400" spc="15" dirty="0">
-                <a:latin typeface="Microsoft Sans Serif"/>
-                <a:cs typeface="Microsoft Sans Serif"/>
-              </a:rPr>
-              <a:t> </a:t>
-            </a:r>
-            <a:r>
-              <a:rPr lang="en-US" sz="2400" spc="-10" dirty="0">
-                <a:latin typeface="Microsoft Sans Serif"/>
-                <a:cs typeface="Microsoft Sans Serif"/>
-              </a:rPr>
-              <a:t>allow</a:t>
-            </a:r>
-            <a:r>
-              <a:rPr lang="en-US" sz="2400" spc="10" dirty="0">
-                <a:latin typeface="Microsoft Sans Serif"/>
-                <a:cs typeface="Microsoft Sans Serif"/>
-              </a:rPr>
-              <a:t> </a:t>
-            </a:r>
-            <a:r>
-              <a:rPr lang="en-US" sz="2400" spc="-5" dirty="0">
-                <a:latin typeface="Microsoft Sans Serif"/>
-                <a:cs typeface="Microsoft Sans Serif"/>
-              </a:rPr>
-              <a:t>machines</a:t>
-            </a:r>
-            <a:r>
-              <a:rPr lang="en-US" sz="2400" spc="15" dirty="0">
-                <a:latin typeface="Microsoft Sans Serif"/>
-                <a:cs typeface="Microsoft Sans Serif"/>
-              </a:rPr>
-              <a:t> </a:t>
-            </a:r>
-            <a:r>
-              <a:rPr lang="en-US" sz="2400" spc="-5" dirty="0">
-                <a:latin typeface="Microsoft Sans Serif"/>
-                <a:cs typeface="Microsoft Sans Serif"/>
-              </a:rPr>
-              <a:t>to</a:t>
-            </a:r>
-            <a:r>
-              <a:rPr lang="en-US" sz="2400" spc="10" dirty="0">
-                <a:latin typeface="Microsoft Sans Serif"/>
-                <a:cs typeface="Microsoft Sans Serif"/>
-              </a:rPr>
-              <a:t> </a:t>
-            </a:r>
-            <a:r>
-              <a:rPr lang="en-US" sz="2400" dirty="0">
-                <a:latin typeface="Microsoft Sans Serif"/>
-                <a:cs typeface="Microsoft Sans Serif"/>
-              </a:rPr>
-              <a:t>learn.</a:t>
+              <a:rPr lang="en-CA" sz="2400" dirty="0">
+                <a:effectLst/>
+              </a:rPr>
+              <a:t>Find the most important sets of features</a:t>
             </a:r>
           </a:p>
         </p:txBody>
       </p:sp>
       <p:pic>
         <p:nvPicPr>
-          <p:cNvPr id="14" name="Picture 4" descr="File:UMKC logo.png - Wikipedia"/>
+          <p:cNvPr id="4098" name="Picture 2" descr="Supervised vs Unsupervised Learning in 3 Minutes | by Alan Jeffares |  Towards Data Science">
+            <a:extLst>
+              <a:ext uri="{FF2B5EF4-FFF2-40B4-BE49-F238E27FC236}">
+                <a16:creationId xmlns:a16="http://schemas.microsoft.com/office/drawing/2014/main" id="{3E9CEE34-E076-7544-9542-AB25BBE04A8A}"/>
+              </a:ext>
+            </a:extLst>
+          </p:cNvPr>
           <p:cNvPicPr>
             <a:picLocks noChangeAspect="1" noChangeArrowheads="1"/>
           </p:cNvPicPr>
           <p:nvPr/>
         </p:nvPicPr>
         <p:blipFill>
-          <a:blip r:embed="rId2" cstate="print">
+          <a:blip r:embed="rId3">
             <a:extLst>
               <a:ext uri="{28A0092B-C50C-407E-A947-70E740481C1C}">
                 <a14:useLocalDpi xmlns:a14="http://schemas.microsoft.com/office/drawing/2010/main" val="0"/>
@@ -4775,8 +4749,8 @@
         </p:blipFill>
         <p:spPr bwMode="auto">
           <a:xfrm>
-            <a:off x="10741981" y="6132824"/>
-            <a:ext cx="1293518" cy="571124"/>
+            <a:off x="1903730" y="3483609"/>
+            <a:ext cx="7697470" cy="3206486"/>
           </a:xfrm>
           <a:prstGeom prst="rect">
             <a:avLst/>
@@ -4793,9 +4767,80 @@
           </a:extLst>
         </p:spPr>
       </p:pic>
-      <p:sp>
-        <p:nvSpPr>
-          <p:cNvPr id="5" name="Content Placeholder 2"/>
+    </p:spTree>
+    <p:extLst>
+      <p:ext uri="{BB962C8B-B14F-4D97-AF65-F5344CB8AC3E}">
+        <p14:creationId xmlns:p14="http://schemas.microsoft.com/office/powerpoint/2010/main" val="1398802656"/>
+      </p:ext>
+    </p:extLst>
+  </p:cSld>
+  <p:clrMapOvr>
+    <a:masterClrMapping/>
+  </p:clrMapOvr>
+</p:sld>
+</file>
+
+<file path=ppt/slides/slide13.xml><?xml version="1.0" encoding="utf-8"?>
+<p:sld xmlns:a="http://schemas.openxmlformats.org/drawingml/2006/main" xmlns:r="http://schemas.openxmlformats.org/officeDocument/2006/relationships" xmlns:p="http://schemas.openxmlformats.org/presentationml/2006/main">
+  <p:cSld>
+    <p:spTree>
+      <p:nvGrpSpPr>
+        <p:cNvPr id="1" name=""/>
+        <p:cNvGrpSpPr/>
+        <p:nvPr/>
+      </p:nvGrpSpPr>
+      <p:grpSpPr>
+        <a:xfrm>
+          <a:off x="0" y="0"/>
+          <a:ext cx="0" cy="0"/>
+          <a:chOff x="0" y="0"/>
+          <a:chExt cx="0" cy="0"/>
+        </a:xfrm>
+      </p:grpSpPr>
+      <p:sp>
+        <p:nvSpPr>
+          <p:cNvPr id="2" name="Title 1"/>
+          <p:cNvSpPr>
+            <a:spLocks noGrp="1"/>
+          </p:cNvSpPr>
+          <p:nvPr>
+            <p:ph type="title"/>
+          </p:nvPr>
+        </p:nvSpPr>
+        <p:spPr>
+          <a:xfrm>
+            <a:off x="838200" y="365126"/>
+            <a:ext cx="10515600" cy="981894"/>
+          </a:xfrm>
+        </p:spPr>
+        <p:txBody>
+          <a:bodyPr/>
+          <a:lstStyle/>
+          <a:p>
+            <a:r>
+              <a:rPr lang="en-US" dirty="0"/>
+              <a:t>Statistical Learning </a:t>
+            </a:r>
+            <a:r>
+              <a:rPr lang="en-US" dirty="0" err="1"/>
+              <a:t>v.s</a:t>
+            </a:r>
+            <a:r>
+              <a:rPr lang="en-US" dirty="0"/>
+              <a:t>. Machine Learning</a:t>
+            </a:r>
+          </a:p>
+        </p:txBody>
+      </p:sp>
+      <p:sp>
+        <p:nvSpPr>
+          <p:cNvPr id="10" name="Content Placeholder 2">
+            <a:extLst>
+              <a:ext uri="{FF2B5EF4-FFF2-40B4-BE49-F238E27FC236}">
+                <a16:creationId xmlns:a16="http://schemas.microsoft.com/office/drawing/2014/main" id="{BCA975F5-032B-EB48-99FB-4495FE9D7543}"/>
+              </a:ext>
+            </a:extLst>
+          </p:cNvPr>
           <p:cNvSpPr txBox="1">
             <a:spLocks/>
           </p:cNvSpPr>
@@ -4803,8 +4848,8 @@
         </p:nvSpPr>
         <p:spPr>
           <a:xfrm>
-            <a:off x="744794" y="2764606"/>
-            <a:ext cx="10341077" cy="499704"/>
+            <a:off x="838200" y="1488870"/>
+            <a:ext cx="10341077" cy="1650079"/>
           </a:xfrm>
           <a:prstGeom prst="rect">
             <a:avLst/>
@@ -4979,594 +5024,6 @@
             </a:lvl9pPr>
           </a:lstStyle>
           <a:p>
-            <a:pPr marL="36830" marR="1549400" indent="0">
-              <a:lnSpc>
-                <a:spcPct val="124500"/>
-              </a:lnSpc>
-              <a:buFont typeface="Arial" panose="020B0604020202020204" pitchFamily="34" charset="0"/>
-              <a:buNone/>
-            </a:pPr>
-            <a:r>
-              <a:rPr lang="en-US" sz="2400" spc="-5" dirty="0">
-                <a:latin typeface="Microsoft Sans Serif"/>
-                <a:cs typeface="Microsoft Sans Serif"/>
-              </a:rPr>
-              <a:t>machines?</a:t>
-            </a:r>
-            <a:r>
-              <a:rPr lang="en-US" sz="2400" spc="55" dirty="0">
-                <a:latin typeface="Microsoft Sans Serif"/>
-                <a:cs typeface="Microsoft Sans Serif"/>
-              </a:rPr>
-              <a:t> </a:t>
-            </a:r>
-            <a:r>
-              <a:rPr lang="en-US" sz="2400" spc="-5" dirty="0">
-                <a:latin typeface="Microsoft Sans Serif"/>
-                <a:cs typeface="Microsoft Sans Serif"/>
-              </a:rPr>
-              <a:t>computers?</a:t>
-            </a:r>
-            <a:r>
-              <a:rPr lang="en-US" sz="2400" spc="-250" dirty="0">
-                <a:latin typeface="Microsoft Sans Serif"/>
-                <a:cs typeface="Microsoft Sans Serif"/>
-              </a:rPr>
-              <a:t> </a:t>
-            </a:r>
-            <a:r>
-              <a:rPr lang="en-US" sz="2400" spc="-5" dirty="0">
-                <a:latin typeface="Microsoft Sans Serif"/>
-                <a:cs typeface="Microsoft Sans Serif"/>
-              </a:rPr>
-              <a:t>to</a:t>
-            </a:r>
-            <a:r>
-              <a:rPr lang="en-US" sz="2400" spc="5" dirty="0">
-                <a:latin typeface="Microsoft Sans Serif"/>
-                <a:cs typeface="Microsoft Sans Serif"/>
-              </a:rPr>
-              <a:t> </a:t>
-            </a:r>
-            <a:r>
-              <a:rPr lang="en-US" sz="2400" dirty="0">
-                <a:latin typeface="Microsoft Sans Serif"/>
-                <a:cs typeface="Microsoft Sans Serif"/>
-              </a:rPr>
-              <a:t>learn?</a:t>
-            </a:r>
-          </a:p>
-        </p:txBody>
-      </p:sp>
-      <p:sp>
-        <p:nvSpPr>
-          <p:cNvPr id="6" name="Content Placeholder 2"/>
-          <p:cNvSpPr txBox="1">
-            <a:spLocks/>
-          </p:cNvSpPr>
-          <p:nvPr/>
-        </p:nvSpPr>
-        <p:spPr>
-          <a:xfrm>
-            <a:off x="784123" y="3511857"/>
-            <a:ext cx="10341077" cy="883161"/>
-          </a:xfrm>
-          <a:prstGeom prst="rect">
-            <a:avLst/>
-          </a:prstGeom>
-        </p:spPr>
-        <p:txBody>
-          <a:bodyPr vert="horz" lIns="91440" tIns="45720" rIns="91440" bIns="45720" rtlCol="0">
-            <a:noAutofit/>
-          </a:bodyPr>
-          <a:lstStyle>
-            <a:lvl1pPr marL="228600" indent="-228600" algn="l" defTabSz="914400" rtl="0" eaLnBrk="1" latinLnBrk="0" hangingPunct="1">
-              <a:lnSpc>
-                <a:spcPct val="90000"/>
-              </a:lnSpc>
-              <a:spcBef>
-                <a:spcPts val="1000"/>
-              </a:spcBef>
-              <a:buFont typeface="Arial" panose="020B0604020202020204" pitchFamily="34" charset="0"/>
-              <a:buChar char="•"/>
-              <a:defRPr sz="2800" kern="1200">
-                <a:solidFill>
-                  <a:schemeClr val="tx1"/>
-                </a:solidFill>
-                <a:latin typeface="+mn-lt"/>
-                <a:ea typeface="+mn-ea"/>
-                <a:cs typeface="+mn-cs"/>
-              </a:defRPr>
-            </a:lvl1pPr>
-            <a:lvl2pPr marL="685800" indent="-228600" algn="l" defTabSz="914400" rtl="0" eaLnBrk="1" latinLnBrk="0" hangingPunct="1">
-              <a:lnSpc>
-                <a:spcPct val="90000"/>
-              </a:lnSpc>
-              <a:spcBef>
-                <a:spcPts val="500"/>
-              </a:spcBef>
-              <a:buFont typeface="Arial" panose="020B0604020202020204" pitchFamily="34" charset="0"/>
-              <a:buChar char="•"/>
-              <a:defRPr sz="2400" kern="1200">
-                <a:solidFill>
-                  <a:schemeClr val="tx1"/>
-                </a:solidFill>
-                <a:latin typeface="+mn-lt"/>
-                <a:ea typeface="+mn-ea"/>
-                <a:cs typeface="+mn-cs"/>
-              </a:defRPr>
-            </a:lvl2pPr>
-            <a:lvl3pPr marL="1143000" indent="-228600" algn="l" defTabSz="914400" rtl="0" eaLnBrk="1" latinLnBrk="0" hangingPunct="1">
-              <a:lnSpc>
-                <a:spcPct val="90000"/>
-              </a:lnSpc>
-              <a:spcBef>
-                <a:spcPts val="500"/>
-              </a:spcBef>
-              <a:buFont typeface="Arial" panose="020B0604020202020204" pitchFamily="34" charset="0"/>
-              <a:buChar char="•"/>
-              <a:defRPr sz="2000" kern="1200">
-                <a:solidFill>
-                  <a:schemeClr val="tx1"/>
-                </a:solidFill>
-                <a:latin typeface="+mn-lt"/>
-                <a:ea typeface="+mn-ea"/>
-                <a:cs typeface="+mn-cs"/>
-              </a:defRPr>
-            </a:lvl3pPr>
-            <a:lvl4pPr marL="1600200" indent="-228600" algn="l" defTabSz="914400" rtl="0" eaLnBrk="1" latinLnBrk="0" hangingPunct="1">
-              <a:lnSpc>
-                <a:spcPct val="90000"/>
-              </a:lnSpc>
-              <a:spcBef>
-                <a:spcPts val="500"/>
-              </a:spcBef>
-              <a:buFont typeface="Arial" panose="020B0604020202020204" pitchFamily="34" charset="0"/>
-              <a:buChar char="•"/>
-              <a:defRPr sz="1800" kern="1200">
-                <a:solidFill>
-                  <a:schemeClr val="tx1"/>
-                </a:solidFill>
-                <a:latin typeface="+mn-lt"/>
-                <a:ea typeface="+mn-ea"/>
-                <a:cs typeface="+mn-cs"/>
-              </a:defRPr>
-            </a:lvl4pPr>
-            <a:lvl5pPr marL="2057400" indent="-228600" algn="l" defTabSz="914400" rtl="0" eaLnBrk="1" latinLnBrk="0" hangingPunct="1">
-              <a:lnSpc>
-                <a:spcPct val="90000"/>
-              </a:lnSpc>
-              <a:spcBef>
-                <a:spcPts val="500"/>
-              </a:spcBef>
-              <a:buFont typeface="Arial" panose="020B0604020202020204" pitchFamily="34" charset="0"/>
-              <a:buChar char="•"/>
-              <a:defRPr sz="1800" kern="1200">
-                <a:solidFill>
-                  <a:schemeClr val="tx1"/>
-                </a:solidFill>
-                <a:latin typeface="+mn-lt"/>
-                <a:ea typeface="+mn-ea"/>
-                <a:cs typeface="+mn-cs"/>
-              </a:defRPr>
-            </a:lvl5pPr>
-            <a:lvl6pPr marL="2514600" indent="-228600" algn="l" defTabSz="914400" rtl="0" eaLnBrk="1" latinLnBrk="0" hangingPunct="1">
-              <a:lnSpc>
-                <a:spcPct val="90000"/>
-              </a:lnSpc>
-              <a:spcBef>
-                <a:spcPts val="500"/>
-              </a:spcBef>
-              <a:buFont typeface="Arial" panose="020B0604020202020204" pitchFamily="34" charset="0"/>
-              <a:buChar char="•"/>
-              <a:defRPr sz="1800" kern="1200">
-                <a:solidFill>
-                  <a:schemeClr val="tx1"/>
-                </a:solidFill>
-                <a:latin typeface="+mn-lt"/>
-                <a:ea typeface="+mn-ea"/>
-                <a:cs typeface="+mn-cs"/>
-              </a:defRPr>
-            </a:lvl6pPr>
-            <a:lvl7pPr marL="2971800" indent="-228600" algn="l" defTabSz="914400" rtl="0" eaLnBrk="1" latinLnBrk="0" hangingPunct="1">
-              <a:lnSpc>
-                <a:spcPct val="90000"/>
-              </a:lnSpc>
-              <a:spcBef>
-                <a:spcPts val="500"/>
-              </a:spcBef>
-              <a:buFont typeface="Arial" panose="020B0604020202020204" pitchFamily="34" charset="0"/>
-              <a:buChar char="•"/>
-              <a:defRPr sz="1800" kern="1200">
-                <a:solidFill>
-                  <a:schemeClr val="tx1"/>
-                </a:solidFill>
-                <a:latin typeface="+mn-lt"/>
-                <a:ea typeface="+mn-ea"/>
-                <a:cs typeface="+mn-cs"/>
-              </a:defRPr>
-            </a:lvl7pPr>
-            <a:lvl8pPr marL="3429000" indent="-228600" algn="l" defTabSz="914400" rtl="0" eaLnBrk="1" latinLnBrk="0" hangingPunct="1">
-              <a:lnSpc>
-                <a:spcPct val="90000"/>
-              </a:lnSpc>
-              <a:spcBef>
-                <a:spcPts val="500"/>
-              </a:spcBef>
-              <a:buFont typeface="Arial" panose="020B0604020202020204" pitchFamily="34" charset="0"/>
-              <a:buChar char="•"/>
-              <a:defRPr sz="1800" kern="1200">
-                <a:solidFill>
-                  <a:schemeClr val="tx1"/>
-                </a:solidFill>
-                <a:latin typeface="+mn-lt"/>
-                <a:ea typeface="+mn-ea"/>
-                <a:cs typeface="+mn-cs"/>
-              </a:defRPr>
-            </a:lvl8pPr>
-            <a:lvl9pPr marL="3886200" indent="-228600" algn="l" defTabSz="914400" rtl="0" eaLnBrk="1" latinLnBrk="0" hangingPunct="1">
-              <a:lnSpc>
-                <a:spcPct val="90000"/>
-              </a:lnSpc>
-              <a:spcBef>
-                <a:spcPts val="500"/>
-              </a:spcBef>
-              <a:buFont typeface="Arial" panose="020B0604020202020204" pitchFamily="34" charset="0"/>
-              <a:buChar char="•"/>
-              <a:defRPr sz="1800" kern="1200">
-                <a:solidFill>
-                  <a:schemeClr val="tx1"/>
-                </a:solidFill>
-                <a:latin typeface="+mn-lt"/>
-                <a:ea typeface="+mn-ea"/>
-                <a:cs typeface="+mn-cs"/>
-              </a:defRPr>
-            </a:lvl9pPr>
-          </a:lstStyle>
-          <a:p>
-            <a:pPr marL="36830" indent="0">
-              <a:lnSpc>
-                <a:spcPct val="100000"/>
-              </a:lnSpc>
-              <a:spcBef>
-                <a:spcPts val="295"/>
-              </a:spcBef>
-              <a:buNone/>
-            </a:pPr>
-            <a:r>
-              <a:rPr lang="en-US" sz="2400" spc="-5" dirty="0">
-                <a:latin typeface="Microsoft Sans Serif"/>
-                <a:cs typeface="Microsoft Sans Serif"/>
-              </a:rPr>
-              <a:t>need</a:t>
-            </a:r>
-            <a:r>
-              <a:rPr lang="en-US" sz="2400" spc="5" dirty="0">
-                <a:latin typeface="Microsoft Sans Serif"/>
-                <a:cs typeface="Microsoft Sans Serif"/>
-              </a:rPr>
-              <a:t> </a:t>
-            </a:r>
-            <a:r>
-              <a:rPr lang="en-US" sz="2400" spc="-5" dirty="0">
-                <a:latin typeface="Microsoft Sans Serif"/>
-                <a:cs typeface="Microsoft Sans Serif"/>
-              </a:rPr>
-              <a:t>to</a:t>
-            </a:r>
-            <a:r>
-              <a:rPr lang="en-US" sz="2400" spc="5" dirty="0">
-                <a:latin typeface="Microsoft Sans Serif"/>
-                <a:cs typeface="Microsoft Sans Serif"/>
-              </a:rPr>
-              <a:t> </a:t>
-            </a:r>
-            <a:r>
-              <a:rPr lang="en-US" sz="2400" spc="-5" dirty="0">
-                <a:latin typeface="Microsoft Sans Serif"/>
-                <a:cs typeface="Microsoft Sans Serif"/>
-              </a:rPr>
-              <a:t>quantify</a:t>
-            </a:r>
-            <a:r>
-              <a:rPr lang="en-US" sz="2400" spc="5" dirty="0">
-                <a:latin typeface="Microsoft Sans Serif"/>
-                <a:cs typeface="Microsoft Sans Serif"/>
-              </a:rPr>
-              <a:t> </a:t>
-            </a:r>
-            <a:r>
-              <a:rPr lang="en-US" sz="2400" spc="-5" dirty="0">
-                <a:latin typeface="Microsoft Sans Serif"/>
-                <a:cs typeface="Microsoft Sans Serif"/>
-              </a:rPr>
-              <a:t>"learning"</a:t>
-            </a:r>
-            <a:endParaRPr lang="en-US" sz="2400" dirty="0">
-              <a:latin typeface="Microsoft Sans Serif"/>
-              <a:cs typeface="Microsoft Sans Serif"/>
-            </a:endParaRPr>
-          </a:p>
-          <a:p>
-            <a:pPr marL="36830" indent="0">
-              <a:lnSpc>
-                <a:spcPct val="100000"/>
-              </a:lnSpc>
-              <a:spcBef>
-                <a:spcPts val="295"/>
-              </a:spcBef>
-              <a:buNone/>
-            </a:pPr>
-            <a:r>
-              <a:rPr lang="en-US" sz="2400" spc="-5" dirty="0">
-                <a:latin typeface="Microsoft Sans Serif"/>
-                <a:cs typeface="Microsoft Sans Serif"/>
-              </a:rPr>
-              <a:t>to</a:t>
-            </a:r>
-            <a:r>
-              <a:rPr lang="en-US" sz="2400" spc="5" dirty="0">
-                <a:latin typeface="Microsoft Sans Serif"/>
-                <a:cs typeface="Microsoft Sans Serif"/>
-              </a:rPr>
-              <a:t> </a:t>
-            </a:r>
-            <a:r>
-              <a:rPr lang="en-US" sz="2400" spc="-10" dirty="0">
-                <a:latin typeface="Microsoft Sans Serif"/>
-                <a:cs typeface="Microsoft Sans Serif"/>
-              </a:rPr>
-              <a:t>improve</a:t>
-            </a:r>
-            <a:r>
-              <a:rPr lang="en-US" sz="2400" spc="5" dirty="0">
-                <a:latin typeface="Microsoft Sans Serif"/>
-                <a:cs typeface="Microsoft Sans Serif"/>
-              </a:rPr>
-              <a:t> </a:t>
-            </a:r>
-            <a:r>
-              <a:rPr lang="en-US" sz="2400" spc="-5" dirty="0">
-                <a:latin typeface="Microsoft Sans Serif"/>
-                <a:cs typeface="Microsoft Sans Serif"/>
-              </a:rPr>
-              <a:t>their</a:t>
-            </a:r>
-            <a:r>
-              <a:rPr lang="en-US" sz="2400" spc="5" dirty="0">
-                <a:latin typeface="Microsoft Sans Serif"/>
-                <a:cs typeface="Microsoft Sans Serif"/>
-              </a:rPr>
-              <a:t> </a:t>
-            </a:r>
-            <a:r>
-              <a:rPr lang="en-US" sz="2400" spc="-5" dirty="0">
-                <a:latin typeface="Microsoft Sans Serif"/>
-                <a:cs typeface="Microsoft Sans Serif"/>
-              </a:rPr>
-              <a:t>performance</a:t>
-            </a:r>
-            <a:r>
-              <a:rPr lang="en-US" sz="2400" spc="5" dirty="0">
-                <a:latin typeface="Microsoft Sans Serif"/>
-                <a:cs typeface="Microsoft Sans Serif"/>
-              </a:rPr>
-              <a:t> </a:t>
-            </a:r>
-            <a:r>
-              <a:rPr lang="en-US" sz="2400" spc="-15" dirty="0">
-                <a:latin typeface="Microsoft Sans Serif"/>
-                <a:cs typeface="Microsoft Sans Serif"/>
-              </a:rPr>
-              <a:t>over</a:t>
-            </a:r>
-            <a:r>
-              <a:rPr lang="en-US" sz="2400" spc="5" dirty="0">
-                <a:latin typeface="Microsoft Sans Serif"/>
-                <a:cs typeface="Microsoft Sans Serif"/>
-              </a:rPr>
-              <a:t> </a:t>
-            </a:r>
-            <a:r>
-              <a:rPr lang="en-US" sz="2400" spc="-5" dirty="0">
-                <a:latin typeface="Microsoft Sans Serif"/>
-                <a:cs typeface="Microsoft Sans Serif"/>
-              </a:rPr>
-              <a:t>time</a:t>
-            </a:r>
-            <a:endParaRPr lang="en-US" sz="2400" dirty="0">
-              <a:latin typeface="Microsoft Sans Serif"/>
-              <a:cs typeface="Microsoft Sans Serif"/>
-            </a:endParaRPr>
-          </a:p>
-        </p:txBody>
-      </p:sp>
-      <p:sp>
-        <p:nvSpPr>
-          <p:cNvPr id="7" name="Content Placeholder 2"/>
-          <p:cNvSpPr txBox="1">
-            <a:spLocks/>
-          </p:cNvSpPr>
-          <p:nvPr/>
-        </p:nvSpPr>
-        <p:spPr>
-          <a:xfrm>
-            <a:off x="734962" y="4662231"/>
-            <a:ext cx="10341077" cy="883161"/>
-          </a:xfrm>
-          <a:prstGeom prst="rect">
-            <a:avLst/>
-          </a:prstGeom>
-        </p:spPr>
-        <p:txBody>
-          <a:bodyPr vert="horz" lIns="91440" tIns="45720" rIns="91440" bIns="45720" rtlCol="0">
-            <a:noAutofit/>
-          </a:bodyPr>
-          <a:lstStyle>
-            <a:lvl1pPr marL="228600" indent="-228600" algn="l" defTabSz="914400" rtl="0" eaLnBrk="1" latinLnBrk="0" hangingPunct="1">
-              <a:lnSpc>
-                <a:spcPct val="90000"/>
-              </a:lnSpc>
-              <a:spcBef>
-                <a:spcPts val="1000"/>
-              </a:spcBef>
-              <a:buFont typeface="Arial" panose="020B0604020202020204" pitchFamily="34" charset="0"/>
-              <a:buChar char="•"/>
-              <a:defRPr sz="2800" kern="1200">
-                <a:solidFill>
-                  <a:schemeClr val="tx1"/>
-                </a:solidFill>
-                <a:latin typeface="+mn-lt"/>
-                <a:ea typeface="+mn-ea"/>
-                <a:cs typeface="+mn-cs"/>
-              </a:defRPr>
-            </a:lvl1pPr>
-            <a:lvl2pPr marL="685800" indent="-228600" algn="l" defTabSz="914400" rtl="0" eaLnBrk="1" latinLnBrk="0" hangingPunct="1">
-              <a:lnSpc>
-                <a:spcPct val="90000"/>
-              </a:lnSpc>
-              <a:spcBef>
-                <a:spcPts val="500"/>
-              </a:spcBef>
-              <a:buFont typeface="Arial" panose="020B0604020202020204" pitchFamily="34" charset="0"/>
-              <a:buChar char="•"/>
-              <a:defRPr sz="2400" kern="1200">
-                <a:solidFill>
-                  <a:schemeClr val="tx1"/>
-                </a:solidFill>
-                <a:latin typeface="+mn-lt"/>
-                <a:ea typeface="+mn-ea"/>
-                <a:cs typeface="+mn-cs"/>
-              </a:defRPr>
-            </a:lvl2pPr>
-            <a:lvl3pPr marL="1143000" indent="-228600" algn="l" defTabSz="914400" rtl="0" eaLnBrk="1" latinLnBrk="0" hangingPunct="1">
-              <a:lnSpc>
-                <a:spcPct val="90000"/>
-              </a:lnSpc>
-              <a:spcBef>
-                <a:spcPts val="500"/>
-              </a:spcBef>
-              <a:buFont typeface="Arial" panose="020B0604020202020204" pitchFamily="34" charset="0"/>
-              <a:buChar char="•"/>
-              <a:defRPr sz="2000" kern="1200">
-                <a:solidFill>
-                  <a:schemeClr val="tx1"/>
-                </a:solidFill>
-                <a:latin typeface="+mn-lt"/>
-                <a:ea typeface="+mn-ea"/>
-                <a:cs typeface="+mn-cs"/>
-              </a:defRPr>
-            </a:lvl3pPr>
-            <a:lvl4pPr marL="1600200" indent="-228600" algn="l" defTabSz="914400" rtl="0" eaLnBrk="1" latinLnBrk="0" hangingPunct="1">
-              <a:lnSpc>
-                <a:spcPct val="90000"/>
-              </a:lnSpc>
-              <a:spcBef>
-                <a:spcPts val="500"/>
-              </a:spcBef>
-              <a:buFont typeface="Arial" panose="020B0604020202020204" pitchFamily="34" charset="0"/>
-              <a:buChar char="•"/>
-              <a:defRPr sz="1800" kern="1200">
-                <a:solidFill>
-                  <a:schemeClr val="tx1"/>
-                </a:solidFill>
-                <a:latin typeface="+mn-lt"/>
-                <a:ea typeface="+mn-ea"/>
-                <a:cs typeface="+mn-cs"/>
-              </a:defRPr>
-            </a:lvl4pPr>
-            <a:lvl5pPr marL="2057400" indent="-228600" algn="l" defTabSz="914400" rtl="0" eaLnBrk="1" latinLnBrk="0" hangingPunct="1">
-              <a:lnSpc>
-                <a:spcPct val="90000"/>
-              </a:lnSpc>
-              <a:spcBef>
-                <a:spcPts val="500"/>
-              </a:spcBef>
-              <a:buFont typeface="Arial" panose="020B0604020202020204" pitchFamily="34" charset="0"/>
-              <a:buChar char="•"/>
-              <a:defRPr sz="1800" kern="1200">
-                <a:solidFill>
-                  <a:schemeClr val="tx1"/>
-                </a:solidFill>
-                <a:latin typeface="+mn-lt"/>
-                <a:ea typeface="+mn-ea"/>
-                <a:cs typeface="+mn-cs"/>
-              </a:defRPr>
-            </a:lvl5pPr>
-            <a:lvl6pPr marL="2514600" indent="-228600" algn="l" defTabSz="914400" rtl="0" eaLnBrk="1" latinLnBrk="0" hangingPunct="1">
-              <a:lnSpc>
-                <a:spcPct val="90000"/>
-              </a:lnSpc>
-              <a:spcBef>
-                <a:spcPts val="500"/>
-              </a:spcBef>
-              <a:buFont typeface="Arial" panose="020B0604020202020204" pitchFamily="34" charset="0"/>
-              <a:buChar char="•"/>
-              <a:defRPr sz="1800" kern="1200">
-                <a:solidFill>
-                  <a:schemeClr val="tx1"/>
-                </a:solidFill>
-                <a:latin typeface="+mn-lt"/>
-                <a:ea typeface="+mn-ea"/>
-                <a:cs typeface="+mn-cs"/>
-              </a:defRPr>
-            </a:lvl6pPr>
-            <a:lvl7pPr marL="2971800" indent="-228600" algn="l" defTabSz="914400" rtl="0" eaLnBrk="1" latinLnBrk="0" hangingPunct="1">
-              <a:lnSpc>
-                <a:spcPct val="90000"/>
-              </a:lnSpc>
-              <a:spcBef>
-                <a:spcPts val="500"/>
-              </a:spcBef>
-              <a:buFont typeface="Arial" panose="020B0604020202020204" pitchFamily="34" charset="0"/>
-              <a:buChar char="•"/>
-              <a:defRPr sz="1800" kern="1200">
-                <a:solidFill>
-                  <a:schemeClr val="tx1"/>
-                </a:solidFill>
-                <a:latin typeface="+mn-lt"/>
-                <a:ea typeface="+mn-ea"/>
-                <a:cs typeface="+mn-cs"/>
-              </a:defRPr>
-            </a:lvl7pPr>
-            <a:lvl8pPr marL="3429000" indent="-228600" algn="l" defTabSz="914400" rtl="0" eaLnBrk="1" latinLnBrk="0" hangingPunct="1">
-              <a:lnSpc>
-                <a:spcPct val="90000"/>
-              </a:lnSpc>
-              <a:spcBef>
-                <a:spcPts val="500"/>
-              </a:spcBef>
-              <a:buFont typeface="Arial" panose="020B0604020202020204" pitchFamily="34" charset="0"/>
-              <a:buChar char="•"/>
-              <a:defRPr sz="1800" kern="1200">
-                <a:solidFill>
-                  <a:schemeClr val="tx1"/>
-                </a:solidFill>
-                <a:latin typeface="+mn-lt"/>
-                <a:ea typeface="+mn-ea"/>
-                <a:cs typeface="+mn-cs"/>
-              </a:defRPr>
-            </a:lvl8pPr>
-            <a:lvl9pPr marL="3886200" indent="-228600" algn="l" defTabSz="914400" rtl="0" eaLnBrk="1" latinLnBrk="0" hangingPunct="1">
-              <a:lnSpc>
-                <a:spcPct val="90000"/>
-              </a:lnSpc>
-              <a:spcBef>
-                <a:spcPts val="500"/>
-              </a:spcBef>
-              <a:buFont typeface="Arial" panose="020B0604020202020204" pitchFamily="34" charset="0"/>
-              <a:buChar char="•"/>
-              <a:defRPr sz="1800" kern="1200">
-                <a:solidFill>
-                  <a:schemeClr val="tx1"/>
-                </a:solidFill>
-                <a:latin typeface="+mn-lt"/>
-                <a:ea typeface="+mn-ea"/>
-                <a:cs typeface="+mn-cs"/>
-              </a:defRPr>
-            </a:lvl9pPr>
-          </a:lstStyle>
-          <a:p>
             <a:pPr marL="0" indent="0">
               <a:lnSpc>
                 <a:spcPct val="100000"/>
@@ -5575,1190 +5032,6 @@
             </a:pPr>
             <a:r>
               <a:rPr lang="en-US" sz="2400" i="1" spc="-10" dirty="0">
-                <a:solidFill>
-                  <a:srgbClr val="0070C0"/>
-                </a:solidFill>
-                <a:latin typeface="Times New Roman"/>
-                <a:cs typeface="Times New Roman"/>
-              </a:rPr>
-              <a:t>Definition</a:t>
-            </a:r>
-            <a:r>
-              <a:rPr lang="en-US" sz="2400" i="1" spc="-15" dirty="0">
-                <a:solidFill>
-                  <a:srgbClr val="0070C0"/>
-                </a:solidFill>
-                <a:latin typeface="Times New Roman"/>
-                <a:cs typeface="Times New Roman"/>
-              </a:rPr>
-              <a:t> </a:t>
-            </a:r>
-            <a:r>
-              <a:rPr lang="en-US" sz="2400" i="1" spc="-5" dirty="0">
-                <a:solidFill>
-                  <a:srgbClr val="0070C0"/>
-                </a:solidFill>
-                <a:latin typeface="Times New Roman"/>
-                <a:cs typeface="Times New Roman"/>
-              </a:rPr>
-              <a:t>(Second</a:t>
-            </a:r>
-            <a:r>
-              <a:rPr lang="en-US" sz="2400" i="1" spc="-15" dirty="0">
-                <a:solidFill>
-                  <a:srgbClr val="0070C0"/>
-                </a:solidFill>
-                <a:latin typeface="Times New Roman"/>
-                <a:cs typeface="Times New Roman"/>
-              </a:rPr>
-              <a:t> </a:t>
-            </a:r>
-            <a:r>
-              <a:rPr lang="en-US" sz="2400" i="1" spc="-20" dirty="0">
-                <a:solidFill>
-                  <a:srgbClr val="0070C0"/>
-                </a:solidFill>
-                <a:latin typeface="Times New Roman"/>
-                <a:cs typeface="Times New Roman"/>
-              </a:rPr>
-              <a:t>Try)</a:t>
-            </a:r>
-            <a:endParaRPr lang="en-US" sz="2400" dirty="0">
-              <a:solidFill>
-                <a:srgbClr val="0070C0"/>
-              </a:solidFill>
-              <a:latin typeface="Times New Roman"/>
-              <a:cs typeface="Times New Roman"/>
-            </a:endParaRPr>
-          </a:p>
-          <a:p>
-            <a:pPr marL="0" marR="5080" indent="0">
-              <a:lnSpc>
-                <a:spcPct val="100000"/>
-              </a:lnSpc>
-              <a:spcBef>
-                <a:spcPts val="360"/>
-              </a:spcBef>
-              <a:buNone/>
-            </a:pPr>
-            <a:r>
-              <a:rPr lang="en-US" sz="2400" spc="-5" dirty="0">
-                <a:latin typeface="Microsoft Sans Serif"/>
-                <a:cs typeface="Microsoft Sans Serif"/>
-              </a:rPr>
-              <a:t>Machine</a:t>
-            </a:r>
-            <a:r>
-              <a:rPr lang="en-US" sz="2400" spc="5" dirty="0">
-                <a:latin typeface="Microsoft Sans Serif"/>
-                <a:cs typeface="Microsoft Sans Serif"/>
-              </a:rPr>
-              <a:t> </a:t>
-            </a:r>
-            <a:r>
-              <a:rPr lang="en-US" sz="2400" spc="-5" dirty="0">
-                <a:latin typeface="Microsoft Sans Serif"/>
-                <a:cs typeface="Microsoft Sans Serif"/>
-              </a:rPr>
-              <a:t>learning</a:t>
-            </a:r>
-            <a:r>
-              <a:rPr lang="en-US" sz="2400" spc="10" dirty="0">
-                <a:latin typeface="Microsoft Sans Serif"/>
-                <a:cs typeface="Microsoft Sans Serif"/>
-              </a:rPr>
-              <a:t> </a:t>
-            </a:r>
-            <a:r>
-              <a:rPr lang="en-US" sz="2400" spc="-5" dirty="0">
-                <a:latin typeface="Microsoft Sans Serif"/>
-                <a:cs typeface="Microsoft Sans Serif"/>
-              </a:rPr>
-              <a:t>is</a:t>
-            </a:r>
-            <a:r>
-              <a:rPr lang="en-US" sz="2400" spc="10" dirty="0">
-                <a:latin typeface="Microsoft Sans Serif"/>
-                <a:cs typeface="Microsoft Sans Serif"/>
-              </a:rPr>
-              <a:t> </a:t>
-            </a:r>
-            <a:r>
-              <a:rPr lang="en-US" sz="2400" dirty="0">
-                <a:latin typeface="Microsoft Sans Serif"/>
-                <a:cs typeface="Microsoft Sans Serif"/>
-              </a:rPr>
-              <a:t>concerned</a:t>
-            </a:r>
-            <a:r>
-              <a:rPr lang="en-US" sz="2400" spc="10" dirty="0">
-                <a:latin typeface="Microsoft Sans Serif"/>
-                <a:cs typeface="Microsoft Sans Serif"/>
-              </a:rPr>
-              <a:t> </a:t>
-            </a:r>
-            <a:r>
-              <a:rPr lang="en-US" sz="2400" spc="-5" dirty="0">
-                <a:latin typeface="Microsoft Sans Serif"/>
-                <a:cs typeface="Microsoft Sans Serif"/>
-              </a:rPr>
-              <a:t>with</a:t>
-            </a:r>
-            <a:r>
-              <a:rPr lang="en-US" sz="2400" spc="10" dirty="0">
-                <a:latin typeface="Microsoft Sans Serif"/>
-                <a:cs typeface="Microsoft Sans Serif"/>
-              </a:rPr>
-              <a:t> </a:t>
-            </a:r>
-            <a:r>
-              <a:rPr lang="en-US" sz="2400" spc="-5" dirty="0">
-                <a:latin typeface="Microsoft Sans Serif"/>
-                <a:cs typeface="Microsoft Sans Serif"/>
-              </a:rPr>
-              <a:t>the</a:t>
-            </a:r>
-            <a:r>
-              <a:rPr lang="en-US" sz="2400" spc="10" dirty="0">
-                <a:latin typeface="Microsoft Sans Serif"/>
-                <a:cs typeface="Microsoft Sans Serif"/>
-              </a:rPr>
-              <a:t> </a:t>
-            </a:r>
-            <a:r>
-              <a:rPr lang="en-US" sz="2400" spc="-5" dirty="0">
-                <a:latin typeface="Microsoft Sans Serif"/>
-                <a:cs typeface="Microsoft Sans Serif"/>
-              </a:rPr>
-              <a:t>design</a:t>
-            </a:r>
-            <a:r>
-              <a:rPr lang="en-US" sz="2400" spc="10" dirty="0">
-                <a:latin typeface="Microsoft Sans Serif"/>
-                <a:cs typeface="Microsoft Sans Serif"/>
-              </a:rPr>
-              <a:t> </a:t>
-            </a:r>
-            <a:r>
-              <a:rPr lang="en-US" sz="2400" spc="-5" dirty="0">
-                <a:latin typeface="Microsoft Sans Serif"/>
-                <a:cs typeface="Microsoft Sans Serif"/>
-              </a:rPr>
-              <a:t>and </a:t>
-            </a:r>
-            <a:r>
-              <a:rPr lang="en-US" sz="2400" spc="-10" dirty="0">
-                <a:latin typeface="Microsoft Sans Serif"/>
-                <a:cs typeface="Microsoft Sans Serif"/>
-              </a:rPr>
-              <a:t>development</a:t>
-            </a:r>
-            <a:r>
-              <a:rPr lang="en-US" sz="2400" spc="15" dirty="0">
-                <a:latin typeface="Microsoft Sans Serif"/>
-                <a:cs typeface="Microsoft Sans Serif"/>
-              </a:rPr>
-              <a:t> </a:t>
-            </a:r>
-            <a:r>
-              <a:rPr lang="en-US" sz="2400" spc="-5" dirty="0">
-                <a:latin typeface="Microsoft Sans Serif"/>
-                <a:cs typeface="Microsoft Sans Serif"/>
-              </a:rPr>
-              <a:t>of</a:t>
-            </a:r>
-            <a:r>
-              <a:rPr lang="en-US" sz="2400" spc="15" dirty="0">
-                <a:latin typeface="Microsoft Sans Serif"/>
-                <a:cs typeface="Microsoft Sans Serif"/>
-              </a:rPr>
-              <a:t> </a:t>
-            </a:r>
-            <a:r>
-              <a:rPr lang="en-US" sz="2400" spc="-5" dirty="0">
-                <a:latin typeface="Microsoft Sans Serif"/>
-                <a:cs typeface="Microsoft Sans Serif"/>
-              </a:rPr>
-              <a:t>algorithms</a:t>
-            </a:r>
-            <a:r>
-              <a:rPr lang="en-US" sz="2400" spc="20" dirty="0">
-                <a:latin typeface="Microsoft Sans Serif"/>
-                <a:cs typeface="Microsoft Sans Serif"/>
-              </a:rPr>
-              <a:t> </a:t>
-            </a:r>
-            <a:r>
-              <a:rPr lang="en-US" sz="2400" spc="-5" dirty="0">
-                <a:latin typeface="Microsoft Sans Serif"/>
-                <a:cs typeface="Microsoft Sans Serif"/>
-              </a:rPr>
-              <a:t>that</a:t>
-            </a:r>
-            <a:r>
-              <a:rPr lang="en-US" sz="2400" spc="15" dirty="0">
-                <a:latin typeface="Microsoft Sans Serif"/>
-                <a:cs typeface="Microsoft Sans Serif"/>
-              </a:rPr>
-              <a:t> </a:t>
-            </a:r>
-            <a:r>
-              <a:rPr lang="en-US" sz="2400" spc="-10" dirty="0">
-                <a:latin typeface="Microsoft Sans Serif"/>
-                <a:cs typeface="Microsoft Sans Serif"/>
-              </a:rPr>
-              <a:t>allow</a:t>
-            </a:r>
-            <a:r>
-              <a:rPr lang="en-US" sz="2400" spc="20" dirty="0">
-                <a:latin typeface="Microsoft Sans Serif"/>
-                <a:cs typeface="Microsoft Sans Serif"/>
-              </a:rPr>
-              <a:t> </a:t>
-            </a:r>
-            <a:r>
-              <a:rPr lang="en-US" sz="2400" spc="-5" dirty="0">
-                <a:latin typeface="Microsoft Sans Serif"/>
-                <a:cs typeface="Microsoft Sans Serif"/>
-              </a:rPr>
-              <a:t>computers</a:t>
-            </a:r>
-            <a:r>
-              <a:rPr lang="en-US" sz="2400" spc="15" dirty="0">
-                <a:latin typeface="Microsoft Sans Serif"/>
-                <a:cs typeface="Microsoft Sans Serif"/>
-              </a:rPr>
-              <a:t> </a:t>
-            </a:r>
-            <a:r>
-              <a:rPr lang="en-US" sz="2400" spc="-5" dirty="0">
-                <a:latin typeface="Microsoft Sans Serif"/>
-                <a:cs typeface="Microsoft Sans Serif"/>
-              </a:rPr>
-              <a:t>(machines)</a:t>
-            </a:r>
-            <a:r>
-              <a:rPr lang="en-US" sz="2400" spc="15" dirty="0">
-                <a:latin typeface="Microsoft Sans Serif"/>
-                <a:cs typeface="Microsoft Sans Serif"/>
-              </a:rPr>
-              <a:t> </a:t>
-            </a:r>
-            <a:r>
-              <a:rPr lang="en-US" sz="2400" spc="-5" dirty="0">
-                <a:latin typeface="Microsoft Sans Serif"/>
-                <a:cs typeface="Microsoft Sans Serif"/>
-              </a:rPr>
-              <a:t>to</a:t>
-            </a:r>
-            <a:r>
-              <a:rPr lang="en-US" sz="2400" spc="-250" dirty="0">
-                <a:latin typeface="Microsoft Sans Serif"/>
-                <a:cs typeface="Microsoft Sans Serif"/>
-              </a:rPr>
-              <a:t> </a:t>
-            </a:r>
-            <a:r>
-              <a:rPr lang="en-US" sz="2400" spc="-10" dirty="0">
-                <a:latin typeface="Microsoft Sans Serif"/>
-                <a:cs typeface="Microsoft Sans Serif"/>
-              </a:rPr>
-              <a:t>improve</a:t>
-            </a:r>
-            <a:r>
-              <a:rPr lang="en-US" sz="2400" spc="5" dirty="0">
-                <a:latin typeface="Microsoft Sans Serif"/>
-                <a:cs typeface="Microsoft Sans Serif"/>
-              </a:rPr>
-              <a:t> </a:t>
-            </a:r>
-            <a:r>
-              <a:rPr lang="en-US" sz="2400" spc="-5" dirty="0">
-                <a:latin typeface="Microsoft Sans Serif"/>
-                <a:cs typeface="Microsoft Sans Serif"/>
-              </a:rPr>
-              <a:t>their</a:t>
-            </a:r>
-            <a:r>
-              <a:rPr lang="en-US" sz="2400" spc="10" dirty="0">
-                <a:latin typeface="Microsoft Sans Serif"/>
-                <a:cs typeface="Microsoft Sans Serif"/>
-              </a:rPr>
-              <a:t> </a:t>
-            </a:r>
-            <a:r>
-              <a:rPr lang="en-US" sz="2400" spc="-5" dirty="0">
-                <a:latin typeface="Microsoft Sans Serif"/>
-                <a:cs typeface="Microsoft Sans Serif"/>
-              </a:rPr>
-              <a:t>performance</a:t>
-            </a:r>
-            <a:r>
-              <a:rPr lang="en-US" sz="2400" spc="10" dirty="0">
-                <a:latin typeface="Microsoft Sans Serif"/>
-                <a:cs typeface="Microsoft Sans Serif"/>
-              </a:rPr>
-              <a:t> </a:t>
-            </a:r>
-            <a:r>
-              <a:rPr lang="en-US" sz="2400" spc="-15" dirty="0">
-                <a:latin typeface="Microsoft Sans Serif"/>
-                <a:cs typeface="Microsoft Sans Serif"/>
-              </a:rPr>
-              <a:t>over</a:t>
-            </a:r>
-            <a:r>
-              <a:rPr lang="en-US" sz="2400" spc="10" dirty="0">
-                <a:latin typeface="Microsoft Sans Serif"/>
-                <a:cs typeface="Microsoft Sans Serif"/>
-              </a:rPr>
-              <a:t> </a:t>
-            </a:r>
-            <a:r>
-              <a:rPr lang="en-US" sz="2400" spc="-10" dirty="0">
-                <a:latin typeface="Microsoft Sans Serif"/>
-                <a:cs typeface="Microsoft Sans Serif"/>
-              </a:rPr>
-              <a:t>time.</a:t>
-            </a:r>
-            <a:endParaRPr lang="en-US" sz="2400" dirty="0">
-              <a:latin typeface="Microsoft Sans Serif"/>
-              <a:cs typeface="Microsoft Sans Serif"/>
-            </a:endParaRPr>
-          </a:p>
-        </p:txBody>
-      </p:sp>
-    </p:spTree>
-    <p:extLst>
-      <p:ext uri="{BB962C8B-B14F-4D97-AF65-F5344CB8AC3E}">
-        <p14:creationId xmlns:p14="http://schemas.microsoft.com/office/powerpoint/2010/main" val="406995267"/>
-      </p:ext>
-    </p:extLst>
-  </p:cSld>
-  <p:clrMapOvr>
-    <a:masterClrMapping/>
-  </p:clrMapOvr>
-  <p:timing>
-    <p:tnLst>
-      <p:par>
-        <p:cTn id="1" dur="indefinite" restart="never" nodeType="tmRoot">
-          <p:childTnLst>
-            <p:seq concurrent="1" nextAc="seek">
-              <p:cTn id="2" dur="indefinite" nodeType="mainSeq">
-                <p:childTnLst>
-                  <p:par>
-                    <p:cTn id="3" fill="hold">
-                      <p:stCondLst>
-                        <p:cond delay="indefinite"/>
-                      </p:stCondLst>
-                      <p:childTnLst>
-                        <p:par>
-                          <p:cTn id="4" fill="hold">
-                            <p:stCondLst>
-                              <p:cond delay="0"/>
-                            </p:stCondLst>
-                            <p:childTnLst>
-                              <p:par>
-                                <p:cTn id="5" presetID="10" presetClass="entr" presetSubtype="0" fill="hold" nodeType="clickEffect">
-                                  <p:stCondLst>
-                                    <p:cond delay="0"/>
-                                  </p:stCondLst>
-                                  <p:childTnLst>
-                                    <p:set>
-                                      <p:cBhvr>
-                                        <p:cTn id="6" dur="1" fill="hold">
-                                          <p:stCondLst>
-                                            <p:cond delay="0"/>
-                                          </p:stCondLst>
-                                        </p:cTn>
-                                        <p:tgtEl>
-                                          <p:spTgt spid="3">
-                                            <p:txEl>
-                                              <p:pRg st="0" end="0"/>
-                                            </p:txEl>
-                                          </p:spTgt>
-                                        </p:tgtEl>
-                                        <p:attrNameLst>
-                                          <p:attrName>style.visibility</p:attrName>
-                                        </p:attrNameLst>
-                                      </p:cBhvr>
-                                      <p:to>
-                                        <p:strVal val="visible"/>
-                                      </p:to>
-                                    </p:set>
-                                    <p:animEffect transition="in" filter="fade">
-                                      <p:cBhvr>
-                                        <p:cTn id="7" dur="500"/>
-                                        <p:tgtEl>
-                                          <p:spTgt spid="3">
-                                            <p:txEl>
-                                              <p:pRg st="0" end="0"/>
-                                            </p:txEl>
-                                          </p:spTgt>
-                                        </p:tgtEl>
-                                      </p:cBhvr>
-                                    </p:animEffect>
-                                  </p:childTnLst>
-                                </p:cTn>
-                              </p:par>
-                              <p:par>
-                                <p:cTn id="8" presetID="10" presetClass="entr" presetSubtype="0" fill="hold" nodeType="withEffect">
-                                  <p:stCondLst>
-                                    <p:cond delay="0"/>
-                                  </p:stCondLst>
-                                  <p:childTnLst>
-                                    <p:set>
-                                      <p:cBhvr>
-                                        <p:cTn id="9" dur="1" fill="hold">
-                                          <p:stCondLst>
-                                            <p:cond delay="0"/>
-                                          </p:stCondLst>
-                                        </p:cTn>
-                                        <p:tgtEl>
-                                          <p:spTgt spid="3">
-                                            <p:txEl>
-                                              <p:pRg st="1" end="1"/>
-                                            </p:txEl>
-                                          </p:spTgt>
-                                        </p:tgtEl>
-                                        <p:attrNameLst>
-                                          <p:attrName>style.visibility</p:attrName>
-                                        </p:attrNameLst>
-                                      </p:cBhvr>
-                                      <p:to>
-                                        <p:strVal val="visible"/>
-                                      </p:to>
-                                    </p:set>
-                                    <p:animEffect transition="in" filter="fade">
-                                      <p:cBhvr>
-                                        <p:cTn id="10" dur="500"/>
-                                        <p:tgtEl>
-                                          <p:spTgt spid="3">
-                                            <p:txEl>
-                                              <p:pRg st="1" end="1"/>
-                                            </p:txEl>
-                                          </p:spTgt>
-                                        </p:tgtEl>
-                                      </p:cBhvr>
-                                    </p:animEffect>
-                                  </p:childTnLst>
-                                </p:cTn>
-                              </p:par>
-                            </p:childTnLst>
-                          </p:cTn>
-                        </p:par>
-                      </p:childTnLst>
-                    </p:cTn>
-                  </p:par>
-                  <p:par>
-                    <p:cTn id="11" fill="hold">
-                      <p:stCondLst>
-                        <p:cond delay="indefinite"/>
-                      </p:stCondLst>
-                      <p:childTnLst>
-                        <p:par>
-                          <p:cTn id="12" fill="hold">
-                            <p:stCondLst>
-                              <p:cond delay="0"/>
-                            </p:stCondLst>
-                            <p:childTnLst>
-                              <p:par>
-                                <p:cTn id="13" presetID="10" presetClass="entr" presetSubtype="0" fill="hold" grpId="0" nodeType="clickEffect">
-                                  <p:stCondLst>
-                                    <p:cond delay="0"/>
-                                  </p:stCondLst>
-                                  <p:childTnLst>
-                                    <p:set>
-                                      <p:cBhvr>
-                                        <p:cTn id="14" dur="1" fill="hold">
-                                          <p:stCondLst>
-                                            <p:cond delay="0"/>
-                                          </p:stCondLst>
-                                        </p:cTn>
-                                        <p:tgtEl>
-                                          <p:spTgt spid="5"/>
-                                        </p:tgtEl>
-                                        <p:attrNameLst>
-                                          <p:attrName>style.visibility</p:attrName>
-                                        </p:attrNameLst>
-                                      </p:cBhvr>
-                                      <p:to>
-                                        <p:strVal val="visible"/>
-                                      </p:to>
-                                    </p:set>
-                                    <p:animEffect transition="in" filter="fade">
-                                      <p:cBhvr>
-                                        <p:cTn id="15" dur="500"/>
-                                        <p:tgtEl>
-                                          <p:spTgt spid="5"/>
-                                        </p:tgtEl>
-                                      </p:cBhvr>
-                                    </p:animEffect>
-                                  </p:childTnLst>
-                                </p:cTn>
-                              </p:par>
-                            </p:childTnLst>
-                          </p:cTn>
-                        </p:par>
-                      </p:childTnLst>
-                    </p:cTn>
-                  </p:par>
-                  <p:par>
-                    <p:cTn id="16" fill="hold">
-                      <p:stCondLst>
-                        <p:cond delay="indefinite"/>
-                      </p:stCondLst>
-                      <p:childTnLst>
-                        <p:par>
-                          <p:cTn id="17" fill="hold">
-                            <p:stCondLst>
-                              <p:cond delay="0"/>
-                            </p:stCondLst>
-                            <p:childTnLst>
-                              <p:par>
-                                <p:cTn id="18" presetID="10" presetClass="entr" presetSubtype="0" fill="hold" grpId="0" nodeType="clickEffect">
-                                  <p:stCondLst>
-                                    <p:cond delay="0"/>
-                                  </p:stCondLst>
-                                  <p:childTnLst>
-                                    <p:set>
-                                      <p:cBhvr>
-                                        <p:cTn id="19" dur="1" fill="hold">
-                                          <p:stCondLst>
-                                            <p:cond delay="0"/>
-                                          </p:stCondLst>
-                                        </p:cTn>
-                                        <p:tgtEl>
-                                          <p:spTgt spid="6"/>
-                                        </p:tgtEl>
-                                        <p:attrNameLst>
-                                          <p:attrName>style.visibility</p:attrName>
-                                        </p:attrNameLst>
-                                      </p:cBhvr>
-                                      <p:to>
-                                        <p:strVal val="visible"/>
-                                      </p:to>
-                                    </p:set>
-                                    <p:animEffect transition="in" filter="fade">
-                                      <p:cBhvr>
-                                        <p:cTn id="20" dur="500"/>
-                                        <p:tgtEl>
-                                          <p:spTgt spid="6"/>
-                                        </p:tgtEl>
-                                      </p:cBhvr>
-                                    </p:animEffect>
-                                  </p:childTnLst>
-                                </p:cTn>
-                              </p:par>
-                            </p:childTnLst>
-                          </p:cTn>
-                        </p:par>
-                      </p:childTnLst>
-                    </p:cTn>
-                  </p:par>
-                  <p:par>
-                    <p:cTn id="21" fill="hold">
-                      <p:stCondLst>
-                        <p:cond delay="indefinite"/>
-                      </p:stCondLst>
-                      <p:childTnLst>
-                        <p:par>
-                          <p:cTn id="22" fill="hold">
-                            <p:stCondLst>
-                              <p:cond delay="0"/>
-                            </p:stCondLst>
-                            <p:childTnLst>
-                              <p:par>
-                                <p:cTn id="23" presetID="10" presetClass="entr" presetSubtype="0" fill="hold" grpId="0" nodeType="clickEffect">
-                                  <p:stCondLst>
-                                    <p:cond delay="0"/>
-                                  </p:stCondLst>
-                                  <p:childTnLst>
-                                    <p:set>
-                                      <p:cBhvr>
-                                        <p:cTn id="24" dur="1" fill="hold">
-                                          <p:stCondLst>
-                                            <p:cond delay="0"/>
-                                          </p:stCondLst>
-                                        </p:cTn>
-                                        <p:tgtEl>
-                                          <p:spTgt spid="7"/>
-                                        </p:tgtEl>
-                                        <p:attrNameLst>
-                                          <p:attrName>style.visibility</p:attrName>
-                                        </p:attrNameLst>
-                                      </p:cBhvr>
-                                      <p:to>
-                                        <p:strVal val="visible"/>
-                                      </p:to>
-                                    </p:set>
-                                    <p:animEffect transition="in" filter="fade">
-                                      <p:cBhvr>
-                                        <p:cTn id="25" dur="500"/>
-                                        <p:tgtEl>
-                                          <p:spTgt spid="7"/>
-                                        </p:tgtEl>
-                                      </p:cBhvr>
-                                    </p:animEffect>
-                                  </p:childTnLst>
-                                </p:cTn>
-                              </p:par>
-                            </p:childTnLst>
-                          </p:cTn>
-                        </p:par>
-                      </p:childTnLst>
-                    </p:cTn>
-                  </p:par>
-                </p:childTnLst>
-              </p:cTn>
-              <p:prevCondLst>
-                <p:cond evt="onPrev" delay="0">
-                  <p:tgtEl>
-                    <p:sldTgt/>
-                  </p:tgtEl>
-                </p:cond>
-              </p:prevCondLst>
-              <p:nextCondLst>
-                <p:cond evt="onNext" delay="0">
-                  <p:tgtEl>
-                    <p:sldTgt/>
-                  </p:tgtEl>
-                </p:cond>
-              </p:nextCondLst>
-            </p:seq>
-          </p:childTnLst>
-        </p:cTn>
-      </p:par>
-    </p:tnLst>
-    <p:bldLst>
-      <p:bldP spid="5" grpId="0"/>
-      <p:bldP spid="6" grpId="0"/>
-      <p:bldP spid="7" grpId="0"/>
-    </p:bldLst>
-  </p:timing>
-</p:sld>
-</file>
-
-<file path=ppt/slides/slide11.xml><?xml version="1.0" encoding="utf-8"?>
-<p:sld xmlns:a="http://schemas.openxmlformats.org/drawingml/2006/main" xmlns:r="http://schemas.openxmlformats.org/officeDocument/2006/relationships" xmlns:p="http://schemas.openxmlformats.org/presentationml/2006/main">
-  <p:cSld>
-    <p:spTree>
-      <p:nvGrpSpPr>
-        <p:cNvPr id="1" name=""/>
-        <p:cNvGrpSpPr/>
-        <p:nvPr/>
-      </p:nvGrpSpPr>
-      <p:grpSpPr>
-        <a:xfrm>
-          <a:off x="0" y="0"/>
-          <a:ext cx="0" cy="0"/>
-          <a:chOff x="0" y="0"/>
-          <a:chExt cx="0" cy="0"/>
-        </a:xfrm>
-      </p:grpSpPr>
-      <p:sp>
-        <p:nvSpPr>
-          <p:cNvPr id="2" name="Title 1"/>
-          <p:cNvSpPr>
-            <a:spLocks noGrp="1"/>
-          </p:cNvSpPr>
-          <p:nvPr>
-            <p:ph type="title"/>
-          </p:nvPr>
-        </p:nvSpPr>
-        <p:spPr>
-          <a:xfrm>
-            <a:off x="838200" y="365126"/>
-            <a:ext cx="10515600" cy="981894"/>
-          </a:xfrm>
-        </p:spPr>
-        <p:txBody>
-          <a:bodyPr/>
-          <a:lstStyle/>
-          <a:p>
-            <a:r>
-              <a:rPr lang="en-US" dirty="0">
-                <a:solidFill>
-                  <a:srgbClr val="0070C0"/>
-                </a:solidFill>
-              </a:rPr>
-              <a:t>What is Machine Learning?</a:t>
-            </a:r>
-          </a:p>
-        </p:txBody>
-      </p:sp>
-      <p:sp>
-        <p:nvSpPr>
-          <p:cNvPr id="3" name="Content Placeholder 2"/>
-          <p:cNvSpPr>
-            <a:spLocks noGrp="1"/>
-          </p:cNvSpPr>
-          <p:nvPr>
-            <p:ph idx="1"/>
-          </p:nvPr>
-        </p:nvSpPr>
-        <p:spPr>
-          <a:xfrm>
-            <a:off x="759542" y="1412670"/>
-            <a:ext cx="10341077" cy="1124053"/>
-          </a:xfrm>
-        </p:spPr>
-        <p:txBody>
-          <a:bodyPr>
-            <a:noAutofit/>
-          </a:bodyPr>
-          <a:lstStyle/>
-          <a:p>
-            <a:pPr marL="265430" marR="460375">
-              <a:lnSpc>
-                <a:spcPct val="124500"/>
-              </a:lnSpc>
-              <a:spcBef>
-                <a:spcPts val="100"/>
-              </a:spcBef>
-            </a:pPr>
-            <a:r>
-              <a:rPr lang="en-US" sz="2400" spc="-5" dirty="0">
-                <a:latin typeface="Microsoft Sans Serif"/>
-                <a:cs typeface="Microsoft Sans Serif"/>
-              </a:rPr>
-              <a:t>What</a:t>
-            </a:r>
-            <a:r>
-              <a:rPr lang="en-US" sz="2400" spc="10" dirty="0">
-                <a:latin typeface="Microsoft Sans Serif"/>
-                <a:cs typeface="Microsoft Sans Serif"/>
-              </a:rPr>
-              <a:t> </a:t>
-            </a:r>
-            <a:r>
-              <a:rPr lang="en-US" sz="2400" spc="-5" dirty="0">
-                <a:latin typeface="Microsoft Sans Serif"/>
-                <a:cs typeface="Microsoft Sans Serif"/>
-              </a:rPr>
-              <a:t>is</a:t>
-            </a:r>
-            <a:r>
-              <a:rPr lang="en-US" sz="2400" spc="10" dirty="0">
-                <a:latin typeface="Microsoft Sans Serif"/>
-                <a:cs typeface="Microsoft Sans Serif"/>
-              </a:rPr>
-              <a:t> </a:t>
-            </a:r>
-            <a:r>
-              <a:rPr lang="en-US" sz="2400" spc="-5" dirty="0">
-                <a:latin typeface="Microsoft Sans Serif"/>
-                <a:cs typeface="Microsoft Sans Serif"/>
-              </a:rPr>
-              <a:t>the</a:t>
-            </a:r>
-            <a:r>
-              <a:rPr lang="en-US" sz="2400" spc="10" dirty="0">
-                <a:latin typeface="Microsoft Sans Serif"/>
-                <a:cs typeface="Microsoft Sans Serif"/>
-              </a:rPr>
-              <a:t> </a:t>
-            </a:r>
-            <a:r>
-              <a:rPr lang="en-US" sz="2400" spc="-5" dirty="0">
-                <a:latin typeface="Microsoft Sans Serif"/>
-                <a:cs typeface="Microsoft Sans Serif"/>
-              </a:rPr>
-              <a:t>source</a:t>
-            </a:r>
-            <a:r>
-              <a:rPr lang="en-US" sz="2400" spc="10" dirty="0">
-                <a:latin typeface="Microsoft Sans Serif"/>
-                <a:cs typeface="Microsoft Sans Serif"/>
-              </a:rPr>
-              <a:t> </a:t>
-            </a:r>
-            <a:r>
-              <a:rPr lang="en-US" sz="2400" spc="-5" dirty="0">
-                <a:latin typeface="Microsoft Sans Serif"/>
-                <a:cs typeface="Microsoft Sans Serif"/>
-              </a:rPr>
-              <a:t>of</a:t>
-            </a:r>
-            <a:r>
-              <a:rPr lang="en-US" sz="2400" spc="10" dirty="0">
-                <a:latin typeface="Microsoft Sans Serif"/>
-                <a:cs typeface="Microsoft Sans Serif"/>
-              </a:rPr>
-              <a:t> </a:t>
-            </a:r>
-            <a:r>
-              <a:rPr lang="en-US" sz="2400" spc="-5" dirty="0">
-                <a:latin typeface="Microsoft Sans Serif"/>
-                <a:cs typeface="Microsoft Sans Serif"/>
-              </a:rPr>
-              <a:t>the</a:t>
-            </a:r>
-            <a:r>
-              <a:rPr lang="en-US" sz="2400" spc="10" dirty="0">
-                <a:latin typeface="Microsoft Sans Serif"/>
-                <a:cs typeface="Microsoft Sans Serif"/>
-              </a:rPr>
-              <a:t> </a:t>
-            </a:r>
-            <a:r>
-              <a:rPr lang="en-US" sz="2400" spc="-10" dirty="0">
-                <a:latin typeface="Microsoft Sans Serif"/>
-                <a:cs typeface="Microsoft Sans Serif"/>
-              </a:rPr>
-              <a:t>improved</a:t>
-            </a:r>
-            <a:r>
-              <a:rPr lang="en-US" sz="2400" spc="10" dirty="0">
-                <a:latin typeface="Microsoft Sans Serif"/>
-                <a:cs typeface="Microsoft Sans Serif"/>
-              </a:rPr>
-              <a:t> </a:t>
-            </a:r>
-            <a:r>
-              <a:rPr lang="en-US" sz="2400" spc="-5" dirty="0">
-                <a:latin typeface="Microsoft Sans Serif"/>
-                <a:cs typeface="Microsoft Sans Serif"/>
-              </a:rPr>
-              <a:t>performance? </a:t>
-            </a:r>
-            <a:endParaRPr lang="en-US" sz="2400" spc="-250" dirty="0">
-              <a:latin typeface="Microsoft Sans Serif"/>
-              <a:cs typeface="Microsoft Sans Serif"/>
-            </a:endParaRPr>
-          </a:p>
-          <a:p>
-            <a:pPr marL="265430" marR="460375">
-              <a:lnSpc>
-                <a:spcPct val="124500"/>
-              </a:lnSpc>
-              <a:spcBef>
-                <a:spcPts val="100"/>
-              </a:spcBef>
-            </a:pPr>
-            <a:r>
-              <a:rPr lang="en-US" sz="2400" spc="-10" dirty="0">
-                <a:latin typeface="Microsoft Sans Serif"/>
-                <a:cs typeface="Microsoft Sans Serif"/>
-              </a:rPr>
-              <a:t>New</a:t>
-            </a:r>
-            <a:r>
-              <a:rPr lang="en-US" sz="2400" spc="5" dirty="0">
-                <a:latin typeface="Microsoft Sans Serif"/>
-                <a:cs typeface="Microsoft Sans Serif"/>
-              </a:rPr>
-              <a:t> </a:t>
-            </a:r>
-            <a:r>
-              <a:rPr lang="en-US" sz="2400" spc="-5" dirty="0">
-                <a:latin typeface="Microsoft Sans Serif"/>
-                <a:cs typeface="Microsoft Sans Serif"/>
-              </a:rPr>
-              <a:t>insights</a:t>
-            </a:r>
-            <a:r>
-              <a:rPr lang="en-US" sz="2400" spc="10" dirty="0">
-                <a:latin typeface="Microsoft Sans Serif"/>
-                <a:cs typeface="Microsoft Sans Serif"/>
-              </a:rPr>
-              <a:t> </a:t>
-            </a:r>
-            <a:r>
-              <a:rPr lang="en-US" sz="2400" spc="-15" dirty="0">
-                <a:latin typeface="Microsoft Sans Serif"/>
-                <a:cs typeface="Microsoft Sans Serif"/>
-              </a:rPr>
-              <a:t>by</a:t>
-            </a:r>
-            <a:r>
-              <a:rPr lang="en-US" sz="2400" spc="10" dirty="0">
-                <a:latin typeface="Microsoft Sans Serif"/>
-                <a:cs typeface="Microsoft Sans Serif"/>
-              </a:rPr>
-              <a:t> </a:t>
-            </a:r>
-            <a:r>
-              <a:rPr lang="en-US" sz="2400" spc="-5" dirty="0">
-                <a:latin typeface="Microsoft Sans Serif"/>
-                <a:cs typeface="Microsoft Sans Serif"/>
-              </a:rPr>
-              <a:t>the</a:t>
-            </a:r>
-            <a:r>
-              <a:rPr lang="en-US" sz="2400" spc="10" dirty="0">
-                <a:latin typeface="Microsoft Sans Serif"/>
-                <a:cs typeface="Microsoft Sans Serif"/>
-              </a:rPr>
-              <a:t> </a:t>
-            </a:r>
-            <a:r>
-              <a:rPr lang="en-US" sz="2400" spc="-5" dirty="0">
-                <a:latin typeface="Microsoft Sans Serif"/>
-                <a:cs typeface="Microsoft Sans Serif"/>
-              </a:rPr>
-              <a:t>algorithm</a:t>
-            </a:r>
-            <a:r>
-              <a:rPr lang="en-US" sz="2400" spc="10" dirty="0">
-                <a:latin typeface="Microsoft Sans Serif"/>
-                <a:cs typeface="Microsoft Sans Serif"/>
-              </a:rPr>
-              <a:t> </a:t>
-            </a:r>
-            <a:r>
-              <a:rPr lang="en-US" sz="2400" spc="-5" dirty="0">
-                <a:latin typeface="Microsoft Sans Serif"/>
-                <a:cs typeface="Microsoft Sans Serif"/>
-              </a:rPr>
-              <a:t>designer?</a:t>
-            </a:r>
-            <a:endParaRPr lang="en-US" sz="2400" dirty="0">
-              <a:latin typeface="Microsoft Sans Serif"/>
-              <a:cs typeface="Microsoft Sans Serif"/>
-            </a:endParaRPr>
-          </a:p>
-        </p:txBody>
-      </p:sp>
-      <p:pic>
-        <p:nvPicPr>
-          <p:cNvPr id="14" name="Picture 4" descr="File:UMKC logo.png - Wikipedia"/>
-          <p:cNvPicPr>
-            <a:picLocks noChangeAspect="1" noChangeArrowheads="1"/>
-          </p:cNvPicPr>
-          <p:nvPr/>
-        </p:nvPicPr>
-        <p:blipFill>
-          <a:blip r:embed="rId2" cstate="print">
-            <a:extLst>
-              <a:ext uri="{28A0092B-C50C-407E-A947-70E740481C1C}">
-                <a14:useLocalDpi xmlns:a14="http://schemas.microsoft.com/office/drawing/2010/main" val="0"/>
-              </a:ext>
-            </a:extLst>
-          </a:blip>
-          <a:srcRect/>
-          <a:stretch>
-            <a:fillRect/>
-          </a:stretch>
-        </p:blipFill>
-        <p:spPr bwMode="auto">
-          <a:xfrm>
-            <a:off x="10741981" y="6132824"/>
-            <a:ext cx="1293518" cy="571124"/>
-          </a:xfrm>
-          <a:prstGeom prst="rect">
-            <a:avLst/>
-          </a:prstGeom>
-          <a:noFill/>
-          <a:extLst>
-            <a:ext uri="{909E8E84-426E-40DD-AFC4-6F175D3DCCD1}">
-              <a14:hiddenFill xmlns:a14="http://schemas.microsoft.com/office/drawing/2010/main">
-                <a:solidFill>
-                  <a:srgbClr val="FFFFFF"/>
-                </a:solidFill>
-              </a14:hiddenFill>
-            </a:ext>
-          </a:extLst>
-        </p:spPr>
-      </p:pic>
-      <p:sp>
-        <p:nvSpPr>
-          <p:cNvPr id="7" name="Content Placeholder 2"/>
-          <p:cNvSpPr txBox="1">
-            <a:spLocks/>
-          </p:cNvSpPr>
-          <p:nvPr/>
-        </p:nvSpPr>
-        <p:spPr>
-          <a:xfrm>
-            <a:off x="872614" y="4613070"/>
-            <a:ext cx="10341077" cy="1650079"/>
-          </a:xfrm>
-          <a:prstGeom prst="rect">
-            <a:avLst/>
-          </a:prstGeom>
-        </p:spPr>
-        <p:txBody>
-          <a:bodyPr vert="horz" lIns="91440" tIns="45720" rIns="91440" bIns="45720" rtlCol="0">
-            <a:noAutofit/>
-          </a:bodyPr>
-          <a:lstStyle>
-            <a:lvl1pPr marL="228600" indent="-228600" algn="l" defTabSz="914400" rtl="0" eaLnBrk="1" latinLnBrk="0" hangingPunct="1">
-              <a:lnSpc>
-                <a:spcPct val="90000"/>
-              </a:lnSpc>
-              <a:spcBef>
-                <a:spcPts val="1000"/>
-              </a:spcBef>
-              <a:buFont typeface="Arial" panose="020B0604020202020204" pitchFamily="34" charset="0"/>
-              <a:buChar char="•"/>
-              <a:defRPr sz="2800" kern="1200">
-                <a:solidFill>
-                  <a:schemeClr val="tx1"/>
-                </a:solidFill>
-                <a:latin typeface="+mn-lt"/>
-                <a:ea typeface="+mn-ea"/>
-                <a:cs typeface="+mn-cs"/>
-              </a:defRPr>
-            </a:lvl1pPr>
-            <a:lvl2pPr marL="685800" indent="-228600" algn="l" defTabSz="914400" rtl="0" eaLnBrk="1" latinLnBrk="0" hangingPunct="1">
-              <a:lnSpc>
-                <a:spcPct val="90000"/>
-              </a:lnSpc>
-              <a:spcBef>
-                <a:spcPts val="500"/>
-              </a:spcBef>
-              <a:buFont typeface="Arial" panose="020B0604020202020204" pitchFamily="34" charset="0"/>
-              <a:buChar char="•"/>
-              <a:defRPr sz="2400" kern="1200">
-                <a:solidFill>
-                  <a:schemeClr val="tx1"/>
-                </a:solidFill>
-                <a:latin typeface="+mn-lt"/>
-                <a:ea typeface="+mn-ea"/>
-                <a:cs typeface="+mn-cs"/>
-              </a:defRPr>
-            </a:lvl2pPr>
-            <a:lvl3pPr marL="1143000" indent="-228600" algn="l" defTabSz="914400" rtl="0" eaLnBrk="1" latinLnBrk="0" hangingPunct="1">
-              <a:lnSpc>
-                <a:spcPct val="90000"/>
-              </a:lnSpc>
-              <a:spcBef>
-                <a:spcPts val="500"/>
-              </a:spcBef>
-              <a:buFont typeface="Arial" panose="020B0604020202020204" pitchFamily="34" charset="0"/>
-              <a:buChar char="•"/>
-              <a:defRPr sz="2000" kern="1200">
-                <a:solidFill>
-                  <a:schemeClr val="tx1"/>
-                </a:solidFill>
-                <a:latin typeface="+mn-lt"/>
-                <a:ea typeface="+mn-ea"/>
-                <a:cs typeface="+mn-cs"/>
-              </a:defRPr>
-            </a:lvl3pPr>
-            <a:lvl4pPr marL="1600200" indent="-228600" algn="l" defTabSz="914400" rtl="0" eaLnBrk="1" latinLnBrk="0" hangingPunct="1">
-              <a:lnSpc>
-                <a:spcPct val="90000"/>
-              </a:lnSpc>
-              <a:spcBef>
-                <a:spcPts val="500"/>
-              </a:spcBef>
-              <a:buFont typeface="Arial" panose="020B0604020202020204" pitchFamily="34" charset="0"/>
-              <a:buChar char="•"/>
-              <a:defRPr sz="1800" kern="1200">
-                <a:solidFill>
-                  <a:schemeClr val="tx1"/>
-                </a:solidFill>
-                <a:latin typeface="+mn-lt"/>
-                <a:ea typeface="+mn-ea"/>
-                <a:cs typeface="+mn-cs"/>
-              </a:defRPr>
-            </a:lvl4pPr>
-            <a:lvl5pPr marL="2057400" indent="-228600" algn="l" defTabSz="914400" rtl="0" eaLnBrk="1" latinLnBrk="0" hangingPunct="1">
-              <a:lnSpc>
-                <a:spcPct val="90000"/>
-              </a:lnSpc>
-              <a:spcBef>
-                <a:spcPts val="500"/>
-              </a:spcBef>
-              <a:buFont typeface="Arial" panose="020B0604020202020204" pitchFamily="34" charset="0"/>
-              <a:buChar char="•"/>
-              <a:defRPr sz="1800" kern="1200">
-                <a:solidFill>
-                  <a:schemeClr val="tx1"/>
-                </a:solidFill>
-                <a:latin typeface="+mn-lt"/>
-                <a:ea typeface="+mn-ea"/>
-                <a:cs typeface="+mn-cs"/>
-              </a:defRPr>
-            </a:lvl5pPr>
-            <a:lvl6pPr marL="2514600" indent="-228600" algn="l" defTabSz="914400" rtl="0" eaLnBrk="1" latinLnBrk="0" hangingPunct="1">
-              <a:lnSpc>
-                <a:spcPct val="90000"/>
-              </a:lnSpc>
-              <a:spcBef>
-                <a:spcPts val="500"/>
-              </a:spcBef>
-              <a:buFont typeface="Arial" panose="020B0604020202020204" pitchFamily="34" charset="0"/>
-              <a:buChar char="•"/>
-              <a:defRPr sz="1800" kern="1200">
-                <a:solidFill>
-                  <a:schemeClr val="tx1"/>
-                </a:solidFill>
-                <a:latin typeface="+mn-lt"/>
-                <a:ea typeface="+mn-ea"/>
-                <a:cs typeface="+mn-cs"/>
-              </a:defRPr>
-            </a:lvl6pPr>
-            <a:lvl7pPr marL="2971800" indent="-228600" algn="l" defTabSz="914400" rtl="0" eaLnBrk="1" latinLnBrk="0" hangingPunct="1">
-              <a:lnSpc>
-                <a:spcPct val="90000"/>
-              </a:lnSpc>
-              <a:spcBef>
-                <a:spcPts val="500"/>
-              </a:spcBef>
-              <a:buFont typeface="Arial" panose="020B0604020202020204" pitchFamily="34" charset="0"/>
-              <a:buChar char="•"/>
-              <a:defRPr sz="1800" kern="1200">
-                <a:solidFill>
-                  <a:schemeClr val="tx1"/>
-                </a:solidFill>
-                <a:latin typeface="+mn-lt"/>
-                <a:ea typeface="+mn-ea"/>
-                <a:cs typeface="+mn-cs"/>
-              </a:defRPr>
-            </a:lvl7pPr>
-            <a:lvl8pPr marL="3429000" indent="-228600" algn="l" defTabSz="914400" rtl="0" eaLnBrk="1" latinLnBrk="0" hangingPunct="1">
-              <a:lnSpc>
-                <a:spcPct val="90000"/>
-              </a:lnSpc>
-              <a:spcBef>
-                <a:spcPts val="500"/>
-              </a:spcBef>
-              <a:buFont typeface="Arial" panose="020B0604020202020204" pitchFamily="34" charset="0"/>
-              <a:buChar char="•"/>
-              <a:defRPr sz="1800" kern="1200">
-                <a:solidFill>
-                  <a:schemeClr val="tx1"/>
-                </a:solidFill>
-                <a:latin typeface="+mn-lt"/>
-                <a:ea typeface="+mn-ea"/>
-                <a:cs typeface="+mn-cs"/>
-              </a:defRPr>
-            </a:lvl8pPr>
-            <a:lvl9pPr marL="3886200" indent="-228600" algn="l" defTabSz="914400" rtl="0" eaLnBrk="1" latinLnBrk="0" hangingPunct="1">
-              <a:lnSpc>
-                <a:spcPct val="90000"/>
-              </a:lnSpc>
-              <a:spcBef>
-                <a:spcPts val="500"/>
-              </a:spcBef>
-              <a:buFont typeface="Arial" panose="020B0604020202020204" pitchFamily="34" charset="0"/>
-              <a:buChar char="•"/>
-              <a:defRPr sz="1800" kern="1200">
-                <a:solidFill>
-                  <a:schemeClr val="tx1"/>
-                </a:solidFill>
-                <a:latin typeface="+mn-lt"/>
-                <a:ea typeface="+mn-ea"/>
-                <a:cs typeface="+mn-cs"/>
-              </a:defRPr>
-            </a:lvl9pPr>
-          </a:lstStyle>
-          <a:p>
-            <a:pPr marL="0" indent="0">
-              <a:lnSpc>
-                <a:spcPct val="100000"/>
-              </a:lnSpc>
-              <a:buNone/>
-            </a:pPr>
-            <a:r>
-              <a:rPr lang="en-US" sz="2400" i="1" spc="-10" dirty="0">
-                <a:solidFill>
-                  <a:srgbClr val="0070C0"/>
-                </a:solidFill>
-                <a:latin typeface="Times New Roman"/>
                 <a:cs typeface="Times New Roman"/>
               </a:rPr>
               <a:t>Definition (Mitchell, 1998)</a:t>
@@ -6776,524 +5049,449 @@
             </a:pPr>
             <a:r>
               <a:rPr lang="en-US" sz="2400" spc="-5" dirty="0">
-                <a:latin typeface="Microsoft Sans Serif"/>
                 <a:cs typeface="Microsoft Sans Serif"/>
               </a:rPr>
               <a:t>A</a:t>
             </a:r>
             <a:r>
               <a:rPr lang="en-US" sz="2400" spc="5" dirty="0">
-                <a:latin typeface="Microsoft Sans Serif"/>
                 <a:cs typeface="Microsoft Sans Serif"/>
               </a:rPr>
               <a:t> </a:t>
             </a:r>
             <a:r>
               <a:rPr lang="en-US" sz="2400" spc="-5" dirty="0">
-                <a:latin typeface="Microsoft Sans Serif"/>
                 <a:cs typeface="Microsoft Sans Serif"/>
               </a:rPr>
               <a:t>computer</a:t>
             </a:r>
             <a:r>
               <a:rPr lang="en-US" sz="2400" spc="10" dirty="0">
-                <a:latin typeface="Microsoft Sans Serif"/>
                 <a:cs typeface="Microsoft Sans Serif"/>
               </a:rPr>
               <a:t> </a:t>
             </a:r>
             <a:r>
               <a:rPr lang="en-US" sz="2400" spc="-5" dirty="0">
-                <a:latin typeface="Microsoft Sans Serif"/>
                 <a:cs typeface="Microsoft Sans Serif"/>
               </a:rPr>
               <a:t>program</a:t>
             </a:r>
             <a:r>
               <a:rPr lang="en-US" sz="2400" spc="5" dirty="0">
-                <a:latin typeface="Microsoft Sans Serif"/>
                 <a:cs typeface="Microsoft Sans Serif"/>
               </a:rPr>
               <a:t> </a:t>
             </a:r>
             <a:r>
               <a:rPr lang="en-US" sz="2400" spc="-5" dirty="0">
-                <a:latin typeface="Microsoft Sans Serif"/>
                 <a:cs typeface="Microsoft Sans Serif"/>
               </a:rPr>
               <a:t>is</a:t>
             </a:r>
             <a:r>
               <a:rPr lang="en-US" sz="2400" spc="10" dirty="0">
-                <a:latin typeface="Microsoft Sans Serif"/>
                 <a:cs typeface="Microsoft Sans Serif"/>
               </a:rPr>
               <a:t> </a:t>
             </a:r>
             <a:r>
               <a:rPr lang="en-US" sz="2400" spc="-5" dirty="0">
-                <a:latin typeface="Microsoft Sans Serif"/>
                 <a:cs typeface="Microsoft Sans Serif"/>
               </a:rPr>
               <a:t>said</a:t>
             </a:r>
             <a:r>
               <a:rPr lang="en-US" sz="2400" spc="10" dirty="0">
-                <a:latin typeface="Microsoft Sans Serif"/>
                 <a:cs typeface="Microsoft Sans Serif"/>
               </a:rPr>
               <a:t> </a:t>
             </a:r>
             <a:r>
               <a:rPr lang="en-US" sz="2400" spc="-5" dirty="0">
-                <a:latin typeface="Microsoft Sans Serif"/>
                 <a:cs typeface="Microsoft Sans Serif"/>
               </a:rPr>
               <a:t>to</a:t>
             </a:r>
             <a:r>
               <a:rPr lang="en-US" sz="2400" spc="5" dirty="0">
-                <a:latin typeface="Microsoft Sans Serif"/>
                 <a:cs typeface="Microsoft Sans Serif"/>
               </a:rPr>
               <a:t> </a:t>
             </a:r>
             <a:r>
               <a:rPr lang="en-US" sz="2400" dirty="0">
-                <a:latin typeface="Microsoft Sans Serif"/>
                 <a:cs typeface="Microsoft Sans Serif"/>
               </a:rPr>
               <a:t>learn</a:t>
             </a:r>
             <a:r>
               <a:rPr lang="en-US" sz="2400" spc="10" dirty="0">
-                <a:latin typeface="Microsoft Sans Serif"/>
                 <a:cs typeface="Microsoft Sans Serif"/>
               </a:rPr>
               <a:t> </a:t>
             </a:r>
             <a:r>
               <a:rPr lang="en-US" sz="2400" spc="-5" dirty="0">
-                <a:latin typeface="Microsoft Sans Serif"/>
                 <a:cs typeface="Microsoft Sans Serif"/>
               </a:rPr>
               <a:t>from</a:t>
             </a:r>
             <a:r>
               <a:rPr lang="en-US" sz="2400" spc="10" dirty="0">
-                <a:latin typeface="Microsoft Sans Serif"/>
                 <a:cs typeface="Microsoft Sans Serif"/>
               </a:rPr>
               <a:t> </a:t>
             </a:r>
             <a:r>
               <a:rPr lang="en-US" sz="2400" spc="-5" dirty="0">
-                <a:latin typeface="Microsoft Sans Serif"/>
                 <a:cs typeface="Microsoft Sans Serif"/>
               </a:rPr>
               <a:t>experience</a:t>
             </a:r>
             <a:r>
               <a:rPr lang="en-US" sz="2400" spc="5" dirty="0">
-                <a:latin typeface="Microsoft Sans Serif"/>
                 <a:cs typeface="Microsoft Sans Serif"/>
               </a:rPr>
               <a:t> </a:t>
             </a:r>
             <a:r>
               <a:rPr lang="en-US" sz="2400" i="1" spc="-5" dirty="0">
-                <a:latin typeface="Times New Roman"/>
                 <a:cs typeface="Times New Roman"/>
               </a:rPr>
               <a:t>E</a:t>
             </a:r>
             <a:r>
               <a:rPr lang="en-US" sz="2400" i="1" spc="45" dirty="0">
-                <a:latin typeface="Times New Roman"/>
                 <a:cs typeface="Times New Roman"/>
               </a:rPr>
               <a:t> </a:t>
             </a:r>
             <a:r>
               <a:rPr lang="en-US" sz="2400" spc="-5" dirty="0">
-                <a:latin typeface="Microsoft Sans Serif"/>
                 <a:cs typeface="Microsoft Sans Serif"/>
               </a:rPr>
               <a:t>with respect</a:t>
             </a:r>
             <a:r>
               <a:rPr lang="en-US" sz="2400" spc="10" dirty="0">
-                <a:latin typeface="Microsoft Sans Serif"/>
                 <a:cs typeface="Microsoft Sans Serif"/>
               </a:rPr>
               <a:t> </a:t>
             </a:r>
             <a:r>
               <a:rPr lang="en-US" sz="2400" spc="-5" dirty="0">
-                <a:latin typeface="Microsoft Sans Serif"/>
                 <a:cs typeface="Microsoft Sans Serif"/>
               </a:rPr>
               <a:t>to</a:t>
             </a:r>
             <a:r>
               <a:rPr lang="en-US" sz="2400" spc="15" dirty="0">
-                <a:latin typeface="Microsoft Sans Serif"/>
                 <a:cs typeface="Microsoft Sans Serif"/>
               </a:rPr>
               <a:t> </a:t>
             </a:r>
             <a:r>
               <a:rPr lang="en-US" sz="2400" spc="-5" dirty="0">
-                <a:latin typeface="Microsoft Sans Serif"/>
                 <a:cs typeface="Microsoft Sans Serif"/>
               </a:rPr>
               <a:t>some</a:t>
             </a:r>
             <a:r>
               <a:rPr lang="en-US" sz="2400" spc="15" dirty="0">
-                <a:latin typeface="Microsoft Sans Serif"/>
                 <a:cs typeface="Microsoft Sans Serif"/>
               </a:rPr>
               <a:t> </a:t>
             </a:r>
             <a:r>
               <a:rPr lang="en-US" sz="2400" spc="-5" dirty="0">
-                <a:latin typeface="Microsoft Sans Serif"/>
                 <a:cs typeface="Microsoft Sans Serif"/>
               </a:rPr>
               <a:t>class</a:t>
             </a:r>
             <a:r>
               <a:rPr lang="en-US" sz="2400" spc="10" dirty="0">
-                <a:latin typeface="Microsoft Sans Serif"/>
                 <a:cs typeface="Microsoft Sans Serif"/>
               </a:rPr>
               <a:t> </a:t>
             </a:r>
             <a:r>
               <a:rPr lang="en-US" sz="2400" spc="-5" dirty="0">
-                <a:latin typeface="Microsoft Sans Serif"/>
                 <a:cs typeface="Microsoft Sans Serif"/>
               </a:rPr>
               <a:t>of</a:t>
             </a:r>
             <a:r>
               <a:rPr lang="en-US" sz="2400" spc="15" dirty="0">
-                <a:latin typeface="Microsoft Sans Serif"/>
                 <a:cs typeface="Microsoft Sans Serif"/>
               </a:rPr>
               <a:t> </a:t>
             </a:r>
             <a:r>
               <a:rPr lang="en-US" sz="2400" spc="-5" dirty="0">
-                <a:latin typeface="Microsoft Sans Serif"/>
                 <a:cs typeface="Microsoft Sans Serif"/>
               </a:rPr>
               <a:t>tasks</a:t>
             </a:r>
             <a:r>
               <a:rPr lang="en-US" sz="2400" spc="15" dirty="0">
-                <a:latin typeface="Microsoft Sans Serif"/>
                 <a:cs typeface="Microsoft Sans Serif"/>
               </a:rPr>
               <a:t> </a:t>
             </a:r>
             <a:r>
               <a:rPr lang="en-US" sz="2400" i="1" spc="-5" dirty="0">
-                <a:latin typeface="Times New Roman"/>
                 <a:cs typeface="Times New Roman"/>
               </a:rPr>
               <a:t>T</a:t>
             </a:r>
             <a:r>
               <a:rPr lang="en-US" sz="2400" i="1" spc="100" dirty="0">
-                <a:latin typeface="Times New Roman"/>
                 <a:cs typeface="Times New Roman"/>
               </a:rPr>
               <a:t> </a:t>
             </a:r>
             <a:r>
               <a:rPr lang="en-US" sz="2400" spc="-5" dirty="0">
-                <a:latin typeface="Microsoft Sans Serif"/>
                 <a:cs typeface="Microsoft Sans Serif"/>
               </a:rPr>
               <a:t>and</a:t>
             </a:r>
             <a:r>
               <a:rPr lang="en-US" sz="2400" spc="15" dirty="0">
-                <a:latin typeface="Microsoft Sans Serif"/>
                 <a:cs typeface="Microsoft Sans Serif"/>
               </a:rPr>
               <a:t> </a:t>
             </a:r>
             <a:r>
               <a:rPr lang="en-US" sz="2400" spc="-5" dirty="0">
-                <a:latin typeface="Microsoft Sans Serif"/>
                 <a:cs typeface="Microsoft Sans Serif"/>
               </a:rPr>
               <a:t>performance</a:t>
             </a:r>
             <a:r>
               <a:rPr lang="en-US" sz="2400" spc="15" dirty="0">
-                <a:latin typeface="Microsoft Sans Serif"/>
                 <a:cs typeface="Microsoft Sans Serif"/>
               </a:rPr>
               <a:t> </a:t>
             </a:r>
             <a:r>
               <a:rPr lang="en-US" sz="2400" spc="-5" dirty="0">
-                <a:latin typeface="Microsoft Sans Serif"/>
                 <a:cs typeface="Microsoft Sans Serif"/>
               </a:rPr>
               <a:t>measure</a:t>
             </a:r>
             <a:r>
               <a:rPr lang="en-US" sz="2400" spc="10" dirty="0">
-                <a:latin typeface="Microsoft Sans Serif"/>
                 <a:cs typeface="Microsoft Sans Serif"/>
               </a:rPr>
               <a:t> </a:t>
             </a:r>
             <a:r>
               <a:rPr lang="en-US" sz="2400" i="1" spc="-5" dirty="0">
-                <a:latin typeface="Times New Roman"/>
                 <a:cs typeface="Times New Roman"/>
               </a:rPr>
               <a:t>P</a:t>
             </a:r>
             <a:r>
               <a:rPr lang="en-US" sz="2400" spc="-5" dirty="0">
-                <a:latin typeface="Microsoft Sans Serif"/>
                 <a:cs typeface="Microsoft Sans Serif"/>
               </a:rPr>
               <a:t>, </a:t>
             </a:r>
             <a:r>
               <a:rPr lang="en-US" sz="2400" spc="-250" dirty="0">
-                <a:latin typeface="Microsoft Sans Serif"/>
                 <a:cs typeface="Microsoft Sans Serif"/>
               </a:rPr>
               <a:t> </a:t>
             </a:r>
             <a:r>
               <a:rPr lang="en-US" sz="2400" spc="-5" dirty="0">
-                <a:latin typeface="Microsoft Sans Serif"/>
                 <a:cs typeface="Microsoft Sans Serif"/>
               </a:rPr>
               <a:t>if</a:t>
             </a:r>
             <a:r>
               <a:rPr lang="en-US" sz="2400" spc="10" dirty="0">
-                <a:latin typeface="Microsoft Sans Serif"/>
                 <a:cs typeface="Microsoft Sans Serif"/>
               </a:rPr>
               <a:t> </a:t>
             </a:r>
             <a:r>
               <a:rPr lang="en-US" sz="2400" spc="-5" dirty="0">
-                <a:latin typeface="Microsoft Sans Serif"/>
                 <a:cs typeface="Microsoft Sans Serif"/>
               </a:rPr>
               <a:t>its</a:t>
             </a:r>
             <a:r>
               <a:rPr lang="en-US" sz="2400" spc="10" dirty="0">
-                <a:latin typeface="Microsoft Sans Serif"/>
                 <a:cs typeface="Microsoft Sans Serif"/>
               </a:rPr>
               <a:t> </a:t>
             </a:r>
             <a:r>
               <a:rPr lang="en-US" sz="2400" spc="-5" dirty="0">
-                <a:latin typeface="Microsoft Sans Serif"/>
                 <a:cs typeface="Microsoft Sans Serif"/>
               </a:rPr>
               <a:t>performance</a:t>
             </a:r>
             <a:r>
               <a:rPr lang="en-US" sz="2400" spc="10" dirty="0">
-                <a:latin typeface="Microsoft Sans Serif"/>
                 <a:cs typeface="Microsoft Sans Serif"/>
               </a:rPr>
               <a:t> </a:t>
             </a:r>
             <a:r>
               <a:rPr lang="en-US" sz="2400" spc="-5" dirty="0">
-                <a:latin typeface="Microsoft Sans Serif"/>
                 <a:cs typeface="Microsoft Sans Serif"/>
               </a:rPr>
               <a:t>at</a:t>
             </a:r>
             <a:r>
               <a:rPr lang="en-US" sz="2400" spc="10" dirty="0">
-                <a:latin typeface="Microsoft Sans Serif"/>
                 <a:cs typeface="Microsoft Sans Serif"/>
               </a:rPr>
               <a:t> </a:t>
             </a:r>
             <a:r>
               <a:rPr lang="en-US" sz="2400" spc="-5" dirty="0">
-                <a:latin typeface="Microsoft Sans Serif"/>
                 <a:cs typeface="Microsoft Sans Serif"/>
               </a:rPr>
               <a:t>tasks</a:t>
             </a:r>
             <a:r>
               <a:rPr lang="en-US" sz="2400" spc="15" dirty="0">
-                <a:latin typeface="Microsoft Sans Serif"/>
                 <a:cs typeface="Microsoft Sans Serif"/>
               </a:rPr>
               <a:t> </a:t>
             </a:r>
             <a:r>
               <a:rPr lang="en-US" sz="2400" spc="-5" dirty="0">
-                <a:latin typeface="Microsoft Sans Serif"/>
                 <a:cs typeface="Microsoft Sans Serif"/>
               </a:rPr>
               <a:t>in</a:t>
             </a:r>
             <a:r>
               <a:rPr lang="en-US" sz="2400" spc="10" dirty="0">
-                <a:latin typeface="Microsoft Sans Serif"/>
                 <a:cs typeface="Microsoft Sans Serif"/>
               </a:rPr>
               <a:t> </a:t>
             </a:r>
             <a:r>
               <a:rPr lang="en-US" sz="2400" i="1" spc="35" dirty="0">
-                <a:latin typeface="Times New Roman"/>
                 <a:cs typeface="Times New Roman"/>
               </a:rPr>
               <a:t>T</a:t>
             </a:r>
             <a:r>
               <a:rPr lang="en-US" sz="2400" spc="35" dirty="0">
-                <a:latin typeface="Microsoft Sans Serif"/>
                 <a:cs typeface="Microsoft Sans Serif"/>
               </a:rPr>
               <a:t>,</a:t>
             </a:r>
             <a:r>
               <a:rPr lang="en-US" sz="2400" spc="10" dirty="0">
-                <a:latin typeface="Microsoft Sans Serif"/>
                 <a:cs typeface="Microsoft Sans Serif"/>
               </a:rPr>
               <a:t> </a:t>
             </a:r>
             <a:r>
               <a:rPr lang="en-US" sz="2400" spc="-5" dirty="0">
-                <a:latin typeface="Microsoft Sans Serif"/>
                 <a:cs typeface="Microsoft Sans Serif"/>
               </a:rPr>
               <a:t>as</a:t>
             </a:r>
             <a:r>
               <a:rPr lang="en-US" sz="2400" spc="10" dirty="0">
-                <a:latin typeface="Microsoft Sans Serif"/>
                 <a:cs typeface="Microsoft Sans Serif"/>
               </a:rPr>
               <a:t> </a:t>
             </a:r>
             <a:r>
               <a:rPr lang="en-US" sz="2400" spc="-5" dirty="0">
-                <a:latin typeface="Microsoft Sans Serif"/>
                 <a:cs typeface="Microsoft Sans Serif"/>
               </a:rPr>
               <a:t>measured</a:t>
             </a:r>
             <a:r>
               <a:rPr lang="en-US" sz="2400" spc="15" dirty="0">
-                <a:latin typeface="Microsoft Sans Serif"/>
                 <a:cs typeface="Microsoft Sans Serif"/>
               </a:rPr>
               <a:t> </a:t>
             </a:r>
             <a:r>
               <a:rPr lang="en-US" sz="2400" spc="-15" dirty="0">
-                <a:latin typeface="Microsoft Sans Serif"/>
                 <a:cs typeface="Microsoft Sans Serif"/>
               </a:rPr>
               <a:t>by</a:t>
             </a:r>
             <a:r>
               <a:rPr lang="en-US" sz="2400" spc="10" dirty="0">
-                <a:latin typeface="Microsoft Sans Serif"/>
                 <a:cs typeface="Microsoft Sans Serif"/>
               </a:rPr>
               <a:t> </a:t>
             </a:r>
             <a:r>
               <a:rPr lang="en-US" sz="2400" i="1" spc="-5" dirty="0">
-                <a:latin typeface="Times New Roman"/>
                 <a:cs typeface="Times New Roman"/>
               </a:rPr>
               <a:t>P</a:t>
             </a:r>
             <a:r>
               <a:rPr lang="en-US" sz="2400" spc="-5" dirty="0">
-                <a:latin typeface="Microsoft Sans Serif"/>
                 <a:cs typeface="Microsoft Sans Serif"/>
               </a:rPr>
               <a:t>,</a:t>
             </a:r>
             <a:r>
               <a:rPr lang="en-US" sz="2400" spc="10" dirty="0">
-                <a:latin typeface="Microsoft Sans Serif"/>
                 <a:cs typeface="Microsoft Sans Serif"/>
               </a:rPr>
               <a:t> </a:t>
             </a:r>
             <a:r>
               <a:rPr lang="en-US" sz="2400" spc="-10" dirty="0">
-                <a:latin typeface="Microsoft Sans Serif"/>
                 <a:cs typeface="Microsoft Sans Serif"/>
               </a:rPr>
               <a:t>improves </a:t>
             </a:r>
             <a:r>
               <a:rPr lang="en-US" sz="2400" spc="-5" dirty="0">
-                <a:latin typeface="Microsoft Sans Serif"/>
                 <a:cs typeface="Microsoft Sans Serif"/>
               </a:rPr>
               <a:t>with</a:t>
             </a:r>
             <a:r>
               <a:rPr lang="en-US" sz="2400" spc="5" dirty="0">
-                <a:latin typeface="Microsoft Sans Serif"/>
                 <a:cs typeface="Microsoft Sans Serif"/>
               </a:rPr>
               <a:t> </a:t>
             </a:r>
             <a:r>
               <a:rPr lang="en-US" sz="2400" spc="-5" dirty="0">
-                <a:latin typeface="Microsoft Sans Serif"/>
                 <a:cs typeface="Microsoft Sans Serif"/>
               </a:rPr>
               <a:t>experience</a:t>
             </a:r>
             <a:r>
               <a:rPr lang="en-US" sz="2400" spc="10" dirty="0">
-                <a:latin typeface="Microsoft Sans Serif"/>
                 <a:cs typeface="Microsoft Sans Serif"/>
               </a:rPr>
               <a:t> </a:t>
             </a:r>
             <a:r>
               <a:rPr lang="en-US" sz="2400" i="1" spc="5" dirty="0">
-                <a:latin typeface="Times New Roman"/>
                 <a:cs typeface="Times New Roman"/>
               </a:rPr>
               <a:t>E</a:t>
             </a:r>
             <a:r>
               <a:rPr lang="en-US" sz="2400" spc="5" dirty="0">
-                <a:latin typeface="Microsoft Sans Serif"/>
                 <a:cs typeface="Microsoft Sans Serif"/>
               </a:rPr>
               <a:t>.</a:t>
             </a:r>
             <a:endParaRPr lang="en-US" sz="2400" dirty="0">
-              <a:latin typeface="Microsoft Sans Serif"/>
               <a:cs typeface="Microsoft Sans Serif"/>
             </a:endParaRPr>
           </a:p>
@@ -7301,530 +5499,88 @@
       </p:sp>
       <p:sp>
         <p:nvSpPr>
-          <p:cNvPr id="9" name="Content Placeholder 2"/>
-          <p:cNvSpPr txBox="1">
-            <a:spLocks/>
-          </p:cNvSpPr>
+          <p:cNvPr id="16" name="TextBox 15">
+            <a:extLst>
+              <a:ext uri="{FF2B5EF4-FFF2-40B4-BE49-F238E27FC236}">
+                <a16:creationId xmlns:a16="http://schemas.microsoft.com/office/drawing/2014/main" id="{2518FB45-3B16-C245-B821-FB26EC14BFBC}"/>
+              </a:ext>
+            </a:extLst>
+          </p:cNvPr>
+          <p:cNvSpPr txBox="1"/>
           <p:nvPr/>
         </p:nvSpPr>
         <p:spPr>
           <a:xfrm>
-            <a:off x="852949" y="2676114"/>
-            <a:ext cx="10341077" cy="1659911"/>
+            <a:off x="838200" y="3609384"/>
+            <a:ext cx="10652760" cy="830997"/>
           </a:xfrm>
           <a:prstGeom prst="rect">
             <a:avLst/>
           </a:prstGeom>
+          <a:noFill/>
         </p:spPr>
         <p:txBody>
-          <a:bodyPr vert="horz" lIns="91440" tIns="45720" rIns="91440" bIns="45720" rtlCol="0">
-            <a:noAutofit/>
+          <a:bodyPr wrap="square">
+            <a:spAutoFit/>
           </a:bodyPr>
-          <a:lstStyle>
-            <a:lvl1pPr marL="228600" indent="-228600" algn="l" defTabSz="914400" rtl="0" eaLnBrk="1" latinLnBrk="0" hangingPunct="1">
-              <a:lnSpc>
-                <a:spcPct val="90000"/>
-              </a:lnSpc>
-              <a:spcBef>
-                <a:spcPts val="1000"/>
-              </a:spcBef>
-              <a:buFont typeface="Arial" panose="020B0604020202020204" pitchFamily="34" charset="0"/>
-              <a:buChar char="•"/>
-              <a:defRPr sz="2800" kern="1200">
-                <a:solidFill>
-                  <a:schemeClr val="tx1"/>
-                </a:solidFill>
-                <a:latin typeface="+mn-lt"/>
-                <a:ea typeface="+mn-ea"/>
-                <a:cs typeface="+mn-cs"/>
-              </a:defRPr>
-            </a:lvl1pPr>
-            <a:lvl2pPr marL="685800" indent="-228600" algn="l" defTabSz="914400" rtl="0" eaLnBrk="1" latinLnBrk="0" hangingPunct="1">
-              <a:lnSpc>
-                <a:spcPct val="90000"/>
-              </a:lnSpc>
-              <a:spcBef>
-                <a:spcPts val="500"/>
-              </a:spcBef>
-              <a:buFont typeface="Arial" panose="020B0604020202020204" pitchFamily="34" charset="0"/>
-              <a:buChar char="•"/>
-              <a:defRPr sz="2400" kern="1200">
-                <a:solidFill>
-                  <a:schemeClr val="tx1"/>
-                </a:solidFill>
-                <a:latin typeface="+mn-lt"/>
-                <a:ea typeface="+mn-ea"/>
-                <a:cs typeface="+mn-cs"/>
-              </a:defRPr>
-            </a:lvl2pPr>
-            <a:lvl3pPr marL="1143000" indent="-228600" algn="l" defTabSz="914400" rtl="0" eaLnBrk="1" latinLnBrk="0" hangingPunct="1">
-              <a:lnSpc>
-                <a:spcPct val="90000"/>
-              </a:lnSpc>
-              <a:spcBef>
-                <a:spcPts val="500"/>
-              </a:spcBef>
-              <a:buFont typeface="Arial" panose="020B0604020202020204" pitchFamily="34" charset="0"/>
-              <a:buChar char="•"/>
-              <a:defRPr sz="2000" kern="1200">
-                <a:solidFill>
-                  <a:schemeClr val="tx1"/>
-                </a:solidFill>
-                <a:latin typeface="+mn-lt"/>
-                <a:ea typeface="+mn-ea"/>
-                <a:cs typeface="+mn-cs"/>
-              </a:defRPr>
-            </a:lvl3pPr>
-            <a:lvl4pPr marL="1600200" indent="-228600" algn="l" defTabSz="914400" rtl="0" eaLnBrk="1" latinLnBrk="0" hangingPunct="1">
-              <a:lnSpc>
-                <a:spcPct val="90000"/>
-              </a:lnSpc>
-              <a:spcBef>
-                <a:spcPts val="500"/>
-              </a:spcBef>
-              <a:buFont typeface="Arial" panose="020B0604020202020204" pitchFamily="34" charset="0"/>
-              <a:buChar char="•"/>
-              <a:defRPr sz="1800" kern="1200">
-                <a:solidFill>
-                  <a:schemeClr val="tx1"/>
-                </a:solidFill>
-                <a:latin typeface="+mn-lt"/>
-                <a:ea typeface="+mn-ea"/>
-                <a:cs typeface="+mn-cs"/>
-              </a:defRPr>
-            </a:lvl4pPr>
-            <a:lvl5pPr marL="2057400" indent="-228600" algn="l" defTabSz="914400" rtl="0" eaLnBrk="1" latinLnBrk="0" hangingPunct="1">
-              <a:lnSpc>
-                <a:spcPct val="90000"/>
-              </a:lnSpc>
-              <a:spcBef>
-                <a:spcPts val="500"/>
-              </a:spcBef>
-              <a:buFont typeface="Arial" panose="020B0604020202020204" pitchFamily="34" charset="0"/>
-              <a:buChar char="•"/>
-              <a:defRPr sz="1800" kern="1200">
-                <a:solidFill>
-                  <a:schemeClr val="tx1"/>
-                </a:solidFill>
-                <a:latin typeface="+mn-lt"/>
-                <a:ea typeface="+mn-ea"/>
-                <a:cs typeface="+mn-cs"/>
-              </a:defRPr>
-            </a:lvl5pPr>
-            <a:lvl6pPr marL="2514600" indent="-228600" algn="l" defTabSz="914400" rtl="0" eaLnBrk="1" latinLnBrk="0" hangingPunct="1">
-              <a:lnSpc>
-                <a:spcPct val="90000"/>
-              </a:lnSpc>
-              <a:spcBef>
-                <a:spcPts val="500"/>
-              </a:spcBef>
-              <a:buFont typeface="Arial" panose="020B0604020202020204" pitchFamily="34" charset="0"/>
-              <a:buChar char="•"/>
-              <a:defRPr sz="1800" kern="1200">
-                <a:solidFill>
-                  <a:schemeClr val="tx1"/>
-                </a:solidFill>
-                <a:latin typeface="+mn-lt"/>
-                <a:ea typeface="+mn-ea"/>
-                <a:cs typeface="+mn-cs"/>
-              </a:defRPr>
-            </a:lvl6pPr>
-            <a:lvl7pPr marL="2971800" indent="-228600" algn="l" defTabSz="914400" rtl="0" eaLnBrk="1" latinLnBrk="0" hangingPunct="1">
-              <a:lnSpc>
-                <a:spcPct val="90000"/>
-              </a:lnSpc>
-              <a:spcBef>
-                <a:spcPts val="500"/>
-              </a:spcBef>
-              <a:buFont typeface="Arial" panose="020B0604020202020204" pitchFamily="34" charset="0"/>
-              <a:buChar char="•"/>
-              <a:defRPr sz="1800" kern="1200">
-                <a:solidFill>
-                  <a:schemeClr val="tx1"/>
-                </a:solidFill>
-                <a:latin typeface="+mn-lt"/>
-                <a:ea typeface="+mn-ea"/>
-                <a:cs typeface="+mn-cs"/>
-              </a:defRPr>
-            </a:lvl7pPr>
-            <a:lvl8pPr marL="3429000" indent="-228600" algn="l" defTabSz="914400" rtl="0" eaLnBrk="1" latinLnBrk="0" hangingPunct="1">
-              <a:lnSpc>
-                <a:spcPct val="90000"/>
-              </a:lnSpc>
-              <a:spcBef>
-                <a:spcPts val="500"/>
-              </a:spcBef>
-              <a:buFont typeface="Arial" panose="020B0604020202020204" pitchFamily="34" charset="0"/>
-              <a:buChar char="•"/>
-              <a:defRPr sz="1800" kern="1200">
-                <a:solidFill>
-                  <a:schemeClr val="tx1"/>
-                </a:solidFill>
-                <a:latin typeface="+mn-lt"/>
-                <a:ea typeface="+mn-ea"/>
-                <a:cs typeface="+mn-cs"/>
-              </a:defRPr>
-            </a:lvl8pPr>
-            <a:lvl9pPr marL="3886200" indent="-228600" algn="l" defTabSz="914400" rtl="0" eaLnBrk="1" latinLnBrk="0" hangingPunct="1">
-              <a:lnSpc>
-                <a:spcPct val="90000"/>
-              </a:lnSpc>
-              <a:spcBef>
-                <a:spcPts val="500"/>
-              </a:spcBef>
-              <a:buFont typeface="Arial" panose="020B0604020202020204" pitchFamily="34" charset="0"/>
-              <a:buChar char="•"/>
-              <a:defRPr sz="1800" kern="1200">
-                <a:solidFill>
-                  <a:schemeClr val="tx1"/>
-                </a:solidFill>
-                <a:latin typeface="+mn-lt"/>
-                <a:ea typeface="+mn-ea"/>
-                <a:cs typeface="+mn-cs"/>
-              </a:defRPr>
-            </a:lvl9pPr>
-          </a:lstStyle>
-          <a:p>
-            <a:pPr marL="0" indent="0">
-              <a:lnSpc>
-                <a:spcPct val="100000"/>
-              </a:lnSpc>
-              <a:buNone/>
-            </a:pPr>
-            <a:r>
-              <a:rPr lang="en-US" sz="2400" i="1" spc="-10" dirty="0">
-                <a:solidFill>
-                  <a:srgbClr val="0070C0"/>
-                </a:solidFill>
-                <a:latin typeface="Times New Roman"/>
-                <a:cs typeface="Times New Roman"/>
-              </a:rPr>
-              <a:t>Definition</a:t>
-            </a:r>
-            <a:r>
-              <a:rPr lang="en-US" sz="2400" i="1" spc="-15" dirty="0">
-                <a:solidFill>
-                  <a:srgbClr val="0070C0"/>
-                </a:solidFill>
-                <a:latin typeface="Times New Roman"/>
-                <a:cs typeface="Times New Roman"/>
+          <a:lstStyle/>
+          <a:p>
+            <a:r>
+              <a:rPr lang="en-CA" sz="2400" dirty="0">
+                <a:effectLst/>
+              </a:rPr>
+              <a:t>Machine learning and deep learning emphasize large scale applications and prediction accuracy. </a:t>
+            </a:r>
+            <a:endParaRPr lang="en-CA" dirty="0">
+              <a:effectLst/>
+            </a:endParaRPr>
+          </a:p>
+        </p:txBody>
+      </p:sp>
+      <p:sp>
+        <p:nvSpPr>
+          <p:cNvPr id="17" name="TextBox 16">
+            <a:extLst>
+              <a:ext uri="{FF2B5EF4-FFF2-40B4-BE49-F238E27FC236}">
+                <a16:creationId xmlns:a16="http://schemas.microsoft.com/office/drawing/2014/main" id="{25E42085-982E-C942-B147-E3F8E8AF3C51}"/>
+              </a:ext>
+            </a:extLst>
+          </p:cNvPr>
+          <p:cNvSpPr txBox="1"/>
+          <p:nvPr/>
+        </p:nvSpPr>
+        <p:spPr>
+          <a:xfrm>
+            <a:off x="838200" y="4910816"/>
+            <a:ext cx="10341077" cy="1200329"/>
+          </a:xfrm>
+          <a:prstGeom prst="rect">
+            <a:avLst/>
+          </a:prstGeom>
+          <a:noFill/>
+        </p:spPr>
+        <p:txBody>
+          <a:bodyPr wrap="square">
+            <a:spAutoFit/>
+          </a:bodyPr>
+          <a:lstStyle/>
+          <a:p>
+            <a:r>
+              <a:rPr lang="en-CA" sz="2400" dirty="0">
+                <a:effectLst/>
+              </a:rPr>
+              <a:t>Statistical learning emphasizes models and their interpretability, and precision and uncertainty.</a:t>
+            </a:r>
+          </a:p>
+          <a:p>
+            <a:r>
+              <a:rPr lang="en-CA" sz="2400" dirty="0">
+                <a:effectLst/>
               </a:rPr>
               <a:t> </a:t>
             </a:r>
-            <a:r>
-              <a:rPr lang="en-US" sz="2400" i="1" spc="-5" dirty="0">
-                <a:solidFill>
-                  <a:srgbClr val="0070C0"/>
-                </a:solidFill>
-                <a:latin typeface="Times New Roman"/>
-                <a:cs typeface="Times New Roman"/>
-              </a:rPr>
-              <a:t>(Final version</a:t>
-            </a:r>
-            <a:r>
-              <a:rPr lang="en-US" sz="2400" i="1" spc="-20" dirty="0">
-                <a:solidFill>
-                  <a:srgbClr val="0070C0"/>
-                </a:solidFill>
-                <a:latin typeface="Times New Roman"/>
-                <a:cs typeface="Times New Roman"/>
-              </a:rPr>
-              <a:t>)</a:t>
-            </a:r>
-            <a:endParaRPr lang="en-US" sz="2400" dirty="0">
-              <a:solidFill>
-                <a:srgbClr val="0070C0"/>
-              </a:solidFill>
-              <a:latin typeface="Times New Roman"/>
-              <a:cs typeface="Times New Roman"/>
-            </a:endParaRPr>
-          </a:p>
-          <a:p>
-            <a:pPr marL="0" marR="5080" indent="0">
-              <a:lnSpc>
-                <a:spcPct val="100000"/>
-              </a:lnSpc>
-              <a:spcBef>
-                <a:spcPts val="365"/>
-              </a:spcBef>
-              <a:buNone/>
-            </a:pPr>
-            <a:r>
-              <a:rPr lang="en-US" sz="2400" spc="-5" dirty="0">
-                <a:latin typeface="Microsoft Sans Serif"/>
-                <a:cs typeface="Microsoft Sans Serif"/>
-              </a:rPr>
-              <a:t>Machine</a:t>
-            </a:r>
-            <a:r>
-              <a:rPr lang="en-US" sz="2400" spc="5" dirty="0">
-                <a:latin typeface="Microsoft Sans Serif"/>
-                <a:cs typeface="Microsoft Sans Serif"/>
-              </a:rPr>
-              <a:t> </a:t>
-            </a:r>
-            <a:r>
-              <a:rPr lang="en-US" sz="2400" spc="-5" dirty="0">
-                <a:latin typeface="Microsoft Sans Serif"/>
-                <a:cs typeface="Microsoft Sans Serif"/>
-              </a:rPr>
-              <a:t>learning</a:t>
-            </a:r>
-            <a:r>
-              <a:rPr lang="en-US" sz="2400" spc="10" dirty="0">
-                <a:latin typeface="Microsoft Sans Serif"/>
-                <a:cs typeface="Microsoft Sans Serif"/>
-              </a:rPr>
-              <a:t> </a:t>
-            </a:r>
-            <a:r>
-              <a:rPr lang="en-US" sz="2400" spc="-5" dirty="0">
-                <a:latin typeface="Microsoft Sans Serif"/>
-                <a:cs typeface="Microsoft Sans Serif"/>
-              </a:rPr>
-              <a:t>is</a:t>
-            </a:r>
-            <a:r>
-              <a:rPr lang="en-US" sz="2400" spc="10" dirty="0">
-                <a:latin typeface="Microsoft Sans Serif"/>
-                <a:cs typeface="Microsoft Sans Serif"/>
-              </a:rPr>
-              <a:t> </a:t>
-            </a:r>
-            <a:r>
-              <a:rPr lang="en-US" sz="2400" dirty="0">
-                <a:latin typeface="Microsoft Sans Serif"/>
-                <a:cs typeface="Microsoft Sans Serif"/>
-              </a:rPr>
-              <a:t>concerned</a:t>
-            </a:r>
-            <a:r>
-              <a:rPr lang="en-US" sz="2400" spc="10" dirty="0">
-                <a:latin typeface="Microsoft Sans Serif"/>
-                <a:cs typeface="Microsoft Sans Serif"/>
-              </a:rPr>
-              <a:t> </a:t>
-            </a:r>
-            <a:r>
-              <a:rPr lang="en-US" sz="2400" spc="-5" dirty="0">
-                <a:latin typeface="Microsoft Sans Serif"/>
-                <a:cs typeface="Microsoft Sans Serif"/>
-              </a:rPr>
-              <a:t>with</a:t>
-            </a:r>
-            <a:r>
-              <a:rPr lang="en-US" sz="2400" spc="10" dirty="0">
-                <a:latin typeface="Microsoft Sans Serif"/>
-                <a:cs typeface="Microsoft Sans Serif"/>
-              </a:rPr>
-              <a:t> </a:t>
-            </a:r>
-            <a:r>
-              <a:rPr lang="en-US" sz="2400" spc="-5" dirty="0">
-                <a:latin typeface="Microsoft Sans Serif"/>
-                <a:cs typeface="Microsoft Sans Serif"/>
-              </a:rPr>
-              <a:t>designing and developing</a:t>
-            </a:r>
-            <a:r>
-              <a:rPr lang="en-US" sz="2400" spc="15" dirty="0">
-                <a:latin typeface="Microsoft Sans Serif"/>
-                <a:cs typeface="Microsoft Sans Serif"/>
-              </a:rPr>
-              <a:t> </a:t>
-            </a:r>
-            <a:r>
-              <a:rPr lang="en-US" sz="2400" spc="-5" dirty="0">
-                <a:latin typeface="Microsoft Sans Serif"/>
-                <a:cs typeface="Microsoft Sans Serif"/>
-              </a:rPr>
-              <a:t>algorithms</a:t>
-            </a:r>
-            <a:r>
-              <a:rPr lang="en-US" sz="2400" spc="20" dirty="0">
-                <a:latin typeface="Microsoft Sans Serif"/>
-                <a:cs typeface="Microsoft Sans Serif"/>
-              </a:rPr>
-              <a:t> </a:t>
-            </a:r>
-            <a:r>
-              <a:rPr lang="en-US" sz="2400" spc="-5" dirty="0">
-                <a:latin typeface="Microsoft Sans Serif"/>
-                <a:cs typeface="Microsoft Sans Serif"/>
-              </a:rPr>
-              <a:t>that</a:t>
-            </a:r>
-            <a:r>
-              <a:rPr lang="en-US" sz="2400" spc="15" dirty="0">
-                <a:latin typeface="Microsoft Sans Serif"/>
-                <a:cs typeface="Microsoft Sans Serif"/>
-              </a:rPr>
-              <a:t> </a:t>
-            </a:r>
-            <a:r>
-              <a:rPr lang="en-US" sz="2400" spc="-10" dirty="0">
-                <a:latin typeface="Microsoft Sans Serif"/>
-                <a:cs typeface="Microsoft Sans Serif"/>
-              </a:rPr>
-              <a:t>allow</a:t>
-            </a:r>
-            <a:r>
-              <a:rPr lang="en-US" sz="2400" spc="20" dirty="0">
-                <a:latin typeface="Microsoft Sans Serif"/>
-                <a:cs typeface="Microsoft Sans Serif"/>
-              </a:rPr>
-              <a:t> </a:t>
-            </a:r>
-            <a:r>
-              <a:rPr lang="en-US" sz="2400" spc="-5" dirty="0">
-                <a:latin typeface="Microsoft Sans Serif"/>
-                <a:cs typeface="Microsoft Sans Serif"/>
-              </a:rPr>
-              <a:t>computers</a:t>
-            </a:r>
-            <a:r>
-              <a:rPr lang="en-US" sz="2400" spc="15" dirty="0">
-                <a:latin typeface="Microsoft Sans Serif"/>
-                <a:cs typeface="Microsoft Sans Serif"/>
-              </a:rPr>
-              <a:t> </a:t>
-            </a:r>
-            <a:r>
-              <a:rPr lang="en-US" sz="2400" spc="-5" dirty="0">
-                <a:latin typeface="Microsoft Sans Serif"/>
-                <a:cs typeface="Microsoft Sans Serif"/>
-              </a:rPr>
-              <a:t>(machines)</a:t>
-            </a:r>
-            <a:r>
-              <a:rPr lang="en-US" sz="2400" spc="15" dirty="0">
-                <a:latin typeface="Microsoft Sans Serif"/>
-                <a:cs typeface="Microsoft Sans Serif"/>
-              </a:rPr>
-              <a:t> </a:t>
-            </a:r>
-            <a:r>
-              <a:rPr lang="en-US" sz="2400" spc="-5" dirty="0">
-                <a:latin typeface="Microsoft Sans Serif"/>
-                <a:cs typeface="Microsoft Sans Serif"/>
-              </a:rPr>
-              <a:t>to</a:t>
-            </a:r>
-            <a:r>
-              <a:rPr lang="en-US" sz="2400" spc="-250" dirty="0">
-                <a:latin typeface="Microsoft Sans Serif"/>
-                <a:cs typeface="Microsoft Sans Serif"/>
-              </a:rPr>
-              <a:t> </a:t>
-            </a:r>
-            <a:r>
-              <a:rPr lang="en-US" sz="2400" spc="-10" dirty="0">
-                <a:latin typeface="Microsoft Sans Serif"/>
-                <a:cs typeface="Microsoft Sans Serif"/>
-              </a:rPr>
-              <a:t>improve</a:t>
-            </a:r>
-            <a:r>
-              <a:rPr lang="en-US" sz="2400" spc="10" dirty="0">
-                <a:latin typeface="Microsoft Sans Serif"/>
-                <a:cs typeface="Microsoft Sans Serif"/>
-              </a:rPr>
-              <a:t> </a:t>
-            </a:r>
-            <a:r>
-              <a:rPr lang="en-US" sz="2400" spc="-5" dirty="0">
-                <a:latin typeface="Microsoft Sans Serif"/>
-                <a:cs typeface="Microsoft Sans Serif"/>
-              </a:rPr>
-              <a:t>their</a:t>
-            </a:r>
-            <a:r>
-              <a:rPr lang="en-US" sz="2400" spc="10" dirty="0">
-                <a:latin typeface="Microsoft Sans Serif"/>
-                <a:cs typeface="Microsoft Sans Serif"/>
-              </a:rPr>
-              <a:t> </a:t>
-            </a:r>
-            <a:r>
-              <a:rPr lang="en-US" sz="2400" spc="-5" dirty="0">
-                <a:latin typeface="Microsoft Sans Serif"/>
-                <a:cs typeface="Microsoft Sans Serif"/>
-              </a:rPr>
-              <a:t>performance</a:t>
-            </a:r>
-            <a:r>
-              <a:rPr lang="en-US" sz="2400" spc="10" dirty="0">
-                <a:latin typeface="Microsoft Sans Serif"/>
-                <a:cs typeface="Microsoft Sans Serif"/>
-              </a:rPr>
-              <a:t> </a:t>
-            </a:r>
-            <a:r>
-              <a:rPr lang="en-US" sz="2400" spc="-15" dirty="0">
-                <a:latin typeface="Microsoft Sans Serif"/>
-                <a:cs typeface="Microsoft Sans Serif"/>
-              </a:rPr>
-              <a:t>over</a:t>
-            </a:r>
-            <a:r>
-              <a:rPr lang="en-US" sz="2400" spc="10" dirty="0">
-                <a:latin typeface="Microsoft Sans Serif"/>
-                <a:cs typeface="Microsoft Sans Serif"/>
-              </a:rPr>
-              <a:t> </a:t>
-            </a:r>
-            <a:r>
-              <a:rPr lang="en-US" sz="2400" spc="-5" dirty="0">
-                <a:latin typeface="Microsoft Sans Serif"/>
-                <a:cs typeface="Microsoft Sans Serif"/>
-              </a:rPr>
-              <a:t>time</a:t>
-            </a:r>
-            <a:r>
-              <a:rPr lang="en-US" sz="2400" spc="10" dirty="0">
-                <a:latin typeface="Microsoft Sans Serif"/>
-                <a:cs typeface="Microsoft Sans Serif"/>
-              </a:rPr>
-              <a:t> </a:t>
-            </a:r>
-            <a:r>
-              <a:rPr lang="en-US" sz="2400" spc="-5" dirty="0">
-                <a:latin typeface="Microsoft Sans Serif"/>
-                <a:cs typeface="Microsoft Sans Serif"/>
-              </a:rPr>
-              <a:t>based</a:t>
-            </a:r>
-            <a:r>
-              <a:rPr lang="en-US" sz="2400" spc="10" dirty="0">
-                <a:latin typeface="Microsoft Sans Serif"/>
-                <a:cs typeface="Microsoft Sans Serif"/>
-              </a:rPr>
-              <a:t> </a:t>
-            </a:r>
-            <a:r>
-              <a:rPr lang="en-US" sz="2400" spc="-5" dirty="0">
-                <a:latin typeface="Microsoft Sans Serif"/>
-                <a:cs typeface="Microsoft Sans Serif"/>
-              </a:rPr>
-              <a:t>on</a:t>
-            </a:r>
-            <a:r>
-              <a:rPr lang="en-US" sz="2400" spc="10" dirty="0">
-                <a:latin typeface="Microsoft Sans Serif"/>
-                <a:cs typeface="Microsoft Sans Serif"/>
-              </a:rPr>
-              <a:t> </a:t>
-            </a:r>
-            <a:r>
-              <a:rPr lang="en-US" sz="2400" spc="-5" dirty="0">
-                <a:latin typeface="Microsoft Sans Serif"/>
-                <a:cs typeface="Microsoft Sans Serif"/>
-              </a:rPr>
-              <a:t>data.</a:t>
-            </a:r>
-            <a:endParaRPr lang="en-US" sz="2400" dirty="0">
-              <a:latin typeface="Microsoft Sans Serif"/>
-              <a:cs typeface="Microsoft Sans Serif"/>
+            <a:endParaRPr lang="en-CA" dirty="0">
+              <a:effectLst/>
             </a:endParaRPr>
           </a:p>
         </p:txBody>
@@ -7832,7 +5588,7 @@
     </p:spTree>
     <p:extLst>
       <p:ext uri="{BB962C8B-B14F-4D97-AF65-F5344CB8AC3E}">
-        <p14:creationId xmlns:p14="http://schemas.microsoft.com/office/powerpoint/2010/main" val="3080171991"/>
+        <p14:creationId xmlns:p14="http://schemas.microsoft.com/office/powerpoint/2010/main" val="406995267"/>
       </p:ext>
     </p:extLst>
   </p:cSld>
@@ -7873,7 +5629,7 @@
                                           </p:stCondLst>
                                         </p:cTn>
                                         <p:tgtEl>
-                                          <p:spTgt spid="9"/>
+                                          <p:spTgt spid="10"/>
                                         </p:tgtEl>
                                         <p:attrNameLst>
                                           <p:attrName>style.visibility</p:attrName>
@@ -7887,60 +5643,7 @@
                                       <p:cBhvr>
                                         <p:cTn id="7" dur="500"/>
                                         <p:tgtEl>
-                                          <p:spTgt spid="9"/>
-                                        </p:tgtEl>
-                                      </p:cBhvr>
-                                    </p:animEffect>
-                                  </p:childTnLst>
-                                </p:cTn>
-                              </p:par>
-                            </p:childTnLst>
-                          </p:cTn>
-                        </p:par>
-                      </p:childTnLst>
-                    </p:cTn>
-                  </p:par>
-                  <p:par>
-                    <p:cTn id="8" fill="hold">
-                      <p:stCondLst>
-                        <p:cond delay="indefinite"/>
-                      </p:stCondLst>
-                      <p:childTnLst>
-                        <p:par>
-                          <p:cTn id="9" fill="hold">
-                            <p:stCondLst>
-                              <p:cond delay="0"/>
-                            </p:stCondLst>
-                            <p:childTnLst>
-                              <p:par>
-                                <p:cTn id="10" presetID="10" presetClass="entr" presetSubtype="0" fill="hold" grpId="0" nodeType="clickEffect">
-                                  <p:stCondLst>
-                                    <p:cond delay="0"/>
-                                  </p:stCondLst>
-                                  <p:childTnLst>
-                                    <p:set>
-                                      <p:cBhvr>
-                                        <p:cTn id="11" dur="1" fill="hold">
-                                          <p:stCondLst>
-                                            <p:cond delay="0"/>
-                                          </p:stCondLst>
-                                        </p:cTn>
-                                        <p:tgtEl>
-                                          <p:spTgt spid="7"/>
-                                        </p:tgtEl>
-                                        <p:attrNameLst>
-                                          <p:attrName>style.visibility</p:attrName>
-                                        </p:attrNameLst>
-                                      </p:cBhvr>
-                                      <p:to>
-                                        <p:strVal val="visible"/>
-                                      </p:to>
-                                    </p:set>
-                                    <p:animEffect transition="in" filter="fade">
-                                      <p:cBhvr>
-                                        <p:cTn id="12" dur="500"/>
-                                        <p:tgtEl>
-                                          <p:spTgt spid="7"/>
+                                          <p:spTgt spid="10"/>
                                         </p:tgtEl>
                                       </p:cBhvr>
                                     </p:animEffect>
@@ -7975,1309 +5678,13 @@
       </p:par>
     </p:tnLst>
     <p:bldLst>
-      <p:bldP spid="7" grpId="0"/>
-      <p:bldP spid="9" grpId="0"/>
+      <p:bldP spid="10" grpId="0"/>
     </p:bldLst>
   </p:timing>
 </p:sld>
 </file>
 
-<file path=ppt/slides/slide12.xml><?xml version="1.0" encoding="utf-8"?>
-<p:sld xmlns:a="http://schemas.openxmlformats.org/drawingml/2006/main" xmlns:r="http://schemas.openxmlformats.org/officeDocument/2006/relationships" xmlns:p="http://schemas.openxmlformats.org/presentationml/2006/main">
-  <p:cSld>
-    <p:spTree>
-      <p:nvGrpSpPr>
-        <p:cNvPr id="1" name=""/>
-        <p:cNvGrpSpPr/>
-        <p:nvPr/>
-      </p:nvGrpSpPr>
-      <p:grpSpPr>
-        <a:xfrm>
-          <a:off x="0" y="0"/>
-          <a:ext cx="0" cy="0"/>
-          <a:chOff x="0" y="0"/>
-          <a:chExt cx="0" cy="0"/>
-        </a:xfrm>
-      </p:grpSpPr>
-      <p:sp>
-        <p:nvSpPr>
-          <p:cNvPr id="2" name="Title 1"/>
-          <p:cNvSpPr>
-            <a:spLocks noGrp="1"/>
-          </p:cNvSpPr>
-          <p:nvPr>
-            <p:ph type="title"/>
-          </p:nvPr>
-        </p:nvSpPr>
-        <p:spPr>
-          <a:xfrm>
-            <a:off x="838200" y="365126"/>
-            <a:ext cx="10515600" cy="981894"/>
-          </a:xfrm>
-        </p:spPr>
-        <p:txBody>
-          <a:bodyPr/>
-          <a:lstStyle/>
-          <a:p>
-            <a:r>
-              <a:rPr lang="en-US" dirty="0">
-                <a:solidFill>
-                  <a:srgbClr val="0070C0"/>
-                </a:solidFill>
-              </a:rPr>
-              <a:t>Categories of Machine Learning</a:t>
-            </a:r>
-          </a:p>
-        </p:txBody>
-      </p:sp>
-      <p:pic>
-        <p:nvPicPr>
-          <p:cNvPr id="14" name="Picture 4" descr="File:UMKC logo.png - Wikipedia"/>
-          <p:cNvPicPr>
-            <a:picLocks noChangeAspect="1" noChangeArrowheads="1"/>
-          </p:cNvPicPr>
-          <p:nvPr/>
-        </p:nvPicPr>
-        <p:blipFill>
-          <a:blip r:embed="rId2" cstate="print">
-            <a:extLst>
-              <a:ext uri="{28A0092B-C50C-407E-A947-70E740481C1C}">
-                <a14:useLocalDpi xmlns:a14="http://schemas.microsoft.com/office/drawing/2010/main" val="0"/>
-              </a:ext>
-            </a:extLst>
-          </a:blip>
-          <a:srcRect/>
-          <a:stretch>
-            <a:fillRect/>
-          </a:stretch>
-        </p:blipFill>
-        <p:spPr bwMode="auto">
-          <a:xfrm>
-            <a:off x="10741981" y="6132824"/>
-            <a:ext cx="1293518" cy="571124"/>
-          </a:xfrm>
-          <a:prstGeom prst="rect">
-            <a:avLst/>
-          </a:prstGeom>
-          <a:noFill/>
-          <a:extLst>
-            <a:ext uri="{909E8E84-426E-40DD-AFC4-6F175D3DCCD1}">
-              <a14:hiddenFill xmlns:a14="http://schemas.microsoft.com/office/drawing/2010/main">
-                <a:solidFill>
-                  <a:srgbClr val="FFFFFF"/>
-                </a:solidFill>
-              </a14:hiddenFill>
-            </a:ext>
-          </a:extLst>
-        </p:spPr>
-      </p:pic>
-      <p:pic>
-        <p:nvPicPr>
-          <p:cNvPr id="4" name="Picture 3"/>
-          <p:cNvPicPr>
-            <a:picLocks noChangeAspect="1"/>
-          </p:cNvPicPr>
-          <p:nvPr/>
-        </p:nvPicPr>
-        <p:blipFill>
-          <a:blip r:embed="rId3"/>
-          <a:stretch>
-            <a:fillRect/>
-          </a:stretch>
-        </p:blipFill>
-        <p:spPr>
-          <a:xfrm>
-            <a:off x="1211519" y="1393569"/>
-            <a:ext cx="8058150" cy="5172075"/>
-          </a:xfrm>
-          <a:prstGeom prst="rect">
-            <a:avLst/>
-          </a:prstGeom>
-        </p:spPr>
-      </p:pic>
-    </p:spTree>
-    <p:extLst>
-      <p:ext uri="{BB962C8B-B14F-4D97-AF65-F5344CB8AC3E}">
-        <p14:creationId xmlns:p14="http://schemas.microsoft.com/office/powerpoint/2010/main" val="3847073611"/>
-      </p:ext>
-    </p:extLst>
-  </p:cSld>
-  <p:clrMapOvr>
-    <a:masterClrMapping/>
-  </p:clrMapOvr>
-</p:sld>
-</file>
-
-<file path=ppt/slides/slide13.xml><?xml version="1.0" encoding="utf-8"?>
-<p:sld xmlns:a="http://schemas.openxmlformats.org/drawingml/2006/main" xmlns:r="http://schemas.openxmlformats.org/officeDocument/2006/relationships" xmlns:p="http://schemas.openxmlformats.org/presentationml/2006/main">
-  <p:cSld>
-    <p:spTree>
-      <p:nvGrpSpPr>
-        <p:cNvPr id="1" name=""/>
-        <p:cNvGrpSpPr/>
-        <p:nvPr/>
-      </p:nvGrpSpPr>
-      <p:grpSpPr>
-        <a:xfrm>
-          <a:off x="0" y="0"/>
-          <a:ext cx="0" cy="0"/>
-          <a:chOff x="0" y="0"/>
-          <a:chExt cx="0" cy="0"/>
-        </a:xfrm>
-      </p:grpSpPr>
-      <p:sp>
-        <p:nvSpPr>
-          <p:cNvPr id="2" name="Title 1"/>
-          <p:cNvSpPr>
-            <a:spLocks noGrp="1"/>
-          </p:cNvSpPr>
-          <p:nvPr>
-            <p:ph type="title"/>
-          </p:nvPr>
-        </p:nvSpPr>
-        <p:spPr/>
-        <p:txBody>
-          <a:bodyPr/>
-          <a:lstStyle/>
-          <a:p>
-            <a:r>
-              <a:rPr lang="en-US" dirty="0">
-                <a:solidFill>
-                  <a:srgbClr val="0070C0"/>
-                </a:solidFill>
-              </a:rPr>
-              <a:t>Categories of Machine Learning</a:t>
-            </a:r>
-          </a:p>
-        </p:txBody>
-      </p:sp>
-      <p:sp>
-        <p:nvSpPr>
-          <p:cNvPr id="3" name="Content Placeholder 2"/>
-          <p:cNvSpPr>
-            <a:spLocks noGrp="1"/>
-          </p:cNvSpPr>
-          <p:nvPr>
-            <p:ph idx="1"/>
-          </p:nvPr>
-        </p:nvSpPr>
-        <p:spPr>
-          <a:xfrm>
-            <a:off x="759542" y="1412670"/>
-            <a:ext cx="10341077" cy="1863190"/>
-          </a:xfrm>
-        </p:spPr>
-        <p:txBody>
-          <a:bodyPr>
-            <a:noAutofit/>
-          </a:bodyPr>
-          <a:lstStyle/>
-          <a:p>
-            <a:pPr marL="0" indent="0">
-              <a:buNone/>
-            </a:pPr>
-            <a:r>
-              <a:rPr lang="en-US" b="1" dirty="0">
-                <a:solidFill>
-                  <a:srgbClr val="0070C0"/>
-                </a:solidFill>
-              </a:rPr>
-              <a:t>Supervised learning</a:t>
-            </a:r>
-          </a:p>
-          <a:p>
-            <a:pPr marL="0" indent="0">
-              <a:buNone/>
-            </a:pPr>
-            <a:r>
-              <a:rPr lang="en-US" dirty="0"/>
-              <a:t>Supervised learning is the subcategory of machine learning that focuses on learning a classification, or regression model, that is, learning from labeled training data.</a:t>
-            </a:r>
-            <a:endParaRPr lang="en-GB" sz="2400" spc="-5" dirty="0">
-              <a:latin typeface="Microsoft Sans Serif"/>
-              <a:cs typeface="Microsoft Sans Serif"/>
-            </a:endParaRPr>
-          </a:p>
-        </p:txBody>
-      </p:sp>
-      <p:pic>
-        <p:nvPicPr>
-          <p:cNvPr id="14" name="Picture 4" descr="File:UMKC logo.png - Wikipedia"/>
-          <p:cNvPicPr>
-            <a:picLocks noChangeAspect="1" noChangeArrowheads="1"/>
-          </p:cNvPicPr>
-          <p:nvPr/>
-        </p:nvPicPr>
-        <p:blipFill>
-          <a:blip r:embed="rId2" cstate="print">
-            <a:extLst>
-              <a:ext uri="{28A0092B-C50C-407E-A947-70E740481C1C}">
-                <a14:useLocalDpi xmlns:a14="http://schemas.microsoft.com/office/drawing/2010/main" val="0"/>
-              </a:ext>
-            </a:extLst>
-          </a:blip>
-          <a:srcRect/>
-          <a:stretch>
-            <a:fillRect/>
-          </a:stretch>
-        </p:blipFill>
-        <p:spPr bwMode="auto">
-          <a:xfrm>
-            <a:off x="10741981" y="6132824"/>
-            <a:ext cx="1293518" cy="571124"/>
-          </a:xfrm>
-          <a:prstGeom prst="rect">
-            <a:avLst/>
-          </a:prstGeom>
-          <a:noFill/>
-          <a:extLst>
-            <a:ext uri="{909E8E84-426E-40DD-AFC4-6F175D3DCCD1}">
-              <a14:hiddenFill xmlns:a14="http://schemas.microsoft.com/office/drawing/2010/main">
-                <a:solidFill>
-                  <a:srgbClr val="FFFFFF"/>
-                </a:solidFill>
-              </a14:hiddenFill>
-            </a:ext>
-          </a:extLst>
-        </p:spPr>
-      </p:pic>
-      <p:pic>
-        <p:nvPicPr>
-          <p:cNvPr id="4" name="Picture 3"/>
-          <p:cNvPicPr>
-            <a:picLocks noChangeAspect="1"/>
-          </p:cNvPicPr>
-          <p:nvPr/>
-        </p:nvPicPr>
-        <p:blipFill>
-          <a:blip r:embed="rId3"/>
-          <a:stretch>
-            <a:fillRect/>
-          </a:stretch>
-        </p:blipFill>
-        <p:spPr>
-          <a:xfrm>
-            <a:off x="5787953" y="3466579"/>
-            <a:ext cx="3134106" cy="3065514"/>
-          </a:xfrm>
-          <a:prstGeom prst="rect">
-            <a:avLst/>
-          </a:prstGeom>
-        </p:spPr>
-      </p:pic>
-      <p:pic>
-        <p:nvPicPr>
-          <p:cNvPr id="5" name="Picture 4"/>
-          <p:cNvPicPr>
-            <a:picLocks noChangeAspect="1"/>
-          </p:cNvPicPr>
-          <p:nvPr/>
-        </p:nvPicPr>
-        <p:blipFill>
-          <a:blip r:embed="rId4"/>
-          <a:stretch>
-            <a:fillRect/>
-          </a:stretch>
-        </p:blipFill>
-        <p:spPr>
-          <a:xfrm>
-            <a:off x="1547102" y="3491126"/>
-            <a:ext cx="3195831" cy="2991842"/>
-          </a:xfrm>
-          <a:prstGeom prst="rect">
-            <a:avLst/>
-          </a:prstGeom>
-        </p:spPr>
-      </p:pic>
-    </p:spTree>
-    <p:extLst>
-      <p:ext uri="{BB962C8B-B14F-4D97-AF65-F5344CB8AC3E}">
-        <p14:creationId xmlns:p14="http://schemas.microsoft.com/office/powerpoint/2010/main" val="764269540"/>
-      </p:ext>
-    </p:extLst>
-  </p:cSld>
-  <p:clrMapOvr>
-    <a:masterClrMapping/>
-  </p:clrMapOvr>
-  <p:timing>
-    <p:tnLst>
-      <p:par>
-        <p:cTn id="1" dur="indefinite" restart="never" nodeType="tmRoot">
-          <p:childTnLst>
-            <p:seq concurrent="1" nextAc="seek">
-              <p:cTn id="2" dur="indefinite" nodeType="mainSeq">
-                <p:childTnLst>
-                  <p:par>
-                    <p:cTn id="3" fill="hold">
-                      <p:stCondLst>
-                        <p:cond delay="indefinite"/>
-                      </p:stCondLst>
-                      <p:childTnLst>
-                        <p:par>
-                          <p:cTn id="4" fill="hold">
-                            <p:stCondLst>
-                              <p:cond delay="0"/>
-                            </p:stCondLst>
-                            <p:childTnLst>
-                              <p:par>
-                                <p:cTn id="5" presetID="10" presetClass="entr" presetSubtype="0" fill="hold" nodeType="clickEffect">
-                                  <p:stCondLst>
-                                    <p:cond delay="0"/>
-                                  </p:stCondLst>
-                                  <p:childTnLst>
-                                    <p:set>
-                                      <p:cBhvr>
-                                        <p:cTn id="6" dur="1" fill="hold">
-                                          <p:stCondLst>
-                                            <p:cond delay="0"/>
-                                          </p:stCondLst>
-                                        </p:cTn>
-                                        <p:tgtEl>
-                                          <p:spTgt spid="5"/>
-                                        </p:tgtEl>
-                                        <p:attrNameLst>
-                                          <p:attrName>style.visibility</p:attrName>
-                                        </p:attrNameLst>
-                                      </p:cBhvr>
-                                      <p:to>
-                                        <p:strVal val="visible"/>
-                                      </p:to>
-                                    </p:set>
-                                    <p:animEffect transition="in" filter="fade">
-                                      <p:cBhvr>
-                                        <p:cTn id="7" dur="500"/>
-                                        <p:tgtEl>
-                                          <p:spTgt spid="5"/>
-                                        </p:tgtEl>
-                                      </p:cBhvr>
-                                    </p:animEffect>
-                                  </p:childTnLst>
-                                </p:cTn>
-                              </p:par>
-                              <p:par>
-                                <p:cTn id="8" presetID="10" presetClass="entr" presetSubtype="0" fill="hold" nodeType="withEffect">
-                                  <p:stCondLst>
-                                    <p:cond delay="0"/>
-                                  </p:stCondLst>
-                                  <p:childTnLst>
-                                    <p:set>
-                                      <p:cBhvr>
-                                        <p:cTn id="9" dur="1" fill="hold">
-                                          <p:stCondLst>
-                                            <p:cond delay="0"/>
-                                          </p:stCondLst>
-                                        </p:cTn>
-                                        <p:tgtEl>
-                                          <p:spTgt spid="4"/>
-                                        </p:tgtEl>
-                                        <p:attrNameLst>
-                                          <p:attrName>style.visibility</p:attrName>
-                                        </p:attrNameLst>
-                                      </p:cBhvr>
-                                      <p:to>
-                                        <p:strVal val="visible"/>
-                                      </p:to>
-                                    </p:set>
-                                    <p:animEffect transition="in" filter="fade">
-                                      <p:cBhvr>
-                                        <p:cTn id="10" dur="500"/>
-                                        <p:tgtEl>
-                                          <p:spTgt spid="4"/>
-                                        </p:tgtEl>
-                                      </p:cBhvr>
-                                    </p:animEffect>
-                                  </p:childTnLst>
-                                </p:cTn>
-                              </p:par>
-                            </p:childTnLst>
-                          </p:cTn>
-                        </p:par>
-                      </p:childTnLst>
-                    </p:cTn>
-                  </p:par>
-                </p:childTnLst>
-              </p:cTn>
-              <p:prevCondLst>
-                <p:cond evt="onPrev" delay="0">
-                  <p:tgtEl>
-                    <p:sldTgt/>
-                  </p:tgtEl>
-                </p:cond>
-              </p:prevCondLst>
-              <p:nextCondLst>
-                <p:cond evt="onNext" delay="0">
-                  <p:tgtEl>
-                    <p:sldTgt/>
-                  </p:tgtEl>
-                </p:cond>
-              </p:nextCondLst>
-            </p:seq>
-          </p:childTnLst>
-        </p:cTn>
-      </p:par>
-    </p:tnLst>
-  </p:timing>
-</p:sld>
-</file>
-
 <file path=ppt/slides/slide14.xml><?xml version="1.0" encoding="utf-8"?>
-<p:sld xmlns:a="http://schemas.openxmlformats.org/drawingml/2006/main" xmlns:r="http://schemas.openxmlformats.org/officeDocument/2006/relationships" xmlns:p="http://schemas.openxmlformats.org/presentationml/2006/main">
-  <p:cSld>
-    <p:spTree>
-      <p:nvGrpSpPr>
-        <p:cNvPr id="1" name=""/>
-        <p:cNvGrpSpPr/>
-        <p:nvPr/>
-      </p:nvGrpSpPr>
-      <p:grpSpPr>
-        <a:xfrm>
-          <a:off x="0" y="0"/>
-          <a:ext cx="0" cy="0"/>
-          <a:chOff x="0" y="0"/>
-          <a:chExt cx="0" cy="0"/>
-        </a:xfrm>
-      </p:grpSpPr>
-      <p:sp>
-        <p:nvSpPr>
-          <p:cNvPr id="2" name="Title 1"/>
-          <p:cNvSpPr>
-            <a:spLocks noGrp="1"/>
-          </p:cNvSpPr>
-          <p:nvPr>
-            <p:ph type="title"/>
-          </p:nvPr>
-        </p:nvSpPr>
-        <p:spPr/>
-        <p:txBody>
-          <a:bodyPr/>
-          <a:lstStyle/>
-          <a:p>
-            <a:r>
-              <a:rPr lang="en-US" dirty="0">
-                <a:solidFill>
-                  <a:srgbClr val="0070C0"/>
-                </a:solidFill>
-              </a:rPr>
-              <a:t>Categories of Machine Learning</a:t>
-            </a:r>
-          </a:p>
-        </p:txBody>
-      </p:sp>
-      <p:sp>
-        <p:nvSpPr>
-          <p:cNvPr id="3" name="Content Placeholder 2"/>
-          <p:cNvSpPr>
-            <a:spLocks noGrp="1"/>
-          </p:cNvSpPr>
-          <p:nvPr>
-            <p:ph idx="1"/>
-          </p:nvPr>
-        </p:nvSpPr>
-        <p:spPr>
-          <a:xfrm>
-            <a:off x="759542" y="1412670"/>
-            <a:ext cx="10341077" cy="1126344"/>
-          </a:xfrm>
-        </p:spPr>
-        <p:txBody>
-          <a:bodyPr>
-            <a:noAutofit/>
-          </a:bodyPr>
-          <a:lstStyle/>
-          <a:p>
-            <a:pPr marL="0" indent="0">
-              <a:buNone/>
-            </a:pPr>
-            <a:r>
-              <a:rPr lang="en-US" b="1" dirty="0">
-                <a:solidFill>
-                  <a:srgbClr val="0070C0"/>
-                </a:solidFill>
-              </a:rPr>
-              <a:t>Supervised learning</a:t>
-            </a:r>
-          </a:p>
-          <a:p>
-            <a:pPr marL="0" indent="0">
-              <a:buNone/>
-            </a:pPr>
-            <a:r>
-              <a:rPr lang="en-US" dirty="0"/>
-              <a:t>A rough overview of the supervised learning process.</a:t>
-            </a:r>
-            <a:endParaRPr lang="en-GB" sz="2400" spc="-5" dirty="0">
-              <a:latin typeface="Microsoft Sans Serif"/>
-              <a:cs typeface="Microsoft Sans Serif"/>
-            </a:endParaRPr>
-          </a:p>
-        </p:txBody>
-      </p:sp>
-      <p:pic>
-        <p:nvPicPr>
-          <p:cNvPr id="14" name="Picture 4" descr="File:UMKC logo.png - Wikipedia"/>
-          <p:cNvPicPr>
-            <a:picLocks noChangeAspect="1" noChangeArrowheads="1"/>
-          </p:cNvPicPr>
-          <p:nvPr/>
-        </p:nvPicPr>
-        <p:blipFill>
-          <a:blip r:embed="rId2" cstate="print">
-            <a:extLst>
-              <a:ext uri="{28A0092B-C50C-407E-A947-70E740481C1C}">
-                <a14:useLocalDpi xmlns:a14="http://schemas.microsoft.com/office/drawing/2010/main" val="0"/>
-              </a:ext>
-            </a:extLst>
-          </a:blip>
-          <a:srcRect/>
-          <a:stretch>
-            <a:fillRect/>
-          </a:stretch>
-        </p:blipFill>
-        <p:spPr bwMode="auto">
-          <a:xfrm>
-            <a:off x="10741981" y="6132824"/>
-            <a:ext cx="1293518" cy="571124"/>
-          </a:xfrm>
-          <a:prstGeom prst="rect">
-            <a:avLst/>
-          </a:prstGeom>
-          <a:noFill/>
-          <a:extLst>
-            <a:ext uri="{909E8E84-426E-40DD-AFC4-6F175D3DCCD1}">
-              <a14:hiddenFill xmlns:a14="http://schemas.microsoft.com/office/drawing/2010/main">
-                <a:solidFill>
-                  <a:srgbClr val="FFFFFF"/>
-                </a:solidFill>
-              </a14:hiddenFill>
-            </a:ext>
-          </a:extLst>
-        </p:spPr>
-      </p:pic>
-      <p:pic>
-        <p:nvPicPr>
-          <p:cNvPr id="6" name="Picture 5"/>
-          <p:cNvPicPr>
-            <a:picLocks noChangeAspect="1"/>
-          </p:cNvPicPr>
-          <p:nvPr/>
-        </p:nvPicPr>
-        <p:blipFill>
-          <a:blip r:embed="rId3"/>
-          <a:stretch>
-            <a:fillRect/>
-          </a:stretch>
-        </p:blipFill>
-        <p:spPr>
-          <a:xfrm>
-            <a:off x="2054533" y="2601156"/>
-            <a:ext cx="6388501" cy="3779113"/>
-          </a:xfrm>
-          <a:prstGeom prst="rect">
-            <a:avLst/>
-          </a:prstGeom>
-        </p:spPr>
-      </p:pic>
-    </p:spTree>
-    <p:extLst>
-      <p:ext uri="{BB962C8B-B14F-4D97-AF65-F5344CB8AC3E}">
-        <p14:creationId xmlns:p14="http://schemas.microsoft.com/office/powerpoint/2010/main" val="2538943827"/>
-      </p:ext>
-    </p:extLst>
-  </p:cSld>
-  <p:clrMapOvr>
-    <a:masterClrMapping/>
-  </p:clrMapOvr>
-</p:sld>
-</file>
-
-<file path=ppt/slides/slide15.xml><?xml version="1.0" encoding="utf-8"?>
-<p:sld xmlns:a="http://schemas.openxmlformats.org/drawingml/2006/main" xmlns:r="http://schemas.openxmlformats.org/officeDocument/2006/relationships" xmlns:p="http://schemas.openxmlformats.org/presentationml/2006/main">
-  <p:cSld>
-    <p:spTree>
-      <p:nvGrpSpPr>
-        <p:cNvPr id="1" name=""/>
-        <p:cNvGrpSpPr/>
-        <p:nvPr/>
-      </p:nvGrpSpPr>
-      <p:grpSpPr>
-        <a:xfrm>
-          <a:off x="0" y="0"/>
-          <a:ext cx="0" cy="0"/>
-          <a:chOff x="0" y="0"/>
-          <a:chExt cx="0" cy="0"/>
-        </a:xfrm>
-      </p:grpSpPr>
-      <p:sp>
-        <p:nvSpPr>
-          <p:cNvPr id="2" name="Title 1"/>
-          <p:cNvSpPr>
-            <a:spLocks noGrp="1"/>
-          </p:cNvSpPr>
-          <p:nvPr>
-            <p:ph type="title"/>
-          </p:nvPr>
-        </p:nvSpPr>
-        <p:spPr/>
-        <p:txBody>
-          <a:bodyPr/>
-          <a:lstStyle/>
-          <a:p>
-            <a:r>
-              <a:rPr lang="en-US" dirty="0">
-                <a:solidFill>
-                  <a:srgbClr val="0070C0"/>
-                </a:solidFill>
-              </a:rPr>
-              <a:t>Categories of Machine Learning</a:t>
-            </a:r>
-          </a:p>
-        </p:txBody>
-      </p:sp>
-      <p:sp>
-        <p:nvSpPr>
-          <p:cNvPr id="3" name="Content Placeholder 2"/>
-          <p:cNvSpPr>
-            <a:spLocks noGrp="1"/>
-          </p:cNvSpPr>
-          <p:nvPr>
-            <p:ph idx="1"/>
-          </p:nvPr>
-        </p:nvSpPr>
-        <p:spPr>
-          <a:xfrm>
-            <a:off x="759542" y="1412670"/>
-            <a:ext cx="10341077" cy="1350195"/>
-          </a:xfrm>
-        </p:spPr>
-        <p:txBody>
-          <a:bodyPr>
-            <a:noAutofit/>
-          </a:bodyPr>
-          <a:lstStyle/>
-          <a:p>
-            <a:pPr marL="0" indent="0">
-              <a:buNone/>
-            </a:pPr>
-            <a:r>
-              <a:rPr lang="en-US" b="1" dirty="0">
-                <a:solidFill>
-                  <a:srgbClr val="0070C0"/>
-                </a:solidFill>
-              </a:rPr>
-              <a:t>Unsupervised learning</a:t>
-            </a:r>
-          </a:p>
-          <a:p>
-            <a:pPr marL="0" indent="0">
-              <a:buNone/>
-            </a:pPr>
-            <a:r>
-              <a:rPr lang="en-US" dirty="0"/>
-              <a:t>Unsupervised learning</a:t>
-            </a:r>
-            <a:r>
-              <a:rPr lang="en-US" b="1" dirty="0">
-                <a:solidFill>
-                  <a:srgbClr val="0070C0"/>
-                </a:solidFill>
-              </a:rPr>
-              <a:t> </a:t>
-            </a:r>
-            <a:r>
-              <a:rPr lang="en-US" dirty="0"/>
-              <a:t>is a branch of machine learning that is concerned with unlabeled data. Common tasks in unsupervised learning are clustering analysis and dimensionality reduction.</a:t>
-            </a:r>
-            <a:endParaRPr lang="en-GB" sz="2400" spc="-5" dirty="0">
-              <a:latin typeface="Microsoft Sans Serif"/>
-              <a:cs typeface="Microsoft Sans Serif"/>
-            </a:endParaRPr>
-          </a:p>
-        </p:txBody>
-      </p:sp>
-      <p:pic>
-        <p:nvPicPr>
-          <p:cNvPr id="14" name="Picture 4" descr="File:UMKC logo.png - Wikipedia"/>
-          <p:cNvPicPr>
-            <a:picLocks noChangeAspect="1" noChangeArrowheads="1"/>
-          </p:cNvPicPr>
-          <p:nvPr/>
-        </p:nvPicPr>
-        <p:blipFill>
-          <a:blip r:embed="rId2" cstate="print">
-            <a:extLst>
-              <a:ext uri="{28A0092B-C50C-407E-A947-70E740481C1C}">
-                <a14:useLocalDpi xmlns:a14="http://schemas.microsoft.com/office/drawing/2010/main" val="0"/>
-              </a:ext>
-            </a:extLst>
-          </a:blip>
-          <a:srcRect/>
-          <a:stretch>
-            <a:fillRect/>
-          </a:stretch>
-        </p:blipFill>
-        <p:spPr bwMode="auto">
-          <a:xfrm>
-            <a:off x="10741981" y="6132824"/>
-            <a:ext cx="1293518" cy="571124"/>
-          </a:xfrm>
-          <a:prstGeom prst="rect">
-            <a:avLst/>
-          </a:prstGeom>
-          <a:noFill/>
-          <a:extLst>
-            <a:ext uri="{909E8E84-426E-40DD-AFC4-6F175D3DCCD1}">
-              <a14:hiddenFill xmlns:a14="http://schemas.microsoft.com/office/drawing/2010/main">
-                <a:solidFill>
-                  <a:srgbClr val="FFFFFF"/>
-                </a:solidFill>
-              </a14:hiddenFill>
-            </a:ext>
-          </a:extLst>
-        </p:spPr>
-      </p:pic>
-      <p:pic>
-        <p:nvPicPr>
-          <p:cNvPr id="6" name="Picture 5"/>
-          <p:cNvPicPr>
-            <a:picLocks noChangeAspect="1"/>
-          </p:cNvPicPr>
-          <p:nvPr/>
-        </p:nvPicPr>
-        <p:blipFill>
-          <a:blip r:embed="rId3"/>
-          <a:stretch>
-            <a:fillRect/>
-          </a:stretch>
-        </p:blipFill>
-        <p:spPr>
-          <a:xfrm>
-            <a:off x="3989178" y="3355759"/>
-            <a:ext cx="3371597" cy="3209278"/>
-          </a:xfrm>
-          <a:prstGeom prst="rect">
-            <a:avLst/>
-          </a:prstGeom>
-        </p:spPr>
-      </p:pic>
-    </p:spTree>
-    <p:extLst>
-      <p:ext uri="{BB962C8B-B14F-4D97-AF65-F5344CB8AC3E}">
-        <p14:creationId xmlns:p14="http://schemas.microsoft.com/office/powerpoint/2010/main" val="3288010922"/>
-      </p:ext>
-    </p:extLst>
-  </p:cSld>
-  <p:clrMapOvr>
-    <a:masterClrMapping/>
-  </p:clrMapOvr>
-  <p:timing>
-    <p:tnLst>
-      <p:par>
-        <p:cTn id="1" dur="indefinite" restart="never" nodeType="tmRoot">
-          <p:childTnLst>
-            <p:seq concurrent="1" nextAc="seek">
-              <p:cTn id="2" dur="indefinite" nodeType="mainSeq">
-                <p:childTnLst>
-                  <p:par>
-                    <p:cTn id="3" fill="hold">
-                      <p:stCondLst>
-                        <p:cond delay="indefinite"/>
-                      </p:stCondLst>
-                      <p:childTnLst>
-                        <p:par>
-                          <p:cTn id="4" fill="hold">
-                            <p:stCondLst>
-                              <p:cond delay="0"/>
-                            </p:stCondLst>
-                            <p:childTnLst>
-                              <p:par>
-                                <p:cTn id="5" presetID="10" presetClass="entr" presetSubtype="0" fill="hold" nodeType="clickEffect">
-                                  <p:stCondLst>
-                                    <p:cond delay="0"/>
-                                  </p:stCondLst>
-                                  <p:childTnLst>
-                                    <p:set>
-                                      <p:cBhvr>
-                                        <p:cTn id="6" dur="1" fill="hold">
-                                          <p:stCondLst>
-                                            <p:cond delay="0"/>
-                                          </p:stCondLst>
-                                        </p:cTn>
-                                        <p:tgtEl>
-                                          <p:spTgt spid="6"/>
-                                        </p:tgtEl>
-                                        <p:attrNameLst>
-                                          <p:attrName>style.visibility</p:attrName>
-                                        </p:attrNameLst>
-                                      </p:cBhvr>
-                                      <p:to>
-                                        <p:strVal val="visible"/>
-                                      </p:to>
-                                    </p:set>
-                                    <p:animEffect transition="in" filter="fade">
-                                      <p:cBhvr>
-                                        <p:cTn id="7" dur="500"/>
-                                        <p:tgtEl>
-                                          <p:spTgt spid="6"/>
-                                        </p:tgtEl>
-                                      </p:cBhvr>
-                                    </p:animEffect>
-                                  </p:childTnLst>
-                                </p:cTn>
-                              </p:par>
-                            </p:childTnLst>
-                          </p:cTn>
-                        </p:par>
-                      </p:childTnLst>
-                    </p:cTn>
-                  </p:par>
-                </p:childTnLst>
-              </p:cTn>
-              <p:prevCondLst>
-                <p:cond evt="onPrev" delay="0">
-                  <p:tgtEl>
-                    <p:sldTgt/>
-                  </p:tgtEl>
-                </p:cond>
-              </p:prevCondLst>
-              <p:nextCondLst>
-                <p:cond evt="onNext" delay="0">
-                  <p:tgtEl>
-                    <p:sldTgt/>
-                  </p:tgtEl>
-                </p:cond>
-              </p:nextCondLst>
-            </p:seq>
-          </p:childTnLst>
-        </p:cTn>
-      </p:par>
-    </p:tnLst>
-  </p:timing>
-</p:sld>
-</file>
-
-<file path=ppt/slides/slide16.xml><?xml version="1.0" encoding="utf-8"?>
-<p:sld xmlns:a="http://schemas.openxmlformats.org/drawingml/2006/main" xmlns:r="http://schemas.openxmlformats.org/officeDocument/2006/relationships" xmlns:p="http://schemas.openxmlformats.org/presentationml/2006/main">
-  <p:cSld>
-    <p:spTree>
-      <p:nvGrpSpPr>
-        <p:cNvPr id="1" name=""/>
-        <p:cNvGrpSpPr/>
-        <p:nvPr/>
-      </p:nvGrpSpPr>
-      <p:grpSpPr>
-        <a:xfrm>
-          <a:off x="0" y="0"/>
-          <a:ext cx="0" cy="0"/>
-          <a:chOff x="0" y="0"/>
-          <a:chExt cx="0" cy="0"/>
-        </a:xfrm>
-      </p:grpSpPr>
-      <p:sp>
-        <p:nvSpPr>
-          <p:cNvPr id="2" name="Title 1"/>
-          <p:cNvSpPr>
-            <a:spLocks noGrp="1"/>
-          </p:cNvSpPr>
-          <p:nvPr>
-            <p:ph type="title"/>
-          </p:nvPr>
-        </p:nvSpPr>
-        <p:spPr/>
-        <p:txBody>
-          <a:bodyPr/>
-          <a:lstStyle/>
-          <a:p>
-            <a:r>
-              <a:rPr lang="en-US" dirty="0">
-                <a:solidFill>
-                  <a:srgbClr val="0070C0"/>
-                </a:solidFill>
-              </a:rPr>
-              <a:t>Categories of Machine Learning</a:t>
-            </a:r>
-          </a:p>
-        </p:txBody>
-      </p:sp>
-      <p:sp>
-        <p:nvSpPr>
-          <p:cNvPr id="3" name="Content Placeholder 2"/>
-          <p:cNvSpPr>
-            <a:spLocks noGrp="1"/>
-          </p:cNvSpPr>
-          <p:nvPr>
-            <p:ph idx="1"/>
-          </p:nvPr>
-        </p:nvSpPr>
-        <p:spPr>
-          <a:xfrm>
-            <a:off x="759542" y="1412670"/>
-            <a:ext cx="10341077" cy="3647601"/>
-          </a:xfrm>
-        </p:spPr>
-        <p:txBody>
-          <a:bodyPr>
-            <a:noAutofit/>
-          </a:bodyPr>
-          <a:lstStyle/>
-          <a:p>
-            <a:pPr marL="0" indent="0">
-              <a:buNone/>
-            </a:pPr>
-            <a:r>
-              <a:rPr lang="en-US" b="1" dirty="0">
-                <a:solidFill>
-                  <a:schemeClr val="accent1">
-                    <a:lumMod val="75000"/>
-                  </a:schemeClr>
-                </a:solidFill>
-              </a:rPr>
-              <a:t>Semi-supervised learning</a:t>
-            </a:r>
-          </a:p>
-          <a:p>
-            <a:r>
-              <a:rPr lang="en-US" dirty="0"/>
-              <a:t>Loosely speaking, semi-supervised learning can be described as a mix of supervised and unsupervised learning.</a:t>
-            </a:r>
-          </a:p>
-          <a:p>
-            <a:r>
-              <a:rPr lang="en-US" dirty="0"/>
-              <a:t>In semi-supervised learning tasks, some training examples contain outputs, but some do not.</a:t>
-            </a:r>
-          </a:p>
-          <a:p>
-            <a:r>
-              <a:rPr lang="en-US" dirty="0"/>
-              <a:t>We then use the labeled training subset to label the unlabeled portion of the training set, which we then also utilize for model training.</a:t>
-            </a:r>
-            <a:endParaRPr lang="en-GB" sz="1800" spc="-5" dirty="0">
-              <a:latin typeface="Microsoft Sans Serif"/>
-              <a:cs typeface="Microsoft Sans Serif"/>
-            </a:endParaRPr>
-          </a:p>
-        </p:txBody>
-      </p:sp>
-      <p:pic>
-        <p:nvPicPr>
-          <p:cNvPr id="14" name="Picture 4" descr="File:UMKC logo.png - Wikipedia"/>
-          <p:cNvPicPr>
-            <a:picLocks noChangeAspect="1" noChangeArrowheads="1"/>
-          </p:cNvPicPr>
-          <p:nvPr/>
-        </p:nvPicPr>
-        <p:blipFill>
-          <a:blip r:embed="rId2" cstate="print">
-            <a:extLst>
-              <a:ext uri="{28A0092B-C50C-407E-A947-70E740481C1C}">
-                <a14:useLocalDpi xmlns:a14="http://schemas.microsoft.com/office/drawing/2010/main" val="0"/>
-              </a:ext>
-            </a:extLst>
-          </a:blip>
-          <a:srcRect/>
-          <a:stretch>
-            <a:fillRect/>
-          </a:stretch>
-        </p:blipFill>
-        <p:spPr bwMode="auto">
-          <a:xfrm>
-            <a:off x="10741981" y="6132824"/>
-            <a:ext cx="1293518" cy="571124"/>
-          </a:xfrm>
-          <a:prstGeom prst="rect">
-            <a:avLst/>
-          </a:prstGeom>
-          <a:noFill/>
-          <a:extLst>
-            <a:ext uri="{909E8E84-426E-40DD-AFC4-6F175D3DCCD1}">
-              <a14:hiddenFill xmlns:a14="http://schemas.microsoft.com/office/drawing/2010/main">
-                <a:solidFill>
-                  <a:srgbClr val="FFFFFF"/>
-                </a:solidFill>
-              </a14:hiddenFill>
-            </a:ext>
-          </a:extLst>
-        </p:spPr>
-      </p:pic>
-    </p:spTree>
-    <p:extLst>
-      <p:ext uri="{BB962C8B-B14F-4D97-AF65-F5344CB8AC3E}">
-        <p14:creationId xmlns:p14="http://schemas.microsoft.com/office/powerpoint/2010/main" val="2770807018"/>
-      </p:ext>
-    </p:extLst>
-  </p:cSld>
-  <p:clrMapOvr>
-    <a:masterClrMapping/>
-  </p:clrMapOvr>
-</p:sld>
-</file>
-
-<file path=ppt/slides/slide17.xml><?xml version="1.0" encoding="utf-8"?>
-<p:sld xmlns:a="http://schemas.openxmlformats.org/drawingml/2006/main" xmlns:r="http://schemas.openxmlformats.org/officeDocument/2006/relationships" xmlns:p="http://schemas.openxmlformats.org/presentationml/2006/main">
-  <p:cSld>
-    <p:spTree>
-      <p:nvGrpSpPr>
-        <p:cNvPr id="1" name=""/>
-        <p:cNvGrpSpPr/>
-        <p:nvPr/>
-      </p:nvGrpSpPr>
-      <p:grpSpPr>
-        <a:xfrm>
-          <a:off x="0" y="0"/>
-          <a:ext cx="0" cy="0"/>
-          <a:chOff x="0" y="0"/>
-          <a:chExt cx="0" cy="0"/>
-        </a:xfrm>
-      </p:grpSpPr>
-      <p:sp>
-        <p:nvSpPr>
-          <p:cNvPr id="2" name="Title 1"/>
-          <p:cNvSpPr>
-            <a:spLocks noGrp="1"/>
-          </p:cNvSpPr>
-          <p:nvPr>
-            <p:ph type="title"/>
-          </p:nvPr>
-        </p:nvSpPr>
-        <p:spPr/>
-        <p:txBody>
-          <a:bodyPr/>
-          <a:lstStyle/>
-          <a:p>
-            <a:r>
-              <a:rPr lang="en-US" dirty="0">
-                <a:solidFill>
-                  <a:srgbClr val="0070C0"/>
-                </a:solidFill>
-              </a:rPr>
-              <a:t>Categories of Machine Learning</a:t>
-            </a:r>
-          </a:p>
-        </p:txBody>
-      </p:sp>
-      <p:sp>
-        <p:nvSpPr>
-          <p:cNvPr id="3" name="Content Placeholder 2"/>
-          <p:cNvSpPr>
-            <a:spLocks noGrp="1"/>
-          </p:cNvSpPr>
-          <p:nvPr>
-            <p:ph idx="1"/>
-          </p:nvPr>
-        </p:nvSpPr>
-        <p:spPr>
-          <a:xfrm>
-            <a:off x="759542" y="1412671"/>
-            <a:ext cx="10341077" cy="2351462"/>
-          </a:xfrm>
-        </p:spPr>
-        <p:txBody>
-          <a:bodyPr>
-            <a:noAutofit/>
-          </a:bodyPr>
-          <a:lstStyle/>
-          <a:p>
-            <a:pPr marL="0" indent="0">
-              <a:buNone/>
-            </a:pPr>
-            <a:r>
-              <a:rPr lang="en-US" sz="2000" b="1" dirty="0">
-                <a:solidFill>
-                  <a:schemeClr val="accent1">
-                    <a:lumMod val="75000"/>
-                  </a:schemeClr>
-                </a:solidFill>
-              </a:rPr>
-              <a:t>Reinforcement learning</a:t>
-            </a:r>
-            <a:endParaRPr lang="en-US" sz="2000" b="1" dirty="0"/>
-          </a:p>
-          <a:p>
-            <a:r>
-              <a:rPr lang="en-US" sz="2000" dirty="0"/>
-              <a:t>Reinforcement learning is the process of learning from rewards while performing a series of actions. </a:t>
-            </a:r>
-          </a:p>
-          <a:p>
-            <a:r>
-              <a:rPr lang="en-US" sz="2000" dirty="0"/>
-              <a:t>In reinforcement learning, we do not tell the learner or agent (for example, a robot), which action to take but merely assign a reward to each action and/or the overall outcome.</a:t>
-            </a:r>
-          </a:p>
-          <a:p>
-            <a:r>
-              <a:rPr lang="en-US" sz="2000" dirty="0"/>
-              <a:t>Instead of having “correct/false” labels for each step, the learner must discover or learn behavior that maximizes the reward for a series of actions. In that sense, it is not a supervised setting.</a:t>
-            </a:r>
-            <a:endParaRPr lang="en-GB" sz="1800" spc="-5" dirty="0">
-              <a:latin typeface="Microsoft Sans Serif"/>
-              <a:cs typeface="Microsoft Sans Serif"/>
-            </a:endParaRPr>
-          </a:p>
-        </p:txBody>
-      </p:sp>
-      <p:pic>
-        <p:nvPicPr>
-          <p:cNvPr id="14" name="Picture 4" descr="File:UMKC logo.png - Wikipedia"/>
-          <p:cNvPicPr>
-            <a:picLocks noChangeAspect="1" noChangeArrowheads="1"/>
-          </p:cNvPicPr>
-          <p:nvPr/>
-        </p:nvPicPr>
-        <p:blipFill>
-          <a:blip r:embed="rId3" cstate="print">
-            <a:extLst>
-              <a:ext uri="{28A0092B-C50C-407E-A947-70E740481C1C}">
-                <a14:useLocalDpi xmlns:a14="http://schemas.microsoft.com/office/drawing/2010/main" val="0"/>
-              </a:ext>
-            </a:extLst>
-          </a:blip>
-          <a:srcRect/>
-          <a:stretch>
-            <a:fillRect/>
-          </a:stretch>
-        </p:blipFill>
-        <p:spPr bwMode="auto">
-          <a:xfrm>
-            <a:off x="10741981" y="6132824"/>
-            <a:ext cx="1293518" cy="571124"/>
-          </a:xfrm>
-          <a:prstGeom prst="rect">
-            <a:avLst/>
-          </a:prstGeom>
-          <a:noFill/>
-          <a:extLst>
-            <a:ext uri="{909E8E84-426E-40DD-AFC4-6F175D3DCCD1}">
-              <a14:hiddenFill xmlns:a14="http://schemas.microsoft.com/office/drawing/2010/main">
-                <a:solidFill>
-                  <a:srgbClr val="FFFFFF"/>
-                </a:solidFill>
-              </a14:hiddenFill>
-            </a:ext>
-          </a:extLst>
-        </p:spPr>
-      </p:pic>
-      <p:pic>
-        <p:nvPicPr>
-          <p:cNvPr id="4" name="Picture 3"/>
-          <p:cNvPicPr>
-            <a:picLocks noChangeAspect="1"/>
-          </p:cNvPicPr>
-          <p:nvPr/>
-        </p:nvPicPr>
-        <p:blipFill>
-          <a:blip r:embed="rId4"/>
-          <a:stretch>
-            <a:fillRect/>
-          </a:stretch>
-        </p:blipFill>
-        <p:spPr>
-          <a:xfrm>
-            <a:off x="3322607" y="3968318"/>
-            <a:ext cx="4988212" cy="2377274"/>
-          </a:xfrm>
-          <a:prstGeom prst="rect">
-            <a:avLst/>
-          </a:prstGeom>
-        </p:spPr>
-      </p:pic>
-    </p:spTree>
-    <p:extLst>
-      <p:ext uri="{BB962C8B-B14F-4D97-AF65-F5344CB8AC3E}">
-        <p14:creationId xmlns:p14="http://schemas.microsoft.com/office/powerpoint/2010/main" val="1949447152"/>
-      </p:ext>
-    </p:extLst>
-  </p:cSld>
-  <p:clrMapOvr>
-    <a:masterClrMapping/>
-  </p:clrMapOvr>
-  <p:timing>
-    <p:tnLst>
-      <p:par>
-        <p:cTn id="1" dur="indefinite" restart="never" nodeType="tmRoot">
-          <p:childTnLst>
-            <p:seq concurrent="1" nextAc="seek">
-              <p:cTn id="2" dur="indefinite" nodeType="mainSeq">
-                <p:childTnLst>
-                  <p:par>
-                    <p:cTn id="3" fill="hold">
-                      <p:stCondLst>
-                        <p:cond delay="indefinite"/>
-                      </p:stCondLst>
-                      <p:childTnLst>
-                        <p:par>
-                          <p:cTn id="4" fill="hold">
-                            <p:stCondLst>
-                              <p:cond delay="0"/>
-                            </p:stCondLst>
-                            <p:childTnLst>
-                              <p:par>
-                                <p:cTn id="5" presetID="10" presetClass="entr" presetSubtype="0" fill="hold" nodeType="clickEffect">
-                                  <p:stCondLst>
-                                    <p:cond delay="0"/>
-                                  </p:stCondLst>
-                                  <p:childTnLst>
-                                    <p:set>
-                                      <p:cBhvr>
-                                        <p:cTn id="6" dur="1" fill="hold">
-                                          <p:stCondLst>
-                                            <p:cond delay="0"/>
-                                          </p:stCondLst>
-                                        </p:cTn>
-                                        <p:tgtEl>
-                                          <p:spTgt spid="4"/>
-                                        </p:tgtEl>
-                                        <p:attrNameLst>
-                                          <p:attrName>style.visibility</p:attrName>
-                                        </p:attrNameLst>
-                                      </p:cBhvr>
-                                      <p:to>
-                                        <p:strVal val="visible"/>
-                                      </p:to>
-                                    </p:set>
-                                    <p:animEffect transition="in" filter="fade">
-                                      <p:cBhvr>
-                                        <p:cTn id="7" dur="500"/>
-                                        <p:tgtEl>
-                                          <p:spTgt spid="4"/>
-                                        </p:tgtEl>
-                                      </p:cBhvr>
-                                    </p:animEffect>
-                                  </p:childTnLst>
-                                </p:cTn>
-                              </p:par>
-                            </p:childTnLst>
-                          </p:cTn>
-                        </p:par>
-                      </p:childTnLst>
-                    </p:cTn>
-                  </p:par>
-                </p:childTnLst>
-              </p:cTn>
-              <p:prevCondLst>
-                <p:cond evt="onPrev" delay="0">
-                  <p:tgtEl>
-                    <p:sldTgt/>
-                  </p:tgtEl>
-                </p:cond>
-              </p:prevCondLst>
-              <p:nextCondLst>
-                <p:cond evt="onNext" delay="0">
-                  <p:tgtEl>
-                    <p:sldTgt/>
-                  </p:tgtEl>
-                </p:cond>
-              </p:nextCondLst>
-            </p:seq>
-          </p:childTnLst>
-        </p:cTn>
-      </p:par>
-    </p:tnLst>
-  </p:timing>
-</p:sld>
-</file>
-
-<file path=ppt/slides/slide18.xml><?xml version="1.0" encoding="utf-8"?>
 <p:sld xmlns:a="http://schemas.openxmlformats.org/drawingml/2006/main" xmlns:r="http://schemas.openxmlformats.org/officeDocument/2006/relationships" xmlns:p="http://schemas.openxmlformats.org/presentationml/2006/main">
   <p:cSld>
     <p:spTree>
@@ -9625,7 +6032,7 @@
 </p:sld>
 </file>
 
-<file path=ppt/slides/slide19.xml><?xml version="1.0" encoding="utf-8"?>
+<file path=ppt/slides/slide15.xml><?xml version="1.0" encoding="utf-8"?>
 <p:sld xmlns:a="http://schemas.openxmlformats.org/drawingml/2006/main" xmlns:r="http://schemas.openxmlformats.org/officeDocument/2006/relationships" xmlns:p="http://schemas.openxmlformats.org/presentationml/2006/main">
   <p:cSld>
     <p:spTree>
@@ -10333,7 +6740,7 @@
           <a:p>
             <a:r>
               <a:rPr lang="en-US" dirty="0"/>
-              <a:t>Learning Problems: Spam Detection</a:t>
+              <a:t>Spam Detection</a:t>
             </a:r>
           </a:p>
         </p:txBody>
@@ -10986,7 +7393,7 @@
           <a:p>
             <a:r>
               <a:rPr lang="en-US" dirty="0"/>
-              <a:t>Applications of Machine Learning</a:t>
+              <a:t>Applications of Statistical Learning</a:t>
             </a:r>
           </a:p>
         </p:txBody>

--- a/_umkc-teaching/slides/Lecture1 - Introduction.pptx
+++ b/_umkc-teaching/slides/Lecture1 - Introduction.pptx
@@ -5,7 +5,7 @@
     <p:sldMasterId id="2147483648" r:id="rId1"/>
   </p:sldMasterIdLst>
   <p:notesMasterIdLst>
-    <p:notesMasterId r:id="rId17"/>
+    <p:notesMasterId r:id="rId23"/>
   </p:notesMasterIdLst>
   <p:sldIdLst>
     <p:sldId id="257" r:id="rId2"/>
@@ -14,15 +14,21 @@
     <p:sldId id="258" r:id="rId5"/>
     <p:sldId id="283" r:id="rId6"/>
     <p:sldId id="263" r:id="rId7"/>
-    <p:sldId id="264" r:id="rId8"/>
-    <p:sldId id="265" r:id="rId9"/>
-    <p:sldId id="280" r:id="rId10"/>
-    <p:sldId id="285" r:id="rId11"/>
-    <p:sldId id="287" r:id="rId12"/>
-    <p:sldId id="286" r:id="rId13"/>
-    <p:sldId id="268" r:id="rId14"/>
-    <p:sldId id="278" r:id="rId15"/>
-    <p:sldId id="279" r:id="rId16"/>
+    <p:sldId id="292" r:id="rId8"/>
+    <p:sldId id="264" r:id="rId9"/>
+    <p:sldId id="265" r:id="rId10"/>
+    <p:sldId id="280" r:id="rId11"/>
+    <p:sldId id="285" r:id="rId12"/>
+    <p:sldId id="287" r:id="rId13"/>
+    <p:sldId id="286" r:id="rId14"/>
+    <p:sldId id="288" r:id="rId15"/>
+    <p:sldId id="289" r:id="rId16"/>
+    <p:sldId id="290" r:id="rId17"/>
+    <p:sldId id="291" r:id="rId18"/>
+    <p:sldId id="268" r:id="rId19"/>
+    <p:sldId id="278" r:id="rId20"/>
+    <p:sldId id="279" r:id="rId21"/>
+    <p:sldId id="293" r:id="rId22"/>
   </p:sldIdLst>
   <p:sldSz cx="12192000" cy="6858000"/>
   <p:notesSz cx="6858000" cy="9144000"/>
@@ -543,7 +549,7 @@
           <a:p>
             <a:fld id="{3F8BDF20-BE86-4883-8A23-4CE3D0058BEA}" type="slidenum">
               <a:rPr lang="en-US" smtClean="0"/>
-              <a:t>10</a:t>
+              <a:t>11</a:t>
             </a:fld>
             <a:endParaRPr lang="en-US"/>
           </a:p>
@@ -627,7 +633,7 @@
           <a:p>
             <a:fld id="{3F8BDF20-BE86-4883-8A23-4CE3D0058BEA}" type="slidenum">
               <a:rPr lang="en-US" smtClean="0"/>
-              <a:t>12</a:t>
+              <a:t>13</a:t>
             </a:fld>
             <a:endParaRPr lang="en-US"/>
           </a:p>
@@ -637,6 +643,342 @@
     <p:extLst>
       <p:ext uri="{BB962C8B-B14F-4D97-AF65-F5344CB8AC3E}">
         <p14:creationId xmlns:p14="http://schemas.microsoft.com/office/powerpoint/2010/main" val="27400421"/>
+      </p:ext>
+    </p:extLst>
+  </p:cSld>
+  <p:clrMapOvr>
+    <a:masterClrMapping/>
+  </p:clrMapOvr>
+</p:notes>
+</file>
+
+<file path=ppt/notesSlides/notesSlide3.xml><?xml version="1.0" encoding="utf-8"?>
+<p:notes xmlns:a="http://schemas.openxmlformats.org/drawingml/2006/main" xmlns:r="http://schemas.openxmlformats.org/officeDocument/2006/relationships" xmlns:p="http://schemas.openxmlformats.org/presentationml/2006/main">
+  <p:cSld>
+    <p:spTree>
+      <p:nvGrpSpPr>
+        <p:cNvPr id="1" name=""/>
+        <p:cNvGrpSpPr/>
+        <p:nvPr/>
+      </p:nvGrpSpPr>
+      <p:grpSpPr>
+        <a:xfrm>
+          <a:off x="0" y="0"/>
+          <a:ext cx="0" cy="0"/>
+          <a:chOff x="0" y="0"/>
+          <a:chExt cx="0" cy="0"/>
+        </a:xfrm>
+      </p:grpSpPr>
+      <p:sp>
+        <p:nvSpPr>
+          <p:cNvPr id="2" name="Slide Image Placeholder 1"/>
+          <p:cNvSpPr>
+            <a:spLocks noGrp="1" noRot="1" noChangeAspect="1"/>
+          </p:cNvSpPr>
+          <p:nvPr>
+            <p:ph type="sldImg"/>
+          </p:nvPr>
+        </p:nvSpPr>
+        <p:spPr/>
+      </p:sp>
+      <p:sp>
+        <p:nvSpPr>
+          <p:cNvPr id="3" name="Notes Placeholder 2"/>
+          <p:cNvSpPr>
+            <a:spLocks noGrp="1"/>
+          </p:cNvSpPr>
+          <p:nvPr>
+            <p:ph type="body" idx="1"/>
+          </p:nvPr>
+        </p:nvSpPr>
+        <p:spPr/>
+        <p:txBody>
+          <a:bodyPr/>
+          <a:lstStyle/>
+          <a:p>
+            <a:endParaRPr lang="en-US" dirty="0"/>
+          </a:p>
+        </p:txBody>
+      </p:sp>
+      <p:sp>
+        <p:nvSpPr>
+          <p:cNvPr id="4" name="Slide Number Placeholder 3"/>
+          <p:cNvSpPr>
+            <a:spLocks noGrp="1"/>
+          </p:cNvSpPr>
+          <p:nvPr>
+            <p:ph type="sldNum" sz="quarter" idx="5"/>
+          </p:nvPr>
+        </p:nvSpPr>
+        <p:spPr/>
+        <p:txBody>
+          <a:bodyPr/>
+          <a:lstStyle/>
+          <a:p>
+            <a:fld id="{3F8BDF20-BE86-4883-8A23-4CE3D0058BEA}" type="slidenum">
+              <a:rPr lang="en-US" smtClean="0"/>
+              <a:t>14</a:t>
+            </a:fld>
+            <a:endParaRPr lang="en-US"/>
+          </a:p>
+        </p:txBody>
+      </p:sp>
+    </p:spTree>
+    <p:extLst>
+      <p:ext uri="{BB962C8B-B14F-4D97-AF65-F5344CB8AC3E}">
+        <p14:creationId xmlns:p14="http://schemas.microsoft.com/office/powerpoint/2010/main" val="2863367235"/>
+      </p:ext>
+    </p:extLst>
+  </p:cSld>
+  <p:clrMapOvr>
+    <a:masterClrMapping/>
+  </p:clrMapOvr>
+</p:notes>
+</file>
+
+<file path=ppt/notesSlides/notesSlide4.xml><?xml version="1.0" encoding="utf-8"?>
+<p:notes xmlns:a="http://schemas.openxmlformats.org/drawingml/2006/main" xmlns:r="http://schemas.openxmlformats.org/officeDocument/2006/relationships" xmlns:p="http://schemas.openxmlformats.org/presentationml/2006/main">
+  <p:cSld>
+    <p:spTree>
+      <p:nvGrpSpPr>
+        <p:cNvPr id="1" name=""/>
+        <p:cNvGrpSpPr/>
+        <p:nvPr/>
+      </p:nvGrpSpPr>
+      <p:grpSpPr>
+        <a:xfrm>
+          <a:off x="0" y="0"/>
+          <a:ext cx="0" cy="0"/>
+          <a:chOff x="0" y="0"/>
+          <a:chExt cx="0" cy="0"/>
+        </a:xfrm>
+      </p:grpSpPr>
+      <p:sp>
+        <p:nvSpPr>
+          <p:cNvPr id="2" name="Slide Image Placeholder 1"/>
+          <p:cNvSpPr>
+            <a:spLocks noGrp="1" noRot="1" noChangeAspect="1"/>
+          </p:cNvSpPr>
+          <p:nvPr>
+            <p:ph type="sldImg"/>
+          </p:nvPr>
+        </p:nvSpPr>
+        <p:spPr/>
+      </p:sp>
+      <p:sp>
+        <p:nvSpPr>
+          <p:cNvPr id="3" name="Notes Placeholder 2"/>
+          <p:cNvSpPr>
+            <a:spLocks noGrp="1"/>
+          </p:cNvSpPr>
+          <p:nvPr>
+            <p:ph type="body" idx="1"/>
+          </p:nvPr>
+        </p:nvSpPr>
+        <p:spPr/>
+        <p:txBody>
+          <a:bodyPr/>
+          <a:lstStyle/>
+          <a:p>
+            <a:endParaRPr lang="en-US" dirty="0"/>
+          </a:p>
+        </p:txBody>
+      </p:sp>
+      <p:sp>
+        <p:nvSpPr>
+          <p:cNvPr id="4" name="Slide Number Placeholder 3"/>
+          <p:cNvSpPr>
+            <a:spLocks noGrp="1"/>
+          </p:cNvSpPr>
+          <p:nvPr>
+            <p:ph type="sldNum" sz="quarter" idx="5"/>
+          </p:nvPr>
+        </p:nvSpPr>
+        <p:spPr/>
+        <p:txBody>
+          <a:bodyPr/>
+          <a:lstStyle/>
+          <a:p>
+            <a:fld id="{3F8BDF20-BE86-4883-8A23-4CE3D0058BEA}" type="slidenum">
+              <a:rPr lang="en-US" smtClean="0"/>
+              <a:t>15</a:t>
+            </a:fld>
+            <a:endParaRPr lang="en-US"/>
+          </a:p>
+        </p:txBody>
+      </p:sp>
+    </p:spTree>
+    <p:extLst>
+      <p:ext uri="{BB962C8B-B14F-4D97-AF65-F5344CB8AC3E}">
+        <p14:creationId xmlns:p14="http://schemas.microsoft.com/office/powerpoint/2010/main" val="638870468"/>
+      </p:ext>
+    </p:extLst>
+  </p:cSld>
+  <p:clrMapOvr>
+    <a:masterClrMapping/>
+  </p:clrMapOvr>
+</p:notes>
+</file>
+
+<file path=ppt/notesSlides/notesSlide5.xml><?xml version="1.0" encoding="utf-8"?>
+<p:notes xmlns:a="http://schemas.openxmlformats.org/drawingml/2006/main" xmlns:r="http://schemas.openxmlformats.org/officeDocument/2006/relationships" xmlns:p="http://schemas.openxmlformats.org/presentationml/2006/main">
+  <p:cSld>
+    <p:spTree>
+      <p:nvGrpSpPr>
+        <p:cNvPr id="1" name=""/>
+        <p:cNvGrpSpPr/>
+        <p:nvPr/>
+      </p:nvGrpSpPr>
+      <p:grpSpPr>
+        <a:xfrm>
+          <a:off x="0" y="0"/>
+          <a:ext cx="0" cy="0"/>
+          <a:chOff x="0" y="0"/>
+          <a:chExt cx="0" cy="0"/>
+        </a:xfrm>
+      </p:grpSpPr>
+      <p:sp>
+        <p:nvSpPr>
+          <p:cNvPr id="2" name="Slide Image Placeholder 1"/>
+          <p:cNvSpPr>
+            <a:spLocks noGrp="1" noRot="1" noChangeAspect="1"/>
+          </p:cNvSpPr>
+          <p:nvPr>
+            <p:ph type="sldImg"/>
+          </p:nvPr>
+        </p:nvSpPr>
+        <p:spPr/>
+      </p:sp>
+      <p:sp>
+        <p:nvSpPr>
+          <p:cNvPr id="3" name="Notes Placeholder 2"/>
+          <p:cNvSpPr>
+            <a:spLocks noGrp="1"/>
+          </p:cNvSpPr>
+          <p:nvPr>
+            <p:ph type="body" idx="1"/>
+          </p:nvPr>
+        </p:nvSpPr>
+        <p:spPr/>
+        <p:txBody>
+          <a:bodyPr/>
+          <a:lstStyle/>
+          <a:p>
+            <a:endParaRPr lang="en-US" dirty="0"/>
+          </a:p>
+        </p:txBody>
+      </p:sp>
+      <p:sp>
+        <p:nvSpPr>
+          <p:cNvPr id="4" name="Slide Number Placeholder 3"/>
+          <p:cNvSpPr>
+            <a:spLocks noGrp="1"/>
+          </p:cNvSpPr>
+          <p:nvPr>
+            <p:ph type="sldNum" sz="quarter" idx="5"/>
+          </p:nvPr>
+        </p:nvSpPr>
+        <p:spPr/>
+        <p:txBody>
+          <a:bodyPr/>
+          <a:lstStyle/>
+          <a:p>
+            <a:fld id="{3F8BDF20-BE86-4883-8A23-4CE3D0058BEA}" type="slidenum">
+              <a:rPr lang="en-US" smtClean="0"/>
+              <a:t>16</a:t>
+            </a:fld>
+            <a:endParaRPr lang="en-US"/>
+          </a:p>
+        </p:txBody>
+      </p:sp>
+    </p:spTree>
+    <p:extLst>
+      <p:ext uri="{BB962C8B-B14F-4D97-AF65-F5344CB8AC3E}">
+        <p14:creationId xmlns:p14="http://schemas.microsoft.com/office/powerpoint/2010/main" val="3834784446"/>
+      </p:ext>
+    </p:extLst>
+  </p:cSld>
+  <p:clrMapOvr>
+    <a:masterClrMapping/>
+  </p:clrMapOvr>
+</p:notes>
+</file>
+
+<file path=ppt/notesSlides/notesSlide6.xml><?xml version="1.0" encoding="utf-8"?>
+<p:notes xmlns:a="http://schemas.openxmlformats.org/drawingml/2006/main" xmlns:r="http://schemas.openxmlformats.org/officeDocument/2006/relationships" xmlns:p="http://schemas.openxmlformats.org/presentationml/2006/main">
+  <p:cSld>
+    <p:spTree>
+      <p:nvGrpSpPr>
+        <p:cNvPr id="1" name=""/>
+        <p:cNvGrpSpPr/>
+        <p:nvPr/>
+      </p:nvGrpSpPr>
+      <p:grpSpPr>
+        <a:xfrm>
+          <a:off x="0" y="0"/>
+          <a:ext cx="0" cy="0"/>
+          <a:chOff x="0" y="0"/>
+          <a:chExt cx="0" cy="0"/>
+        </a:xfrm>
+      </p:grpSpPr>
+      <p:sp>
+        <p:nvSpPr>
+          <p:cNvPr id="2" name="Slide Image Placeholder 1"/>
+          <p:cNvSpPr>
+            <a:spLocks noGrp="1" noRot="1" noChangeAspect="1"/>
+          </p:cNvSpPr>
+          <p:nvPr>
+            <p:ph type="sldImg"/>
+          </p:nvPr>
+        </p:nvSpPr>
+        <p:spPr/>
+      </p:sp>
+      <p:sp>
+        <p:nvSpPr>
+          <p:cNvPr id="3" name="Notes Placeholder 2"/>
+          <p:cNvSpPr>
+            <a:spLocks noGrp="1"/>
+          </p:cNvSpPr>
+          <p:nvPr>
+            <p:ph type="body" idx="1"/>
+          </p:nvPr>
+        </p:nvSpPr>
+        <p:spPr/>
+        <p:txBody>
+          <a:bodyPr/>
+          <a:lstStyle/>
+          <a:p>
+            <a:endParaRPr lang="en-US" dirty="0"/>
+          </a:p>
+        </p:txBody>
+      </p:sp>
+      <p:sp>
+        <p:nvSpPr>
+          <p:cNvPr id="4" name="Slide Number Placeholder 3"/>
+          <p:cNvSpPr>
+            <a:spLocks noGrp="1"/>
+          </p:cNvSpPr>
+          <p:nvPr>
+            <p:ph type="sldNum" sz="quarter" idx="5"/>
+          </p:nvPr>
+        </p:nvSpPr>
+        <p:spPr/>
+        <p:txBody>
+          <a:bodyPr/>
+          <a:lstStyle/>
+          <a:p>
+            <a:fld id="{3F8BDF20-BE86-4883-8A23-4CE3D0058BEA}" type="slidenum">
+              <a:rPr lang="en-US" smtClean="0"/>
+              <a:t>17</a:t>
+            </a:fld>
+            <a:endParaRPr lang="en-US"/>
+          </a:p>
+        </p:txBody>
+      </p:sp>
+    </p:spTree>
+    <p:extLst>
+      <p:ext uri="{BB962C8B-B14F-4D97-AF65-F5344CB8AC3E}">
+        <p14:creationId xmlns:p14="http://schemas.microsoft.com/office/powerpoint/2010/main" val="1717900221"/>
       </p:ext>
     </p:extLst>
   </p:cSld>
@@ -3760,6 +4102,145 @@
             <p:ph type="title"/>
           </p:nvPr>
         </p:nvSpPr>
+        <p:spPr/>
+        <p:txBody>
+          <a:bodyPr/>
+          <a:lstStyle/>
+          <a:p>
+            <a:r>
+              <a:rPr lang="en-US" dirty="0"/>
+              <a:t>Textbooks</a:t>
+            </a:r>
+          </a:p>
+        </p:txBody>
+      </p:sp>
+      <p:sp>
+        <p:nvSpPr>
+          <p:cNvPr id="7" name="Content Placeholder 3">
+            <a:extLst>
+              <a:ext uri="{FF2B5EF4-FFF2-40B4-BE49-F238E27FC236}">
+                <a16:creationId xmlns:a16="http://schemas.microsoft.com/office/drawing/2014/main" id="{C4C2037F-909E-E840-8A09-C2EF77C2CBAC}"/>
+              </a:ext>
+            </a:extLst>
+          </p:cNvPr>
+          <p:cNvSpPr>
+            <a:spLocks noGrp="1"/>
+          </p:cNvSpPr>
+          <p:nvPr>
+            <p:ph idx="1"/>
+          </p:nvPr>
+        </p:nvSpPr>
+        <p:spPr>
+          <a:xfrm>
+            <a:off x="838200" y="1918652"/>
+            <a:ext cx="10515600" cy="3020695"/>
+          </a:xfrm>
+        </p:spPr>
+        <p:txBody>
+          <a:bodyPr>
+            <a:normAutofit/>
+          </a:bodyPr>
+          <a:lstStyle/>
+          <a:p>
+            <a:r>
+              <a:rPr lang="en-US" dirty="0"/>
+              <a:t>An Introduction to Statistical Learning</a:t>
+            </a:r>
+          </a:p>
+          <a:p>
+            <a:endParaRPr lang="en-US" dirty="0"/>
+          </a:p>
+          <a:p>
+            <a:r>
+              <a:rPr lang="en-US" dirty="0"/>
+              <a:t>Machine Learning with Python Tutorial (Optional)</a:t>
+            </a:r>
+          </a:p>
+        </p:txBody>
+      </p:sp>
+      <p:sp>
+        <p:nvSpPr>
+          <p:cNvPr id="8" name="TextBox 7">
+            <a:extLst>
+              <a:ext uri="{FF2B5EF4-FFF2-40B4-BE49-F238E27FC236}">
+                <a16:creationId xmlns:a16="http://schemas.microsoft.com/office/drawing/2014/main" id="{C7F910D6-5D5C-424B-BE21-E59B9B3E45A4}"/>
+              </a:ext>
+            </a:extLst>
+          </p:cNvPr>
+          <p:cNvSpPr txBox="1"/>
+          <p:nvPr/>
+        </p:nvSpPr>
+        <p:spPr>
+          <a:xfrm>
+            <a:off x="838200" y="4188122"/>
+            <a:ext cx="9159240" cy="461665"/>
+          </a:xfrm>
+          <a:prstGeom prst="rect">
+            <a:avLst/>
+          </a:prstGeom>
+          <a:noFill/>
+        </p:spPr>
+        <p:txBody>
+          <a:bodyPr wrap="square">
+            <a:spAutoFit/>
+          </a:bodyPr>
+          <a:lstStyle/>
+          <a:p>
+            <a:r>
+              <a:rPr lang="en-US" sz="2400" dirty="0"/>
+              <a:t>https://tianzheng4.github.io/</a:t>
+            </a:r>
+            <a:r>
+              <a:rPr lang="en-US" sz="2400" dirty="0" err="1"/>
+              <a:t>umkc</a:t>
+            </a:r>
+            <a:r>
+              <a:rPr lang="en-US" sz="2400" dirty="0"/>
+              <a:t>-teaching/2023-fall-teaching-1/</a:t>
+            </a:r>
+          </a:p>
+        </p:txBody>
+      </p:sp>
+    </p:spTree>
+    <p:extLst>
+      <p:ext uri="{BB962C8B-B14F-4D97-AF65-F5344CB8AC3E}">
+        <p14:creationId xmlns:p14="http://schemas.microsoft.com/office/powerpoint/2010/main" val="1327267736"/>
+      </p:ext>
+    </p:extLst>
+  </p:cSld>
+  <p:clrMapOvr>
+    <a:masterClrMapping/>
+  </p:clrMapOvr>
+</p:sld>
+</file>
+
+<file path=ppt/slides/slide11.xml><?xml version="1.0" encoding="utf-8"?>
+<p:sld xmlns:a="http://schemas.openxmlformats.org/drawingml/2006/main" xmlns:r="http://schemas.openxmlformats.org/officeDocument/2006/relationships" xmlns:p="http://schemas.openxmlformats.org/presentationml/2006/main">
+  <p:cSld>
+    <p:spTree>
+      <p:nvGrpSpPr>
+        <p:cNvPr id="1" name=""/>
+        <p:cNvGrpSpPr/>
+        <p:nvPr/>
+      </p:nvGrpSpPr>
+      <p:grpSpPr>
+        <a:xfrm>
+          <a:off x="0" y="0"/>
+          <a:ext cx="0" cy="0"/>
+          <a:chOff x="0" y="0"/>
+          <a:chExt cx="0" cy="0"/>
+        </a:xfrm>
+      </p:grpSpPr>
+      <p:sp>
+        <p:nvSpPr>
+          <p:cNvPr id="2" name="Title 1"/>
+          <p:cNvSpPr>
+            <a:spLocks noGrp="1"/>
+          </p:cNvSpPr>
+          <p:nvPr>
+            <p:ph type="title"/>
+          </p:nvPr>
+        </p:nvSpPr>
         <p:spPr>
           <a:xfrm>
             <a:off x="838200" y="365126"/>
@@ -3774,7 +4255,7 @@
           <a:p>
             <a:r>
               <a:rPr lang="en-US" dirty="0"/>
-              <a:t>Learning Problems: Supervised Learning</a:t>
+              <a:t>Supervised Learning</a:t>
             </a:r>
           </a:p>
         </p:txBody>
@@ -3950,7 +4431,7 @@
 </p:sld>
 </file>
 
-<file path=ppt/slides/slide11.xml><?xml version="1.0" encoding="utf-8"?>
+<file path=ppt/slides/slide12.xml><?xml version="1.0" encoding="utf-8"?>
 <p:sld xmlns:a="http://schemas.openxmlformats.org/drawingml/2006/main" xmlns:r="http://schemas.openxmlformats.org/officeDocument/2006/relationships" xmlns:p="http://schemas.openxmlformats.org/presentationml/2006/main">
   <p:cSld>
     <p:spTree>
@@ -4572,7 +5053,7 @@
 </p:sld>
 </file>
 
-<file path=ppt/slides/slide12.xml><?xml version="1.0" encoding="utf-8"?>
+<file path=ppt/slides/slide13.xml><?xml version="1.0" encoding="utf-8"?>
 <p:sld xmlns:a="http://schemas.openxmlformats.org/drawingml/2006/main" xmlns:r="http://schemas.openxmlformats.org/officeDocument/2006/relationships" xmlns:p="http://schemas.openxmlformats.org/presentationml/2006/main">
   <p:cSld>
     <p:spTree>
@@ -4613,7 +5094,7 @@
           <a:p>
             <a:r>
               <a:rPr lang="en-US" dirty="0"/>
-              <a:t>Learning Problems: Unsupervised Learning</a:t>
+              <a:t>Unsupervised Learning</a:t>
             </a:r>
           </a:p>
         </p:txBody>
@@ -4780,7 +5261,1295 @@
 </p:sld>
 </file>
 
-<file path=ppt/slides/slide13.xml><?xml version="1.0" encoding="utf-8"?>
+<file path=ppt/slides/slide14.xml><?xml version="1.0" encoding="utf-8"?>
+<p:sld xmlns:a="http://schemas.openxmlformats.org/drawingml/2006/main" xmlns:r="http://schemas.openxmlformats.org/officeDocument/2006/relationships" xmlns:p="http://schemas.openxmlformats.org/presentationml/2006/main">
+  <p:cSld>
+    <p:spTree>
+      <p:nvGrpSpPr>
+        <p:cNvPr id="1" name=""/>
+        <p:cNvGrpSpPr/>
+        <p:nvPr/>
+      </p:nvGrpSpPr>
+      <p:grpSpPr>
+        <a:xfrm>
+          <a:off x="0" y="0"/>
+          <a:ext cx="0" cy="0"/>
+          <a:chOff x="0" y="0"/>
+          <a:chExt cx="0" cy="0"/>
+        </a:xfrm>
+      </p:grpSpPr>
+      <p:sp>
+        <p:nvSpPr>
+          <p:cNvPr id="2" name="Title 1"/>
+          <p:cNvSpPr>
+            <a:spLocks noGrp="1"/>
+          </p:cNvSpPr>
+          <p:nvPr>
+            <p:ph type="title"/>
+          </p:nvPr>
+        </p:nvSpPr>
+        <p:spPr>
+          <a:xfrm>
+            <a:off x="838200" y="365126"/>
+            <a:ext cx="10515600" cy="981894"/>
+          </a:xfrm>
+        </p:spPr>
+        <p:txBody>
+          <a:bodyPr>
+            <a:normAutofit/>
+          </a:bodyPr>
+          <a:lstStyle/>
+          <a:p>
+            <a:r>
+              <a:rPr lang="en-US" dirty="0"/>
+              <a:t>Unsupervised Learning</a:t>
+            </a:r>
+          </a:p>
+        </p:txBody>
+      </p:sp>
+      <p:pic>
+        <p:nvPicPr>
+          <p:cNvPr id="5122" name="Picture 2" descr="The Beginner's Guide to Contrastive Learning">
+            <a:extLst>
+              <a:ext uri="{FF2B5EF4-FFF2-40B4-BE49-F238E27FC236}">
+                <a16:creationId xmlns:a16="http://schemas.microsoft.com/office/drawing/2014/main" id="{B254A1C9-1A97-2749-ADE3-C2308FA8F835}"/>
+              </a:ext>
+            </a:extLst>
+          </p:cNvPr>
+          <p:cNvPicPr>
+            <a:picLocks noChangeAspect="1" noChangeArrowheads="1"/>
+          </p:cNvPicPr>
+          <p:nvPr/>
+        </p:nvPicPr>
+        <p:blipFill>
+          <a:blip r:embed="rId3">
+            <a:extLst>
+              <a:ext uri="{28A0092B-C50C-407E-A947-70E740481C1C}">
+                <a14:useLocalDpi xmlns:a14="http://schemas.microsoft.com/office/drawing/2010/main" val="0"/>
+              </a:ext>
+            </a:extLst>
+          </a:blip>
+          <a:srcRect/>
+          <a:stretch>
+            <a:fillRect/>
+          </a:stretch>
+        </p:blipFill>
+        <p:spPr bwMode="auto">
+          <a:xfrm>
+            <a:off x="2357439" y="1632319"/>
+            <a:ext cx="7182802" cy="5046301"/>
+          </a:xfrm>
+          <a:prstGeom prst="rect">
+            <a:avLst/>
+          </a:prstGeom>
+          <a:noFill/>
+          <a:extLst>
+            <a:ext uri="{909E8E84-426E-40DD-AFC4-6F175D3DCCD1}">
+              <a14:hiddenFill xmlns:a14="http://schemas.microsoft.com/office/drawing/2010/main">
+                <a:solidFill>
+                  <a:srgbClr val="FFFFFF"/>
+                </a:solidFill>
+              </a14:hiddenFill>
+            </a:ext>
+          </a:extLst>
+        </p:spPr>
+      </p:pic>
+    </p:spTree>
+    <p:extLst>
+      <p:ext uri="{BB962C8B-B14F-4D97-AF65-F5344CB8AC3E}">
+        <p14:creationId xmlns:p14="http://schemas.microsoft.com/office/powerpoint/2010/main" val="1714350462"/>
+      </p:ext>
+    </p:extLst>
+  </p:cSld>
+  <p:clrMapOvr>
+    <a:masterClrMapping/>
+  </p:clrMapOvr>
+</p:sld>
+</file>
+
+<file path=ppt/slides/slide15.xml><?xml version="1.0" encoding="utf-8"?>
+<p:sld xmlns:a="http://schemas.openxmlformats.org/drawingml/2006/main" xmlns:r="http://schemas.openxmlformats.org/officeDocument/2006/relationships" xmlns:p="http://schemas.openxmlformats.org/presentationml/2006/main">
+  <p:cSld>
+    <p:spTree>
+      <p:nvGrpSpPr>
+        <p:cNvPr id="1" name=""/>
+        <p:cNvGrpSpPr/>
+        <p:nvPr/>
+      </p:nvGrpSpPr>
+      <p:grpSpPr>
+        <a:xfrm>
+          <a:off x="0" y="0"/>
+          <a:ext cx="0" cy="0"/>
+          <a:chOff x="0" y="0"/>
+          <a:chExt cx="0" cy="0"/>
+        </a:xfrm>
+      </p:grpSpPr>
+      <p:sp>
+        <p:nvSpPr>
+          <p:cNvPr id="2" name="Title 1"/>
+          <p:cNvSpPr>
+            <a:spLocks noGrp="1"/>
+          </p:cNvSpPr>
+          <p:nvPr>
+            <p:ph type="title"/>
+          </p:nvPr>
+        </p:nvSpPr>
+        <p:spPr>
+          <a:xfrm>
+            <a:off x="838200" y="365126"/>
+            <a:ext cx="10515600" cy="981894"/>
+          </a:xfrm>
+        </p:spPr>
+        <p:txBody>
+          <a:bodyPr>
+            <a:normAutofit/>
+          </a:bodyPr>
+          <a:lstStyle/>
+          <a:p>
+            <a:r>
+              <a:rPr lang="en-US" dirty="0"/>
+              <a:t>Semi-Supervised Learning</a:t>
+            </a:r>
+          </a:p>
+        </p:txBody>
+      </p:sp>
+      <p:sp>
+        <p:nvSpPr>
+          <p:cNvPr id="6" name="TextBox 5">
+            <a:extLst>
+              <a:ext uri="{FF2B5EF4-FFF2-40B4-BE49-F238E27FC236}">
+                <a16:creationId xmlns:a16="http://schemas.microsoft.com/office/drawing/2014/main" id="{EC0DB0EB-DD26-0447-9E11-1234B0A5DCA6}"/>
+              </a:ext>
+            </a:extLst>
+          </p:cNvPr>
+          <p:cNvSpPr txBox="1"/>
+          <p:nvPr/>
+        </p:nvSpPr>
+        <p:spPr>
+          <a:xfrm>
+            <a:off x="838200" y="1347020"/>
+            <a:ext cx="9646920" cy="1771767"/>
+          </a:xfrm>
+          <a:prstGeom prst="rect">
+            <a:avLst/>
+          </a:prstGeom>
+          <a:noFill/>
+        </p:spPr>
+        <p:txBody>
+          <a:bodyPr wrap="square">
+            <a:spAutoFit/>
+          </a:bodyPr>
+          <a:lstStyle/>
+          <a:p>
+            <a:pPr marL="228600" marR="0" lvl="0" indent="-228600" algn="l" defTabSz="914400" rtl="0" eaLnBrk="1" fontAlgn="auto" latinLnBrk="0" hangingPunct="1">
+              <a:lnSpc>
+                <a:spcPct val="90000"/>
+              </a:lnSpc>
+              <a:spcBef>
+                <a:spcPts val="1000"/>
+              </a:spcBef>
+              <a:spcAft>
+                <a:spcPts val="0"/>
+              </a:spcAft>
+              <a:buClrTx/>
+              <a:buSzTx/>
+              <a:buFont typeface="Arial" panose="020B0604020202020204" pitchFamily="34" charset="0"/>
+              <a:buChar char="•"/>
+              <a:tabLst/>
+              <a:defRPr/>
+            </a:pPr>
+            <a:r>
+              <a:rPr kumimoji="0" lang="en-US" sz="2800" b="0" i="0" u="none" strike="noStrike" kern="1200" cap="none" spc="0" normalizeH="0" baseline="0" noProof="0" dirty="0">
+                <a:ln>
+                  <a:noFill/>
+                </a:ln>
+                <a:solidFill>
+                  <a:prstClr val="black"/>
+                </a:solidFill>
+                <a:effectLst/>
+                <a:uLnTx/>
+                <a:uFillTx/>
+                <a:latin typeface="Calibri" panose="020F0502020204030204"/>
+                <a:ea typeface="+mn-ea"/>
+                <a:cs typeface="+mn-cs"/>
+              </a:rPr>
+              <a:t>Semi-supervised learning can be viewed as a mix of supervised and unsupervised learning.</a:t>
+            </a:r>
+          </a:p>
+          <a:p>
+            <a:pPr marL="228600" marR="0" lvl="0" indent="-228600" algn="l" defTabSz="914400" rtl="0" eaLnBrk="1" fontAlgn="auto" latinLnBrk="0" hangingPunct="1">
+              <a:lnSpc>
+                <a:spcPct val="90000"/>
+              </a:lnSpc>
+              <a:spcBef>
+                <a:spcPts val="1000"/>
+              </a:spcBef>
+              <a:spcAft>
+                <a:spcPts val="0"/>
+              </a:spcAft>
+              <a:buClrTx/>
+              <a:buSzTx/>
+              <a:buFont typeface="Arial" panose="020B0604020202020204" pitchFamily="34" charset="0"/>
+              <a:buChar char="•"/>
+              <a:tabLst/>
+              <a:defRPr/>
+            </a:pPr>
+            <a:r>
+              <a:rPr kumimoji="0" lang="en-US" sz="2800" b="0" i="0" u="none" strike="noStrike" kern="1200" cap="none" spc="0" normalizeH="0" baseline="0" noProof="0" dirty="0">
+                <a:ln>
+                  <a:noFill/>
+                </a:ln>
+                <a:solidFill>
+                  <a:prstClr val="black"/>
+                </a:solidFill>
+                <a:effectLst/>
+                <a:uLnTx/>
+                <a:uFillTx/>
+                <a:latin typeface="Calibri" panose="020F0502020204030204"/>
+                <a:ea typeface="+mn-ea"/>
+                <a:cs typeface="+mn-cs"/>
+              </a:rPr>
+              <a:t>In semi-supervised learning tasks, some training examples have outcomes, but some do not.</a:t>
+            </a:r>
+          </a:p>
+        </p:txBody>
+      </p:sp>
+      <p:pic>
+        <p:nvPicPr>
+          <p:cNvPr id="6148" name="Picture 4" descr="Introduction to Semi-Supervised Learning | TeksandsAItest">
+            <a:extLst>
+              <a:ext uri="{FF2B5EF4-FFF2-40B4-BE49-F238E27FC236}">
+                <a16:creationId xmlns:a16="http://schemas.microsoft.com/office/drawing/2014/main" id="{529F1B35-50BB-0B46-9E82-BA974C92A775}"/>
+              </a:ext>
+            </a:extLst>
+          </p:cNvPr>
+          <p:cNvPicPr>
+            <a:picLocks noChangeAspect="1" noChangeArrowheads="1"/>
+          </p:cNvPicPr>
+          <p:nvPr/>
+        </p:nvPicPr>
+        <p:blipFill rotWithShape="1">
+          <a:blip r:embed="rId3">
+            <a:extLst>
+              <a:ext uri="{28A0092B-C50C-407E-A947-70E740481C1C}">
+                <a14:useLocalDpi xmlns:a14="http://schemas.microsoft.com/office/drawing/2010/main" val="0"/>
+              </a:ext>
+            </a:extLst>
+          </a:blip>
+          <a:srcRect t="11066" b="9819"/>
+          <a:stretch/>
+        </p:blipFill>
+        <p:spPr bwMode="auto">
+          <a:xfrm>
+            <a:off x="1920240" y="3430121"/>
+            <a:ext cx="8351520" cy="3303670"/>
+          </a:xfrm>
+          <a:prstGeom prst="rect">
+            <a:avLst/>
+          </a:prstGeom>
+          <a:noFill/>
+          <a:extLst>
+            <a:ext uri="{909E8E84-426E-40DD-AFC4-6F175D3DCCD1}">
+              <a14:hiddenFill xmlns:a14="http://schemas.microsoft.com/office/drawing/2010/main">
+                <a:solidFill>
+                  <a:srgbClr val="FFFFFF"/>
+                </a:solidFill>
+              </a14:hiddenFill>
+            </a:ext>
+          </a:extLst>
+        </p:spPr>
+      </p:pic>
+    </p:spTree>
+    <p:extLst>
+      <p:ext uri="{BB962C8B-B14F-4D97-AF65-F5344CB8AC3E}">
+        <p14:creationId xmlns:p14="http://schemas.microsoft.com/office/powerpoint/2010/main" val="312799993"/>
+      </p:ext>
+    </p:extLst>
+  </p:cSld>
+  <p:clrMapOvr>
+    <a:masterClrMapping/>
+  </p:clrMapOvr>
+</p:sld>
+</file>
+
+<file path=ppt/slides/slide16.xml><?xml version="1.0" encoding="utf-8"?>
+<p:sld xmlns:a="http://schemas.openxmlformats.org/drawingml/2006/main" xmlns:r="http://schemas.openxmlformats.org/officeDocument/2006/relationships" xmlns:p="http://schemas.openxmlformats.org/presentationml/2006/main">
+  <p:cSld>
+    <p:spTree>
+      <p:nvGrpSpPr>
+        <p:cNvPr id="1" name=""/>
+        <p:cNvGrpSpPr/>
+        <p:nvPr/>
+      </p:nvGrpSpPr>
+      <p:grpSpPr>
+        <a:xfrm>
+          <a:off x="0" y="0"/>
+          <a:ext cx="0" cy="0"/>
+          <a:chOff x="0" y="0"/>
+          <a:chExt cx="0" cy="0"/>
+        </a:xfrm>
+      </p:grpSpPr>
+      <p:sp>
+        <p:nvSpPr>
+          <p:cNvPr id="2" name="Title 1"/>
+          <p:cNvSpPr>
+            <a:spLocks noGrp="1"/>
+          </p:cNvSpPr>
+          <p:nvPr>
+            <p:ph type="title"/>
+          </p:nvPr>
+        </p:nvSpPr>
+        <p:spPr>
+          <a:xfrm>
+            <a:off x="838200" y="365126"/>
+            <a:ext cx="10515600" cy="981894"/>
+          </a:xfrm>
+        </p:spPr>
+        <p:txBody>
+          <a:bodyPr>
+            <a:normAutofit/>
+          </a:bodyPr>
+          <a:lstStyle/>
+          <a:p>
+            <a:r>
+              <a:rPr lang="en-US" dirty="0"/>
+              <a:t>Reinforcement Learning</a:t>
+            </a:r>
+          </a:p>
+        </p:txBody>
+      </p:sp>
+      <p:pic>
+        <p:nvPicPr>
+          <p:cNvPr id="7170" name="Picture 2" descr="Reinforcement Learning 101. Learn the essentials of Reinforcement… | by  Shweta Bhatt | Towards Data Science">
+            <a:extLst>
+              <a:ext uri="{FF2B5EF4-FFF2-40B4-BE49-F238E27FC236}">
+                <a16:creationId xmlns:a16="http://schemas.microsoft.com/office/drawing/2014/main" id="{526AEDFA-D9FC-2241-9A8F-C7732DB90277}"/>
+              </a:ext>
+            </a:extLst>
+          </p:cNvPr>
+          <p:cNvPicPr>
+            <a:picLocks noChangeAspect="1" noChangeArrowheads="1"/>
+          </p:cNvPicPr>
+          <p:nvPr/>
+        </p:nvPicPr>
+        <p:blipFill>
+          <a:blip r:embed="rId3">
+            <a:extLst>
+              <a:ext uri="{28A0092B-C50C-407E-A947-70E740481C1C}">
+                <a14:useLocalDpi xmlns:a14="http://schemas.microsoft.com/office/drawing/2010/main" val="0"/>
+              </a:ext>
+            </a:extLst>
+          </a:blip>
+          <a:srcRect/>
+          <a:stretch>
+            <a:fillRect/>
+          </a:stretch>
+        </p:blipFill>
+        <p:spPr bwMode="auto">
+          <a:xfrm>
+            <a:off x="1579880" y="2014220"/>
+            <a:ext cx="8138015" cy="3136900"/>
+          </a:xfrm>
+          <a:prstGeom prst="rect">
+            <a:avLst/>
+          </a:prstGeom>
+          <a:noFill/>
+          <a:extLst>
+            <a:ext uri="{909E8E84-426E-40DD-AFC4-6F175D3DCCD1}">
+              <a14:hiddenFill xmlns:a14="http://schemas.microsoft.com/office/drawing/2010/main">
+                <a:solidFill>
+                  <a:srgbClr val="FFFFFF"/>
+                </a:solidFill>
+              </a14:hiddenFill>
+            </a:ext>
+          </a:extLst>
+        </p:spPr>
+      </p:pic>
+    </p:spTree>
+    <p:extLst>
+      <p:ext uri="{BB962C8B-B14F-4D97-AF65-F5344CB8AC3E}">
+        <p14:creationId xmlns:p14="http://schemas.microsoft.com/office/powerpoint/2010/main" val="3752756850"/>
+      </p:ext>
+    </p:extLst>
+  </p:cSld>
+  <p:clrMapOvr>
+    <a:masterClrMapping/>
+  </p:clrMapOvr>
+</p:sld>
+</file>
+
+<file path=ppt/slides/slide17.xml><?xml version="1.0" encoding="utf-8"?>
+<p:sld xmlns:a="http://schemas.openxmlformats.org/drawingml/2006/main" xmlns:r="http://schemas.openxmlformats.org/officeDocument/2006/relationships" xmlns:p="http://schemas.openxmlformats.org/presentationml/2006/main">
+  <p:cSld>
+    <p:spTree>
+      <p:nvGrpSpPr>
+        <p:cNvPr id="1" name=""/>
+        <p:cNvGrpSpPr/>
+        <p:nvPr/>
+      </p:nvGrpSpPr>
+      <p:grpSpPr>
+        <a:xfrm>
+          <a:off x="0" y="0"/>
+          <a:ext cx="0" cy="0"/>
+          <a:chOff x="0" y="0"/>
+          <a:chExt cx="0" cy="0"/>
+        </a:xfrm>
+      </p:grpSpPr>
+      <p:sp>
+        <p:nvSpPr>
+          <p:cNvPr id="2" name="Title 1"/>
+          <p:cNvSpPr>
+            <a:spLocks noGrp="1"/>
+          </p:cNvSpPr>
+          <p:nvPr>
+            <p:ph type="title"/>
+          </p:nvPr>
+        </p:nvSpPr>
+        <p:spPr>
+          <a:xfrm>
+            <a:off x="838200" y="365126"/>
+            <a:ext cx="10515600" cy="981894"/>
+          </a:xfrm>
+        </p:spPr>
+        <p:txBody>
+          <a:bodyPr>
+            <a:normAutofit/>
+          </a:bodyPr>
+          <a:lstStyle/>
+          <a:p>
+            <a:r>
+              <a:rPr lang="en-US" dirty="0"/>
+              <a:t>Category of learning problems</a:t>
+            </a:r>
+          </a:p>
+        </p:txBody>
+      </p:sp>
+      <p:sp>
+        <p:nvSpPr>
+          <p:cNvPr id="4" name="Content Placeholder 2">
+            <a:extLst>
+              <a:ext uri="{FF2B5EF4-FFF2-40B4-BE49-F238E27FC236}">
+                <a16:creationId xmlns:a16="http://schemas.microsoft.com/office/drawing/2014/main" id="{E965F214-522A-E447-96E4-309B7A1596FF}"/>
+              </a:ext>
+            </a:extLst>
+          </p:cNvPr>
+          <p:cNvSpPr txBox="1">
+            <a:spLocks/>
+          </p:cNvSpPr>
+          <p:nvPr/>
+        </p:nvSpPr>
+        <p:spPr>
+          <a:xfrm>
+            <a:off x="975360" y="1992601"/>
+            <a:ext cx="9616440" cy="852100"/>
+          </a:xfrm>
+          <a:prstGeom prst="rect">
+            <a:avLst/>
+          </a:prstGeom>
+        </p:spPr>
+        <p:txBody>
+          <a:bodyPr vert="horz" lIns="91440" tIns="45720" rIns="91440" bIns="45720" rtlCol="0">
+            <a:normAutofit/>
+          </a:bodyPr>
+          <a:lstStyle>
+            <a:lvl1pPr marL="228600" indent="-228600" algn="l" defTabSz="914400" rtl="0" eaLnBrk="1" latinLnBrk="0" hangingPunct="1">
+              <a:lnSpc>
+                <a:spcPct val="90000"/>
+              </a:lnSpc>
+              <a:spcBef>
+                <a:spcPts val="1000"/>
+              </a:spcBef>
+              <a:buFont typeface="Arial" panose="020B0604020202020204" pitchFamily="34" charset="0"/>
+              <a:buChar char="•"/>
+              <a:defRPr sz="2800" kern="1200">
+                <a:solidFill>
+                  <a:schemeClr val="tx1"/>
+                </a:solidFill>
+                <a:latin typeface="+mn-lt"/>
+                <a:ea typeface="+mn-ea"/>
+                <a:cs typeface="+mn-cs"/>
+              </a:defRPr>
+            </a:lvl1pPr>
+            <a:lvl2pPr marL="685800" indent="-228600" algn="l" defTabSz="914400" rtl="0" eaLnBrk="1" latinLnBrk="0" hangingPunct="1">
+              <a:lnSpc>
+                <a:spcPct val="90000"/>
+              </a:lnSpc>
+              <a:spcBef>
+                <a:spcPts val="500"/>
+              </a:spcBef>
+              <a:buFont typeface="Arial" panose="020B0604020202020204" pitchFamily="34" charset="0"/>
+              <a:buChar char="•"/>
+              <a:defRPr sz="2400" kern="1200">
+                <a:solidFill>
+                  <a:schemeClr val="tx1"/>
+                </a:solidFill>
+                <a:latin typeface="+mn-lt"/>
+                <a:ea typeface="+mn-ea"/>
+                <a:cs typeface="+mn-cs"/>
+              </a:defRPr>
+            </a:lvl2pPr>
+            <a:lvl3pPr marL="1143000" indent="-228600" algn="l" defTabSz="914400" rtl="0" eaLnBrk="1" latinLnBrk="0" hangingPunct="1">
+              <a:lnSpc>
+                <a:spcPct val="90000"/>
+              </a:lnSpc>
+              <a:spcBef>
+                <a:spcPts val="500"/>
+              </a:spcBef>
+              <a:buFont typeface="Arial" panose="020B0604020202020204" pitchFamily="34" charset="0"/>
+              <a:buChar char="•"/>
+              <a:defRPr sz="2000" kern="1200">
+                <a:solidFill>
+                  <a:schemeClr val="tx1"/>
+                </a:solidFill>
+                <a:latin typeface="+mn-lt"/>
+                <a:ea typeface="+mn-ea"/>
+                <a:cs typeface="+mn-cs"/>
+              </a:defRPr>
+            </a:lvl3pPr>
+            <a:lvl4pPr marL="1600200" indent="-228600" algn="l" defTabSz="914400" rtl="0" eaLnBrk="1" latinLnBrk="0" hangingPunct="1">
+              <a:lnSpc>
+                <a:spcPct val="90000"/>
+              </a:lnSpc>
+              <a:spcBef>
+                <a:spcPts val="500"/>
+              </a:spcBef>
+              <a:buFont typeface="Arial" panose="020B0604020202020204" pitchFamily="34" charset="0"/>
+              <a:buChar char="•"/>
+              <a:defRPr sz="1800" kern="1200">
+                <a:solidFill>
+                  <a:schemeClr val="tx1"/>
+                </a:solidFill>
+                <a:latin typeface="+mn-lt"/>
+                <a:ea typeface="+mn-ea"/>
+                <a:cs typeface="+mn-cs"/>
+              </a:defRPr>
+            </a:lvl4pPr>
+            <a:lvl5pPr marL="2057400" indent="-228600" algn="l" defTabSz="914400" rtl="0" eaLnBrk="1" latinLnBrk="0" hangingPunct="1">
+              <a:lnSpc>
+                <a:spcPct val="90000"/>
+              </a:lnSpc>
+              <a:spcBef>
+                <a:spcPts val="500"/>
+              </a:spcBef>
+              <a:buFont typeface="Arial" panose="020B0604020202020204" pitchFamily="34" charset="0"/>
+              <a:buChar char="•"/>
+              <a:defRPr sz="1800" kern="1200">
+                <a:solidFill>
+                  <a:schemeClr val="tx1"/>
+                </a:solidFill>
+                <a:latin typeface="+mn-lt"/>
+                <a:ea typeface="+mn-ea"/>
+                <a:cs typeface="+mn-cs"/>
+              </a:defRPr>
+            </a:lvl5pPr>
+            <a:lvl6pPr marL="2514600" indent="-228600" algn="l" defTabSz="914400" rtl="0" eaLnBrk="1" latinLnBrk="0" hangingPunct="1">
+              <a:lnSpc>
+                <a:spcPct val="90000"/>
+              </a:lnSpc>
+              <a:spcBef>
+                <a:spcPts val="500"/>
+              </a:spcBef>
+              <a:buFont typeface="Arial" panose="020B0604020202020204" pitchFamily="34" charset="0"/>
+              <a:buChar char="•"/>
+              <a:defRPr sz="1800" kern="1200">
+                <a:solidFill>
+                  <a:schemeClr val="tx1"/>
+                </a:solidFill>
+                <a:latin typeface="+mn-lt"/>
+                <a:ea typeface="+mn-ea"/>
+                <a:cs typeface="+mn-cs"/>
+              </a:defRPr>
+            </a:lvl6pPr>
+            <a:lvl7pPr marL="2971800" indent="-228600" algn="l" defTabSz="914400" rtl="0" eaLnBrk="1" latinLnBrk="0" hangingPunct="1">
+              <a:lnSpc>
+                <a:spcPct val="90000"/>
+              </a:lnSpc>
+              <a:spcBef>
+                <a:spcPts val="500"/>
+              </a:spcBef>
+              <a:buFont typeface="Arial" panose="020B0604020202020204" pitchFamily="34" charset="0"/>
+              <a:buChar char="•"/>
+              <a:defRPr sz="1800" kern="1200">
+                <a:solidFill>
+                  <a:schemeClr val="tx1"/>
+                </a:solidFill>
+                <a:latin typeface="+mn-lt"/>
+                <a:ea typeface="+mn-ea"/>
+                <a:cs typeface="+mn-cs"/>
+              </a:defRPr>
+            </a:lvl7pPr>
+            <a:lvl8pPr marL="3429000" indent="-228600" algn="l" defTabSz="914400" rtl="0" eaLnBrk="1" latinLnBrk="0" hangingPunct="1">
+              <a:lnSpc>
+                <a:spcPct val="90000"/>
+              </a:lnSpc>
+              <a:spcBef>
+                <a:spcPts val="500"/>
+              </a:spcBef>
+              <a:buFont typeface="Arial" panose="020B0604020202020204" pitchFamily="34" charset="0"/>
+              <a:buChar char="•"/>
+              <a:defRPr sz="1800" kern="1200">
+                <a:solidFill>
+                  <a:schemeClr val="tx1"/>
+                </a:solidFill>
+                <a:latin typeface="+mn-lt"/>
+                <a:ea typeface="+mn-ea"/>
+                <a:cs typeface="+mn-cs"/>
+              </a:defRPr>
+            </a:lvl8pPr>
+            <a:lvl9pPr marL="3886200" indent="-228600" algn="l" defTabSz="914400" rtl="0" eaLnBrk="1" latinLnBrk="0" hangingPunct="1">
+              <a:lnSpc>
+                <a:spcPct val="90000"/>
+              </a:lnSpc>
+              <a:spcBef>
+                <a:spcPts val="500"/>
+              </a:spcBef>
+              <a:buFont typeface="Arial" panose="020B0604020202020204" pitchFamily="34" charset="0"/>
+              <a:buChar char="•"/>
+              <a:defRPr sz="1800" kern="1200">
+                <a:solidFill>
+                  <a:schemeClr val="tx1"/>
+                </a:solidFill>
+                <a:latin typeface="+mn-lt"/>
+                <a:ea typeface="+mn-ea"/>
+                <a:cs typeface="+mn-cs"/>
+              </a:defRPr>
+            </a:lvl9pPr>
+          </a:lstStyle>
+          <a:p>
+            <a:pPr marL="0" indent="0">
+              <a:buFont typeface="Arial" panose="020B0604020202020204" pitchFamily="34" charset="0"/>
+              <a:buNone/>
+            </a:pPr>
+            <a:r>
+              <a:rPr lang="en-US" sz="2400" dirty="0"/>
+              <a:t>Spam Detection: Supervised or Unsupervised?</a:t>
+            </a:r>
+          </a:p>
+        </p:txBody>
+      </p:sp>
+      <p:sp>
+        <p:nvSpPr>
+          <p:cNvPr id="5" name="Content Placeholder 2">
+            <a:extLst>
+              <a:ext uri="{FF2B5EF4-FFF2-40B4-BE49-F238E27FC236}">
+                <a16:creationId xmlns:a16="http://schemas.microsoft.com/office/drawing/2014/main" id="{CBD5C1BA-EACA-1746-ABE0-FCA3417C6CFA}"/>
+              </a:ext>
+            </a:extLst>
+          </p:cNvPr>
+          <p:cNvSpPr txBox="1">
+            <a:spLocks/>
+          </p:cNvSpPr>
+          <p:nvPr/>
+        </p:nvSpPr>
+        <p:spPr>
+          <a:xfrm>
+            <a:off x="975360" y="2844701"/>
+            <a:ext cx="9616440" cy="852100"/>
+          </a:xfrm>
+          <a:prstGeom prst="rect">
+            <a:avLst/>
+          </a:prstGeom>
+        </p:spPr>
+        <p:txBody>
+          <a:bodyPr vert="horz" lIns="91440" tIns="45720" rIns="91440" bIns="45720" rtlCol="0">
+            <a:normAutofit/>
+          </a:bodyPr>
+          <a:lstStyle>
+            <a:lvl1pPr marL="228600" indent="-228600" algn="l" defTabSz="914400" rtl="0" eaLnBrk="1" latinLnBrk="0" hangingPunct="1">
+              <a:lnSpc>
+                <a:spcPct val="90000"/>
+              </a:lnSpc>
+              <a:spcBef>
+                <a:spcPts val="1000"/>
+              </a:spcBef>
+              <a:buFont typeface="Arial" panose="020B0604020202020204" pitchFamily="34" charset="0"/>
+              <a:buChar char="•"/>
+              <a:defRPr sz="2800" kern="1200">
+                <a:solidFill>
+                  <a:schemeClr val="tx1"/>
+                </a:solidFill>
+                <a:latin typeface="+mn-lt"/>
+                <a:ea typeface="+mn-ea"/>
+                <a:cs typeface="+mn-cs"/>
+              </a:defRPr>
+            </a:lvl1pPr>
+            <a:lvl2pPr marL="685800" indent="-228600" algn="l" defTabSz="914400" rtl="0" eaLnBrk="1" latinLnBrk="0" hangingPunct="1">
+              <a:lnSpc>
+                <a:spcPct val="90000"/>
+              </a:lnSpc>
+              <a:spcBef>
+                <a:spcPts val="500"/>
+              </a:spcBef>
+              <a:buFont typeface="Arial" panose="020B0604020202020204" pitchFamily="34" charset="0"/>
+              <a:buChar char="•"/>
+              <a:defRPr sz="2400" kern="1200">
+                <a:solidFill>
+                  <a:schemeClr val="tx1"/>
+                </a:solidFill>
+                <a:latin typeface="+mn-lt"/>
+                <a:ea typeface="+mn-ea"/>
+                <a:cs typeface="+mn-cs"/>
+              </a:defRPr>
+            </a:lvl2pPr>
+            <a:lvl3pPr marL="1143000" indent="-228600" algn="l" defTabSz="914400" rtl="0" eaLnBrk="1" latinLnBrk="0" hangingPunct="1">
+              <a:lnSpc>
+                <a:spcPct val="90000"/>
+              </a:lnSpc>
+              <a:spcBef>
+                <a:spcPts val="500"/>
+              </a:spcBef>
+              <a:buFont typeface="Arial" panose="020B0604020202020204" pitchFamily="34" charset="0"/>
+              <a:buChar char="•"/>
+              <a:defRPr sz="2000" kern="1200">
+                <a:solidFill>
+                  <a:schemeClr val="tx1"/>
+                </a:solidFill>
+                <a:latin typeface="+mn-lt"/>
+                <a:ea typeface="+mn-ea"/>
+                <a:cs typeface="+mn-cs"/>
+              </a:defRPr>
+            </a:lvl3pPr>
+            <a:lvl4pPr marL="1600200" indent="-228600" algn="l" defTabSz="914400" rtl="0" eaLnBrk="1" latinLnBrk="0" hangingPunct="1">
+              <a:lnSpc>
+                <a:spcPct val="90000"/>
+              </a:lnSpc>
+              <a:spcBef>
+                <a:spcPts val="500"/>
+              </a:spcBef>
+              <a:buFont typeface="Arial" panose="020B0604020202020204" pitchFamily="34" charset="0"/>
+              <a:buChar char="•"/>
+              <a:defRPr sz="1800" kern="1200">
+                <a:solidFill>
+                  <a:schemeClr val="tx1"/>
+                </a:solidFill>
+                <a:latin typeface="+mn-lt"/>
+                <a:ea typeface="+mn-ea"/>
+                <a:cs typeface="+mn-cs"/>
+              </a:defRPr>
+            </a:lvl4pPr>
+            <a:lvl5pPr marL="2057400" indent="-228600" algn="l" defTabSz="914400" rtl="0" eaLnBrk="1" latinLnBrk="0" hangingPunct="1">
+              <a:lnSpc>
+                <a:spcPct val="90000"/>
+              </a:lnSpc>
+              <a:spcBef>
+                <a:spcPts val="500"/>
+              </a:spcBef>
+              <a:buFont typeface="Arial" panose="020B0604020202020204" pitchFamily="34" charset="0"/>
+              <a:buChar char="•"/>
+              <a:defRPr sz="1800" kern="1200">
+                <a:solidFill>
+                  <a:schemeClr val="tx1"/>
+                </a:solidFill>
+                <a:latin typeface="+mn-lt"/>
+                <a:ea typeface="+mn-ea"/>
+                <a:cs typeface="+mn-cs"/>
+              </a:defRPr>
+            </a:lvl5pPr>
+            <a:lvl6pPr marL="2514600" indent="-228600" algn="l" defTabSz="914400" rtl="0" eaLnBrk="1" latinLnBrk="0" hangingPunct="1">
+              <a:lnSpc>
+                <a:spcPct val="90000"/>
+              </a:lnSpc>
+              <a:spcBef>
+                <a:spcPts val="500"/>
+              </a:spcBef>
+              <a:buFont typeface="Arial" panose="020B0604020202020204" pitchFamily="34" charset="0"/>
+              <a:buChar char="•"/>
+              <a:defRPr sz="1800" kern="1200">
+                <a:solidFill>
+                  <a:schemeClr val="tx1"/>
+                </a:solidFill>
+                <a:latin typeface="+mn-lt"/>
+                <a:ea typeface="+mn-ea"/>
+                <a:cs typeface="+mn-cs"/>
+              </a:defRPr>
+            </a:lvl6pPr>
+            <a:lvl7pPr marL="2971800" indent="-228600" algn="l" defTabSz="914400" rtl="0" eaLnBrk="1" latinLnBrk="0" hangingPunct="1">
+              <a:lnSpc>
+                <a:spcPct val="90000"/>
+              </a:lnSpc>
+              <a:spcBef>
+                <a:spcPts val="500"/>
+              </a:spcBef>
+              <a:buFont typeface="Arial" panose="020B0604020202020204" pitchFamily="34" charset="0"/>
+              <a:buChar char="•"/>
+              <a:defRPr sz="1800" kern="1200">
+                <a:solidFill>
+                  <a:schemeClr val="tx1"/>
+                </a:solidFill>
+                <a:latin typeface="+mn-lt"/>
+                <a:ea typeface="+mn-ea"/>
+                <a:cs typeface="+mn-cs"/>
+              </a:defRPr>
+            </a:lvl7pPr>
+            <a:lvl8pPr marL="3429000" indent="-228600" algn="l" defTabSz="914400" rtl="0" eaLnBrk="1" latinLnBrk="0" hangingPunct="1">
+              <a:lnSpc>
+                <a:spcPct val="90000"/>
+              </a:lnSpc>
+              <a:spcBef>
+                <a:spcPts val="500"/>
+              </a:spcBef>
+              <a:buFont typeface="Arial" panose="020B0604020202020204" pitchFamily="34" charset="0"/>
+              <a:buChar char="•"/>
+              <a:defRPr sz="1800" kern="1200">
+                <a:solidFill>
+                  <a:schemeClr val="tx1"/>
+                </a:solidFill>
+                <a:latin typeface="+mn-lt"/>
+                <a:ea typeface="+mn-ea"/>
+                <a:cs typeface="+mn-cs"/>
+              </a:defRPr>
+            </a:lvl8pPr>
+            <a:lvl9pPr marL="3886200" indent="-228600" algn="l" defTabSz="914400" rtl="0" eaLnBrk="1" latinLnBrk="0" hangingPunct="1">
+              <a:lnSpc>
+                <a:spcPct val="90000"/>
+              </a:lnSpc>
+              <a:spcBef>
+                <a:spcPts val="500"/>
+              </a:spcBef>
+              <a:buFont typeface="Arial" panose="020B0604020202020204" pitchFamily="34" charset="0"/>
+              <a:buChar char="•"/>
+              <a:defRPr sz="1800" kern="1200">
+                <a:solidFill>
+                  <a:schemeClr val="tx1"/>
+                </a:solidFill>
+                <a:latin typeface="+mn-lt"/>
+                <a:ea typeface="+mn-ea"/>
+                <a:cs typeface="+mn-cs"/>
+              </a:defRPr>
+            </a:lvl9pPr>
+          </a:lstStyle>
+          <a:p>
+            <a:pPr marL="0" indent="0">
+              <a:buFont typeface="Arial" panose="020B0604020202020204" pitchFamily="34" charset="0"/>
+              <a:buNone/>
+            </a:pPr>
+            <a:r>
+              <a:rPr lang="en-US" sz="2400" dirty="0"/>
+              <a:t>Digit Recognition: Supervised or Unsupervised?</a:t>
+            </a:r>
+          </a:p>
+        </p:txBody>
+      </p:sp>
+      <p:sp>
+        <p:nvSpPr>
+          <p:cNvPr id="6" name="Content Placeholder 2">
+            <a:extLst>
+              <a:ext uri="{FF2B5EF4-FFF2-40B4-BE49-F238E27FC236}">
+                <a16:creationId xmlns:a16="http://schemas.microsoft.com/office/drawing/2014/main" id="{CF2804CB-9F49-0B41-80CA-6D5AC7D95B56}"/>
+              </a:ext>
+            </a:extLst>
+          </p:cNvPr>
+          <p:cNvSpPr txBox="1">
+            <a:spLocks/>
+          </p:cNvSpPr>
+          <p:nvPr/>
+        </p:nvSpPr>
+        <p:spPr>
+          <a:xfrm>
+            <a:off x="975360" y="3696801"/>
+            <a:ext cx="9616440" cy="852100"/>
+          </a:xfrm>
+          <a:prstGeom prst="rect">
+            <a:avLst/>
+          </a:prstGeom>
+        </p:spPr>
+        <p:txBody>
+          <a:bodyPr vert="horz" lIns="91440" tIns="45720" rIns="91440" bIns="45720" rtlCol="0">
+            <a:normAutofit/>
+          </a:bodyPr>
+          <a:lstStyle>
+            <a:lvl1pPr marL="228600" indent="-228600" algn="l" defTabSz="914400" rtl="0" eaLnBrk="1" latinLnBrk="0" hangingPunct="1">
+              <a:lnSpc>
+                <a:spcPct val="90000"/>
+              </a:lnSpc>
+              <a:spcBef>
+                <a:spcPts val="1000"/>
+              </a:spcBef>
+              <a:buFont typeface="Arial" panose="020B0604020202020204" pitchFamily="34" charset="0"/>
+              <a:buChar char="•"/>
+              <a:defRPr sz="2800" kern="1200">
+                <a:solidFill>
+                  <a:schemeClr val="tx1"/>
+                </a:solidFill>
+                <a:latin typeface="+mn-lt"/>
+                <a:ea typeface="+mn-ea"/>
+                <a:cs typeface="+mn-cs"/>
+              </a:defRPr>
+            </a:lvl1pPr>
+            <a:lvl2pPr marL="685800" indent="-228600" algn="l" defTabSz="914400" rtl="0" eaLnBrk="1" latinLnBrk="0" hangingPunct="1">
+              <a:lnSpc>
+                <a:spcPct val="90000"/>
+              </a:lnSpc>
+              <a:spcBef>
+                <a:spcPts val="500"/>
+              </a:spcBef>
+              <a:buFont typeface="Arial" panose="020B0604020202020204" pitchFamily="34" charset="0"/>
+              <a:buChar char="•"/>
+              <a:defRPr sz="2400" kern="1200">
+                <a:solidFill>
+                  <a:schemeClr val="tx1"/>
+                </a:solidFill>
+                <a:latin typeface="+mn-lt"/>
+                <a:ea typeface="+mn-ea"/>
+                <a:cs typeface="+mn-cs"/>
+              </a:defRPr>
+            </a:lvl2pPr>
+            <a:lvl3pPr marL="1143000" indent="-228600" algn="l" defTabSz="914400" rtl="0" eaLnBrk="1" latinLnBrk="0" hangingPunct="1">
+              <a:lnSpc>
+                <a:spcPct val="90000"/>
+              </a:lnSpc>
+              <a:spcBef>
+                <a:spcPts val="500"/>
+              </a:spcBef>
+              <a:buFont typeface="Arial" panose="020B0604020202020204" pitchFamily="34" charset="0"/>
+              <a:buChar char="•"/>
+              <a:defRPr sz="2000" kern="1200">
+                <a:solidFill>
+                  <a:schemeClr val="tx1"/>
+                </a:solidFill>
+                <a:latin typeface="+mn-lt"/>
+                <a:ea typeface="+mn-ea"/>
+                <a:cs typeface="+mn-cs"/>
+              </a:defRPr>
+            </a:lvl3pPr>
+            <a:lvl4pPr marL="1600200" indent="-228600" algn="l" defTabSz="914400" rtl="0" eaLnBrk="1" latinLnBrk="0" hangingPunct="1">
+              <a:lnSpc>
+                <a:spcPct val="90000"/>
+              </a:lnSpc>
+              <a:spcBef>
+                <a:spcPts val="500"/>
+              </a:spcBef>
+              <a:buFont typeface="Arial" panose="020B0604020202020204" pitchFamily="34" charset="0"/>
+              <a:buChar char="•"/>
+              <a:defRPr sz="1800" kern="1200">
+                <a:solidFill>
+                  <a:schemeClr val="tx1"/>
+                </a:solidFill>
+                <a:latin typeface="+mn-lt"/>
+                <a:ea typeface="+mn-ea"/>
+                <a:cs typeface="+mn-cs"/>
+              </a:defRPr>
+            </a:lvl4pPr>
+            <a:lvl5pPr marL="2057400" indent="-228600" algn="l" defTabSz="914400" rtl="0" eaLnBrk="1" latinLnBrk="0" hangingPunct="1">
+              <a:lnSpc>
+                <a:spcPct val="90000"/>
+              </a:lnSpc>
+              <a:spcBef>
+                <a:spcPts val="500"/>
+              </a:spcBef>
+              <a:buFont typeface="Arial" panose="020B0604020202020204" pitchFamily="34" charset="0"/>
+              <a:buChar char="•"/>
+              <a:defRPr sz="1800" kern="1200">
+                <a:solidFill>
+                  <a:schemeClr val="tx1"/>
+                </a:solidFill>
+                <a:latin typeface="+mn-lt"/>
+                <a:ea typeface="+mn-ea"/>
+                <a:cs typeface="+mn-cs"/>
+              </a:defRPr>
+            </a:lvl5pPr>
+            <a:lvl6pPr marL="2514600" indent="-228600" algn="l" defTabSz="914400" rtl="0" eaLnBrk="1" latinLnBrk="0" hangingPunct="1">
+              <a:lnSpc>
+                <a:spcPct val="90000"/>
+              </a:lnSpc>
+              <a:spcBef>
+                <a:spcPts val="500"/>
+              </a:spcBef>
+              <a:buFont typeface="Arial" panose="020B0604020202020204" pitchFamily="34" charset="0"/>
+              <a:buChar char="•"/>
+              <a:defRPr sz="1800" kern="1200">
+                <a:solidFill>
+                  <a:schemeClr val="tx1"/>
+                </a:solidFill>
+                <a:latin typeface="+mn-lt"/>
+                <a:ea typeface="+mn-ea"/>
+                <a:cs typeface="+mn-cs"/>
+              </a:defRPr>
+            </a:lvl6pPr>
+            <a:lvl7pPr marL="2971800" indent="-228600" algn="l" defTabSz="914400" rtl="0" eaLnBrk="1" latinLnBrk="0" hangingPunct="1">
+              <a:lnSpc>
+                <a:spcPct val="90000"/>
+              </a:lnSpc>
+              <a:spcBef>
+                <a:spcPts val="500"/>
+              </a:spcBef>
+              <a:buFont typeface="Arial" panose="020B0604020202020204" pitchFamily="34" charset="0"/>
+              <a:buChar char="•"/>
+              <a:defRPr sz="1800" kern="1200">
+                <a:solidFill>
+                  <a:schemeClr val="tx1"/>
+                </a:solidFill>
+                <a:latin typeface="+mn-lt"/>
+                <a:ea typeface="+mn-ea"/>
+                <a:cs typeface="+mn-cs"/>
+              </a:defRPr>
+            </a:lvl7pPr>
+            <a:lvl8pPr marL="3429000" indent="-228600" algn="l" defTabSz="914400" rtl="0" eaLnBrk="1" latinLnBrk="0" hangingPunct="1">
+              <a:lnSpc>
+                <a:spcPct val="90000"/>
+              </a:lnSpc>
+              <a:spcBef>
+                <a:spcPts val="500"/>
+              </a:spcBef>
+              <a:buFont typeface="Arial" panose="020B0604020202020204" pitchFamily="34" charset="0"/>
+              <a:buChar char="•"/>
+              <a:defRPr sz="1800" kern="1200">
+                <a:solidFill>
+                  <a:schemeClr val="tx1"/>
+                </a:solidFill>
+                <a:latin typeface="+mn-lt"/>
+                <a:ea typeface="+mn-ea"/>
+                <a:cs typeface="+mn-cs"/>
+              </a:defRPr>
+            </a:lvl8pPr>
+            <a:lvl9pPr marL="3886200" indent="-228600" algn="l" defTabSz="914400" rtl="0" eaLnBrk="1" latinLnBrk="0" hangingPunct="1">
+              <a:lnSpc>
+                <a:spcPct val="90000"/>
+              </a:lnSpc>
+              <a:spcBef>
+                <a:spcPts val="500"/>
+              </a:spcBef>
+              <a:buFont typeface="Arial" panose="020B0604020202020204" pitchFamily="34" charset="0"/>
+              <a:buChar char="•"/>
+              <a:defRPr sz="1800" kern="1200">
+                <a:solidFill>
+                  <a:schemeClr val="tx1"/>
+                </a:solidFill>
+                <a:latin typeface="+mn-lt"/>
+                <a:ea typeface="+mn-ea"/>
+                <a:cs typeface="+mn-cs"/>
+              </a:defRPr>
+            </a:lvl9pPr>
+          </a:lstStyle>
+          <a:p>
+            <a:pPr marL="0" indent="0">
+              <a:buFont typeface="Arial" panose="020B0604020202020204" pitchFamily="34" charset="0"/>
+              <a:buNone/>
+            </a:pPr>
+            <a:r>
+              <a:rPr lang="en-US" sz="2400" dirty="0"/>
+              <a:t>Generative Models: Supervised or Unsupervised?</a:t>
+            </a:r>
+          </a:p>
+        </p:txBody>
+      </p:sp>
+      <p:sp>
+        <p:nvSpPr>
+          <p:cNvPr id="7" name="Content Placeholder 2">
+            <a:extLst>
+              <a:ext uri="{FF2B5EF4-FFF2-40B4-BE49-F238E27FC236}">
+                <a16:creationId xmlns:a16="http://schemas.microsoft.com/office/drawing/2014/main" id="{EF07AF62-A0D6-C84A-A2F8-697E31157070}"/>
+              </a:ext>
+            </a:extLst>
+          </p:cNvPr>
+          <p:cNvSpPr txBox="1">
+            <a:spLocks/>
+          </p:cNvSpPr>
+          <p:nvPr/>
+        </p:nvSpPr>
+        <p:spPr>
+          <a:xfrm>
+            <a:off x="975360" y="4548901"/>
+            <a:ext cx="9616440" cy="852100"/>
+          </a:xfrm>
+          <a:prstGeom prst="rect">
+            <a:avLst/>
+          </a:prstGeom>
+        </p:spPr>
+        <p:txBody>
+          <a:bodyPr vert="horz" lIns="91440" tIns="45720" rIns="91440" bIns="45720" rtlCol="0">
+            <a:normAutofit/>
+          </a:bodyPr>
+          <a:lstStyle>
+            <a:lvl1pPr marL="228600" indent="-228600" algn="l" defTabSz="914400" rtl="0" eaLnBrk="1" latinLnBrk="0" hangingPunct="1">
+              <a:lnSpc>
+                <a:spcPct val="90000"/>
+              </a:lnSpc>
+              <a:spcBef>
+                <a:spcPts val="1000"/>
+              </a:spcBef>
+              <a:buFont typeface="Arial" panose="020B0604020202020204" pitchFamily="34" charset="0"/>
+              <a:buChar char="•"/>
+              <a:defRPr sz="2800" kern="1200">
+                <a:solidFill>
+                  <a:schemeClr val="tx1"/>
+                </a:solidFill>
+                <a:latin typeface="+mn-lt"/>
+                <a:ea typeface="+mn-ea"/>
+                <a:cs typeface="+mn-cs"/>
+              </a:defRPr>
+            </a:lvl1pPr>
+            <a:lvl2pPr marL="685800" indent="-228600" algn="l" defTabSz="914400" rtl="0" eaLnBrk="1" latinLnBrk="0" hangingPunct="1">
+              <a:lnSpc>
+                <a:spcPct val="90000"/>
+              </a:lnSpc>
+              <a:spcBef>
+                <a:spcPts val="500"/>
+              </a:spcBef>
+              <a:buFont typeface="Arial" panose="020B0604020202020204" pitchFamily="34" charset="0"/>
+              <a:buChar char="•"/>
+              <a:defRPr sz="2400" kern="1200">
+                <a:solidFill>
+                  <a:schemeClr val="tx1"/>
+                </a:solidFill>
+                <a:latin typeface="+mn-lt"/>
+                <a:ea typeface="+mn-ea"/>
+                <a:cs typeface="+mn-cs"/>
+              </a:defRPr>
+            </a:lvl2pPr>
+            <a:lvl3pPr marL="1143000" indent="-228600" algn="l" defTabSz="914400" rtl="0" eaLnBrk="1" latinLnBrk="0" hangingPunct="1">
+              <a:lnSpc>
+                <a:spcPct val="90000"/>
+              </a:lnSpc>
+              <a:spcBef>
+                <a:spcPts val="500"/>
+              </a:spcBef>
+              <a:buFont typeface="Arial" panose="020B0604020202020204" pitchFamily="34" charset="0"/>
+              <a:buChar char="•"/>
+              <a:defRPr sz="2000" kern="1200">
+                <a:solidFill>
+                  <a:schemeClr val="tx1"/>
+                </a:solidFill>
+                <a:latin typeface="+mn-lt"/>
+                <a:ea typeface="+mn-ea"/>
+                <a:cs typeface="+mn-cs"/>
+              </a:defRPr>
+            </a:lvl3pPr>
+            <a:lvl4pPr marL="1600200" indent="-228600" algn="l" defTabSz="914400" rtl="0" eaLnBrk="1" latinLnBrk="0" hangingPunct="1">
+              <a:lnSpc>
+                <a:spcPct val="90000"/>
+              </a:lnSpc>
+              <a:spcBef>
+                <a:spcPts val="500"/>
+              </a:spcBef>
+              <a:buFont typeface="Arial" panose="020B0604020202020204" pitchFamily="34" charset="0"/>
+              <a:buChar char="•"/>
+              <a:defRPr sz="1800" kern="1200">
+                <a:solidFill>
+                  <a:schemeClr val="tx1"/>
+                </a:solidFill>
+                <a:latin typeface="+mn-lt"/>
+                <a:ea typeface="+mn-ea"/>
+                <a:cs typeface="+mn-cs"/>
+              </a:defRPr>
+            </a:lvl4pPr>
+            <a:lvl5pPr marL="2057400" indent="-228600" algn="l" defTabSz="914400" rtl="0" eaLnBrk="1" latinLnBrk="0" hangingPunct="1">
+              <a:lnSpc>
+                <a:spcPct val="90000"/>
+              </a:lnSpc>
+              <a:spcBef>
+                <a:spcPts val="500"/>
+              </a:spcBef>
+              <a:buFont typeface="Arial" panose="020B0604020202020204" pitchFamily="34" charset="0"/>
+              <a:buChar char="•"/>
+              <a:defRPr sz="1800" kern="1200">
+                <a:solidFill>
+                  <a:schemeClr val="tx1"/>
+                </a:solidFill>
+                <a:latin typeface="+mn-lt"/>
+                <a:ea typeface="+mn-ea"/>
+                <a:cs typeface="+mn-cs"/>
+              </a:defRPr>
+            </a:lvl5pPr>
+            <a:lvl6pPr marL="2514600" indent="-228600" algn="l" defTabSz="914400" rtl="0" eaLnBrk="1" latinLnBrk="0" hangingPunct="1">
+              <a:lnSpc>
+                <a:spcPct val="90000"/>
+              </a:lnSpc>
+              <a:spcBef>
+                <a:spcPts val="500"/>
+              </a:spcBef>
+              <a:buFont typeface="Arial" panose="020B0604020202020204" pitchFamily="34" charset="0"/>
+              <a:buChar char="•"/>
+              <a:defRPr sz="1800" kern="1200">
+                <a:solidFill>
+                  <a:schemeClr val="tx1"/>
+                </a:solidFill>
+                <a:latin typeface="+mn-lt"/>
+                <a:ea typeface="+mn-ea"/>
+                <a:cs typeface="+mn-cs"/>
+              </a:defRPr>
+            </a:lvl6pPr>
+            <a:lvl7pPr marL="2971800" indent="-228600" algn="l" defTabSz="914400" rtl="0" eaLnBrk="1" latinLnBrk="0" hangingPunct="1">
+              <a:lnSpc>
+                <a:spcPct val="90000"/>
+              </a:lnSpc>
+              <a:spcBef>
+                <a:spcPts val="500"/>
+              </a:spcBef>
+              <a:buFont typeface="Arial" panose="020B0604020202020204" pitchFamily="34" charset="0"/>
+              <a:buChar char="•"/>
+              <a:defRPr sz="1800" kern="1200">
+                <a:solidFill>
+                  <a:schemeClr val="tx1"/>
+                </a:solidFill>
+                <a:latin typeface="+mn-lt"/>
+                <a:ea typeface="+mn-ea"/>
+                <a:cs typeface="+mn-cs"/>
+              </a:defRPr>
+            </a:lvl7pPr>
+            <a:lvl8pPr marL="3429000" indent="-228600" algn="l" defTabSz="914400" rtl="0" eaLnBrk="1" latinLnBrk="0" hangingPunct="1">
+              <a:lnSpc>
+                <a:spcPct val="90000"/>
+              </a:lnSpc>
+              <a:spcBef>
+                <a:spcPts val="500"/>
+              </a:spcBef>
+              <a:buFont typeface="Arial" panose="020B0604020202020204" pitchFamily="34" charset="0"/>
+              <a:buChar char="•"/>
+              <a:defRPr sz="1800" kern="1200">
+                <a:solidFill>
+                  <a:schemeClr val="tx1"/>
+                </a:solidFill>
+                <a:latin typeface="+mn-lt"/>
+                <a:ea typeface="+mn-ea"/>
+                <a:cs typeface="+mn-cs"/>
+              </a:defRPr>
+            </a:lvl8pPr>
+            <a:lvl9pPr marL="3886200" indent="-228600" algn="l" defTabSz="914400" rtl="0" eaLnBrk="1" latinLnBrk="0" hangingPunct="1">
+              <a:lnSpc>
+                <a:spcPct val="90000"/>
+              </a:lnSpc>
+              <a:spcBef>
+                <a:spcPts val="500"/>
+              </a:spcBef>
+              <a:buFont typeface="Arial" panose="020B0604020202020204" pitchFamily="34" charset="0"/>
+              <a:buChar char="•"/>
+              <a:defRPr sz="1800" kern="1200">
+                <a:solidFill>
+                  <a:schemeClr val="tx1"/>
+                </a:solidFill>
+                <a:latin typeface="+mn-lt"/>
+                <a:ea typeface="+mn-ea"/>
+                <a:cs typeface="+mn-cs"/>
+              </a:defRPr>
+            </a:lvl9pPr>
+          </a:lstStyle>
+          <a:p>
+            <a:pPr marL="0" indent="0">
+              <a:buFont typeface="Arial" panose="020B0604020202020204" pitchFamily="34" charset="0"/>
+              <a:buNone/>
+            </a:pPr>
+            <a:r>
+              <a:rPr lang="en-US" sz="2400" dirty="0"/>
+              <a:t>Text-to-Image Generation: Supervised or Unsupervised?</a:t>
+            </a:r>
+          </a:p>
+        </p:txBody>
+      </p:sp>
+    </p:spTree>
+    <p:extLst>
+      <p:ext uri="{BB962C8B-B14F-4D97-AF65-F5344CB8AC3E}">
+        <p14:creationId xmlns:p14="http://schemas.microsoft.com/office/powerpoint/2010/main" val="2487663333"/>
+      </p:ext>
+    </p:extLst>
+  </p:cSld>
+  <p:clrMapOvr>
+    <a:masterClrMapping/>
+  </p:clrMapOvr>
+</p:sld>
+</file>
+
+<file path=ppt/slides/slide18.xml><?xml version="1.0" encoding="utf-8"?>
 <p:sld xmlns:a="http://schemas.openxmlformats.org/drawingml/2006/main" xmlns:r="http://schemas.openxmlformats.org/officeDocument/2006/relationships" xmlns:p="http://schemas.openxmlformats.org/presentationml/2006/main">
   <p:cSld>
     <p:spTree>
@@ -5684,7 +7453,7 @@
 </p:sld>
 </file>
 
-<file path=ppt/slides/slide14.xml><?xml version="1.0" encoding="utf-8"?>
+<file path=ppt/slides/slide19.xml><?xml version="1.0" encoding="utf-8"?>
 <p:sld xmlns:a="http://schemas.openxmlformats.org/drawingml/2006/main" xmlns:r="http://schemas.openxmlformats.org/officeDocument/2006/relationships" xmlns:p="http://schemas.openxmlformats.org/presentationml/2006/main">
   <p:cSld>
     <p:spTree>
@@ -5701,40 +7470,9 @@
           <a:chExt cx="0" cy="0"/>
         </a:xfrm>
       </p:grpSpPr>
-      <p:sp>
-        <p:nvSpPr>
-          <p:cNvPr id="2" name="Title 1"/>
-          <p:cNvSpPr>
-            <a:spLocks noGrp="1"/>
-          </p:cNvSpPr>
-          <p:nvPr>
-            <p:ph type="title"/>
-          </p:nvPr>
-        </p:nvSpPr>
-        <p:spPr>
-          <a:xfrm>
-            <a:off x="838200" y="-35707"/>
-            <a:ext cx="10515600" cy="1325563"/>
-          </a:xfrm>
-        </p:spPr>
-        <p:txBody>
-          <a:bodyPr/>
-          <a:lstStyle/>
-          <a:p>
-            <a:r>
-              <a:rPr lang="en-US" dirty="0">
-                <a:solidFill>
-                  <a:srgbClr val="0070C0"/>
-                </a:solidFill>
-              </a:rPr>
-              <a:t>Tools</a:t>
-            </a:r>
-          </a:p>
-        </p:txBody>
-      </p:sp>
       <p:pic>
         <p:nvPicPr>
-          <p:cNvPr id="14" name="Picture 4" descr="File:UMKC logo.png - Wikipedia"/>
+          <p:cNvPr id="1026" name="Picture 2" descr="Python (programming language) - Wikipedia"/>
           <p:cNvPicPr>
             <a:picLocks noChangeAspect="1" noChangeArrowheads="1"/>
           </p:cNvPicPr>
@@ -5755,8 +7493,8 @@
         </p:blipFill>
         <p:spPr bwMode="auto">
           <a:xfrm>
-            <a:off x="10741981" y="5731992"/>
-            <a:ext cx="1293518" cy="571124"/>
+            <a:off x="9837704" y="2278172"/>
+            <a:ext cx="1409240" cy="1544292"/>
           </a:xfrm>
           <a:prstGeom prst="rect">
             <a:avLst/>
@@ -5775,7 +7513,7 @@
       </p:pic>
       <p:pic>
         <p:nvPicPr>
-          <p:cNvPr id="1026" name="Picture 2" descr="Python (programming language) - Wikipedia"/>
+          <p:cNvPr id="1028" name="Picture 4" descr="The Ultimate Guide to the NumPy Package for Scientific Computing in Python"/>
           <p:cNvPicPr>
             <a:picLocks noChangeAspect="1" noChangeArrowheads="1"/>
           </p:cNvPicPr>
@@ -5796,8 +7534,8 @@
         </p:blipFill>
         <p:spPr bwMode="auto">
           <a:xfrm>
-            <a:off x="1129945" y="1363543"/>
-            <a:ext cx="1409240" cy="1544292"/>
+            <a:off x="838200" y="2082336"/>
+            <a:ext cx="3031934" cy="1200140"/>
           </a:xfrm>
           <a:prstGeom prst="rect">
             <a:avLst/>
@@ -5816,7 +7554,7 @@
       </p:pic>
       <p:pic>
         <p:nvPicPr>
-          <p:cNvPr id="1028" name="Picture 4" descr="The Ultimate Guide to the NumPy Package for Scientific Computing in Python"/>
+          <p:cNvPr id="1030" name="Picture 6" descr="pandas (software) - Wikipedia"/>
           <p:cNvPicPr>
             <a:picLocks noChangeAspect="1" noChangeArrowheads="1"/>
           </p:cNvPicPr>
@@ -5837,48 +7575,7 @@
         </p:blipFill>
         <p:spPr bwMode="auto">
           <a:xfrm>
-            <a:off x="3760122" y="1450811"/>
-            <a:ext cx="3031934" cy="1200140"/>
-          </a:xfrm>
-          <a:prstGeom prst="rect">
-            <a:avLst/>
-          </a:prstGeom>
-          <a:noFill/>
-          <a:extLst>
-            <a:ext uri="{909E8E84-426E-40DD-AFC4-6F175D3DCCD1}">
-              <a14:hiddenFill xmlns:a14="http://schemas.microsoft.com/office/drawing/2010/main">
-                <a:solidFill>
-                  <a:srgbClr val="FFFFFF"/>
-                </a:solidFill>
-              </a14:hiddenFill>
-            </a:ext>
-          </a:extLst>
-        </p:spPr>
-      </p:pic>
-      <p:pic>
-        <p:nvPicPr>
-          <p:cNvPr id="1030" name="Picture 6" descr="pandas (software) - Wikipedia"/>
-          <p:cNvPicPr>
-            <a:picLocks noChangeAspect="1" noChangeArrowheads="1"/>
-          </p:cNvPicPr>
-          <p:nvPr/>
-        </p:nvPicPr>
-        <p:blipFill>
-          <a:blip r:embed="rId5" cstate="print">
-            <a:extLst>
-              <a:ext uri="{28A0092B-C50C-407E-A947-70E740481C1C}">
-                <a14:useLocalDpi xmlns:a14="http://schemas.microsoft.com/office/drawing/2010/main" val="0"/>
-              </a:ext>
-            </a:extLst>
-          </a:blip>
-          <a:srcRect/>
-          <a:stretch>
-            <a:fillRect/>
-          </a:stretch>
-        </p:blipFill>
-        <p:spPr bwMode="auto">
-          <a:xfrm>
-            <a:off x="1243938" y="3588147"/>
+            <a:off x="838200" y="4380627"/>
             <a:ext cx="3395041" cy="1372162"/>
           </a:xfrm>
           <a:prstGeom prst="rect">
@@ -5905,7 +7602,7 @@
           <p:nvPr/>
         </p:nvPicPr>
         <p:blipFill>
-          <a:blip r:embed="rId6">
+          <a:blip r:embed="rId5">
             <a:extLst>
               <a:ext uri="{28A0092B-C50C-407E-A947-70E740481C1C}">
                 <a14:useLocalDpi xmlns:a14="http://schemas.microsoft.com/office/drawing/2010/main" val="0"/>
@@ -5919,7 +7616,7 @@
         </p:blipFill>
         <p:spPr bwMode="auto">
           <a:xfrm>
-            <a:off x="5153461" y="3705509"/>
+            <a:off x="4595323" y="2310171"/>
             <a:ext cx="4861523" cy="972305"/>
           </a:xfrm>
           <a:prstGeom prst="rect">
@@ -5940,6 +7637,47 @@
       <p:pic>
         <p:nvPicPr>
           <p:cNvPr id="1038" name="Picture 14" descr="How to Use Mapillary Data in Jupyter Notebooks - The Mapillary Blog"/>
+          <p:cNvPicPr>
+            <a:picLocks noChangeAspect="1" noChangeArrowheads="1"/>
+          </p:cNvPicPr>
+          <p:nvPr/>
+        </p:nvPicPr>
+        <p:blipFill>
+          <a:blip r:embed="rId6" cstate="print">
+            <a:extLst>
+              <a:ext uri="{28A0092B-C50C-407E-A947-70E740481C1C}">
+                <a14:useLocalDpi xmlns:a14="http://schemas.microsoft.com/office/drawing/2010/main" val="0"/>
+              </a:ext>
+            </a:extLst>
+          </a:blip>
+          <a:srcRect/>
+          <a:stretch>
+            <a:fillRect/>
+          </a:stretch>
+        </p:blipFill>
+        <p:spPr bwMode="auto">
+          <a:xfrm>
+            <a:off x="7736337" y="4423523"/>
+            <a:ext cx="3716827" cy="1002741"/>
+          </a:xfrm>
+          <a:prstGeom prst="rect">
+            <a:avLst/>
+          </a:prstGeom>
+          <a:noFill/>
+          <a:extLst>
+            <a:ext uri="{909E8E84-426E-40DD-AFC4-6F175D3DCCD1}">
+              <a14:hiddenFill xmlns:a14="http://schemas.microsoft.com/office/drawing/2010/main">
+                <a:solidFill>
+                  <a:srgbClr val="FFFFFF"/>
+                </a:solidFill>
+              </a14:hiddenFill>
+            </a:ext>
+          </a:extLst>
+        </p:spPr>
+      </p:pic>
+      <p:pic>
+        <p:nvPicPr>
+          <p:cNvPr id="1040" name="Picture 16" descr="File:Scikit learn logo small.svg - Wikimedia Commons"/>
           <p:cNvPicPr>
             <a:picLocks noChangeAspect="1" noChangeArrowheads="1"/>
           </p:cNvPicPr>
@@ -5960,48 +7698,7 @@
         </p:blipFill>
         <p:spPr bwMode="auto">
           <a:xfrm>
-            <a:off x="1427967" y="5486401"/>
-            <a:ext cx="3716827" cy="1002741"/>
-          </a:xfrm>
-          <a:prstGeom prst="rect">
-            <a:avLst/>
-          </a:prstGeom>
-          <a:noFill/>
-          <a:extLst>
-            <a:ext uri="{909E8E84-426E-40DD-AFC4-6F175D3DCCD1}">
-              <a14:hiddenFill xmlns:a14="http://schemas.microsoft.com/office/drawing/2010/main">
-                <a:solidFill>
-                  <a:srgbClr val="FFFFFF"/>
-                </a:solidFill>
-              </a14:hiddenFill>
-            </a:ext>
-          </a:extLst>
-        </p:spPr>
-      </p:pic>
-      <p:pic>
-        <p:nvPicPr>
-          <p:cNvPr id="1040" name="Picture 16" descr="File:Scikit learn logo small.svg - Wikimedia Commons"/>
-          <p:cNvPicPr>
-            <a:picLocks noChangeAspect="1" noChangeArrowheads="1"/>
-          </p:cNvPicPr>
-          <p:nvPr/>
-        </p:nvPicPr>
-        <p:blipFill>
-          <a:blip r:embed="rId8" cstate="print">
-            <a:extLst>
-              <a:ext uri="{28A0092B-C50C-407E-A947-70E740481C1C}">
-                <a14:useLocalDpi xmlns:a14="http://schemas.microsoft.com/office/drawing/2010/main" val="0"/>
-              </a:ext>
-            </a:extLst>
-          </a:blip>
-          <a:srcRect/>
-          <a:stretch>
-            <a:fillRect/>
-          </a:stretch>
-        </p:blipFill>
-        <p:spPr bwMode="auto">
-          <a:xfrm>
-            <a:off x="7639469" y="1210016"/>
+            <a:off x="4595323" y="4018300"/>
             <a:ext cx="2664944" cy="1434490"/>
           </a:xfrm>
           <a:prstGeom prst="rect">
@@ -6019,6 +7716,60 @@
           </a:extLst>
         </p:spPr>
       </p:pic>
+      <p:sp>
+        <p:nvSpPr>
+          <p:cNvPr id="12" name="Title 1">
+            <a:extLst>
+              <a:ext uri="{FF2B5EF4-FFF2-40B4-BE49-F238E27FC236}">
+                <a16:creationId xmlns:a16="http://schemas.microsoft.com/office/drawing/2014/main" id="{60BF935A-CCAC-124B-810D-8F2B4E96E7E3}"/>
+              </a:ext>
+            </a:extLst>
+          </p:cNvPr>
+          <p:cNvSpPr txBox="1">
+            <a:spLocks/>
+          </p:cNvSpPr>
+          <p:nvPr/>
+        </p:nvSpPr>
+        <p:spPr>
+          <a:xfrm>
+            <a:off x="838200" y="365126"/>
+            <a:ext cx="10515600" cy="981894"/>
+          </a:xfrm>
+          <a:prstGeom prst="rect">
+            <a:avLst/>
+          </a:prstGeom>
+        </p:spPr>
+        <p:txBody>
+          <a:bodyPr vert="horz" lIns="91440" tIns="45720" rIns="91440" bIns="45720" rtlCol="0" anchor="ctr">
+            <a:normAutofit/>
+          </a:bodyPr>
+          <a:lstStyle>
+            <a:lvl1pPr algn="l" defTabSz="914400" rtl="0" eaLnBrk="1" latinLnBrk="0" hangingPunct="1">
+              <a:lnSpc>
+                <a:spcPct val="90000"/>
+              </a:lnSpc>
+              <a:spcBef>
+                <a:spcPct val="0"/>
+              </a:spcBef>
+              <a:buNone/>
+              <a:defRPr sz="4400" kern="1200">
+                <a:solidFill>
+                  <a:schemeClr val="tx1"/>
+                </a:solidFill>
+                <a:latin typeface="+mj-lt"/>
+                <a:ea typeface="+mj-ea"/>
+                <a:cs typeface="+mj-cs"/>
+              </a:defRPr>
+            </a:lvl1pPr>
+          </a:lstStyle>
+          <a:p>
+            <a:r>
+              <a:rPr lang="en-US" dirty="0"/>
+              <a:t>Implementation Tools</a:t>
+            </a:r>
+          </a:p>
+        </p:txBody>
+      </p:sp>
     </p:spTree>
     <p:extLst>
       <p:ext uri="{BB962C8B-B14F-4D97-AF65-F5344CB8AC3E}">
@@ -6032,7 +7783,376 @@
 </p:sld>
 </file>
 
-<file path=ppt/slides/slide15.xml><?xml version="1.0" encoding="utf-8"?>
+<file path=ppt/slides/slide2.xml><?xml version="1.0" encoding="utf-8"?>
+<p:sld xmlns:a="http://schemas.openxmlformats.org/drawingml/2006/main" xmlns:r="http://schemas.openxmlformats.org/officeDocument/2006/relationships" xmlns:p="http://schemas.openxmlformats.org/presentationml/2006/main">
+  <p:cSld>
+    <p:spTree>
+      <p:nvGrpSpPr>
+        <p:cNvPr id="1" name=""/>
+        <p:cNvGrpSpPr/>
+        <p:nvPr/>
+      </p:nvGrpSpPr>
+      <p:grpSpPr>
+        <a:xfrm>
+          <a:off x="0" y="0"/>
+          <a:ext cx="0" cy="0"/>
+          <a:chOff x="0" y="0"/>
+          <a:chExt cx="0" cy="0"/>
+        </a:xfrm>
+      </p:grpSpPr>
+      <p:sp>
+        <p:nvSpPr>
+          <p:cNvPr id="2" name="Title 1">
+            <a:extLst>
+              <a:ext uri="{FF2B5EF4-FFF2-40B4-BE49-F238E27FC236}">
+                <a16:creationId xmlns:a16="http://schemas.microsoft.com/office/drawing/2014/main" id="{87BF30BF-7806-D247-A2AF-B1239989AB83}"/>
+              </a:ext>
+            </a:extLst>
+          </p:cNvPr>
+          <p:cNvSpPr>
+            <a:spLocks noGrp="1"/>
+          </p:cNvSpPr>
+          <p:nvPr>
+            <p:ph type="title"/>
+          </p:nvPr>
+        </p:nvSpPr>
+        <p:spPr/>
+        <p:txBody>
+          <a:bodyPr/>
+          <a:lstStyle/>
+          <a:p>
+            <a:r>
+              <a:rPr lang="en-US" dirty="0"/>
+              <a:t>Course Website</a:t>
+            </a:r>
+          </a:p>
+        </p:txBody>
+      </p:sp>
+      <p:sp>
+        <p:nvSpPr>
+          <p:cNvPr id="7" name="TextBox 6">
+            <a:extLst>
+              <a:ext uri="{FF2B5EF4-FFF2-40B4-BE49-F238E27FC236}">
+                <a16:creationId xmlns:a16="http://schemas.microsoft.com/office/drawing/2014/main" id="{BC953F59-DB65-0241-829C-F5150AEE3958}"/>
+              </a:ext>
+            </a:extLst>
+          </p:cNvPr>
+          <p:cNvSpPr txBox="1"/>
+          <p:nvPr/>
+        </p:nvSpPr>
+        <p:spPr>
+          <a:xfrm>
+            <a:off x="838200" y="1825675"/>
+            <a:ext cx="9159240" cy="461665"/>
+          </a:xfrm>
+          <a:prstGeom prst="rect">
+            <a:avLst/>
+          </a:prstGeom>
+          <a:noFill/>
+        </p:spPr>
+        <p:txBody>
+          <a:bodyPr wrap="square">
+            <a:spAutoFit/>
+          </a:bodyPr>
+          <a:lstStyle/>
+          <a:p>
+            <a:r>
+              <a:rPr lang="en-US" sz="2400" dirty="0"/>
+              <a:t>https://tianzheng4.github.io/</a:t>
+            </a:r>
+            <a:r>
+              <a:rPr lang="en-US" sz="2400" dirty="0" err="1"/>
+              <a:t>umkc</a:t>
+            </a:r>
+            <a:r>
+              <a:rPr lang="en-US" sz="2400" dirty="0"/>
+              <a:t>-teaching/2023-fall-teaching-1/</a:t>
+            </a:r>
+          </a:p>
+        </p:txBody>
+      </p:sp>
+      <p:sp>
+        <p:nvSpPr>
+          <p:cNvPr id="8" name="Content Placeholder 2">
+            <a:extLst>
+              <a:ext uri="{FF2B5EF4-FFF2-40B4-BE49-F238E27FC236}">
+                <a16:creationId xmlns:a16="http://schemas.microsoft.com/office/drawing/2014/main" id="{A699D753-1647-664C-A454-6CD0016A3B91}"/>
+              </a:ext>
+            </a:extLst>
+          </p:cNvPr>
+          <p:cNvSpPr>
+            <a:spLocks noGrp="1"/>
+          </p:cNvSpPr>
+          <p:nvPr>
+            <p:ph idx="1"/>
+          </p:nvPr>
+        </p:nvSpPr>
+        <p:spPr>
+          <a:xfrm>
+            <a:off x="838200" y="2919949"/>
+            <a:ext cx="9616440" cy="2078771"/>
+          </a:xfrm>
+        </p:spPr>
+        <p:txBody>
+          <a:bodyPr>
+            <a:normAutofit/>
+          </a:bodyPr>
+          <a:lstStyle/>
+          <a:p>
+            <a:pPr marL="0" indent="0">
+              <a:buNone/>
+            </a:pPr>
+            <a:r>
+              <a:rPr lang="en-US" sz="2400" dirty="0"/>
+              <a:t>What are on the course website:</a:t>
+            </a:r>
+          </a:p>
+          <a:p>
+            <a:pPr marL="0" indent="0">
+              <a:buNone/>
+            </a:pPr>
+            <a:r>
+              <a:rPr lang="en-US" sz="2400" dirty="0"/>
+              <a:t>	Lecture slides</a:t>
+            </a:r>
+          </a:p>
+          <a:p>
+            <a:pPr marL="0" indent="0">
+              <a:buNone/>
+            </a:pPr>
+            <a:r>
+              <a:rPr lang="en-US" sz="2400" dirty="0"/>
+              <a:t>	Lab material</a:t>
+            </a:r>
+          </a:p>
+          <a:p>
+            <a:pPr marL="0" indent="0">
+              <a:buNone/>
+            </a:pPr>
+            <a:r>
+              <a:rPr lang="en-US" sz="2400" dirty="0"/>
+              <a:t>	Contact Information</a:t>
+            </a:r>
+          </a:p>
+        </p:txBody>
+      </p:sp>
+      <p:sp>
+        <p:nvSpPr>
+          <p:cNvPr id="9" name="Content Placeholder 2">
+            <a:extLst>
+              <a:ext uri="{FF2B5EF4-FFF2-40B4-BE49-F238E27FC236}">
+                <a16:creationId xmlns:a16="http://schemas.microsoft.com/office/drawing/2014/main" id="{8E7D57D7-F9C0-5840-941E-E7D4557F09BF}"/>
+              </a:ext>
+            </a:extLst>
+          </p:cNvPr>
+          <p:cNvSpPr txBox="1">
+            <a:spLocks/>
+          </p:cNvSpPr>
+          <p:nvPr/>
+        </p:nvSpPr>
+        <p:spPr>
+          <a:xfrm>
+            <a:off x="838200" y="5375881"/>
+            <a:ext cx="9616440" cy="852100"/>
+          </a:xfrm>
+          <a:prstGeom prst="rect">
+            <a:avLst/>
+          </a:prstGeom>
+        </p:spPr>
+        <p:txBody>
+          <a:bodyPr vert="horz" lIns="91440" tIns="45720" rIns="91440" bIns="45720" rtlCol="0">
+            <a:normAutofit/>
+          </a:bodyPr>
+          <a:lstStyle>
+            <a:lvl1pPr marL="228600" indent="-228600" algn="l" defTabSz="914400" rtl="0" eaLnBrk="1" latinLnBrk="0" hangingPunct="1">
+              <a:lnSpc>
+                <a:spcPct val="90000"/>
+              </a:lnSpc>
+              <a:spcBef>
+                <a:spcPts val="1000"/>
+              </a:spcBef>
+              <a:buFont typeface="Arial" panose="020B0604020202020204" pitchFamily="34" charset="0"/>
+              <a:buChar char="•"/>
+              <a:defRPr sz="2800" kern="1200">
+                <a:solidFill>
+                  <a:schemeClr val="tx1"/>
+                </a:solidFill>
+                <a:latin typeface="+mn-lt"/>
+                <a:ea typeface="+mn-ea"/>
+                <a:cs typeface="+mn-cs"/>
+              </a:defRPr>
+            </a:lvl1pPr>
+            <a:lvl2pPr marL="685800" indent="-228600" algn="l" defTabSz="914400" rtl="0" eaLnBrk="1" latinLnBrk="0" hangingPunct="1">
+              <a:lnSpc>
+                <a:spcPct val="90000"/>
+              </a:lnSpc>
+              <a:spcBef>
+                <a:spcPts val="500"/>
+              </a:spcBef>
+              <a:buFont typeface="Arial" panose="020B0604020202020204" pitchFamily="34" charset="0"/>
+              <a:buChar char="•"/>
+              <a:defRPr sz="2400" kern="1200">
+                <a:solidFill>
+                  <a:schemeClr val="tx1"/>
+                </a:solidFill>
+                <a:latin typeface="+mn-lt"/>
+                <a:ea typeface="+mn-ea"/>
+                <a:cs typeface="+mn-cs"/>
+              </a:defRPr>
+            </a:lvl2pPr>
+            <a:lvl3pPr marL="1143000" indent="-228600" algn="l" defTabSz="914400" rtl="0" eaLnBrk="1" latinLnBrk="0" hangingPunct="1">
+              <a:lnSpc>
+                <a:spcPct val="90000"/>
+              </a:lnSpc>
+              <a:spcBef>
+                <a:spcPts val="500"/>
+              </a:spcBef>
+              <a:buFont typeface="Arial" panose="020B0604020202020204" pitchFamily="34" charset="0"/>
+              <a:buChar char="•"/>
+              <a:defRPr sz="2000" kern="1200">
+                <a:solidFill>
+                  <a:schemeClr val="tx1"/>
+                </a:solidFill>
+                <a:latin typeface="+mn-lt"/>
+                <a:ea typeface="+mn-ea"/>
+                <a:cs typeface="+mn-cs"/>
+              </a:defRPr>
+            </a:lvl3pPr>
+            <a:lvl4pPr marL="1600200" indent="-228600" algn="l" defTabSz="914400" rtl="0" eaLnBrk="1" latinLnBrk="0" hangingPunct="1">
+              <a:lnSpc>
+                <a:spcPct val="90000"/>
+              </a:lnSpc>
+              <a:spcBef>
+                <a:spcPts val="500"/>
+              </a:spcBef>
+              <a:buFont typeface="Arial" panose="020B0604020202020204" pitchFamily="34" charset="0"/>
+              <a:buChar char="•"/>
+              <a:defRPr sz="1800" kern="1200">
+                <a:solidFill>
+                  <a:schemeClr val="tx1"/>
+                </a:solidFill>
+                <a:latin typeface="+mn-lt"/>
+                <a:ea typeface="+mn-ea"/>
+                <a:cs typeface="+mn-cs"/>
+              </a:defRPr>
+            </a:lvl4pPr>
+            <a:lvl5pPr marL="2057400" indent="-228600" algn="l" defTabSz="914400" rtl="0" eaLnBrk="1" latinLnBrk="0" hangingPunct="1">
+              <a:lnSpc>
+                <a:spcPct val="90000"/>
+              </a:lnSpc>
+              <a:spcBef>
+                <a:spcPts val="500"/>
+              </a:spcBef>
+              <a:buFont typeface="Arial" panose="020B0604020202020204" pitchFamily="34" charset="0"/>
+              <a:buChar char="•"/>
+              <a:defRPr sz="1800" kern="1200">
+                <a:solidFill>
+                  <a:schemeClr val="tx1"/>
+                </a:solidFill>
+                <a:latin typeface="+mn-lt"/>
+                <a:ea typeface="+mn-ea"/>
+                <a:cs typeface="+mn-cs"/>
+              </a:defRPr>
+            </a:lvl5pPr>
+            <a:lvl6pPr marL="2514600" indent="-228600" algn="l" defTabSz="914400" rtl="0" eaLnBrk="1" latinLnBrk="0" hangingPunct="1">
+              <a:lnSpc>
+                <a:spcPct val="90000"/>
+              </a:lnSpc>
+              <a:spcBef>
+                <a:spcPts val="500"/>
+              </a:spcBef>
+              <a:buFont typeface="Arial" panose="020B0604020202020204" pitchFamily="34" charset="0"/>
+              <a:buChar char="•"/>
+              <a:defRPr sz="1800" kern="1200">
+                <a:solidFill>
+                  <a:schemeClr val="tx1"/>
+                </a:solidFill>
+                <a:latin typeface="+mn-lt"/>
+                <a:ea typeface="+mn-ea"/>
+                <a:cs typeface="+mn-cs"/>
+              </a:defRPr>
+            </a:lvl6pPr>
+            <a:lvl7pPr marL="2971800" indent="-228600" algn="l" defTabSz="914400" rtl="0" eaLnBrk="1" latinLnBrk="0" hangingPunct="1">
+              <a:lnSpc>
+                <a:spcPct val="90000"/>
+              </a:lnSpc>
+              <a:spcBef>
+                <a:spcPts val="500"/>
+              </a:spcBef>
+              <a:buFont typeface="Arial" panose="020B0604020202020204" pitchFamily="34" charset="0"/>
+              <a:buChar char="•"/>
+              <a:defRPr sz="1800" kern="1200">
+                <a:solidFill>
+                  <a:schemeClr val="tx1"/>
+                </a:solidFill>
+                <a:latin typeface="+mn-lt"/>
+                <a:ea typeface="+mn-ea"/>
+                <a:cs typeface="+mn-cs"/>
+              </a:defRPr>
+            </a:lvl7pPr>
+            <a:lvl8pPr marL="3429000" indent="-228600" algn="l" defTabSz="914400" rtl="0" eaLnBrk="1" latinLnBrk="0" hangingPunct="1">
+              <a:lnSpc>
+                <a:spcPct val="90000"/>
+              </a:lnSpc>
+              <a:spcBef>
+                <a:spcPts val="500"/>
+              </a:spcBef>
+              <a:buFont typeface="Arial" panose="020B0604020202020204" pitchFamily="34" charset="0"/>
+              <a:buChar char="•"/>
+              <a:defRPr sz="1800" kern="1200">
+                <a:solidFill>
+                  <a:schemeClr val="tx1"/>
+                </a:solidFill>
+                <a:latin typeface="+mn-lt"/>
+                <a:ea typeface="+mn-ea"/>
+                <a:cs typeface="+mn-cs"/>
+              </a:defRPr>
+            </a:lvl8pPr>
+            <a:lvl9pPr marL="3886200" indent="-228600" algn="l" defTabSz="914400" rtl="0" eaLnBrk="1" latinLnBrk="0" hangingPunct="1">
+              <a:lnSpc>
+                <a:spcPct val="90000"/>
+              </a:lnSpc>
+              <a:spcBef>
+                <a:spcPts val="500"/>
+              </a:spcBef>
+              <a:buFont typeface="Arial" panose="020B0604020202020204" pitchFamily="34" charset="0"/>
+              <a:buChar char="•"/>
+              <a:defRPr sz="1800" kern="1200">
+                <a:solidFill>
+                  <a:schemeClr val="tx1"/>
+                </a:solidFill>
+                <a:latin typeface="+mn-lt"/>
+                <a:ea typeface="+mn-ea"/>
+                <a:cs typeface="+mn-cs"/>
+              </a:defRPr>
+            </a:lvl9pPr>
+          </a:lstStyle>
+          <a:p>
+            <a:pPr marL="0" indent="0">
+              <a:buFont typeface="Arial" panose="020B0604020202020204" pitchFamily="34" charset="0"/>
+              <a:buNone/>
+            </a:pPr>
+            <a:r>
+              <a:rPr lang="en-US" sz="2400" dirty="0"/>
+              <a:t>If you are interested in my research, feel free to contact me.</a:t>
+            </a:r>
+          </a:p>
+        </p:txBody>
+      </p:sp>
+    </p:spTree>
+    <p:extLst>
+      <p:ext uri="{BB962C8B-B14F-4D97-AF65-F5344CB8AC3E}">
+        <p14:creationId xmlns:p14="http://schemas.microsoft.com/office/powerpoint/2010/main" val="1524471069"/>
+      </p:ext>
+    </p:extLst>
+  </p:cSld>
+  <p:clrMapOvr>
+    <a:masterClrMapping/>
+  </p:clrMapOvr>
+</p:sld>
+</file>
+
+<file path=ppt/slides/slide20.xml><?xml version="1.0" encoding="utf-8"?>
 <p:sld xmlns:a="http://schemas.openxmlformats.org/drawingml/2006/main" xmlns:r="http://schemas.openxmlformats.org/officeDocument/2006/relationships" xmlns:p="http://schemas.openxmlformats.org/presentationml/2006/main">
   <p:cSld>
     <p:spTree>
@@ -6228,7 +8348,7 @@
 </p:sld>
 </file>
 
-<file path=ppt/slides/slide2.xml><?xml version="1.0" encoding="utf-8"?>
+<file path=ppt/slides/slide21.xml><?xml version="1.0" encoding="utf-8"?>
 <p:sld xmlns:a="http://schemas.openxmlformats.org/drawingml/2006/main" xmlns:r="http://schemas.openxmlformats.org/officeDocument/2006/relationships" xmlns:p="http://schemas.openxmlformats.org/presentationml/2006/main">
   <p:cSld>
     <p:spTree>
@@ -6587,7 +8707,7 @@
     </p:spTree>
     <p:extLst>
       <p:ext uri="{BB962C8B-B14F-4D97-AF65-F5344CB8AC3E}">
-        <p14:creationId xmlns:p14="http://schemas.microsoft.com/office/powerpoint/2010/main" val="1524471069"/>
+        <p14:creationId xmlns:p14="http://schemas.microsoft.com/office/powerpoint/2010/main" val="1613744569"/>
       </p:ext>
     </p:extLst>
   </p:cSld>
@@ -7294,6 +9414,105 @@
           <a:p>
             <a:r>
               <a:rPr lang="en-US" dirty="0"/>
+              <a:t>Generating New Samples (Generative Models)</a:t>
+            </a:r>
+          </a:p>
+        </p:txBody>
+      </p:sp>
+      <p:pic>
+        <p:nvPicPr>
+          <p:cNvPr id="9218" name="Picture 2" descr="Generative Adversarial Networks: Build Your First Models – Real Python">
+            <a:extLst>
+              <a:ext uri="{FF2B5EF4-FFF2-40B4-BE49-F238E27FC236}">
+                <a16:creationId xmlns:a16="http://schemas.microsoft.com/office/drawing/2014/main" id="{4CE9CD9E-71CE-1842-BE49-707FEC29413C}"/>
+              </a:ext>
+            </a:extLst>
+          </p:cNvPr>
+          <p:cNvPicPr>
+            <a:picLocks noChangeAspect="1" noChangeArrowheads="1"/>
+          </p:cNvPicPr>
+          <p:nvPr/>
+        </p:nvPicPr>
+        <p:blipFill>
+          <a:blip r:embed="rId2">
+            <a:extLst>
+              <a:ext uri="{28A0092B-C50C-407E-A947-70E740481C1C}">
+                <a14:useLocalDpi xmlns:a14="http://schemas.microsoft.com/office/drawing/2010/main" val="0"/>
+              </a:ext>
+            </a:extLst>
+          </a:blip>
+          <a:srcRect/>
+          <a:stretch>
+            <a:fillRect/>
+          </a:stretch>
+        </p:blipFill>
+        <p:spPr bwMode="auto">
+          <a:xfrm>
+            <a:off x="838200" y="2283779"/>
+            <a:ext cx="9722815" cy="3309302"/>
+          </a:xfrm>
+          <a:prstGeom prst="rect">
+            <a:avLst/>
+          </a:prstGeom>
+          <a:noFill/>
+          <a:extLst>
+            <a:ext uri="{909E8E84-426E-40DD-AFC4-6F175D3DCCD1}">
+              <a14:hiddenFill xmlns:a14="http://schemas.microsoft.com/office/drawing/2010/main">
+                <a:solidFill>
+                  <a:srgbClr val="FFFFFF"/>
+                </a:solidFill>
+              </a14:hiddenFill>
+            </a:ext>
+          </a:extLst>
+        </p:spPr>
+      </p:pic>
+    </p:spTree>
+    <p:extLst>
+      <p:ext uri="{BB962C8B-B14F-4D97-AF65-F5344CB8AC3E}">
+        <p14:creationId xmlns:p14="http://schemas.microsoft.com/office/powerpoint/2010/main" val="287532432"/>
+      </p:ext>
+    </p:extLst>
+  </p:cSld>
+  <p:clrMapOvr>
+    <a:masterClrMapping/>
+  </p:clrMapOvr>
+</p:sld>
+</file>
+
+<file path=ppt/slides/slide8.xml><?xml version="1.0" encoding="utf-8"?>
+<p:sld xmlns:a="http://schemas.openxmlformats.org/drawingml/2006/main" xmlns:r="http://schemas.openxmlformats.org/officeDocument/2006/relationships" xmlns:p="http://schemas.openxmlformats.org/presentationml/2006/main">
+  <p:cSld>
+    <p:spTree>
+      <p:nvGrpSpPr>
+        <p:cNvPr id="1" name=""/>
+        <p:cNvGrpSpPr/>
+        <p:nvPr/>
+      </p:nvGrpSpPr>
+      <p:grpSpPr>
+        <a:xfrm>
+          <a:off x="0" y="0"/>
+          <a:ext cx="0" cy="0"/>
+          <a:chOff x="0" y="0"/>
+          <a:chExt cx="0" cy="0"/>
+        </a:xfrm>
+      </p:grpSpPr>
+      <p:sp>
+        <p:nvSpPr>
+          <p:cNvPr id="2" name="Title 1"/>
+          <p:cNvSpPr>
+            <a:spLocks noGrp="1"/>
+          </p:cNvSpPr>
+          <p:nvPr>
+            <p:ph type="title"/>
+          </p:nvPr>
+        </p:nvSpPr>
+        <p:spPr/>
+        <p:txBody>
+          <a:bodyPr/>
+          <a:lstStyle/>
+          <a:p>
+            <a:r>
+              <a:rPr lang="en-US" dirty="0"/>
               <a:t>Text-to-Image Generation</a:t>
             </a:r>
           </a:p>
@@ -7359,218 +9578,6 @@
 </p:sld>
 </file>
 
-<file path=ppt/slides/slide8.xml><?xml version="1.0" encoding="utf-8"?>
-<p:sld xmlns:a="http://schemas.openxmlformats.org/drawingml/2006/main" xmlns:r="http://schemas.openxmlformats.org/officeDocument/2006/relationships" xmlns:p="http://schemas.openxmlformats.org/presentationml/2006/main">
-  <p:cSld>
-    <p:spTree>
-      <p:nvGrpSpPr>
-        <p:cNvPr id="1" name=""/>
-        <p:cNvGrpSpPr/>
-        <p:nvPr/>
-      </p:nvGrpSpPr>
-      <p:grpSpPr>
-        <a:xfrm>
-          <a:off x="0" y="0"/>
-          <a:ext cx="0" cy="0"/>
-          <a:chOff x="0" y="0"/>
-          <a:chExt cx="0" cy="0"/>
-        </a:xfrm>
-      </p:grpSpPr>
-      <p:sp>
-        <p:nvSpPr>
-          <p:cNvPr id="2" name="Title 1"/>
-          <p:cNvSpPr>
-            <a:spLocks noGrp="1"/>
-          </p:cNvSpPr>
-          <p:nvPr>
-            <p:ph type="title"/>
-          </p:nvPr>
-        </p:nvSpPr>
-        <p:spPr/>
-        <p:txBody>
-          <a:bodyPr/>
-          <a:lstStyle/>
-          <a:p>
-            <a:r>
-              <a:rPr lang="en-US" dirty="0"/>
-              <a:t>Applications of Statistical Learning</a:t>
-            </a:r>
-          </a:p>
-        </p:txBody>
-      </p:sp>
-      <p:sp>
-        <p:nvSpPr>
-          <p:cNvPr id="3" name="Content Placeholder 2"/>
-          <p:cNvSpPr>
-            <a:spLocks noGrp="1"/>
-          </p:cNvSpPr>
-          <p:nvPr>
-            <p:ph idx="1"/>
-          </p:nvPr>
-        </p:nvSpPr>
-        <p:spPr>
-          <a:xfrm>
-            <a:off x="838200" y="1690688"/>
-            <a:ext cx="10341077" cy="3906582"/>
-          </a:xfrm>
-        </p:spPr>
-        <p:txBody>
-          <a:bodyPr>
-            <a:noAutofit/>
-          </a:bodyPr>
-          <a:lstStyle/>
-          <a:p>
-            <a:pPr marL="12700" marR="5080">
-              <a:lnSpc>
-                <a:spcPct val="150000"/>
-              </a:lnSpc>
-              <a:spcBef>
-                <a:spcPts val="95"/>
-              </a:spcBef>
-            </a:pPr>
-            <a:r>
-              <a:rPr lang="en-US" sz="2400" spc="-5" dirty="0">
-                <a:latin typeface="Microsoft Sans Serif"/>
-                <a:cs typeface="Microsoft Sans Serif"/>
-              </a:rPr>
-              <a:t>bioinformatics</a:t>
-            </a:r>
-          </a:p>
-          <a:p>
-            <a:pPr marL="12700" marR="5080">
-              <a:lnSpc>
-                <a:spcPct val="150000"/>
-              </a:lnSpc>
-              <a:spcBef>
-                <a:spcPts val="95"/>
-              </a:spcBef>
-            </a:pPr>
-            <a:r>
-              <a:rPr lang="en-US" sz="2400" spc="-5" dirty="0">
-                <a:latin typeface="Microsoft Sans Serif"/>
-                <a:cs typeface="Microsoft Sans Serif"/>
-              </a:rPr>
-              <a:t>detecting network intrusion</a:t>
-            </a:r>
-          </a:p>
-          <a:p>
-            <a:pPr marL="12700" marR="5080">
-              <a:lnSpc>
-                <a:spcPct val="150000"/>
-              </a:lnSpc>
-              <a:spcBef>
-                <a:spcPts val="95"/>
-              </a:spcBef>
-            </a:pPr>
-            <a:r>
-              <a:rPr lang="en-US" sz="2400" spc="-5" dirty="0">
-                <a:latin typeface="Microsoft Sans Serif"/>
-                <a:cs typeface="Microsoft Sans Serif"/>
-              </a:rPr>
-              <a:t>neuroscience</a:t>
-            </a:r>
-          </a:p>
-          <a:p>
-            <a:pPr marL="12700" marR="5080">
-              <a:lnSpc>
-                <a:spcPct val="150000"/>
-              </a:lnSpc>
-              <a:spcBef>
-                <a:spcPts val="95"/>
-              </a:spcBef>
-            </a:pPr>
-            <a:r>
-              <a:rPr lang="en-US" sz="2400" spc="-5" dirty="0">
-                <a:latin typeface="Microsoft Sans Serif"/>
-                <a:cs typeface="Microsoft Sans Serif"/>
-              </a:rPr>
-              <a:t>medical diagnosis</a:t>
-            </a:r>
-          </a:p>
-          <a:p>
-            <a:pPr marL="12700" marR="5080">
-              <a:lnSpc>
-                <a:spcPct val="150000"/>
-              </a:lnSpc>
-              <a:spcBef>
-                <a:spcPts val="95"/>
-              </a:spcBef>
-            </a:pPr>
-            <a:r>
-              <a:rPr lang="en-US" sz="2400" spc="-5" dirty="0">
-                <a:latin typeface="Microsoft Sans Serif"/>
-                <a:cs typeface="Microsoft Sans Serif"/>
-              </a:rPr>
-              <a:t>stock market analysis</a:t>
-            </a:r>
-          </a:p>
-          <a:p>
-            <a:pPr marL="12700" marR="5080">
-              <a:lnSpc>
-                <a:spcPct val="150000"/>
-              </a:lnSpc>
-              <a:spcBef>
-                <a:spcPts val="95"/>
-              </a:spcBef>
-            </a:pPr>
-            <a:r>
-              <a:rPr lang="en-US" sz="2400" spc="-5" dirty="0">
-                <a:latin typeface="Microsoft Sans Serif"/>
-                <a:cs typeface="Microsoft Sans Serif"/>
-              </a:rPr>
-              <a:t>social network analysis</a:t>
-            </a:r>
-          </a:p>
-          <a:p>
-            <a:pPr marL="12700" marR="5080">
-              <a:lnSpc>
-                <a:spcPct val="150000"/>
-              </a:lnSpc>
-              <a:spcBef>
-                <a:spcPts val="95"/>
-              </a:spcBef>
-            </a:pPr>
-            <a:r>
-              <a:rPr lang="en-US" sz="2400" spc="-5" dirty="0">
-                <a:latin typeface="Microsoft Sans Serif"/>
-                <a:cs typeface="Microsoft Sans Serif"/>
-              </a:rPr>
-              <a:t>traffic and infrastructure planning</a:t>
-            </a:r>
-          </a:p>
-          <a:p>
-            <a:pPr marL="0" marR="5080" indent="0">
-              <a:lnSpc>
-                <a:spcPct val="150000"/>
-              </a:lnSpc>
-              <a:spcBef>
-                <a:spcPts val="95"/>
-              </a:spcBef>
-              <a:buNone/>
-            </a:pPr>
-            <a:r>
-              <a:rPr lang="en-GB" sz="2400" spc="-5" dirty="0">
-                <a:latin typeface="Microsoft Sans Serif"/>
-                <a:cs typeface="Microsoft Sans Serif"/>
-              </a:rPr>
-              <a:t>…</a:t>
-            </a:r>
-          </a:p>
-        </p:txBody>
-      </p:sp>
-    </p:spTree>
-    <p:extLst>
-      <p:ext uri="{BB962C8B-B14F-4D97-AF65-F5344CB8AC3E}">
-        <p14:creationId xmlns:p14="http://schemas.microsoft.com/office/powerpoint/2010/main" val="1423582021"/>
-      </p:ext>
-    </p:extLst>
-  </p:cSld>
-  <p:clrMapOvr>
-    <a:masterClrMapping/>
-  </p:clrMapOvr>
-</p:sld>
-</file>
-
 <file path=ppt/slides/slide9.xml><?xml version="1.0" encoding="utf-8"?>
 <p:sld xmlns:a="http://schemas.openxmlformats.org/drawingml/2006/main" xmlns:r="http://schemas.openxmlformats.org/officeDocument/2006/relationships" xmlns:p="http://schemas.openxmlformats.org/presentationml/2006/main">
   <p:cSld>
@@ -7605,20 +9612,14 @@
           <a:p>
             <a:r>
               <a:rPr lang="en-US" dirty="0"/>
-              <a:t>Textbooks</a:t>
-            </a:r>
-          </a:p>
-        </p:txBody>
-      </p:sp>
-      <p:sp>
-        <p:nvSpPr>
-          <p:cNvPr id="7" name="Content Placeholder 3">
-            <a:extLst>
-              <a:ext uri="{FF2B5EF4-FFF2-40B4-BE49-F238E27FC236}">
-                <a16:creationId xmlns:a16="http://schemas.microsoft.com/office/drawing/2014/main" id="{C4C2037F-909E-E840-8A09-C2EF77C2CBAC}"/>
-              </a:ext>
-            </a:extLst>
-          </p:cNvPr>
+              <a:t>Applications of Statistical Learning</a:t>
+            </a:r>
+          </a:p>
+        </p:txBody>
+      </p:sp>
+      <p:sp>
+        <p:nvSpPr>
+          <p:cNvPr id="3" name="Content Placeholder 2"/>
           <p:cNvSpPr>
             <a:spLocks noGrp="1"/>
           </p:cNvSpPr>
@@ -7628,71 +9629,150 @@
         </p:nvSpPr>
         <p:spPr>
           <a:xfrm>
-            <a:off x="838200" y="1918652"/>
-            <a:ext cx="10515600" cy="3020695"/>
+            <a:off x="838200" y="1690688"/>
+            <a:ext cx="10341077" cy="3906582"/>
           </a:xfrm>
         </p:spPr>
         <p:txBody>
           <a:bodyPr>
-            <a:normAutofit/>
+            <a:noAutofit/>
           </a:bodyPr>
           <a:lstStyle/>
           <a:p>
-            <a:r>
-              <a:rPr lang="en-US" dirty="0"/>
-              <a:t>An Introduction to Statistical Learning</a:t>
-            </a:r>
-          </a:p>
-          <a:p>
-            <a:endParaRPr lang="en-US" dirty="0"/>
-          </a:p>
-          <a:p>
-            <a:r>
-              <a:rPr lang="en-US" dirty="0"/>
-              <a:t>Machine Learning with Python Tutorial (Optional)</a:t>
-            </a:r>
-          </a:p>
-        </p:txBody>
-      </p:sp>
-      <p:sp>
-        <p:nvSpPr>
-          <p:cNvPr id="8" name="TextBox 7">
-            <a:extLst>
-              <a:ext uri="{FF2B5EF4-FFF2-40B4-BE49-F238E27FC236}">
-                <a16:creationId xmlns:a16="http://schemas.microsoft.com/office/drawing/2014/main" id="{C7F910D6-5D5C-424B-BE21-E59B9B3E45A4}"/>
-              </a:ext>
-            </a:extLst>
-          </p:cNvPr>
-          <p:cNvSpPr txBox="1"/>
-          <p:nvPr/>
-        </p:nvSpPr>
-        <p:spPr>
-          <a:xfrm>
-            <a:off x="838200" y="4188122"/>
-            <a:ext cx="9159240" cy="461665"/>
-          </a:xfrm>
-          <a:prstGeom prst="rect">
-            <a:avLst/>
-          </a:prstGeom>
-          <a:noFill/>
-        </p:spPr>
-        <p:txBody>
-          <a:bodyPr wrap="square">
-            <a:spAutoFit/>
-          </a:bodyPr>
-          <a:lstStyle/>
-          <a:p>
-            <a:r>
-              <a:rPr lang="en-US" sz="2400" dirty="0"/>
-              <a:t>https://tianzheng4.github.io/</a:t>
-            </a:r>
-            <a:r>
-              <a:rPr lang="en-US" sz="2400" dirty="0" err="1"/>
-              <a:t>umkc</a:t>
-            </a:r>
-            <a:r>
-              <a:rPr lang="en-US" sz="2400" dirty="0"/>
-              <a:t>-teaching/2023-fall-teaching-1/</a:t>
+            <a:pPr marL="12700" marR="5080">
+              <a:lnSpc>
+                <a:spcPct val="150000"/>
+              </a:lnSpc>
+              <a:spcBef>
+                <a:spcPts val="95"/>
+              </a:spcBef>
+            </a:pPr>
+            <a:r>
+              <a:rPr lang="en-US" sz="2400" spc="-5" dirty="0">
+                <a:latin typeface="Microsoft Sans Serif"/>
+                <a:cs typeface="Microsoft Sans Serif"/>
+              </a:rPr>
+              <a:t>bioinformatics</a:t>
+            </a:r>
+          </a:p>
+          <a:p>
+            <a:pPr marL="12700" marR="5080">
+              <a:lnSpc>
+                <a:spcPct val="150000"/>
+              </a:lnSpc>
+              <a:spcBef>
+                <a:spcPts val="95"/>
+              </a:spcBef>
+            </a:pPr>
+            <a:r>
+              <a:rPr lang="en-US" sz="2400" spc="-5" dirty="0">
+                <a:latin typeface="Microsoft Sans Serif"/>
+                <a:cs typeface="Microsoft Sans Serif"/>
+              </a:rPr>
+              <a:t>detecting network intrusion</a:t>
+            </a:r>
+          </a:p>
+          <a:p>
+            <a:pPr marL="12700" marR="5080">
+              <a:lnSpc>
+                <a:spcPct val="150000"/>
+              </a:lnSpc>
+              <a:spcBef>
+                <a:spcPts val="95"/>
+              </a:spcBef>
+            </a:pPr>
+            <a:r>
+              <a:rPr lang="en-US" sz="2400" spc="-5" dirty="0">
+                <a:latin typeface="Microsoft Sans Serif"/>
+                <a:cs typeface="Microsoft Sans Serif"/>
+              </a:rPr>
+              <a:t>neuroscience</a:t>
+            </a:r>
+          </a:p>
+          <a:p>
+            <a:pPr marL="12700" marR="5080">
+              <a:lnSpc>
+                <a:spcPct val="150000"/>
+              </a:lnSpc>
+              <a:spcBef>
+                <a:spcPts val="95"/>
+              </a:spcBef>
+            </a:pPr>
+            <a:r>
+              <a:rPr lang="en-US" sz="2400" spc="-5" dirty="0">
+                <a:latin typeface="Microsoft Sans Serif"/>
+                <a:cs typeface="Microsoft Sans Serif"/>
+              </a:rPr>
+              <a:t>medical diagnosis</a:t>
+            </a:r>
+          </a:p>
+          <a:p>
+            <a:pPr marL="12700" marR="5080">
+              <a:lnSpc>
+                <a:spcPct val="150000"/>
+              </a:lnSpc>
+              <a:spcBef>
+                <a:spcPts val="95"/>
+              </a:spcBef>
+            </a:pPr>
+            <a:r>
+              <a:rPr lang="en-US" sz="2400" spc="-5" dirty="0">
+                <a:latin typeface="Microsoft Sans Serif"/>
+                <a:cs typeface="Microsoft Sans Serif"/>
+              </a:rPr>
+              <a:t>stock market analysis</a:t>
+            </a:r>
+          </a:p>
+          <a:p>
+            <a:pPr marL="12700" marR="5080">
+              <a:lnSpc>
+                <a:spcPct val="150000"/>
+              </a:lnSpc>
+              <a:spcBef>
+                <a:spcPts val="95"/>
+              </a:spcBef>
+            </a:pPr>
+            <a:r>
+              <a:rPr lang="en-US" sz="2400" spc="-5" dirty="0">
+                <a:latin typeface="Microsoft Sans Serif"/>
+                <a:cs typeface="Microsoft Sans Serif"/>
+              </a:rPr>
+              <a:t>social network analysis</a:t>
+            </a:r>
+          </a:p>
+          <a:p>
+            <a:pPr marL="12700" marR="5080">
+              <a:lnSpc>
+                <a:spcPct val="150000"/>
+              </a:lnSpc>
+              <a:spcBef>
+                <a:spcPts val="95"/>
+              </a:spcBef>
+            </a:pPr>
+            <a:r>
+              <a:rPr lang="en-US" sz="2400" spc="-5" dirty="0">
+                <a:latin typeface="Microsoft Sans Serif"/>
+                <a:cs typeface="Microsoft Sans Serif"/>
+              </a:rPr>
+              <a:t>traffic and infrastructure planning</a:t>
+            </a:r>
+          </a:p>
+          <a:p>
+            <a:pPr marL="0" marR="5080" indent="0">
+              <a:lnSpc>
+                <a:spcPct val="150000"/>
+              </a:lnSpc>
+              <a:spcBef>
+                <a:spcPts val="95"/>
+              </a:spcBef>
+              <a:buNone/>
+            </a:pPr>
+            <a:r>
+              <a:rPr lang="en-GB" sz="2400" spc="-5" dirty="0">
+                <a:latin typeface="Microsoft Sans Serif"/>
+                <a:cs typeface="Microsoft Sans Serif"/>
+              </a:rPr>
+              <a:t>…</a:t>
             </a:r>
           </a:p>
         </p:txBody>
@@ -7700,7 +9780,7 @@
     </p:spTree>
     <p:extLst>
       <p:ext uri="{BB962C8B-B14F-4D97-AF65-F5344CB8AC3E}">
-        <p14:creationId xmlns:p14="http://schemas.microsoft.com/office/powerpoint/2010/main" val="1327267736"/>
+        <p14:creationId xmlns:p14="http://schemas.microsoft.com/office/powerpoint/2010/main" val="1423582021"/>
       </p:ext>
     </p:extLst>
   </p:cSld>

--- a/_umkc-teaching/slides/Lecture1 - Introduction.pptx
+++ b/_umkc-teaching/slides/Lecture1 - Introduction.pptx
@@ -11,21 +11,21 @@
     <p:sldId id="257" r:id="rId2"/>
     <p:sldId id="282" r:id="rId3"/>
     <p:sldId id="284" r:id="rId4"/>
-    <p:sldId id="258" r:id="rId5"/>
-    <p:sldId id="283" r:id="rId6"/>
-    <p:sldId id="263" r:id="rId7"/>
-    <p:sldId id="292" r:id="rId8"/>
-    <p:sldId id="264" r:id="rId9"/>
-    <p:sldId id="265" r:id="rId10"/>
-    <p:sldId id="280" r:id="rId11"/>
-    <p:sldId id="285" r:id="rId12"/>
-    <p:sldId id="287" r:id="rId13"/>
-    <p:sldId id="286" r:id="rId14"/>
-    <p:sldId id="288" r:id="rId15"/>
-    <p:sldId id="289" r:id="rId16"/>
-    <p:sldId id="290" r:id="rId17"/>
-    <p:sldId id="291" r:id="rId18"/>
-    <p:sldId id="268" r:id="rId19"/>
+    <p:sldId id="268" r:id="rId5"/>
+    <p:sldId id="258" r:id="rId6"/>
+    <p:sldId id="283" r:id="rId7"/>
+    <p:sldId id="263" r:id="rId8"/>
+    <p:sldId id="292" r:id="rId9"/>
+    <p:sldId id="264" r:id="rId10"/>
+    <p:sldId id="265" r:id="rId11"/>
+    <p:sldId id="280" r:id="rId12"/>
+    <p:sldId id="285" r:id="rId13"/>
+    <p:sldId id="287" r:id="rId14"/>
+    <p:sldId id="286" r:id="rId15"/>
+    <p:sldId id="288" r:id="rId16"/>
+    <p:sldId id="289" r:id="rId17"/>
+    <p:sldId id="290" r:id="rId18"/>
+    <p:sldId id="291" r:id="rId19"/>
     <p:sldId id="278" r:id="rId20"/>
     <p:sldId id="279" r:id="rId21"/>
     <p:sldId id="293" r:id="rId22"/>
@@ -217,7 +217,7 @@
           <a:p>
             <a:fld id="{7AF9442D-9D7C-40D7-A5A3-649EA8C158D2}" type="datetimeFigureOut">
               <a:rPr lang="en-US" smtClean="0"/>
-              <a:t>8/9/23</a:t>
+              <a:t>8/17/23</a:t>
             </a:fld>
             <a:endParaRPr lang="en-US"/>
           </a:p>
@@ -549,7 +549,7 @@
           <a:p>
             <a:fld id="{3F8BDF20-BE86-4883-8A23-4CE3D0058BEA}" type="slidenum">
               <a:rPr lang="en-US" smtClean="0"/>
-              <a:t>11</a:t>
+              <a:t>12</a:t>
             </a:fld>
             <a:endParaRPr lang="en-US"/>
           </a:p>
@@ -633,7 +633,7 @@
           <a:p>
             <a:fld id="{3F8BDF20-BE86-4883-8A23-4CE3D0058BEA}" type="slidenum">
               <a:rPr lang="en-US" smtClean="0"/>
-              <a:t>13</a:t>
+              <a:t>14</a:t>
             </a:fld>
             <a:endParaRPr lang="en-US"/>
           </a:p>
@@ -717,7 +717,7 @@
           <a:p>
             <a:fld id="{3F8BDF20-BE86-4883-8A23-4CE3D0058BEA}" type="slidenum">
               <a:rPr lang="en-US" smtClean="0"/>
-              <a:t>14</a:t>
+              <a:t>15</a:t>
             </a:fld>
             <a:endParaRPr lang="en-US"/>
           </a:p>
@@ -801,7 +801,7 @@
           <a:p>
             <a:fld id="{3F8BDF20-BE86-4883-8A23-4CE3D0058BEA}" type="slidenum">
               <a:rPr lang="en-US" smtClean="0"/>
-              <a:t>15</a:t>
+              <a:t>16</a:t>
             </a:fld>
             <a:endParaRPr lang="en-US"/>
           </a:p>
@@ -885,7 +885,7 @@
           <a:p>
             <a:fld id="{3F8BDF20-BE86-4883-8A23-4CE3D0058BEA}" type="slidenum">
               <a:rPr lang="en-US" smtClean="0"/>
-              <a:t>16</a:t>
+              <a:t>17</a:t>
             </a:fld>
             <a:endParaRPr lang="en-US"/>
           </a:p>
@@ -969,7 +969,7 @@
           <a:p>
             <a:fld id="{3F8BDF20-BE86-4883-8A23-4CE3D0058BEA}" type="slidenum">
               <a:rPr lang="en-US" smtClean="0"/>
-              <a:t>17</a:t>
+              <a:t>18</a:t>
             </a:fld>
             <a:endParaRPr lang="en-US"/>
           </a:p>
@@ -1117,7 +1117,7 @@
           <a:p>
             <a:fld id="{41748473-9145-41F0-ADB9-654A949CD218}" type="datetimeFigureOut">
               <a:rPr lang="en-US" smtClean="0"/>
-              <a:t>8/9/23</a:t>
+              <a:t>8/17/23</a:t>
             </a:fld>
             <a:endParaRPr lang="en-US"/>
           </a:p>
@@ -1285,7 +1285,7 @@
           <a:p>
             <a:fld id="{41748473-9145-41F0-ADB9-654A949CD218}" type="datetimeFigureOut">
               <a:rPr lang="en-US" smtClean="0"/>
-              <a:t>8/9/23</a:t>
+              <a:t>8/17/23</a:t>
             </a:fld>
             <a:endParaRPr lang="en-US"/>
           </a:p>
@@ -1463,7 +1463,7 @@
           <a:p>
             <a:fld id="{41748473-9145-41F0-ADB9-654A949CD218}" type="datetimeFigureOut">
               <a:rPr lang="en-US" smtClean="0"/>
-              <a:t>8/9/23</a:t>
+              <a:t>8/17/23</a:t>
             </a:fld>
             <a:endParaRPr lang="en-US"/>
           </a:p>
@@ -1631,7 +1631,7 @@
           <a:p>
             <a:fld id="{41748473-9145-41F0-ADB9-654A949CD218}" type="datetimeFigureOut">
               <a:rPr lang="en-US" smtClean="0"/>
-              <a:t>8/9/23</a:t>
+              <a:t>8/17/23</a:t>
             </a:fld>
             <a:endParaRPr lang="en-US"/>
           </a:p>
@@ -1876,7 +1876,7 @@
           <a:p>
             <a:fld id="{41748473-9145-41F0-ADB9-654A949CD218}" type="datetimeFigureOut">
               <a:rPr lang="en-US" smtClean="0"/>
-              <a:t>8/9/23</a:t>
+              <a:t>8/17/23</a:t>
             </a:fld>
             <a:endParaRPr lang="en-US"/>
           </a:p>
@@ -2105,7 +2105,7 @@
           <a:p>
             <a:fld id="{41748473-9145-41F0-ADB9-654A949CD218}" type="datetimeFigureOut">
               <a:rPr lang="en-US" smtClean="0"/>
-              <a:t>8/9/23</a:t>
+              <a:t>8/17/23</a:t>
             </a:fld>
             <a:endParaRPr lang="en-US"/>
           </a:p>
@@ -2469,7 +2469,7 @@
           <a:p>
             <a:fld id="{41748473-9145-41F0-ADB9-654A949CD218}" type="datetimeFigureOut">
               <a:rPr lang="en-US" smtClean="0"/>
-              <a:t>8/9/23</a:t>
+              <a:t>8/17/23</a:t>
             </a:fld>
             <a:endParaRPr lang="en-US"/>
           </a:p>
@@ -2586,7 +2586,7 @@
           <a:p>
             <a:fld id="{41748473-9145-41F0-ADB9-654A949CD218}" type="datetimeFigureOut">
               <a:rPr lang="en-US" smtClean="0"/>
-              <a:t>8/9/23</a:t>
+              <a:t>8/17/23</a:t>
             </a:fld>
             <a:endParaRPr lang="en-US"/>
           </a:p>
@@ -2681,7 +2681,7 @@
           <a:p>
             <a:fld id="{41748473-9145-41F0-ADB9-654A949CD218}" type="datetimeFigureOut">
               <a:rPr lang="en-US" smtClean="0"/>
-              <a:t>8/9/23</a:t>
+              <a:t>8/17/23</a:t>
             </a:fld>
             <a:endParaRPr lang="en-US"/>
           </a:p>
@@ -2956,7 +2956,7 @@
           <a:p>
             <a:fld id="{41748473-9145-41F0-ADB9-654A949CD218}" type="datetimeFigureOut">
               <a:rPr lang="en-US" smtClean="0"/>
-              <a:t>8/9/23</a:t>
+              <a:t>8/17/23</a:t>
             </a:fld>
             <a:endParaRPr lang="en-US"/>
           </a:p>
@@ -3208,7 +3208,7 @@
           <a:p>
             <a:fld id="{41748473-9145-41F0-ADB9-654A949CD218}" type="datetimeFigureOut">
               <a:rPr lang="en-US" smtClean="0"/>
-              <a:t>8/9/23</a:t>
+              <a:t>8/17/23</a:t>
             </a:fld>
             <a:endParaRPr lang="en-US"/>
           </a:p>
@@ -3419,7 +3419,7 @@
           <a:p>
             <a:fld id="{41748473-9145-41F0-ADB9-654A949CD218}" type="datetimeFigureOut">
               <a:rPr lang="en-US" smtClean="0"/>
-              <a:t>8/9/23</a:t>
+              <a:t>8/17/23</a:t>
             </a:fld>
             <a:endParaRPr lang="en-US"/>
           </a:p>
@@ -4109,20 +4109,14 @@
           <a:p>
             <a:r>
               <a:rPr lang="en-US" dirty="0"/>
-              <a:t>Textbooks</a:t>
-            </a:r>
-          </a:p>
-        </p:txBody>
-      </p:sp>
-      <p:sp>
-        <p:nvSpPr>
-          <p:cNvPr id="7" name="Content Placeholder 3">
-            <a:extLst>
-              <a:ext uri="{FF2B5EF4-FFF2-40B4-BE49-F238E27FC236}">
-                <a16:creationId xmlns:a16="http://schemas.microsoft.com/office/drawing/2014/main" id="{C4C2037F-909E-E840-8A09-C2EF77C2CBAC}"/>
-              </a:ext>
-            </a:extLst>
-          </p:cNvPr>
+              <a:t>Applications of Statistical Learning</a:t>
+            </a:r>
+          </a:p>
+        </p:txBody>
+      </p:sp>
+      <p:sp>
+        <p:nvSpPr>
+          <p:cNvPr id="3" name="Content Placeholder 2"/>
           <p:cNvSpPr>
             <a:spLocks noGrp="1"/>
           </p:cNvSpPr>
@@ -4132,71 +4126,150 @@
         </p:nvSpPr>
         <p:spPr>
           <a:xfrm>
-            <a:off x="838200" y="1918652"/>
-            <a:ext cx="10515600" cy="3020695"/>
+            <a:off x="838200" y="1690688"/>
+            <a:ext cx="10341077" cy="3906582"/>
           </a:xfrm>
         </p:spPr>
         <p:txBody>
           <a:bodyPr>
-            <a:normAutofit/>
+            <a:noAutofit/>
           </a:bodyPr>
           <a:lstStyle/>
           <a:p>
-            <a:r>
-              <a:rPr lang="en-US" dirty="0"/>
-              <a:t>An Introduction to Statistical Learning</a:t>
-            </a:r>
-          </a:p>
-          <a:p>
-            <a:endParaRPr lang="en-US" dirty="0"/>
-          </a:p>
-          <a:p>
-            <a:r>
-              <a:rPr lang="en-US" dirty="0"/>
-              <a:t>Machine Learning with Python Tutorial (Optional)</a:t>
-            </a:r>
-          </a:p>
-        </p:txBody>
-      </p:sp>
-      <p:sp>
-        <p:nvSpPr>
-          <p:cNvPr id="8" name="TextBox 7">
-            <a:extLst>
-              <a:ext uri="{FF2B5EF4-FFF2-40B4-BE49-F238E27FC236}">
-                <a16:creationId xmlns:a16="http://schemas.microsoft.com/office/drawing/2014/main" id="{C7F910D6-5D5C-424B-BE21-E59B9B3E45A4}"/>
-              </a:ext>
-            </a:extLst>
-          </p:cNvPr>
-          <p:cNvSpPr txBox="1"/>
-          <p:nvPr/>
-        </p:nvSpPr>
-        <p:spPr>
-          <a:xfrm>
-            <a:off x="838200" y="4188122"/>
-            <a:ext cx="9159240" cy="461665"/>
-          </a:xfrm>
-          <a:prstGeom prst="rect">
-            <a:avLst/>
-          </a:prstGeom>
-          <a:noFill/>
-        </p:spPr>
-        <p:txBody>
-          <a:bodyPr wrap="square">
-            <a:spAutoFit/>
-          </a:bodyPr>
-          <a:lstStyle/>
-          <a:p>
-            <a:r>
-              <a:rPr lang="en-US" sz="2400" dirty="0"/>
-              <a:t>https://tianzheng4.github.io/</a:t>
-            </a:r>
-            <a:r>
-              <a:rPr lang="en-US" sz="2400" dirty="0" err="1"/>
-              <a:t>umkc</a:t>
-            </a:r>
-            <a:r>
-              <a:rPr lang="en-US" sz="2400" dirty="0"/>
-              <a:t>-teaching/2023-fall-teaching-1/</a:t>
+            <a:pPr marL="12700" marR="5080">
+              <a:lnSpc>
+                <a:spcPct val="150000"/>
+              </a:lnSpc>
+              <a:spcBef>
+                <a:spcPts val="95"/>
+              </a:spcBef>
+            </a:pPr>
+            <a:r>
+              <a:rPr lang="en-US" sz="2400" spc="-5" dirty="0">
+                <a:latin typeface="Microsoft Sans Serif"/>
+                <a:cs typeface="Microsoft Sans Serif"/>
+              </a:rPr>
+              <a:t>bioinformatics</a:t>
+            </a:r>
+          </a:p>
+          <a:p>
+            <a:pPr marL="12700" marR="5080">
+              <a:lnSpc>
+                <a:spcPct val="150000"/>
+              </a:lnSpc>
+              <a:spcBef>
+                <a:spcPts val="95"/>
+              </a:spcBef>
+            </a:pPr>
+            <a:r>
+              <a:rPr lang="en-US" sz="2400" spc="-5" dirty="0">
+                <a:latin typeface="Microsoft Sans Serif"/>
+                <a:cs typeface="Microsoft Sans Serif"/>
+              </a:rPr>
+              <a:t>detecting network intrusion</a:t>
+            </a:r>
+          </a:p>
+          <a:p>
+            <a:pPr marL="12700" marR="5080">
+              <a:lnSpc>
+                <a:spcPct val="150000"/>
+              </a:lnSpc>
+              <a:spcBef>
+                <a:spcPts val="95"/>
+              </a:spcBef>
+            </a:pPr>
+            <a:r>
+              <a:rPr lang="en-US" sz="2400" spc="-5" dirty="0">
+                <a:latin typeface="Microsoft Sans Serif"/>
+                <a:cs typeface="Microsoft Sans Serif"/>
+              </a:rPr>
+              <a:t>neuroscience</a:t>
+            </a:r>
+          </a:p>
+          <a:p>
+            <a:pPr marL="12700" marR="5080">
+              <a:lnSpc>
+                <a:spcPct val="150000"/>
+              </a:lnSpc>
+              <a:spcBef>
+                <a:spcPts val="95"/>
+              </a:spcBef>
+            </a:pPr>
+            <a:r>
+              <a:rPr lang="en-US" sz="2400" spc="-5" dirty="0">
+                <a:latin typeface="Microsoft Sans Serif"/>
+                <a:cs typeface="Microsoft Sans Serif"/>
+              </a:rPr>
+              <a:t>medical diagnosis</a:t>
+            </a:r>
+          </a:p>
+          <a:p>
+            <a:pPr marL="12700" marR="5080">
+              <a:lnSpc>
+                <a:spcPct val="150000"/>
+              </a:lnSpc>
+              <a:spcBef>
+                <a:spcPts val="95"/>
+              </a:spcBef>
+            </a:pPr>
+            <a:r>
+              <a:rPr lang="en-US" sz="2400" spc="-5" dirty="0">
+                <a:latin typeface="Microsoft Sans Serif"/>
+                <a:cs typeface="Microsoft Sans Serif"/>
+              </a:rPr>
+              <a:t>stock market analysis</a:t>
+            </a:r>
+          </a:p>
+          <a:p>
+            <a:pPr marL="12700" marR="5080">
+              <a:lnSpc>
+                <a:spcPct val="150000"/>
+              </a:lnSpc>
+              <a:spcBef>
+                <a:spcPts val="95"/>
+              </a:spcBef>
+            </a:pPr>
+            <a:r>
+              <a:rPr lang="en-US" sz="2400" spc="-5" dirty="0">
+                <a:latin typeface="Microsoft Sans Serif"/>
+                <a:cs typeface="Microsoft Sans Serif"/>
+              </a:rPr>
+              <a:t>social network analysis</a:t>
+            </a:r>
+          </a:p>
+          <a:p>
+            <a:pPr marL="12700" marR="5080">
+              <a:lnSpc>
+                <a:spcPct val="150000"/>
+              </a:lnSpc>
+              <a:spcBef>
+                <a:spcPts val="95"/>
+              </a:spcBef>
+            </a:pPr>
+            <a:r>
+              <a:rPr lang="en-US" sz="2400" spc="-5" dirty="0">
+                <a:latin typeface="Microsoft Sans Serif"/>
+                <a:cs typeface="Microsoft Sans Serif"/>
+              </a:rPr>
+              <a:t>traffic and infrastructure planning</a:t>
+            </a:r>
+          </a:p>
+          <a:p>
+            <a:pPr marL="0" marR="5080" indent="0">
+              <a:lnSpc>
+                <a:spcPct val="150000"/>
+              </a:lnSpc>
+              <a:spcBef>
+                <a:spcPts val="95"/>
+              </a:spcBef>
+              <a:buNone/>
+            </a:pPr>
+            <a:r>
+              <a:rPr lang="en-GB" sz="2400" spc="-5" dirty="0">
+                <a:latin typeface="Microsoft Sans Serif"/>
+                <a:cs typeface="Microsoft Sans Serif"/>
+              </a:rPr>
+              <a:t>…</a:t>
             </a:r>
           </a:p>
         </p:txBody>
@@ -4204,7 +4277,7 @@
     </p:spTree>
     <p:extLst>
       <p:ext uri="{BB962C8B-B14F-4D97-AF65-F5344CB8AC3E}">
-        <p14:creationId xmlns:p14="http://schemas.microsoft.com/office/powerpoint/2010/main" val="1327267736"/>
+        <p14:creationId xmlns:p14="http://schemas.microsoft.com/office/powerpoint/2010/main" val="1423582021"/>
       </p:ext>
     </p:extLst>
   </p:cSld>
@@ -4241,6 +4314,145 @@
             <p:ph type="title"/>
           </p:nvPr>
         </p:nvSpPr>
+        <p:spPr/>
+        <p:txBody>
+          <a:bodyPr/>
+          <a:lstStyle/>
+          <a:p>
+            <a:r>
+              <a:rPr lang="en-US" dirty="0"/>
+              <a:t>Textbooks</a:t>
+            </a:r>
+          </a:p>
+        </p:txBody>
+      </p:sp>
+      <p:sp>
+        <p:nvSpPr>
+          <p:cNvPr id="7" name="Content Placeholder 3">
+            <a:extLst>
+              <a:ext uri="{FF2B5EF4-FFF2-40B4-BE49-F238E27FC236}">
+                <a16:creationId xmlns:a16="http://schemas.microsoft.com/office/drawing/2014/main" id="{C4C2037F-909E-E840-8A09-C2EF77C2CBAC}"/>
+              </a:ext>
+            </a:extLst>
+          </p:cNvPr>
+          <p:cNvSpPr>
+            <a:spLocks noGrp="1"/>
+          </p:cNvSpPr>
+          <p:nvPr>
+            <p:ph idx="1"/>
+          </p:nvPr>
+        </p:nvSpPr>
+        <p:spPr>
+          <a:xfrm>
+            <a:off x="838200" y="1918652"/>
+            <a:ext cx="10515600" cy="3020695"/>
+          </a:xfrm>
+        </p:spPr>
+        <p:txBody>
+          <a:bodyPr>
+            <a:normAutofit/>
+          </a:bodyPr>
+          <a:lstStyle/>
+          <a:p>
+            <a:r>
+              <a:rPr lang="en-US" dirty="0"/>
+              <a:t>An Introduction to Statistical Learning</a:t>
+            </a:r>
+          </a:p>
+          <a:p>
+            <a:endParaRPr lang="en-US" dirty="0"/>
+          </a:p>
+          <a:p>
+            <a:r>
+              <a:rPr lang="en-US" dirty="0"/>
+              <a:t>Machine Learning with Python Tutorial (Optional)</a:t>
+            </a:r>
+          </a:p>
+        </p:txBody>
+      </p:sp>
+      <p:sp>
+        <p:nvSpPr>
+          <p:cNvPr id="8" name="TextBox 7">
+            <a:extLst>
+              <a:ext uri="{FF2B5EF4-FFF2-40B4-BE49-F238E27FC236}">
+                <a16:creationId xmlns:a16="http://schemas.microsoft.com/office/drawing/2014/main" id="{C7F910D6-5D5C-424B-BE21-E59B9B3E45A4}"/>
+              </a:ext>
+            </a:extLst>
+          </p:cNvPr>
+          <p:cNvSpPr txBox="1"/>
+          <p:nvPr/>
+        </p:nvSpPr>
+        <p:spPr>
+          <a:xfrm>
+            <a:off x="838200" y="4188122"/>
+            <a:ext cx="9159240" cy="461665"/>
+          </a:xfrm>
+          <a:prstGeom prst="rect">
+            <a:avLst/>
+          </a:prstGeom>
+          <a:noFill/>
+        </p:spPr>
+        <p:txBody>
+          <a:bodyPr wrap="square">
+            <a:spAutoFit/>
+          </a:bodyPr>
+          <a:lstStyle/>
+          <a:p>
+            <a:r>
+              <a:rPr lang="en-US" sz="2400" dirty="0"/>
+              <a:t>https://tianzheng4.github.io/</a:t>
+            </a:r>
+            <a:r>
+              <a:rPr lang="en-US" sz="2400" dirty="0" err="1"/>
+              <a:t>umkc</a:t>
+            </a:r>
+            <a:r>
+              <a:rPr lang="en-US" sz="2400" dirty="0"/>
+              <a:t>-teaching/2023-fall-teaching-1/</a:t>
+            </a:r>
+          </a:p>
+        </p:txBody>
+      </p:sp>
+    </p:spTree>
+    <p:extLst>
+      <p:ext uri="{BB962C8B-B14F-4D97-AF65-F5344CB8AC3E}">
+        <p14:creationId xmlns:p14="http://schemas.microsoft.com/office/powerpoint/2010/main" val="1327267736"/>
+      </p:ext>
+    </p:extLst>
+  </p:cSld>
+  <p:clrMapOvr>
+    <a:masterClrMapping/>
+  </p:clrMapOvr>
+</p:sld>
+</file>
+
+<file path=ppt/slides/slide12.xml><?xml version="1.0" encoding="utf-8"?>
+<p:sld xmlns:a="http://schemas.openxmlformats.org/drawingml/2006/main" xmlns:r="http://schemas.openxmlformats.org/officeDocument/2006/relationships" xmlns:p="http://schemas.openxmlformats.org/presentationml/2006/main">
+  <p:cSld>
+    <p:spTree>
+      <p:nvGrpSpPr>
+        <p:cNvPr id="1" name=""/>
+        <p:cNvGrpSpPr/>
+        <p:nvPr/>
+      </p:nvGrpSpPr>
+      <p:grpSpPr>
+        <a:xfrm>
+          <a:off x="0" y="0"/>
+          <a:ext cx="0" cy="0"/>
+          <a:chOff x="0" y="0"/>
+          <a:chExt cx="0" cy="0"/>
+        </a:xfrm>
+      </p:grpSpPr>
+      <p:sp>
+        <p:nvSpPr>
+          <p:cNvPr id="2" name="Title 1"/>
+          <p:cNvSpPr>
+            <a:spLocks noGrp="1"/>
+          </p:cNvSpPr>
+          <p:nvPr>
+            <p:ph type="title"/>
+          </p:nvPr>
+        </p:nvSpPr>
         <p:spPr>
           <a:xfrm>
             <a:off x="838200" y="365126"/>
@@ -4431,7 +4643,7 @@
 </p:sld>
 </file>
 
-<file path=ppt/slides/slide12.xml><?xml version="1.0" encoding="utf-8"?>
+<file path=ppt/slides/slide13.xml><?xml version="1.0" encoding="utf-8"?>
 <p:sld xmlns:a="http://schemas.openxmlformats.org/drawingml/2006/main" xmlns:r="http://schemas.openxmlformats.org/officeDocument/2006/relationships" xmlns:p="http://schemas.openxmlformats.org/presentationml/2006/main">
   <p:cSld>
     <p:spTree>
@@ -5053,7 +5265,7 @@
 </p:sld>
 </file>
 
-<file path=ppt/slides/slide13.xml><?xml version="1.0" encoding="utf-8"?>
+<file path=ppt/slides/slide14.xml><?xml version="1.0" encoding="utf-8"?>
 <p:sld xmlns:a="http://schemas.openxmlformats.org/drawingml/2006/main" xmlns:r="http://schemas.openxmlformats.org/officeDocument/2006/relationships" xmlns:p="http://schemas.openxmlformats.org/presentationml/2006/main">
   <p:cSld>
     <p:spTree>
@@ -5261,7 +5473,7 @@
 </p:sld>
 </file>
 
-<file path=ppt/slides/slide14.xml><?xml version="1.0" encoding="utf-8"?>
+<file path=ppt/slides/slide15.xml><?xml version="1.0" encoding="utf-8"?>
 <p:sld xmlns:a="http://schemas.openxmlformats.org/drawingml/2006/main" xmlns:r="http://schemas.openxmlformats.org/officeDocument/2006/relationships" xmlns:p="http://schemas.openxmlformats.org/presentationml/2006/main">
   <p:cSld>
     <p:spTree>
@@ -5367,7 +5579,7 @@
 </p:sld>
 </file>
 
-<file path=ppt/slides/slide15.xml><?xml version="1.0" encoding="utf-8"?>
+<file path=ppt/slides/slide16.xml><?xml version="1.0" encoding="utf-8"?>
 <p:sld xmlns:a="http://schemas.openxmlformats.org/drawingml/2006/main" xmlns:r="http://schemas.openxmlformats.org/officeDocument/2006/relationships" xmlns:p="http://schemas.openxmlformats.org/presentationml/2006/main">
   <p:cSld>
     <p:spTree>
@@ -5572,7 +5784,7 @@
 </p:sld>
 </file>
 
-<file path=ppt/slides/slide16.xml><?xml version="1.0" encoding="utf-8"?>
+<file path=ppt/slides/slide17.xml><?xml version="1.0" encoding="utf-8"?>
 <p:sld xmlns:a="http://schemas.openxmlformats.org/drawingml/2006/main" xmlns:r="http://schemas.openxmlformats.org/officeDocument/2006/relationships" xmlns:p="http://schemas.openxmlformats.org/presentationml/2006/main">
   <p:cSld>
     <p:spTree>
@@ -5678,7 +5890,7 @@
 </p:sld>
 </file>
 
-<file path=ppt/slides/slide17.xml><?xml version="1.0" encoding="utf-8"?>
+<file path=ppt/slides/slide18.xml><?xml version="1.0" encoding="utf-8"?>
 <p:sld xmlns:a="http://schemas.openxmlformats.org/drawingml/2006/main" xmlns:r="http://schemas.openxmlformats.org/officeDocument/2006/relationships" xmlns:p="http://schemas.openxmlformats.org/presentationml/2006/main">
   <p:cSld>
     <p:spTree>
@@ -6549,7 +6761,1380 @@
 </p:sld>
 </file>
 
-<file path=ppt/slides/slide18.xml><?xml version="1.0" encoding="utf-8"?>
+<file path=ppt/slides/slide19.xml><?xml version="1.0" encoding="utf-8"?>
+<p:sld xmlns:a="http://schemas.openxmlformats.org/drawingml/2006/main" xmlns:r="http://schemas.openxmlformats.org/officeDocument/2006/relationships" xmlns:p="http://schemas.openxmlformats.org/presentationml/2006/main">
+  <p:cSld>
+    <p:spTree>
+      <p:nvGrpSpPr>
+        <p:cNvPr id="1" name=""/>
+        <p:cNvGrpSpPr/>
+        <p:nvPr/>
+      </p:nvGrpSpPr>
+      <p:grpSpPr>
+        <a:xfrm>
+          <a:off x="0" y="0"/>
+          <a:ext cx="0" cy="0"/>
+          <a:chOff x="0" y="0"/>
+          <a:chExt cx="0" cy="0"/>
+        </a:xfrm>
+      </p:grpSpPr>
+      <p:pic>
+        <p:nvPicPr>
+          <p:cNvPr id="1026" name="Picture 2" descr="Python (programming language) - Wikipedia"/>
+          <p:cNvPicPr>
+            <a:picLocks noChangeAspect="1" noChangeArrowheads="1"/>
+          </p:cNvPicPr>
+          <p:nvPr/>
+        </p:nvPicPr>
+        <p:blipFill>
+          <a:blip r:embed="rId2" cstate="print">
+            <a:extLst>
+              <a:ext uri="{28A0092B-C50C-407E-A947-70E740481C1C}">
+                <a14:useLocalDpi xmlns:a14="http://schemas.microsoft.com/office/drawing/2010/main" val="0"/>
+              </a:ext>
+            </a:extLst>
+          </a:blip>
+          <a:srcRect/>
+          <a:stretch>
+            <a:fillRect/>
+          </a:stretch>
+        </p:blipFill>
+        <p:spPr bwMode="auto">
+          <a:xfrm>
+            <a:off x="9837704" y="2278172"/>
+            <a:ext cx="1409240" cy="1544292"/>
+          </a:xfrm>
+          <a:prstGeom prst="rect">
+            <a:avLst/>
+          </a:prstGeom>
+          <a:noFill/>
+          <a:extLst>
+            <a:ext uri="{909E8E84-426E-40DD-AFC4-6F175D3DCCD1}">
+              <a14:hiddenFill xmlns:a14="http://schemas.microsoft.com/office/drawing/2010/main">
+                <a:solidFill>
+                  <a:srgbClr val="FFFFFF"/>
+                </a:solidFill>
+              </a14:hiddenFill>
+            </a:ext>
+          </a:extLst>
+        </p:spPr>
+      </p:pic>
+      <p:pic>
+        <p:nvPicPr>
+          <p:cNvPr id="1028" name="Picture 4" descr="The Ultimate Guide to the NumPy Package for Scientific Computing in Python"/>
+          <p:cNvPicPr>
+            <a:picLocks noChangeAspect="1" noChangeArrowheads="1"/>
+          </p:cNvPicPr>
+          <p:nvPr/>
+        </p:nvPicPr>
+        <p:blipFill>
+          <a:blip r:embed="rId3" cstate="print">
+            <a:extLst>
+              <a:ext uri="{28A0092B-C50C-407E-A947-70E740481C1C}">
+                <a14:useLocalDpi xmlns:a14="http://schemas.microsoft.com/office/drawing/2010/main" val="0"/>
+              </a:ext>
+            </a:extLst>
+          </a:blip>
+          <a:srcRect/>
+          <a:stretch>
+            <a:fillRect/>
+          </a:stretch>
+        </p:blipFill>
+        <p:spPr bwMode="auto">
+          <a:xfrm>
+            <a:off x="838200" y="2082336"/>
+            <a:ext cx="3031934" cy="1200140"/>
+          </a:xfrm>
+          <a:prstGeom prst="rect">
+            <a:avLst/>
+          </a:prstGeom>
+          <a:noFill/>
+          <a:extLst>
+            <a:ext uri="{909E8E84-426E-40DD-AFC4-6F175D3DCCD1}">
+              <a14:hiddenFill xmlns:a14="http://schemas.microsoft.com/office/drawing/2010/main">
+                <a:solidFill>
+                  <a:srgbClr val="FFFFFF"/>
+                </a:solidFill>
+              </a14:hiddenFill>
+            </a:ext>
+          </a:extLst>
+        </p:spPr>
+      </p:pic>
+      <p:pic>
+        <p:nvPicPr>
+          <p:cNvPr id="1030" name="Picture 6" descr="pandas (software) - Wikipedia"/>
+          <p:cNvPicPr>
+            <a:picLocks noChangeAspect="1" noChangeArrowheads="1"/>
+          </p:cNvPicPr>
+          <p:nvPr/>
+        </p:nvPicPr>
+        <p:blipFill>
+          <a:blip r:embed="rId4" cstate="print">
+            <a:extLst>
+              <a:ext uri="{28A0092B-C50C-407E-A947-70E740481C1C}">
+                <a14:useLocalDpi xmlns:a14="http://schemas.microsoft.com/office/drawing/2010/main" val="0"/>
+              </a:ext>
+            </a:extLst>
+          </a:blip>
+          <a:srcRect/>
+          <a:stretch>
+            <a:fillRect/>
+          </a:stretch>
+        </p:blipFill>
+        <p:spPr bwMode="auto">
+          <a:xfrm>
+            <a:off x="838200" y="4380627"/>
+            <a:ext cx="3395041" cy="1372162"/>
+          </a:xfrm>
+          <a:prstGeom prst="rect">
+            <a:avLst/>
+          </a:prstGeom>
+          <a:noFill/>
+          <a:extLst>
+            <a:ext uri="{909E8E84-426E-40DD-AFC4-6F175D3DCCD1}">
+              <a14:hiddenFill xmlns:a14="http://schemas.microsoft.com/office/drawing/2010/main">
+                <a:solidFill>
+                  <a:srgbClr val="FFFFFF"/>
+                </a:solidFill>
+              </a14:hiddenFill>
+            </a:ext>
+          </a:extLst>
+        </p:spPr>
+      </p:pic>
+      <p:pic>
+        <p:nvPicPr>
+          <p:cNvPr id="1036" name="Picture 12" descr="Matplotlib logo — Matplotlib 3.1.0 documentation"/>
+          <p:cNvPicPr>
+            <a:picLocks noChangeAspect="1" noChangeArrowheads="1"/>
+          </p:cNvPicPr>
+          <p:nvPr/>
+        </p:nvPicPr>
+        <p:blipFill>
+          <a:blip r:embed="rId5">
+            <a:extLst>
+              <a:ext uri="{28A0092B-C50C-407E-A947-70E740481C1C}">
+                <a14:useLocalDpi xmlns:a14="http://schemas.microsoft.com/office/drawing/2010/main" val="0"/>
+              </a:ext>
+            </a:extLst>
+          </a:blip>
+          <a:srcRect/>
+          <a:stretch>
+            <a:fillRect/>
+          </a:stretch>
+        </p:blipFill>
+        <p:spPr bwMode="auto">
+          <a:xfrm>
+            <a:off x="4595323" y="2310171"/>
+            <a:ext cx="4861523" cy="972305"/>
+          </a:xfrm>
+          <a:prstGeom prst="rect">
+            <a:avLst/>
+          </a:prstGeom>
+          <a:noFill/>
+          <a:extLst>
+            <a:ext uri="{909E8E84-426E-40DD-AFC4-6F175D3DCCD1}">
+              <a14:hiddenFill xmlns:a14="http://schemas.microsoft.com/office/drawing/2010/main">
+                <a:solidFill>
+                  <a:srgbClr val="FFFFFF"/>
+                </a:solidFill>
+              </a14:hiddenFill>
+            </a:ext>
+          </a:extLst>
+        </p:spPr>
+      </p:pic>
+      <p:pic>
+        <p:nvPicPr>
+          <p:cNvPr id="1038" name="Picture 14" descr="How to Use Mapillary Data in Jupyter Notebooks - The Mapillary Blog"/>
+          <p:cNvPicPr>
+            <a:picLocks noChangeAspect="1" noChangeArrowheads="1"/>
+          </p:cNvPicPr>
+          <p:nvPr/>
+        </p:nvPicPr>
+        <p:blipFill>
+          <a:blip r:embed="rId6" cstate="print">
+            <a:extLst>
+              <a:ext uri="{28A0092B-C50C-407E-A947-70E740481C1C}">
+                <a14:useLocalDpi xmlns:a14="http://schemas.microsoft.com/office/drawing/2010/main" val="0"/>
+              </a:ext>
+            </a:extLst>
+          </a:blip>
+          <a:srcRect/>
+          <a:stretch>
+            <a:fillRect/>
+          </a:stretch>
+        </p:blipFill>
+        <p:spPr bwMode="auto">
+          <a:xfrm>
+            <a:off x="7736337" y="4423523"/>
+            <a:ext cx="3716827" cy="1002741"/>
+          </a:xfrm>
+          <a:prstGeom prst="rect">
+            <a:avLst/>
+          </a:prstGeom>
+          <a:noFill/>
+          <a:extLst>
+            <a:ext uri="{909E8E84-426E-40DD-AFC4-6F175D3DCCD1}">
+              <a14:hiddenFill xmlns:a14="http://schemas.microsoft.com/office/drawing/2010/main">
+                <a:solidFill>
+                  <a:srgbClr val="FFFFFF"/>
+                </a:solidFill>
+              </a14:hiddenFill>
+            </a:ext>
+          </a:extLst>
+        </p:spPr>
+      </p:pic>
+      <p:pic>
+        <p:nvPicPr>
+          <p:cNvPr id="1040" name="Picture 16" descr="File:Scikit learn logo small.svg - Wikimedia Commons"/>
+          <p:cNvPicPr>
+            <a:picLocks noChangeAspect="1" noChangeArrowheads="1"/>
+          </p:cNvPicPr>
+          <p:nvPr/>
+        </p:nvPicPr>
+        <p:blipFill>
+          <a:blip r:embed="rId7" cstate="print">
+            <a:extLst>
+              <a:ext uri="{28A0092B-C50C-407E-A947-70E740481C1C}">
+                <a14:useLocalDpi xmlns:a14="http://schemas.microsoft.com/office/drawing/2010/main" val="0"/>
+              </a:ext>
+            </a:extLst>
+          </a:blip>
+          <a:srcRect/>
+          <a:stretch>
+            <a:fillRect/>
+          </a:stretch>
+        </p:blipFill>
+        <p:spPr bwMode="auto">
+          <a:xfrm>
+            <a:off x="4595323" y="4018300"/>
+            <a:ext cx="2664944" cy="1434490"/>
+          </a:xfrm>
+          <a:prstGeom prst="rect">
+            <a:avLst/>
+          </a:prstGeom>
+          <a:noFill/>
+          <a:extLst>
+            <a:ext uri="{909E8E84-426E-40DD-AFC4-6F175D3DCCD1}">
+              <a14:hiddenFill xmlns:a14="http://schemas.microsoft.com/office/drawing/2010/main">
+                <a:solidFill>
+                  <a:srgbClr val="FFFFFF"/>
+                </a:solidFill>
+              </a14:hiddenFill>
+            </a:ext>
+          </a:extLst>
+        </p:spPr>
+      </p:pic>
+      <p:sp>
+        <p:nvSpPr>
+          <p:cNvPr id="12" name="Title 1">
+            <a:extLst>
+              <a:ext uri="{FF2B5EF4-FFF2-40B4-BE49-F238E27FC236}">
+                <a16:creationId xmlns:a16="http://schemas.microsoft.com/office/drawing/2014/main" id="{60BF935A-CCAC-124B-810D-8F2B4E96E7E3}"/>
+              </a:ext>
+            </a:extLst>
+          </p:cNvPr>
+          <p:cNvSpPr txBox="1">
+            <a:spLocks/>
+          </p:cNvSpPr>
+          <p:nvPr/>
+        </p:nvSpPr>
+        <p:spPr>
+          <a:xfrm>
+            <a:off x="838200" y="365126"/>
+            <a:ext cx="10515600" cy="981894"/>
+          </a:xfrm>
+          <a:prstGeom prst="rect">
+            <a:avLst/>
+          </a:prstGeom>
+        </p:spPr>
+        <p:txBody>
+          <a:bodyPr vert="horz" lIns="91440" tIns="45720" rIns="91440" bIns="45720" rtlCol="0" anchor="ctr">
+            <a:normAutofit/>
+          </a:bodyPr>
+          <a:lstStyle>
+            <a:lvl1pPr algn="l" defTabSz="914400" rtl="0" eaLnBrk="1" latinLnBrk="0" hangingPunct="1">
+              <a:lnSpc>
+                <a:spcPct val="90000"/>
+              </a:lnSpc>
+              <a:spcBef>
+                <a:spcPct val="0"/>
+              </a:spcBef>
+              <a:buNone/>
+              <a:defRPr sz="4400" kern="1200">
+                <a:solidFill>
+                  <a:schemeClr val="tx1"/>
+                </a:solidFill>
+                <a:latin typeface="+mj-lt"/>
+                <a:ea typeface="+mj-ea"/>
+                <a:cs typeface="+mj-cs"/>
+              </a:defRPr>
+            </a:lvl1pPr>
+          </a:lstStyle>
+          <a:p>
+            <a:r>
+              <a:rPr lang="en-US" dirty="0"/>
+              <a:t>Implementation Tools</a:t>
+            </a:r>
+          </a:p>
+        </p:txBody>
+      </p:sp>
+    </p:spTree>
+    <p:extLst>
+      <p:ext uri="{BB962C8B-B14F-4D97-AF65-F5344CB8AC3E}">
+        <p14:creationId xmlns:p14="http://schemas.microsoft.com/office/powerpoint/2010/main" val="4236951330"/>
+      </p:ext>
+    </p:extLst>
+  </p:cSld>
+  <p:clrMapOvr>
+    <a:masterClrMapping/>
+  </p:clrMapOvr>
+</p:sld>
+</file>
+
+<file path=ppt/slides/slide2.xml><?xml version="1.0" encoding="utf-8"?>
+<p:sld xmlns:a="http://schemas.openxmlformats.org/drawingml/2006/main" xmlns:r="http://schemas.openxmlformats.org/officeDocument/2006/relationships" xmlns:p="http://schemas.openxmlformats.org/presentationml/2006/main">
+  <p:cSld>
+    <p:spTree>
+      <p:nvGrpSpPr>
+        <p:cNvPr id="1" name=""/>
+        <p:cNvGrpSpPr/>
+        <p:nvPr/>
+      </p:nvGrpSpPr>
+      <p:grpSpPr>
+        <a:xfrm>
+          <a:off x="0" y="0"/>
+          <a:ext cx="0" cy="0"/>
+          <a:chOff x="0" y="0"/>
+          <a:chExt cx="0" cy="0"/>
+        </a:xfrm>
+      </p:grpSpPr>
+      <p:sp>
+        <p:nvSpPr>
+          <p:cNvPr id="2" name="Title 1">
+            <a:extLst>
+              <a:ext uri="{FF2B5EF4-FFF2-40B4-BE49-F238E27FC236}">
+                <a16:creationId xmlns:a16="http://schemas.microsoft.com/office/drawing/2014/main" id="{87BF30BF-7806-D247-A2AF-B1239989AB83}"/>
+              </a:ext>
+            </a:extLst>
+          </p:cNvPr>
+          <p:cNvSpPr>
+            <a:spLocks noGrp="1"/>
+          </p:cNvSpPr>
+          <p:nvPr>
+            <p:ph type="title"/>
+          </p:nvPr>
+        </p:nvSpPr>
+        <p:spPr/>
+        <p:txBody>
+          <a:bodyPr/>
+          <a:lstStyle/>
+          <a:p>
+            <a:r>
+              <a:rPr lang="en-US" dirty="0"/>
+              <a:t>Course Website</a:t>
+            </a:r>
+          </a:p>
+        </p:txBody>
+      </p:sp>
+      <p:sp>
+        <p:nvSpPr>
+          <p:cNvPr id="7" name="TextBox 6">
+            <a:extLst>
+              <a:ext uri="{FF2B5EF4-FFF2-40B4-BE49-F238E27FC236}">
+                <a16:creationId xmlns:a16="http://schemas.microsoft.com/office/drawing/2014/main" id="{BC953F59-DB65-0241-829C-F5150AEE3958}"/>
+              </a:ext>
+            </a:extLst>
+          </p:cNvPr>
+          <p:cNvSpPr txBox="1"/>
+          <p:nvPr/>
+        </p:nvSpPr>
+        <p:spPr>
+          <a:xfrm>
+            <a:off x="838200" y="1825675"/>
+            <a:ext cx="9159240" cy="461665"/>
+          </a:xfrm>
+          <a:prstGeom prst="rect">
+            <a:avLst/>
+          </a:prstGeom>
+          <a:noFill/>
+        </p:spPr>
+        <p:txBody>
+          <a:bodyPr wrap="square">
+            <a:spAutoFit/>
+          </a:bodyPr>
+          <a:lstStyle/>
+          <a:p>
+            <a:r>
+              <a:rPr lang="en-US" sz="2400" dirty="0"/>
+              <a:t>https://tianzheng4.github.io/</a:t>
+            </a:r>
+            <a:r>
+              <a:rPr lang="en-US" sz="2400" dirty="0" err="1"/>
+              <a:t>umkc</a:t>
+            </a:r>
+            <a:r>
+              <a:rPr lang="en-US" sz="2400" dirty="0"/>
+              <a:t>-teaching/2023-fall-teaching-1/</a:t>
+            </a:r>
+          </a:p>
+        </p:txBody>
+      </p:sp>
+      <p:sp>
+        <p:nvSpPr>
+          <p:cNvPr id="8" name="Content Placeholder 2">
+            <a:extLst>
+              <a:ext uri="{FF2B5EF4-FFF2-40B4-BE49-F238E27FC236}">
+                <a16:creationId xmlns:a16="http://schemas.microsoft.com/office/drawing/2014/main" id="{A699D753-1647-664C-A454-6CD0016A3B91}"/>
+              </a:ext>
+            </a:extLst>
+          </p:cNvPr>
+          <p:cNvSpPr>
+            <a:spLocks noGrp="1"/>
+          </p:cNvSpPr>
+          <p:nvPr>
+            <p:ph idx="1"/>
+          </p:nvPr>
+        </p:nvSpPr>
+        <p:spPr>
+          <a:xfrm>
+            <a:off x="838200" y="2919949"/>
+            <a:ext cx="9616440" cy="2078771"/>
+          </a:xfrm>
+        </p:spPr>
+        <p:txBody>
+          <a:bodyPr>
+            <a:normAutofit/>
+          </a:bodyPr>
+          <a:lstStyle/>
+          <a:p>
+            <a:pPr marL="0" indent="0">
+              <a:buNone/>
+            </a:pPr>
+            <a:r>
+              <a:rPr lang="en-US" sz="2400" dirty="0"/>
+              <a:t>What are on the course website:</a:t>
+            </a:r>
+          </a:p>
+          <a:p>
+            <a:pPr marL="0" indent="0">
+              <a:buNone/>
+            </a:pPr>
+            <a:r>
+              <a:rPr lang="en-US" sz="2400" dirty="0"/>
+              <a:t>	Lecture slides</a:t>
+            </a:r>
+          </a:p>
+          <a:p>
+            <a:pPr marL="0" indent="0">
+              <a:buNone/>
+            </a:pPr>
+            <a:r>
+              <a:rPr lang="en-US" sz="2400" dirty="0"/>
+              <a:t>	Lab material</a:t>
+            </a:r>
+          </a:p>
+          <a:p>
+            <a:pPr marL="0" indent="0">
+              <a:buNone/>
+            </a:pPr>
+            <a:r>
+              <a:rPr lang="en-US" sz="2400" dirty="0"/>
+              <a:t>	Contact Information</a:t>
+            </a:r>
+          </a:p>
+        </p:txBody>
+      </p:sp>
+      <p:sp>
+        <p:nvSpPr>
+          <p:cNvPr id="9" name="Content Placeholder 2">
+            <a:extLst>
+              <a:ext uri="{FF2B5EF4-FFF2-40B4-BE49-F238E27FC236}">
+                <a16:creationId xmlns:a16="http://schemas.microsoft.com/office/drawing/2014/main" id="{8E7D57D7-F9C0-5840-941E-E7D4557F09BF}"/>
+              </a:ext>
+            </a:extLst>
+          </p:cNvPr>
+          <p:cNvSpPr txBox="1">
+            <a:spLocks/>
+          </p:cNvSpPr>
+          <p:nvPr/>
+        </p:nvSpPr>
+        <p:spPr>
+          <a:xfrm>
+            <a:off x="838200" y="5375881"/>
+            <a:ext cx="9616440" cy="852100"/>
+          </a:xfrm>
+          <a:prstGeom prst="rect">
+            <a:avLst/>
+          </a:prstGeom>
+        </p:spPr>
+        <p:txBody>
+          <a:bodyPr vert="horz" lIns="91440" tIns="45720" rIns="91440" bIns="45720" rtlCol="0">
+            <a:normAutofit/>
+          </a:bodyPr>
+          <a:lstStyle>
+            <a:lvl1pPr marL="228600" indent="-228600" algn="l" defTabSz="914400" rtl="0" eaLnBrk="1" latinLnBrk="0" hangingPunct="1">
+              <a:lnSpc>
+                <a:spcPct val="90000"/>
+              </a:lnSpc>
+              <a:spcBef>
+                <a:spcPts val="1000"/>
+              </a:spcBef>
+              <a:buFont typeface="Arial" panose="020B0604020202020204" pitchFamily="34" charset="0"/>
+              <a:buChar char="•"/>
+              <a:defRPr sz="2800" kern="1200">
+                <a:solidFill>
+                  <a:schemeClr val="tx1"/>
+                </a:solidFill>
+                <a:latin typeface="+mn-lt"/>
+                <a:ea typeface="+mn-ea"/>
+                <a:cs typeface="+mn-cs"/>
+              </a:defRPr>
+            </a:lvl1pPr>
+            <a:lvl2pPr marL="685800" indent="-228600" algn="l" defTabSz="914400" rtl="0" eaLnBrk="1" latinLnBrk="0" hangingPunct="1">
+              <a:lnSpc>
+                <a:spcPct val="90000"/>
+              </a:lnSpc>
+              <a:spcBef>
+                <a:spcPts val="500"/>
+              </a:spcBef>
+              <a:buFont typeface="Arial" panose="020B0604020202020204" pitchFamily="34" charset="0"/>
+              <a:buChar char="•"/>
+              <a:defRPr sz="2400" kern="1200">
+                <a:solidFill>
+                  <a:schemeClr val="tx1"/>
+                </a:solidFill>
+                <a:latin typeface="+mn-lt"/>
+                <a:ea typeface="+mn-ea"/>
+                <a:cs typeface="+mn-cs"/>
+              </a:defRPr>
+            </a:lvl2pPr>
+            <a:lvl3pPr marL="1143000" indent="-228600" algn="l" defTabSz="914400" rtl="0" eaLnBrk="1" latinLnBrk="0" hangingPunct="1">
+              <a:lnSpc>
+                <a:spcPct val="90000"/>
+              </a:lnSpc>
+              <a:spcBef>
+                <a:spcPts val="500"/>
+              </a:spcBef>
+              <a:buFont typeface="Arial" panose="020B0604020202020204" pitchFamily="34" charset="0"/>
+              <a:buChar char="•"/>
+              <a:defRPr sz="2000" kern="1200">
+                <a:solidFill>
+                  <a:schemeClr val="tx1"/>
+                </a:solidFill>
+                <a:latin typeface="+mn-lt"/>
+                <a:ea typeface="+mn-ea"/>
+                <a:cs typeface="+mn-cs"/>
+              </a:defRPr>
+            </a:lvl3pPr>
+            <a:lvl4pPr marL="1600200" indent="-228600" algn="l" defTabSz="914400" rtl="0" eaLnBrk="1" latinLnBrk="0" hangingPunct="1">
+              <a:lnSpc>
+                <a:spcPct val="90000"/>
+              </a:lnSpc>
+              <a:spcBef>
+                <a:spcPts val="500"/>
+              </a:spcBef>
+              <a:buFont typeface="Arial" panose="020B0604020202020204" pitchFamily="34" charset="0"/>
+              <a:buChar char="•"/>
+              <a:defRPr sz="1800" kern="1200">
+                <a:solidFill>
+                  <a:schemeClr val="tx1"/>
+                </a:solidFill>
+                <a:latin typeface="+mn-lt"/>
+                <a:ea typeface="+mn-ea"/>
+                <a:cs typeface="+mn-cs"/>
+              </a:defRPr>
+            </a:lvl4pPr>
+            <a:lvl5pPr marL="2057400" indent="-228600" algn="l" defTabSz="914400" rtl="0" eaLnBrk="1" latinLnBrk="0" hangingPunct="1">
+              <a:lnSpc>
+                <a:spcPct val="90000"/>
+              </a:lnSpc>
+              <a:spcBef>
+                <a:spcPts val="500"/>
+              </a:spcBef>
+              <a:buFont typeface="Arial" panose="020B0604020202020204" pitchFamily="34" charset="0"/>
+              <a:buChar char="•"/>
+              <a:defRPr sz="1800" kern="1200">
+                <a:solidFill>
+                  <a:schemeClr val="tx1"/>
+                </a:solidFill>
+                <a:latin typeface="+mn-lt"/>
+                <a:ea typeface="+mn-ea"/>
+                <a:cs typeface="+mn-cs"/>
+              </a:defRPr>
+            </a:lvl5pPr>
+            <a:lvl6pPr marL="2514600" indent="-228600" algn="l" defTabSz="914400" rtl="0" eaLnBrk="1" latinLnBrk="0" hangingPunct="1">
+              <a:lnSpc>
+                <a:spcPct val="90000"/>
+              </a:lnSpc>
+              <a:spcBef>
+                <a:spcPts val="500"/>
+              </a:spcBef>
+              <a:buFont typeface="Arial" panose="020B0604020202020204" pitchFamily="34" charset="0"/>
+              <a:buChar char="•"/>
+              <a:defRPr sz="1800" kern="1200">
+                <a:solidFill>
+                  <a:schemeClr val="tx1"/>
+                </a:solidFill>
+                <a:latin typeface="+mn-lt"/>
+                <a:ea typeface="+mn-ea"/>
+                <a:cs typeface="+mn-cs"/>
+              </a:defRPr>
+            </a:lvl6pPr>
+            <a:lvl7pPr marL="2971800" indent="-228600" algn="l" defTabSz="914400" rtl="0" eaLnBrk="1" latinLnBrk="0" hangingPunct="1">
+              <a:lnSpc>
+                <a:spcPct val="90000"/>
+              </a:lnSpc>
+              <a:spcBef>
+                <a:spcPts val="500"/>
+              </a:spcBef>
+              <a:buFont typeface="Arial" panose="020B0604020202020204" pitchFamily="34" charset="0"/>
+              <a:buChar char="•"/>
+              <a:defRPr sz="1800" kern="1200">
+                <a:solidFill>
+                  <a:schemeClr val="tx1"/>
+                </a:solidFill>
+                <a:latin typeface="+mn-lt"/>
+                <a:ea typeface="+mn-ea"/>
+                <a:cs typeface="+mn-cs"/>
+              </a:defRPr>
+            </a:lvl7pPr>
+            <a:lvl8pPr marL="3429000" indent="-228600" algn="l" defTabSz="914400" rtl="0" eaLnBrk="1" latinLnBrk="0" hangingPunct="1">
+              <a:lnSpc>
+                <a:spcPct val="90000"/>
+              </a:lnSpc>
+              <a:spcBef>
+                <a:spcPts val="500"/>
+              </a:spcBef>
+              <a:buFont typeface="Arial" panose="020B0604020202020204" pitchFamily="34" charset="0"/>
+              <a:buChar char="•"/>
+              <a:defRPr sz="1800" kern="1200">
+                <a:solidFill>
+                  <a:schemeClr val="tx1"/>
+                </a:solidFill>
+                <a:latin typeface="+mn-lt"/>
+                <a:ea typeface="+mn-ea"/>
+                <a:cs typeface="+mn-cs"/>
+              </a:defRPr>
+            </a:lvl8pPr>
+            <a:lvl9pPr marL="3886200" indent="-228600" algn="l" defTabSz="914400" rtl="0" eaLnBrk="1" latinLnBrk="0" hangingPunct="1">
+              <a:lnSpc>
+                <a:spcPct val="90000"/>
+              </a:lnSpc>
+              <a:spcBef>
+                <a:spcPts val="500"/>
+              </a:spcBef>
+              <a:buFont typeface="Arial" panose="020B0604020202020204" pitchFamily="34" charset="0"/>
+              <a:buChar char="•"/>
+              <a:defRPr sz="1800" kern="1200">
+                <a:solidFill>
+                  <a:schemeClr val="tx1"/>
+                </a:solidFill>
+                <a:latin typeface="+mn-lt"/>
+                <a:ea typeface="+mn-ea"/>
+                <a:cs typeface="+mn-cs"/>
+              </a:defRPr>
+            </a:lvl9pPr>
+          </a:lstStyle>
+          <a:p>
+            <a:pPr marL="0" indent="0">
+              <a:buFont typeface="Arial" panose="020B0604020202020204" pitchFamily="34" charset="0"/>
+              <a:buNone/>
+            </a:pPr>
+            <a:r>
+              <a:rPr lang="en-US" sz="2400" dirty="0"/>
+              <a:t>If you are interested in my research, feel free to contact me.</a:t>
+            </a:r>
+          </a:p>
+        </p:txBody>
+      </p:sp>
+    </p:spTree>
+    <p:extLst>
+      <p:ext uri="{BB962C8B-B14F-4D97-AF65-F5344CB8AC3E}">
+        <p14:creationId xmlns:p14="http://schemas.microsoft.com/office/powerpoint/2010/main" val="1524471069"/>
+      </p:ext>
+    </p:extLst>
+  </p:cSld>
+  <p:clrMapOvr>
+    <a:masterClrMapping/>
+  </p:clrMapOvr>
+</p:sld>
+</file>
+
+<file path=ppt/slides/slide20.xml><?xml version="1.0" encoding="utf-8"?>
+<p:sld xmlns:a="http://schemas.openxmlformats.org/drawingml/2006/main" xmlns:r="http://schemas.openxmlformats.org/officeDocument/2006/relationships" xmlns:p="http://schemas.openxmlformats.org/presentationml/2006/main">
+  <p:cSld>
+    <p:spTree>
+      <p:nvGrpSpPr>
+        <p:cNvPr id="1" name=""/>
+        <p:cNvGrpSpPr/>
+        <p:nvPr/>
+      </p:nvGrpSpPr>
+      <p:grpSpPr>
+        <a:xfrm>
+          <a:off x="0" y="0"/>
+          <a:ext cx="0" cy="0"/>
+          <a:chOff x="0" y="0"/>
+          <a:chExt cx="0" cy="0"/>
+        </a:xfrm>
+      </p:grpSpPr>
+      <p:sp>
+        <p:nvSpPr>
+          <p:cNvPr id="2" name="Title 1"/>
+          <p:cNvSpPr>
+            <a:spLocks noGrp="1"/>
+          </p:cNvSpPr>
+          <p:nvPr>
+            <p:ph type="title"/>
+          </p:nvPr>
+        </p:nvSpPr>
+        <p:spPr/>
+        <p:txBody>
+          <a:bodyPr/>
+          <a:lstStyle/>
+          <a:p>
+            <a:r>
+              <a:rPr lang="en-US" dirty="0">
+                <a:solidFill>
+                  <a:srgbClr val="0070C0"/>
+                </a:solidFill>
+              </a:rPr>
+              <a:t>Python Resources</a:t>
+            </a:r>
+          </a:p>
+        </p:txBody>
+      </p:sp>
+      <p:sp>
+        <p:nvSpPr>
+          <p:cNvPr id="3" name="Content Placeholder 2"/>
+          <p:cNvSpPr>
+            <a:spLocks noGrp="1"/>
+          </p:cNvSpPr>
+          <p:nvPr>
+            <p:ph idx="1"/>
+          </p:nvPr>
+        </p:nvSpPr>
+        <p:spPr>
+          <a:xfrm>
+            <a:off x="934907" y="1575509"/>
+            <a:ext cx="10341077" cy="3647601"/>
+          </a:xfrm>
+        </p:spPr>
+        <p:txBody>
+          <a:bodyPr>
+            <a:noAutofit/>
+          </a:bodyPr>
+          <a:lstStyle/>
+          <a:p>
+            <a:r>
+              <a:rPr lang="en-GB" dirty="0" err="1"/>
+              <a:t>Kaggle</a:t>
+            </a:r>
+            <a:r>
+              <a:rPr lang="en-GB" dirty="0"/>
+              <a:t>: </a:t>
+            </a:r>
+            <a:r>
+              <a:rPr lang="en-GB" dirty="0">
+                <a:hlinkClick r:id="rId2"/>
+              </a:rPr>
+              <a:t>https://www.kaggle.com/learn/python</a:t>
+            </a:r>
+            <a:r>
+              <a:rPr lang="en-GB" dirty="0"/>
+              <a:t> </a:t>
+            </a:r>
+          </a:p>
+          <a:p>
+            <a:r>
+              <a:rPr lang="en-GB" dirty="0"/>
+              <a:t>Learn Python: </a:t>
+            </a:r>
+            <a:r>
+              <a:rPr lang="en-GB" dirty="0">
+                <a:hlinkClick r:id="rId3"/>
+              </a:rPr>
+              <a:t>https://www.learnpython.org/</a:t>
+            </a:r>
+            <a:r>
+              <a:rPr lang="en-GB" dirty="0"/>
+              <a:t> </a:t>
+            </a:r>
+          </a:p>
+          <a:p>
+            <a:r>
+              <a:rPr lang="en-GB" dirty="0"/>
+              <a:t>Python for Beginners by Microsoft: </a:t>
+            </a:r>
+            <a:r>
+              <a:rPr lang="en-GB" dirty="0">
+                <a:hlinkClick r:id="rId4"/>
+              </a:rPr>
+              <a:t>https://learn.microsoft.com/en-us/shows/intro-to-python-development/</a:t>
+            </a:r>
+            <a:r>
+              <a:rPr lang="en-GB" dirty="0"/>
+              <a:t> </a:t>
+            </a:r>
+            <a:endParaRPr lang="en-US" dirty="0"/>
+          </a:p>
+          <a:p>
+            <a:r>
+              <a:rPr lang="en-US" dirty="0"/>
+              <a:t>Python for Everybody (up to 6 hours): </a:t>
+            </a:r>
+            <a:r>
+              <a:rPr lang="en-US" dirty="0">
+                <a:hlinkClick r:id="rId5"/>
+              </a:rPr>
+              <a:t>https://www.youtube.com/watch?v=8DvywoWv6fI</a:t>
+            </a:r>
+            <a:r>
+              <a:rPr lang="en-US" dirty="0"/>
+              <a:t> </a:t>
+            </a:r>
+          </a:p>
+          <a:p>
+            <a:r>
+              <a:rPr lang="en-GB" b="1" dirty="0"/>
+              <a:t>Google it</a:t>
+            </a:r>
+            <a:endParaRPr lang="en-US" b="1" dirty="0"/>
+          </a:p>
+        </p:txBody>
+      </p:sp>
+      <p:pic>
+        <p:nvPicPr>
+          <p:cNvPr id="14" name="Picture 4" descr="File:UMKC logo.png - Wikipedia"/>
+          <p:cNvPicPr>
+            <a:picLocks noChangeAspect="1" noChangeArrowheads="1"/>
+          </p:cNvPicPr>
+          <p:nvPr/>
+        </p:nvPicPr>
+        <p:blipFill>
+          <a:blip r:embed="rId6" cstate="print">
+            <a:extLst>
+              <a:ext uri="{28A0092B-C50C-407E-A947-70E740481C1C}">
+                <a14:useLocalDpi xmlns:a14="http://schemas.microsoft.com/office/drawing/2010/main" val="0"/>
+              </a:ext>
+            </a:extLst>
+          </a:blip>
+          <a:srcRect/>
+          <a:stretch>
+            <a:fillRect/>
+          </a:stretch>
+        </p:blipFill>
+        <p:spPr bwMode="auto">
+          <a:xfrm>
+            <a:off x="10741981" y="6132824"/>
+            <a:ext cx="1293518" cy="571124"/>
+          </a:xfrm>
+          <a:prstGeom prst="rect">
+            <a:avLst/>
+          </a:prstGeom>
+          <a:noFill/>
+          <a:extLst>
+            <a:ext uri="{909E8E84-426E-40DD-AFC4-6F175D3DCCD1}">
+              <a14:hiddenFill xmlns:a14="http://schemas.microsoft.com/office/drawing/2010/main">
+                <a:solidFill>
+                  <a:srgbClr val="FFFFFF"/>
+                </a:solidFill>
+              </a14:hiddenFill>
+            </a:ext>
+          </a:extLst>
+        </p:spPr>
+      </p:pic>
+    </p:spTree>
+    <p:extLst>
+      <p:ext uri="{BB962C8B-B14F-4D97-AF65-F5344CB8AC3E}">
+        <p14:creationId xmlns:p14="http://schemas.microsoft.com/office/powerpoint/2010/main" val="2980421335"/>
+      </p:ext>
+    </p:extLst>
+  </p:cSld>
+  <p:clrMapOvr>
+    <a:masterClrMapping/>
+  </p:clrMapOvr>
+</p:sld>
+</file>
+
+<file path=ppt/slides/slide21.xml><?xml version="1.0" encoding="utf-8"?>
+<p:sld xmlns:a="http://schemas.openxmlformats.org/drawingml/2006/main" xmlns:r="http://schemas.openxmlformats.org/officeDocument/2006/relationships" xmlns:p="http://schemas.openxmlformats.org/presentationml/2006/main">
+  <p:cSld>
+    <p:spTree>
+      <p:nvGrpSpPr>
+        <p:cNvPr id="1" name=""/>
+        <p:cNvGrpSpPr/>
+        <p:nvPr/>
+      </p:nvGrpSpPr>
+      <p:grpSpPr>
+        <a:xfrm>
+          <a:off x="0" y="0"/>
+          <a:ext cx="0" cy="0"/>
+          <a:chOff x="0" y="0"/>
+          <a:chExt cx="0" cy="0"/>
+        </a:xfrm>
+      </p:grpSpPr>
+      <p:sp>
+        <p:nvSpPr>
+          <p:cNvPr id="2" name="Title 1">
+            <a:extLst>
+              <a:ext uri="{FF2B5EF4-FFF2-40B4-BE49-F238E27FC236}">
+                <a16:creationId xmlns:a16="http://schemas.microsoft.com/office/drawing/2014/main" id="{87BF30BF-7806-D247-A2AF-B1239989AB83}"/>
+              </a:ext>
+            </a:extLst>
+          </p:cNvPr>
+          <p:cNvSpPr>
+            <a:spLocks noGrp="1"/>
+          </p:cNvSpPr>
+          <p:nvPr>
+            <p:ph type="title"/>
+          </p:nvPr>
+        </p:nvSpPr>
+        <p:spPr/>
+        <p:txBody>
+          <a:bodyPr/>
+          <a:lstStyle/>
+          <a:p>
+            <a:r>
+              <a:rPr lang="en-US" dirty="0"/>
+              <a:t>Course Website</a:t>
+            </a:r>
+          </a:p>
+        </p:txBody>
+      </p:sp>
+      <p:sp>
+        <p:nvSpPr>
+          <p:cNvPr id="7" name="TextBox 6">
+            <a:extLst>
+              <a:ext uri="{FF2B5EF4-FFF2-40B4-BE49-F238E27FC236}">
+                <a16:creationId xmlns:a16="http://schemas.microsoft.com/office/drawing/2014/main" id="{BC953F59-DB65-0241-829C-F5150AEE3958}"/>
+              </a:ext>
+            </a:extLst>
+          </p:cNvPr>
+          <p:cNvSpPr txBox="1"/>
+          <p:nvPr/>
+        </p:nvSpPr>
+        <p:spPr>
+          <a:xfrm>
+            <a:off x="838200" y="1825675"/>
+            <a:ext cx="9159240" cy="461665"/>
+          </a:xfrm>
+          <a:prstGeom prst="rect">
+            <a:avLst/>
+          </a:prstGeom>
+          <a:noFill/>
+        </p:spPr>
+        <p:txBody>
+          <a:bodyPr wrap="square">
+            <a:spAutoFit/>
+          </a:bodyPr>
+          <a:lstStyle/>
+          <a:p>
+            <a:r>
+              <a:rPr lang="en-US" sz="2400" dirty="0"/>
+              <a:t>https://tianzheng4.github.io/</a:t>
+            </a:r>
+            <a:r>
+              <a:rPr lang="en-US" sz="2400" dirty="0" err="1"/>
+              <a:t>umkc</a:t>
+            </a:r>
+            <a:r>
+              <a:rPr lang="en-US" sz="2400" dirty="0"/>
+              <a:t>-teaching/2023-fall-teaching-1/</a:t>
+            </a:r>
+          </a:p>
+        </p:txBody>
+      </p:sp>
+      <p:sp>
+        <p:nvSpPr>
+          <p:cNvPr id="8" name="Content Placeholder 2">
+            <a:extLst>
+              <a:ext uri="{FF2B5EF4-FFF2-40B4-BE49-F238E27FC236}">
+                <a16:creationId xmlns:a16="http://schemas.microsoft.com/office/drawing/2014/main" id="{A699D753-1647-664C-A454-6CD0016A3B91}"/>
+              </a:ext>
+            </a:extLst>
+          </p:cNvPr>
+          <p:cNvSpPr>
+            <a:spLocks noGrp="1"/>
+          </p:cNvSpPr>
+          <p:nvPr>
+            <p:ph idx="1"/>
+          </p:nvPr>
+        </p:nvSpPr>
+        <p:spPr>
+          <a:xfrm>
+            <a:off x="838200" y="2919949"/>
+            <a:ext cx="9616440" cy="2078771"/>
+          </a:xfrm>
+        </p:spPr>
+        <p:txBody>
+          <a:bodyPr>
+            <a:normAutofit/>
+          </a:bodyPr>
+          <a:lstStyle/>
+          <a:p>
+            <a:pPr marL="0" indent="0">
+              <a:buNone/>
+            </a:pPr>
+            <a:r>
+              <a:rPr lang="en-US" sz="2400" dirty="0"/>
+              <a:t>What are on the course website:</a:t>
+            </a:r>
+          </a:p>
+          <a:p>
+            <a:pPr marL="0" indent="0">
+              <a:buNone/>
+            </a:pPr>
+            <a:r>
+              <a:rPr lang="en-US" sz="2400" dirty="0"/>
+              <a:t>	Lecture slides</a:t>
+            </a:r>
+          </a:p>
+          <a:p>
+            <a:pPr marL="0" indent="0">
+              <a:buNone/>
+            </a:pPr>
+            <a:r>
+              <a:rPr lang="en-US" sz="2400" dirty="0"/>
+              <a:t>	Lab material</a:t>
+            </a:r>
+          </a:p>
+          <a:p>
+            <a:pPr marL="0" indent="0">
+              <a:buNone/>
+            </a:pPr>
+            <a:r>
+              <a:rPr lang="en-US" sz="2400" dirty="0"/>
+              <a:t>	Contact Information</a:t>
+            </a:r>
+          </a:p>
+        </p:txBody>
+      </p:sp>
+      <p:sp>
+        <p:nvSpPr>
+          <p:cNvPr id="9" name="Content Placeholder 2">
+            <a:extLst>
+              <a:ext uri="{FF2B5EF4-FFF2-40B4-BE49-F238E27FC236}">
+                <a16:creationId xmlns:a16="http://schemas.microsoft.com/office/drawing/2014/main" id="{8E7D57D7-F9C0-5840-941E-E7D4557F09BF}"/>
+              </a:ext>
+            </a:extLst>
+          </p:cNvPr>
+          <p:cNvSpPr txBox="1">
+            <a:spLocks/>
+          </p:cNvSpPr>
+          <p:nvPr/>
+        </p:nvSpPr>
+        <p:spPr>
+          <a:xfrm>
+            <a:off x="838200" y="5375881"/>
+            <a:ext cx="9616440" cy="852100"/>
+          </a:xfrm>
+          <a:prstGeom prst="rect">
+            <a:avLst/>
+          </a:prstGeom>
+        </p:spPr>
+        <p:txBody>
+          <a:bodyPr vert="horz" lIns="91440" tIns="45720" rIns="91440" bIns="45720" rtlCol="0">
+            <a:normAutofit/>
+          </a:bodyPr>
+          <a:lstStyle>
+            <a:lvl1pPr marL="228600" indent="-228600" algn="l" defTabSz="914400" rtl="0" eaLnBrk="1" latinLnBrk="0" hangingPunct="1">
+              <a:lnSpc>
+                <a:spcPct val="90000"/>
+              </a:lnSpc>
+              <a:spcBef>
+                <a:spcPts val="1000"/>
+              </a:spcBef>
+              <a:buFont typeface="Arial" panose="020B0604020202020204" pitchFamily="34" charset="0"/>
+              <a:buChar char="•"/>
+              <a:defRPr sz="2800" kern="1200">
+                <a:solidFill>
+                  <a:schemeClr val="tx1"/>
+                </a:solidFill>
+                <a:latin typeface="+mn-lt"/>
+                <a:ea typeface="+mn-ea"/>
+                <a:cs typeface="+mn-cs"/>
+              </a:defRPr>
+            </a:lvl1pPr>
+            <a:lvl2pPr marL="685800" indent="-228600" algn="l" defTabSz="914400" rtl="0" eaLnBrk="1" latinLnBrk="0" hangingPunct="1">
+              <a:lnSpc>
+                <a:spcPct val="90000"/>
+              </a:lnSpc>
+              <a:spcBef>
+                <a:spcPts val="500"/>
+              </a:spcBef>
+              <a:buFont typeface="Arial" panose="020B0604020202020204" pitchFamily="34" charset="0"/>
+              <a:buChar char="•"/>
+              <a:defRPr sz="2400" kern="1200">
+                <a:solidFill>
+                  <a:schemeClr val="tx1"/>
+                </a:solidFill>
+                <a:latin typeface="+mn-lt"/>
+                <a:ea typeface="+mn-ea"/>
+                <a:cs typeface="+mn-cs"/>
+              </a:defRPr>
+            </a:lvl2pPr>
+            <a:lvl3pPr marL="1143000" indent="-228600" algn="l" defTabSz="914400" rtl="0" eaLnBrk="1" latinLnBrk="0" hangingPunct="1">
+              <a:lnSpc>
+                <a:spcPct val="90000"/>
+              </a:lnSpc>
+              <a:spcBef>
+                <a:spcPts val="500"/>
+              </a:spcBef>
+              <a:buFont typeface="Arial" panose="020B0604020202020204" pitchFamily="34" charset="0"/>
+              <a:buChar char="•"/>
+              <a:defRPr sz="2000" kern="1200">
+                <a:solidFill>
+                  <a:schemeClr val="tx1"/>
+                </a:solidFill>
+                <a:latin typeface="+mn-lt"/>
+                <a:ea typeface="+mn-ea"/>
+                <a:cs typeface="+mn-cs"/>
+              </a:defRPr>
+            </a:lvl3pPr>
+            <a:lvl4pPr marL="1600200" indent="-228600" algn="l" defTabSz="914400" rtl="0" eaLnBrk="1" latinLnBrk="0" hangingPunct="1">
+              <a:lnSpc>
+                <a:spcPct val="90000"/>
+              </a:lnSpc>
+              <a:spcBef>
+                <a:spcPts val="500"/>
+              </a:spcBef>
+              <a:buFont typeface="Arial" panose="020B0604020202020204" pitchFamily="34" charset="0"/>
+              <a:buChar char="•"/>
+              <a:defRPr sz="1800" kern="1200">
+                <a:solidFill>
+                  <a:schemeClr val="tx1"/>
+                </a:solidFill>
+                <a:latin typeface="+mn-lt"/>
+                <a:ea typeface="+mn-ea"/>
+                <a:cs typeface="+mn-cs"/>
+              </a:defRPr>
+            </a:lvl4pPr>
+            <a:lvl5pPr marL="2057400" indent="-228600" algn="l" defTabSz="914400" rtl="0" eaLnBrk="1" latinLnBrk="0" hangingPunct="1">
+              <a:lnSpc>
+                <a:spcPct val="90000"/>
+              </a:lnSpc>
+              <a:spcBef>
+                <a:spcPts val="500"/>
+              </a:spcBef>
+              <a:buFont typeface="Arial" panose="020B0604020202020204" pitchFamily="34" charset="0"/>
+              <a:buChar char="•"/>
+              <a:defRPr sz="1800" kern="1200">
+                <a:solidFill>
+                  <a:schemeClr val="tx1"/>
+                </a:solidFill>
+                <a:latin typeface="+mn-lt"/>
+                <a:ea typeface="+mn-ea"/>
+                <a:cs typeface="+mn-cs"/>
+              </a:defRPr>
+            </a:lvl5pPr>
+            <a:lvl6pPr marL="2514600" indent="-228600" algn="l" defTabSz="914400" rtl="0" eaLnBrk="1" latinLnBrk="0" hangingPunct="1">
+              <a:lnSpc>
+                <a:spcPct val="90000"/>
+              </a:lnSpc>
+              <a:spcBef>
+                <a:spcPts val="500"/>
+              </a:spcBef>
+              <a:buFont typeface="Arial" panose="020B0604020202020204" pitchFamily="34" charset="0"/>
+              <a:buChar char="•"/>
+              <a:defRPr sz="1800" kern="1200">
+                <a:solidFill>
+                  <a:schemeClr val="tx1"/>
+                </a:solidFill>
+                <a:latin typeface="+mn-lt"/>
+                <a:ea typeface="+mn-ea"/>
+                <a:cs typeface="+mn-cs"/>
+              </a:defRPr>
+            </a:lvl6pPr>
+            <a:lvl7pPr marL="2971800" indent="-228600" algn="l" defTabSz="914400" rtl="0" eaLnBrk="1" latinLnBrk="0" hangingPunct="1">
+              <a:lnSpc>
+                <a:spcPct val="90000"/>
+              </a:lnSpc>
+              <a:spcBef>
+                <a:spcPts val="500"/>
+              </a:spcBef>
+              <a:buFont typeface="Arial" panose="020B0604020202020204" pitchFamily="34" charset="0"/>
+              <a:buChar char="•"/>
+              <a:defRPr sz="1800" kern="1200">
+                <a:solidFill>
+                  <a:schemeClr val="tx1"/>
+                </a:solidFill>
+                <a:latin typeface="+mn-lt"/>
+                <a:ea typeface="+mn-ea"/>
+                <a:cs typeface="+mn-cs"/>
+              </a:defRPr>
+            </a:lvl7pPr>
+            <a:lvl8pPr marL="3429000" indent="-228600" algn="l" defTabSz="914400" rtl="0" eaLnBrk="1" latinLnBrk="0" hangingPunct="1">
+              <a:lnSpc>
+                <a:spcPct val="90000"/>
+              </a:lnSpc>
+              <a:spcBef>
+                <a:spcPts val="500"/>
+              </a:spcBef>
+              <a:buFont typeface="Arial" panose="020B0604020202020204" pitchFamily="34" charset="0"/>
+              <a:buChar char="•"/>
+              <a:defRPr sz="1800" kern="1200">
+                <a:solidFill>
+                  <a:schemeClr val="tx1"/>
+                </a:solidFill>
+                <a:latin typeface="+mn-lt"/>
+                <a:ea typeface="+mn-ea"/>
+                <a:cs typeface="+mn-cs"/>
+              </a:defRPr>
+            </a:lvl8pPr>
+            <a:lvl9pPr marL="3886200" indent="-228600" algn="l" defTabSz="914400" rtl="0" eaLnBrk="1" latinLnBrk="0" hangingPunct="1">
+              <a:lnSpc>
+                <a:spcPct val="90000"/>
+              </a:lnSpc>
+              <a:spcBef>
+                <a:spcPts val="500"/>
+              </a:spcBef>
+              <a:buFont typeface="Arial" panose="020B0604020202020204" pitchFamily="34" charset="0"/>
+              <a:buChar char="•"/>
+              <a:defRPr sz="1800" kern="1200">
+                <a:solidFill>
+                  <a:schemeClr val="tx1"/>
+                </a:solidFill>
+                <a:latin typeface="+mn-lt"/>
+                <a:ea typeface="+mn-ea"/>
+                <a:cs typeface="+mn-cs"/>
+              </a:defRPr>
+            </a:lvl9pPr>
+          </a:lstStyle>
+          <a:p>
+            <a:pPr marL="0" indent="0">
+              <a:buFont typeface="Arial" panose="020B0604020202020204" pitchFamily="34" charset="0"/>
+              <a:buNone/>
+            </a:pPr>
+            <a:r>
+              <a:rPr lang="en-US" sz="2400" dirty="0"/>
+              <a:t>If you are interested in my research, feel free to contact me.</a:t>
+            </a:r>
+          </a:p>
+        </p:txBody>
+      </p:sp>
+    </p:spTree>
+    <p:extLst>
+      <p:ext uri="{BB962C8B-B14F-4D97-AF65-F5344CB8AC3E}">
+        <p14:creationId xmlns:p14="http://schemas.microsoft.com/office/powerpoint/2010/main" val="1613744569"/>
+      </p:ext>
+    </p:extLst>
+  </p:cSld>
+  <p:clrMapOvr>
+    <a:masterClrMapping/>
+  </p:clrMapOvr>
+</p:sld>
+</file>
+
+<file path=ppt/slides/slide3.xml><?xml version="1.0" encoding="utf-8"?>
+<p:sld xmlns:a="http://schemas.openxmlformats.org/drawingml/2006/main" xmlns:r="http://schemas.openxmlformats.org/officeDocument/2006/relationships" xmlns:p="http://schemas.openxmlformats.org/presentationml/2006/main">
+  <p:cSld>
+    <p:spTree>
+      <p:nvGrpSpPr>
+        <p:cNvPr id="1" name=""/>
+        <p:cNvGrpSpPr/>
+        <p:nvPr/>
+      </p:nvGrpSpPr>
+      <p:grpSpPr>
+        <a:xfrm>
+          <a:off x="0" y="0"/>
+          <a:ext cx="0" cy="0"/>
+          <a:chOff x="0" y="0"/>
+          <a:chExt cx="0" cy="0"/>
+        </a:xfrm>
+      </p:grpSpPr>
+      <p:sp>
+        <p:nvSpPr>
+          <p:cNvPr id="2" name="Title 1">
+            <a:extLst>
+              <a:ext uri="{FF2B5EF4-FFF2-40B4-BE49-F238E27FC236}">
+                <a16:creationId xmlns:a16="http://schemas.microsoft.com/office/drawing/2014/main" id="{87BF30BF-7806-D247-A2AF-B1239989AB83}"/>
+              </a:ext>
+            </a:extLst>
+          </p:cNvPr>
+          <p:cNvSpPr>
+            <a:spLocks noGrp="1"/>
+          </p:cNvSpPr>
+          <p:nvPr>
+            <p:ph type="title"/>
+          </p:nvPr>
+        </p:nvSpPr>
+        <p:spPr/>
+        <p:txBody>
+          <a:bodyPr/>
+          <a:lstStyle/>
+          <a:p>
+            <a:r>
+              <a:rPr lang="en-US" dirty="0"/>
+              <a:t>Assignments and Requirements</a:t>
+            </a:r>
+          </a:p>
+        </p:txBody>
+      </p:sp>
+      <p:sp>
+        <p:nvSpPr>
+          <p:cNvPr id="4" name="Content Placeholder 3">
+            <a:extLst>
+              <a:ext uri="{FF2B5EF4-FFF2-40B4-BE49-F238E27FC236}">
+                <a16:creationId xmlns:a16="http://schemas.microsoft.com/office/drawing/2014/main" id="{526CEF02-794D-2C43-9606-8FA21EED0878}"/>
+              </a:ext>
+            </a:extLst>
+          </p:cNvPr>
+          <p:cNvSpPr>
+            <a:spLocks noGrp="1"/>
+          </p:cNvSpPr>
+          <p:nvPr>
+            <p:ph idx="1"/>
+          </p:nvPr>
+        </p:nvSpPr>
+        <p:spPr>
+          <a:xfrm>
+            <a:off x="838200" y="1825625"/>
+            <a:ext cx="10515600" cy="3020695"/>
+          </a:xfrm>
+        </p:spPr>
+        <p:txBody>
+          <a:bodyPr/>
+          <a:lstStyle/>
+          <a:p>
+            <a:r>
+              <a:rPr lang="en-US" dirty="0"/>
+              <a:t>Course + Lab: Theory and Implementation 30%</a:t>
+            </a:r>
+          </a:p>
+          <a:p>
+            <a:endParaRPr lang="en-US" dirty="0"/>
+          </a:p>
+          <a:p>
+            <a:r>
+              <a:rPr lang="en-US" dirty="0"/>
+              <a:t>Course Project: Maximum four people in one group 20%</a:t>
+            </a:r>
+          </a:p>
+          <a:p>
+            <a:endParaRPr lang="en-US" dirty="0"/>
+          </a:p>
+          <a:p>
+            <a:r>
+              <a:rPr lang="en-US" dirty="0"/>
+              <a:t>Mid-term and Final Exams 20% + 30%</a:t>
+            </a:r>
+          </a:p>
+        </p:txBody>
+      </p:sp>
+    </p:spTree>
+    <p:extLst>
+      <p:ext uri="{BB962C8B-B14F-4D97-AF65-F5344CB8AC3E}">
+        <p14:creationId xmlns:p14="http://schemas.microsoft.com/office/powerpoint/2010/main" val="732862507"/>
+      </p:ext>
+    </p:extLst>
+  </p:cSld>
+  <p:clrMapOvr>
+    <a:masterClrMapping/>
+  </p:clrMapOvr>
+</p:sld>
+</file>
+
+<file path=ppt/slides/slide4.xml><?xml version="1.0" encoding="utf-8"?>
 <p:sld xmlns:a="http://schemas.openxmlformats.org/drawingml/2006/main" xmlns:r="http://schemas.openxmlformats.org/officeDocument/2006/relationships" xmlns:p="http://schemas.openxmlformats.org/presentationml/2006/main">
   <p:cSld>
     <p:spTree>
@@ -7453,1380 +9038,7 @@
 </p:sld>
 </file>
 
-<file path=ppt/slides/slide19.xml><?xml version="1.0" encoding="utf-8"?>
-<p:sld xmlns:a="http://schemas.openxmlformats.org/drawingml/2006/main" xmlns:r="http://schemas.openxmlformats.org/officeDocument/2006/relationships" xmlns:p="http://schemas.openxmlformats.org/presentationml/2006/main">
-  <p:cSld>
-    <p:spTree>
-      <p:nvGrpSpPr>
-        <p:cNvPr id="1" name=""/>
-        <p:cNvGrpSpPr/>
-        <p:nvPr/>
-      </p:nvGrpSpPr>
-      <p:grpSpPr>
-        <a:xfrm>
-          <a:off x="0" y="0"/>
-          <a:ext cx="0" cy="0"/>
-          <a:chOff x="0" y="0"/>
-          <a:chExt cx="0" cy="0"/>
-        </a:xfrm>
-      </p:grpSpPr>
-      <p:pic>
-        <p:nvPicPr>
-          <p:cNvPr id="1026" name="Picture 2" descr="Python (programming language) - Wikipedia"/>
-          <p:cNvPicPr>
-            <a:picLocks noChangeAspect="1" noChangeArrowheads="1"/>
-          </p:cNvPicPr>
-          <p:nvPr/>
-        </p:nvPicPr>
-        <p:blipFill>
-          <a:blip r:embed="rId2" cstate="print">
-            <a:extLst>
-              <a:ext uri="{28A0092B-C50C-407E-A947-70E740481C1C}">
-                <a14:useLocalDpi xmlns:a14="http://schemas.microsoft.com/office/drawing/2010/main" val="0"/>
-              </a:ext>
-            </a:extLst>
-          </a:blip>
-          <a:srcRect/>
-          <a:stretch>
-            <a:fillRect/>
-          </a:stretch>
-        </p:blipFill>
-        <p:spPr bwMode="auto">
-          <a:xfrm>
-            <a:off x="9837704" y="2278172"/>
-            <a:ext cx="1409240" cy="1544292"/>
-          </a:xfrm>
-          <a:prstGeom prst="rect">
-            <a:avLst/>
-          </a:prstGeom>
-          <a:noFill/>
-          <a:extLst>
-            <a:ext uri="{909E8E84-426E-40DD-AFC4-6F175D3DCCD1}">
-              <a14:hiddenFill xmlns:a14="http://schemas.microsoft.com/office/drawing/2010/main">
-                <a:solidFill>
-                  <a:srgbClr val="FFFFFF"/>
-                </a:solidFill>
-              </a14:hiddenFill>
-            </a:ext>
-          </a:extLst>
-        </p:spPr>
-      </p:pic>
-      <p:pic>
-        <p:nvPicPr>
-          <p:cNvPr id="1028" name="Picture 4" descr="The Ultimate Guide to the NumPy Package for Scientific Computing in Python"/>
-          <p:cNvPicPr>
-            <a:picLocks noChangeAspect="1" noChangeArrowheads="1"/>
-          </p:cNvPicPr>
-          <p:nvPr/>
-        </p:nvPicPr>
-        <p:blipFill>
-          <a:blip r:embed="rId3" cstate="print">
-            <a:extLst>
-              <a:ext uri="{28A0092B-C50C-407E-A947-70E740481C1C}">
-                <a14:useLocalDpi xmlns:a14="http://schemas.microsoft.com/office/drawing/2010/main" val="0"/>
-              </a:ext>
-            </a:extLst>
-          </a:blip>
-          <a:srcRect/>
-          <a:stretch>
-            <a:fillRect/>
-          </a:stretch>
-        </p:blipFill>
-        <p:spPr bwMode="auto">
-          <a:xfrm>
-            <a:off x="838200" y="2082336"/>
-            <a:ext cx="3031934" cy="1200140"/>
-          </a:xfrm>
-          <a:prstGeom prst="rect">
-            <a:avLst/>
-          </a:prstGeom>
-          <a:noFill/>
-          <a:extLst>
-            <a:ext uri="{909E8E84-426E-40DD-AFC4-6F175D3DCCD1}">
-              <a14:hiddenFill xmlns:a14="http://schemas.microsoft.com/office/drawing/2010/main">
-                <a:solidFill>
-                  <a:srgbClr val="FFFFFF"/>
-                </a:solidFill>
-              </a14:hiddenFill>
-            </a:ext>
-          </a:extLst>
-        </p:spPr>
-      </p:pic>
-      <p:pic>
-        <p:nvPicPr>
-          <p:cNvPr id="1030" name="Picture 6" descr="pandas (software) - Wikipedia"/>
-          <p:cNvPicPr>
-            <a:picLocks noChangeAspect="1" noChangeArrowheads="1"/>
-          </p:cNvPicPr>
-          <p:nvPr/>
-        </p:nvPicPr>
-        <p:blipFill>
-          <a:blip r:embed="rId4" cstate="print">
-            <a:extLst>
-              <a:ext uri="{28A0092B-C50C-407E-A947-70E740481C1C}">
-                <a14:useLocalDpi xmlns:a14="http://schemas.microsoft.com/office/drawing/2010/main" val="0"/>
-              </a:ext>
-            </a:extLst>
-          </a:blip>
-          <a:srcRect/>
-          <a:stretch>
-            <a:fillRect/>
-          </a:stretch>
-        </p:blipFill>
-        <p:spPr bwMode="auto">
-          <a:xfrm>
-            <a:off x="838200" y="4380627"/>
-            <a:ext cx="3395041" cy="1372162"/>
-          </a:xfrm>
-          <a:prstGeom prst="rect">
-            <a:avLst/>
-          </a:prstGeom>
-          <a:noFill/>
-          <a:extLst>
-            <a:ext uri="{909E8E84-426E-40DD-AFC4-6F175D3DCCD1}">
-              <a14:hiddenFill xmlns:a14="http://schemas.microsoft.com/office/drawing/2010/main">
-                <a:solidFill>
-                  <a:srgbClr val="FFFFFF"/>
-                </a:solidFill>
-              </a14:hiddenFill>
-            </a:ext>
-          </a:extLst>
-        </p:spPr>
-      </p:pic>
-      <p:pic>
-        <p:nvPicPr>
-          <p:cNvPr id="1036" name="Picture 12" descr="Matplotlib logo — Matplotlib 3.1.0 documentation"/>
-          <p:cNvPicPr>
-            <a:picLocks noChangeAspect="1" noChangeArrowheads="1"/>
-          </p:cNvPicPr>
-          <p:nvPr/>
-        </p:nvPicPr>
-        <p:blipFill>
-          <a:blip r:embed="rId5">
-            <a:extLst>
-              <a:ext uri="{28A0092B-C50C-407E-A947-70E740481C1C}">
-                <a14:useLocalDpi xmlns:a14="http://schemas.microsoft.com/office/drawing/2010/main" val="0"/>
-              </a:ext>
-            </a:extLst>
-          </a:blip>
-          <a:srcRect/>
-          <a:stretch>
-            <a:fillRect/>
-          </a:stretch>
-        </p:blipFill>
-        <p:spPr bwMode="auto">
-          <a:xfrm>
-            <a:off x="4595323" y="2310171"/>
-            <a:ext cx="4861523" cy="972305"/>
-          </a:xfrm>
-          <a:prstGeom prst="rect">
-            <a:avLst/>
-          </a:prstGeom>
-          <a:noFill/>
-          <a:extLst>
-            <a:ext uri="{909E8E84-426E-40DD-AFC4-6F175D3DCCD1}">
-              <a14:hiddenFill xmlns:a14="http://schemas.microsoft.com/office/drawing/2010/main">
-                <a:solidFill>
-                  <a:srgbClr val="FFFFFF"/>
-                </a:solidFill>
-              </a14:hiddenFill>
-            </a:ext>
-          </a:extLst>
-        </p:spPr>
-      </p:pic>
-      <p:pic>
-        <p:nvPicPr>
-          <p:cNvPr id="1038" name="Picture 14" descr="How to Use Mapillary Data in Jupyter Notebooks - The Mapillary Blog"/>
-          <p:cNvPicPr>
-            <a:picLocks noChangeAspect="1" noChangeArrowheads="1"/>
-          </p:cNvPicPr>
-          <p:nvPr/>
-        </p:nvPicPr>
-        <p:blipFill>
-          <a:blip r:embed="rId6" cstate="print">
-            <a:extLst>
-              <a:ext uri="{28A0092B-C50C-407E-A947-70E740481C1C}">
-                <a14:useLocalDpi xmlns:a14="http://schemas.microsoft.com/office/drawing/2010/main" val="0"/>
-              </a:ext>
-            </a:extLst>
-          </a:blip>
-          <a:srcRect/>
-          <a:stretch>
-            <a:fillRect/>
-          </a:stretch>
-        </p:blipFill>
-        <p:spPr bwMode="auto">
-          <a:xfrm>
-            <a:off x="7736337" y="4423523"/>
-            <a:ext cx="3716827" cy="1002741"/>
-          </a:xfrm>
-          <a:prstGeom prst="rect">
-            <a:avLst/>
-          </a:prstGeom>
-          <a:noFill/>
-          <a:extLst>
-            <a:ext uri="{909E8E84-426E-40DD-AFC4-6F175D3DCCD1}">
-              <a14:hiddenFill xmlns:a14="http://schemas.microsoft.com/office/drawing/2010/main">
-                <a:solidFill>
-                  <a:srgbClr val="FFFFFF"/>
-                </a:solidFill>
-              </a14:hiddenFill>
-            </a:ext>
-          </a:extLst>
-        </p:spPr>
-      </p:pic>
-      <p:pic>
-        <p:nvPicPr>
-          <p:cNvPr id="1040" name="Picture 16" descr="File:Scikit learn logo small.svg - Wikimedia Commons"/>
-          <p:cNvPicPr>
-            <a:picLocks noChangeAspect="1" noChangeArrowheads="1"/>
-          </p:cNvPicPr>
-          <p:nvPr/>
-        </p:nvPicPr>
-        <p:blipFill>
-          <a:blip r:embed="rId7" cstate="print">
-            <a:extLst>
-              <a:ext uri="{28A0092B-C50C-407E-A947-70E740481C1C}">
-                <a14:useLocalDpi xmlns:a14="http://schemas.microsoft.com/office/drawing/2010/main" val="0"/>
-              </a:ext>
-            </a:extLst>
-          </a:blip>
-          <a:srcRect/>
-          <a:stretch>
-            <a:fillRect/>
-          </a:stretch>
-        </p:blipFill>
-        <p:spPr bwMode="auto">
-          <a:xfrm>
-            <a:off x="4595323" y="4018300"/>
-            <a:ext cx="2664944" cy="1434490"/>
-          </a:xfrm>
-          <a:prstGeom prst="rect">
-            <a:avLst/>
-          </a:prstGeom>
-          <a:noFill/>
-          <a:extLst>
-            <a:ext uri="{909E8E84-426E-40DD-AFC4-6F175D3DCCD1}">
-              <a14:hiddenFill xmlns:a14="http://schemas.microsoft.com/office/drawing/2010/main">
-                <a:solidFill>
-                  <a:srgbClr val="FFFFFF"/>
-                </a:solidFill>
-              </a14:hiddenFill>
-            </a:ext>
-          </a:extLst>
-        </p:spPr>
-      </p:pic>
-      <p:sp>
-        <p:nvSpPr>
-          <p:cNvPr id="12" name="Title 1">
-            <a:extLst>
-              <a:ext uri="{FF2B5EF4-FFF2-40B4-BE49-F238E27FC236}">
-                <a16:creationId xmlns:a16="http://schemas.microsoft.com/office/drawing/2014/main" id="{60BF935A-CCAC-124B-810D-8F2B4E96E7E3}"/>
-              </a:ext>
-            </a:extLst>
-          </p:cNvPr>
-          <p:cNvSpPr txBox="1">
-            <a:spLocks/>
-          </p:cNvSpPr>
-          <p:nvPr/>
-        </p:nvSpPr>
-        <p:spPr>
-          <a:xfrm>
-            <a:off x="838200" y="365126"/>
-            <a:ext cx="10515600" cy="981894"/>
-          </a:xfrm>
-          <a:prstGeom prst="rect">
-            <a:avLst/>
-          </a:prstGeom>
-        </p:spPr>
-        <p:txBody>
-          <a:bodyPr vert="horz" lIns="91440" tIns="45720" rIns="91440" bIns="45720" rtlCol="0" anchor="ctr">
-            <a:normAutofit/>
-          </a:bodyPr>
-          <a:lstStyle>
-            <a:lvl1pPr algn="l" defTabSz="914400" rtl="0" eaLnBrk="1" latinLnBrk="0" hangingPunct="1">
-              <a:lnSpc>
-                <a:spcPct val="90000"/>
-              </a:lnSpc>
-              <a:spcBef>
-                <a:spcPct val="0"/>
-              </a:spcBef>
-              <a:buNone/>
-              <a:defRPr sz="4400" kern="1200">
-                <a:solidFill>
-                  <a:schemeClr val="tx1"/>
-                </a:solidFill>
-                <a:latin typeface="+mj-lt"/>
-                <a:ea typeface="+mj-ea"/>
-                <a:cs typeface="+mj-cs"/>
-              </a:defRPr>
-            </a:lvl1pPr>
-          </a:lstStyle>
-          <a:p>
-            <a:r>
-              <a:rPr lang="en-US" dirty="0"/>
-              <a:t>Implementation Tools</a:t>
-            </a:r>
-          </a:p>
-        </p:txBody>
-      </p:sp>
-    </p:spTree>
-    <p:extLst>
-      <p:ext uri="{BB962C8B-B14F-4D97-AF65-F5344CB8AC3E}">
-        <p14:creationId xmlns:p14="http://schemas.microsoft.com/office/powerpoint/2010/main" val="4236951330"/>
-      </p:ext>
-    </p:extLst>
-  </p:cSld>
-  <p:clrMapOvr>
-    <a:masterClrMapping/>
-  </p:clrMapOvr>
-</p:sld>
-</file>
-
-<file path=ppt/slides/slide2.xml><?xml version="1.0" encoding="utf-8"?>
-<p:sld xmlns:a="http://schemas.openxmlformats.org/drawingml/2006/main" xmlns:r="http://schemas.openxmlformats.org/officeDocument/2006/relationships" xmlns:p="http://schemas.openxmlformats.org/presentationml/2006/main">
-  <p:cSld>
-    <p:spTree>
-      <p:nvGrpSpPr>
-        <p:cNvPr id="1" name=""/>
-        <p:cNvGrpSpPr/>
-        <p:nvPr/>
-      </p:nvGrpSpPr>
-      <p:grpSpPr>
-        <a:xfrm>
-          <a:off x="0" y="0"/>
-          <a:ext cx="0" cy="0"/>
-          <a:chOff x="0" y="0"/>
-          <a:chExt cx="0" cy="0"/>
-        </a:xfrm>
-      </p:grpSpPr>
-      <p:sp>
-        <p:nvSpPr>
-          <p:cNvPr id="2" name="Title 1">
-            <a:extLst>
-              <a:ext uri="{FF2B5EF4-FFF2-40B4-BE49-F238E27FC236}">
-                <a16:creationId xmlns:a16="http://schemas.microsoft.com/office/drawing/2014/main" id="{87BF30BF-7806-D247-A2AF-B1239989AB83}"/>
-              </a:ext>
-            </a:extLst>
-          </p:cNvPr>
-          <p:cNvSpPr>
-            <a:spLocks noGrp="1"/>
-          </p:cNvSpPr>
-          <p:nvPr>
-            <p:ph type="title"/>
-          </p:nvPr>
-        </p:nvSpPr>
-        <p:spPr/>
-        <p:txBody>
-          <a:bodyPr/>
-          <a:lstStyle/>
-          <a:p>
-            <a:r>
-              <a:rPr lang="en-US" dirty="0"/>
-              <a:t>Course Website</a:t>
-            </a:r>
-          </a:p>
-        </p:txBody>
-      </p:sp>
-      <p:sp>
-        <p:nvSpPr>
-          <p:cNvPr id="7" name="TextBox 6">
-            <a:extLst>
-              <a:ext uri="{FF2B5EF4-FFF2-40B4-BE49-F238E27FC236}">
-                <a16:creationId xmlns:a16="http://schemas.microsoft.com/office/drawing/2014/main" id="{BC953F59-DB65-0241-829C-F5150AEE3958}"/>
-              </a:ext>
-            </a:extLst>
-          </p:cNvPr>
-          <p:cNvSpPr txBox="1"/>
-          <p:nvPr/>
-        </p:nvSpPr>
-        <p:spPr>
-          <a:xfrm>
-            <a:off x="838200" y="1825675"/>
-            <a:ext cx="9159240" cy="461665"/>
-          </a:xfrm>
-          <a:prstGeom prst="rect">
-            <a:avLst/>
-          </a:prstGeom>
-          <a:noFill/>
-        </p:spPr>
-        <p:txBody>
-          <a:bodyPr wrap="square">
-            <a:spAutoFit/>
-          </a:bodyPr>
-          <a:lstStyle/>
-          <a:p>
-            <a:r>
-              <a:rPr lang="en-US" sz="2400" dirty="0"/>
-              <a:t>https://tianzheng4.github.io/</a:t>
-            </a:r>
-            <a:r>
-              <a:rPr lang="en-US" sz="2400" dirty="0" err="1"/>
-              <a:t>umkc</a:t>
-            </a:r>
-            <a:r>
-              <a:rPr lang="en-US" sz="2400" dirty="0"/>
-              <a:t>-teaching/2023-fall-teaching-1/</a:t>
-            </a:r>
-          </a:p>
-        </p:txBody>
-      </p:sp>
-      <p:sp>
-        <p:nvSpPr>
-          <p:cNvPr id="8" name="Content Placeholder 2">
-            <a:extLst>
-              <a:ext uri="{FF2B5EF4-FFF2-40B4-BE49-F238E27FC236}">
-                <a16:creationId xmlns:a16="http://schemas.microsoft.com/office/drawing/2014/main" id="{A699D753-1647-664C-A454-6CD0016A3B91}"/>
-              </a:ext>
-            </a:extLst>
-          </p:cNvPr>
-          <p:cNvSpPr>
-            <a:spLocks noGrp="1"/>
-          </p:cNvSpPr>
-          <p:nvPr>
-            <p:ph idx="1"/>
-          </p:nvPr>
-        </p:nvSpPr>
-        <p:spPr>
-          <a:xfrm>
-            <a:off x="838200" y="2919949"/>
-            <a:ext cx="9616440" cy="2078771"/>
-          </a:xfrm>
-        </p:spPr>
-        <p:txBody>
-          <a:bodyPr>
-            <a:normAutofit/>
-          </a:bodyPr>
-          <a:lstStyle/>
-          <a:p>
-            <a:pPr marL="0" indent="0">
-              <a:buNone/>
-            </a:pPr>
-            <a:r>
-              <a:rPr lang="en-US" sz="2400" dirty="0"/>
-              <a:t>What are on the course website:</a:t>
-            </a:r>
-          </a:p>
-          <a:p>
-            <a:pPr marL="0" indent="0">
-              <a:buNone/>
-            </a:pPr>
-            <a:r>
-              <a:rPr lang="en-US" sz="2400" dirty="0"/>
-              <a:t>	Lecture slides</a:t>
-            </a:r>
-          </a:p>
-          <a:p>
-            <a:pPr marL="0" indent="0">
-              <a:buNone/>
-            </a:pPr>
-            <a:r>
-              <a:rPr lang="en-US" sz="2400" dirty="0"/>
-              <a:t>	Lab material</a:t>
-            </a:r>
-          </a:p>
-          <a:p>
-            <a:pPr marL="0" indent="0">
-              <a:buNone/>
-            </a:pPr>
-            <a:r>
-              <a:rPr lang="en-US" sz="2400" dirty="0"/>
-              <a:t>	Contact Information</a:t>
-            </a:r>
-          </a:p>
-        </p:txBody>
-      </p:sp>
-      <p:sp>
-        <p:nvSpPr>
-          <p:cNvPr id="9" name="Content Placeholder 2">
-            <a:extLst>
-              <a:ext uri="{FF2B5EF4-FFF2-40B4-BE49-F238E27FC236}">
-                <a16:creationId xmlns:a16="http://schemas.microsoft.com/office/drawing/2014/main" id="{8E7D57D7-F9C0-5840-941E-E7D4557F09BF}"/>
-              </a:ext>
-            </a:extLst>
-          </p:cNvPr>
-          <p:cNvSpPr txBox="1">
-            <a:spLocks/>
-          </p:cNvSpPr>
-          <p:nvPr/>
-        </p:nvSpPr>
-        <p:spPr>
-          <a:xfrm>
-            <a:off x="838200" y="5375881"/>
-            <a:ext cx="9616440" cy="852100"/>
-          </a:xfrm>
-          <a:prstGeom prst="rect">
-            <a:avLst/>
-          </a:prstGeom>
-        </p:spPr>
-        <p:txBody>
-          <a:bodyPr vert="horz" lIns="91440" tIns="45720" rIns="91440" bIns="45720" rtlCol="0">
-            <a:normAutofit/>
-          </a:bodyPr>
-          <a:lstStyle>
-            <a:lvl1pPr marL="228600" indent="-228600" algn="l" defTabSz="914400" rtl="0" eaLnBrk="1" latinLnBrk="0" hangingPunct="1">
-              <a:lnSpc>
-                <a:spcPct val="90000"/>
-              </a:lnSpc>
-              <a:spcBef>
-                <a:spcPts val="1000"/>
-              </a:spcBef>
-              <a:buFont typeface="Arial" panose="020B0604020202020204" pitchFamily="34" charset="0"/>
-              <a:buChar char="•"/>
-              <a:defRPr sz="2800" kern="1200">
-                <a:solidFill>
-                  <a:schemeClr val="tx1"/>
-                </a:solidFill>
-                <a:latin typeface="+mn-lt"/>
-                <a:ea typeface="+mn-ea"/>
-                <a:cs typeface="+mn-cs"/>
-              </a:defRPr>
-            </a:lvl1pPr>
-            <a:lvl2pPr marL="685800" indent="-228600" algn="l" defTabSz="914400" rtl="0" eaLnBrk="1" latinLnBrk="0" hangingPunct="1">
-              <a:lnSpc>
-                <a:spcPct val="90000"/>
-              </a:lnSpc>
-              <a:spcBef>
-                <a:spcPts val="500"/>
-              </a:spcBef>
-              <a:buFont typeface="Arial" panose="020B0604020202020204" pitchFamily="34" charset="0"/>
-              <a:buChar char="•"/>
-              <a:defRPr sz="2400" kern="1200">
-                <a:solidFill>
-                  <a:schemeClr val="tx1"/>
-                </a:solidFill>
-                <a:latin typeface="+mn-lt"/>
-                <a:ea typeface="+mn-ea"/>
-                <a:cs typeface="+mn-cs"/>
-              </a:defRPr>
-            </a:lvl2pPr>
-            <a:lvl3pPr marL="1143000" indent="-228600" algn="l" defTabSz="914400" rtl="0" eaLnBrk="1" latinLnBrk="0" hangingPunct="1">
-              <a:lnSpc>
-                <a:spcPct val="90000"/>
-              </a:lnSpc>
-              <a:spcBef>
-                <a:spcPts val="500"/>
-              </a:spcBef>
-              <a:buFont typeface="Arial" panose="020B0604020202020204" pitchFamily="34" charset="0"/>
-              <a:buChar char="•"/>
-              <a:defRPr sz="2000" kern="1200">
-                <a:solidFill>
-                  <a:schemeClr val="tx1"/>
-                </a:solidFill>
-                <a:latin typeface="+mn-lt"/>
-                <a:ea typeface="+mn-ea"/>
-                <a:cs typeface="+mn-cs"/>
-              </a:defRPr>
-            </a:lvl3pPr>
-            <a:lvl4pPr marL="1600200" indent="-228600" algn="l" defTabSz="914400" rtl="0" eaLnBrk="1" latinLnBrk="0" hangingPunct="1">
-              <a:lnSpc>
-                <a:spcPct val="90000"/>
-              </a:lnSpc>
-              <a:spcBef>
-                <a:spcPts val="500"/>
-              </a:spcBef>
-              <a:buFont typeface="Arial" panose="020B0604020202020204" pitchFamily="34" charset="0"/>
-              <a:buChar char="•"/>
-              <a:defRPr sz="1800" kern="1200">
-                <a:solidFill>
-                  <a:schemeClr val="tx1"/>
-                </a:solidFill>
-                <a:latin typeface="+mn-lt"/>
-                <a:ea typeface="+mn-ea"/>
-                <a:cs typeface="+mn-cs"/>
-              </a:defRPr>
-            </a:lvl4pPr>
-            <a:lvl5pPr marL="2057400" indent="-228600" algn="l" defTabSz="914400" rtl="0" eaLnBrk="1" latinLnBrk="0" hangingPunct="1">
-              <a:lnSpc>
-                <a:spcPct val="90000"/>
-              </a:lnSpc>
-              <a:spcBef>
-                <a:spcPts val="500"/>
-              </a:spcBef>
-              <a:buFont typeface="Arial" panose="020B0604020202020204" pitchFamily="34" charset="0"/>
-              <a:buChar char="•"/>
-              <a:defRPr sz="1800" kern="1200">
-                <a:solidFill>
-                  <a:schemeClr val="tx1"/>
-                </a:solidFill>
-                <a:latin typeface="+mn-lt"/>
-                <a:ea typeface="+mn-ea"/>
-                <a:cs typeface="+mn-cs"/>
-              </a:defRPr>
-            </a:lvl5pPr>
-            <a:lvl6pPr marL="2514600" indent="-228600" algn="l" defTabSz="914400" rtl="0" eaLnBrk="1" latinLnBrk="0" hangingPunct="1">
-              <a:lnSpc>
-                <a:spcPct val="90000"/>
-              </a:lnSpc>
-              <a:spcBef>
-                <a:spcPts val="500"/>
-              </a:spcBef>
-              <a:buFont typeface="Arial" panose="020B0604020202020204" pitchFamily="34" charset="0"/>
-              <a:buChar char="•"/>
-              <a:defRPr sz="1800" kern="1200">
-                <a:solidFill>
-                  <a:schemeClr val="tx1"/>
-                </a:solidFill>
-                <a:latin typeface="+mn-lt"/>
-                <a:ea typeface="+mn-ea"/>
-                <a:cs typeface="+mn-cs"/>
-              </a:defRPr>
-            </a:lvl6pPr>
-            <a:lvl7pPr marL="2971800" indent="-228600" algn="l" defTabSz="914400" rtl="0" eaLnBrk="1" latinLnBrk="0" hangingPunct="1">
-              <a:lnSpc>
-                <a:spcPct val="90000"/>
-              </a:lnSpc>
-              <a:spcBef>
-                <a:spcPts val="500"/>
-              </a:spcBef>
-              <a:buFont typeface="Arial" panose="020B0604020202020204" pitchFamily="34" charset="0"/>
-              <a:buChar char="•"/>
-              <a:defRPr sz="1800" kern="1200">
-                <a:solidFill>
-                  <a:schemeClr val="tx1"/>
-                </a:solidFill>
-                <a:latin typeface="+mn-lt"/>
-                <a:ea typeface="+mn-ea"/>
-                <a:cs typeface="+mn-cs"/>
-              </a:defRPr>
-            </a:lvl7pPr>
-            <a:lvl8pPr marL="3429000" indent="-228600" algn="l" defTabSz="914400" rtl="0" eaLnBrk="1" latinLnBrk="0" hangingPunct="1">
-              <a:lnSpc>
-                <a:spcPct val="90000"/>
-              </a:lnSpc>
-              <a:spcBef>
-                <a:spcPts val="500"/>
-              </a:spcBef>
-              <a:buFont typeface="Arial" panose="020B0604020202020204" pitchFamily="34" charset="0"/>
-              <a:buChar char="•"/>
-              <a:defRPr sz="1800" kern="1200">
-                <a:solidFill>
-                  <a:schemeClr val="tx1"/>
-                </a:solidFill>
-                <a:latin typeface="+mn-lt"/>
-                <a:ea typeface="+mn-ea"/>
-                <a:cs typeface="+mn-cs"/>
-              </a:defRPr>
-            </a:lvl8pPr>
-            <a:lvl9pPr marL="3886200" indent="-228600" algn="l" defTabSz="914400" rtl="0" eaLnBrk="1" latinLnBrk="0" hangingPunct="1">
-              <a:lnSpc>
-                <a:spcPct val="90000"/>
-              </a:lnSpc>
-              <a:spcBef>
-                <a:spcPts val="500"/>
-              </a:spcBef>
-              <a:buFont typeface="Arial" panose="020B0604020202020204" pitchFamily="34" charset="0"/>
-              <a:buChar char="•"/>
-              <a:defRPr sz="1800" kern="1200">
-                <a:solidFill>
-                  <a:schemeClr val="tx1"/>
-                </a:solidFill>
-                <a:latin typeface="+mn-lt"/>
-                <a:ea typeface="+mn-ea"/>
-                <a:cs typeface="+mn-cs"/>
-              </a:defRPr>
-            </a:lvl9pPr>
-          </a:lstStyle>
-          <a:p>
-            <a:pPr marL="0" indent="0">
-              <a:buFont typeface="Arial" panose="020B0604020202020204" pitchFamily="34" charset="0"/>
-              <a:buNone/>
-            </a:pPr>
-            <a:r>
-              <a:rPr lang="en-US" sz="2400" dirty="0"/>
-              <a:t>If you are interested in my research, feel free to contact me.</a:t>
-            </a:r>
-          </a:p>
-        </p:txBody>
-      </p:sp>
-    </p:spTree>
-    <p:extLst>
-      <p:ext uri="{BB962C8B-B14F-4D97-AF65-F5344CB8AC3E}">
-        <p14:creationId xmlns:p14="http://schemas.microsoft.com/office/powerpoint/2010/main" val="1524471069"/>
-      </p:ext>
-    </p:extLst>
-  </p:cSld>
-  <p:clrMapOvr>
-    <a:masterClrMapping/>
-  </p:clrMapOvr>
-</p:sld>
-</file>
-
-<file path=ppt/slides/slide20.xml><?xml version="1.0" encoding="utf-8"?>
-<p:sld xmlns:a="http://schemas.openxmlformats.org/drawingml/2006/main" xmlns:r="http://schemas.openxmlformats.org/officeDocument/2006/relationships" xmlns:p="http://schemas.openxmlformats.org/presentationml/2006/main">
-  <p:cSld>
-    <p:spTree>
-      <p:nvGrpSpPr>
-        <p:cNvPr id="1" name=""/>
-        <p:cNvGrpSpPr/>
-        <p:nvPr/>
-      </p:nvGrpSpPr>
-      <p:grpSpPr>
-        <a:xfrm>
-          <a:off x="0" y="0"/>
-          <a:ext cx="0" cy="0"/>
-          <a:chOff x="0" y="0"/>
-          <a:chExt cx="0" cy="0"/>
-        </a:xfrm>
-      </p:grpSpPr>
-      <p:sp>
-        <p:nvSpPr>
-          <p:cNvPr id="2" name="Title 1"/>
-          <p:cNvSpPr>
-            <a:spLocks noGrp="1"/>
-          </p:cNvSpPr>
-          <p:nvPr>
-            <p:ph type="title"/>
-          </p:nvPr>
-        </p:nvSpPr>
-        <p:spPr/>
-        <p:txBody>
-          <a:bodyPr/>
-          <a:lstStyle/>
-          <a:p>
-            <a:r>
-              <a:rPr lang="en-US" dirty="0">
-                <a:solidFill>
-                  <a:srgbClr val="0070C0"/>
-                </a:solidFill>
-              </a:rPr>
-              <a:t>Python Resources</a:t>
-            </a:r>
-          </a:p>
-        </p:txBody>
-      </p:sp>
-      <p:sp>
-        <p:nvSpPr>
-          <p:cNvPr id="3" name="Content Placeholder 2"/>
-          <p:cNvSpPr>
-            <a:spLocks noGrp="1"/>
-          </p:cNvSpPr>
-          <p:nvPr>
-            <p:ph idx="1"/>
-          </p:nvPr>
-        </p:nvSpPr>
-        <p:spPr>
-          <a:xfrm>
-            <a:off x="934907" y="1575509"/>
-            <a:ext cx="10341077" cy="3647601"/>
-          </a:xfrm>
-        </p:spPr>
-        <p:txBody>
-          <a:bodyPr>
-            <a:noAutofit/>
-          </a:bodyPr>
-          <a:lstStyle/>
-          <a:p>
-            <a:r>
-              <a:rPr lang="en-GB" dirty="0" err="1"/>
-              <a:t>Kaggle</a:t>
-            </a:r>
-            <a:r>
-              <a:rPr lang="en-GB" dirty="0"/>
-              <a:t>: </a:t>
-            </a:r>
-            <a:r>
-              <a:rPr lang="en-GB" dirty="0">
-                <a:hlinkClick r:id="rId2"/>
-              </a:rPr>
-              <a:t>https://www.kaggle.com/learn/python</a:t>
-            </a:r>
-            <a:r>
-              <a:rPr lang="en-GB" dirty="0"/>
-              <a:t> </a:t>
-            </a:r>
-          </a:p>
-          <a:p>
-            <a:r>
-              <a:rPr lang="en-GB" dirty="0"/>
-              <a:t>Learn Python: </a:t>
-            </a:r>
-            <a:r>
-              <a:rPr lang="en-GB" dirty="0">
-                <a:hlinkClick r:id="rId3"/>
-              </a:rPr>
-              <a:t>https://www.learnpython.org/</a:t>
-            </a:r>
-            <a:r>
-              <a:rPr lang="en-GB" dirty="0"/>
-              <a:t> </a:t>
-            </a:r>
-          </a:p>
-          <a:p>
-            <a:r>
-              <a:rPr lang="en-GB" dirty="0"/>
-              <a:t>Python for Beginners by Microsoft: </a:t>
-            </a:r>
-            <a:r>
-              <a:rPr lang="en-GB" dirty="0">
-                <a:hlinkClick r:id="rId4"/>
-              </a:rPr>
-              <a:t>https://learn.microsoft.com/en-us/shows/intro-to-python-development/</a:t>
-            </a:r>
-            <a:r>
-              <a:rPr lang="en-GB" dirty="0"/>
-              <a:t> </a:t>
-            </a:r>
-            <a:endParaRPr lang="en-US" dirty="0"/>
-          </a:p>
-          <a:p>
-            <a:r>
-              <a:rPr lang="en-US" dirty="0"/>
-              <a:t>Python for Everybody (up to 6 hours): </a:t>
-            </a:r>
-            <a:r>
-              <a:rPr lang="en-US" dirty="0">
-                <a:hlinkClick r:id="rId5"/>
-              </a:rPr>
-              <a:t>https://www.youtube.com/watch?v=8DvywoWv6fI</a:t>
-            </a:r>
-            <a:r>
-              <a:rPr lang="en-US" dirty="0"/>
-              <a:t> </a:t>
-            </a:r>
-          </a:p>
-          <a:p>
-            <a:r>
-              <a:rPr lang="en-GB" b="1" dirty="0"/>
-              <a:t>Google it</a:t>
-            </a:r>
-            <a:endParaRPr lang="en-US" b="1" dirty="0"/>
-          </a:p>
-        </p:txBody>
-      </p:sp>
-      <p:pic>
-        <p:nvPicPr>
-          <p:cNvPr id="14" name="Picture 4" descr="File:UMKC logo.png - Wikipedia"/>
-          <p:cNvPicPr>
-            <a:picLocks noChangeAspect="1" noChangeArrowheads="1"/>
-          </p:cNvPicPr>
-          <p:nvPr/>
-        </p:nvPicPr>
-        <p:blipFill>
-          <a:blip r:embed="rId6" cstate="print">
-            <a:extLst>
-              <a:ext uri="{28A0092B-C50C-407E-A947-70E740481C1C}">
-                <a14:useLocalDpi xmlns:a14="http://schemas.microsoft.com/office/drawing/2010/main" val="0"/>
-              </a:ext>
-            </a:extLst>
-          </a:blip>
-          <a:srcRect/>
-          <a:stretch>
-            <a:fillRect/>
-          </a:stretch>
-        </p:blipFill>
-        <p:spPr bwMode="auto">
-          <a:xfrm>
-            <a:off x="10741981" y="6132824"/>
-            <a:ext cx="1293518" cy="571124"/>
-          </a:xfrm>
-          <a:prstGeom prst="rect">
-            <a:avLst/>
-          </a:prstGeom>
-          <a:noFill/>
-          <a:extLst>
-            <a:ext uri="{909E8E84-426E-40DD-AFC4-6F175D3DCCD1}">
-              <a14:hiddenFill xmlns:a14="http://schemas.microsoft.com/office/drawing/2010/main">
-                <a:solidFill>
-                  <a:srgbClr val="FFFFFF"/>
-                </a:solidFill>
-              </a14:hiddenFill>
-            </a:ext>
-          </a:extLst>
-        </p:spPr>
-      </p:pic>
-    </p:spTree>
-    <p:extLst>
-      <p:ext uri="{BB962C8B-B14F-4D97-AF65-F5344CB8AC3E}">
-        <p14:creationId xmlns:p14="http://schemas.microsoft.com/office/powerpoint/2010/main" val="2980421335"/>
-      </p:ext>
-    </p:extLst>
-  </p:cSld>
-  <p:clrMapOvr>
-    <a:masterClrMapping/>
-  </p:clrMapOvr>
-</p:sld>
-</file>
-
-<file path=ppt/slides/slide21.xml><?xml version="1.0" encoding="utf-8"?>
-<p:sld xmlns:a="http://schemas.openxmlformats.org/drawingml/2006/main" xmlns:r="http://schemas.openxmlformats.org/officeDocument/2006/relationships" xmlns:p="http://schemas.openxmlformats.org/presentationml/2006/main">
-  <p:cSld>
-    <p:spTree>
-      <p:nvGrpSpPr>
-        <p:cNvPr id="1" name=""/>
-        <p:cNvGrpSpPr/>
-        <p:nvPr/>
-      </p:nvGrpSpPr>
-      <p:grpSpPr>
-        <a:xfrm>
-          <a:off x="0" y="0"/>
-          <a:ext cx="0" cy="0"/>
-          <a:chOff x="0" y="0"/>
-          <a:chExt cx="0" cy="0"/>
-        </a:xfrm>
-      </p:grpSpPr>
-      <p:sp>
-        <p:nvSpPr>
-          <p:cNvPr id="2" name="Title 1">
-            <a:extLst>
-              <a:ext uri="{FF2B5EF4-FFF2-40B4-BE49-F238E27FC236}">
-                <a16:creationId xmlns:a16="http://schemas.microsoft.com/office/drawing/2014/main" id="{87BF30BF-7806-D247-A2AF-B1239989AB83}"/>
-              </a:ext>
-            </a:extLst>
-          </p:cNvPr>
-          <p:cNvSpPr>
-            <a:spLocks noGrp="1"/>
-          </p:cNvSpPr>
-          <p:nvPr>
-            <p:ph type="title"/>
-          </p:nvPr>
-        </p:nvSpPr>
-        <p:spPr/>
-        <p:txBody>
-          <a:bodyPr/>
-          <a:lstStyle/>
-          <a:p>
-            <a:r>
-              <a:rPr lang="en-US" dirty="0"/>
-              <a:t>Course Website</a:t>
-            </a:r>
-          </a:p>
-        </p:txBody>
-      </p:sp>
-      <p:sp>
-        <p:nvSpPr>
-          <p:cNvPr id="7" name="TextBox 6">
-            <a:extLst>
-              <a:ext uri="{FF2B5EF4-FFF2-40B4-BE49-F238E27FC236}">
-                <a16:creationId xmlns:a16="http://schemas.microsoft.com/office/drawing/2014/main" id="{BC953F59-DB65-0241-829C-F5150AEE3958}"/>
-              </a:ext>
-            </a:extLst>
-          </p:cNvPr>
-          <p:cNvSpPr txBox="1"/>
-          <p:nvPr/>
-        </p:nvSpPr>
-        <p:spPr>
-          <a:xfrm>
-            <a:off x="838200" y="1825675"/>
-            <a:ext cx="9159240" cy="461665"/>
-          </a:xfrm>
-          <a:prstGeom prst="rect">
-            <a:avLst/>
-          </a:prstGeom>
-          <a:noFill/>
-        </p:spPr>
-        <p:txBody>
-          <a:bodyPr wrap="square">
-            <a:spAutoFit/>
-          </a:bodyPr>
-          <a:lstStyle/>
-          <a:p>
-            <a:r>
-              <a:rPr lang="en-US" sz="2400" dirty="0"/>
-              <a:t>https://tianzheng4.github.io/</a:t>
-            </a:r>
-            <a:r>
-              <a:rPr lang="en-US" sz="2400" dirty="0" err="1"/>
-              <a:t>umkc</a:t>
-            </a:r>
-            <a:r>
-              <a:rPr lang="en-US" sz="2400" dirty="0"/>
-              <a:t>-teaching/2023-fall-teaching-1/</a:t>
-            </a:r>
-          </a:p>
-        </p:txBody>
-      </p:sp>
-      <p:sp>
-        <p:nvSpPr>
-          <p:cNvPr id="8" name="Content Placeholder 2">
-            <a:extLst>
-              <a:ext uri="{FF2B5EF4-FFF2-40B4-BE49-F238E27FC236}">
-                <a16:creationId xmlns:a16="http://schemas.microsoft.com/office/drawing/2014/main" id="{A699D753-1647-664C-A454-6CD0016A3B91}"/>
-              </a:ext>
-            </a:extLst>
-          </p:cNvPr>
-          <p:cNvSpPr>
-            <a:spLocks noGrp="1"/>
-          </p:cNvSpPr>
-          <p:nvPr>
-            <p:ph idx="1"/>
-          </p:nvPr>
-        </p:nvSpPr>
-        <p:spPr>
-          <a:xfrm>
-            <a:off x="838200" y="2919949"/>
-            <a:ext cx="9616440" cy="2078771"/>
-          </a:xfrm>
-        </p:spPr>
-        <p:txBody>
-          <a:bodyPr>
-            <a:normAutofit/>
-          </a:bodyPr>
-          <a:lstStyle/>
-          <a:p>
-            <a:pPr marL="0" indent="0">
-              <a:buNone/>
-            </a:pPr>
-            <a:r>
-              <a:rPr lang="en-US" sz="2400" dirty="0"/>
-              <a:t>What are on the course website:</a:t>
-            </a:r>
-          </a:p>
-          <a:p>
-            <a:pPr marL="0" indent="0">
-              <a:buNone/>
-            </a:pPr>
-            <a:r>
-              <a:rPr lang="en-US" sz="2400" dirty="0"/>
-              <a:t>	Lecture slides</a:t>
-            </a:r>
-          </a:p>
-          <a:p>
-            <a:pPr marL="0" indent="0">
-              <a:buNone/>
-            </a:pPr>
-            <a:r>
-              <a:rPr lang="en-US" sz="2400" dirty="0"/>
-              <a:t>	Lab material</a:t>
-            </a:r>
-          </a:p>
-          <a:p>
-            <a:pPr marL="0" indent="0">
-              <a:buNone/>
-            </a:pPr>
-            <a:r>
-              <a:rPr lang="en-US" sz="2400" dirty="0"/>
-              <a:t>	Contact Information</a:t>
-            </a:r>
-          </a:p>
-        </p:txBody>
-      </p:sp>
-      <p:sp>
-        <p:nvSpPr>
-          <p:cNvPr id="9" name="Content Placeholder 2">
-            <a:extLst>
-              <a:ext uri="{FF2B5EF4-FFF2-40B4-BE49-F238E27FC236}">
-                <a16:creationId xmlns:a16="http://schemas.microsoft.com/office/drawing/2014/main" id="{8E7D57D7-F9C0-5840-941E-E7D4557F09BF}"/>
-              </a:ext>
-            </a:extLst>
-          </p:cNvPr>
-          <p:cNvSpPr txBox="1">
-            <a:spLocks/>
-          </p:cNvSpPr>
-          <p:nvPr/>
-        </p:nvSpPr>
-        <p:spPr>
-          <a:xfrm>
-            <a:off x="838200" y="5375881"/>
-            <a:ext cx="9616440" cy="852100"/>
-          </a:xfrm>
-          <a:prstGeom prst="rect">
-            <a:avLst/>
-          </a:prstGeom>
-        </p:spPr>
-        <p:txBody>
-          <a:bodyPr vert="horz" lIns="91440" tIns="45720" rIns="91440" bIns="45720" rtlCol="0">
-            <a:normAutofit/>
-          </a:bodyPr>
-          <a:lstStyle>
-            <a:lvl1pPr marL="228600" indent="-228600" algn="l" defTabSz="914400" rtl="0" eaLnBrk="1" latinLnBrk="0" hangingPunct="1">
-              <a:lnSpc>
-                <a:spcPct val="90000"/>
-              </a:lnSpc>
-              <a:spcBef>
-                <a:spcPts val="1000"/>
-              </a:spcBef>
-              <a:buFont typeface="Arial" panose="020B0604020202020204" pitchFamily="34" charset="0"/>
-              <a:buChar char="•"/>
-              <a:defRPr sz="2800" kern="1200">
-                <a:solidFill>
-                  <a:schemeClr val="tx1"/>
-                </a:solidFill>
-                <a:latin typeface="+mn-lt"/>
-                <a:ea typeface="+mn-ea"/>
-                <a:cs typeface="+mn-cs"/>
-              </a:defRPr>
-            </a:lvl1pPr>
-            <a:lvl2pPr marL="685800" indent="-228600" algn="l" defTabSz="914400" rtl="0" eaLnBrk="1" latinLnBrk="0" hangingPunct="1">
-              <a:lnSpc>
-                <a:spcPct val="90000"/>
-              </a:lnSpc>
-              <a:spcBef>
-                <a:spcPts val="500"/>
-              </a:spcBef>
-              <a:buFont typeface="Arial" panose="020B0604020202020204" pitchFamily="34" charset="0"/>
-              <a:buChar char="•"/>
-              <a:defRPr sz="2400" kern="1200">
-                <a:solidFill>
-                  <a:schemeClr val="tx1"/>
-                </a:solidFill>
-                <a:latin typeface="+mn-lt"/>
-                <a:ea typeface="+mn-ea"/>
-                <a:cs typeface="+mn-cs"/>
-              </a:defRPr>
-            </a:lvl2pPr>
-            <a:lvl3pPr marL="1143000" indent="-228600" algn="l" defTabSz="914400" rtl="0" eaLnBrk="1" latinLnBrk="0" hangingPunct="1">
-              <a:lnSpc>
-                <a:spcPct val="90000"/>
-              </a:lnSpc>
-              <a:spcBef>
-                <a:spcPts val="500"/>
-              </a:spcBef>
-              <a:buFont typeface="Arial" panose="020B0604020202020204" pitchFamily="34" charset="0"/>
-              <a:buChar char="•"/>
-              <a:defRPr sz="2000" kern="1200">
-                <a:solidFill>
-                  <a:schemeClr val="tx1"/>
-                </a:solidFill>
-                <a:latin typeface="+mn-lt"/>
-                <a:ea typeface="+mn-ea"/>
-                <a:cs typeface="+mn-cs"/>
-              </a:defRPr>
-            </a:lvl3pPr>
-            <a:lvl4pPr marL="1600200" indent="-228600" algn="l" defTabSz="914400" rtl="0" eaLnBrk="1" latinLnBrk="0" hangingPunct="1">
-              <a:lnSpc>
-                <a:spcPct val="90000"/>
-              </a:lnSpc>
-              <a:spcBef>
-                <a:spcPts val="500"/>
-              </a:spcBef>
-              <a:buFont typeface="Arial" panose="020B0604020202020204" pitchFamily="34" charset="0"/>
-              <a:buChar char="•"/>
-              <a:defRPr sz="1800" kern="1200">
-                <a:solidFill>
-                  <a:schemeClr val="tx1"/>
-                </a:solidFill>
-                <a:latin typeface="+mn-lt"/>
-                <a:ea typeface="+mn-ea"/>
-                <a:cs typeface="+mn-cs"/>
-              </a:defRPr>
-            </a:lvl4pPr>
-            <a:lvl5pPr marL="2057400" indent="-228600" algn="l" defTabSz="914400" rtl="0" eaLnBrk="1" latinLnBrk="0" hangingPunct="1">
-              <a:lnSpc>
-                <a:spcPct val="90000"/>
-              </a:lnSpc>
-              <a:spcBef>
-                <a:spcPts val="500"/>
-              </a:spcBef>
-              <a:buFont typeface="Arial" panose="020B0604020202020204" pitchFamily="34" charset="0"/>
-              <a:buChar char="•"/>
-              <a:defRPr sz="1800" kern="1200">
-                <a:solidFill>
-                  <a:schemeClr val="tx1"/>
-                </a:solidFill>
-                <a:latin typeface="+mn-lt"/>
-                <a:ea typeface="+mn-ea"/>
-                <a:cs typeface="+mn-cs"/>
-              </a:defRPr>
-            </a:lvl5pPr>
-            <a:lvl6pPr marL="2514600" indent="-228600" algn="l" defTabSz="914400" rtl="0" eaLnBrk="1" latinLnBrk="0" hangingPunct="1">
-              <a:lnSpc>
-                <a:spcPct val="90000"/>
-              </a:lnSpc>
-              <a:spcBef>
-                <a:spcPts val="500"/>
-              </a:spcBef>
-              <a:buFont typeface="Arial" panose="020B0604020202020204" pitchFamily="34" charset="0"/>
-              <a:buChar char="•"/>
-              <a:defRPr sz="1800" kern="1200">
-                <a:solidFill>
-                  <a:schemeClr val="tx1"/>
-                </a:solidFill>
-                <a:latin typeface="+mn-lt"/>
-                <a:ea typeface="+mn-ea"/>
-                <a:cs typeface="+mn-cs"/>
-              </a:defRPr>
-            </a:lvl6pPr>
-            <a:lvl7pPr marL="2971800" indent="-228600" algn="l" defTabSz="914400" rtl="0" eaLnBrk="1" latinLnBrk="0" hangingPunct="1">
-              <a:lnSpc>
-                <a:spcPct val="90000"/>
-              </a:lnSpc>
-              <a:spcBef>
-                <a:spcPts val="500"/>
-              </a:spcBef>
-              <a:buFont typeface="Arial" panose="020B0604020202020204" pitchFamily="34" charset="0"/>
-              <a:buChar char="•"/>
-              <a:defRPr sz="1800" kern="1200">
-                <a:solidFill>
-                  <a:schemeClr val="tx1"/>
-                </a:solidFill>
-                <a:latin typeface="+mn-lt"/>
-                <a:ea typeface="+mn-ea"/>
-                <a:cs typeface="+mn-cs"/>
-              </a:defRPr>
-            </a:lvl7pPr>
-            <a:lvl8pPr marL="3429000" indent="-228600" algn="l" defTabSz="914400" rtl="0" eaLnBrk="1" latinLnBrk="0" hangingPunct="1">
-              <a:lnSpc>
-                <a:spcPct val="90000"/>
-              </a:lnSpc>
-              <a:spcBef>
-                <a:spcPts val="500"/>
-              </a:spcBef>
-              <a:buFont typeface="Arial" panose="020B0604020202020204" pitchFamily="34" charset="0"/>
-              <a:buChar char="•"/>
-              <a:defRPr sz="1800" kern="1200">
-                <a:solidFill>
-                  <a:schemeClr val="tx1"/>
-                </a:solidFill>
-                <a:latin typeface="+mn-lt"/>
-                <a:ea typeface="+mn-ea"/>
-                <a:cs typeface="+mn-cs"/>
-              </a:defRPr>
-            </a:lvl8pPr>
-            <a:lvl9pPr marL="3886200" indent="-228600" algn="l" defTabSz="914400" rtl="0" eaLnBrk="1" latinLnBrk="0" hangingPunct="1">
-              <a:lnSpc>
-                <a:spcPct val="90000"/>
-              </a:lnSpc>
-              <a:spcBef>
-                <a:spcPts val="500"/>
-              </a:spcBef>
-              <a:buFont typeface="Arial" panose="020B0604020202020204" pitchFamily="34" charset="0"/>
-              <a:buChar char="•"/>
-              <a:defRPr sz="1800" kern="1200">
-                <a:solidFill>
-                  <a:schemeClr val="tx1"/>
-                </a:solidFill>
-                <a:latin typeface="+mn-lt"/>
-                <a:ea typeface="+mn-ea"/>
-                <a:cs typeface="+mn-cs"/>
-              </a:defRPr>
-            </a:lvl9pPr>
-          </a:lstStyle>
-          <a:p>
-            <a:pPr marL="0" indent="0">
-              <a:buFont typeface="Arial" panose="020B0604020202020204" pitchFamily="34" charset="0"/>
-              <a:buNone/>
-            </a:pPr>
-            <a:r>
-              <a:rPr lang="en-US" sz="2400" dirty="0"/>
-              <a:t>If you are interested in my research, feel free to contact me.</a:t>
-            </a:r>
-          </a:p>
-        </p:txBody>
-      </p:sp>
-    </p:spTree>
-    <p:extLst>
-      <p:ext uri="{BB962C8B-B14F-4D97-AF65-F5344CB8AC3E}">
-        <p14:creationId xmlns:p14="http://schemas.microsoft.com/office/powerpoint/2010/main" val="1613744569"/>
-      </p:ext>
-    </p:extLst>
-  </p:cSld>
-  <p:clrMapOvr>
-    <a:masterClrMapping/>
-  </p:clrMapOvr>
-</p:sld>
-</file>
-
-<file path=ppt/slides/slide3.xml><?xml version="1.0" encoding="utf-8"?>
-<p:sld xmlns:a="http://schemas.openxmlformats.org/drawingml/2006/main" xmlns:r="http://schemas.openxmlformats.org/officeDocument/2006/relationships" xmlns:p="http://schemas.openxmlformats.org/presentationml/2006/main">
-  <p:cSld>
-    <p:spTree>
-      <p:nvGrpSpPr>
-        <p:cNvPr id="1" name=""/>
-        <p:cNvGrpSpPr/>
-        <p:nvPr/>
-      </p:nvGrpSpPr>
-      <p:grpSpPr>
-        <a:xfrm>
-          <a:off x="0" y="0"/>
-          <a:ext cx="0" cy="0"/>
-          <a:chOff x="0" y="0"/>
-          <a:chExt cx="0" cy="0"/>
-        </a:xfrm>
-      </p:grpSpPr>
-      <p:sp>
-        <p:nvSpPr>
-          <p:cNvPr id="2" name="Title 1">
-            <a:extLst>
-              <a:ext uri="{FF2B5EF4-FFF2-40B4-BE49-F238E27FC236}">
-                <a16:creationId xmlns:a16="http://schemas.microsoft.com/office/drawing/2014/main" id="{87BF30BF-7806-D247-A2AF-B1239989AB83}"/>
-              </a:ext>
-            </a:extLst>
-          </p:cNvPr>
-          <p:cNvSpPr>
-            <a:spLocks noGrp="1"/>
-          </p:cNvSpPr>
-          <p:nvPr>
-            <p:ph type="title"/>
-          </p:nvPr>
-        </p:nvSpPr>
-        <p:spPr/>
-        <p:txBody>
-          <a:bodyPr/>
-          <a:lstStyle/>
-          <a:p>
-            <a:r>
-              <a:rPr lang="en-US" dirty="0"/>
-              <a:t>Assignments and Requirements</a:t>
-            </a:r>
-          </a:p>
-        </p:txBody>
-      </p:sp>
-      <p:sp>
-        <p:nvSpPr>
-          <p:cNvPr id="4" name="Content Placeholder 3">
-            <a:extLst>
-              <a:ext uri="{FF2B5EF4-FFF2-40B4-BE49-F238E27FC236}">
-                <a16:creationId xmlns:a16="http://schemas.microsoft.com/office/drawing/2014/main" id="{526CEF02-794D-2C43-9606-8FA21EED0878}"/>
-              </a:ext>
-            </a:extLst>
-          </p:cNvPr>
-          <p:cNvSpPr>
-            <a:spLocks noGrp="1"/>
-          </p:cNvSpPr>
-          <p:nvPr>
-            <p:ph idx="1"/>
-          </p:nvPr>
-        </p:nvSpPr>
-        <p:spPr>
-          <a:xfrm>
-            <a:off x="838200" y="1825625"/>
-            <a:ext cx="10515600" cy="3020695"/>
-          </a:xfrm>
-        </p:spPr>
-        <p:txBody>
-          <a:bodyPr/>
-          <a:lstStyle/>
-          <a:p>
-            <a:r>
-              <a:rPr lang="en-US" dirty="0"/>
-              <a:t>Course + Lab: Theory and Implementation 30%</a:t>
-            </a:r>
-          </a:p>
-          <a:p>
-            <a:endParaRPr lang="en-US" dirty="0"/>
-          </a:p>
-          <a:p>
-            <a:r>
-              <a:rPr lang="en-US" dirty="0"/>
-              <a:t>Course Project: Maximum four people in one group 20%</a:t>
-            </a:r>
-          </a:p>
-          <a:p>
-            <a:endParaRPr lang="en-US" dirty="0"/>
-          </a:p>
-          <a:p>
-            <a:r>
-              <a:rPr lang="en-US" dirty="0"/>
-              <a:t>Mid-term and Final Exams 20% + 30%</a:t>
-            </a:r>
-          </a:p>
-        </p:txBody>
-      </p:sp>
-    </p:spTree>
-    <p:extLst>
-      <p:ext uri="{BB962C8B-B14F-4D97-AF65-F5344CB8AC3E}">
-        <p14:creationId xmlns:p14="http://schemas.microsoft.com/office/powerpoint/2010/main" val="732862507"/>
-      </p:ext>
-    </p:extLst>
-  </p:cSld>
-  <p:clrMapOvr>
-    <a:masterClrMapping/>
-  </p:clrMapOvr>
-</p:sld>
-</file>
-
-<file path=ppt/slides/slide4.xml><?xml version="1.0" encoding="utf-8"?>
+<file path=ppt/slides/slide5.xml><?xml version="1.0" encoding="utf-8"?>
 <p:sld xmlns:a="http://schemas.openxmlformats.org/drawingml/2006/main" xmlns:r="http://schemas.openxmlformats.org/officeDocument/2006/relationships" xmlns:p="http://schemas.openxmlformats.org/presentationml/2006/main">
   <p:cSld>
     <p:spTree>
@@ -8936,7 +9148,7 @@
 </p:sld>
 </file>
 
-<file path=ppt/slides/slide5.xml><?xml version="1.0" encoding="utf-8"?>
+<file path=ppt/slides/slide6.xml><?xml version="1.0" encoding="utf-8"?>
 <p:sld xmlns:a="http://schemas.openxmlformats.org/drawingml/2006/main" xmlns:r="http://schemas.openxmlformats.org/officeDocument/2006/relationships" xmlns:p="http://schemas.openxmlformats.org/presentationml/2006/main">
   <p:cSld>
     <p:spTree>
@@ -8970,7 +9182,7 @@
           <a:p>
             <a:r>
               <a:rPr lang="en-US" dirty="0"/>
-              <a:t>Handwritten Digit Recognition</a:t>
+              <a:t>Digit Recognition</a:t>
             </a:r>
           </a:p>
         </p:txBody>
@@ -9281,7 +9493,7 @@
 </p:sld>
 </file>
 
-<file path=ppt/slides/slide6.xml><?xml version="1.0" encoding="utf-8"?>
+<file path=ppt/slides/slide7.xml><?xml version="1.0" encoding="utf-8"?>
 <p:sld xmlns:a="http://schemas.openxmlformats.org/drawingml/2006/main" xmlns:r="http://schemas.openxmlformats.org/officeDocument/2006/relationships" xmlns:p="http://schemas.openxmlformats.org/presentationml/2006/main">
   <p:cSld>
     <p:spTree>
@@ -9380,7 +9592,7 @@
 </p:sld>
 </file>
 
-<file path=ppt/slides/slide7.xml><?xml version="1.0" encoding="utf-8"?>
+<file path=ppt/slides/slide8.xml><?xml version="1.0" encoding="utf-8"?>
 <p:sld xmlns:a="http://schemas.openxmlformats.org/drawingml/2006/main" xmlns:r="http://schemas.openxmlformats.org/officeDocument/2006/relationships" xmlns:p="http://schemas.openxmlformats.org/presentationml/2006/main">
   <p:cSld>
     <p:spTree>
@@ -9479,7 +9691,7 @@
 </p:sld>
 </file>
 
-<file path=ppt/slides/slide8.xml><?xml version="1.0" encoding="utf-8"?>
+<file path=ppt/slides/slide9.xml><?xml version="1.0" encoding="utf-8"?>
 <p:sld xmlns:a="http://schemas.openxmlformats.org/drawingml/2006/main" xmlns:r="http://schemas.openxmlformats.org/officeDocument/2006/relationships" xmlns:p="http://schemas.openxmlformats.org/presentationml/2006/main">
   <p:cSld>
     <p:spTree>
@@ -9569,218 +9781,6 @@
     <p:extLst>
       <p:ext uri="{BB962C8B-B14F-4D97-AF65-F5344CB8AC3E}">
         <p14:creationId xmlns:p14="http://schemas.microsoft.com/office/powerpoint/2010/main" val="2722821320"/>
-      </p:ext>
-    </p:extLst>
-  </p:cSld>
-  <p:clrMapOvr>
-    <a:masterClrMapping/>
-  </p:clrMapOvr>
-</p:sld>
-</file>
-
-<file path=ppt/slides/slide9.xml><?xml version="1.0" encoding="utf-8"?>
-<p:sld xmlns:a="http://schemas.openxmlformats.org/drawingml/2006/main" xmlns:r="http://schemas.openxmlformats.org/officeDocument/2006/relationships" xmlns:p="http://schemas.openxmlformats.org/presentationml/2006/main">
-  <p:cSld>
-    <p:spTree>
-      <p:nvGrpSpPr>
-        <p:cNvPr id="1" name=""/>
-        <p:cNvGrpSpPr/>
-        <p:nvPr/>
-      </p:nvGrpSpPr>
-      <p:grpSpPr>
-        <a:xfrm>
-          <a:off x="0" y="0"/>
-          <a:ext cx="0" cy="0"/>
-          <a:chOff x="0" y="0"/>
-          <a:chExt cx="0" cy="0"/>
-        </a:xfrm>
-      </p:grpSpPr>
-      <p:sp>
-        <p:nvSpPr>
-          <p:cNvPr id="2" name="Title 1"/>
-          <p:cNvSpPr>
-            <a:spLocks noGrp="1"/>
-          </p:cNvSpPr>
-          <p:nvPr>
-            <p:ph type="title"/>
-          </p:nvPr>
-        </p:nvSpPr>
-        <p:spPr/>
-        <p:txBody>
-          <a:bodyPr/>
-          <a:lstStyle/>
-          <a:p>
-            <a:r>
-              <a:rPr lang="en-US" dirty="0"/>
-              <a:t>Applications of Statistical Learning</a:t>
-            </a:r>
-          </a:p>
-        </p:txBody>
-      </p:sp>
-      <p:sp>
-        <p:nvSpPr>
-          <p:cNvPr id="3" name="Content Placeholder 2"/>
-          <p:cNvSpPr>
-            <a:spLocks noGrp="1"/>
-          </p:cNvSpPr>
-          <p:nvPr>
-            <p:ph idx="1"/>
-          </p:nvPr>
-        </p:nvSpPr>
-        <p:spPr>
-          <a:xfrm>
-            <a:off x="838200" y="1690688"/>
-            <a:ext cx="10341077" cy="3906582"/>
-          </a:xfrm>
-        </p:spPr>
-        <p:txBody>
-          <a:bodyPr>
-            <a:noAutofit/>
-          </a:bodyPr>
-          <a:lstStyle/>
-          <a:p>
-            <a:pPr marL="12700" marR="5080">
-              <a:lnSpc>
-                <a:spcPct val="150000"/>
-              </a:lnSpc>
-              <a:spcBef>
-                <a:spcPts val="95"/>
-              </a:spcBef>
-            </a:pPr>
-            <a:r>
-              <a:rPr lang="en-US" sz="2400" spc="-5" dirty="0">
-                <a:latin typeface="Microsoft Sans Serif"/>
-                <a:cs typeface="Microsoft Sans Serif"/>
-              </a:rPr>
-              <a:t>bioinformatics</a:t>
-            </a:r>
-          </a:p>
-          <a:p>
-            <a:pPr marL="12700" marR="5080">
-              <a:lnSpc>
-                <a:spcPct val="150000"/>
-              </a:lnSpc>
-              <a:spcBef>
-                <a:spcPts val="95"/>
-              </a:spcBef>
-            </a:pPr>
-            <a:r>
-              <a:rPr lang="en-US" sz="2400" spc="-5" dirty="0">
-                <a:latin typeface="Microsoft Sans Serif"/>
-                <a:cs typeface="Microsoft Sans Serif"/>
-              </a:rPr>
-              <a:t>detecting network intrusion</a:t>
-            </a:r>
-          </a:p>
-          <a:p>
-            <a:pPr marL="12700" marR="5080">
-              <a:lnSpc>
-                <a:spcPct val="150000"/>
-              </a:lnSpc>
-              <a:spcBef>
-                <a:spcPts val="95"/>
-              </a:spcBef>
-            </a:pPr>
-            <a:r>
-              <a:rPr lang="en-US" sz="2400" spc="-5" dirty="0">
-                <a:latin typeface="Microsoft Sans Serif"/>
-                <a:cs typeface="Microsoft Sans Serif"/>
-              </a:rPr>
-              <a:t>neuroscience</a:t>
-            </a:r>
-          </a:p>
-          <a:p>
-            <a:pPr marL="12700" marR="5080">
-              <a:lnSpc>
-                <a:spcPct val="150000"/>
-              </a:lnSpc>
-              <a:spcBef>
-                <a:spcPts val="95"/>
-              </a:spcBef>
-            </a:pPr>
-            <a:r>
-              <a:rPr lang="en-US" sz="2400" spc="-5" dirty="0">
-                <a:latin typeface="Microsoft Sans Serif"/>
-                <a:cs typeface="Microsoft Sans Serif"/>
-              </a:rPr>
-              <a:t>medical diagnosis</a:t>
-            </a:r>
-          </a:p>
-          <a:p>
-            <a:pPr marL="12700" marR="5080">
-              <a:lnSpc>
-                <a:spcPct val="150000"/>
-              </a:lnSpc>
-              <a:spcBef>
-                <a:spcPts val="95"/>
-              </a:spcBef>
-            </a:pPr>
-            <a:r>
-              <a:rPr lang="en-US" sz="2400" spc="-5" dirty="0">
-                <a:latin typeface="Microsoft Sans Serif"/>
-                <a:cs typeface="Microsoft Sans Serif"/>
-              </a:rPr>
-              <a:t>stock market analysis</a:t>
-            </a:r>
-          </a:p>
-          <a:p>
-            <a:pPr marL="12700" marR="5080">
-              <a:lnSpc>
-                <a:spcPct val="150000"/>
-              </a:lnSpc>
-              <a:spcBef>
-                <a:spcPts val="95"/>
-              </a:spcBef>
-            </a:pPr>
-            <a:r>
-              <a:rPr lang="en-US" sz="2400" spc="-5" dirty="0">
-                <a:latin typeface="Microsoft Sans Serif"/>
-                <a:cs typeface="Microsoft Sans Serif"/>
-              </a:rPr>
-              <a:t>social network analysis</a:t>
-            </a:r>
-          </a:p>
-          <a:p>
-            <a:pPr marL="12700" marR="5080">
-              <a:lnSpc>
-                <a:spcPct val="150000"/>
-              </a:lnSpc>
-              <a:spcBef>
-                <a:spcPts val="95"/>
-              </a:spcBef>
-            </a:pPr>
-            <a:r>
-              <a:rPr lang="en-US" sz="2400" spc="-5" dirty="0">
-                <a:latin typeface="Microsoft Sans Serif"/>
-                <a:cs typeface="Microsoft Sans Serif"/>
-              </a:rPr>
-              <a:t>traffic and infrastructure planning</a:t>
-            </a:r>
-          </a:p>
-          <a:p>
-            <a:pPr marL="0" marR="5080" indent="0">
-              <a:lnSpc>
-                <a:spcPct val="150000"/>
-              </a:lnSpc>
-              <a:spcBef>
-                <a:spcPts val="95"/>
-              </a:spcBef>
-              <a:buNone/>
-            </a:pPr>
-            <a:r>
-              <a:rPr lang="en-GB" sz="2400" spc="-5" dirty="0">
-                <a:latin typeface="Microsoft Sans Serif"/>
-                <a:cs typeface="Microsoft Sans Serif"/>
-              </a:rPr>
-              <a:t>…</a:t>
-            </a:r>
-          </a:p>
-        </p:txBody>
-      </p:sp>
-    </p:spTree>
-    <p:extLst>
-      <p:ext uri="{BB962C8B-B14F-4D97-AF65-F5344CB8AC3E}">
-        <p14:creationId xmlns:p14="http://schemas.microsoft.com/office/powerpoint/2010/main" val="1423582021"/>
       </p:ext>
     </p:extLst>
   </p:cSld>

--- a/_umkc-teaching/slides/Lecture1 - Introduction.pptx
+++ b/_umkc-teaching/slides/Lecture1 - Introduction.pptx
@@ -5,30 +5,32 @@
     <p:sldMasterId id="2147483648" r:id="rId1"/>
   </p:sldMasterIdLst>
   <p:notesMasterIdLst>
-    <p:notesMasterId r:id="rId23"/>
+    <p:notesMasterId r:id="rId25"/>
   </p:notesMasterIdLst>
   <p:sldIdLst>
     <p:sldId id="257" r:id="rId2"/>
     <p:sldId id="282" r:id="rId3"/>
     <p:sldId id="284" r:id="rId4"/>
-    <p:sldId id="268" r:id="rId5"/>
-    <p:sldId id="258" r:id="rId6"/>
-    <p:sldId id="283" r:id="rId7"/>
-    <p:sldId id="263" r:id="rId8"/>
-    <p:sldId id="292" r:id="rId9"/>
-    <p:sldId id="264" r:id="rId10"/>
-    <p:sldId id="265" r:id="rId11"/>
-    <p:sldId id="280" r:id="rId12"/>
-    <p:sldId id="285" r:id="rId13"/>
-    <p:sldId id="287" r:id="rId14"/>
-    <p:sldId id="286" r:id="rId15"/>
-    <p:sldId id="288" r:id="rId16"/>
-    <p:sldId id="289" r:id="rId17"/>
-    <p:sldId id="290" r:id="rId18"/>
-    <p:sldId id="291" r:id="rId19"/>
-    <p:sldId id="278" r:id="rId20"/>
-    <p:sldId id="279" r:id="rId21"/>
-    <p:sldId id="293" r:id="rId22"/>
+    <p:sldId id="295" r:id="rId5"/>
+    <p:sldId id="268" r:id="rId6"/>
+    <p:sldId id="258" r:id="rId7"/>
+    <p:sldId id="283" r:id="rId8"/>
+    <p:sldId id="263" r:id="rId9"/>
+    <p:sldId id="292" r:id="rId10"/>
+    <p:sldId id="264" r:id="rId11"/>
+    <p:sldId id="265" r:id="rId12"/>
+    <p:sldId id="280" r:id="rId13"/>
+    <p:sldId id="285" r:id="rId14"/>
+    <p:sldId id="287" r:id="rId15"/>
+    <p:sldId id="286" r:id="rId16"/>
+    <p:sldId id="288" r:id="rId17"/>
+    <p:sldId id="289" r:id="rId18"/>
+    <p:sldId id="290" r:id="rId19"/>
+    <p:sldId id="291" r:id="rId20"/>
+    <p:sldId id="278" r:id="rId21"/>
+    <p:sldId id="279" r:id="rId22"/>
+    <p:sldId id="294" r:id="rId23"/>
+    <p:sldId id="293" r:id="rId24"/>
   </p:sldIdLst>
   <p:sldSz cx="12192000" cy="6858000"/>
   <p:notesSz cx="6858000" cy="9144000"/>
@@ -549,7 +551,7 @@
           <a:p>
             <a:fld id="{3F8BDF20-BE86-4883-8A23-4CE3D0058BEA}" type="slidenum">
               <a:rPr lang="en-US" smtClean="0"/>
-              <a:t>12</a:t>
+              <a:t>13</a:t>
             </a:fld>
             <a:endParaRPr lang="en-US"/>
           </a:p>
@@ -633,7 +635,7 @@
           <a:p>
             <a:fld id="{3F8BDF20-BE86-4883-8A23-4CE3D0058BEA}" type="slidenum">
               <a:rPr lang="en-US" smtClean="0"/>
-              <a:t>14</a:t>
+              <a:t>15</a:t>
             </a:fld>
             <a:endParaRPr lang="en-US"/>
           </a:p>
@@ -717,7 +719,7 @@
           <a:p>
             <a:fld id="{3F8BDF20-BE86-4883-8A23-4CE3D0058BEA}" type="slidenum">
               <a:rPr lang="en-US" smtClean="0"/>
-              <a:t>15</a:t>
+              <a:t>16</a:t>
             </a:fld>
             <a:endParaRPr lang="en-US"/>
           </a:p>
@@ -801,7 +803,7 @@
           <a:p>
             <a:fld id="{3F8BDF20-BE86-4883-8A23-4CE3D0058BEA}" type="slidenum">
               <a:rPr lang="en-US" smtClean="0"/>
-              <a:t>16</a:t>
+              <a:t>17</a:t>
             </a:fld>
             <a:endParaRPr lang="en-US"/>
           </a:p>
@@ -885,7 +887,7 @@
           <a:p>
             <a:fld id="{3F8BDF20-BE86-4883-8A23-4CE3D0058BEA}" type="slidenum">
               <a:rPr lang="en-US" smtClean="0"/>
-              <a:t>17</a:t>
+              <a:t>18</a:t>
             </a:fld>
             <a:endParaRPr lang="en-US"/>
           </a:p>
@@ -969,7 +971,7 @@
           <a:p>
             <a:fld id="{3F8BDF20-BE86-4883-8A23-4CE3D0058BEA}" type="slidenum">
               <a:rPr lang="en-US" smtClean="0"/>
-              <a:t>18</a:t>
+              <a:t>19</a:t>
             </a:fld>
             <a:endParaRPr lang="en-US"/>
           </a:p>
@@ -4109,175 +4111,62 @@
           <a:p>
             <a:r>
               <a:rPr lang="en-US" dirty="0"/>
-              <a:t>Applications of Statistical Learning</a:t>
-            </a:r>
-          </a:p>
-        </p:txBody>
-      </p:sp>
-      <p:sp>
-        <p:nvSpPr>
-          <p:cNvPr id="3" name="Content Placeholder 2"/>
-          <p:cNvSpPr>
-            <a:spLocks noGrp="1"/>
-          </p:cNvSpPr>
-          <p:nvPr>
-            <p:ph idx="1"/>
-          </p:nvPr>
-        </p:nvSpPr>
-        <p:spPr>
+              <a:t>Text-to-Image Generation</a:t>
+            </a:r>
+          </a:p>
+        </p:txBody>
+      </p:sp>
+      <p:pic>
+        <p:nvPicPr>
+          <p:cNvPr id="3074" name="Picture 2" descr="From DALL·E to Stable Diffusion: How Do Text-to-Image Generation Models  Work? - Edge AI and Vision Alliance">
+            <a:extLst>
+              <a:ext uri="{FF2B5EF4-FFF2-40B4-BE49-F238E27FC236}">
+                <a16:creationId xmlns:a16="http://schemas.microsoft.com/office/drawing/2014/main" id="{9DF9DE53-041E-6B4B-B6AA-AA298D2E3C17}"/>
+              </a:ext>
+            </a:extLst>
+          </p:cNvPr>
+          <p:cNvPicPr>
+            <a:picLocks noChangeAspect="1" noChangeArrowheads="1"/>
+          </p:cNvPicPr>
+          <p:nvPr/>
+        </p:nvPicPr>
+        <p:blipFill>
+          <a:blip r:embed="rId2">
+            <a:extLst>
+              <a:ext uri="{28A0092B-C50C-407E-A947-70E740481C1C}">
+                <a14:useLocalDpi xmlns:a14="http://schemas.microsoft.com/office/drawing/2010/main" val="0"/>
+              </a:ext>
+            </a:extLst>
+          </a:blip>
+          <a:srcRect/>
+          <a:stretch>
+            <a:fillRect/>
+          </a:stretch>
+        </p:blipFill>
+        <p:spPr bwMode="auto">
           <a:xfrm>
-            <a:off x="838200" y="1690688"/>
-            <a:ext cx="10341077" cy="3906582"/>
+            <a:off x="1188720" y="1690688"/>
+            <a:ext cx="9540240" cy="5012353"/>
           </a:xfrm>
+          <a:prstGeom prst="rect">
+            <a:avLst/>
+          </a:prstGeom>
+          <a:noFill/>
+          <a:extLst>
+            <a:ext uri="{909E8E84-426E-40DD-AFC4-6F175D3DCCD1}">
+              <a14:hiddenFill xmlns:a14="http://schemas.microsoft.com/office/drawing/2010/main">
+                <a:solidFill>
+                  <a:srgbClr val="FFFFFF"/>
+                </a:solidFill>
+              </a14:hiddenFill>
+            </a:ext>
+          </a:extLst>
         </p:spPr>
-        <p:txBody>
-          <a:bodyPr>
-            <a:noAutofit/>
-          </a:bodyPr>
-          <a:lstStyle/>
-          <a:p>
-            <a:pPr marL="12700" marR="5080">
-              <a:lnSpc>
-                <a:spcPct val="150000"/>
-              </a:lnSpc>
-              <a:spcBef>
-                <a:spcPts val="95"/>
-              </a:spcBef>
-            </a:pPr>
-            <a:r>
-              <a:rPr lang="en-US" sz="2400" spc="-5" dirty="0">
-                <a:latin typeface="Microsoft Sans Serif"/>
-                <a:cs typeface="Microsoft Sans Serif"/>
-              </a:rPr>
-              <a:t>bioinformatics</a:t>
-            </a:r>
-          </a:p>
-          <a:p>
-            <a:pPr marL="12700" marR="5080">
-              <a:lnSpc>
-                <a:spcPct val="150000"/>
-              </a:lnSpc>
-              <a:spcBef>
-                <a:spcPts val="95"/>
-              </a:spcBef>
-            </a:pPr>
-            <a:r>
-              <a:rPr lang="en-US" sz="2400" spc="-5" dirty="0">
-                <a:latin typeface="Microsoft Sans Serif"/>
-                <a:cs typeface="Microsoft Sans Serif"/>
-              </a:rPr>
-              <a:t>detecting network intrusion</a:t>
-            </a:r>
-          </a:p>
-          <a:p>
-            <a:pPr marL="12700" marR="5080">
-              <a:lnSpc>
-                <a:spcPct val="150000"/>
-              </a:lnSpc>
-              <a:spcBef>
-                <a:spcPts val="95"/>
-              </a:spcBef>
-            </a:pPr>
-            <a:r>
-              <a:rPr lang="en-US" sz="2400" spc="-5" dirty="0">
-                <a:latin typeface="Microsoft Sans Serif"/>
-                <a:cs typeface="Microsoft Sans Serif"/>
-              </a:rPr>
-              <a:t>neuroscience</a:t>
-            </a:r>
-          </a:p>
-          <a:p>
-            <a:pPr marL="12700" marR="5080">
-              <a:lnSpc>
-                <a:spcPct val="150000"/>
-              </a:lnSpc>
-              <a:spcBef>
-                <a:spcPts val="95"/>
-              </a:spcBef>
-            </a:pPr>
-            <a:r>
-              <a:rPr lang="en-US" sz="2400" spc="-5" dirty="0">
-                <a:latin typeface="Microsoft Sans Serif"/>
-                <a:cs typeface="Microsoft Sans Serif"/>
-              </a:rPr>
-              <a:t>medical diagnosis</a:t>
-            </a:r>
-          </a:p>
-          <a:p>
-            <a:pPr marL="12700" marR="5080">
-              <a:lnSpc>
-                <a:spcPct val="150000"/>
-              </a:lnSpc>
-              <a:spcBef>
-                <a:spcPts val="95"/>
-              </a:spcBef>
-            </a:pPr>
-            <a:r>
-              <a:rPr lang="en-US" sz="2400" spc="-5" dirty="0">
-                <a:latin typeface="Microsoft Sans Serif"/>
-                <a:cs typeface="Microsoft Sans Serif"/>
-              </a:rPr>
-              <a:t>stock market analysis</a:t>
-            </a:r>
-          </a:p>
-          <a:p>
-            <a:pPr marL="12700" marR="5080">
-              <a:lnSpc>
-                <a:spcPct val="150000"/>
-              </a:lnSpc>
-              <a:spcBef>
-                <a:spcPts val="95"/>
-              </a:spcBef>
-            </a:pPr>
-            <a:r>
-              <a:rPr lang="en-US" sz="2400" spc="-5" dirty="0">
-                <a:latin typeface="Microsoft Sans Serif"/>
-                <a:cs typeface="Microsoft Sans Serif"/>
-              </a:rPr>
-              <a:t>social network analysis</a:t>
-            </a:r>
-          </a:p>
-          <a:p>
-            <a:pPr marL="12700" marR="5080">
-              <a:lnSpc>
-                <a:spcPct val="150000"/>
-              </a:lnSpc>
-              <a:spcBef>
-                <a:spcPts val="95"/>
-              </a:spcBef>
-            </a:pPr>
-            <a:r>
-              <a:rPr lang="en-US" sz="2400" spc="-5" dirty="0">
-                <a:latin typeface="Microsoft Sans Serif"/>
-                <a:cs typeface="Microsoft Sans Serif"/>
-              </a:rPr>
-              <a:t>traffic and infrastructure planning</a:t>
-            </a:r>
-          </a:p>
-          <a:p>
-            <a:pPr marL="0" marR="5080" indent="0">
-              <a:lnSpc>
-                <a:spcPct val="150000"/>
-              </a:lnSpc>
-              <a:spcBef>
-                <a:spcPts val="95"/>
-              </a:spcBef>
-              <a:buNone/>
-            </a:pPr>
-            <a:r>
-              <a:rPr lang="en-GB" sz="2400" spc="-5" dirty="0">
-                <a:latin typeface="Microsoft Sans Serif"/>
-                <a:cs typeface="Microsoft Sans Serif"/>
-              </a:rPr>
-              <a:t>…</a:t>
-            </a:r>
-          </a:p>
-        </p:txBody>
-      </p:sp>
+      </p:pic>
     </p:spTree>
     <p:extLst>
       <p:ext uri="{BB962C8B-B14F-4D97-AF65-F5344CB8AC3E}">
-        <p14:creationId xmlns:p14="http://schemas.microsoft.com/office/powerpoint/2010/main" val="1423582021"/>
+        <p14:creationId xmlns:p14="http://schemas.microsoft.com/office/powerpoint/2010/main" val="2722821320"/>
       </p:ext>
     </p:extLst>
   </p:cSld>
@@ -4321,20 +4210,14 @@
           <a:p>
             <a:r>
               <a:rPr lang="en-US" dirty="0"/>
-              <a:t>Textbooks</a:t>
-            </a:r>
-          </a:p>
-        </p:txBody>
-      </p:sp>
-      <p:sp>
-        <p:nvSpPr>
-          <p:cNvPr id="7" name="Content Placeholder 3">
-            <a:extLst>
-              <a:ext uri="{FF2B5EF4-FFF2-40B4-BE49-F238E27FC236}">
-                <a16:creationId xmlns:a16="http://schemas.microsoft.com/office/drawing/2014/main" id="{C4C2037F-909E-E840-8A09-C2EF77C2CBAC}"/>
-              </a:ext>
-            </a:extLst>
-          </p:cNvPr>
+              <a:t>Applications of Statistical Learning</a:t>
+            </a:r>
+          </a:p>
+        </p:txBody>
+      </p:sp>
+      <p:sp>
+        <p:nvSpPr>
+          <p:cNvPr id="3" name="Content Placeholder 2"/>
           <p:cNvSpPr>
             <a:spLocks noGrp="1"/>
           </p:cNvSpPr>
@@ -4344,71 +4227,150 @@
         </p:nvSpPr>
         <p:spPr>
           <a:xfrm>
-            <a:off x="838200" y="1918652"/>
-            <a:ext cx="10515600" cy="3020695"/>
+            <a:off x="838200" y="1690688"/>
+            <a:ext cx="10341077" cy="3906582"/>
           </a:xfrm>
         </p:spPr>
         <p:txBody>
           <a:bodyPr>
-            <a:normAutofit/>
+            <a:noAutofit/>
           </a:bodyPr>
           <a:lstStyle/>
           <a:p>
-            <a:r>
-              <a:rPr lang="en-US" dirty="0"/>
-              <a:t>An Introduction to Statistical Learning</a:t>
-            </a:r>
-          </a:p>
-          <a:p>
-            <a:endParaRPr lang="en-US" dirty="0"/>
-          </a:p>
-          <a:p>
-            <a:r>
-              <a:rPr lang="en-US" dirty="0"/>
-              <a:t>Machine Learning with Python Tutorial (Optional)</a:t>
-            </a:r>
-          </a:p>
-        </p:txBody>
-      </p:sp>
-      <p:sp>
-        <p:nvSpPr>
-          <p:cNvPr id="8" name="TextBox 7">
-            <a:extLst>
-              <a:ext uri="{FF2B5EF4-FFF2-40B4-BE49-F238E27FC236}">
-                <a16:creationId xmlns:a16="http://schemas.microsoft.com/office/drawing/2014/main" id="{C7F910D6-5D5C-424B-BE21-E59B9B3E45A4}"/>
-              </a:ext>
-            </a:extLst>
-          </p:cNvPr>
-          <p:cNvSpPr txBox="1"/>
-          <p:nvPr/>
-        </p:nvSpPr>
-        <p:spPr>
-          <a:xfrm>
-            <a:off x="838200" y="4188122"/>
-            <a:ext cx="9159240" cy="461665"/>
-          </a:xfrm>
-          <a:prstGeom prst="rect">
-            <a:avLst/>
-          </a:prstGeom>
-          <a:noFill/>
-        </p:spPr>
-        <p:txBody>
-          <a:bodyPr wrap="square">
-            <a:spAutoFit/>
-          </a:bodyPr>
-          <a:lstStyle/>
-          <a:p>
-            <a:r>
-              <a:rPr lang="en-US" sz="2400" dirty="0"/>
-              <a:t>https://tianzheng4.github.io/</a:t>
-            </a:r>
-            <a:r>
-              <a:rPr lang="en-US" sz="2400" dirty="0" err="1"/>
-              <a:t>umkc</a:t>
-            </a:r>
-            <a:r>
-              <a:rPr lang="en-US" sz="2400" dirty="0"/>
-              <a:t>-teaching/2023-fall-teaching-1/</a:t>
+            <a:pPr marL="12700" marR="5080">
+              <a:lnSpc>
+                <a:spcPct val="150000"/>
+              </a:lnSpc>
+              <a:spcBef>
+                <a:spcPts val="95"/>
+              </a:spcBef>
+            </a:pPr>
+            <a:r>
+              <a:rPr lang="en-US" sz="2400" spc="-5" dirty="0">
+                <a:latin typeface="Microsoft Sans Serif"/>
+                <a:cs typeface="Microsoft Sans Serif"/>
+              </a:rPr>
+              <a:t>bioinformatics</a:t>
+            </a:r>
+          </a:p>
+          <a:p>
+            <a:pPr marL="12700" marR="5080">
+              <a:lnSpc>
+                <a:spcPct val="150000"/>
+              </a:lnSpc>
+              <a:spcBef>
+                <a:spcPts val="95"/>
+              </a:spcBef>
+            </a:pPr>
+            <a:r>
+              <a:rPr lang="en-US" sz="2400" spc="-5" dirty="0">
+                <a:latin typeface="Microsoft Sans Serif"/>
+                <a:cs typeface="Microsoft Sans Serif"/>
+              </a:rPr>
+              <a:t>detecting network intrusion</a:t>
+            </a:r>
+          </a:p>
+          <a:p>
+            <a:pPr marL="12700" marR="5080">
+              <a:lnSpc>
+                <a:spcPct val="150000"/>
+              </a:lnSpc>
+              <a:spcBef>
+                <a:spcPts val="95"/>
+              </a:spcBef>
+            </a:pPr>
+            <a:r>
+              <a:rPr lang="en-US" sz="2400" spc="-5" dirty="0">
+                <a:latin typeface="Microsoft Sans Serif"/>
+                <a:cs typeface="Microsoft Sans Serif"/>
+              </a:rPr>
+              <a:t>neuroscience</a:t>
+            </a:r>
+          </a:p>
+          <a:p>
+            <a:pPr marL="12700" marR="5080">
+              <a:lnSpc>
+                <a:spcPct val="150000"/>
+              </a:lnSpc>
+              <a:spcBef>
+                <a:spcPts val="95"/>
+              </a:spcBef>
+            </a:pPr>
+            <a:r>
+              <a:rPr lang="en-US" sz="2400" spc="-5" dirty="0">
+                <a:latin typeface="Microsoft Sans Serif"/>
+                <a:cs typeface="Microsoft Sans Serif"/>
+              </a:rPr>
+              <a:t>medical diagnosis</a:t>
+            </a:r>
+          </a:p>
+          <a:p>
+            <a:pPr marL="12700" marR="5080">
+              <a:lnSpc>
+                <a:spcPct val="150000"/>
+              </a:lnSpc>
+              <a:spcBef>
+                <a:spcPts val="95"/>
+              </a:spcBef>
+            </a:pPr>
+            <a:r>
+              <a:rPr lang="en-US" sz="2400" spc="-5" dirty="0">
+                <a:latin typeface="Microsoft Sans Serif"/>
+                <a:cs typeface="Microsoft Sans Serif"/>
+              </a:rPr>
+              <a:t>stock market analysis</a:t>
+            </a:r>
+          </a:p>
+          <a:p>
+            <a:pPr marL="12700" marR="5080">
+              <a:lnSpc>
+                <a:spcPct val="150000"/>
+              </a:lnSpc>
+              <a:spcBef>
+                <a:spcPts val="95"/>
+              </a:spcBef>
+            </a:pPr>
+            <a:r>
+              <a:rPr lang="en-US" sz="2400" spc="-5" dirty="0">
+                <a:latin typeface="Microsoft Sans Serif"/>
+                <a:cs typeface="Microsoft Sans Serif"/>
+              </a:rPr>
+              <a:t>social network analysis</a:t>
+            </a:r>
+          </a:p>
+          <a:p>
+            <a:pPr marL="12700" marR="5080">
+              <a:lnSpc>
+                <a:spcPct val="150000"/>
+              </a:lnSpc>
+              <a:spcBef>
+                <a:spcPts val="95"/>
+              </a:spcBef>
+            </a:pPr>
+            <a:r>
+              <a:rPr lang="en-US" sz="2400" spc="-5" dirty="0">
+                <a:latin typeface="Microsoft Sans Serif"/>
+                <a:cs typeface="Microsoft Sans Serif"/>
+              </a:rPr>
+              <a:t>traffic and infrastructure planning</a:t>
+            </a:r>
+          </a:p>
+          <a:p>
+            <a:pPr marL="0" marR="5080" indent="0">
+              <a:lnSpc>
+                <a:spcPct val="150000"/>
+              </a:lnSpc>
+              <a:spcBef>
+                <a:spcPts val="95"/>
+              </a:spcBef>
+              <a:buNone/>
+            </a:pPr>
+            <a:r>
+              <a:rPr lang="en-GB" sz="2400" spc="-5" dirty="0">
+                <a:latin typeface="Microsoft Sans Serif"/>
+                <a:cs typeface="Microsoft Sans Serif"/>
+              </a:rPr>
+              <a:t>…</a:t>
             </a:r>
           </a:p>
         </p:txBody>
@@ -4416,7 +4378,7 @@
     </p:spTree>
     <p:extLst>
       <p:ext uri="{BB962C8B-B14F-4D97-AF65-F5344CB8AC3E}">
-        <p14:creationId xmlns:p14="http://schemas.microsoft.com/office/powerpoint/2010/main" val="1327267736"/>
+        <p14:creationId xmlns:p14="http://schemas.microsoft.com/office/powerpoint/2010/main" val="1423582021"/>
       </p:ext>
     </p:extLst>
   </p:cSld>
@@ -4453,6 +4415,145 @@
             <p:ph type="title"/>
           </p:nvPr>
         </p:nvSpPr>
+        <p:spPr/>
+        <p:txBody>
+          <a:bodyPr/>
+          <a:lstStyle/>
+          <a:p>
+            <a:r>
+              <a:rPr lang="en-US" dirty="0"/>
+              <a:t>Textbooks</a:t>
+            </a:r>
+          </a:p>
+        </p:txBody>
+      </p:sp>
+      <p:sp>
+        <p:nvSpPr>
+          <p:cNvPr id="7" name="Content Placeholder 3">
+            <a:extLst>
+              <a:ext uri="{FF2B5EF4-FFF2-40B4-BE49-F238E27FC236}">
+                <a16:creationId xmlns:a16="http://schemas.microsoft.com/office/drawing/2014/main" id="{C4C2037F-909E-E840-8A09-C2EF77C2CBAC}"/>
+              </a:ext>
+            </a:extLst>
+          </p:cNvPr>
+          <p:cNvSpPr>
+            <a:spLocks noGrp="1"/>
+          </p:cNvSpPr>
+          <p:nvPr>
+            <p:ph idx="1"/>
+          </p:nvPr>
+        </p:nvSpPr>
+        <p:spPr>
+          <a:xfrm>
+            <a:off x="838200" y="1918652"/>
+            <a:ext cx="10515600" cy="3020695"/>
+          </a:xfrm>
+        </p:spPr>
+        <p:txBody>
+          <a:bodyPr>
+            <a:normAutofit/>
+          </a:bodyPr>
+          <a:lstStyle/>
+          <a:p>
+            <a:r>
+              <a:rPr lang="en-US" dirty="0"/>
+              <a:t>An Introduction to Statistical Learning</a:t>
+            </a:r>
+          </a:p>
+          <a:p>
+            <a:endParaRPr lang="en-US" dirty="0"/>
+          </a:p>
+          <a:p>
+            <a:r>
+              <a:rPr lang="en-US" dirty="0"/>
+              <a:t>Machine Learning with Python Tutorial (Optional)</a:t>
+            </a:r>
+          </a:p>
+        </p:txBody>
+      </p:sp>
+      <p:sp>
+        <p:nvSpPr>
+          <p:cNvPr id="8" name="TextBox 7">
+            <a:extLst>
+              <a:ext uri="{FF2B5EF4-FFF2-40B4-BE49-F238E27FC236}">
+                <a16:creationId xmlns:a16="http://schemas.microsoft.com/office/drawing/2014/main" id="{C7F910D6-5D5C-424B-BE21-E59B9B3E45A4}"/>
+              </a:ext>
+            </a:extLst>
+          </p:cNvPr>
+          <p:cNvSpPr txBox="1"/>
+          <p:nvPr/>
+        </p:nvSpPr>
+        <p:spPr>
+          <a:xfrm>
+            <a:off x="838200" y="4188122"/>
+            <a:ext cx="9159240" cy="461665"/>
+          </a:xfrm>
+          <a:prstGeom prst="rect">
+            <a:avLst/>
+          </a:prstGeom>
+          <a:noFill/>
+        </p:spPr>
+        <p:txBody>
+          <a:bodyPr wrap="square">
+            <a:spAutoFit/>
+          </a:bodyPr>
+          <a:lstStyle/>
+          <a:p>
+            <a:r>
+              <a:rPr lang="en-US" sz="2400" dirty="0"/>
+              <a:t>https://tianzheng4.github.io/</a:t>
+            </a:r>
+            <a:r>
+              <a:rPr lang="en-US" sz="2400" dirty="0" err="1"/>
+              <a:t>umkc</a:t>
+            </a:r>
+            <a:r>
+              <a:rPr lang="en-US" sz="2400" dirty="0"/>
+              <a:t>-teaching/2023-fall-teaching-1/</a:t>
+            </a:r>
+          </a:p>
+        </p:txBody>
+      </p:sp>
+    </p:spTree>
+    <p:extLst>
+      <p:ext uri="{BB962C8B-B14F-4D97-AF65-F5344CB8AC3E}">
+        <p14:creationId xmlns:p14="http://schemas.microsoft.com/office/powerpoint/2010/main" val="1327267736"/>
+      </p:ext>
+    </p:extLst>
+  </p:cSld>
+  <p:clrMapOvr>
+    <a:masterClrMapping/>
+  </p:clrMapOvr>
+</p:sld>
+</file>
+
+<file path=ppt/slides/slide13.xml><?xml version="1.0" encoding="utf-8"?>
+<p:sld xmlns:a="http://schemas.openxmlformats.org/drawingml/2006/main" xmlns:r="http://schemas.openxmlformats.org/officeDocument/2006/relationships" xmlns:p="http://schemas.openxmlformats.org/presentationml/2006/main">
+  <p:cSld>
+    <p:spTree>
+      <p:nvGrpSpPr>
+        <p:cNvPr id="1" name=""/>
+        <p:cNvGrpSpPr/>
+        <p:nvPr/>
+      </p:nvGrpSpPr>
+      <p:grpSpPr>
+        <a:xfrm>
+          <a:off x="0" y="0"/>
+          <a:ext cx="0" cy="0"/>
+          <a:chOff x="0" y="0"/>
+          <a:chExt cx="0" cy="0"/>
+        </a:xfrm>
+      </p:grpSpPr>
+      <p:sp>
+        <p:nvSpPr>
+          <p:cNvPr id="2" name="Title 1"/>
+          <p:cNvSpPr>
+            <a:spLocks noGrp="1"/>
+          </p:cNvSpPr>
+          <p:nvPr>
+            <p:ph type="title"/>
+          </p:nvPr>
+        </p:nvSpPr>
         <p:spPr>
           <a:xfrm>
             <a:off x="838200" y="365126"/>
@@ -4643,7 +4744,7 @@
 </p:sld>
 </file>
 
-<file path=ppt/slides/slide13.xml><?xml version="1.0" encoding="utf-8"?>
+<file path=ppt/slides/slide14.xml><?xml version="1.0" encoding="utf-8"?>
 <p:sld xmlns:a="http://schemas.openxmlformats.org/drawingml/2006/main" xmlns:r="http://schemas.openxmlformats.org/officeDocument/2006/relationships" xmlns:p="http://schemas.openxmlformats.org/presentationml/2006/main">
   <p:cSld>
     <p:spTree>
@@ -5265,7 +5366,7 @@
 </p:sld>
 </file>
 
-<file path=ppt/slides/slide14.xml><?xml version="1.0" encoding="utf-8"?>
+<file path=ppt/slides/slide15.xml><?xml version="1.0" encoding="utf-8"?>
 <p:sld xmlns:a="http://schemas.openxmlformats.org/drawingml/2006/main" xmlns:r="http://schemas.openxmlformats.org/officeDocument/2006/relationships" xmlns:p="http://schemas.openxmlformats.org/presentationml/2006/main">
   <p:cSld>
     <p:spTree>
@@ -5473,7 +5574,7 @@
 </p:sld>
 </file>
 
-<file path=ppt/slides/slide15.xml><?xml version="1.0" encoding="utf-8"?>
+<file path=ppt/slides/slide16.xml><?xml version="1.0" encoding="utf-8"?>
 <p:sld xmlns:a="http://schemas.openxmlformats.org/drawingml/2006/main" xmlns:r="http://schemas.openxmlformats.org/officeDocument/2006/relationships" xmlns:p="http://schemas.openxmlformats.org/presentationml/2006/main">
   <p:cSld>
     <p:spTree>
@@ -5579,7 +5680,7 @@
 </p:sld>
 </file>
 
-<file path=ppt/slides/slide16.xml><?xml version="1.0" encoding="utf-8"?>
+<file path=ppt/slides/slide17.xml><?xml version="1.0" encoding="utf-8"?>
 <p:sld xmlns:a="http://schemas.openxmlformats.org/drawingml/2006/main" xmlns:r="http://schemas.openxmlformats.org/officeDocument/2006/relationships" xmlns:p="http://schemas.openxmlformats.org/presentationml/2006/main">
   <p:cSld>
     <p:spTree>
@@ -5784,7 +5885,7 @@
 </p:sld>
 </file>
 
-<file path=ppt/slides/slide17.xml><?xml version="1.0" encoding="utf-8"?>
+<file path=ppt/slides/slide18.xml><?xml version="1.0" encoding="utf-8"?>
 <p:sld xmlns:a="http://schemas.openxmlformats.org/drawingml/2006/main" xmlns:r="http://schemas.openxmlformats.org/officeDocument/2006/relationships" xmlns:p="http://schemas.openxmlformats.org/presentationml/2006/main">
   <p:cSld>
     <p:spTree>
@@ -5890,7 +5991,7 @@
 </p:sld>
 </file>
 
-<file path=ppt/slides/slide18.xml><?xml version="1.0" encoding="utf-8"?>
+<file path=ppt/slides/slide19.xml><?xml version="1.0" encoding="utf-8"?>
 <p:sld xmlns:a="http://schemas.openxmlformats.org/drawingml/2006/main" xmlns:r="http://schemas.openxmlformats.org/officeDocument/2006/relationships" xmlns:p="http://schemas.openxmlformats.org/presentationml/2006/main">
   <p:cSld>
     <p:spTree>
@@ -6761,7 +6862,376 @@
 </p:sld>
 </file>
 
-<file path=ppt/slides/slide19.xml><?xml version="1.0" encoding="utf-8"?>
+<file path=ppt/slides/slide2.xml><?xml version="1.0" encoding="utf-8"?>
+<p:sld xmlns:a="http://schemas.openxmlformats.org/drawingml/2006/main" xmlns:r="http://schemas.openxmlformats.org/officeDocument/2006/relationships" xmlns:p="http://schemas.openxmlformats.org/presentationml/2006/main">
+  <p:cSld>
+    <p:spTree>
+      <p:nvGrpSpPr>
+        <p:cNvPr id="1" name=""/>
+        <p:cNvGrpSpPr/>
+        <p:nvPr/>
+      </p:nvGrpSpPr>
+      <p:grpSpPr>
+        <a:xfrm>
+          <a:off x="0" y="0"/>
+          <a:ext cx="0" cy="0"/>
+          <a:chOff x="0" y="0"/>
+          <a:chExt cx="0" cy="0"/>
+        </a:xfrm>
+      </p:grpSpPr>
+      <p:sp>
+        <p:nvSpPr>
+          <p:cNvPr id="2" name="Title 1">
+            <a:extLst>
+              <a:ext uri="{FF2B5EF4-FFF2-40B4-BE49-F238E27FC236}">
+                <a16:creationId xmlns:a16="http://schemas.microsoft.com/office/drawing/2014/main" id="{87BF30BF-7806-D247-A2AF-B1239989AB83}"/>
+              </a:ext>
+            </a:extLst>
+          </p:cNvPr>
+          <p:cNvSpPr>
+            <a:spLocks noGrp="1"/>
+          </p:cNvSpPr>
+          <p:nvPr>
+            <p:ph type="title"/>
+          </p:nvPr>
+        </p:nvSpPr>
+        <p:spPr/>
+        <p:txBody>
+          <a:bodyPr/>
+          <a:lstStyle/>
+          <a:p>
+            <a:r>
+              <a:rPr lang="en-US" dirty="0"/>
+              <a:t>Course Website</a:t>
+            </a:r>
+          </a:p>
+        </p:txBody>
+      </p:sp>
+      <p:sp>
+        <p:nvSpPr>
+          <p:cNvPr id="7" name="TextBox 6">
+            <a:extLst>
+              <a:ext uri="{FF2B5EF4-FFF2-40B4-BE49-F238E27FC236}">
+                <a16:creationId xmlns:a16="http://schemas.microsoft.com/office/drawing/2014/main" id="{BC953F59-DB65-0241-829C-F5150AEE3958}"/>
+              </a:ext>
+            </a:extLst>
+          </p:cNvPr>
+          <p:cNvSpPr txBox="1"/>
+          <p:nvPr/>
+        </p:nvSpPr>
+        <p:spPr>
+          <a:xfrm>
+            <a:off x="838200" y="1825675"/>
+            <a:ext cx="9159240" cy="461665"/>
+          </a:xfrm>
+          <a:prstGeom prst="rect">
+            <a:avLst/>
+          </a:prstGeom>
+          <a:noFill/>
+        </p:spPr>
+        <p:txBody>
+          <a:bodyPr wrap="square">
+            <a:spAutoFit/>
+          </a:bodyPr>
+          <a:lstStyle/>
+          <a:p>
+            <a:r>
+              <a:rPr lang="en-US" sz="2400" dirty="0"/>
+              <a:t>https://tianzheng4.github.io/</a:t>
+            </a:r>
+            <a:r>
+              <a:rPr lang="en-US" sz="2400" dirty="0" err="1"/>
+              <a:t>umkc</a:t>
+            </a:r>
+            <a:r>
+              <a:rPr lang="en-US" sz="2400" dirty="0"/>
+              <a:t>-teaching/2023-fall-teaching-1/</a:t>
+            </a:r>
+          </a:p>
+        </p:txBody>
+      </p:sp>
+      <p:sp>
+        <p:nvSpPr>
+          <p:cNvPr id="8" name="Content Placeholder 2">
+            <a:extLst>
+              <a:ext uri="{FF2B5EF4-FFF2-40B4-BE49-F238E27FC236}">
+                <a16:creationId xmlns:a16="http://schemas.microsoft.com/office/drawing/2014/main" id="{A699D753-1647-664C-A454-6CD0016A3B91}"/>
+              </a:ext>
+            </a:extLst>
+          </p:cNvPr>
+          <p:cNvSpPr>
+            <a:spLocks noGrp="1"/>
+          </p:cNvSpPr>
+          <p:nvPr>
+            <p:ph idx="1"/>
+          </p:nvPr>
+        </p:nvSpPr>
+        <p:spPr>
+          <a:xfrm>
+            <a:off x="838200" y="2919949"/>
+            <a:ext cx="9616440" cy="2078771"/>
+          </a:xfrm>
+        </p:spPr>
+        <p:txBody>
+          <a:bodyPr>
+            <a:normAutofit/>
+          </a:bodyPr>
+          <a:lstStyle/>
+          <a:p>
+            <a:pPr marL="0" indent="0">
+              <a:buNone/>
+            </a:pPr>
+            <a:r>
+              <a:rPr lang="en-US" sz="2400" dirty="0"/>
+              <a:t>What are on the course website:</a:t>
+            </a:r>
+          </a:p>
+          <a:p>
+            <a:pPr marL="0" indent="0">
+              <a:buNone/>
+            </a:pPr>
+            <a:r>
+              <a:rPr lang="en-US" sz="2400" dirty="0"/>
+              <a:t>	Lecture slides</a:t>
+            </a:r>
+          </a:p>
+          <a:p>
+            <a:pPr marL="0" indent="0">
+              <a:buNone/>
+            </a:pPr>
+            <a:r>
+              <a:rPr lang="en-US" sz="2400" dirty="0"/>
+              <a:t>	Lab material</a:t>
+            </a:r>
+          </a:p>
+          <a:p>
+            <a:pPr marL="0" indent="0">
+              <a:buNone/>
+            </a:pPr>
+            <a:r>
+              <a:rPr lang="en-US" sz="2400" dirty="0"/>
+              <a:t>	Contact Information</a:t>
+            </a:r>
+          </a:p>
+        </p:txBody>
+      </p:sp>
+      <p:sp>
+        <p:nvSpPr>
+          <p:cNvPr id="9" name="Content Placeholder 2">
+            <a:extLst>
+              <a:ext uri="{FF2B5EF4-FFF2-40B4-BE49-F238E27FC236}">
+                <a16:creationId xmlns:a16="http://schemas.microsoft.com/office/drawing/2014/main" id="{8E7D57D7-F9C0-5840-941E-E7D4557F09BF}"/>
+              </a:ext>
+            </a:extLst>
+          </p:cNvPr>
+          <p:cNvSpPr txBox="1">
+            <a:spLocks/>
+          </p:cNvSpPr>
+          <p:nvPr/>
+        </p:nvSpPr>
+        <p:spPr>
+          <a:xfrm>
+            <a:off x="838200" y="5375881"/>
+            <a:ext cx="9616440" cy="852100"/>
+          </a:xfrm>
+          <a:prstGeom prst="rect">
+            <a:avLst/>
+          </a:prstGeom>
+        </p:spPr>
+        <p:txBody>
+          <a:bodyPr vert="horz" lIns="91440" tIns="45720" rIns="91440" bIns="45720" rtlCol="0">
+            <a:normAutofit/>
+          </a:bodyPr>
+          <a:lstStyle>
+            <a:lvl1pPr marL="228600" indent="-228600" algn="l" defTabSz="914400" rtl="0" eaLnBrk="1" latinLnBrk="0" hangingPunct="1">
+              <a:lnSpc>
+                <a:spcPct val="90000"/>
+              </a:lnSpc>
+              <a:spcBef>
+                <a:spcPts val="1000"/>
+              </a:spcBef>
+              <a:buFont typeface="Arial" panose="020B0604020202020204" pitchFamily="34" charset="0"/>
+              <a:buChar char="•"/>
+              <a:defRPr sz="2800" kern="1200">
+                <a:solidFill>
+                  <a:schemeClr val="tx1"/>
+                </a:solidFill>
+                <a:latin typeface="+mn-lt"/>
+                <a:ea typeface="+mn-ea"/>
+                <a:cs typeface="+mn-cs"/>
+              </a:defRPr>
+            </a:lvl1pPr>
+            <a:lvl2pPr marL="685800" indent="-228600" algn="l" defTabSz="914400" rtl="0" eaLnBrk="1" latinLnBrk="0" hangingPunct="1">
+              <a:lnSpc>
+                <a:spcPct val="90000"/>
+              </a:lnSpc>
+              <a:spcBef>
+                <a:spcPts val="500"/>
+              </a:spcBef>
+              <a:buFont typeface="Arial" panose="020B0604020202020204" pitchFamily="34" charset="0"/>
+              <a:buChar char="•"/>
+              <a:defRPr sz="2400" kern="1200">
+                <a:solidFill>
+                  <a:schemeClr val="tx1"/>
+                </a:solidFill>
+                <a:latin typeface="+mn-lt"/>
+                <a:ea typeface="+mn-ea"/>
+                <a:cs typeface="+mn-cs"/>
+              </a:defRPr>
+            </a:lvl2pPr>
+            <a:lvl3pPr marL="1143000" indent="-228600" algn="l" defTabSz="914400" rtl="0" eaLnBrk="1" latinLnBrk="0" hangingPunct="1">
+              <a:lnSpc>
+                <a:spcPct val="90000"/>
+              </a:lnSpc>
+              <a:spcBef>
+                <a:spcPts val="500"/>
+              </a:spcBef>
+              <a:buFont typeface="Arial" panose="020B0604020202020204" pitchFamily="34" charset="0"/>
+              <a:buChar char="•"/>
+              <a:defRPr sz="2000" kern="1200">
+                <a:solidFill>
+                  <a:schemeClr val="tx1"/>
+                </a:solidFill>
+                <a:latin typeface="+mn-lt"/>
+                <a:ea typeface="+mn-ea"/>
+                <a:cs typeface="+mn-cs"/>
+              </a:defRPr>
+            </a:lvl3pPr>
+            <a:lvl4pPr marL="1600200" indent="-228600" algn="l" defTabSz="914400" rtl="0" eaLnBrk="1" latinLnBrk="0" hangingPunct="1">
+              <a:lnSpc>
+                <a:spcPct val="90000"/>
+              </a:lnSpc>
+              <a:spcBef>
+                <a:spcPts val="500"/>
+              </a:spcBef>
+              <a:buFont typeface="Arial" panose="020B0604020202020204" pitchFamily="34" charset="0"/>
+              <a:buChar char="•"/>
+              <a:defRPr sz="1800" kern="1200">
+                <a:solidFill>
+                  <a:schemeClr val="tx1"/>
+                </a:solidFill>
+                <a:latin typeface="+mn-lt"/>
+                <a:ea typeface="+mn-ea"/>
+                <a:cs typeface="+mn-cs"/>
+              </a:defRPr>
+            </a:lvl4pPr>
+            <a:lvl5pPr marL="2057400" indent="-228600" algn="l" defTabSz="914400" rtl="0" eaLnBrk="1" latinLnBrk="0" hangingPunct="1">
+              <a:lnSpc>
+                <a:spcPct val="90000"/>
+              </a:lnSpc>
+              <a:spcBef>
+                <a:spcPts val="500"/>
+              </a:spcBef>
+              <a:buFont typeface="Arial" panose="020B0604020202020204" pitchFamily="34" charset="0"/>
+              <a:buChar char="•"/>
+              <a:defRPr sz="1800" kern="1200">
+                <a:solidFill>
+                  <a:schemeClr val="tx1"/>
+                </a:solidFill>
+                <a:latin typeface="+mn-lt"/>
+                <a:ea typeface="+mn-ea"/>
+                <a:cs typeface="+mn-cs"/>
+              </a:defRPr>
+            </a:lvl5pPr>
+            <a:lvl6pPr marL="2514600" indent="-228600" algn="l" defTabSz="914400" rtl="0" eaLnBrk="1" latinLnBrk="0" hangingPunct="1">
+              <a:lnSpc>
+                <a:spcPct val="90000"/>
+              </a:lnSpc>
+              <a:spcBef>
+                <a:spcPts val="500"/>
+              </a:spcBef>
+              <a:buFont typeface="Arial" panose="020B0604020202020204" pitchFamily="34" charset="0"/>
+              <a:buChar char="•"/>
+              <a:defRPr sz="1800" kern="1200">
+                <a:solidFill>
+                  <a:schemeClr val="tx1"/>
+                </a:solidFill>
+                <a:latin typeface="+mn-lt"/>
+                <a:ea typeface="+mn-ea"/>
+                <a:cs typeface="+mn-cs"/>
+              </a:defRPr>
+            </a:lvl6pPr>
+            <a:lvl7pPr marL="2971800" indent="-228600" algn="l" defTabSz="914400" rtl="0" eaLnBrk="1" latinLnBrk="0" hangingPunct="1">
+              <a:lnSpc>
+                <a:spcPct val="90000"/>
+              </a:lnSpc>
+              <a:spcBef>
+                <a:spcPts val="500"/>
+              </a:spcBef>
+              <a:buFont typeface="Arial" panose="020B0604020202020204" pitchFamily="34" charset="0"/>
+              <a:buChar char="•"/>
+              <a:defRPr sz="1800" kern="1200">
+                <a:solidFill>
+                  <a:schemeClr val="tx1"/>
+                </a:solidFill>
+                <a:latin typeface="+mn-lt"/>
+                <a:ea typeface="+mn-ea"/>
+                <a:cs typeface="+mn-cs"/>
+              </a:defRPr>
+            </a:lvl7pPr>
+            <a:lvl8pPr marL="3429000" indent="-228600" algn="l" defTabSz="914400" rtl="0" eaLnBrk="1" latinLnBrk="0" hangingPunct="1">
+              <a:lnSpc>
+                <a:spcPct val="90000"/>
+              </a:lnSpc>
+              <a:spcBef>
+                <a:spcPts val="500"/>
+              </a:spcBef>
+              <a:buFont typeface="Arial" panose="020B0604020202020204" pitchFamily="34" charset="0"/>
+              <a:buChar char="•"/>
+              <a:defRPr sz="1800" kern="1200">
+                <a:solidFill>
+                  <a:schemeClr val="tx1"/>
+                </a:solidFill>
+                <a:latin typeface="+mn-lt"/>
+                <a:ea typeface="+mn-ea"/>
+                <a:cs typeface="+mn-cs"/>
+              </a:defRPr>
+            </a:lvl8pPr>
+            <a:lvl9pPr marL="3886200" indent="-228600" algn="l" defTabSz="914400" rtl="0" eaLnBrk="1" latinLnBrk="0" hangingPunct="1">
+              <a:lnSpc>
+                <a:spcPct val="90000"/>
+              </a:lnSpc>
+              <a:spcBef>
+                <a:spcPts val="500"/>
+              </a:spcBef>
+              <a:buFont typeface="Arial" panose="020B0604020202020204" pitchFamily="34" charset="0"/>
+              <a:buChar char="•"/>
+              <a:defRPr sz="1800" kern="1200">
+                <a:solidFill>
+                  <a:schemeClr val="tx1"/>
+                </a:solidFill>
+                <a:latin typeface="+mn-lt"/>
+                <a:ea typeface="+mn-ea"/>
+                <a:cs typeface="+mn-cs"/>
+              </a:defRPr>
+            </a:lvl9pPr>
+          </a:lstStyle>
+          <a:p>
+            <a:pPr marL="0" indent="0">
+              <a:buFont typeface="Arial" panose="020B0604020202020204" pitchFamily="34" charset="0"/>
+              <a:buNone/>
+            </a:pPr>
+            <a:r>
+              <a:rPr lang="en-US" sz="2400" dirty="0"/>
+              <a:t>If you are interested in my research, feel free to contact me.</a:t>
+            </a:r>
+          </a:p>
+        </p:txBody>
+      </p:sp>
+    </p:spTree>
+    <p:extLst>
+      <p:ext uri="{BB962C8B-B14F-4D97-AF65-F5344CB8AC3E}">
+        <p14:creationId xmlns:p14="http://schemas.microsoft.com/office/powerpoint/2010/main" val="1524471069"/>
+      </p:ext>
+    </p:extLst>
+  </p:cSld>
+  <p:clrMapOvr>
+    <a:masterClrMapping/>
+  </p:clrMapOvr>
+</p:sld>
+</file>
+
+<file path=ppt/slides/slide20.xml><?xml version="1.0" encoding="utf-8"?>
 <p:sld xmlns:a="http://schemas.openxmlformats.org/drawingml/2006/main" xmlns:r="http://schemas.openxmlformats.org/officeDocument/2006/relationships" xmlns:p="http://schemas.openxmlformats.org/presentationml/2006/main">
   <p:cSld>
     <p:spTree>
@@ -7091,571 +7561,6 @@
 </p:sld>
 </file>
 
-<file path=ppt/slides/slide2.xml><?xml version="1.0" encoding="utf-8"?>
-<p:sld xmlns:a="http://schemas.openxmlformats.org/drawingml/2006/main" xmlns:r="http://schemas.openxmlformats.org/officeDocument/2006/relationships" xmlns:p="http://schemas.openxmlformats.org/presentationml/2006/main">
-  <p:cSld>
-    <p:spTree>
-      <p:nvGrpSpPr>
-        <p:cNvPr id="1" name=""/>
-        <p:cNvGrpSpPr/>
-        <p:nvPr/>
-      </p:nvGrpSpPr>
-      <p:grpSpPr>
-        <a:xfrm>
-          <a:off x="0" y="0"/>
-          <a:ext cx="0" cy="0"/>
-          <a:chOff x="0" y="0"/>
-          <a:chExt cx="0" cy="0"/>
-        </a:xfrm>
-      </p:grpSpPr>
-      <p:sp>
-        <p:nvSpPr>
-          <p:cNvPr id="2" name="Title 1">
-            <a:extLst>
-              <a:ext uri="{FF2B5EF4-FFF2-40B4-BE49-F238E27FC236}">
-                <a16:creationId xmlns:a16="http://schemas.microsoft.com/office/drawing/2014/main" id="{87BF30BF-7806-D247-A2AF-B1239989AB83}"/>
-              </a:ext>
-            </a:extLst>
-          </p:cNvPr>
-          <p:cNvSpPr>
-            <a:spLocks noGrp="1"/>
-          </p:cNvSpPr>
-          <p:nvPr>
-            <p:ph type="title"/>
-          </p:nvPr>
-        </p:nvSpPr>
-        <p:spPr/>
-        <p:txBody>
-          <a:bodyPr/>
-          <a:lstStyle/>
-          <a:p>
-            <a:r>
-              <a:rPr lang="en-US" dirty="0"/>
-              <a:t>Course Website</a:t>
-            </a:r>
-          </a:p>
-        </p:txBody>
-      </p:sp>
-      <p:sp>
-        <p:nvSpPr>
-          <p:cNvPr id="7" name="TextBox 6">
-            <a:extLst>
-              <a:ext uri="{FF2B5EF4-FFF2-40B4-BE49-F238E27FC236}">
-                <a16:creationId xmlns:a16="http://schemas.microsoft.com/office/drawing/2014/main" id="{BC953F59-DB65-0241-829C-F5150AEE3958}"/>
-              </a:ext>
-            </a:extLst>
-          </p:cNvPr>
-          <p:cNvSpPr txBox="1"/>
-          <p:nvPr/>
-        </p:nvSpPr>
-        <p:spPr>
-          <a:xfrm>
-            <a:off x="838200" y="1825675"/>
-            <a:ext cx="9159240" cy="461665"/>
-          </a:xfrm>
-          <a:prstGeom prst="rect">
-            <a:avLst/>
-          </a:prstGeom>
-          <a:noFill/>
-        </p:spPr>
-        <p:txBody>
-          <a:bodyPr wrap="square">
-            <a:spAutoFit/>
-          </a:bodyPr>
-          <a:lstStyle/>
-          <a:p>
-            <a:r>
-              <a:rPr lang="en-US" sz="2400" dirty="0"/>
-              <a:t>https://tianzheng4.github.io/</a:t>
-            </a:r>
-            <a:r>
-              <a:rPr lang="en-US" sz="2400" dirty="0" err="1"/>
-              <a:t>umkc</a:t>
-            </a:r>
-            <a:r>
-              <a:rPr lang="en-US" sz="2400" dirty="0"/>
-              <a:t>-teaching/2023-fall-teaching-1/</a:t>
-            </a:r>
-          </a:p>
-        </p:txBody>
-      </p:sp>
-      <p:sp>
-        <p:nvSpPr>
-          <p:cNvPr id="8" name="Content Placeholder 2">
-            <a:extLst>
-              <a:ext uri="{FF2B5EF4-FFF2-40B4-BE49-F238E27FC236}">
-                <a16:creationId xmlns:a16="http://schemas.microsoft.com/office/drawing/2014/main" id="{A699D753-1647-664C-A454-6CD0016A3B91}"/>
-              </a:ext>
-            </a:extLst>
-          </p:cNvPr>
-          <p:cNvSpPr>
-            <a:spLocks noGrp="1"/>
-          </p:cNvSpPr>
-          <p:nvPr>
-            <p:ph idx="1"/>
-          </p:nvPr>
-        </p:nvSpPr>
-        <p:spPr>
-          <a:xfrm>
-            <a:off x="838200" y="2919949"/>
-            <a:ext cx="9616440" cy="2078771"/>
-          </a:xfrm>
-        </p:spPr>
-        <p:txBody>
-          <a:bodyPr>
-            <a:normAutofit/>
-          </a:bodyPr>
-          <a:lstStyle/>
-          <a:p>
-            <a:pPr marL="0" indent="0">
-              <a:buNone/>
-            </a:pPr>
-            <a:r>
-              <a:rPr lang="en-US" sz="2400" dirty="0"/>
-              <a:t>What are on the course website:</a:t>
-            </a:r>
-          </a:p>
-          <a:p>
-            <a:pPr marL="0" indent="0">
-              <a:buNone/>
-            </a:pPr>
-            <a:r>
-              <a:rPr lang="en-US" sz="2400" dirty="0"/>
-              <a:t>	Lecture slides</a:t>
-            </a:r>
-          </a:p>
-          <a:p>
-            <a:pPr marL="0" indent="0">
-              <a:buNone/>
-            </a:pPr>
-            <a:r>
-              <a:rPr lang="en-US" sz="2400" dirty="0"/>
-              <a:t>	Lab material</a:t>
-            </a:r>
-          </a:p>
-          <a:p>
-            <a:pPr marL="0" indent="0">
-              <a:buNone/>
-            </a:pPr>
-            <a:r>
-              <a:rPr lang="en-US" sz="2400" dirty="0"/>
-              <a:t>	Contact Information</a:t>
-            </a:r>
-          </a:p>
-        </p:txBody>
-      </p:sp>
-      <p:sp>
-        <p:nvSpPr>
-          <p:cNvPr id="9" name="Content Placeholder 2">
-            <a:extLst>
-              <a:ext uri="{FF2B5EF4-FFF2-40B4-BE49-F238E27FC236}">
-                <a16:creationId xmlns:a16="http://schemas.microsoft.com/office/drawing/2014/main" id="{8E7D57D7-F9C0-5840-941E-E7D4557F09BF}"/>
-              </a:ext>
-            </a:extLst>
-          </p:cNvPr>
-          <p:cNvSpPr txBox="1">
-            <a:spLocks/>
-          </p:cNvSpPr>
-          <p:nvPr/>
-        </p:nvSpPr>
-        <p:spPr>
-          <a:xfrm>
-            <a:off x="838200" y="5375881"/>
-            <a:ext cx="9616440" cy="852100"/>
-          </a:xfrm>
-          <a:prstGeom prst="rect">
-            <a:avLst/>
-          </a:prstGeom>
-        </p:spPr>
-        <p:txBody>
-          <a:bodyPr vert="horz" lIns="91440" tIns="45720" rIns="91440" bIns="45720" rtlCol="0">
-            <a:normAutofit/>
-          </a:bodyPr>
-          <a:lstStyle>
-            <a:lvl1pPr marL="228600" indent="-228600" algn="l" defTabSz="914400" rtl="0" eaLnBrk="1" latinLnBrk="0" hangingPunct="1">
-              <a:lnSpc>
-                <a:spcPct val="90000"/>
-              </a:lnSpc>
-              <a:spcBef>
-                <a:spcPts val="1000"/>
-              </a:spcBef>
-              <a:buFont typeface="Arial" panose="020B0604020202020204" pitchFamily="34" charset="0"/>
-              <a:buChar char="•"/>
-              <a:defRPr sz="2800" kern="1200">
-                <a:solidFill>
-                  <a:schemeClr val="tx1"/>
-                </a:solidFill>
-                <a:latin typeface="+mn-lt"/>
-                <a:ea typeface="+mn-ea"/>
-                <a:cs typeface="+mn-cs"/>
-              </a:defRPr>
-            </a:lvl1pPr>
-            <a:lvl2pPr marL="685800" indent="-228600" algn="l" defTabSz="914400" rtl="0" eaLnBrk="1" latinLnBrk="0" hangingPunct="1">
-              <a:lnSpc>
-                <a:spcPct val="90000"/>
-              </a:lnSpc>
-              <a:spcBef>
-                <a:spcPts val="500"/>
-              </a:spcBef>
-              <a:buFont typeface="Arial" panose="020B0604020202020204" pitchFamily="34" charset="0"/>
-              <a:buChar char="•"/>
-              <a:defRPr sz="2400" kern="1200">
-                <a:solidFill>
-                  <a:schemeClr val="tx1"/>
-                </a:solidFill>
-                <a:latin typeface="+mn-lt"/>
-                <a:ea typeface="+mn-ea"/>
-                <a:cs typeface="+mn-cs"/>
-              </a:defRPr>
-            </a:lvl2pPr>
-            <a:lvl3pPr marL="1143000" indent="-228600" algn="l" defTabSz="914400" rtl="0" eaLnBrk="1" latinLnBrk="0" hangingPunct="1">
-              <a:lnSpc>
-                <a:spcPct val="90000"/>
-              </a:lnSpc>
-              <a:spcBef>
-                <a:spcPts val="500"/>
-              </a:spcBef>
-              <a:buFont typeface="Arial" panose="020B0604020202020204" pitchFamily="34" charset="0"/>
-              <a:buChar char="•"/>
-              <a:defRPr sz="2000" kern="1200">
-                <a:solidFill>
-                  <a:schemeClr val="tx1"/>
-                </a:solidFill>
-                <a:latin typeface="+mn-lt"/>
-                <a:ea typeface="+mn-ea"/>
-                <a:cs typeface="+mn-cs"/>
-              </a:defRPr>
-            </a:lvl3pPr>
-            <a:lvl4pPr marL="1600200" indent="-228600" algn="l" defTabSz="914400" rtl="0" eaLnBrk="1" latinLnBrk="0" hangingPunct="1">
-              <a:lnSpc>
-                <a:spcPct val="90000"/>
-              </a:lnSpc>
-              <a:spcBef>
-                <a:spcPts val="500"/>
-              </a:spcBef>
-              <a:buFont typeface="Arial" panose="020B0604020202020204" pitchFamily="34" charset="0"/>
-              <a:buChar char="•"/>
-              <a:defRPr sz="1800" kern="1200">
-                <a:solidFill>
-                  <a:schemeClr val="tx1"/>
-                </a:solidFill>
-                <a:latin typeface="+mn-lt"/>
-                <a:ea typeface="+mn-ea"/>
-                <a:cs typeface="+mn-cs"/>
-              </a:defRPr>
-            </a:lvl4pPr>
-            <a:lvl5pPr marL="2057400" indent="-228600" algn="l" defTabSz="914400" rtl="0" eaLnBrk="1" latinLnBrk="0" hangingPunct="1">
-              <a:lnSpc>
-                <a:spcPct val="90000"/>
-              </a:lnSpc>
-              <a:spcBef>
-                <a:spcPts val="500"/>
-              </a:spcBef>
-              <a:buFont typeface="Arial" panose="020B0604020202020204" pitchFamily="34" charset="0"/>
-              <a:buChar char="•"/>
-              <a:defRPr sz="1800" kern="1200">
-                <a:solidFill>
-                  <a:schemeClr val="tx1"/>
-                </a:solidFill>
-                <a:latin typeface="+mn-lt"/>
-                <a:ea typeface="+mn-ea"/>
-                <a:cs typeface="+mn-cs"/>
-              </a:defRPr>
-            </a:lvl5pPr>
-            <a:lvl6pPr marL="2514600" indent="-228600" algn="l" defTabSz="914400" rtl="0" eaLnBrk="1" latinLnBrk="0" hangingPunct="1">
-              <a:lnSpc>
-                <a:spcPct val="90000"/>
-              </a:lnSpc>
-              <a:spcBef>
-                <a:spcPts val="500"/>
-              </a:spcBef>
-              <a:buFont typeface="Arial" panose="020B0604020202020204" pitchFamily="34" charset="0"/>
-              <a:buChar char="•"/>
-              <a:defRPr sz="1800" kern="1200">
-                <a:solidFill>
-                  <a:schemeClr val="tx1"/>
-                </a:solidFill>
-                <a:latin typeface="+mn-lt"/>
-                <a:ea typeface="+mn-ea"/>
-                <a:cs typeface="+mn-cs"/>
-              </a:defRPr>
-            </a:lvl6pPr>
-            <a:lvl7pPr marL="2971800" indent="-228600" algn="l" defTabSz="914400" rtl="0" eaLnBrk="1" latinLnBrk="0" hangingPunct="1">
-              <a:lnSpc>
-                <a:spcPct val="90000"/>
-              </a:lnSpc>
-              <a:spcBef>
-                <a:spcPts val="500"/>
-              </a:spcBef>
-              <a:buFont typeface="Arial" panose="020B0604020202020204" pitchFamily="34" charset="0"/>
-              <a:buChar char="•"/>
-              <a:defRPr sz="1800" kern="1200">
-                <a:solidFill>
-                  <a:schemeClr val="tx1"/>
-                </a:solidFill>
-                <a:latin typeface="+mn-lt"/>
-                <a:ea typeface="+mn-ea"/>
-                <a:cs typeface="+mn-cs"/>
-              </a:defRPr>
-            </a:lvl7pPr>
-            <a:lvl8pPr marL="3429000" indent="-228600" algn="l" defTabSz="914400" rtl="0" eaLnBrk="1" latinLnBrk="0" hangingPunct="1">
-              <a:lnSpc>
-                <a:spcPct val="90000"/>
-              </a:lnSpc>
-              <a:spcBef>
-                <a:spcPts val="500"/>
-              </a:spcBef>
-              <a:buFont typeface="Arial" panose="020B0604020202020204" pitchFamily="34" charset="0"/>
-              <a:buChar char="•"/>
-              <a:defRPr sz="1800" kern="1200">
-                <a:solidFill>
-                  <a:schemeClr val="tx1"/>
-                </a:solidFill>
-                <a:latin typeface="+mn-lt"/>
-                <a:ea typeface="+mn-ea"/>
-                <a:cs typeface="+mn-cs"/>
-              </a:defRPr>
-            </a:lvl8pPr>
-            <a:lvl9pPr marL="3886200" indent="-228600" algn="l" defTabSz="914400" rtl="0" eaLnBrk="1" latinLnBrk="0" hangingPunct="1">
-              <a:lnSpc>
-                <a:spcPct val="90000"/>
-              </a:lnSpc>
-              <a:spcBef>
-                <a:spcPts val="500"/>
-              </a:spcBef>
-              <a:buFont typeface="Arial" panose="020B0604020202020204" pitchFamily="34" charset="0"/>
-              <a:buChar char="•"/>
-              <a:defRPr sz="1800" kern="1200">
-                <a:solidFill>
-                  <a:schemeClr val="tx1"/>
-                </a:solidFill>
-                <a:latin typeface="+mn-lt"/>
-                <a:ea typeface="+mn-ea"/>
-                <a:cs typeface="+mn-cs"/>
-              </a:defRPr>
-            </a:lvl9pPr>
-          </a:lstStyle>
-          <a:p>
-            <a:pPr marL="0" indent="0">
-              <a:buFont typeface="Arial" panose="020B0604020202020204" pitchFamily="34" charset="0"/>
-              <a:buNone/>
-            </a:pPr>
-            <a:r>
-              <a:rPr lang="en-US" sz="2400" dirty="0"/>
-              <a:t>If you are interested in my research, feel free to contact me.</a:t>
-            </a:r>
-          </a:p>
-        </p:txBody>
-      </p:sp>
-    </p:spTree>
-    <p:extLst>
-      <p:ext uri="{BB962C8B-B14F-4D97-AF65-F5344CB8AC3E}">
-        <p14:creationId xmlns:p14="http://schemas.microsoft.com/office/powerpoint/2010/main" val="1524471069"/>
-      </p:ext>
-    </p:extLst>
-  </p:cSld>
-  <p:clrMapOvr>
-    <a:masterClrMapping/>
-  </p:clrMapOvr>
-</p:sld>
-</file>
-
-<file path=ppt/slides/slide20.xml><?xml version="1.0" encoding="utf-8"?>
-<p:sld xmlns:a="http://schemas.openxmlformats.org/drawingml/2006/main" xmlns:r="http://schemas.openxmlformats.org/officeDocument/2006/relationships" xmlns:p="http://schemas.openxmlformats.org/presentationml/2006/main">
-  <p:cSld>
-    <p:spTree>
-      <p:nvGrpSpPr>
-        <p:cNvPr id="1" name=""/>
-        <p:cNvGrpSpPr/>
-        <p:nvPr/>
-      </p:nvGrpSpPr>
-      <p:grpSpPr>
-        <a:xfrm>
-          <a:off x="0" y="0"/>
-          <a:ext cx="0" cy="0"/>
-          <a:chOff x="0" y="0"/>
-          <a:chExt cx="0" cy="0"/>
-        </a:xfrm>
-      </p:grpSpPr>
-      <p:sp>
-        <p:nvSpPr>
-          <p:cNvPr id="2" name="Title 1"/>
-          <p:cNvSpPr>
-            <a:spLocks noGrp="1"/>
-          </p:cNvSpPr>
-          <p:nvPr>
-            <p:ph type="title"/>
-          </p:nvPr>
-        </p:nvSpPr>
-        <p:spPr/>
-        <p:txBody>
-          <a:bodyPr/>
-          <a:lstStyle/>
-          <a:p>
-            <a:r>
-              <a:rPr lang="en-US" dirty="0">
-                <a:solidFill>
-                  <a:srgbClr val="0070C0"/>
-                </a:solidFill>
-              </a:rPr>
-              <a:t>Python Resources</a:t>
-            </a:r>
-          </a:p>
-        </p:txBody>
-      </p:sp>
-      <p:sp>
-        <p:nvSpPr>
-          <p:cNvPr id="3" name="Content Placeholder 2"/>
-          <p:cNvSpPr>
-            <a:spLocks noGrp="1"/>
-          </p:cNvSpPr>
-          <p:nvPr>
-            <p:ph idx="1"/>
-          </p:nvPr>
-        </p:nvSpPr>
-        <p:spPr>
-          <a:xfrm>
-            <a:off x="934907" y="1575509"/>
-            <a:ext cx="10341077" cy="3647601"/>
-          </a:xfrm>
-        </p:spPr>
-        <p:txBody>
-          <a:bodyPr>
-            <a:noAutofit/>
-          </a:bodyPr>
-          <a:lstStyle/>
-          <a:p>
-            <a:r>
-              <a:rPr lang="en-GB" dirty="0" err="1"/>
-              <a:t>Kaggle</a:t>
-            </a:r>
-            <a:r>
-              <a:rPr lang="en-GB" dirty="0"/>
-              <a:t>: </a:t>
-            </a:r>
-            <a:r>
-              <a:rPr lang="en-GB" dirty="0">
-                <a:hlinkClick r:id="rId2"/>
-              </a:rPr>
-              <a:t>https://www.kaggle.com/learn/python</a:t>
-            </a:r>
-            <a:r>
-              <a:rPr lang="en-GB" dirty="0"/>
-              <a:t> </a:t>
-            </a:r>
-          </a:p>
-          <a:p>
-            <a:r>
-              <a:rPr lang="en-GB" dirty="0"/>
-              <a:t>Learn Python: </a:t>
-            </a:r>
-            <a:r>
-              <a:rPr lang="en-GB" dirty="0">
-                <a:hlinkClick r:id="rId3"/>
-              </a:rPr>
-              <a:t>https://www.learnpython.org/</a:t>
-            </a:r>
-            <a:r>
-              <a:rPr lang="en-GB" dirty="0"/>
-              <a:t> </a:t>
-            </a:r>
-          </a:p>
-          <a:p>
-            <a:r>
-              <a:rPr lang="en-GB" dirty="0"/>
-              <a:t>Python for Beginners by Microsoft: </a:t>
-            </a:r>
-            <a:r>
-              <a:rPr lang="en-GB" dirty="0">
-                <a:hlinkClick r:id="rId4"/>
-              </a:rPr>
-              <a:t>https://learn.microsoft.com/en-us/shows/intro-to-python-development/</a:t>
-            </a:r>
-            <a:r>
-              <a:rPr lang="en-GB" dirty="0"/>
-              <a:t> </a:t>
-            </a:r>
-            <a:endParaRPr lang="en-US" dirty="0"/>
-          </a:p>
-          <a:p>
-            <a:r>
-              <a:rPr lang="en-US" dirty="0"/>
-              <a:t>Python for Everybody (up to 6 hours): </a:t>
-            </a:r>
-            <a:r>
-              <a:rPr lang="en-US" dirty="0">
-                <a:hlinkClick r:id="rId5"/>
-              </a:rPr>
-              <a:t>https://www.youtube.com/watch?v=8DvywoWv6fI</a:t>
-            </a:r>
-            <a:r>
-              <a:rPr lang="en-US" dirty="0"/>
-              <a:t> </a:t>
-            </a:r>
-          </a:p>
-          <a:p>
-            <a:r>
-              <a:rPr lang="en-GB" b="1" dirty="0"/>
-              <a:t>Google it</a:t>
-            </a:r>
-            <a:endParaRPr lang="en-US" b="1" dirty="0"/>
-          </a:p>
-        </p:txBody>
-      </p:sp>
-      <p:pic>
-        <p:nvPicPr>
-          <p:cNvPr id="14" name="Picture 4" descr="File:UMKC logo.png - Wikipedia"/>
-          <p:cNvPicPr>
-            <a:picLocks noChangeAspect="1" noChangeArrowheads="1"/>
-          </p:cNvPicPr>
-          <p:nvPr/>
-        </p:nvPicPr>
-        <p:blipFill>
-          <a:blip r:embed="rId6" cstate="print">
-            <a:extLst>
-              <a:ext uri="{28A0092B-C50C-407E-A947-70E740481C1C}">
-                <a14:useLocalDpi xmlns:a14="http://schemas.microsoft.com/office/drawing/2010/main" val="0"/>
-              </a:ext>
-            </a:extLst>
-          </a:blip>
-          <a:srcRect/>
-          <a:stretch>
-            <a:fillRect/>
-          </a:stretch>
-        </p:blipFill>
-        <p:spPr bwMode="auto">
-          <a:xfrm>
-            <a:off x="10741981" y="6132824"/>
-            <a:ext cx="1293518" cy="571124"/>
-          </a:xfrm>
-          <a:prstGeom prst="rect">
-            <a:avLst/>
-          </a:prstGeom>
-          <a:noFill/>
-          <a:extLst>
-            <a:ext uri="{909E8E84-426E-40DD-AFC4-6F175D3DCCD1}">
-              <a14:hiddenFill xmlns:a14="http://schemas.microsoft.com/office/drawing/2010/main">
-                <a:solidFill>
-                  <a:srgbClr val="FFFFFF"/>
-                </a:solidFill>
-              </a14:hiddenFill>
-            </a:ext>
-          </a:extLst>
-        </p:spPr>
-      </p:pic>
-    </p:spTree>
-    <p:extLst>
-      <p:ext uri="{BB962C8B-B14F-4D97-AF65-F5344CB8AC3E}">
-        <p14:creationId xmlns:p14="http://schemas.microsoft.com/office/powerpoint/2010/main" val="2980421335"/>
-      </p:ext>
-    </p:extLst>
-  </p:cSld>
-  <p:clrMapOvr>
-    <a:masterClrMapping/>
-  </p:clrMapOvr>
-</p:sld>
-</file>
-
 <file path=ppt/slides/slide21.xml><?xml version="1.0" encoding="utf-8"?>
 <p:sld xmlns:a="http://schemas.openxmlformats.org/drawingml/2006/main" xmlns:r="http://schemas.openxmlformats.org/officeDocument/2006/relationships" xmlns:p="http://schemas.openxmlformats.org/presentationml/2006/main">
   <p:cSld>
@@ -7675,6 +7580,167 @@
       </p:grpSpPr>
       <p:sp>
         <p:nvSpPr>
+          <p:cNvPr id="2" name="Title 1"/>
+          <p:cNvSpPr>
+            <a:spLocks noGrp="1"/>
+          </p:cNvSpPr>
+          <p:nvPr>
+            <p:ph type="title"/>
+          </p:nvPr>
+        </p:nvSpPr>
+        <p:spPr/>
+        <p:txBody>
+          <a:bodyPr/>
+          <a:lstStyle/>
+          <a:p>
+            <a:r>
+              <a:rPr lang="en-US" dirty="0">
+                <a:solidFill>
+                  <a:srgbClr val="0070C0"/>
+                </a:solidFill>
+              </a:rPr>
+              <a:t>Python Resources</a:t>
+            </a:r>
+          </a:p>
+        </p:txBody>
+      </p:sp>
+      <p:sp>
+        <p:nvSpPr>
+          <p:cNvPr id="3" name="Content Placeholder 2"/>
+          <p:cNvSpPr>
+            <a:spLocks noGrp="1"/>
+          </p:cNvSpPr>
+          <p:nvPr>
+            <p:ph idx="1"/>
+          </p:nvPr>
+        </p:nvSpPr>
+        <p:spPr>
+          <a:xfrm>
+            <a:off x="934907" y="1575509"/>
+            <a:ext cx="10341077" cy="3647601"/>
+          </a:xfrm>
+        </p:spPr>
+        <p:txBody>
+          <a:bodyPr>
+            <a:noAutofit/>
+          </a:bodyPr>
+          <a:lstStyle/>
+          <a:p>
+            <a:r>
+              <a:rPr lang="en-GB" dirty="0" err="1"/>
+              <a:t>Kaggle</a:t>
+            </a:r>
+            <a:r>
+              <a:rPr lang="en-GB" dirty="0"/>
+              <a:t>: </a:t>
+            </a:r>
+            <a:r>
+              <a:rPr lang="en-GB" dirty="0">
+                <a:hlinkClick r:id="rId2"/>
+              </a:rPr>
+              <a:t>https://www.kaggle.com/learn/python</a:t>
+            </a:r>
+            <a:r>
+              <a:rPr lang="en-GB" dirty="0"/>
+              <a:t> </a:t>
+            </a:r>
+          </a:p>
+          <a:p>
+            <a:r>
+              <a:rPr lang="en-GB" dirty="0"/>
+              <a:t>Learn Python: </a:t>
+            </a:r>
+            <a:r>
+              <a:rPr lang="en-GB" dirty="0">
+                <a:hlinkClick r:id="rId3"/>
+              </a:rPr>
+              <a:t>https://www.learnpython.org/</a:t>
+            </a:r>
+            <a:r>
+              <a:rPr lang="en-GB" dirty="0"/>
+              <a:t> </a:t>
+            </a:r>
+          </a:p>
+          <a:p>
+            <a:r>
+              <a:rPr lang="en-GB" dirty="0"/>
+              <a:t>Python for Beginners by Microsoft: </a:t>
+            </a:r>
+            <a:r>
+              <a:rPr lang="en-GB" dirty="0">
+                <a:hlinkClick r:id="rId4"/>
+              </a:rPr>
+              <a:t>https://learn.microsoft.com/en-us/shows/intro-to-python-development/</a:t>
+            </a:r>
+            <a:r>
+              <a:rPr lang="en-GB" dirty="0"/>
+              <a:t> </a:t>
+            </a:r>
+            <a:endParaRPr lang="en-US" dirty="0"/>
+          </a:p>
+          <a:p>
+            <a:r>
+              <a:rPr lang="en-US" dirty="0"/>
+              <a:t>Python for Everybody (up to 6 hours): </a:t>
+            </a:r>
+            <a:r>
+              <a:rPr lang="en-US" dirty="0">
+                <a:hlinkClick r:id="rId5"/>
+              </a:rPr>
+              <a:t>https://www.youtube.com/watch?v=8DvywoWv6fI</a:t>
+            </a:r>
+            <a:r>
+              <a:rPr lang="en-US" dirty="0"/>
+              <a:t> </a:t>
+            </a:r>
+          </a:p>
+          <a:p>
+            <a:r>
+              <a:rPr lang="en-GB" b="1" dirty="0"/>
+              <a:t>Google it</a:t>
+            </a:r>
+          </a:p>
+          <a:p>
+            <a:r>
+              <a:rPr lang="en-GB" b="1" dirty="0"/>
+              <a:t>Introduction to Python (next course)</a:t>
+            </a:r>
+            <a:endParaRPr lang="en-US" b="1" dirty="0"/>
+          </a:p>
+        </p:txBody>
+      </p:sp>
+    </p:spTree>
+    <p:extLst>
+      <p:ext uri="{BB962C8B-B14F-4D97-AF65-F5344CB8AC3E}">
+        <p14:creationId xmlns:p14="http://schemas.microsoft.com/office/powerpoint/2010/main" val="2980421335"/>
+      </p:ext>
+    </p:extLst>
+  </p:cSld>
+  <p:clrMapOvr>
+    <a:masterClrMapping/>
+  </p:clrMapOvr>
+</p:sld>
+</file>
+
+<file path=ppt/slides/slide22.xml><?xml version="1.0" encoding="utf-8"?>
+<p:sld xmlns:a="http://schemas.openxmlformats.org/drawingml/2006/main" xmlns:r="http://schemas.openxmlformats.org/officeDocument/2006/relationships" xmlns:p="http://schemas.openxmlformats.org/presentationml/2006/main">
+  <p:cSld>
+    <p:spTree>
+      <p:nvGrpSpPr>
+        <p:cNvPr id="1" name=""/>
+        <p:cNvGrpSpPr/>
+        <p:nvPr/>
+      </p:nvGrpSpPr>
+      <p:grpSpPr>
+        <a:xfrm>
+          <a:off x="0" y="0"/>
+          <a:ext cx="0" cy="0"/>
+          <a:chOff x="0" y="0"/>
+          <a:chExt cx="0" cy="0"/>
+        </a:xfrm>
+      </p:grpSpPr>
+      <p:sp>
+        <p:nvSpPr>
           <p:cNvPr id="2" name="Title 1">
             <a:extLst>
               <a:ext uri="{FF2B5EF4-FFF2-40B4-BE49-F238E27FC236}">
@@ -8008,6 +8074,71 @@
             <a:r>
               <a:rPr lang="en-US" sz="2400" dirty="0"/>
               <a:t>If you are interested in my research, feel free to contact me.</a:t>
+            </a:r>
+          </a:p>
+        </p:txBody>
+      </p:sp>
+    </p:spTree>
+    <p:extLst>
+      <p:ext uri="{BB962C8B-B14F-4D97-AF65-F5344CB8AC3E}">
+        <p14:creationId xmlns:p14="http://schemas.microsoft.com/office/powerpoint/2010/main" val="2999229372"/>
+      </p:ext>
+    </p:extLst>
+  </p:cSld>
+  <p:clrMapOvr>
+    <a:masterClrMapping/>
+  </p:clrMapOvr>
+</p:sld>
+</file>
+
+<file path=ppt/slides/slide23.xml><?xml version="1.0" encoding="utf-8"?>
+<p:sld xmlns:a="http://schemas.openxmlformats.org/drawingml/2006/main" xmlns:r="http://schemas.openxmlformats.org/officeDocument/2006/relationships" xmlns:p="http://schemas.openxmlformats.org/presentationml/2006/main">
+  <p:cSld>
+    <p:spTree>
+      <p:nvGrpSpPr>
+        <p:cNvPr id="1" name=""/>
+        <p:cNvGrpSpPr/>
+        <p:nvPr/>
+      </p:nvGrpSpPr>
+      <p:grpSpPr>
+        <a:xfrm>
+          <a:off x="0" y="0"/>
+          <a:ext cx="0" cy="0"/>
+          <a:chOff x="0" y="0"/>
+          <a:chExt cx="0" cy="0"/>
+        </a:xfrm>
+      </p:grpSpPr>
+      <p:sp>
+        <p:nvSpPr>
+          <p:cNvPr id="10" name="TextBox 9">
+            <a:extLst>
+              <a:ext uri="{FF2B5EF4-FFF2-40B4-BE49-F238E27FC236}">
+                <a16:creationId xmlns:a16="http://schemas.microsoft.com/office/drawing/2014/main" id="{514E73AD-7A38-9D42-8C4C-ADC0FDE0FBC3}"/>
+              </a:ext>
+            </a:extLst>
+          </p:cNvPr>
+          <p:cNvSpPr txBox="1"/>
+          <p:nvPr/>
+        </p:nvSpPr>
+        <p:spPr>
+          <a:xfrm>
+            <a:off x="4792980" y="2601575"/>
+            <a:ext cx="5951220" cy="1077218"/>
+          </a:xfrm>
+          <a:prstGeom prst="rect">
+            <a:avLst/>
+          </a:prstGeom>
+          <a:noFill/>
+        </p:spPr>
+        <p:txBody>
+          <a:bodyPr wrap="square">
+            <a:spAutoFit/>
+          </a:bodyPr>
+          <a:lstStyle/>
+          <a:p>
+            <a:r>
+              <a:rPr lang="en-US" sz="6400" dirty="0"/>
+              <a:t>Q &amp; A</a:t>
             </a:r>
           </a:p>
         </p:txBody>
@@ -8135,6 +8266,348 @@
 </file>
 
 <file path=ppt/slides/slide4.xml><?xml version="1.0" encoding="utf-8"?>
+<p:sld xmlns:a="http://schemas.openxmlformats.org/drawingml/2006/main" xmlns:r="http://schemas.openxmlformats.org/officeDocument/2006/relationships" xmlns:p="http://schemas.openxmlformats.org/presentationml/2006/main">
+  <p:cSld>
+    <p:spTree>
+      <p:nvGrpSpPr>
+        <p:cNvPr id="1" name=""/>
+        <p:cNvGrpSpPr/>
+        <p:nvPr/>
+      </p:nvGrpSpPr>
+      <p:grpSpPr>
+        <a:xfrm>
+          <a:off x="0" y="0"/>
+          <a:ext cx="0" cy="0"/>
+          <a:chOff x="0" y="0"/>
+          <a:chExt cx="0" cy="0"/>
+        </a:xfrm>
+      </p:grpSpPr>
+      <p:sp>
+        <p:nvSpPr>
+          <p:cNvPr id="2" name="Title 1"/>
+          <p:cNvSpPr>
+            <a:spLocks noGrp="1"/>
+          </p:cNvSpPr>
+          <p:nvPr>
+            <p:ph type="title"/>
+          </p:nvPr>
+        </p:nvSpPr>
+        <p:spPr>
+          <a:xfrm>
+            <a:off x="838200" y="365126"/>
+            <a:ext cx="10515600" cy="981894"/>
+          </a:xfrm>
+        </p:spPr>
+        <p:txBody>
+          <a:bodyPr/>
+          <a:lstStyle/>
+          <a:p>
+            <a:r>
+              <a:rPr lang="en-US" dirty="0"/>
+              <a:t>Statistical Learning </a:t>
+            </a:r>
+            <a:r>
+              <a:rPr lang="en-US" dirty="0" err="1"/>
+              <a:t>v.s</a:t>
+            </a:r>
+            <a:r>
+              <a:rPr lang="en-US" dirty="0"/>
+              <a:t>. Tradition Programming</a:t>
+            </a:r>
+          </a:p>
+        </p:txBody>
+      </p:sp>
+      <p:sp>
+        <p:nvSpPr>
+          <p:cNvPr id="17" name="TextBox 16">
+            <a:extLst>
+              <a:ext uri="{FF2B5EF4-FFF2-40B4-BE49-F238E27FC236}">
+                <a16:creationId xmlns:a16="http://schemas.microsoft.com/office/drawing/2014/main" id="{25E42085-982E-C942-B147-E3F8E8AF3C51}"/>
+              </a:ext>
+            </a:extLst>
+          </p:cNvPr>
+          <p:cNvSpPr txBox="1"/>
+          <p:nvPr/>
+        </p:nvSpPr>
+        <p:spPr>
+          <a:xfrm>
+            <a:off x="925461" y="1542776"/>
+            <a:ext cx="10341077" cy="1200329"/>
+          </a:xfrm>
+          <a:prstGeom prst="rect">
+            <a:avLst/>
+          </a:prstGeom>
+          <a:noFill/>
+        </p:spPr>
+        <p:txBody>
+          <a:bodyPr wrap="square">
+            <a:spAutoFit/>
+          </a:bodyPr>
+          <a:lstStyle/>
+          <a:p>
+            <a:r>
+              <a:rPr lang="en-CA" sz="2400" dirty="0">
+                <a:effectLst/>
+              </a:rPr>
+              <a:t>Traditional Programming: Given inputs, developers define the rules and program to obtain the outputs</a:t>
+            </a:r>
+          </a:p>
+          <a:p>
+            <a:r>
+              <a:rPr lang="en-CA" sz="2400" dirty="0">
+                <a:effectLst/>
+              </a:rPr>
+              <a:t> </a:t>
+            </a:r>
+            <a:endParaRPr lang="en-CA" dirty="0">
+              <a:effectLst/>
+            </a:endParaRPr>
+          </a:p>
+        </p:txBody>
+      </p:sp>
+      <p:pic>
+        <p:nvPicPr>
+          <p:cNvPr id="6" name="Picture 5">
+            <a:extLst>
+              <a:ext uri="{FF2B5EF4-FFF2-40B4-BE49-F238E27FC236}">
+                <a16:creationId xmlns:a16="http://schemas.microsoft.com/office/drawing/2014/main" id="{E2CDF938-133A-6F43-A18D-0E4300291A5A}"/>
+              </a:ext>
+            </a:extLst>
+          </p:cNvPr>
+          <p:cNvPicPr>
+            <a:picLocks noChangeAspect="1"/>
+          </p:cNvPicPr>
+          <p:nvPr/>
+        </p:nvPicPr>
+        <p:blipFill>
+          <a:blip r:embed="rId2"/>
+          <a:stretch>
+            <a:fillRect/>
+          </a:stretch>
+        </p:blipFill>
+        <p:spPr>
+          <a:xfrm>
+            <a:off x="2441749" y="2489817"/>
+            <a:ext cx="6839411" cy="1878366"/>
+          </a:xfrm>
+          <a:prstGeom prst="rect">
+            <a:avLst/>
+          </a:prstGeom>
+        </p:spPr>
+      </p:pic>
+      <p:sp>
+        <p:nvSpPr>
+          <p:cNvPr id="7" name="TextBox 6">
+            <a:extLst>
+              <a:ext uri="{FF2B5EF4-FFF2-40B4-BE49-F238E27FC236}">
+                <a16:creationId xmlns:a16="http://schemas.microsoft.com/office/drawing/2014/main" id="{16D8195A-AEAD-3F49-A4E2-EFFBC253E3BD}"/>
+              </a:ext>
+            </a:extLst>
+          </p:cNvPr>
+          <p:cNvSpPr txBox="1"/>
+          <p:nvPr/>
+        </p:nvSpPr>
+        <p:spPr>
+          <a:xfrm>
+            <a:off x="1012723" y="4684579"/>
+            <a:ext cx="10341077" cy="830997"/>
+          </a:xfrm>
+          <a:prstGeom prst="rect">
+            <a:avLst/>
+          </a:prstGeom>
+          <a:noFill/>
+        </p:spPr>
+        <p:txBody>
+          <a:bodyPr wrap="square">
+            <a:spAutoFit/>
+          </a:bodyPr>
+          <a:lstStyle/>
+          <a:p>
+            <a:r>
+              <a:rPr lang="en-CA" sz="2400" dirty="0">
+                <a:effectLst/>
+              </a:rPr>
+              <a:t>Learning: Given inputs and outputs to learn the rules/program</a:t>
+            </a:r>
+          </a:p>
+          <a:p>
+            <a:r>
+              <a:rPr lang="en-CA" sz="2400" dirty="0">
+                <a:effectLst/>
+              </a:rPr>
+              <a:t> </a:t>
+            </a:r>
+            <a:endParaRPr lang="en-CA" dirty="0">
+              <a:effectLst/>
+            </a:endParaRPr>
+          </a:p>
+        </p:txBody>
+      </p:sp>
+      <p:pic>
+        <p:nvPicPr>
+          <p:cNvPr id="8" name="Picture 7">
+            <a:extLst>
+              <a:ext uri="{FF2B5EF4-FFF2-40B4-BE49-F238E27FC236}">
+                <a16:creationId xmlns:a16="http://schemas.microsoft.com/office/drawing/2014/main" id="{87FAAB4A-A726-6545-8897-5D976DFCD3AC}"/>
+              </a:ext>
+            </a:extLst>
+          </p:cNvPr>
+          <p:cNvPicPr>
+            <a:picLocks noChangeAspect="1"/>
+          </p:cNvPicPr>
+          <p:nvPr/>
+        </p:nvPicPr>
+        <p:blipFill>
+          <a:blip r:embed="rId3"/>
+          <a:stretch>
+            <a:fillRect/>
+          </a:stretch>
+        </p:blipFill>
+        <p:spPr>
+          <a:xfrm>
+            <a:off x="3136675" y="5315224"/>
+            <a:ext cx="5108165" cy="1310028"/>
+          </a:xfrm>
+          <a:prstGeom prst="rect">
+            <a:avLst/>
+          </a:prstGeom>
+        </p:spPr>
+      </p:pic>
+    </p:spTree>
+    <p:extLst>
+      <p:ext uri="{BB962C8B-B14F-4D97-AF65-F5344CB8AC3E}">
+        <p14:creationId xmlns:p14="http://schemas.microsoft.com/office/powerpoint/2010/main" val="2326355560"/>
+      </p:ext>
+    </p:extLst>
+  </p:cSld>
+  <p:clrMapOvr>
+    <a:masterClrMapping/>
+  </p:clrMapOvr>
+  <p:timing>
+    <p:tnLst>
+      <p:par>
+        <p:cTn id="1" dur="indefinite" restart="never" nodeType="tmRoot">
+          <p:childTnLst>
+            <p:seq concurrent="1" nextAc="seek">
+              <p:cTn id="2" dur="indefinite" nodeType="mainSeq">
+                <p:childTnLst>
+                  <p:par>
+                    <p:cTn id="3" fill="hold">
+                      <p:stCondLst>
+                        <p:cond delay="indefinite"/>
+                        <p:cond evt="onBegin" delay="0">
+                          <p:tn val="2"/>
+                        </p:cond>
+                      </p:stCondLst>
+                      <p:childTnLst>
+                        <p:par>
+                          <p:cTn id="4" fill="hold">
+                            <p:stCondLst>
+                              <p:cond delay="0"/>
+                            </p:stCondLst>
+                            <p:childTnLst>
+                              <p:par>
+                                <p:cTn id="5" presetID="10" presetClass="entr" presetSubtype="0" fill="hold" nodeType="withEffect">
+                                  <p:stCondLst>
+                                    <p:cond delay="0"/>
+                                  </p:stCondLst>
+                                  <p:childTnLst>
+                                    <p:set>
+                                      <p:cBhvr>
+                                        <p:cTn id="6" dur="1" fill="hold">
+                                          <p:stCondLst>
+                                            <p:cond delay="0"/>
+                                          </p:stCondLst>
+                                        </p:cTn>
+                                        <p:tgtEl>
+                                          <p:spTgt spid="6"/>
+                                        </p:tgtEl>
+                                        <p:attrNameLst>
+                                          <p:attrName>style.visibility</p:attrName>
+                                        </p:attrNameLst>
+                                      </p:cBhvr>
+                                      <p:to>
+                                        <p:strVal val="visible"/>
+                                      </p:to>
+                                    </p:set>
+                                    <p:animEffect transition="in" filter="fade">
+                                      <p:cBhvr>
+                                        <p:cTn id="7" dur="500"/>
+                                        <p:tgtEl>
+                                          <p:spTgt spid="6"/>
+                                        </p:tgtEl>
+                                      </p:cBhvr>
+                                    </p:animEffect>
+                                  </p:childTnLst>
+                                </p:cTn>
+                              </p:par>
+                              <p:par>
+                                <p:cTn id="8" presetID="10" presetClass="entr" presetSubtype="0" fill="hold" nodeType="withEffect">
+                                  <p:stCondLst>
+                                    <p:cond delay="0"/>
+                                  </p:stCondLst>
+                                  <p:childTnLst>
+                                    <p:set>
+                                      <p:cBhvr>
+                                        <p:cTn id="9" dur="1" fill="hold">
+                                          <p:stCondLst>
+                                            <p:cond delay="0"/>
+                                          </p:stCondLst>
+                                        </p:cTn>
+                                        <p:tgtEl>
+                                          <p:spTgt spid="8"/>
+                                        </p:tgtEl>
+                                        <p:attrNameLst>
+                                          <p:attrName>style.visibility</p:attrName>
+                                        </p:attrNameLst>
+                                      </p:cBhvr>
+                                      <p:to>
+                                        <p:strVal val="visible"/>
+                                      </p:to>
+                                    </p:set>
+                                    <p:animEffect transition="in" filter="fade">
+                                      <p:cBhvr>
+                                        <p:cTn id="10" dur="500"/>
+                                        <p:tgtEl>
+                                          <p:spTgt spid="8"/>
+                                        </p:tgtEl>
+                                      </p:cBhvr>
+                                    </p:animEffect>
+                                  </p:childTnLst>
+                                </p:cTn>
+                              </p:par>
+                            </p:childTnLst>
+                          </p:cTn>
+                        </p:par>
+                      </p:childTnLst>
+                    </p:cTn>
+                  </p:par>
+                </p:childTnLst>
+              </p:cTn>
+              <p:prevCondLst>
+                <p:cond evt="onPrev" delay="0">
+                  <p:tgtEl>
+                    <p:sldTgt/>
+                  </p:tgtEl>
+                </p:cond>
+              </p:prevCondLst>
+              <p:nextCondLst>
+                <p:cond evt="onNext" delay="0">
+                  <p:tgtEl>
+                    <p:sldTgt/>
+                  </p:tgtEl>
+                </p:cond>
+              </p:nextCondLst>
+            </p:seq>
+          </p:childTnLst>
+        </p:cTn>
+      </p:par>
+    </p:tnLst>
+  </p:timing>
+</p:sld>
+</file>
+
+<file path=ppt/slides/slide5.xml><?xml version="1.0" encoding="utf-8"?>
 <p:sld xmlns:a="http://schemas.openxmlformats.org/drawingml/2006/main" xmlns:r="http://schemas.openxmlformats.org/officeDocument/2006/relationships" xmlns:p="http://schemas.openxmlformats.org/presentationml/2006/main">
   <p:cSld>
     <p:spTree>
@@ -9038,7 +9511,7 @@
 </p:sld>
 </file>
 
-<file path=ppt/slides/slide5.xml><?xml version="1.0" encoding="utf-8"?>
+<file path=ppt/slides/slide6.xml><?xml version="1.0" encoding="utf-8"?>
 <p:sld xmlns:a="http://schemas.openxmlformats.org/drawingml/2006/main" xmlns:r="http://schemas.openxmlformats.org/officeDocument/2006/relationships" xmlns:p="http://schemas.openxmlformats.org/presentationml/2006/main">
   <p:cSld>
     <p:spTree>
@@ -9148,7 +9621,7 @@
 </p:sld>
 </file>
 
-<file path=ppt/slides/slide6.xml><?xml version="1.0" encoding="utf-8"?>
+<file path=ppt/slides/slide7.xml><?xml version="1.0" encoding="utf-8"?>
 <p:sld xmlns:a="http://schemas.openxmlformats.org/drawingml/2006/main" xmlns:r="http://schemas.openxmlformats.org/officeDocument/2006/relationships" xmlns:p="http://schemas.openxmlformats.org/presentationml/2006/main">
   <p:cSld>
     <p:spTree>
@@ -9493,7 +9966,7 @@
 </p:sld>
 </file>
 
-<file path=ppt/slides/slide7.xml><?xml version="1.0" encoding="utf-8"?>
+<file path=ppt/slides/slide8.xml><?xml version="1.0" encoding="utf-8"?>
 <p:sld xmlns:a="http://schemas.openxmlformats.org/drawingml/2006/main" xmlns:r="http://schemas.openxmlformats.org/officeDocument/2006/relationships" xmlns:p="http://schemas.openxmlformats.org/presentationml/2006/main">
   <p:cSld>
     <p:spTree>
@@ -9592,7 +10065,7 @@
 </p:sld>
 </file>
 
-<file path=ppt/slides/slide8.xml><?xml version="1.0" encoding="utf-8"?>
+<file path=ppt/slides/slide9.xml><?xml version="1.0" encoding="utf-8"?>
 <p:sld xmlns:a="http://schemas.openxmlformats.org/drawingml/2006/main" xmlns:r="http://schemas.openxmlformats.org/officeDocument/2006/relationships" xmlns:p="http://schemas.openxmlformats.org/presentationml/2006/main">
   <p:cSld>
     <p:spTree>
@@ -9682,105 +10155,6 @@
     <p:extLst>
       <p:ext uri="{BB962C8B-B14F-4D97-AF65-F5344CB8AC3E}">
         <p14:creationId xmlns:p14="http://schemas.microsoft.com/office/powerpoint/2010/main" val="287532432"/>
-      </p:ext>
-    </p:extLst>
-  </p:cSld>
-  <p:clrMapOvr>
-    <a:masterClrMapping/>
-  </p:clrMapOvr>
-</p:sld>
-</file>
-
-<file path=ppt/slides/slide9.xml><?xml version="1.0" encoding="utf-8"?>
-<p:sld xmlns:a="http://schemas.openxmlformats.org/drawingml/2006/main" xmlns:r="http://schemas.openxmlformats.org/officeDocument/2006/relationships" xmlns:p="http://schemas.openxmlformats.org/presentationml/2006/main">
-  <p:cSld>
-    <p:spTree>
-      <p:nvGrpSpPr>
-        <p:cNvPr id="1" name=""/>
-        <p:cNvGrpSpPr/>
-        <p:nvPr/>
-      </p:nvGrpSpPr>
-      <p:grpSpPr>
-        <a:xfrm>
-          <a:off x="0" y="0"/>
-          <a:ext cx="0" cy="0"/>
-          <a:chOff x="0" y="0"/>
-          <a:chExt cx="0" cy="0"/>
-        </a:xfrm>
-      </p:grpSpPr>
-      <p:sp>
-        <p:nvSpPr>
-          <p:cNvPr id="2" name="Title 1"/>
-          <p:cNvSpPr>
-            <a:spLocks noGrp="1"/>
-          </p:cNvSpPr>
-          <p:nvPr>
-            <p:ph type="title"/>
-          </p:nvPr>
-        </p:nvSpPr>
-        <p:spPr/>
-        <p:txBody>
-          <a:bodyPr/>
-          <a:lstStyle/>
-          <a:p>
-            <a:r>
-              <a:rPr lang="en-US" dirty="0"/>
-              <a:t>Text-to-Image Generation</a:t>
-            </a:r>
-          </a:p>
-        </p:txBody>
-      </p:sp>
-      <p:pic>
-        <p:nvPicPr>
-          <p:cNvPr id="3074" name="Picture 2" descr="From DALL·E to Stable Diffusion: How Do Text-to-Image Generation Models  Work? - Edge AI and Vision Alliance">
-            <a:extLst>
-              <a:ext uri="{FF2B5EF4-FFF2-40B4-BE49-F238E27FC236}">
-                <a16:creationId xmlns:a16="http://schemas.microsoft.com/office/drawing/2014/main" id="{9DF9DE53-041E-6B4B-B6AA-AA298D2E3C17}"/>
-              </a:ext>
-            </a:extLst>
-          </p:cNvPr>
-          <p:cNvPicPr>
-            <a:picLocks noChangeAspect="1" noChangeArrowheads="1"/>
-          </p:cNvPicPr>
-          <p:nvPr/>
-        </p:nvPicPr>
-        <p:blipFill>
-          <a:blip r:embed="rId2">
-            <a:extLst>
-              <a:ext uri="{28A0092B-C50C-407E-A947-70E740481C1C}">
-                <a14:useLocalDpi xmlns:a14="http://schemas.microsoft.com/office/drawing/2010/main" val="0"/>
-              </a:ext>
-            </a:extLst>
-          </a:blip>
-          <a:srcRect/>
-          <a:stretch>
-            <a:fillRect/>
-          </a:stretch>
-        </p:blipFill>
-        <p:spPr bwMode="auto">
-          <a:xfrm>
-            <a:off x="1188720" y="1690688"/>
-            <a:ext cx="9540240" cy="5012353"/>
-          </a:xfrm>
-          <a:prstGeom prst="rect">
-            <a:avLst/>
-          </a:prstGeom>
-          <a:noFill/>
-          <a:extLst>
-            <a:ext uri="{909E8E84-426E-40DD-AFC4-6F175D3DCCD1}">
-              <a14:hiddenFill xmlns:a14="http://schemas.microsoft.com/office/drawing/2010/main">
-                <a:solidFill>
-                  <a:srgbClr val="FFFFFF"/>
-                </a:solidFill>
-              </a14:hiddenFill>
-            </a:ext>
-          </a:extLst>
-        </p:spPr>
-      </p:pic>
-    </p:spTree>
-    <p:extLst>
-      <p:ext uri="{BB962C8B-B14F-4D97-AF65-F5344CB8AC3E}">
-        <p14:creationId xmlns:p14="http://schemas.microsoft.com/office/powerpoint/2010/main" val="2722821320"/>
       </p:ext>
     </p:extLst>
   </p:cSld>
